--- a/Presentation Cloud.pptx
+++ b/Presentation Cloud.pptx
@@ -4,15 +4,23 @@
   <p:sldMasterIdLst>
     <p:sldMasterId id="2147483660" r:id="rId1"/>
   </p:sldMasterIdLst>
+  <p:notesMasterIdLst>
+    <p:notesMasterId r:id="rId15"/>
+  </p:notesMasterIdLst>
   <p:sldIdLst>
     <p:sldId id="256" r:id="rId2"/>
     <p:sldId id="257" r:id="rId3"/>
     <p:sldId id="258" r:id="rId4"/>
     <p:sldId id="259" r:id="rId5"/>
-    <p:sldId id="260" r:id="rId6"/>
-    <p:sldId id="261" r:id="rId7"/>
-    <p:sldId id="262" r:id="rId8"/>
-    <p:sldId id="263" r:id="rId9"/>
+    <p:sldId id="265" r:id="rId6"/>
+    <p:sldId id="266" r:id="rId7"/>
+    <p:sldId id="260" r:id="rId8"/>
+    <p:sldId id="261" r:id="rId9"/>
+    <p:sldId id="262" r:id="rId10"/>
+    <p:sldId id="269" r:id="rId11"/>
+    <p:sldId id="268" r:id="rId12"/>
+    <p:sldId id="263" r:id="rId13"/>
+    <p:sldId id="264" r:id="rId14"/>
   </p:sldIdLst>
   <p:sldSz cx="12192000" cy="6858000"/>
   <p:notesSz cx="6858000" cy="9144000"/>
@@ -111,11 +119,966 @@
       </a:defRPr>
     </a:lvl9pPr>
   </p:defaultTextStyle>
+  <p:extLst>
+    <p:ext uri="{EFAFB233-063F-42B5-8137-9DF3F51BA10A}">
+      <p15:sldGuideLst xmlns:p15="http://schemas.microsoft.com/office/powerpoint/2012/main"/>
+    </p:ext>
+  </p:extLst>
 </p:presentation>
+</file>
+
+<file path=ppt/commentAuthors.xml><?xml version="1.0" encoding="utf-8"?>
+<p:cmAuthorLst xmlns:a="http://schemas.openxmlformats.org/drawingml/2006/main" xmlns:r="http://schemas.openxmlformats.org/officeDocument/2006/relationships" xmlns:p="http://schemas.openxmlformats.org/presentationml/2006/main">
+  <p:cmAuthor id="1" name="VARREL LILIAN p1307363" initials="VLp" lastIdx="0" clrIdx="0">
+    <p:extLst>
+      <p:ext uri="{19B8F6BF-5375-455C-9EA6-DF929625EA0E}">
+        <p15:presenceInfo xmlns:p15="http://schemas.microsoft.com/office/powerpoint/2012/main" userId="VARREL LILIAN p1307363" providerId="None"/>
+      </p:ext>
+    </p:extLst>
+  </p:cmAuthor>
+</p:cmAuthorLst>
 </file>
 
 <file path=ppt/revisionInfo.xml><?xml version="1.0" encoding="utf-8"?>
 <p1510:revInfo xmlns:a="http://schemas.openxmlformats.org/drawingml/2006/main" xmlns:r="http://schemas.openxmlformats.org/officeDocument/2006/relationships" xmlns:p1510="http://schemas.microsoft.com/office/powerpoint/2015/10/main"/>
+</file>
+
+<file path=ppt/notesMasters/notesMaster1.xml><?xml version="1.0" encoding="utf-8"?>
+<p:notesMaster xmlns:a="http://schemas.openxmlformats.org/drawingml/2006/main" xmlns:r="http://schemas.openxmlformats.org/officeDocument/2006/relationships" xmlns:p="http://schemas.openxmlformats.org/presentationml/2006/main">
+  <p:cSld>
+    <p:bg>
+      <p:bgRef idx="1001">
+        <a:schemeClr val="bg1"/>
+      </p:bgRef>
+    </p:bg>
+    <p:spTree>
+      <p:nvGrpSpPr>
+        <p:cNvPr id="1" name=""/>
+        <p:cNvGrpSpPr/>
+        <p:nvPr/>
+      </p:nvGrpSpPr>
+      <p:grpSpPr>
+        <a:xfrm>
+          <a:off x="0" y="0"/>
+          <a:ext cx="0" cy="0"/>
+          <a:chOff x="0" y="0"/>
+          <a:chExt cx="0" cy="0"/>
+        </a:xfrm>
+      </p:grpSpPr>
+      <p:sp>
+        <p:nvSpPr>
+          <p:cNvPr id="2" name="Espace réservé de l'en-tête 1"/>
+          <p:cNvSpPr>
+            <a:spLocks noGrp="1"/>
+          </p:cNvSpPr>
+          <p:nvPr>
+            <p:ph type="hdr" sz="quarter"/>
+          </p:nvPr>
+        </p:nvSpPr>
+        <p:spPr>
+          <a:xfrm>
+            <a:off x="0" y="0"/>
+            <a:ext cx="2971800" cy="458788"/>
+          </a:xfrm>
+          <a:prstGeom prst="rect">
+            <a:avLst/>
+          </a:prstGeom>
+        </p:spPr>
+        <p:txBody>
+          <a:bodyPr vert="horz" lIns="91440" tIns="45720" rIns="91440" bIns="45720" rtlCol="0"/>
+          <a:lstStyle>
+            <a:lvl1pPr algn="l">
+              <a:defRPr sz="1200"/>
+            </a:lvl1pPr>
+          </a:lstStyle>
+          <a:p>
+            <a:endParaRPr lang="fr-FR"/>
+          </a:p>
+        </p:txBody>
+      </p:sp>
+      <p:sp>
+        <p:nvSpPr>
+          <p:cNvPr id="3" name="Espace réservé de la date 2"/>
+          <p:cNvSpPr>
+            <a:spLocks noGrp="1"/>
+          </p:cNvSpPr>
+          <p:nvPr>
+            <p:ph type="dt" idx="1"/>
+          </p:nvPr>
+        </p:nvSpPr>
+        <p:spPr>
+          <a:xfrm>
+            <a:off x="3884613" y="0"/>
+            <a:ext cx="2971800" cy="458788"/>
+          </a:xfrm>
+          <a:prstGeom prst="rect">
+            <a:avLst/>
+          </a:prstGeom>
+        </p:spPr>
+        <p:txBody>
+          <a:bodyPr vert="horz" lIns="91440" tIns="45720" rIns="91440" bIns="45720" rtlCol="0"/>
+          <a:lstStyle>
+            <a:lvl1pPr algn="r">
+              <a:defRPr sz="1200"/>
+            </a:lvl1pPr>
+          </a:lstStyle>
+          <a:p>
+            <a:fld id="{1679012D-8AD0-46EB-9C5F-83305F195B36}" type="datetimeFigureOut">
+              <a:rPr lang="fr-FR" smtClean="0"/>
+              <a:t>25/11/2017</a:t>
+            </a:fld>
+            <a:endParaRPr lang="fr-FR"/>
+          </a:p>
+        </p:txBody>
+      </p:sp>
+      <p:sp>
+        <p:nvSpPr>
+          <p:cNvPr id="4" name="Espace réservé de l'image des diapositives 3"/>
+          <p:cNvSpPr>
+            <a:spLocks noGrp="1" noRot="1" noChangeAspect="1"/>
+          </p:cNvSpPr>
+          <p:nvPr>
+            <p:ph type="sldImg" idx="2"/>
+          </p:nvPr>
+        </p:nvSpPr>
+        <p:spPr>
+          <a:xfrm>
+            <a:off x="685800" y="1143000"/>
+            <a:ext cx="5486400" cy="3086100"/>
+          </a:xfrm>
+          <a:prstGeom prst="rect">
+            <a:avLst/>
+          </a:prstGeom>
+          <a:noFill/>
+          <a:ln w="12700">
+            <a:solidFill>
+              <a:prstClr val="black"/>
+            </a:solidFill>
+          </a:ln>
+        </p:spPr>
+        <p:txBody>
+          <a:bodyPr vert="horz" lIns="91440" tIns="45720" rIns="91440" bIns="45720" rtlCol="0" anchor="ctr"/>
+          <a:lstStyle/>
+          <a:p>
+            <a:endParaRPr lang="fr-FR"/>
+          </a:p>
+        </p:txBody>
+      </p:sp>
+      <p:sp>
+        <p:nvSpPr>
+          <p:cNvPr id="5" name="Espace réservé des notes 4"/>
+          <p:cNvSpPr>
+            <a:spLocks noGrp="1"/>
+          </p:cNvSpPr>
+          <p:nvPr>
+            <p:ph type="body" sz="quarter" idx="3"/>
+          </p:nvPr>
+        </p:nvSpPr>
+        <p:spPr>
+          <a:xfrm>
+            <a:off x="685800" y="4400550"/>
+            <a:ext cx="5486400" cy="3600450"/>
+          </a:xfrm>
+          <a:prstGeom prst="rect">
+            <a:avLst/>
+          </a:prstGeom>
+        </p:spPr>
+        <p:txBody>
+          <a:bodyPr vert="horz" lIns="91440" tIns="45720" rIns="91440" bIns="45720" rtlCol="0"/>
+          <a:lstStyle/>
+          <a:p>
+            <a:pPr lvl="0"/>
+            <a:r>
+              <a:rPr lang="fr-FR"/>
+              <a:t>Modifier les styles du texte du masque</a:t>
+            </a:r>
+          </a:p>
+          <a:p>
+            <a:pPr lvl="1"/>
+            <a:r>
+              <a:rPr lang="fr-FR"/>
+              <a:t>Deuxième niveau</a:t>
+            </a:r>
+          </a:p>
+          <a:p>
+            <a:pPr lvl="2"/>
+            <a:r>
+              <a:rPr lang="fr-FR"/>
+              <a:t>Troisième niveau</a:t>
+            </a:r>
+          </a:p>
+          <a:p>
+            <a:pPr lvl="3"/>
+            <a:r>
+              <a:rPr lang="fr-FR"/>
+              <a:t>Quatrième niveau</a:t>
+            </a:r>
+          </a:p>
+          <a:p>
+            <a:pPr lvl="4"/>
+            <a:r>
+              <a:rPr lang="fr-FR"/>
+              <a:t>Cinquième niveau</a:t>
+            </a:r>
+          </a:p>
+        </p:txBody>
+      </p:sp>
+      <p:sp>
+        <p:nvSpPr>
+          <p:cNvPr id="6" name="Espace réservé du pied de page 5"/>
+          <p:cNvSpPr>
+            <a:spLocks noGrp="1"/>
+          </p:cNvSpPr>
+          <p:nvPr>
+            <p:ph type="ftr" sz="quarter" idx="4"/>
+          </p:nvPr>
+        </p:nvSpPr>
+        <p:spPr>
+          <a:xfrm>
+            <a:off x="0" y="8685213"/>
+            <a:ext cx="2971800" cy="458787"/>
+          </a:xfrm>
+          <a:prstGeom prst="rect">
+            <a:avLst/>
+          </a:prstGeom>
+        </p:spPr>
+        <p:txBody>
+          <a:bodyPr vert="horz" lIns="91440" tIns="45720" rIns="91440" bIns="45720" rtlCol="0" anchor="b"/>
+          <a:lstStyle>
+            <a:lvl1pPr algn="l">
+              <a:defRPr sz="1200"/>
+            </a:lvl1pPr>
+          </a:lstStyle>
+          <a:p>
+            <a:endParaRPr lang="fr-FR"/>
+          </a:p>
+        </p:txBody>
+      </p:sp>
+      <p:sp>
+        <p:nvSpPr>
+          <p:cNvPr id="7" name="Espace réservé du numéro de diapositive 6"/>
+          <p:cNvSpPr>
+            <a:spLocks noGrp="1"/>
+          </p:cNvSpPr>
+          <p:nvPr>
+            <p:ph type="sldNum" sz="quarter" idx="5"/>
+          </p:nvPr>
+        </p:nvSpPr>
+        <p:spPr>
+          <a:xfrm>
+            <a:off x="3884613" y="8685213"/>
+            <a:ext cx="2971800" cy="458787"/>
+          </a:xfrm>
+          <a:prstGeom prst="rect">
+            <a:avLst/>
+          </a:prstGeom>
+        </p:spPr>
+        <p:txBody>
+          <a:bodyPr vert="horz" lIns="91440" tIns="45720" rIns="91440" bIns="45720" rtlCol="0" anchor="b"/>
+          <a:lstStyle>
+            <a:lvl1pPr algn="r">
+              <a:defRPr sz="1200"/>
+            </a:lvl1pPr>
+          </a:lstStyle>
+          <a:p>
+            <a:fld id="{8C9430EA-2101-4193-B144-81AA5245BAB4}" type="slidenum">
+              <a:rPr lang="fr-FR" smtClean="0"/>
+              <a:t>‹N°›</a:t>
+            </a:fld>
+            <a:endParaRPr lang="fr-FR"/>
+          </a:p>
+        </p:txBody>
+      </p:sp>
+    </p:spTree>
+    <p:extLst>
+      <p:ext uri="{BB962C8B-B14F-4D97-AF65-F5344CB8AC3E}">
+        <p14:creationId xmlns:p14="http://schemas.microsoft.com/office/powerpoint/2010/main" val="3761400281"/>
+      </p:ext>
+    </p:extLst>
+  </p:cSld>
+  <p:clrMap bg1="lt1" tx1="dk1" bg2="lt2" tx2="dk2" accent1="accent1" accent2="accent2" accent3="accent3" accent4="accent4" accent5="accent5" accent6="accent6" hlink="hlink" folHlink="folHlink"/>
+  <p:notesStyle>
+    <a:lvl1pPr marL="0" algn="l" defTabSz="914400" rtl="0" eaLnBrk="1" latinLnBrk="0" hangingPunct="1">
+      <a:defRPr sz="1200" kern="1200">
+        <a:solidFill>
+          <a:schemeClr val="tx1"/>
+        </a:solidFill>
+        <a:latin typeface="+mn-lt"/>
+        <a:ea typeface="+mn-ea"/>
+        <a:cs typeface="+mn-cs"/>
+      </a:defRPr>
+    </a:lvl1pPr>
+    <a:lvl2pPr marL="457200" algn="l" defTabSz="914400" rtl="0" eaLnBrk="1" latinLnBrk="0" hangingPunct="1">
+      <a:defRPr sz="1200" kern="1200">
+        <a:solidFill>
+          <a:schemeClr val="tx1"/>
+        </a:solidFill>
+        <a:latin typeface="+mn-lt"/>
+        <a:ea typeface="+mn-ea"/>
+        <a:cs typeface="+mn-cs"/>
+      </a:defRPr>
+    </a:lvl2pPr>
+    <a:lvl3pPr marL="914400" algn="l" defTabSz="914400" rtl="0" eaLnBrk="1" latinLnBrk="0" hangingPunct="1">
+      <a:defRPr sz="1200" kern="1200">
+        <a:solidFill>
+          <a:schemeClr val="tx1"/>
+        </a:solidFill>
+        <a:latin typeface="+mn-lt"/>
+        <a:ea typeface="+mn-ea"/>
+        <a:cs typeface="+mn-cs"/>
+      </a:defRPr>
+    </a:lvl3pPr>
+    <a:lvl4pPr marL="1371600" algn="l" defTabSz="914400" rtl="0" eaLnBrk="1" latinLnBrk="0" hangingPunct="1">
+      <a:defRPr sz="1200" kern="1200">
+        <a:solidFill>
+          <a:schemeClr val="tx1"/>
+        </a:solidFill>
+        <a:latin typeface="+mn-lt"/>
+        <a:ea typeface="+mn-ea"/>
+        <a:cs typeface="+mn-cs"/>
+      </a:defRPr>
+    </a:lvl4pPr>
+    <a:lvl5pPr marL="1828800" algn="l" defTabSz="914400" rtl="0" eaLnBrk="1" latinLnBrk="0" hangingPunct="1">
+      <a:defRPr sz="1200" kern="1200">
+        <a:solidFill>
+          <a:schemeClr val="tx1"/>
+        </a:solidFill>
+        <a:latin typeface="+mn-lt"/>
+        <a:ea typeface="+mn-ea"/>
+        <a:cs typeface="+mn-cs"/>
+      </a:defRPr>
+    </a:lvl5pPr>
+    <a:lvl6pPr marL="2286000" algn="l" defTabSz="914400" rtl="0" eaLnBrk="1" latinLnBrk="0" hangingPunct="1">
+      <a:defRPr sz="1200" kern="1200">
+        <a:solidFill>
+          <a:schemeClr val="tx1"/>
+        </a:solidFill>
+        <a:latin typeface="+mn-lt"/>
+        <a:ea typeface="+mn-ea"/>
+        <a:cs typeface="+mn-cs"/>
+      </a:defRPr>
+    </a:lvl6pPr>
+    <a:lvl7pPr marL="2743200" algn="l" defTabSz="914400" rtl="0" eaLnBrk="1" latinLnBrk="0" hangingPunct="1">
+      <a:defRPr sz="1200" kern="1200">
+        <a:solidFill>
+          <a:schemeClr val="tx1"/>
+        </a:solidFill>
+        <a:latin typeface="+mn-lt"/>
+        <a:ea typeface="+mn-ea"/>
+        <a:cs typeface="+mn-cs"/>
+      </a:defRPr>
+    </a:lvl7pPr>
+    <a:lvl8pPr marL="3200400" algn="l" defTabSz="914400" rtl="0" eaLnBrk="1" latinLnBrk="0" hangingPunct="1">
+      <a:defRPr sz="1200" kern="1200">
+        <a:solidFill>
+          <a:schemeClr val="tx1"/>
+        </a:solidFill>
+        <a:latin typeface="+mn-lt"/>
+        <a:ea typeface="+mn-ea"/>
+        <a:cs typeface="+mn-cs"/>
+      </a:defRPr>
+    </a:lvl8pPr>
+    <a:lvl9pPr marL="3657600" algn="l" defTabSz="914400" rtl="0" eaLnBrk="1" latinLnBrk="0" hangingPunct="1">
+      <a:defRPr sz="1200" kern="1200">
+        <a:solidFill>
+          <a:schemeClr val="tx1"/>
+        </a:solidFill>
+        <a:latin typeface="+mn-lt"/>
+        <a:ea typeface="+mn-ea"/>
+        <a:cs typeface="+mn-cs"/>
+      </a:defRPr>
+    </a:lvl9pPr>
+  </p:notesStyle>
+</p:notesMaster>
+</file>
+
+<file path=ppt/notesSlides/notesSlide1.xml><?xml version="1.0" encoding="utf-8"?>
+<p:notes xmlns:a="http://schemas.openxmlformats.org/drawingml/2006/main" xmlns:r="http://schemas.openxmlformats.org/officeDocument/2006/relationships" xmlns:p="http://schemas.openxmlformats.org/presentationml/2006/main">
+  <p:cSld>
+    <p:spTree>
+      <p:nvGrpSpPr>
+        <p:cNvPr id="1" name=""/>
+        <p:cNvGrpSpPr/>
+        <p:nvPr/>
+      </p:nvGrpSpPr>
+      <p:grpSpPr>
+        <a:xfrm>
+          <a:off x="0" y="0"/>
+          <a:ext cx="0" cy="0"/>
+          <a:chOff x="0" y="0"/>
+          <a:chExt cx="0" cy="0"/>
+        </a:xfrm>
+      </p:grpSpPr>
+      <p:sp>
+        <p:nvSpPr>
+          <p:cNvPr id="2" name="Espace réservé de l'image des diapositives 1"/>
+          <p:cNvSpPr>
+            <a:spLocks noGrp="1" noRot="1" noChangeAspect="1"/>
+          </p:cNvSpPr>
+          <p:nvPr>
+            <p:ph type="sldImg"/>
+          </p:nvPr>
+        </p:nvSpPr>
+        <p:spPr/>
+      </p:sp>
+      <p:sp>
+        <p:nvSpPr>
+          <p:cNvPr id="3" name="Espace réservé des notes 2"/>
+          <p:cNvSpPr>
+            <a:spLocks noGrp="1"/>
+          </p:cNvSpPr>
+          <p:nvPr>
+            <p:ph type="body" idx="1"/>
+          </p:nvPr>
+        </p:nvSpPr>
+        <p:spPr/>
+        <p:txBody>
+          <a:bodyPr/>
+          <a:lstStyle/>
+          <a:p>
+            <a:r>
+              <a:rPr lang="fr-FR" dirty="0"/>
+              <a:t>1 schéma global + des explications de l'architecture déployée</a:t>
+            </a:r>
+          </a:p>
+          <a:p>
+            <a:r>
+              <a:rPr lang="fr-FR" dirty="0"/>
+              <a:t>Expliquer l'évolution de l'architecture mise en place</a:t>
+            </a:r>
+          </a:p>
+          <a:p>
+            <a:endParaRPr lang="fr-FR" dirty="0"/>
+          </a:p>
+        </p:txBody>
+      </p:sp>
+      <p:sp>
+        <p:nvSpPr>
+          <p:cNvPr id="4" name="Espace réservé du numéro de diapositive 3"/>
+          <p:cNvSpPr>
+            <a:spLocks noGrp="1"/>
+          </p:cNvSpPr>
+          <p:nvPr>
+            <p:ph type="sldNum" sz="quarter" idx="10"/>
+          </p:nvPr>
+        </p:nvSpPr>
+        <p:spPr/>
+        <p:txBody>
+          <a:bodyPr/>
+          <a:lstStyle/>
+          <a:p>
+            <a:fld id="{8C9430EA-2101-4193-B144-81AA5245BAB4}" type="slidenum">
+              <a:rPr lang="fr-FR" smtClean="0"/>
+              <a:t>3</a:t>
+            </a:fld>
+            <a:endParaRPr lang="fr-FR"/>
+          </a:p>
+        </p:txBody>
+      </p:sp>
+    </p:spTree>
+    <p:extLst>
+      <p:ext uri="{BB962C8B-B14F-4D97-AF65-F5344CB8AC3E}">
+        <p14:creationId xmlns:p14="http://schemas.microsoft.com/office/powerpoint/2010/main" val="3894418767"/>
+      </p:ext>
+    </p:extLst>
+  </p:cSld>
+  <p:clrMapOvr>
+    <a:masterClrMapping/>
+  </p:clrMapOvr>
+</p:notes>
+</file>
+
+<file path=ppt/notesSlides/notesSlide2.xml><?xml version="1.0" encoding="utf-8"?>
+<p:notes xmlns:a="http://schemas.openxmlformats.org/drawingml/2006/main" xmlns:r="http://schemas.openxmlformats.org/officeDocument/2006/relationships" xmlns:p="http://schemas.openxmlformats.org/presentationml/2006/main">
+  <p:cSld>
+    <p:spTree>
+      <p:nvGrpSpPr>
+        <p:cNvPr id="1" name=""/>
+        <p:cNvGrpSpPr/>
+        <p:nvPr/>
+      </p:nvGrpSpPr>
+      <p:grpSpPr>
+        <a:xfrm>
+          <a:off x="0" y="0"/>
+          <a:ext cx="0" cy="0"/>
+          <a:chOff x="0" y="0"/>
+          <a:chExt cx="0" cy="0"/>
+        </a:xfrm>
+      </p:grpSpPr>
+      <p:sp>
+        <p:nvSpPr>
+          <p:cNvPr id="2" name="Espace réservé de l'image des diapositives 1"/>
+          <p:cNvSpPr>
+            <a:spLocks noGrp="1" noRot="1" noChangeAspect="1"/>
+          </p:cNvSpPr>
+          <p:nvPr>
+            <p:ph type="sldImg"/>
+          </p:nvPr>
+        </p:nvSpPr>
+        <p:spPr/>
+      </p:sp>
+      <p:sp>
+        <p:nvSpPr>
+          <p:cNvPr id="3" name="Espace réservé des notes 2"/>
+          <p:cNvSpPr>
+            <a:spLocks noGrp="1"/>
+          </p:cNvSpPr>
+          <p:nvPr>
+            <p:ph type="body" idx="1"/>
+          </p:nvPr>
+        </p:nvSpPr>
+        <p:spPr/>
+        <p:txBody>
+          <a:bodyPr/>
+          <a:lstStyle/>
+          <a:p>
+            <a:r>
+              <a:rPr lang="fr-FR" dirty="0"/>
+              <a:t>Expliquer les choix techniques des technologies utilisées (côté serveur)</a:t>
+            </a:r>
+          </a:p>
+          <a:p>
+            <a:r>
+              <a:rPr lang="fr-FR" dirty="0"/>
+              <a:t>Avantages et inconvénients des technologies utilisées</a:t>
+            </a:r>
+          </a:p>
+          <a:p>
+            <a:r>
+              <a:rPr lang="fr-FR" dirty="0"/>
+              <a:t>Est-ce que ces choix étaient les bons ?</a:t>
+            </a:r>
+          </a:p>
+          <a:p>
+            <a:endParaRPr lang="fr-FR" dirty="0"/>
+          </a:p>
+        </p:txBody>
+      </p:sp>
+      <p:sp>
+        <p:nvSpPr>
+          <p:cNvPr id="4" name="Espace réservé du numéro de diapositive 3"/>
+          <p:cNvSpPr>
+            <a:spLocks noGrp="1"/>
+          </p:cNvSpPr>
+          <p:nvPr>
+            <p:ph type="sldNum" sz="quarter" idx="10"/>
+          </p:nvPr>
+        </p:nvSpPr>
+        <p:spPr/>
+        <p:txBody>
+          <a:bodyPr/>
+          <a:lstStyle/>
+          <a:p>
+            <a:fld id="{8C9430EA-2101-4193-B144-81AA5245BAB4}" type="slidenum">
+              <a:rPr lang="fr-FR" smtClean="0"/>
+              <a:t>4</a:t>
+            </a:fld>
+            <a:endParaRPr lang="fr-FR"/>
+          </a:p>
+        </p:txBody>
+      </p:sp>
+    </p:spTree>
+    <p:extLst>
+      <p:ext uri="{BB962C8B-B14F-4D97-AF65-F5344CB8AC3E}">
+        <p14:creationId xmlns:p14="http://schemas.microsoft.com/office/powerpoint/2010/main" val="3209010627"/>
+      </p:ext>
+    </p:extLst>
+  </p:cSld>
+  <p:clrMapOvr>
+    <a:masterClrMapping/>
+  </p:clrMapOvr>
+</p:notes>
+</file>
+
+<file path=ppt/notesSlides/notesSlide3.xml><?xml version="1.0" encoding="utf-8"?>
+<p:notes xmlns:a="http://schemas.openxmlformats.org/drawingml/2006/main" xmlns:r="http://schemas.openxmlformats.org/officeDocument/2006/relationships" xmlns:p="http://schemas.openxmlformats.org/presentationml/2006/main">
+  <p:cSld>
+    <p:spTree>
+      <p:nvGrpSpPr>
+        <p:cNvPr id="1" name=""/>
+        <p:cNvGrpSpPr/>
+        <p:nvPr/>
+      </p:nvGrpSpPr>
+      <p:grpSpPr>
+        <a:xfrm>
+          <a:off x="0" y="0"/>
+          <a:ext cx="0" cy="0"/>
+          <a:chOff x="0" y="0"/>
+          <a:chExt cx="0" cy="0"/>
+        </a:xfrm>
+      </p:grpSpPr>
+      <p:sp>
+        <p:nvSpPr>
+          <p:cNvPr id="2" name="Espace réservé de l'image des diapositives 1"/>
+          <p:cNvSpPr>
+            <a:spLocks noGrp="1" noRot="1" noChangeAspect="1"/>
+          </p:cNvSpPr>
+          <p:nvPr>
+            <p:ph type="sldImg"/>
+          </p:nvPr>
+        </p:nvSpPr>
+        <p:spPr/>
+      </p:sp>
+      <p:sp>
+        <p:nvSpPr>
+          <p:cNvPr id="3" name="Espace réservé des notes 2"/>
+          <p:cNvSpPr>
+            <a:spLocks noGrp="1"/>
+          </p:cNvSpPr>
+          <p:nvPr>
+            <p:ph type="body" idx="1"/>
+          </p:nvPr>
+        </p:nvSpPr>
+        <p:spPr/>
+        <p:txBody>
+          <a:bodyPr/>
+          <a:lstStyle/>
+          <a:p>
+            <a:r>
+              <a:rPr lang="fr-FR" dirty="0"/>
+              <a:t>Expliquer les choix techniques des technologies utilisées (côté serveur)</a:t>
+            </a:r>
+          </a:p>
+          <a:p>
+            <a:r>
+              <a:rPr lang="fr-FR" dirty="0"/>
+              <a:t>Avantages et inconvénients des technologies utilisées</a:t>
+            </a:r>
+          </a:p>
+          <a:p>
+            <a:r>
+              <a:rPr lang="fr-FR" dirty="0"/>
+              <a:t>Est-ce que ces choix étaient les bons ?</a:t>
+            </a:r>
+          </a:p>
+          <a:p>
+            <a:endParaRPr lang="fr-FR" dirty="0"/>
+          </a:p>
+        </p:txBody>
+      </p:sp>
+      <p:sp>
+        <p:nvSpPr>
+          <p:cNvPr id="4" name="Espace réservé du numéro de diapositive 3"/>
+          <p:cNvSpPr>
+            <a:spLocks noGrp="1"/>
+          </p:cNvSpPr>
+          <p:nvPr>
+            <p:ph type="sldNum" sz="quarter" idx="10"/>
+          </p:nvPr>
+        </p:nvSpPr>
+        <p:spPr/>
+        <p:txBody>
+          <a:bodyPr/>
+          <a:lstStyle/>
+          <a:p>
+            <a:fld id="{8C9430EA-2101-4193-B144-81AA5245BAB4}" type="slidenum">
+              <a:rPr lang="fr-FR" smtClean="0"/>
+              <a:t>5</a:t>
+            </a:fld>
+            <a:endParaRPr lang="fr-FR"/>
+          </a:p>
+        </p:txBody>
+      </p:sp>
+    </p:spTree>
+    <p:extLst>
+      <p:ext uri="{BB962C8B-B14F-4D97-AF65-F5344CB8AC3E}">
+        <p14:creationId xmlns:p14="http://schemas.microsoft.com/office/powerpoint/2010/main" val="4029215718"/>
+      </p:ext>
+    </p:extLst>
+  </p:cSld>
+  <p:clrMapOvr>
+    <a:masterClrMapping/>
+  </p:clrMapOvr>
+</p:notes>
+</file>
+
+<file path=ppt/notesSlides/notesSlide4.xml><?xml version="1.0" encoding="utf-8"?>
+<p:notes xmlns:a="http://schemas.openxmlformats.org/drawingml/2006/main" xmlns:r="http://schemas.openxmlformats.org/officeDocument/2006/relationships" xmlns:p="http://schemas.openxmlformats.org/presentationml/2006/main">
+  <p:cSld>
+    <p:spTree>
+      <p:nvGrpSpPr>
+        <p:cNvPr id="1" name=""/>
+        <p:cNvGrpSpPr/>
+        <p:nvPr/>
+      </p:nvGrpSpPr>
+      <p:grpSpPr>
+        <a:xfrm>
+          <a:off x="0" y="0"/>
+          <a:ext cx="0" cy="0"/>
+          <a:chOff x="0" y="0"/>
+          <a:chExt cx="0" cy="0"/>
+        </a:xfrm>
+      </p:grpSpPr>
+      <p:sp>
+        <p:nvSpPr>
+          <p:cNvPr id="2" name="Espace réservé de l'image des diapositives 1"/>
+          <p:cNvSpPr>
+            <a:spLocks noGrp="1" noRot="1" noChangeAspect="1"/>
+          </p:cNvSpPr>
+          <p:nvPr>
+            <p:ph type="sldImg"/>
+          </p:nvPr>
+        </p:nvSpPr>
+        <p:spPr/>
+      </p:sp>
+      <p:sp>
+        <p:nvSpPr>
+          <p:cNvPr id="3" name="Espace réservé des notes 2"/>
+          <p:cNvSpPr>
+            <a:spLocks noGrp="1"/>
+          </p:cNvSpPr>
+          <p:nvPr>
+            <p:ph type="body" idx="1"/>
+          </p:nvPr>
+        </p:nvSpPr>
+        <p:spPr/>
+        <p:txBody>
+          <a:bodyPr/>
+          <a:lstStyle/>
+          <a:p>
+            <a:r>
+              <a:rPr lang="fr-FR" dirty="0"/>
+              <a:t>Expliquer les choix techniques des technologies utilisées (côté serveur)</a:t>
+            </a:r>
+          </a:p>
+          <a:p>
+            <a:r>
+              <a:rPr lang="fr-FR" dirty="0"/>
+              <a:t>Avantages et inconvénients des technologies utilisées</a:t>
+            </a:r>
+          </a:p>
+          <a:p>
+            <a:r>
+              <a:rPr lang="fr-FR" dirty="0"/>
+              <a:t>Est-ce que ces choix étaient les bons ?</a:t>
+            </a:r>
+          </a:p>
+          <a:p>
+            <a:endParaRPr lang="fr-FR" dirty="0"/>
+          </a:p>
+        </p:txBody>
+      </p:sp>
+      <p:sp>
+        <p:nvSpPr>
+          <p:cNvPr id="4" name="Espace réservé du numéro de diapositive 3"/>
+          <p:cNvSpPr>
+            <a:spLocks noGrp="1"/>
+          </p:cNvSpPr>
+          <p:nvPr>
+            <p:ph type="sldNum" sz="quarter" idx="10"/>
+          </p:nvPr>
+        </p:nvSpPr>
+        <p:spPr/>
+        <p:txBody>
+          <a:bodyPr/>
+          <a:lstStyle/>
+          <a:p>
+            <a:fld id="{8C9430EA-2101-4193-B144-81AA5245BAB4}" type="slidenum">
+              <a:rPr lang="fr-FR" smtClean="0"/>
+              <a:t>6</a:t>
+            </a:fld>
+            <a:endParaRPr lang="fr-FR"/>
+          </a:p>
+        </p:txBody>
+      </p:sp>
+    </p:spTree>
+    <p:extLst>
+      <p:ext uri="{BB962C8B-B14F-4D97-AF65-F5344CB8AC3E}">
+        <p14:creationId xmlns:p14="http://schemas.microsoft.com/office/powerpoint/2010/main" val="2098412962"/>
+      </p:ext>
+    </p:extLst>
+  </p:cSld>
+  <p:clrMapOvr>
+    <a:masterClrMapping/>
+  </p:clrMapOvr>
+</p:notes>
+</file>
+
+<file path=ppt/notesSlides/notesSlide5.xml><?xml version="1.0" encoding="utf-8"?>
+<p:notes xmlns:a="http://schemas.openxmlformats.org/drawingml/2006/main" xmlns:r="http://schemas.openxmlformats.org/officeDocument/2006/relationships" xmlns:p="http://schemas.openxmlformats.org/presentationml/2006/main">
+  <p:cSld>
+    <p:spTree>
+      <p:nvGrpSpPr>
+        <p:cNvPr id="1" name=""/>
+        <p:cNvGrpSpPr/>
+        <p:nvPr/>
+      </p:nvGrpSpPr>
+      <p:grpSpPr>
+        <a:xfrm>
+          <a:off x="0" y="0"/>
+          <a:ext cx="0" cy="0"/>
+          <a:chOff x="0" y="0"/>
+          <a:chExt cx="0" cy="0"/>
+        </a:xfrm>
+      </p:grpSpPr>
+      <p:sp>
+        <p:nvSpPr>
+          <p:cNvPr id="2" name="Espace réservé de l'image des diapositives 1"/>
+          <p:cNvSpPr>
+            <a:spLocks noGrp="1" noRot="1" noChangeAspect="1"/>
+          </p:cNvSpPr>
+          <p:nvPr>
+            <p:ph type="sldImg"/>
+          </p:nvPr>
+        </p:nvSpPr>
+        <p:spPr/>
+      </p:sp>
+      <p:sp>
+        <p:nvSpPr>
+          <p:cNvPr id="3" name="Espace réservé des notes 2"/>
+          <p:cNvSpPr>
+            <a:spLocks noGrp="1"/>
+          </p:cNvSpPr>
+          <p:nvPr>
+            <p:ph type="body" idx="1"/>
+          </p:nvPr>
+        </p:nvSpPr>
+        <p:spPr/>
+        <p:txBody>
+          <a:bodyPr/>
+          <a:lstStyle/>
+          <a:p>
+            <a:r>
+              <a:rPr lang="fr-FR" dirty="0"/>
+              <a:t>On efface tout ce qu'il y a sur le serveur et on mesure le temps de </a:t>
+            </a:r>
+            <a:r>
+              <a:rPr lang="fr-FR" dirty="0" err="1"/>
+              <a:t>ré-installation</a:t>
+            </a:r>
+            <a:r>
+              <a:rPr lang="fr-FR" dirty="0"/>
+              <a:t> </a:t>
+            </a:r>
+            <a:r>
+              <a:rPr lang="fr-FR" dirty="0" err="1"/>
+              <a:t>from</a:t>
+            </a:r>
+            <a:r>
+              <a:rPr lang="fr-FR" dirty="0"/>
+              <a:t> scratch</a:t>
+            </a:r>
+          </a:p>
+        </p:txBody>
+      </p:sp>
+      <p:sp>
+        <p:nvSpPr>
+          <p:cNvPr id="4" name="Espace réservé du numéro de diapositive 3"/>
+          <p:cNvSpPr>
+            <a:spLocks noGrp="1"/>
+          </p:cNvSpPr>
+          <p:nvPr>
+            <p:ph type="sldNum" sz="quarter" idx="10"/>
+          </p:nvPr>
+        </p:nvSpPr>
+        <p:spPr/>
+        <p:txBody>
+          <a:bodyPr/>
+          <a:lstStyle/>
+          <a:p>
+            <a:fld id="{8C9430EA-2101-4193-B144-81AA5245BAB4}" type="slidenum">
+              <a:rPr lang="fr-FR" smtClean="0"/>
+              <a:t>7</a:t>
+            </a:fld>
+            <a:endParaRPr lang="fr-FR"/>
+          </a:p>
+        </p:txBody>
+      </p:sp>
+    </p:spTree>
+    <p:extLst>
+      <p:ext uri="{BB962C8B-B14F-4D97-AF65-F5344CB8AC3E}">
+        <p14:creationId xmlns:p14="http://schemas.microsoft.com/office/powerpoint/2010/main" val="1002701891"/>
+      </p:ext>
+    </p:extLst>
+  </p:cSld>
+  <p:clrMapOvr>
+    <a:masterClrMapping/>
+  </p:clrMapOvr>
+</p:notes>
+</file>
+
+<file path=ppt/notesSlides/notesSlide6.xml><?xml version="1.0" encoding="utf-8"?>
+<p:notes xmlns:a="http://schemas.openxmlformats.org/drawingml/2006/main" xmlns:r="http://schemas.openxmlformats.org/officeDocument/2006/relationships" xmlns:p="http://schemas.openxmlformats.org/presentationml/2006/main">
+  <p:cSld>
+    <p:spTree>
+      <p:nvGrpSpPr>
+        <p:cNvPr id="1" name=""/>
+        <p:cNvGrpSpPr/>
+        <p:nvPr/>
+      </p:nvGrpSpPr>
+      <p:grpSpPr>
+        <a:xfrm>
+          <a:off x="0" y="0"/>
+          <a:ext cx="0" cy="0"/>
+          <a:chOff x="0" y="0"/>
+          <a:chExt cx="0" cy="0"/>
+        </a:xfrm>
+      </p:grpSpPr>
+      <p:sp>
+        <p:nvSpPr>
+          <p:cNvPr id="2" name="Espace réservé de l'image des diapositives 1"/>
+          <p:cNvSpPr>
+            <a:spLocks noGrp="1" noRot="1" noChangeAspect="1"/>
+          </p:cNvSpPr>
+          <p:nvPr>
+            <p:ph type="sldImg"/>
+          </p:nvPr>
+        </p:nvSpPr>
+        <p:spPr/>
+      </p:sp>
+      <p:sp>
+        <p:nvSpPr>
+          <p:cNvPr id="3" name="Espace réservé des notes 2"/>
+          <p:cNvSpPr>
+            <a:spLocks noGrp="1"/>
+          </p:cNvSpPr>
+          <p:nvPr>
+            <p:ph type="body" idx="1"/>
+          </p:nvPr>
+        </p:nvSpPr>
+        <p:spPr/>
+        <p:txBody>
+          <a:bodyPr/>
+          <a:lstStyle/>
+          <a:p>
+            <a:endParaRPr lang="fr-FR" dirty="0"/>
+          </a:p>
+        </p:txBody>
+      </p:sp>
+      <p:sp>
+        <p:nvSpPr>
+          <p:cNvPr id="4" name="Espace réservé du numéro de diapositive 3"/>
+          <p:cNvSpPr>
+            <a:spLocks noGrp="1"/>
+          </p:cNvSpPr>
+          <p:nvPr>
+            <p:ph type="sldNum" sz="quarter" idx="10"/>
+          </p:nvPr>
+        </p:nvSpPr>
+        <p:spPr/>
+        <p:txBody>
+          <a:bodyPr/>
+          <a:lstStyle/>
+          <a:p>
+            <a:fld id="{8C9430EA-2101-4193-B144-81AA5245BAB4}" type="slidenum">
+              <a:rPr lang="fr-FR" smtClean="0"/>
+              <a:t>10</a:t>
+            </a:fld>
+            <a:endParaRPr lang="fr-FR"/>
+          </a:p>
+        </p:txBody>
+      </p:sp>
+    </p:spTree>
+    <p:extLst>
+      <p:ext uri="{BB962C8B-B14F-4D97-AF65-F5344CB8AC3E}">
+        <p14:creationId xmlns:p14="http://schemas.microsoft.com/office/powerpoint/2010/main" val="2946096343"/>
+      </p:ext>
+    </p:extLst>
+  </p:cSld>
+  <p:clrMapOvr>
+    <a:masterClrMapping/>
+  </p:clrMapOvr>
+</p:notes>
 </file>
 
 <file path=ppt/slideLayouts/slideLayout1.xml><?xml version="1.0" encoding="utf-8"?>
@@ -4392,9 +5355,9 @@
           <a:bodyPr/>
           <a:lstStyle/>
           <a:p>
-            <a:fld id="{411785C3-07A4-4BE5-9324-F42A205E743E}" type="datetimeFigureOut">
+            <a:fld id="{E7EFFB29-43BE-4335-9FD4-2137C5C50F82}" type="datetime1">
               <a:rPr lang="fr-FR" smtClean="0"/>
-              <a:t>22/11/2017</a:t>
+              <a:t>25/11/2017</a:t>
             </a:fld>
             <a:endParaRPr lang="fr-FR"/>
           </a:p>
@@ -4420,7 +5383,10 @@
           <a:bodyPr/>
           <a:lstStyle/>
           <a:p>
-            <a:endParaRPr lang="fr-FR"/>
+            <a:r>
+              <a:rPr lang="fr-FR"/>
+              <a:t>28/11/2017</a:t>
+            </a:r>
           </a:p>
         </p:txBody>
       </p:sp>
@@ -4659,9 +5625,9 @@
           <a:bodyPr/>
           <a:lstStyle/>
           <a:p>
-            <a:fld id="{411785C3-07A4-4BE5-9324-F42A205E743E}" type="datetimeFigureOut">
+            <a:fld id="{5418DC3C-21CB-429C-921A-A8468D1DB1DB}" type="datetime1">
               <a:rPr lang="fr-FR" smtClean="0"/>
-              <a:t>22/11/2017</a:t>
+              <a:t>25/11/2017</a:t>
             </a:fld>
             <a:endParaRPr lang="fr-FR"/>
           </a:p>
@@ -4682,7 +5648,10 @@
           <a:bodyPr/>
           <a:lstStyle/>
           <a:p>
-            <a:endParaRPr lang="fr-FR"/>
+            <a:r>
+              <a:rPr lang="fr-FR"/>
+              <a:t>28/11/2017</a:t>
+            </a:r>
           </a:p>
         </p:txBody>
       </p:sp>
@@ -4855,9 +5824,9 @@
           <a:bodyPr/>
           <a:lstStyle/>
           <a:p>
-            <a:fld id="{411785C3-07A4-4BE5-9324-F42A205E743E}" type="datetimeFigureOut">
+            <a:fld id="{F992CA81-4285-48E8-839E-A10B32D68C3F}" type="datetime1">
               <a:rPr lang="fr-FR" smtClean="0"/>
-              <a:t>22/11/2017</a:t>
+              <a:t>25/11/2017</a:t>
             </a:fld>
             <a:endParaRPr lang="fr-FR"/>
           </a:p>
@@ -4878,7 +5847,10 @@
           <a:bodyPr/>
           <a:lstStyle/>
           <a:p>
-            <a:endParaRPr lang="fr-FR"/>
+            <a:r>
+              <a:rPr lang="fr-FR"/>
+              <a:t>28/11/2017</a:t>
+            </a:r>
           </a:p>
         </p:txBody>
       </p:sp>
@@ -5118,9 +6090,9 @@
           <a:bodyPr/>
           <a:lstStyle/>
           <a:p>
-            <a:fld id="{411785C3-07A4-4BE5-9324-F42A205E743E}" type="datetimeFigureOut">
+            <a:fld id="{577A184B-B808-43A9-8D76-E9107A85B558}" type="datetime1">
               <a:rPr lang="fr-FR" smtClean="0"/>
-              <a:t>22/11/2017</a:t>
+              <a:t>25/11/2017</a:t>
             </a:fld>
             <a:endParaRPr lang="fr-FR"/>
           </a:p>
@@ -5141,7 +6113,10 @@
           <a:bodyPr/>
           <a:lstStyle/>
           <a:p>
-            <a:endParaRPr lang="fr-FR"/>
+            <a:r>
+              <a:rPr lang="fr-FR"/>
+              <a:t>28/11/2017</a:t>
+            </a:r>
           </a:p>
         </p:txBody>
       </p:sp>
@@ -5552,9 +6527,9 @@
           <a:bodyPr/>
           <a:lstStyle/>
           <a:p>
-            <a:fld id="{411785C3-07A4-4BE5-9324-F42A205E743E}" type="datetimeFigureOut">
+            <a:fld id="{4C05AAD7-ABF7-4BA2-86E2-A61E72A859F0}" type="datetime1">
               <a:rPr lang="fr-FR" smtClean="0"/>
-              <a:t>22/11/2017</a:t>
+              <a:t>25/11/2017</a:t>
             </a:fld>
             <a:endParaRPr lang="fr-FR"/>
           </a:p>
@@ -5575,7 +6550,10 @@
           <a:bodyPr/>
           <a:lstStyle/>
           <a:p>
-            <a:endParaRPr lang="fr-FR"/>
+            <a:r>
+              <a:rPr lang="fr-FR"/>
+              <a:t>28/11/2017</a:t>
+            </a:r>
           </a:p>
         </p:txBody>
       </p:sp>
@@ -6098,9 +7076,9 @@
           <a:bodyPr/>
           <a:lstStyle/>
           <a:p>
-            <a:fld id="{411785C3-07A4-4BE5-9324-F42A205E743E}" type="datetimeFigureOut">
+            <a:fld id="{1E865423-AC49-46FD-A5BA-6E7602C104A5}" type="datetime1">
               <a:rPr lang="fr-FR" smtClean="0"/>
-              <a:t>22/11/2017</a:t>
+              <a:t>25/11/2017</a:t>
             </a:fld>
             <a:endParaRPr lang="fr-FR"/>
           </a:p>
@@ -6121,7 +7099,10 @@
           <a:bodyPr/>
           <a:lstStyle/>
           <a:p>
-            <a:endParaRPr lang="fr-FR"/>
+            <a:r>
+              <a:rPr lang="fr-FR"/>
+              <a:t>28/11/2017</a:t>
+            </a:r>
           </a:p>
         </p:txBody>
       </p:sp>
@@ -6818,9 +7799,9 @@
           <a:bodyPr/>
           <a:lstStyle/>
           <a:p>
-            <a:fld id="{411785C3-07A4-4BE5-9324-F42A205E743E}" type="datetimeFigureOut">
+            <a:fld id="{A7F3F491-FAD4-425F-92E5-2E1056799CB8}" type="datetime1">
               <a:rPr lang="fr-FR" smtClean="0"/>
-              <a:t>22/11/2017</a:t>
+              <a:t>25/11/2017</a:t>
             </a:fld>
             <a:endParaRPr lang="fr-FR"/>
           </a:p>
@@ -6841,7 +7822,10 @@
           <a:bodyPr/>
           <a:lstStyle/>
           <a:p>
-            <a:endParaRPr lang="fr-FR"/>
+            <a:r>
+              <a:rPr lang="fr-FR"/>
+              <a:t>28/11/2017</a:t>
+            </a:r>
           </a:p>
         </p:txBody>
       </p:sp>
@@ -6988,9 +7972,9 @@
           <a:bodyPr/>
           <a:lstStyle/>
           <a:p>
-            <a:fld id="{411785C3-07A4-4BE5-9324-F42A205E743E}" type="datetimeFigureOut">
+            <a:fld id="{30DC787F-98CF-4751-9CEE-6C82A45F4CF1}" type="datetime1">
               <a:rPr lang="fr-FR" smtClean="0"/>
-              <a:t>22/11/2017</a:t>
+              <a:t>25/11/2017</a:t>
             </a:fld>
             <a:endParaRPr lang="fr-FR"/>
           </a:p>
@@ -7011,7 +7995,10 @@
           <a:bodyPr/>
           <a:lstStyle/>
           <a:p>
-            <a:endParaRPr lang="fr-FR"/>
+            <a:r>
+              <a:rPr lang="fr-FR"/>
+              <a:t>28/11/2017</a:t>
+            </a:r>
           </a:p>
         </p:txBody>
       </p:sp>
@@ -7168,9 +8155,9 @@
           <a:bodyPr/>
           <a:lstStyle/>
           <a:p>
-            <a:fld id="{411785C3-07A4-4BE5-9324-F42A205E743E}" type="datetimeFigureOut">
+            <a:fld id="{88AAD7C5-28EB-44CC-BF9E-A85A789426A9}" type="datetime1">
               <a:rPr lang="fr-FR" smtClean="0"/>
-              <a:t>22/11/2017</a:t>
+              <a:t>25/11/2017</a:t>
             </a:fld>
             <a:endParaRPr lang="fr-FR"/>
           </a:p>
@@ -7191,7 +8178,10 @@
           <a:bodyPr/>
           <a:lstStyle/>
           <a:p>
-            <a:endParaRPr lang="fr-FR"/>
+            <a:r>
+              <a:rPr lang="fr-FR"/>
+              <a:t>28/11/2017</a:t>
+            </a:r>
           </a:p>
         </p:txBody>
       </p:sp>
@@ -7338,9 +8328,9 @@
           <a:bodyPr/>
           <a:lstStyle/>
           <a:p>
-            <a:fld id="{411785C3-07A4-4BE5-9324-F42A205E743E}" type="datetimeFigureOut">
+            <a:fld id="{0088368A-A5A1-48F7-941E-56D832815C56}" type="datetime1">
               <a:rPr lang="fr-FR" smtClean="0"/>
-              <a:t>22/11/2017</a:t>
+              <a:t>25/11/2017</a:t>
             </a:fld>
             <a:endParaRPr lang="fr-FR"/>
           </a:p>
@@ -7361,7 +8351,10 @@
           <a:bodyPr/>
           <a:lstStyle/>
           <a:p>
-            <a:endParaRPr lang="fr-FR"/>
+            <a:r>
+              <a:rPr lang="fr-FR"/>
+              <a:t>28/11/2017</a:t>
+            </a:r>
           </a:p>
         </p:txBody>
       </p:sp>
@@ -7588,9 +8581,9 @@
           <a:bodyPr/>
           <a:lstStyle/>
           <a:p>
-            <a:fld id="{411785C3-07A4-4BE5-9324-F42A205E743E}" type="datetimeFigureOut">
+            <a:fld id="{DC614645-B58B-431D-9328-65A29CBDE982}" type="datetime1">
               <a:rPr lang="fr-FR" smtClean="0"/>
-              <a:t>22/11/2017</a:t>
+              <a:t>25/11/2017</a:t>
             </a:fld>
             <a:endParaRPr lang="fr-FR"/>
           </a:p>
@@ -7611,7 +8604,10 @@
           <a:bodyPr/>
           <a:lstStyle/>
           <a:p>
-            <a:endParaRPr lang="fr-FR"/>
+            <a:r>
+              <a:rPr lang="fr-FR"/>
+              <a:t>28/11/2017</a:t>
+            </a:r>
           </a:p>
         </p:txBody>
       </p:sp>
@@ -7820,9 +8816,9 @@
           <a:bodyPr/>
           <a:lstStyle/>
           <a:p>
-            <a:fld id="{411785C3-07A4-4BE5-9324-F42A205E743E}" type="datetimeFigureOut">
+            <a:fld id="{BE842E1A-9182-435D-8F5E-18E1869D8C31}" type="datetime1">
               <a:rPr lang="fr-FR" smtClean="0"/>
-              <a:t>22/11/2017</a:t>
+              <a:t>25/11/2017</a:t>
             </a:fld>
             <a:endParaRPr lang="fr-FR"/>
           </a:p>
@@ -7843,7 +8839,10 @@
           <a:bodyPr/>
           <a:lstStyle/>
           <a:p>
-            <a:endParaRPr lang="fr-FR"/>
+            <a:r>
+              <a:rPr lang="fr-FR"/>
+              <a:t>28/11/2017</a:t>
+            </a:r>
           </a:p>
         </p:txBody>
       </p:sp>
@@ -8201,9 +9200,9 @@
           <a:bodyPr/>
           <a:lstStyle/>
           <a:p>
-            <a:fld id="{411785C3-07A4-4BE5-9324-F42A205E743E}" type="datetimeFigureOut">
+            <a:fld id="{B10086DA-F8BA-4401-A652-DECE0CF5FFC4}" type="datetime1">
               <a:rPr lang="fr-FR" smtClean="0"/>
-              <a:t>22/11/2017</a:t>
+              <a:t>25/11/2017</a:t>
             </a:fld>
             <a:endParaRPr lang="fr-FR"/>
           </a:p>
@@ -8224,7 +9223,10 @@
           <a:bodyPr/>
           <a:lstStyle/>
           <a:p>
-            <a:endParaRPr lang="fr-FR"/>
+            <a:r>
+              <a:rPr lang="fr-FR"/>
+              <a:t>28/11/2017</a:t>
+            </a:r>
           </a:p>
         </p:txBody>
       </p:sp>
@@ -8319,9 +9321,9 @@
           <a:bodyPr/>
           <a:lstStyle/>
           <a:p>
-            <a:fld id="{411785C3-07A4-4BE5-9324-F42A205E743E}" type="datetimeFigureOut">
+            <a:fld id="{D618D6FF-CF76-4B34-8180-E6FB464D62D1}" type="datetime1">
               <a:rPr lang="fr-FR" smtClean="0"/>
-              <a:t>22/11/2017</a:t>
+              <a:t>25/11/2017</a:t>
             </a:fld>
             <a:endParaRPr lang="fr-FR"/>
           </a:p>
@@ -8342,7 +9344,10 @@
           <a:bodyPr/>
           <a:lstStyle/>
           <a:p>
-            <a:endParaRPr lang="fr-FR"/>
+            <a:r>
+              <a:rPr lang="fr-FR"/>
+              <a:t>28/11/2017</a:t>
+            </a:r>
           </a:p>
         </p:txBody>
       </p:sp>
@@ -8414,9 +9419,9 @@
           <a:bodyPr/>
           <a:lstStyle/>
           <a:p>
-            <a:fld id="{411785C3-07A4-4BE5-9324-F42A205E743E}" type="datetimeFigureOut">
+            <a:fld id="{A340147B-D1E8-4558-A2DC-A63541688444}" type="datetime1">
               <a:rPr lang="fr-FR" smtClean="0"/>
-              <a:t>22/11/2017</a:t>
+              <a:t>25/11/2017</a:t>
             </a:fld>
             <a:endParaRPr lang="fr-FR"/>
           </a:p>
@@ -8437,7 +9442,10 @@
           <a:bodyPr/>
           <a:lstStyle/>
           <a:p>
-            <a:endParaRPr lang="fr-FR"/>
+            <a:r>
+              <a:rPr lang="fr-FR"/>
+              <a:t>28/11/2017</a:t>
+            </a:r>
           </a:p>
         </p:txBody>
       </p:sp>
@@ -8663,9 +9671,9 @@
           <a:bodyPr/>
           <a:lstStyle/>
           <a:p>
-            <a:fld id="{411785C3-07A4-4BE5-9324-F42A205E743E}" type="datetimeFigureOut">
+            <a:fld id="{34D2E384-E154-47FF-9FB3-508333AE9F05}" type="datetime1">
               <a:rPr lang="fr-FR" smtClean="0"/>
-              <a:t>22/11/2017</a:t>
+              <a:t>25/11/2017</a:t>
             </a:fld>
             <a:endParaRPr lang="fr-FR"/>
           </a:p>
@@ -8686,7 +9694,10 @@
           <a:bodyPr/>
           <a:lstStyle/>
           <a:p>
-            <a:endParaRPr lang="fr-FR"/>
+            <a:r>
+              <a:rPr lang="fr-FR"/>
+              <a:t>28/11/2017</a:t>
+            </a:r>
           </a:p>
         </p:txBody>
       </p:sp>
@@ -8943,9 +9954,9 @@
           <a:bodyPr/>
           <a:lstStyle/>
           <a:p>
-            <a:fld id="{411785C3-07A4-4BE5-9324-F42A205E743E}" type="datetimeFigureOut">
+            <a:fld id="{6AC66C59-0E3D-44A7-9617-C4193B5CD859}" type="datetime1">
               <a:rPr lang="fr-FR" smtClean="0"/>
-              <a:t>22/11/2017</a:t>
+              <a:t>25/11/2017</a:t>
             </a:fld>
             <a:endParaRPr lang="fr-FR"/>
           </a:p>
@@ -8966,7 +9977,10 @@
           <a:bodyPr/>
           <a:lstStyle/>
           <a:p>
-            <a:endParaRPr lang="fr-FR"/>
+            <a:r>
+              <a:rPr lang="fr-FR"/>
+              <a:t>28/11/2017</a:t>
+            </a:r>
           </a:p>
         </p:txBody>
       </p:sp>
@@ -12020,9 +13034,9 @@
             </a:lvl1pPr>
           </a:lstStyle>
           <a:p>
-            <a:fld id="{411785C3-07A4-4BE5-9324-F42A205E743E}" type="datetimeFigureOut">
+            <a:fld id="{E7A0FEFB-BD0E-40DE-B37C-A603575FC69B}" type="datetime1">
               <a:rPr lang="fr-FR" smtClean="0"/>
-              <a:t>22/11/2017</a:t>
+              <a:t>25/11/2017</a:t>
             </a:fld>
             <a:endParaRPr lang="fr-FR"/>
           </a:p>
@@ -12061,7 +13075,10 @@
             </a:lvl1pPr>
           </a:lstStyle>
           <a:p>
-            <a:endParaRPr lang="fr-FR"/>
+            <a:r>
+              <a:rPr lang="fr-FR"/>
+              <a:t>28/11/2017</a:t>
+            </a:r>
           </a:p>
         </p:txBody>
       </p:sp>
@@ -12133,6 +13150,7 @@
     <p:sldLayoutId id="2147483676" r:id="rId16"/>
     <p:sldLayoutId id="2147483677" r:id="rId17"/>
   </p:sldLayoutIdLst>
+  <p:hf hdr="0" dt="0"/>
   <p:txStyles>
     <p:titleStyle>
       <a:lvl1pPr algn="l" defTabSz="914400" rtl="0" eaLnBrk="1" latinLnBrk="0" hangingPunct="1">
@@ -12488,45 +13506,104 @@
         </p:nvSpPr>
         <p:spPr/>
         <p:txBody>
+          <a:bodyPr>
+            <a:normAutofit/>
+          </a:bodyPr>
+          <a:lstStyle/>
+          <a:p>
+            <a:r>
+              <a:rPr lang="fr-FR" dirty="0"/>
+              <a:t>Equipe 7</a:t>
+            </a:r>
+          </a:p>
+          <a:p>
+            <a:r>
+              <a:rPr lang="fr-FR" dirty="0" err="1"/>
+              <a:t>Bontron</a:t>
+            </a:r>
+            <a:r>
+              <a:rPr lang="fr-FR" dirty="0"/>
+              <a:t> Julien 		</a:t>
+            </a:r>
+            <a:r>
+              <a:rPr lang="fr-FR" dirty="0" err="1"/>
+              <a:t>Joymangul</a:t>
+            </a:r>
+            <a:r>
+              <a:rPr lang="fr-FR" dirty="0"/>
+              <a:t> Jensen</a:t>
+            </a:r>
+          </a:p>
+          <a:p>
+            <a:r>
+              <a:rPr lang="fr-FR" dirty="0"/>
+              <a:t>Moisson Matthieu 		</a:t>
+            </a:r>
+            <a:r>
+              <a:rPr lang="fr-FR" dirty="0" err="1"/>
+              <a:t>Varrel</a:t>
+            </a:r>
+            <a:r>
+              <a:rPr lang="fr-FR" dirty="0"/>
+              <a:t> Lilian</a:t>
+            </a:r>
+          </a:p>
+        </p:txBody>
+      </p:sp>
+      <p:sp>
+        <p:nvSpPr>
+          <p:cNvPr id="4" name="Espace réservé du pied de page 3">
+            <a:extLst>
+              <a:ext uri="{FF2B5EF4-FFF2-40B4-BE49-F238E27FC236}">
+                <a16:creationId xmlns:a16="http://schemas.microsoft.com/office/drawing/2014/main" id="{E19B2D75-EDCC-4AFF-9A98-1F3CACEC0A6A}"/>
+              </a:ext>
+            </a:extLst>
+          </p:cNvPr>
+          <p:cNvSpPr>
+            <a:spLocks noGrp="1"/>
+          </p:cNvSpPr>
+          <p:nvPr>
+            <p:ph type="ftr" sz="quarter" idx="11"/>
+          </p:nvPr>
+        </p:nvSpPr>
+        <p:spPr/>
+        <p:txBody>
           <a:bodyPr/>
           <a:lstStyle/>
           <a:p>
             <a:r>
-              <a:rPr lang="fr-FR" dirty="0"/>
-              <a:t>Equipe 7</a:t>
-            </a:r>
-          </a:p>
-          <a:p>
-            <a:r>
-              <a:rPr lang="fr-FR" dirty="0" err="1"/>
-              <a:t>Bontron</a:t>
-            </a:r>
-            <a:r>
-              <a:rPr lang="fr-FR" dirty="0"/>
-              <a:t> Julien </a:t>
-            </a:r>
-            <a:r>
-              <a:rPr lang="fr-FR" dirty="0" err="1"/>
-              <a:t>Joymangul</a:t>
-            </a:r>
-            <a:r>
-              <a:rPr lang="fr-FR" dirty="0"/>
-              <a:t> Jensen</a:t>
-            </a:r>
-          </a:p>
-          <a:p>
-            <a:r>
-              <a:rPr lang="fr-FR" dirty="0"/>
-              <a:t>Moisson Matthieu </a:t>
-            </a:r>
-            <a:r>
-              <a:rPr lang="fr-FR" dirty="0" err="1"/>
-              <a:t>Varrel</a:t>
-            </a:r>
-            <a:r>
-              <a:rPr lang="fr-FR" dirty="0"/>
-              <a:t> Lilian</a:t>
-            </a:r>
+              <a:rPr lang="fr-FR"/>
+              <a:t>28/11/2017</a:t>
+            </a:r>
+          </a:p>
+        </p:txBody>
+      </p:sp>
+      <p:sp>
+        <p:nvSpPr>
+          <p:cNvPr id="5" name="Espace réservé du numéro de diapositive 4">
+            <a:extLst>
+              <a:ext uri="{FF2B5EF4-FFF2-40B4-BE49-F238E27FC236}">
+                <a16:creationId xmlns:a16="http://schemas.microsoft.com/office/drawing/2014/main" id="{8757B5B7-651C-471B-8E56-319BD613CF18}"/>
+              </a:ext>
+            </a:extLst>
+          </p:cNvPr>
+          <p:cNvSpPr>
+            <a:spLocks noGrp="1"/>
+          </p:cNvSpPr>
+          <p:nvPr>
+            <p:ph type="sldNum" sz="quarter" idx="12"/>
+          </p:nvPr>
+        </p:nvSpPr>
+        <p:spPr/>
+        <p:txBody>
+          <a:bodyPr/>
+          <a:lstStyle/>
+          <a:p>
+            <a:fld id="{ED22AD06-C296-4654-A2D3-A746ACA7B044}" type="slidenum">
+              <a:rPr lang="fr-FR" smtClean="0"/>
+              <a:t>1</a:t>
+            </a:fld>
+            <a:endParaRPr lang="fr-FR"/>
           </a:p>
         </p:txBody>
       </p:sp>
@@ -12534,6 +13611,808 @@
     <p:extLst>
       <p:ext uri="{BB962C8B-B14F-4D97-AF65-F5344CB8AC3E}">
         <p14:creationId xmlns:p14="http://schemas.microsoft.com/office/powerpoint/2010/main" val="68843735"/>
+      </p:ext>
+    </p:extLst>
+  </p:cSld>
+  <p:clrMapOvr>
+    <a:masterClrMapping/>
+  </p:clrMapOvr>
+</p:sld>
+</file>
+
+<file path=ppt/slides/slide10.xml><?xml version="1.0" encoding="utf-8"?>
+<p:sld xmlns:a="http://schemas.openxmlformats.org/drawingml/2006/main" xmlns:r="http://schemas.openxmlformats.org/officeDocument/2006/relationships" xmlns:p="http://schemas.openxmlformats.org/presentationml/2006/main">
+  <p:cSld>
+    <p:spTree>
+      <p:nvGrpSpPr>
+        <p:cNvPr id="1" name=""/>
+        <p:cNvGrpSpPr/>
+        <p:nvPr/>
+      </p:nvGrpSpPr>
+      <p:grpSpPr>
+        <a:xfrm>
+          <a:off x="0" y="0"/>
+          <a:ext cx="0" cy="0"/>
+          <a:chOff x="0" y="0"/>
+          <a:chExt cx="0" cy="0"/>
+        </a:xfrm>
+      </p:grpSpPr>
+      <p:sp>
+        <p:nvSpPr>
+          <p:cNvPr id="2" name="Titre 1">
+            <a:extLst>
+              <a:ext uri="{FF2B5EF4-FFF2-40B4-BE49-F238E27FC236}">
+                <a16:creationId xmlns:a16="http://schemas.microsoft.com/office/drawing/2014/main" id="{0845828D-6CC7-4486-8B9C-DD5D9F22D31D}"/>
+              </a:ext>
+            </a:extLst>
+          </p:cNvPr>
+          <p:cNvSpPr>
+            <a:spLocks noGrp="1"/>
+          </p:cNvSpPr>
+          <p:nvPr>
+            <p:ph type="title"/>
+          </p:nvPr>
+        </p:nvSpPr>
+        <p:spPr/>
+        <p:txBody>
+          <a:bodyPr>
+            <a:normAutofit fontScale="90000"/>
+          </a:bodyPr>
+          <a:lstStyle/>
+          <a:p>
+            <a:r>
+              <a:rPr lang="fr-FR" dirty="0"/>
+              <a:t>CI/CD : Intégration continue </a:t>
+            </a:r>
+            <a:br>
+              <a:rPr lang="fr-FR" dirty="0"/>
+            </a:br>
+            <a:r>
+              <a:rPr lang="fr-FR" dirty="0"/>
+              <a:t>Serveur d’intégration (CI)</a:t>
+            </a:r>
+            <a:br>
+              <a:rPr lang="fr-FR" dirty="0"/>
+            </a:br>
+            <a:endParaRPr lang="fr-FR" dirty="0"/>
+          </a:p>
+        </p:txBody>
+      </p:sp>
+      <p:sp>
+        <p:nvSpPr>
+          <p:cNvPr id="3" name="Espace réservé du contenu 2">
+            <a:extLst>
+              <a:ext uri="{FF2B5EF4-FFF2-40B4-BE49-F238E27FC236}">
+                <a16:creationId xmlns:a16="http://schemas.microsoft.com/office/drawing/2014/main" id="{D2565F79-8447-4704-800E-75742A26C65D}"/>
+              </a:ext>
+            </a:extLst>
+          </p:cNvPr>
+          <p:cNvSpPr>
+            <a:spLocks noGrp="1"/>
+          </p:cNvSpPr>
+          <p:nvPr>
+            <p:ph sz="half" idx="2"/>
+          </p:nvPr>
+        </p:nvSpPr>
+        <p:spPr>
+          <a:xfrm>
+            <a:off x="1141410" y="2097087"/>
+            <a:ext cx="4878391" cy="3694111"/>
+          </a:xfrm>
+        </p:spPr>
+        <p:txBody>
+          <a:bodyPr>
+            <a:normAutofit/>
+          </a:bodyPr>
+          <a:lstStyle/>
+          <a:p>
+            <a:r>
+              <a:rPr lang="fr-FR" dirty="0"/>
+              <a:t>Travis</a:t>
+            </a:r>
+          </a:p>
+          <a:p>
+            <a:pPr marL="457200" lvl="1" indent="0">
+              <a:buNone/>
+            </a:pPr>
+            <a:r>
+              <a:rPr lang="fr-FR" dirty="0"/>
+              <a:t>+ avec </a:t>
+            </a:r>
+            <a:r>
+              <a:rPr lang="fr-FR" dirty="0" err="1"/>
+              <a:t>Github</a:t>
+            </a:r>
+            <a:r>
+              <a:rPr lang="fr-FR" dirty="0"/>
+              <a:t> ( analyse tout les push </a:t>
+            </a:r>
+            <a:r>
+              <a:rPr lang="fr-FR" dirty="0" err="1"/>
+              <a:t>Github</a:t>
+            </a:r>
+            <a:r>
+              <a:rPr lang="fr-FR" dirty="0"/>
+              <a:t>)</a:t>
+            </a:r>
+          </a:p>
+          <a:p>
+            <a:pPr marL="457200" lvl="1" indent="0">
+              <a:buNone/>
+            </a:pPr>
+            <a:r>
+              <a:rPr lang="fr-FR" dirty="0"/>
+              <a:t>+ simple d’utilisation (écriture d’un seul fichier </a:t>
+            </a:r>
+            <a:r>
+              <a:rPr lang="fr-FR" dirty="0" err="1"/>
+              <a:t>travis.yml</a:t>
+            </a:r>
+            <a:r>
+              <a:rPr lang="fr-FR" dirty="0"/>
+              <a:t>)</a:t>
+            </a:r>
+          </a:p>
+          <a:p>
+            <a:pPr marL="457200" lvl="1" indent="0">
+              <a:buNone/>
+            </a:pPr>
+            <a:r>
+              <a:rPr lang="fr-FR" dirty="0"/>
+              <a:t>+supporte plus d’un douzaine de langage</a:t>
+            </a:r>
+          </a:p>
+          <a:p>
+            <a:pPr marL="457200" lvl="1" indent="0">
+              <a:buNone/>
+            </a:pPr>
+            <a:r>
+              <a:rPr lang="fr-FR" dirty="0"/>
+              <a:t>+large communauté </a:t>
+            </a:r>
+          </a:p>
+          <a:p>
+            <a:endParaRPr lang="fr-FR" dirty="0"/>
+          </a:p>
+        </p:txBody>
+      </p:sp>
+      <p:sp>
+        <p:nvSpPr>
+          <p:cNvPr id="6" name="Espace réservé du contenu 5">
+            <a:extLst>
+              <a:ext uri="{FF2B5EF4-FFF2-40B4-BE49-F238E27FC236}">
+                <a16:creationId xmlns:a16="http://schemas.microsoft.com/office/drawing/2014/main" id="{E72588E6-DD5B-48C8-86FB-E66FFBA90F82}"/>
+              </a:ext>
+            </a:extLst>
+          </p:cNvPr>
+          <p:cNvSpPr>
+            <a:spLocks noGrp="1"/>
+          </p:cNvSpPr>
+          <p:nvPr>
+            <p:ph sz="quarter" idx="4"/>
+          </p:nvPr>
+        </p:nvSpPr>
+        <p:spPr>
+          <a:xfrm>
+            <a:off x="6172200" y="2188029"/>
+            <a:ext cx="4875210" cy="3603169"/>
+          </a:xfrm>
+        </p:spPr>
+        <p:txBody>
+          <a:bodyPr>
+            <a:normAutofit/>
+          </a:bodyPr>
+          <a:lstStyle/>
+          <a:p>
+            <a:pPr lvl="1"/>
+            <a:r>
+              <a:rPr lang="fr-FR" dirty="0"/>
+              <a:t>Jenkins</a:t>
+            </a:r>
+          </a:p>
+          <a:p>
+            <a:pPr marL="457200" lvl="1" indent="0">
+              <a:buNone/>
+            </a:pPr>
+            <a:r>
+              <a:rPr lang="fr-FR" dirty="0"/>
+              <a:t>	+ gratuit et open source</a:t>
+            </a:r>
+          </a:p>
+          <a:p>
+            <a:pPr marL="457200" lvl="1" indent="0">
+              <a:buNone/>
+            </a:pPr>
+            <a:r>
+              <a:rPr lang="fr-FR" dirty="0"/>
+              <a:t>	+ beaucoup de plugin</a:t>
+            </a:r>
+          </a:p>
+          <a:p>
+            <a:pPr marL="457200" lvl="1" indent="0">
+              <a:buNone/>
+            </a:pPr>
+            <a:r>
+              <a:rPr lang="fr-FR" dirty="0"/>
+              <a:t>	+ supporte de nombreux VCS (git, 	SVN, Mercurial)</a:t>
+            </a:r>
+          </a:p>
+          <a:p>
+            <a:pPr marL="457200" lvl="1" indent="0">
+              <a:buNone/>
+            </a:pPr>
+            <a:r>
+              <a:rPr lang="fr-FR" dirty="0"/>
+              <a:t>	+ facile d’installation</a:t>
+            </a:r>
+          </a:p>
+          <a:p>
+            <a:pPr marL="457200" lvl="1" indent="0">
+              <a:buNone/>
+            </a:pPr>
+            <a:endParaRPr lang="fr-FR" dirty="0"/>
+          </a:p>
+          <a:p>
+            <a:endParaRPr lang="fr-FR" dirty="0"/>
+          </a:p>
+        </p:txBody>
+      </p:sp>
+      <p:sp>
+        <p:nvSpPr>
+          <p:cNvPr id="4" name="Espace réservé du pied de page 3">
+            <a:extLst>
+              <a:ext uri="{FF2B5EF4-FFF2-40B4-BE49-F238E27FC236}">
+                <a16:creationId xmlns:a16="http://schemas.microsoft.com/office/drawing/2014/main" id="{D4BDCF3C-4CEF-4C3D-B0AB-820E91CB4D87}"/>
+              </a:ext>
+            </a:extLst>
+          </p:cNvPr>
+          <p:cNvSpPr>
+            <a:spLocks noGrp="1"/>
+          </p:cNvSpPr>
+          <p:nvPr>
+            <p:ph type="ftr" sz="quarter" idx="11"/>
+          </p:nvPr>
+        </p:nvSpPr>
+        <p:spPr/>
+        <p:txBody>
+          <a:bodyPr/>
+          <a:lstStyle/>
+          <a:p>
+            <a:r>
+              <a:rPr lang="fr-FR"/>
+              <a:t>28/11/2017</a:t>
+            </a:r>
+          </a:p>
+        </p:txBody>
+      </p:sp>
+      <p:sp>
+        <p:nvSpPr>
+          <p:cNvPr id="5" name="Espace réservé du numéro de diapositive 4">
+            <a:extLst>
+              <a:ext uri="{FF2B5EF4-FFF2-40B4-BE49-F238E27FC236}">
+                <a16:creationId xmlns:a16="http://schemas.microsoft.com/office/drawing/2014/main" id="{44C012D5-735C-4D3C-9885-074DB86045D8}"/>
+              </a:ext>
+            </a:extLst>
+          </p:cNvPr>
+          <p:cNvSpPr>
+            <a:spLocks noGrp="1"/>
+          </p:cNvSpPr>
+          <p:nvPr>
+            <p:ph type="sldNum" sz="quarter" idx="12"/>
+          </p:nvPr>
+        </p:nvSpPr>
+        <p:spPr/>
+        <p:txBody>
+          <a:bodyPr/>
+          <a:lstStyle/>
+          <a:p>
+            <a:fld id="{ED22AD06-C296-4654-A2D3-A746ACA7B044}" type="slidenum">
+              <a:rPr lang="fr-FR" smtClean="0"/>
+              <a:t>10</a:t>
+            </a:fld>
+            <a:endParaRPr lang="fr-FR"/>
+          </a:p>
+        </p:txBody>
+      </p:sp>
+    </p:spTree>
+    <p:extLst>
+      <p:ext uri="{BB962C8B-B14F-4D97-AF65-F5344CB8AC3E}">
+        <p14:creationId xmlns:p14="http://schemas.microsoft.com/office/powerpoint/2010/main" val="473782799"/>
+      </p:ext>
+    </p:extLst>
+  </p:cSld>
+  <p:clrMapOvr>
+    <a:masterClrMapping/>
+  </p:clrMapOvr>
+</p:sld>
+</file>
+
+<file path=ppt/slides/slide11.xml><?xml version="1.0" encoding="utf-8"?>
+<p:sld xmlns:a="http://schemas.openxmlformats.org/drawingml/2006/main" xmlns:r="http://schemas.openxmlformats.org/officeDocument/2006/relationships" xmlns:p="http://schemas.openxmlformats.org/presentationml/2006/main">
+  <p:cSld>
+    <p:spTree>
+      <p:nvGrpSpPr>
+        <p:cNvPr id="1" name=""/>
+        <p:cNvGrpSpPr/>
+        <p:nvPr/>
+      </p:nvGrpSpPr>
+      <p:grpSpPr>
+        <a:xfrm>
+          <a:off x="0" y="0"/>
+          <a:ext cx="0" cy="0"/>
+          <a:chOff x="0" y="0"/>
+          <a:chExt cx="0" cy="0"/>
+        </a:xfrm>
+      </p:grpSpPr>
+      <p:sp>
+        <p:nvSpPr>
+          <p:cNvPr id="2" name="Titre 1">
+            <a:extLst>
+              <a:ext uri="{FF2B5EF4-FFF2-40B4-BE49-F238E27FC236}">
+                <a16:creationId xmlns:a16="http://schemas.microsoft.com/office/drawing/2014/main" id="{0845828D-6CC7-4486-8B9C-DD5D9F22D31D}"/>
+              </a:ext>
+            </a:extLst>
+          </p:cNvPr>
+          <p:cNvSpPr>
+            <a:spLocks noGrp="1"/>
+          </p:cNvSpPr>
+          <p:nvPr>
+            <p:ph type="title"/>
+          </p:nvPr>
+        </p:nvSpPr>
+        <p:spPr/>
+        <p:txBody>
+          <a:bodyPr/>
+          <a:lstStyle/>
+          <a:p>
+            <a:r>
+              <a:rPr lang="fr-FR" dirty="0"/>
+              <a:t>CI/CD : Déploiement continu</a:t>
+            </a:r>
+          </a:p>
+        </p:txBody>
+      </p:sp>
+      <p:sp>
+        <p:nvSpPr>
+          <p:cNvPr id="3" name="Espace réservé du contenu 2">
+            <a:extLst>
+              <a:ext uri="{FF2B5EF4-FFF2-40B4-BE49-F238E27FC236}">
+                <a16:creationId xmlns:a16="http://schemas.microsoft.com/office/drawing/2014/main" id="{D2565F79-8447-4704-800E-75742A26C65D}"/>
+              </a:ext>
+            </a:extLst>
+          </p:cNvPr>
+          <p:cNvSpPr>
+            <a:spLocks noGrp="1"/>
+          </p:cNvSpPr>
+          <p:nvPr>
+            <p:ph idx="1"/>
+          </p:nvPr>
+        </p:nvSpPr>
+        <p:spPr>
+          <a:xfrm>
+            <a:off x="1141413" y="1655720"/>
+            <a:ext cx="9905999" cy="4982585"/>
+          </a:xfrm>
+        </p:spPr>
+        <p:txBody>
+          <a:bodyPr/>
+          <a:lstStyle/>
+          <a:p>
+            <a:r>
+              <a:rPr lang="fr-FR" dirty="0"/>
+              <a:t>Serveur de configuration d’infrastructure (?)</a:t>
+            </a:r>
+          </a:p>
+          <a:p>
+            <a:r>
+              <a:rPr lang="fr-FR" dirty="0"/>
+              <a:t>Automatisation des tests</a:t>
+            </a:r>
+          </a:p>
+          <a:p>
+            <a:pPr lvl="1"/>
+            <a:r>
+              <a:rPr lang="fr-FR" dirty="0"/>
+              <a:t> </a:t>
+            </a:r>
+            <a:r>
+              <a:rPr lang="fr-FR" dirty="0" err="1"/>
+              <a:t>Mock</a:t>
+            </a:r>
+            <a:endParaRPr lang="fr-FR" dirty="0"/>
+          </a:p>
+          <a:p>
+            <a:pPr lvl="1"/>
+            <a:r>
+              <a:rPr lang="fr-FR" dirty="0"/>
+              <a:t>Travis</a:t>
+            </a:r>
+          </a:p>
+          <a:p>
+            <a:r>
+              <a:rPr lang="fr-FR" dirty="0"/>
+              <a:t>Serveur de déploiement</a:t>
+            </a:r>
+          </a:p>
+          <a:p>
+            <a:pPr lvl="1"/>
+            <a:r>
+              <a:rPr lang="fr-FR" dirty="0"/>
+              <a:t>? Git?</a:t>
+            </a:r>
+          </a:p>
+        </p:txBody>
+      </p:sp>
+      <p:sp>
+        <p:nvSpPr>
+          <p:cNvPr id="4" name="Espace réservé du pied de page 3">
+            <a:extLst>
+              <a:ext uri="{FF2B5EF4-FFF2-40B4-BE49-F238E27FC236}">
+                <a16:creationId xmlns:a16="http://schemas.microsoft.com/office/drawing/2014/main" id="{0A8F501C-9209-40B4-A95F-C00802466179}"/>
+              </a:ext>
+            </a:extLst>
+          </p:cNvPr>
+          <p:cNvSpPr>
+            <a:spLocks noGrp="1"/>
+          </p:cNvSpPr>
+          <p:nvPr>
+            <p:ph type="ftr" sz="quarter" idx="11"/>
+          </p:nvPr>
+        </p:nvSpPr>
+        <p:spPr/>
+        <p:txBody>
+          <a:bodyPr/>
+          <a:lstStyle/>
+          <a:p>
+            <a:r>
+              <a:rPr lang="fr-FR"/>
+              <a:t>28/11/2017</a:t>
+            </a:r>
+          </a:p>
+        </p:txBody>
+      </p:sp>
+      <p:sp>
+        <p:nvSpPr>
+          <p:cNvPr id="5" name="Espace réservé du numéro de diapositive 4">
+            <a:extLst>
+              <a:ext uri="{FF2B5EF4-FFF2-40B4-BE49-F238E27FC236}">
+                <a16:creationId xmlns:a16="http://schemas.microsoft.com/office/drawing/2014/main" id="{2E162C00-9BEA-48A6-8E2D-CFF6F8DFC0F9}"/>
+              </a:ext>
+            </a:extLst>
+          </p:cNvPr>
+          <p:cNvSpPr>
+            <a:spLocks noGrp="1"/>
+          </p:cNvSpPr>
+          <p:nvPr>
+            <p:ph type="sldNum" sz="quarter" idx="12"/>
+          </p:nvPr>
+        </p:nvSpPr>
+        <p:spPr/>
+        <p:txBody>
+          <a:bodyPr/>
+          <a:lstStyle/>
+          <a:p>
+            <a:fld id="{ED22AD06-C296-4654-A2D3-A746ACA7B044}" type="slidenum">
+              <a:rPr lang="fr-FR" smtClean="0"/>
+              <a:t>11</a:t>
+            </a:fld>
+            <a:endParaRPr lang="fr-FR"/>
+          </a:p>
+        </p:txBody>
+      </p:sp>
+    </p:spTree>
+    <p:extLst>
+      <p:ext uri="{BB962C8B-B14F-4D97-AF65-F5344CB8AC3E}">
+        <p14:creationId xmlns:p14="http://schemas.microsoft.com/office/powerpoint/2010/main" val="3015462745"/>
+      </p:ext>
+    </p:extLst>
+  </p:cSld>
+  <p:clrMapOvr>
+    <a:masterClrMapping/>
+  </p:clrMapOvr>
+</p:sld>
+</file>
+
+<file path=ppt/slides/slide12.xml><?xml version="1.0" encoding="utf-8"?>
+<p:sld xmlns:a="http://schemas.openxmlformats.org/drawingml/2006/main" xmlns:r="http://schemas.openxmlformats.org/officeDocument/2006/relationships" xmlns:p="http://schemas.openxmlformats.org/presentationml/2006/main">
+  <p:cSld>
+    <p:spTree>
+      <p:nvGrpSpPr>
+        <p:cNvPr id="1" name=""/>
+        <p:cNvGrpSpPr/>
+        <p:nvPr/>
+      </p:nvGrpSpPr>
+      <p:grpSpPr>
+        <a:xfrm>
+          <a:off x="0" y="0"/>
+          <a:ext cx="0" cy="0"/>
+          <a:chOff x="0" y="0"/>
+          <a:chExt cx="0" cy="0"/>
+        </a:xfrm>
+      </p:grpSpPr>
+      <p:sp>
+        <p:nvSpPr>
+          <p:cNvPr id="2" name="Titre 1">
+            <a:extLst>
+              <a:ext uri="{FF2B5EF4-FFF2-40B4-BE49-F238E27FC236}">
+                <a16:creationId xmlns:a16="http://schemas.microsoft.com/office/drawing/2014/main" id="{96C5FFFE-9A22-4089-93E1-9CA9315E180B}"/>
+              </a:ext>
+            </a:extLst>
+          </p:cNvPr>
+          <p:cNvSpPr>
+            <a:spLocks noGrp="1"/>
+          </p:cNvSpPr>
+          <p:nvPr>
+            <p:ph type="title"/>
+          </p:nvPr>
+        </p:nvSpPr>
+        <p:spPr/>
+        <p:txBody>
+          <a:bodyPr/>
+          <a:lstStyle/>
+          <a:p>
+            <a:r>
+              <a:rPr lang="fr-FR" dirty="0"/>
+              <a:t>Difficultés rencontrées et retours sur l'UE</a:t>
+            </a:r>
+          </a:p>
+        </p:txBody>
+      </p:sp>
+      <p:sp>
+        <p:nvSpPr>
+          <p:cNvPr id="3" name="Espace réservé du contenu 2">
+            <a:extLst>
+              <a:ext uri="{FF2B5EF4-FFF2-40B4-BE49-F238E27FC236}">
+                <a16:creationId xmlns:a16="http://schemas.microsoft.com/office/drawing/2014/main" id="{9ACD37A6-8B7D-497E-82A3-56A503C1FCEF}"/>
+              </a:ext>
+            </a:extLst>
+          </p:cNvPr>
+          <p:cNvSpPr>
+            <a:spLocks noGrp="1"/>
+          </p:cNvSpPr>
+          <p:nvPr>
+            <p:ph idx="1"/>
+          </p:nvPr>
+        </p:nvSpPr>
+        <p:spPr/>
+        <p:txBody>
+          <a:bodyPr/>
+          <a:lstStyle/>
+          <a:p>
+            <a:r>
+              <a:rPr lang="fr-FR" dirty="0"/>
+              <a:t>Difficultés pour créer l’environnement docker</a:t>
+            </a:r>
+          </a:p>
+          <a:p>
+            <a:r>
+              <a:rPr lang="fr-FR" dirty="0"/>
+              <a:t>Rapproché ce projet du cours sur Docker que nous avions eu en début de semestre </a:t>
+            </a:r>
+          </a:p>
+          <a:p>
+            <a:r>
+              <a:rPr lang="fr-FR" dirty="0"/>
+              <a:t>Difficultés rencontrées pour la mise en place de Travis</a:t>
+            </a:r>
+          </a:p>
+        </p:txBody>
+      </p:sp>
+      <p:sp>
+        <p:nvSpPr>
+          <p:cNvPr id="4" name="Espace réservé du pied de page 3">
+            <a:extLst>
+              <a:ext uri="{FF2B5EF4-FFF2-40B4-BE49-F238E27FC236}">
+                <a16:creationId xmlns:a16="http://schemas.microsoft.com/office/drawing/2014/main" id="{FE57F0ED-9C4C-443E-B031-07397C1EB0F9}"/>
+              </a:ext>
+            </a:extLst>
+          </p:cNvPr>
+          <p:cNvSpPr>
+            <a:spLocks noGrp="1"/>
+          </p:cNvSpPr>
+          <p:nvPr>
+            <p:ph type="ftr" sz="quarter" idx="11"/>
+          </p:nvPr>
+        </p:nvSpPr>
+        <p:spPr/>
+        <p:txBody>
+          <a:bodyPr/>
+          <a:lstStyle/>
+          <a:p>
+            <a:r>
+              <a:rPr lang="fr-FR"/>
+              <a:t>28/11/2017</a:t>
+            </a:r>
+          </a:p>
+        </p:txBody>
+      </p:sp>
+      <p:sp>
+        <p:nvSpPr>
+          <p:cNvPr id="5" name="Espace réservé du numéro de diapositive 4">
+            <a:extLst>
+              <a:ext uri="{FF2B5EF4-FFF2-40B4-BE49-F238E27FC236}">
+                <a16:creationId xmlns:a16="http://schemas.microsoft.com/office/drawing/2014/main" id="{4A85B28A-E6CA-4C46-B7F4-5A6A714D0244}"/>
+              </a:ext>
+            </a:extLst>
+          </p:cNvPr>
+          <p:cNvSpPr>
+            <a:spLocks noGrp="1"/>
+          </p:cNvSpPr>
+          <p:nvPr>
+            <p:ph type="sldNum" sz="quarter" idx="12"/>
+          </p:nvPr>
+        </p:nvSpPr>
+        <p:spPr/>
+        <p:txBody>
+          <a:bodyPr/>
+          <a:lstStyle/>
+          <a:p>
+            <a:fld id="{ED22AD06-C296-4654-A2D3-A746ACA7B044}" type="slidenum">
+              <a:rPr lang="fr-FR" smtClean="0"/>
+              <a:t>12</a:t>
+            </a:fld>
+            <a:endParaRPr lang="fr-FR"/>
+          </a:p>
+        </p:txBody>
+      </p:sp>
+    </p:spTree>
+    <p:extLst>
+      <p:ext uri="{BB962C8B-B14F-4D97-AF65-F5344CB8AC3E}">
+        <p14:creationId xmlns:p14="http://schemas.microsoft.com/office/powerpoint/2010/main" val="3260277226"/>
+      </p:ext>
+    </p:extLst>
+  </p:cSld>
+  <p:clrMapOvr>
+    <a:masterClrMapping/>
+  </p:clrMapOvr>
+</p:sld>
+</file>
+
+<file path=ppt/slides/slide13.xml><?xml version="1.0" encoding="utf-8"?>
+<p:sld xmlns:a="http://schemas.openxmlformats.org/drawingml/2006/main" xmlns:r="http://schemas.openxmlformats.org/officeDocument/2006/relationships" xmlns:p="http://schemas.openxmlformats.org/presentationml/2006/main">
+  <p:cSld>
+    <p:spTree>
+      <p:nvGrpSpPr>
+        <p:cNvPr id="1" name=""/>
+        <p:cNvGrpSpPr/>
+        <p:nvPr/>
+      </p:nvGrpSpPr>
+      <p:grpSpPr>
+        <a:xfrm>
+          <a:off x="0" y="0"/>
+          <a:ext cx="0" cy="0"/>
+          <a:chOff x="0" y="0"/>
+          <a:chExt cx="0" cy="0"/>
+        </a:xfrm>
+      </p:grpSpPr>
+      <p:sp>
+        <p:nvSpPr>
+          <p:cNvPr id="6" name="Titre 5"/>
+          <p:cNvSpPr>
+            <a:spLocks noGrp="1"/>
+          </p:cNvSpPr>
+          <p:nvPr>
+            <p:ph type="title"/>
+          </p:nvPr>
+        </p:nvSpPr>
+        <p:spPr>
+          <a:xfrm>
+            <a:off x="835920" y="160176"/>
+            <a:ext cx="10187650" cy="1763627"/>
+          </a:xfrm>
+        </p:spPr>
+        <p:txBody>
+          <a:bodyPr>
+            <a:noAutofit/>
+          </a:bodyPr>
+          <a:lstStyle/>
+          <a:p>
+            <a:pPr algn="ctr"/>
+            <a:r>
+              <a:rPr lang="fr-FR" sz="4800" dirty="0"/>
+              <a:t>MERCI</a:t>
+            </a:r>
+            <a:br>
+              <a:rPr lang="fr-FR" sz="4800" dirty="0"/>
+            </a:br>
+            <a:r>
+              <a:rPr lang="fr-FR" sz="4800" dirty="0"/>
+              <a:t>BEAUCOUP</a:t>
+            </a:r>
+          </a:p>
+        </p:txBody>
+      </p:sp>
+      <p:pic>
+        <p:nvPicPr>
+          <p:cNvPr id="17" name="Espace réservé pour une image  16"/>
+          <p:cNvPicPr>
+            <a:picLocks noGrp="1" noChangeAspect="1"/>
+          </p:cNvPicPr>
+          <p:nvPr>
+            <p:ph type="pic" idx="1"/>
+          </p:nvPr>
+        </p:nvPicPr>
+        <p:blipFill>
+          <a:blip r:embed="rId2">
+            <a:extLst>
+              <a:ext uri="{28A0092B-C50C-407E-A947-70E740481C1C}">
+                <a14:useLocalDpi xmlns:a14="http://schemas.microsoft.com/office/drawing/2010/main" val="0"/>
+              </a:ext>
+            </a:extLst>
+          </a:blip>
+          <a:srcRect t="13168" b="13168"/>
+          <a:stretch>
+            <a:fillRect/>
+          </a:stretch>
+        </p:blipFill>
+        <p:spPr>
+          <a:xfrm>
+            <a:off x="0" y="2007715"/>
+            <a:ext cx="12192000" cy="4058662"/>
+          </a:xfrm>
+        </p:spPr>
+      </p:pic>
+      <p:sp>
+        <p:nvSpPr>
+          <p:cNvPr id="2" name="Espace réservé du pied de page 1">
+            <a:extLst>
+              <a:ext uri="{FF2B5EF4-FFF2-40B4-BE49-F238E27FC236}">
+                <a16:creationId xmlns:a16="http://schemas.microsoft.com/office/drawing/2014/main" id="{DAD366EE-CDFA-4FC0-8F88-D3E465C50375}"/>
+              </a:ext>
+            </a:extLst>
+          </p:cNvPr>
+          <p:cNvSpPr>
+            <a:spLocks noGrp="1"/>
+          </p:cNvSpPr>
+          <p:nvPr>
+            <p:ph type="ftr" sz="quarter" idx="11"/>
+          </p:nvPr>
+        </p:nvSpPr>
+        <p:spPr/>
+        <p:txBody>
+          <a:bodyPr/>
+          <a:lstStyle/>
+          <a:p>
+            <a:r>
+              <a:rPr lang="fr-FR"/>
+              <a:t>28/11/2017</a:t>
+            </a:r>
+          </a:p>
+        </p:txBody>
+      </p:sp>
+      <p:sp>
+        <p:nvSpPr>
+          <p:cNvPr id="3" name="Espace réservé du numéro de diapositive 2">
+            <a:extLst>
+              <a:ext uri="{FF2B5EF4-FFF2-40B4-BE49-F238E27FC236}">
+                <a16:creationId xmlns:a16="http://schemas.microsoft.com/office/drawing/2014/main" id="{50DD73EC-6D34-45BD-8BA7-CECBDB908D1D}"/>
+              </a:ext>
+            </a:extLst>
+          </p:cNvPr>
+          <p:cNvSpPr>
+            <a:spLocks noGrp="1"/>
+          </p:cNvSpPr>
+          <p:nvPr>
+            <p:ph type="sldNum" sz="quarter" idx="12"/>
+          </p:nvPr>
+        </p:nvSpPr>
+        <p:spPr/>
+        <p:txBody>
+          <a:bodyPr/>
+          <a:lstStyle/>
+          <a:p>
+            <a:fld id="{ED22AD06-C296-4654-A2D3-A746ACA7B044}" type="slidenum">
+              <a:rPr lang="fr-FR" smtClean="0"/>
+              <a:t>13</a:t>
+            </a:fld>
+            <a:endParaRPr lang="fr-FR"/>
+          </a:p>
+        </p:txBody>
+      </p:sp>
+    </p:spTree>
+    <p:extLst>
+      <p:ext uri="{BB962C8B-B14F-4D97-AF65-F5344CB8AC3E}">
+        <p14:creationId xmlns:p14="http://schemas.microsoft.com/office/powerpoint/2010/main" val="3345015553"/>
       </p:ext>
     </p:extLst>
   </p:cSld>
@@ -12664,7 +14543,7 @@
               <a:buAutoNum type="arabicPeriod"/>
             </a:pPr>
             <a:r>
-              <a:rPr lang="fr-FR" dirty="0"/>
+              <a:rPr lang="fr-FR" cap="all" dirty="0"/>
               <a:t>Difficultés rencontrées et retours sur l'UE</a:t>
             </a:r>
           </a:p>
@@ -12674,6 +14553,63 @@
               <a:buAutoNum type="arabicPeriod"/>
             </a:pPr>
             <a:endParaRPr lang="fr-FR" dirty="0"/>
+          </a:p>
+        </p:txBody>
+      </p:sp>
+      <p:sp>
+        <p:nvSpPr>
+          <p:cNvPr id="4" name="Espace réservé du pied de page 3">
+            <a:extLst>
+              <a:ext uri="{FF2B5EF4-FFF2-40B4-BE49-F238E27FC236}">
+                <a16:creationId xmlns:a16="http://schemas.microsoft.com/office/drawing/2014/main" id="{9A65D16F-E1B7-40A4-8D05-6BA74EA7FD0A}"/>
+              </a:ext>
+            </a:extLst>
+          </p:cNvPr>
+          <p:cNvSpPr>
+            <a:spLocks noGrp="1"/>
+          </p:cNvSpPr>
+          <p:nvPr>
+            <p:ph type="ftr" sz="quarter" idx="11"/>
+          </p:nvPr>
+        </p:nvSpPr>
+        <p:spPr/>
+        <p:txBody>
+          <a:bodyPr/>
+          <a:lstStyle/>
+          <a:p>
+            <a:r>
+              <a:rPr lang="fr-FR"/>
+              <a:t>28/11/2017</a:t>
+            </a:r>
+          </a:p>
+        </p:txBody>
+      </p:sp>
+      <p:sp>
+        <p:nvSpPr>
+          <p:cNvPr id="5" name="Espace réservé du numéro de diapositive 4">
+            <a:extLst>
+              <a:ext uri="{FF2B5EF4-FFF2-40B4-BE49-F238E27FC236}">
+                <a16:creationId xmlns:a16="http://schemas.microsoft.com/office/drawing/2014/main" id="{D14B9942-3CA7-4CF2-86EF-A1C3736BEB4A}"/>
+              </a:ext>
+            </a:extLst>
+          </p:cNvPr>
+          <p:cNvSpPr>
+            <a:spLocks noGrp="1"/>
+          </p:cNvSpPr>
+          <p:nvPr>
+            <p:ph type="sldNum" sz="quarter" idx="12"/>
+          </p:nvPr>
+        </p:nvSpPr>
+        <p:spPr/>
+        <p:txBody>
+          <a:bodyPr/>
+          <a:lstStyle/>
+          <a:p>
+            <a:fld id="{ED22AD06-C296-4654-A2D3-A746ACA7B044}" type="slidenum">
+              <a:rPr lang="fr-FR" smtClean="0"/>
+              <a:t>2</a:t>
+            </a:fld>
+            <a:endParaRPr lang="fr-FR"/>
           </a:p>
         </p:txBody>
       </p:sp>
@@ -12737,10 +14673,136 @@
       </p:sp>
       <p:sp>
         <p:nvSpPr>
-          <p:cNvPr id="3" name="Espace réservé du contenu 2">
+          <p:cNvPr id="7" name="Espace réservé du texte 6"/>
+          <p:cNvSpPr>
+            <a:spLocks noGrp="1"/>
+          </p:cNvSpPr>
+          <p:nvPr>
+            <p:ph type="body" sz="half" idx="2"/>
+          </p:nvPr>
+        </p:nvSpPr>
+        <p:spPr>
+          <a:xfrm>
+            <a:off x="1141411" y="2249486"/>
+            <a:ext cx="4146870" cy="3541714"/>
+          </a:xfrm>
+        </p:spPr>
+        <p:txBody>
+          <a:bodyPr/>
+          <a:lstStyle/>
+          <a:p>
+            <a:pPr marL="285750" indent="-285750">
+              <a:buFont typeface="Arial" panose="020B0604020202020204" pitchFamily="34" charset="0"/>
+              <a:buChar char="•"/>
+            </a:pPr>
+            <a:r>
+              <a:rPr lang="fr-FR" dirty="0"/>
+              <a:t>Image docker</a:t>
+            </a:r>
+          </a:p>
+          <a:p>
+            <a:pPr marL="742950" lvl="1" indent="-285750">
+              <a:buFont typeface="Arial" panose="020B0604020202020204" pitchFamily="34" charset="0"/>
+              <a:buChar char="•"/>
+            </a:pPr>
+            <a:r>
+              <a:rPr lang="fr-FR" dirty="0"/>
+              <a:t>Mongo</a:t>
+            </a:r>
+          </a:p>
+          <a:p>
+            <a:pPr marL="742950" lvl="1" indent="-285750">
+              <a:buFont typeface="Arial" panose="020B0604020202020204" pitchFamily="34" charset="0"/>
+              <a:buChar char="•"/>
+            </a:pPr>
+            <a:r>
+              <a:rPr lang="fr-FR" dirty="0"/>
+              <a:t>Java</a:t>
+            </a:r>
+          </a:p>
+          <a:p>
+            <a:pPr marL="285750" indent="-285750">
+              <a:buFont typeface="Arial" panose="020B0604020202020204" pitchFamily="34" charset="0"/>
+              <a:buChar char="•"/>
+            </a:pPr>
+            <a:r>
+              <a:rPr lang="fr-FR" dirty="0"/>
+              <a:t>Application User : </a:t>
+            </a:r>
+            <a:r>
+              <a:rPr lang="fr-FR" dirty="0" err="1"/>
+              <a:t>Spring</a:t>
+            </a:r>
+            <a:endParaRPr lang="fr-FR" dirty="0"/>
+          </a:p>
+          <a:p>
+            <a:pPr marL="285750" indent="-285750">
+              <a:buFont typeface="Arial" panose="020B0604020202020204" pitchFamily="34" charset="0"/>
+              <a:buChar char="•"/>
+            </a:pPr>
+            <a:r>
+              <a:rPr lang="fr-FR" dirty="0"/>
+              <a:t>Communications </a:t>
+            </a:r>
+          </a:p>
+          <a:p>
+            <a:pPr marL="742950" lvl="1" indent="-285750">
+              <a:buFont typeface="Arial" panose="020B0604020202020204" pitchFamily="34" charset="0"/>
+              <a:buChar char="•"/>
+            </a:pPr>
+            <a:r>
+              <a:rPr lang="fr-FR" dirty="0"/>
+              <a:t>Mongo - Java : port 27017</a:t>
+            </a:r>
+          </a:p>
+          <a:p>
+            <a:pPr marL="742950" lvl="1" indent="-285750">
+              <a:buFont typeface="Arial" panose="020B0604020202020204" pitchFamily="34" charset="0"/>
+              <a:buChar char="•"/>
+            </a:pPr>
+            <a:r>
+              <a:rPr lang="fr-FR" dirty="0"/>
+              <a:t>Appli – Utilisateur : 80</a:t>
+            </a:r>
+          </a:p>
+        </p:txBody>
+      </p:sp>
+      <p:pic>
+        <p:nvPicPr>
+          <p:cNvPr id="9" name="Image 8"/>
+          <p:cNvPicPr>
+            <a:picLocks noChangeAspect="1"/>
+          </p:cNvPicPr>
+          <p:nvPr/>
+        </p:nvPicPr>
+        <p:blipFill>
+          <a:blip r:embed="rId3">
+            <a:extLst>
+              <a:ext uri="{28A0092B-C50C-407E-A947-70E740481C1C}">
+                <a14:useLocalDpi xmlns:a14="http://schemas.microsoft.com/office/drawing/2010/main" val="0"/>
+              </a:ext>
+            </a:extLst>
+          </a:blip>
+          <a:stretch>
+            <a:fillRect/>
+          </a:stretch>
+        </p:blipFill>
+        <p:spPr>
+          <a:xfrm>
+            <a:off x="5886773" y="1429543"/>
+            <a:ext cx="5745908" cy="4010025"/>
+          </a:xfrm>
+          <a:prstGeom prst="rect">
+            <a:avLst/>
+          </a:prstGeom>
+        </p:spPr>
+      </p:pic>
+      <p:sp>
+        <p:nvSpPr>
+          <p:cNvPr id="3" name="Espace réservé du pied de page 2">
             <a:extLst>
               <a:ext uri="{FF2B5EF4-FFF2-40B4-BE49-F238E27FC236}">
-                <a16:creationId xmlns:a16="http://schemas.microsoft.com/office/drawing/2014/main" id="{0DDAE398-13B0-44A4-84ED-30F317F4E582}"/>
+                <a16:creationId xmlns:a16="http://schemas.microsoft.com/office/drawing/2014/main" id="{AF4E5875-E880-46E9-8AC6-1645569C0E55}"/>
               </a:ext>
             </a:extLst>
           </p:cNvPr>
@@ -12748,7 +14810,7 @@
             <a:spLocks noGrp="1"/>
           </p:cNvSpPr>
           <p:nvPr>
-            <p:ph idx="1"/>
+            <p:ph type="ftr" sz="quarter" idx="11"/>
           </p:nvPr>
         </p:nvSpPr>
         <p:spPr/>
@@ -12757,23 +14819,38 @@
           <a:lstStyle/>
           <a:p>
             <a:r>
-              <a:rPr lang="fr-FR" dirty="0"/>
-              <a:t>1 schéma global + des explications de l'</a:t>
-            </a:r>
-            <a:r>
-              <a:rPr lang="fr-FR" dirty="0" err="1"/>
-              <a:t>achitecture</a:t>
-            </a:r>
-            <a:r>
-              <a:rPr lang="fr-FR" dirty="0"/>
-              <a:t> déployée</a:t>
-            </a:r>
-          </a:p>
-          <a:p>
-            <a:r>
-              <a:rPr lang="fr-FR" dirty="0"/>
-              <a:t>Expliquer l'évolution de l'architecture mise en place</a:t>
-            </a:r>
+              <a:rPr lang="fr-FR"/>
+              <a:t>28/11/2017</a:t>
+            </a:r>
+          </a:p>
+        </p:txBody>
+      </p:sp>
+      <p:sp>
+        <p:nvSpPr>
+          <p:cNvPr id="4" name="Espace réservé du numéro de diapositive 3">
+            <a:extLst>
+              <a:ext uri="{FF2B5EF4-FFF2-40B4-BE49-F238E27FC236}">
+                <a16:creationId xmlns:a16="http://schemas.microsoft.com/office/drawing/2014/main" id="{2A775EE2-7E8B-40AC-A061-9DEA1F4180DA}"/>
+              </a:ext>
+            </a:extLst>
+          </p:cNvPr>
+          <p:cNvSpPr>
+            <a:spLocks noGrp="1"/>
+          </p:cNvSpPr>
+          <p:nvPr>
+            <p:ph type="sldNum" sz="quarter" idx="12"/>
+          </p:nvPr>
+        </p:nvSpPr>
+        <p:spPr/>
+        <p:txBody>
+          <a:bodyPr/>
+          <a:lstStyle/>
+          <a:p>
+            <a:fld id="{ED22AD06-C296-4654-A2D3-A746ACA7B044}" type="slidenum">
+              <a:rPr lang="fr-FR" smtClean="0"/>
+              <a:t>3</a:t>
+            </a:fld>
+            <a:endParaRPr lang="fr-FR"/>
           </a:p>
         </p:txBody>
       </p:sp>
@@ -12830,7 +14907,7 @@
           <a:p>
             <a:r>
               <a:rPr lang="fr-FR" dirty="0"/>
-              <a:t>Choix techniques</a:t>
+              <a:t>Choix techniques – Base de données</a:t>
             </a:r>
           </a:p>
         </p:txBody>
@@ -12851,29 +14928,208 @@
             <p:ph idx="1"/>
           </p:nvPr>
         </p:nvSpPr>
-        <p:spPr/>
+        <p:spPr>
+          <a:xfrm>
+            <a:off x="1141412" y="1737360"/>
+            <a:ext cx="9905999" cy="4937759"/>
+          </a:xfrm>
+        </p:spPr>
         <p:txBody>
           <a:bodyPr>
-            <a:normAutofit/>
+            <a:normAutofit fontScale="85000" lnSpcReduction="20000"/>
           </a:bodyPr>
           <a:lstStyle/>
           <a:p>
             <a:r>
+              <a:rPr lang="fr-FR" dirty="0" err="1"/>
+              <a:t>MariaDB</a:t>
+            </a:r>
+            <a:endParaRPr lang="fr-FR" dirty="0"/>
+          </a:p>
+          <a:p>
+            <a:pPr marL="457200" lvl="1" indent="0">
+              <a:buNone/>
+            </a:pPr>
+            <a:r>
               <a:rPr lang="fr-FR" dirty="0"/>
-              <a:t>Expliquer les choix techniques des technologies utilisées (côté serveur)</a:t>
-            </a:r>
-          </a:p>
-          <a:p>
+              <a:t>- Manque de robustesse avec de forte volumétrie </a:t>
+            </a:r>
+          </a:p>
+          <a:p>
+            <a:r>
+              <a:rPr lang="fr-FR" dirty="0" err="1"/>
+              <a:t>MongoDB</a:t>
+            </a:r>
+            <a:endParaRPr lang="fr-FR" dirty="0"/>
+          </a:p>
+          <a:p>
+            <a:pPr marL="457200" lvl="1" indent="0">
+              <a:buNone/>
+            </a:pPr>
             <a:r>
               <a:rPr lang="fr-FR" dirty="0"/>
-              <a:t>Avantages et inconvénients des technologies utilisées</a:t>
-            </a:r>
-          </a:p>
-          <a:p>
+              <a:t>+ Supporte le </a:t>
+            </a:r>
+            <a:r>
+              <a:rPr lang="fr-FR" dirty="0" err="1"/>
+              <a:t>GeoJson</a:t>
+            </a:r>
             <a:r>
               <a:rPr lang="fr-FR" dirty="0"/>
-              <a:t>Est-ce que ces choix étaient les bons ?</a:t>
-            </a:r>
+              <a:t> </a:t>
+            </a:r>
+          </a:p>
+          <a:p>
+            <a:pPr marL="457200" lvl="1" indent="0">
+              <a:buNone/>
+            </a:pPr>
+            <a:r>
+              <a:rPr lang="fr-FR" dirty="0"/>
+              <a:t>+ Non relationnel de base mais peu le devenir</a:t>
+            </a:r>
+          </a:p>
+          <a:p>
+            <a:pPr marL="457200" lvl="1" indent="0">
+              <a:buNone/>
+            </a:pPr>
+            <a:r>
+              <a:rPr lang="fr-FR" dirty="0"/>
+              <a:t>+ Gratuit</a:t>
+            </a:r>
+          </a:p>
+          <a:p>
+            <a:pPr marL="457200" lvl="1" indent="0">
+              <a:buNone/>
+            </a:pPr>
+            <a:r>
+              <a:rPr lang="fr-FR" dirty="0"/>
+              <a:t>+ Performant</a:t>
+            </a:r>
+          </a:p>
+          <a:p>
+            <a:pPr lvl="0"/>
+            <a:r>
+              <a:rPr lang="fr-FR" dirty="0" err="1"/>
+              <a:t>MySql</a:t>
+            </a:r>
+            <a:endParaRPr lang="fr-FR" dirty="0"/>
+          </a:p>
+          <a:p>
+            <a:pPr marL="457200" lvl="1" indent="0">
+              <a:buNone/>
+            </a:pPr>
+            <a:r>
+              <a:rPr lang="fr-FR" dirty="0"/>
+              <a:t>- Manque de robustesse avec de forte volumétrie</a:t>
+            </a:r>
+          </a:p>
+          <a:p>
+            <a:pPr lvl="0"/>
+            <a:r>
+              <a:rPr lang="fr-FR" dirty="0"/>
+              <a:t>PostgreSQL</a:t>
+            </a:r>
+          </a:p>
+          <a:p>
+            <a:pPr marL="457200" lvl="1" indent="0">
+              <a:buNone/>
+            </a:pPr>
+            <a:r>
+              <a:rPr lang="fr-FR" dirty="0"/>
+              <a:t>+ Supporte le </a:t>
+            </a:r>
+            <a:r>
+              <a:rPr lang="fr-FR" dirty="0" err="1"/>
+              <a:t>GeoJson</a:t>
+            </a:r>
+            <a:r>
+              <a:rPr lang="fr-FR" dirty="0"/>
+              <a:t> </a:t>
+            </a:r>
+          </a:p>
+          <a:p>
+            <a:pPr marL="457200" lvl="1" indent="0">
+              <a:buNone/>
+            </a:pPr>
+            <a:r>
+              <a:rPr lang="fr-FR" dirty="0"/>
+              <a:t>+ Non relationnel de base mais peu le devenir</a:t>
+            </a:r>
+          </a:p>
+          <a:p>
+            <a:pPr marL="457200" lvl="1" indent="0">
+              <a:buNone/>
+            </a:pPr>
+            <a:r>
+              <a:rPr lang="fr-FR" dirty="0"/>
+              <a:t>+ Gratuit </a:t>
+            </a:r>
+          </a:p>
+          <a:p>
+            <a:pPr marL="457200" lvl="1" indent="0">
+              <a:buNone/>
+            </a:pPr>
+            <a:r>
+              <a:rPr lang="fr-FR" dirty="0"/>
+              <a:t>+ Performant</a:t>
+            </a:r>
+          </a:p>
+        </p:txBody>
+      </p:sp>
+      <p:sp>
+        <p:nvSpPr>
+          <p:cNvPr id="4" name="Espace réservé du pied de page 3">
+            <a:extLst>
+              <a:ext uri="{FF2B5EF4-FFF2-40B4-BE49-F238E27FC236}">
+                <a16:creationId xmlns:a16="http://schemas.microsoft.com/office/drawing/2014/main" id="{47A792F9-51DD-48EF-AE42-B19DAB9E0F05}"/>
+              </a:ext>
+            </a:extLst>
+          </p:cNvPr>
+          <p:cNvSpPr>
+            <a:spLocks noGrp="1"/>
+          </p:cNvSpPr>
+          <p:nvPr>
+            <p:ph type="ftr" sz="quarter" idx="11"/>
+          </p:nvPr>
+        </p:nvSpPr>
+        <p:spPr/>
+        <p:txBody>
+          <a:bodyPr/>
+          <a:lstStyle/>
+          <a:p>
+            <a:r>
+              <a:rPr lang="fr-FR"/>
+              <a:t>28/11/2017</a:t>
+            </a:r>
+          </a:p>
+        </p:txBody>
+      </p:sp>
+      <p:sp>
+        <p:nvSpPr>
+          <p:cNvPr id="5" name="Espace réservé du numéro de diapositive 4">
+            <a:extLst>
+              <a:ext uri="{FF2B5EF4-FFF2-40B4-BE49-F238E27FC236}">
+                <a16:creationId xmlns:a16="http://schemas.microsoft.com/office/drawing/2014/main" id="{C4411D57-436B-4D1A-8CE6-A123E698D980}"/>
+              </a:ext>
+            </a:extLst>
+          </p:cNvPr>
+          <p:cNvSpPr>
+            <a:spLocks noGrp="1"/>
+          </p:cNvSpPr>
+          <p:nvPr>
+            <p:ph type="sldNum" sz="quarter" idx="12"/>
+          </p:nvPr>
+        </p:nvSpPr>
+        <p:spPr/>
+        <p:txBody>
+          <a:bodyPr/>
+          <a:lstStyle/>
+          <a:p>
+            <a:fld id="{ED22AD06-C296-4654-A2D3-A746ACA7B044}" type="slidenum">
+              <a:rPr lang="fr-FR" smtClean="0"/>
+              <a:t>4</a:t>
+            </a:fld>
+            <a:endParaRPr lang="fr-FR"/>
           </a:p>
         </p:txBody>
       </p:sp>
@@ -12912,7 +15168,7 @@
           <p:cNvPr id="2" name="Titre 1">
             <a:extLst>
               <a:ext uri="{FF2B5EF4-FFF2-40B4-BE49-F238E27FC236}">
-                <a16:creationId xmlns:a16="http://schemas.microsoft.com/office/drawing/2014/main" id="{C0CC8AE9-1BF4-4387-ADA7-C852D42B7D76}"/>
+                <a16:creationId xmlns:a16="http://schemas.microsoft.com/office/drawing/2014/main" id="{D86D6389-F3E6-48CF-9E9D-4C7F5C6EA89D}"/>
               </a:ext>
             </a:extLst>
           </p:cNvPr>
@@ -12929,10 +15185,9 @@
           <a:lstStyle/>
           <a:p>
             <a:r>
-              <a:rPr lang="fr-FR" dirty="0" err="1"/>
-              <a:t>Demonstrations</a:t>
-            </a:r>
-            <a:endParaRPr lang="fr-FR" dirty="0"/>
+              <a:rPr lang="fr-FR" dirty="0"/>
+              <a:t>Choix techniques – langage API</a:t>
+            </a:r>
           </a:p>
         </p:txBody>
       </p:sp>
@@ -12941,7 +15196,7 @@
           <p:cNvPr id="3" name="Espace réservé du contenu 2">
             <a:extLst>
               <a:ext uri="{FF2B5EF4-FFF2-40B4-BE49-F238E27FC236}">
-                <a16:creationId xmlns:a16="http://schemas.microsoft.com/office/drawing/2014/main" id="{1BD9A788-A59F-4650-93BE-BD9D3351E524}"/>
+                <a16:creationId xmlns:a16="http://schemas.microsoft.com/office/drawing/2014/main" id="{0CC95282-0762-4966-8A40-67227F2FB48C}"/>
               </a:ext>
             </a:extLst>
           </p:cNvPr>
@@ -12954,36 +15209,112 @@
         </p:nvSpPr>
         <p:spPr/>
         <p:txBody>
+          <a:bodyPr>
+            <a:normAutofit/>
+          </a:bodyPr>
+          <a:lstStyle/>
+          <a:p>
+            <a:r>
+              <a:rPr lang="fr-FR" dirty="0" err="1"/>
+              <a:t>Spring</a:t>
+            </a:r>
+            <a:r>
+              <a:rPr lang="fr-FR" dirty="0"/>
+              <a:t> (Java)</a:t>
+            </a:r>
+          </a:p>
+          <a:p>
+            <a:r>
+              <a:rPr lang="fr-FR" dirty="0" err="1"/>
+              <a:t>Symfony</a:t>
+            </a:r>
+            <a:r>
+              <a:rPr lang="fr-FR" dirty="0"/>
+              <a:t> (PHP)</a:t>
+            </a:r>
+          </a:p>
+          <a:p>
+            <a:r>
+              <a:rPr lang="fr-FR" dirty="0"/>
+              <a:t>GO</a:t>
+            </a:r>
+          </a:p>
+          <a:p>
+            <a:r>
+              <a:rPr lang="fr-FR" dirty="0" err="1"/>
+              <a:t>Angular</a:t>
+            </a:r>
+            <a:endParaRPr lang="fr-FR" dirty="0"/>
+          </a:p>
+          <a:p>
+            <a:r>
+              <a:rPr lang="fr-FR" dirty="0"/>
+              <a:t>Python</a:t>
+            </a:r>
+          </a:p>
+        </p:txBody>
+      </p:sp>
+      <p:sp>
+        <p:nvSpPr>
+          <p:cNvPr id="4" name="Espace réservé du pied de page 3">
+            <a:extLst>
+              <a:ext uri="{FF2B5EF4-FFF2-40B4-BE49-F238E27FC236}">
+                <a16:creationId xmlns:a16="http://schemas.microsoft.com/office/drawing/2014/main" id="{289F4804-7E42-4691-B48F-B597C91FEF6B}"/>
+              </a:ext>
+            </a:extLst>
+          </p:cNvPr>
+          <p:cNvSpPr>
+            <a:spLocks noGrp="1"/>
+          </p:cNvSpPr>
+          <p:nvPr>
+            <p:ph type="ftr" sz="quarter" idx="11"/>
+          </p:nvPr>
+        </p:nvSpPr>
+        <p:spPr/>
+        <p:txBody>
           <a:bodyPr/>
           <a:lstStyle/>
           <a:p>
             <a:r>
-              <a:rPr lang="fr-FR" dirty="0"/>
-              <a:t>On efface tout ce qu'il y a sur le serveur et on mesure le temps de </a:t>
-            </a:r>
-            <a:r>
-              <a:rPr lang="fr-FR" dirty="0" err="1"/>
-              <a:t>ré-installation</a:t>
-            </a:r>
-            <a:r>
-              <a:rPr lang="fr-FR" dirty="0"/>
-              <a:t> </a:t>
-            </a:r>
-            <a:r>
-              <a:rPr lang="fr-FR" dirty="0" err="1"/>
-              <a:t>from</a:t>
-            </a:r>
-            <a:r>
-              <a:rPr lang="fr-FR" dirty="0"/>
-              <a:t> scratch</a:t>
-            </a:r>
+              <a:rPr lang="fr-FR"/>
+              <a:t>28/11/2017</a:t>
+            </a:r>
+          </a:p>
+        </p:txBody>
+      </p:sp>
+      <p:sp>
+        <p:nvSpPr>
+          <p:cNvPr id="5" name="Espace réservé du numéro de diapositive 4">
+            <a:extLst>
+              <a:ext uri="{FF2B5EF4-FFF2-40B4-BE49-F238E27FC236}">
+                <a16:creationId xmlns:a16="http://schemas.microsoft.com/office/drawing/2014/main" id="{22767DD4-355B-4FE2-95C9-51949F88AD9F}"/>
+              </a:ext>
+            </a:extLst>
+          </p:cNvPr>
+          <p:cNvSpPr>
+            <a:spLocks noGrp="1"/>
+          </p:cNvSpPr>
+          <p:nvPr>
+            <p:ph type="sldNum" sz="quarter" idx="12"/>
+          </p:nvPr>
+        </p:nvSpPr>
+        <p:spPr/>
+        <p:txBody>
+          <a:bodyPr/>
+          <a:lstStyle/>
+          <a:p>
+            <a:fld id="{ED22AD06-C296-4654-A2D3-A746ACA7B044}" type="slidenum">
+              <a:rPr lang="fr-FR" smtClean="0"/>
+              <a:t>5</a:t>
+            </a:fld>
+            <a:endParaRPr lang="fr-FR"/>
           </a:p>
         </p:txBody>
       </p:sp>
     </p:spTree>
     <p:extLst>
       <p:ext uri="{BB962C8B-B14F-4D97-AF65-F5344CB8AC3E}">
-        <p14:creationId xmlns:p14="http://schemas.microsoft.com/office/powerpoint/2010/main" val="4113985906"/>
+        <p14:creationId xmlns:p14="http://schemas.microsoft.com/office/powerpoint/2010/main" val="1590084340"/>
       </p:ext>
     </p:extLst>
   </p:cSld>
@@ -13015,7 +15346,7 @@
           <p:cNvPr id="2" name="Titre 1">
             <a:extLst>
               <a:ext uri="{FF2B5EF4-FFF2-40B4-BE49-F238E27FC236}">
-                <a16:creationId xmlns:a16="http://schemas.microsoft.com/office/drawing/2014/main" id="{6F819513-349C-4881-89BD-301F56BF30B3}"/>
+                <a16:creationId xmlns:a16="http://schemas.microsoft.com/office/drawing/2014/main" id="{D86D6389-F3E6-48CF-9E9D-4C7F5C6EA89D}"/>
               </a:ext>
             </a:extLst>
           </p:cNvPr>
@@ -13033,7 +15364,7 @@
           <a:p>
             <a:r>
               <a:rPr lang="fr-FR" dirty="0"/>
-              <a:t>Organisation du groupe et du travail</a:t>
+              <a:t>Choix techniques</a:t>
             </a:r>
           </a:p>
         </p:txBody>
@@ -13043,7 +15374,7 @@
           <p:cNvPr id="3" name="Espace réservé du contenu 2">
             <a:extLst>
               <a:ext uri="{FF2B5EF4-FFF2-40B4-BE49-F238E27FC236}">
-                <a16:creationId xmlns:a16="http://schemas.microsoft.com/office/drawing/2014/main" id="{8FA18918-6B31-4E5C-90BD-84E11C4F0F99}"/>
+                <a16:creationId xmlns:a16="http://schemas.microsoft.com/office/drawing/2014/main" id="{0CC95282-0762-4966-8A40-67227F2FB48C}"/>
               </a:ext>
             </a:extLst>
           </p:cNvPr>
@@ -13056,9 +15387,115 @@
         </p:nvSpPr>
         <p:spPr/>
         <p:txBody>
+          <a:bodyPr>
+            <a:normAutofit/>
+          </a:bodyPr>
+          <a:lstStyle/>
+          <a:p>
+            <a:r>
+              <a:rPr lang="fr-FR" dirty="0"/>
+              <a:t>Base de donnée : </a:t>
+            </a:r>
+            <a:r>
+              <a:rPr lang="fr-FR" dirty="0" err="1"/>
+              <a:t>MongoDB</a:t>
+            </a:r>
+            <a:endParaRPr lang="fr-FR" dirty="0"/>
+          </a:p>
+          <a:p>
+            <a:pPr lvl="1"/>
+            <a:r>
+              <a:rPr lang="fr-FR" dirty="0"/>
+              <a:t>Découverte d’un nouveau SGBD</a:t>
+            </a:r>
+          </a:p>
+          <a:p>
+            <a:r>
+              <a:rPr lang="fr-FR" dirty="0"/>
+              <a:t>API : </a:t>
+            </a:r>
+            <a:r>
+              <a:rPr lang="fr-FR" dirty="0" err="1"/>
+              <a:t>Spring</a:t>
+            </a:r>
+            <a:endParaRPr lang="fr-FR" dirty="0"/>
+          </a:p>
+          <a:p>
+            <a:pPr lvl="1"/>
+            <a:r>
+              <a:rPr lang="fr-FR" dirty="0"/>
+              <a:t>Framework déjà utilisé dans d’autres projets</a:t>
+            </a:r>
+          </a:p>
+          <a:p>
+            <a:pPr lvl="1"/>
+            <a:r>
+              <a:rPr lang="fr-FR" dirty="0"/>
+              <a:t>Langage Java maîtrisé</a:t>
+            </a:r>
+          </a:p>
+          <a:p>
+            <a:pPr lvl="1"/>
+            <a:endParaRPr lang="fr-FR" dirty="0"/>
+          </a:p>
+          <a:p>
+            <a:endParaRPr lang="fr-FR" dirty="0"/>
+          </a:p>
+        </p:txBody>
+      </p:sp>
+      <p:sp>
+        <p:nvSpPr>
+          <p:cNvPr id="4" name="Espace réservé du pied de page 3">
+            <a:extLst>
+              <a:ext uri="{FF2B5EF4-FFF2-40B4-BE49-F238E27FC236}">
+                <a16:creationId xmlns:a16="http://schemas.microsoft.com/office/drawing/2014/main" id="{8D3AF887-9A36-4ED0-987D-ED92CA1990B0}"/>
+              </a:ext>
+            </a:extLst>
+          </p:cNvPr>
+          <p:cNvSpPr>
+            <a:spLocks noGrp="1"/>
+          </p:cNvSpPr>
+          <p:nvPr>
+            <p:ph type="ftr" sz="quarter" idx="11"/>
+          </p:nvPr>
+        </p:nvSpPr>
+        <p:spPr/>
+        <p:txBody>
           <a:bodyPr/>
           <a:lstStyle/>
           <a:p>
+            <a:r>
+              <a:rPr lang="fr-FR"/>
+              <a:t>28/11/2017</a:t>
+            </a:r>
+          </a:p>
+        </p:txBody>
+      </p:sp>
+      <p:sp>
+        <p:nvSpPr>
+          <p:cNvPr id="5" name="Espace réservé du numéro de diapositive 4">
+            <a:extLst>
+              <a:ext uri="{FF2B5EF4-FFF2-40B4-BE49-F238E27FC236}">
+                <a16:creationId xmlns:a16="http://schemas.microsoft.com/office/drawing/2014/main" id="{25968FEC-C2F6-4ACB-A658-AEEC4C3C2228}"/>
+              </a:ext>
+            </a:extLst>
+          </p:cNvPr>
+          <p:cNvSpPr>
+            <a:spLocks noGrp="1"/>
+          </p:cNvSpPr>
+          <p:nvPr>
+            <p:ph type="sldNum" sz="quarter" idx="12"/>
+          </p:nvPr>
+        </p:nvSpPr>
+        <p:spPr/>
+        <p:txBody>
+          <a:bodyPr/>
+          <a:lstStyle/>
+          <a:p>
+            <a:fld id="{ED22AD06-C296-4654-A2D3-A746ACA7B044}" type="slidenum">
+              <a:rPr lang="fr-FR" smtClean="0"/>
+              <a:t>6</a:t>
+            </a:fld>
             <a:endParaRPr lang="fr-FR"/>
           </a:p>
         </p:txBody>
@@ -13066,7 +15503,7 @@
     </p:spTree>
     <p:extLst>
       <p:ext uri="{BB962C8B-B14F-4D97-AF65-F5344CB8AC3E}">
-        <p14:creationId xmlns:p14="http://schemas.microsoft.com/office/powerpoint/2010/main" val="2836490286"/>
+        <p14:creationId xmlns:p14="http://schemas.microsoft.com/office/powerpoint/2010/main" val="1329836512"/>
       </p:ext>
     </p:extLst>
   </p:cSld>
@@ -13098,7 +15535,7 @@
           <p:cNvPr id="2" name="Titre 1">
             <a:extLst>
               <a:ext uri="{FF2B5EF4-FFF2-40B4-BE49-F238E27FC236}">
-                <a16:creationId xmlns:a16="http://schemas.microsoft.com/office/drawing/2014/main" id="{0845828D-6CC7-4486-8B9C-DD5D9F22D31D}"/>
+                <a16:creationId xmlns:a16="http://schemas.microsoft.com/office/drawing/2014/main" id="{C0CC8AE9-1BF4-4387-ADA7-C852D42B7D76}"/>
               </a:ext>
             </a:extLst>
           </p:cNvPr>
@@ -13116,17 +15553,47 @@
           <a:p>
             <a:r>
               <a:rPr lang="fr-FR" dirty="0"/>
-              <a:t>Justifier l'intérêt du CI/CD</a:t>
-            </a:r>
-          </a:p>
-        </p:txBody>
-      </p:sp>
-      <p:sp>
-        <p:nvSpPr>
-          <p:cNvPr id="3" name="Espace réservé du contenu 2">
+              <a:t>Démonstration </a:t>
+            </a:r>
+          </a:p>
+        </p:txBody>
+      </p:sp>
+      <p:pic>
+        <p:nvPicPr>
+          <p:cNvPr id="5" name="Image 4"/>
+          <p:cNvPicPr>
+            <a:picLocks noChangeAspect="1"/>
+          </p:cNvPicPr>
+          <p:nvPr/>
+        </p:nvPicPr>
+        <p:blipFill>
+          <a:blip r:embed="rId3">
+            <a:extLst>
+              <a:ext uri="{28A0092B-C50C-407E-A947-70E740481C1C}">
+                <a14:useLocalDpi xmlns:a14="http://schemas.microsoft.com/office/drawing/2010/main" val="0"/>
+              </a:ext>
+            </a:extLst>
+          </a:blip>
+          <a:stretch>
+            <a:fillRect/>
+          </a:stretch>
+        </p:blipFill>
+        <p:spPr>
+          <a:xfrm>
+            <a:off x="1842057" y="2334595"/>
+            <a:ext cx="7182382" cy="3591192"/>
+          </a:xfrm>
+          <a:prstGeom prst="rect">
+            <a:avLst/>
+          </a:prstGeom>
+        </p:spPr>
+      </p:pic>
+      <p:sp>
+        <p:nvSpPr>
+          <p:cNvPr id="3" name="Espace réservé du pied de page 2">
             <a:extLst>
               <a:ext uri="{FF2B5EF4-FFF2-40B4-BE49-F238E27FC236}">
-                <a16:creationId xmlns:a16="http://schemas.microsoft.com/office/drawing/2014/main" id="{D2565F79-8447-4704-800E-75742A26C65D}"/>
+                <a16:creationId xmlns:a16="http://schemas.microsoft.com/office/drawing/2014/main" id="{7D5441C1-46C0-4783-9F0E-B77CAD4C03C4}"/>
               </a:ext>
             </a:extLst>
           </p:cNvPr>
@@ -13134,7 +15601,7 @@
             <a:spLocks noGrp="1"/>
           </p:cNvSpPr>
           <p:nvPr>
-            <p:ph idx="1"/>
+            <p:ph type="ftr" sz="quarter" idx="11"/>
           </p:nvPr>
         </p:nvSpPr>
         <p:spPr/>
@@ -13142,6 +15609,38 @@
           <a:bodyPr/>
           <a:lstStyle/>
           <a:p>
+            <a:r>
+              <a:rPr lang="fr-FR"/>
+              <a:t>28/11/2017</a:t>
+            </a:r>
+          </a:p>
+        </p:txBody>
+      </p:sp>
+      <p:sp>
+        <p:nvSpPr>
+          <p:cNvPr id="4" name="Espace réservé du numéro de diapositive 3">
+            <a:extLst>
+              <a:ext uri="{FF2B5EF4-FFF2-40B4-BE49-F238E27FC236}">
+                <a16:creationId xmlns:a16="http://schemas.microsoft.com/office/drawing/2014/main" id="{C5EB9DE6-B98B-4EAD-87CE-73AC85478BBB}"/>
+              </a:ext>
+            </a:extLst>
+          </p:cNvPr>
+          <p:cNvSpPr>
+            <a:spLocks noGrp="1"/>
+          </p:cNvSpPr>
+          <p:nvPr>
+            <p:ph type="sldNum" sz="quarter" idx="12"/>
+          </p:nvPr>
+        </p:nvSpPr>
+        <p:spPr/>
+        <p:txBody>
+          <a:bodyPr/>
+          <a:lstStyle/>
+          <a:p>
+            <a:fld id="{ED22AD06-C296-4654-A2D3-A746ACA7B044}" type="slidenum">
+              <a:rPr lang="fr-FR" smtClean="0"/>
+              <a:t>7</a:t>
+            </a:fld>
             <a:endParaRPr lang="fr-FR"/>
           </a:p>
         </p:txBody>
@@ -13149,7 +15648,7 @@
     </p:spTree>
     <p:extLst>
       <p:ext uri="{BB962C8B-B14F-4D97-AF65-F5344CB8AC3E}">
-        <p14:creationId xmlns:p14="http://schemas.microsoft.com/office/powerpoint/2010/main" val="919382233"/>
+        <p14:creationId xmlns:p14="http://schemas.microsoft.com/office/powerpoint/2010/main" val="4113985906"/>
       </p:ext>
     </p:extLst>
   </p:cSld>
@@ -13181,7 +15680,7 @@
           <p:cNvPr id="2" name="Titre 1">
             <a:extLst>
               <a:ext uri="{FF2B5EF4-FFF2-40B4-BE49-F238E27FC236}">
-                <a16:creationId xmlns:a16="http://schemas.microsoft.com/office/drawing/2014/main" id="{96C5FFFE-9A22-4089-93E1-9CA9315E180B}"/>
+                <a16:creationId xmlns:a16="http://schemas.microsoft.com/office/drawing/2014/main" id="{6F819513-349C-4881-89BD-301F56BF30B3}"/>
               </a:ext>
             </a:extLst>
           </p:cNvPr>
@@ -13199,7 +15698,7 @@
           <a:p>
             <a:r>
               <a:rPr lang="fr-FR" dirty="0"/>
-              <a:t>Difficultés rencontrées et retours sur l'UE</a:t>
+              <a:t>Organisation du groupe et du travail</a:t>
             </a:r>
           </a:p>
         </p:txBody>
@@ -13209,7 +15708,7 @@
           <p:cNvPr id="3" name="Espace réservé du contenu 2">
             <a:extLst>
               <a:ext uri="{FF2B5EF4-FFF2-40B4-BE49-F238E27FC236}">
-                <a16:creationId xmlns:a16="http://schemas.microsoft.com/office/drawing/2014/main" id="{9ACD37A6-8B7D-497E-82A3-56A503C1FCEF}"/>
+                <a16:creationId xmlns:a16="http://schemas.microsoft.com/office/drawing/2014/main" id="{8FA18918-6B31-4E5C-90BD-84E11C4F0F99}"/>
               </a:ext>
             </a:extLst>
           </p:cNvPr>
@@ -13222,9 +15721,89 @@
         </p:nvSpPr>
         <p:spPr/>
         <p:txBody>
+          <a:bodyPr>
+            <a:normAutofit/>
+          </a:bodyPr>
+          <a:lstStyle/>
+          <a:p>
+            <a:r>
+              <a:rPr lang="fr-FR" dirty="0"/>
+              <a:t>Création de l’API USER : Jensen</a:t>
+            </a:r>
+          </a:p>
+          <a:p>
+            <a:r>
+              <a:rPr lang="fr-FR" dirty="0"/>
+              <a:t>Tests : Jensen et Matthieu</a:t>
+            </a:r>
+          </a:p>
+          <a:p>
+            <a:r>
+              <a:rPr lang="fr-FR" dirty="0"/>
+              <a:t>Mise en place de l’image Docker : Lilian et Julien</a:t>
+            </a:r>
+          </a:p>
+          <a:p>
+            <a:r>
+              <a:rPr lang="fr-FR" dirty="0"/>
+              <a:t>Recherche de documentation pour choix techniques : Lilian et Julien </a:t>
+            </a:r>
+          </a:p>
+        </p:txBody>
+      </p:sp>
+      <p:sp>
+        <p:nvSpPr>
+          <p:cNvPr id="4" name="Espace réservé du pied de page 3">
+            <a:extLst>
+              <a:ext uri="{FF2B5EF4-FFF2-40B4-BE49-F238E27FC236}">
+                <a16:creationId xmlns:a16="http://schemas.microsoft.com/office/drawing/2014/main" id="{04FA8130-EF46-4F61-9E00-5E57A1CD70A9}"/>
+              </a:ext>
+            </a:extLst>
+          </p:cNvPr>
+          <p:cNvSpPr>
+            <a:spLocks noGrp="1"/>
+          </p:cNvSpPr>
+          <p:nvPr>
+            <p:ph type="ftr" sz="quarter" idx="11"/>
+          </p:nvPr>
+        </p:nvSpPr>
+        <p:spPr/>
+        <p:txBody>
           <a:bodyPr/>
           <a:lstStyle/>
           <a:p>
+            <a:r>
+              <a:rPr lang="fr-FR"/>
+              <a:t>28/11/2017</a:t>
+            </a:r>
+          </a:p>
+        </p:txBody>
+      </p:sp>
+      <p:sp>
+        <p:nvSpPr>
+          <p:cNvPr id="5" name="Espace réservé du numéro de diapositive 4">
+            <a:extLst>
+              <a:ext uri="{FF2B5EF4-FFF2-40B4-BE49-F238E27FC236}">
+                <a16:creationId xmlns:a16="http://schemas.microsoft.com/office/drawing/2014/main" id="{332B6EAC-5DA2-4B4A-B235-9718E373AB1B}"/>
+              </a:ext>
+            </a:extLst>
+          </p:cNvPr>
+          <p:cNvSpPr>
+            <a:spLocks noGrp="1"/>
+          </p:cNvSpPr>
+          <p:nvPr>
+            <p:ph type="sldNum" sz="quarter" idx="12"/>
+          </p:nvPr>
+        </p:nvSpPr>
+        <p:spPr/>
+        <p:txBody>
+          <a:bodyPr/>
+          <a:lstStyle/>
+          <a:p>
+            <a:fld id="{ED22AD06-C296-4654-A2D3-A746ACA7B044}" type="slidenum">
+              <a:rPr lang="fr-FR" smtClean="0"/>
+              <a:t>8</a:t>
+            </a:fld>
             <a:endParaRPr lang="fr-FR"/>
           </a:p>
         </p:txBody>
@@ -13232,7 +15811,272 @@
     </p:spTree>
     <p:extLst>
       <p:ext uri="{BB962C8B-B14F-4D97-AF65-F5344CB8AC3E}">
-        <p14:creationId xmlns:p14="http://schemas.microsoft.com/office/powerpoint/2010/main" val="3260277226"/>
+        <p14:creationId xmlns:p14="http://schemas.microsoft.com/office/powerpoint/2010/main" val="2836490286"/>
+      </p:ext>
+    </p:extLst>
+  </p:cSld>
+  <p:clrMapOvr>
+    <a:masterClrMapping/>
+  </p:clrMapOvr>
+</p:sld>
+</file>
+
+<file path=ppt/slides/slide9.xml><?xml version="1.0" encoding="utf-8"?>
+<p:sld xmlns:a="http://schemas.openxmlformats.org/drawingml/2006/main" xmlns:r="http://schemas.openxmlformats.org/officeDocument/2006/relationships" xmlns:p="http://schemas.openxmlformats.org/presentationml/2006/main">
+  <p:cSld>
+    <p:spTree>
+      <p:nvGrpSpPr>
+        <p:cNvPr id="1" name=""/>
+        <p:cNvGrpSpPr/>
+        <p:nvPr/>
+      </p:nvGrpSpPr>
+      <p:grpSpPr>
+        <a:xfrm>
+          <a:off x="0" y="0"/>
+          <a:ext cx="0" cy="0"/>
+          <a:chOff x="0" y="0"/>
+          <a:chExt cx="0" cy="0"/>
+        </a:xfrm>
+      </p:grpSpPr>
+      <p:sp>
+        <p:nvSpPr>
+          <p:cNvPr id="2" name="Titre 1">
+            <a:extLst>
+              <a:ext uri="{FF2B5EF4-FFF2-40B4-BE49-F238E27FC236}">
+                <a16:creationId xmlns:a16="http://schemas.microsoft.com/office/drawing/2014/main" id="{0845828D-6CC7-4486-8B9C-DD5D9F22D31D}"/>
+              </a:ext>
+            </a:extLst>
+          </p:cNvPr>
+          <p:cNvSpPr>
+            <a:spLocks noGrp="1"/>
+          </p:cNvSpPr>
+          <p:nvPr>
+            <p:ph type="title"/>
+          </p:nvPr>
+        </p:nvSpPr>
+        <p:spPr/>
+        <p:txBody>
+          <a:bodyPr/>
+          <a:lstStyle/>
+          <a:p>
+            <a:r>
+              <a:rPr lang="fr-FR" dirty="0"/>
+              <a:t>CI/CD : Intégration continue</a:t>
+            </a:r>
+          </a:p>
+        </p:txBody>
+      </p:sp>
+      <p:sp>
+        <p:nvSpPr>
+          <p:cNvPr id="3" name="Espace réservé du contenu 2">
+            <a:extLst>
+              <a:ext uri="{FF2B5EF4-FFF2-40B4-BE49-F238E27FC236}">
+                <a16:creationId xmlns:a16="http://schemas.microsoft.com/office/drawing/2014/main" id="{D2565F79-8447-4704-800E-75742A26C65D}"/>
+              </a:ext>
+            </a:extLst>
+          </p:cNvPr>
+          <p:cNvSpPr>
+            <a:spLocks noGrp="1"/>
+          </p:cNvSpPr>
+          <p:nvPr>
+            <p:ph sz="half" idx="2"/>
+          </p:nvPr>
+        </p:nvSpPr>
+        <p:spPr>
+          <a:xfrm>
+            <a:off x="1141410" y="2097087"/>
+            <a:ext cx="4878391" cy="3694111"/>
+          </a:xfrm>
+        </p:spPr>
+        <p:txBody>
+          <a:bodyPr>
+            <a:normAutofit/>
+          </a:bodyPr>
+          <a:lstStyle/>
+          <a:p>
+            <a:r>
+              <a:rPr lang="fr-FR" dirty="0"/>
+              <a:t>Serveur de gestion des versions logicielles (SCM)</a:t>
+            </a:r>
+          </a:p>
+          <a:p>
+            <a:pPr lvl="1"/>
+            <a:r>
+              <a:rPr lang="fr-FR" dirty="0"/>
+              <a:t>SVN</a:t>
+            </a:r>
+          </a:p>
+          <a:p>
+            <a:pPr marL="914400" lvl="2" indent="0">
+              <a:buNone/>
+            </a:pPr>
+            <a:r>
+              <a:rPr lang="fr-FR" dirty="0"/>
+              <a:t>+ Gratuit</a:t>
+            </a:r>
+          </a:p>
+          <a:p>
+            <a:pPr lvl="2">
+              <a:buFontTx/>
+              <a:buChar char="-"/>
+            </a:pPr>
+            <a:r>
+              <a:rPr lang="fr-FR" dirty="0" err="1"/>
+              <a:t>Versionning</a:t>
+            </a:r>
+            <a:r>
+              <a:rPr lang="fr-FR" dirty="0"/>
+              <a:t> décentralisé</a:t>
+            </a:r>
+          </a:p>
+        </p:txBody>
+      </p:sp>
+      <p:sp>
+        <p:nvSpPr>
+          <p:cNvPr id="6" name="Espace réservé du contenu 5">
+            <a:extLst>
+              <a:ext uri="{FF2B5EF4-FFF2-40B4-BE49-F238E27FC236}">
+                <a16:creationId xmlns:a16="http://schemas.microsoft.com/office/drawing/2014/main" id="{E72588E6-DD5B-48C8-86FB-E66FFBA90F82}"/>
+              </a:ext>
+            </a:extLst>
+          </p:cNvPr>
+          <p:cNvSpPr>
+            <a:spLocks noGrp="1"/>
+          </p:cNvSpPr>
+          <p:nvPr>
+            <p:ph sz="quarter" idx="4"/>
+          </p:nvPr>
+        </p:nvSpPr>
+        <p:spPr>
+          <a:xfrm>
+            <a:off x="6172200" y="2188029"/>
+            <a:ext cx="4875210" cy="3603169"/>
+          </a:xfrm>
+        </p:spPr>
+        <p:txBody>
+          <a:bodyPr>
+            <a:normAutofit/>
+          </a:bodyPr>
+          <a:lstStyle/>
+          <a:p>
+            <a:pPr lvl="1"/>
+            <a:r>
+              <a:rPr lang="fr-FR" dirty="0" err="1"/>
+              <a:t>Github</a:t>
+            </a:r>
+            <a:endParaRPr lang="fr-FR" dirty="0"/>
+          </a:p>
+          <a:p>
+            <a:pPr marL="914400" lvl="2" indent="0">
+              <a:buNone/>
+            </a:pPr>
+            <a:r>
+              <a:rPr lang="fr-FR" dirty="0"/>
+              <a:t>+ Déjà utilisé</a:t>
+            </a:r>
+          </a:p>
+          <a:p>
+            <a:pPr marL="914400" lvl="2" indent="0">
+              <a:buNone/>
+            </a:pPr>
+            <a:r>
+              <a:rPr lang="fr-FR" dirty="0"/>
+              <a:t>+ Gratuit</a:t>
+            </a:r>
+          </a:p>
+          <a:p>
+            <a:pPr marL="914400" lvl="2" indent="0">
+              <a:buNone/>
+            </a:pPr>
+            <a:r>
+              <a:rPr lang="fr-FR" dirty="0"/>
+              <a:t>+ Gestion des branches</a:t>
+            </a:r>
+          </a:p>
+          <a:p>
+            <a:pPr marL="914400" lvl="2" indent="0">
+              <a:buNone/>
+            </a:pPr>
+            <a:r>
+              <a:rPr lang="fr-FR" dirty="0"/>
+              <a:t>+ Suivi des modifications</a:t>
+            </a:r>
+          </a:p>
+          <a:p>
+            <a:pPr marL="914400" lvl="2" indent="0">
+              <a:buNone/>
+            </a:pPr>
+            <a:r>
+              <a:rPr lang="fr-FR" dirty="0"/>
+              <a:t>+ Merge intelligent</a:t>
+            </a:r>
+          </a:p>
+          <a:p>
+            <a:endParaRPr lang="fr-FR" dirty="0"/>
+          </a:p>
+        </p:txBody>
+      </p:sp>
+      <p:sp>
+        <p:nvSpPr>
+          <p:cNvPr id="7" name="Espace réservé du pied de page 6">
+            <a:extLst>
+              <a:ext uri="{FF2B5EF4-FFF2-40B4-BE49-F238E27FC236}">
+                <a16:creationId xmlns:a16="http://schemas.microsoft.com/office/drawing/2014/main" id="{A6C3343A-8C55-4D5B-83EE-2EDF0A9D7810}"/>
+              </a:ext>
+            </a:extLst>
+          </p:cNvPr>
+          <p:cNvSpPr>
+            <a:spLocks noGrp="1"/>
+          </p:cNvSpPr>
+          <p:nvPr>
+            <p:ph type="ftr" sz="quarter" idx="11"/>
+          </p:nvPr>
+        </p:nvSpPr>
+        <p:spPr/>
+        <p:txBody>
+          <a:bodyPr/>
+          <a:lstStyle/>
+          <a:p>
+            <a:r>
+              <a:rPr lang="fr-FR"/>
+              <a:t>28/11/2017</a:t>
+            </a:r>
+          </a:p>
+        </p:txBody>
+      </p:sp>
+      <p:sp>
+        <p:nvSpPr>
+          <p:cNvPr id="8" name="Espace réservé du numéro de diapositive 7">
+            <a:extLst>
+              <a:ext uri="{FF2B5EF4-FFF2-40B4-BE49-F238E27FC236}">
+                <a16:creationId xmlns:a16="http://schemas.microsoft.com/office/drawing/2014/main" id="{3B0DB9C9-02FF-40DA-9DB3-B0222BD9F6E9}"/>
+              </a:ext>
+            </a:extLst>
+          </p:cNvPr>
+          <p:cNvSpPr>
+            <a:spLocks noGrp="1"/>
+          </p:cNvSpPr>
+          <p:nvPr>
+            <p:ph type="sldNum" sz="quarter" idx="12"/>
+          </p:nvPr>
+        </p:nvSpPr>
+        <p:spPr/>
+        <p:txBody>
+          <a:bodyPr/>
+          <a:lstStyle/>
+          <a:p>
+            <a:fld id="{ED22AD06-C296-4654-A2D3-A746ACA7B044}" type="slidenum">
+              <a:rPr lang="fr-FR" smtClean="0"/>
+              <a:t>9</a:t>
+            </a:fld>
+            <a:endParaRPr lang="fr-FR"/>
+          </a:p>
+        </p:txBody>
+      </p:sp>
+    </p:spTree>
+    <p:extLst>
+      <p:ext uri="{BB962C8B-B14F-4D97-AF65-F5344CB8AC3E}">
+        <p14:creationId xmlns:p14="http://schemas.microsoft.com/office/powerpoint/2010/main" val="919382233"/>
       </p:ext>
     </p:extLst>
   </p:cSld>
@@ -13491,4 +16335,265 @@
     </a:ext>
   </a:extLst>
 </a:theme>
+</file>
+
+<file path=ppt/theme/theme2.xml><?xml version="1.0" encoding="utf-8"?>
+<a:theme xmlns:a="http://schemas.openxmlformats.org/drawingml/2006/main" name="Thème Office">
+  <a:themeElements>
+    <a:clrScheme name="Office">
+      <a:dk1>
+        <a:sysClr val="windowText" lastClr="000000"/>
+      </a:dk1>
+      <a:lt1>
+        <a:sysClr val="window" lastClr="FFFFFF"/>
+      </a:lt1>
+      <a:dk2>
+        <a:srgbClr val="44546A"/>
+      </a:dk2>
+      <a:lt2>
+        <a:srgbClr val="E7E6E6"/>
+      </a:lt2>
+      <a:accent1>
+        <a:srgbClr val="5B9BD5"/>
+      </a:accent1>
+      <a:accent2>
+        <a:srgbClr val="ED7D31"/>
+      </a:accent2>
+      <a:accent3>
+        <a:srgbClr val="A5A5A5"/>
+      </a:accent3>
+      <a:accent4>
+        <a:srgbClr val="FFC000"/>
+      </a:accent4>
+      <a:accent5>
+        <a:srgbClr val="4472C4"/>
+      </a:accent5>
+      <a:accent6>
+        <a:srgbClr val="70AD47"/>
+      </a:accent6>
+      <a:hlink>
+        <a:srgbClr val="0563C1"/>
+      </a:hlink>
+      <a:folHlink>
+        <a:srgbClr val="954F72"/>
+      </a:folHlink>
+    </a:clrScheme>
+    <a:fontScheme name="Office">
+      <a:majorFont>
+        <a:latin typeface="Calibri Light" panose="020F0302020204030204"/>
+        <a:ea typeface=""/>
+        <a:cs typeface=""/>
+        <a:font script="Jpan" typeface="游ゴシック Light"/>
+        <a:font script="Hang" typeface="맑은 고딕"/>
+        <a:font script="Hans" typeface="等线 Light"/>
+        <a:font script="Hant" typeface="新細明體"/>
+        <a:font script="Arab" typeface="Times New Roman"/>
+        <a:font script="Hebr" typeface="Times New Roman"/>
+        <a:font script="Thai" typeface="Angsana New"/>
+        <a:font script="Ethi" typeface="Nyala"/>
+        <a:font script="Beng" typeface="Vrinda"/>
+        <a:font script="Gujr" typeface="Shruti"/>
+        <a:font script="Khmr" typeface="MoolBoran"/>
+        <a:font script="Knda" typeface="Tunga"/>
+        <a:font script="Guru" typeface="Raavi"/>
+        <a:font script="Cans" typeface="Euphemia"/>
+        <a:font script="Cher" typeface="Plantagenet Cherokee"/>
+        <a:font script="Yiii" typeface="Microsoft Yi Baiti"/>
+        <a:font script="Tibt" typeface="Microsoft Himalaya"/>
+        <a:font script="Thaa" typeface="MV Boli"/>
+        <a:font script="Deva" typeface="Mangal"/>
+        <a:font script="Telu" typeface="Gautami"/>
+        <a:font script="Taml" typeface="Latha"/>
+        <a:font script="Syrc" typeface="Estrangelo Edessa"/>
+        <a:font script="Orya" typeface="Kalinga"/>
+        <a:font script="Mlym" typeface="Kartika"/>
+        <a:font script="Laoo" typeface="DokChampa"/>
+        <a:font script="Sinh" typeface="Iskoola Pota"/>
+        <a:font script="Mong" typeface="Mongolian Baiti"/>
+        <a:font script="Viet" typeface="Times New Roman"/>
+        <a:font script="Uigh" typeface="Microsoft Uighur"/>
+        <a:font script="Geor" typeface="Sylfaen"/>
+      </a:majorFont>
+      <a:minorFont>
+        <a:latin typeface="Calibri" panose="020F0502020204030204"/>
+        <a:ea typeface=""/>
+        <a:cs typeface=""/>
+        <a:font script="Jpan" typeface="游ゴシック"/>
+        <a:font script="Hang" typeface="맑은 고딕"/>
+        <a:font script="Hans" typeface="等线"/>
+        <a:font script="Hant" typeface="新細明體"/>
+        <a:font script="Arab" typeface="Arial"/>
+        <a:font script="Hebr" typeface="Arial"/>
+        <a:font script="Thai" typeface="Cordia New"/>
+        <a:font script="Ethi" typeface="Nyala"/>
+        <a:font script="Beng" typeface="Vrinda"/>
+        <a:font script="Gujr" typeface="Shruti"/>
+        <a:font script="Khmr" typeface="DaunPenh"/>
+        <a:font script="Knda" typeface="Tunga"/>
+        <a:font script="Guru" typeface="Raavi"/>
+        <a:font script="Cans" typeface="Euphemia"/>
+        <a:font script="Cher" typeface="Plantagenet Cherokee"/>
+        <a:font script="Yiii" typeface="Microsoft Yi Baiti"/>
+        <a:font script="Tibt" typeface="Microsoft Himalaya"/>
+        <a:font script="Thaa" typeface="MV Boli"/>
+        <a:font script="Deva" typeface="Mangal"/>
+        <a:font script="Telu" typeface="Gautami"/>
+        <a:font script="Taml" typeface="Latha"/>
+        <a:font script="Syrc" typeface="Estrangelo Edessa"/>
+        <a:font script="Orya" typeface="Kalinga"/>
+        <a:font script="Mlym" typeface="Kartika"/>
+        <a:font script="Laoo" typeface="DokChampa"/>
+        <a:font script="Sinh" typeface="Iskoola Pota"/>
+        <a:font script="Mong" typeface="Mongolian Baiti"/>
+        <a:font script="Viet" typeface="Arial"/>
+        <a:font script="Uigh" typeface="Microsoft Uighur"/>
+        <a:font script="Geor" typeface="Sylfaen"/>
+      </a:minorFont>
+    </a:fontScheme>
+    <a:fmtScheme name="Office">
+      <a:fillStyleLst>
+        <a:solidFill>
+          <a:schemeClr val="phClr"/>
+        </a:solidFill>
+        <a:gradFill rotWithShape="1">
+          <a:gsLst>
+            <a:gs pos="0">
+              <a:schemeClr val="phClr">
+                <a:lumMod val="110000"/>
+                <a:satMod val="105000"/>
+                <a:tint val="67000"/>
+              </a:schemeClr>
+            </a:gs>
+            <a:gs pos="50000">
+              <a:schemeClr val="phClr">
+                <a:lumMod val="105000"/>
+                <a:satMod val="103000"/>
+                <a:tint val="73000"/>
+              </a:schemeClr>
+            </a:gs>
+            <a:gs pos="100000">
+              <a:schemeClr val="phClr">
+                <a:lumMod val="105000"/>
+                <a:satMod val="109000"/>
+                <a:tint val="81000"/>
+              </a:schemeClr>
+            </a:gs>
+          </a:gsLst>
+          <a:lin ang="5400000" scaled="0"/>
+        </a:gradFill>
+        <a:gradFill rotWithShape="1">
+          <a:gsLst>
+            <a:gs pos="0">
+              <a:schemeClr val="phClr">
+                <a:satMod val="103000"/>
+                <a:lumMod val="102000"/>
+                <a:tint val="94000"/>
+              </a:schemeClr>
+            </a:gs>
+            <a:gs pos="50000">
+              <a:schemeClr val="phClr">
+                <a:satMod val="110000"/>
+                <a:lumMod val="100000"/>
+                <a:shade val="100000"/>
+              </a:schemeClr>
+            </a:gs>
+            <a:gs pos="100000">
+              <a:schemeClr val="phClr">
+                <a:lumMod val="99000"/>
+                <a:satMod val="120000"/>
+                <a:shade val="78000"/>
+              </a:schemeClr>
+            </a:gs>
+          </a:gsLst>
+          <a:lin ang="5400000" scaled="0"/>
+        </a:gradFill>
+      </a:fillStyleLst>
+      <a:lnStyleLst>
+        <a:ln w="6350" cap="flat" cmpd="sng" algn="ctr">
+          <a:solidFill>
+            <a:schemeClr val="phClr"/>
+          </a:solidFill>
+          <a:prstDash val="solid"/>
+          <a:miter lim="800000"/>
+        </a:ln>
+        <a:ln w="12700" cap="flat" cmpd="sng" algn="ctr">
+          <a:solidFill>
+            <a:schemeClr val="phClr"/>
+          </a:solidFill>
+          <a:prstDash val="solid"/>
+          <a:miter lim="800000"/>
+        </a:ln>
+        <a:ln w="19050" cap="flat" cmpd="sng" algn="ctr">
+          <a:solidFill>
+            <a:schemeClr val="phClr"/>
+          </a:solidFill>
+          <a:prstDash val="solid"/>
+          <a:miter lim="800000"/>
+        </a:ln>
+      </a:lnStyleLst>
+      <a:effectStyleLst>
+        <a:effectStyle>
+          <a:effectLst/>
+        </a:effectStyle>
+        <a:effectStyle>
+          <a:effectLst/>
+        </a:effectStyle>
+        <a:effectStyle>
+          <a:effectLst>
+            <a:outerShdw blurRad="57150" dist="19050" dir="5400000" algn="ctr" rotWithShape="0">
+              <a:srgbClr val="000000">
+                <a:alpha val="63000"/>
+              </a:srgbClr>
+            </a:outerShdw>
+          </a:effectLst>
+        </a:effectStyle>
+      </a:effectStyleLst>
+      <a:bgFillStyleLst>
+        <a:solidFill>
+          <a:schemeClr val="phClr"/>
+        </a:solidFill>
+        <a:solidFill>
+          <a:schemeClr val="phClr">
+            <a:tint val="95000"/>
+            <a:satMod val="170000"/>
+          </a:schemeClr>
+        </a:solidFill>
+        <a:gradFill rotWithShape="1">
+          <a:gsLst>
+            <a:gs pos="0">
+              <a:schemeClr val="phClr">
+                <a:tint val="93000"/>
+                <a:satMod val="150000"/>
+                <a:shade val="98000"/>
+                <a:lumMod val="102000"/>
+              </a:schemeClr>
+            </a:gs>
+            <a:gs pos="50000">
+              <a:schemeClr val="phClr">
+                <a:tint val="98000"/>
+                <a:satMod val="130000"/>
+                <a:shade val="90000"/>
+                <a:lumMod val="103000"/>
+              </a:schemeClr>
+            </a:gs>
+            <a:gs pos="100000">
+              <a:schemeClr val="phClr">
+                <a:shade val="63000"/>
+                <a:satMod val="120000"/>
+              </a:schemeClr>
+            </a:gs>
+          </a:gsLst>
+          <a:lin ang="5400000" scaled="0"/>
+        </a:gradFill>
+      </a:bgFillStyleLst>
+    </a:fmtScheme>
+  </a:themeElements>
+  <a:objectDefaults/>
+  <a:extraClrSchemeLst/>
+  <a:extLst>
+    <a:ext uri="{05A4C25C-085E-4340-85A3-A5531E510DB2}">
+      <thm15:themeFamily xmlns:thm15="http://schemas.microsoft.com/office/thememl/2012/main" name="Office Theme" id="{62F939B6-93AF-4DB8-9C6B-D6C7DFDC589F}" vid="{4A3C46E8-61CC-4603-A589-7422A47A8E4A}"/>
+    </a:ext>
+  </a:extLst>
+</a:theme>
 </file>
--- a/Presentation Cloud.pptx
+++ b/Presentation Cloud.pptx
@@ -121,7 +121,7 @@
   </p:defaultTextStyle>
   <p:extLst>
     <p:ext uri="{EFAFB233-063F-42B5-8137-9DF3F51BA10A}">
-      <p15:sldGuideLst xmlns:p15="http://schemas.microsoft.com/office/powerpoint/2012/main"/>
+      <p15:sldGuideLst xmlns:p15="http://schemas.microsoft.com/office/powerpoint/2012/main" xmlns=""/>
     </p:ext>
   </p:extLst>
 </p:presentation>
@@ -132,7 +132,7 @@
   <p:cmAuthor id="1" name="VARREL LILIAN p1307363" initials="VLp" lastIdx="0" clrIdx="0">
     <p:extLst>
       <p:ext uri="{19B8F6BF-5375-455C-9EA6-DF929625EA0E}">
-        <p15:presenceInfo xmlns:p15="http://schemas.microsoft.com/office/powerpoint/2012/main" userId="VARREL LILIAN p1307363" providerId="None"/>
+        <p15:presenceInfo xmlns:p15="http://schemas.microsoft.com/office/powerpoint/2012/main" xmlns="" userId="VARREL LILIAN p1307363" providerId="None"/>
       </p:ext>
     </p:extLst>
   </p:cmAuthor>
@@ -225,6 +225,7 @@
           <a:p>
             <a:fld id="{1679012D-8AD0-46EB-9C5F-83305F195B36}" type="datetimeFigureOut">
               <a:rPr lang="fr-FR" smtClean="0"/>
+              <a:pPr/>
               <a:t>25/11/2017</a:t>
             </a:fld>
             <a:endParaRPr lang="fr-FR"/>
@@ -383,6 +384,7 @@
           <a:p>
             <a:fld id="{8C9430EA-2101-4193-B144-81AA5245BAB4}" type="slidenum">
               <a:rPr lang="fr-FR" smtClean="0"/>
+              <a:pPr/>
               <a:t>‹N°›</a:t>
             </a:fld>
             <a:endParaRPr lang="fr-FR"/>
@@ -392,7 +394,7 @@
     </p:spTree>
     <p:extLst>
       <p:ext uri="{BB962C8B-B14F-4D97-AF65-F5344CB8AC3E}">
-        <p14:creationId xmlns:p14="http://schemas.microsoft.com/office/powerpoint/2010/main" val="3761400281"/>
+        <p14:creationId xmlns:p14="http://schemas.microsoft.com/office/powerpoint/2010/main" xmlns="" val="3761400281"/>
       </p:ext>
     </p:extLst>
   </p:cSld>
@@ -569,6 +571,7 @@
           <a:p>
             <a:fld id="{8C9430EA-2101-4193-B144-81AA5245BAB4}" type="slidenum">
               <a:rPr lang="fr-FR" smtClean="0"/>
+              <a:pPr/>
               <a:t>3</a:t>
             </a:fld>
             <a:endParaRPr lang="fr-FR"/>
@@ -578,7 +581,7 @@
     </p:spTree>
     <p:extLst>
       <p:ext uri="{BB962C8B-B14F-4D97-AF65-F5344CB8AC3E}">
-        <p14:creationId xmlns:p14="http://schemas.microsoft.com/office/powerpoint/2010/main" val="3894418767"/>
+        <p14:creationId xmlns:p14="http://schemas.microsoft.com/office/powerpoint/2010/main" xmlns="" val="3894418767"/>
       </p:ext>
     </p:extLst>
   </p:cSld>
@@ -671,6 +674,7 @@
           <a:p>
             <a:fld id="{8C9430EA-2101-4193-B144-81AA5245BAB4}" type="slidenum">
               <a:rPr lang="fr-FR" smtClean="0"/>
+              <a:pPr/>
               <a:t>4</a:t>
             </a:fld>
             <a:endParaRPr lang="fr-FR"/>
@@ -680,7 +684,7 @@
     </p:spTree>
     <p:extLst>
       <p:ext uri="{BB962C8B-B14F-4D97-AF65-F5344CB8AC3E}">
-        <p14:creationId xmlns:p14="http://schemas.microsoft.com/office/powerpoint/2010/main" val="3209010627"/>
+        <p14:creationId xmlns:p14="http://schemas.microsoft.com/office/powerpoint/2010/main" xmlns="" val="3209010627"/>
       </p:ext>
     </p:extLst>
   </p:cSld>
@@ -773,6 +777,7 @@
           <a:p>
             <a:fld id="{8C9430EA-2101-4193-B144-81AA5245BAB4}" type="slidenum">
               <a:rPr lang="fr-FR" smtClean="0"/>
+              <a:pPr/>
               <a:t>5</a:t>
             </a:fld>
             <a:endParaRPr lang="fr-FR"/>
@@ -782,7 +787,7 @@
     </p:spTree>
     <p:extLst>
       <p:ext uri="{BB962C8B-B14F-4D97-AF65-F5344CB8AC3E}">
-        <p14:creationId xmlns:p14="http://schemas.microsoft.com/office/powerpoint/2010/main" val="4029215718"/>
+        <p14:creationId xmlns:p14="http://schemas.microsoft.com/office/powerpoint/2010/main" xmlns="" val="4029215718"/>
       </p:ext>
     </p:extLst>
   </p:cSld>
@@ -875,6 +880,7 @@
           <a:p>
             <a:fld id="{8C9430EA-2101-4193-B144-81AA5245BAB4}" type="slidenum">
               <a:rPr lang="fr-FR" smtClean="0"/>
+              <a:pPr/>
               <a:t>6</a:t>
             </a:fld>
             <a:endParaRPr lang="fr-FR"/>
@@ -884,7 +890,7 @@
     </p:spTree>
     <p:extLst>
       <p:ext uri="{BB962C8B-B14F-4D97-AF65-F5344CB8AC3E}">
-        <p14:creationId xmlns:p14="http://schemas.microsoft.com/office/powerpoint/2010/main" val="2098412962"/>
+        <p14:creationId xmlns:p14="http://schemas.microsoft.com/office/powerpoint/2010/main" xmlns="" val="2098412962"/>
       </p:ext>
     </p:extLst>
   </p:cSld>
@@ -978,6 +984,7 @@
           <a:p>
             <a:fld id="{8C9430EA-2101-4193-B144-81AA5245BAB4}" type="slidenum">
               <a:rPr lang="fr-FR" smtClean="0"/>
+              <a:pPr/>
               <a:t>7</a:t>
             </a:fld>
             <a:endParaRPr lang="fr-FR"/>
@@ -987,7 +994,7 @@
     </p:spTree>
     <p:extLst>
       <p:ext uri="{BB962C8B-B14F-4D97-AF65-F5344CB8AC3E}">
-        <p14:creationId xmlns:p14="http://schemas.microsoft.com/office/powerpoint/2010/main" val="1002701891"/>
+        <p14:creationId xmlns:p14="http://schemas.microsoft.com/office/powerpoint/2010/main" xmlns="" val="1002701891"/>
       </p:ext>
     </p:extLst>
   </p:cSld>
@@ -1062,6 +1069,7 @@
           <a:p>
             <a:fld id="{8C9430EA-2101-4193-B144-81AA5245BAB4}" type="slidenum">
               <a:rPr lang="fr-FR" smtClean="0"/>
+              <a:pPr/>
               <a:t>10</a:t>
             </a:fld>
             <a:endParaRPr lang="fr-FR"/>
@@ -1071,7 +1079,7 @@
     </p:spTree>
     <p:extLst>
       <p:ext uri="{BB962C8B-B14F-4D97-AF65-F5344CB8AC3E}">
-        <p14:creationId xmlns:p14="http://schemas.microsoft.com/office/powerpoint/2010/main" val="2946096343"/>
+        <p14:creationId xmlns:p14="http://schemas.microsoft.com/office/powerpoint/2010/main" xmlns="" val="2946096343"/>
       </p:ext>
     </p:extLst>
   </p:cSld>
@@ -1107,11 +1115,11 @@
           <p:nvPr/>
         </p:nvPicPr>
         <p:blipFill>
-          <a:blip r:embed="rId2">
+          <a:blip r:embed="rId2" cstate="print">
             <a:alphaModFix amt="30000"/>
             <a:extLst>
               <a:ext uri="{28A0092B-C50C-407E-A947-70E740481C1C}">
-                <a14:useLocalDpi xmlns:a14="http://schemas.microsoft.com/office/drawing/2010/main" val="0"/>
+                <a14:useLocalDpi xmlns:a14="http://schemas.microsoft.com/office/drawing/2010/main" xmlns="" val="0"/>
               </a:ext>
             </a:extLst>
           </a:blip>
@@ -1131,7 +1139,7 @@
           <a:noFill/>
           <a:extLst>
             <a:ext uri="{909E8E84-426E-40dd-AFC4-6F175D3DCCD1}">
-              <a14:hiddenFill xmlns:a14="http://schemas.microsoft.com/office/drawing/2010/main" xmlns="">
+              <a14:hiddenFill xmlns="" xmlns:a14="http://schemas.microsoft.com/office/drawing/2010/main">
                 <a:solidFill>
                   <a:srgbClr val="FFFFFF"/>
                 </a:solidFill>
@@ -1191,7 +1199,7 @@
             </a:ln>
             <a:extLst>
               <a:ext uri="{91240B29-F687-4f45-9708-019B960494DF}">
-                <a14:hiddenLine xmlns:a14="http://schemas.microsoft.com/office/drawing/2010/main" xmlns="" w="9525">
+                <a14:hiddenLine xmlns="" xmlns:a14="http://schemas.microsoft.com/office/drawing/2010/main" w="9525">
                   <a:solidFill>
                     <a:srgbClr val="000000"/>
                   </a:solidFill>
@@ -1281,7 +1289,7 @@
             </a:ln>
             <a:extLst>
               <a:ext uri="{91240B29-F687-4f45-9708-019B960494DF}">
-                <a14:hiddenLine xmlns:a14="http://schemas.microsoft.com/office/drawing/2010/main" xmlns="" w="9525">
+                <a14:hiddenLine xmlns="" xmlns:a14="http://schemas.microsoft.com/office/drawing/2010/main" w="9525">
                   <a:solidFill>
                     <a:srgbClr val="000000"/>
                   </a:solidFill>
@@ -1371,7 +1379,7 @@
             </a:ln>
             <a:extLst>
               <a:ext uri="{91240B29-F687-4f45-9708-019B960494DF}">
-                <a14:hiddenLine xmlns:a14="http://schemas.microsoft.com/office/drawing/2010/main" xmlns="" w="9525">
+                <a14:hiddenLine xmlns="" xmlns:a14="http://schemas.microsoft.com/office/drawing/2010/main" w="9525">
                   <a:solidFill>
                     <a:srgbClr val="000000"/>
                   </a:solidFill>
@@ -1405,7 +1413,7 @@
             </a:ln>
             <a:extLst>
               <a:ext uri="{91240B29-F687-4f45-9708-019B960494DF}">
-                <a14:hiddenLine xmlns:a14="http://schemas.microsoft.com/office/drawing/2010/main" xmlns="" w="9525">
+                <a14:hiddenLine xmlns="" xmlns:a14="http://schemas.microsoft.com/office/drawing/2010/main" w="9525">
                   <a:solidFill>
                     <a:srgbClr val="000000"/>
                   </a:solidFill>
@@ -1495,7 +1503,7 @@
             </a:ln>
             <a:extLst>
               <a:ext uri="{91240B29-F687-4f45-9708-019B960494DF}">
-                <a14:hiddenLine xmlns:a14="http://schemas.microsoft.com/office/drawing/2010/main" xmlns="" w="9525">
+                <a14:hiddenLine xmlns="" xmlns:a14="http://schemas.microsoft.com/office/drawing/2010/main" w="9525">
                   <a:solidFill>
                     <a:srgbClr val="000000"/>
                   </a:solidFill>
@@ -1557,7 +1565,7 @@
             </a:ln>
             <a:extLst>
               <a:ext uri="{91240B29-F687-4f45-9708-019B960494DF}">
-                <a14:hiddenLine xmlns:a14="http://schemas.microsoft.com/office/drawing/2010/main" xmlns="" w="9525">
+                <a14:hiddenLine xmlns="" xmlns:a14="http://schemas.microsoft.com/office/drawing/2010/main" w="9525">
                   <a:solidFill>
                     <a:srgbClr val="000000"/>
                   </a:solidFill>
@@ -1619,7 +1627,7 @@
             </a:ln>
             <a:extLst>
               <a:ext uri="{91240B29-F687-4f45-9708-019B960494DF}">
-                <a14:hiddenLine xmlns:a14="http://schemas.microsoft.com/office/drawing/2010/main" xmlns="" w="9525">
+                <a14:hiddenLine xmlns="" xmlns:a14="http://schemas.microsoft.com/office/drawing/2010/main" w="9525">
                   <a:solidFill>
                     <a:srgbClr val="000000"/>
                   </a:solidFill>
@@ -1709,7 +1717,7 @@
             </a:ln>
             <a:extLst>
               <a:ext uri="{91240B29-F687-4f45-9708-019B960494DF}">
-                <a14:hiddenLine xmlns:a14="http://schemas.microsoft.com/office/drawing/2010/main" xmlns="" w="9525">
+                <a14:hiddenLine xmlns="" xmlns:a14="http://schemas.microsoft.com/office/drawing/2010/main" w="9525">
                   <a:solidFill>
                     <a:srgbClr val="000000"/>
                   </a:solidFill>
@@ -1771,7 +1779,7 @@
             </a:ln>
             <a:extLst>
               <a:ext uri="{91240B29-F687-4f45-9708-019B960494DF}">
-                <a14:hiddenLine xmlns:a14="http://schemas.microsoft.com/office/drawing/2010/main" xmlns="" w="9525">
+                <a14:hiddenLine xmlns="" xmlns:a14="http://schemas.microsoft.com/office/drawing/2010/main" w="9525">
                   <a:solidFill>
                     <a:srgbClr val="000000"/>
                   </a:solidFill>
@@ -1833,7 +1841,7 @@
             </a:ln>
             <a:extLst>
               <a:ext uri="{91240B29-F687-4f45-9708-019B960494DF}">
-                <a14:hiddenLine xmlns:a14="http://schemas.microsoft.com/office/drawing/2010/main" xmlns="" w="9525">
+                <a14:hiddenLine xmlns="" xmlns:a14="http://schemas.microsoft.com/office/drawing/2010/main" w="9525">
                   <a:solidFill>
                     <a:srgbClr val="000000"/>
                   </a:solidFill>
@@ -1923,7 +1931,7 @@
             </a:ln>
             <a:extLst>
               <a:ext uri="{91240B29-F687-4f45-9708-019B960494DF}">
-                <a14:hiddenLine xmlns:a14="http://schemas.microsoft.com/office/drawing/2010/main" xmlns="" w="9525">
+                <a14:hiddenLine xmlns="" xmlns:a14="http://schemas.microsoft.com/office/drawing/2010/main" w="9525">
                   <a:solidFill>
                     <a:srgbClr val="000000"/>
                   </a:solidFill>
@@ -2013,7 +2021,7 @@
             </a:ln>
             <a:extLst>
               <a:ext uri="{91240B29-F687-4f45-9708-019B960494DF}">
-                <a14:hiddenLine xmlns:a14="http://schemas.microsoft.com/office/drawing/2010/main" xmlns="" w="9525">
+                <a14:hiddenLine xmlns="" xmlns:a14="http://schemas.microsoft.com/office/drawing/2010/main" w="9525">
                   <a:solidFill>
                     <a:srgbClr val="000000"/>
                   </a:solidFill>
@@ -2075,7 +2083,7 @@
             </a:ln>
             <a:extLst>
               <a:ext uri="{91240B29-F687-4f45-9708-019B960494DF}">
-                <a14:hiddenLine xmlns:a14="http://schemas.microsoft.com/office/drawing/2010/main" xmlns="" w="9525">
+                <a14:hiddenLine xmlns="" xmlns:a14="http://schemas.microsoft.com/office/drawing/2010/main" w="9525">
                   <a:solidFill>
                     <a:srgbClr val="000000"/>
                   </a:solidFill>
@@ -2185,7 +2193,7 @@
             </a:ln>
             <a:extLst>
               <a:ext uri="{91240B29-F687-4f45-9708-019B960494DF}">
-                <a14:hiddenLine xmlns:a14="http://schemas.microsoft.com/office/drawing/2010/main" xmlns="" w="9525">
+                <a14:hiddenLine xmlns="" xmlns:a14="http://schemas.microsoft.com/office/drawing/2010/main" w="9525">
                   <a:solidFill>
                     <a:srgbClr val="000000"/>
                   </a:solidFill>
@@ -2247,7 +2255,7 @@
             </a:ln>
             <a:extLst>
               <a:ext uri="{91240B29-F687-4f45-9708-019B960494DF}">
-                <a14:hiddenLine xmlns:a14="http://schemas.microsoft.com/office/drawing/2010/main" xmlns="" w="9525">
+                <a14:hiddenLine xmlns="" xmlns:a14="http://schemas.microsoft.com/office/drawing/2010/main" w="9525">
                   <a:solidFill>
                     <a:srgbClr val="000000"/>
                   </a:solidFill>
@@ -2337,7 +2345,7 @@
             </a:ln>
             <a:extLst>
               <a:ext uri="{91240B29-F687-4f45-9708-019B960494DF}">
-                <a14:hiddenLine xmlns:a14="http://schemas.microsoft.com/office/drawing/2010/main" xmlns="" w="9525">
+                <a14:hiddenLine xmlns="" xmlns:a14="http://schemas.microsoft.com/office/drawing/2010/main" w="9525">
                   <a:solidFill>
                     <a:srgbClr val="000000"/>
                   </a:solidFill>
@@ -2427,7 +2435,7 @@
             </a:ln>
             <a:extLst>
               <a:ext uri="{91240B29-F687-4f45-9708-019B960494DF}">
-                <a14:hiddenLine xmlns:a14="http://schemas.microsoft.com/office/drawing/2010/main" xmlns="" w="9525">
+                <a14:hiddenLine xmlns="" xmlns:a14="http://schemas.microsoft.com/office/drawing/2010/main" w="9525">
                   <a:solidFill>
                     <a:srgbClr val="000000"/>
                   </a:solidFill>
@@ -2489,7 +2497,7 @@
             </a:ln>
             <a:extLst>
               <a:ext uri="{91240B29-F687-4f45-9708-019B960494DF}">
-                <a14:hiddenLine xmlns:a14="http://schemas.microsoft.com/office/drawing/2010/main" xmlns="" w="9525">
+                <a14:hiddenLine xmlns="" xmlns:a14="http://schemas.microsoft.com/office/drawing/2010/main" w="9525">
                   <a:solidFill>
                     <a:srgbClr val="000000"/>
                   </a:solidFill>
@@ -2579,7 +2587,7 @@
             </a:ln>
             <a:extLst>
               <a:ext uri="{91240B29-F687-4f45-9708-019B960494DF}">
-                <a14:hiddenLine xmlns:a14="http://schemas.microsoft.com/office/drawing/2010/main" xmlns="" w="9525">
+                <a14:hiddenLine xmlns="" xmlns:a14="http://schemas.microsoft.com/office/drawing/2010/main" w="9525">
                   <a:solidFill>
                     <a:srgbClr val="000000"/>
                   </a:solidFill>
@@ -2669,7 +2677,7 @@
             </a:ln>
             <a:extLst>
               <a:ext uri="{91240B29-F687-4f45-9708-019B960494DF}">
-                <a14:hiddenLine xmlns:a14="http://schemas.microsoft.com/office/drawing/2010/main" xmlns="" w="9525">
+                <a14:hiddenLine xmlns="" xmlns:a14="http://schemas.microsoft.com/office/drawing/2010/main" w="9525">
                   <a:solidFill>
                     <a:srgbClr val="000000"/>
                   </a:solidFill>
@@ -2725,7 +2733,7 @@
             </a:ln>
             <a:extLst>
               <a:ext uri="{91240B29-F687-4f45-9708-019B960494DF}">
-                <a14:hiddenLine xmlns:a14="http://schemas.microsoft.com/office/drawing/2010/main" xmlns="" w="9525">
+                <a14:hiddenLine xmlns="" xmlns:a14="http://schemas.microsoft.com/office/drawing/2010/main" w="9525">
                   <a:solidFill>
                     <a:srgbClr val="000000"/>
                   </a:solidFill>
@@ -2815,7 +2823,7 @@
             </a:ln>
             <a:extLst>
               <a:ext uri="{91240B29-F687-4f45-9708-019B960494DF}">
-                <a14:hiddenLine xmlns:a14="http://schemas.microsoft.com/office/drawing/2010/main" xmlns="" w="9525">
+                <a14:hiddenLine xmlns="" xmlns:a14="http://schemas.microsoft.com/office/drawing/2010/main" w="9525">
                   <a:solidFill>
                     <a:srgbClr val="000000"/>
                   </a:solidFill>
@@ -2871,7 +2879,7 @@
             </a:ln>
             <a:extLst>
               <a:ext uri="{91240B29-F687-4f45-9708-019B960494DF}">
-                <a14:hiddenLine xmlns:a14="http://schemas.microsoft.com/office/drawing/2010/main" xmlns="" w="9525">
+                <a14:hiddenLine xmlns="" xmlns:a14="http://schemas.microsoft.com/office/drawing/2010/main" w="9525">
                   <a:solidFill>
                     <a:srgbClr val="000000"/>
                   </a:solidFill>
@@ -2961,7 +2969,7 @@
             </a:ln>
             <a:extLst>
               <a:ext uri="{91240B29-F687-4f45-9708-019B960494DF}">
-                <a14:hiddenLine xmlns:a14="http://schemas.microsoft.com/office/drawing/2010/main" xmlns="" w="9525">
+                <a14:hiddenLine xmlns="" xmlns:a14="http://schemas.microsoft.com/office/drawing/2010/main" w="9525">
                   <a:solidFill>
                     <a:srgbClr val="000000"/>
                   </a:solidFill>
@@ -3029,7 +3037,7 @@
             </a:ln>
             <a:extLst>
               <a:ext uri="{91240B29-F687-4f45-9708-019B960494DF}">
-                <a14:hiddenLine xmlns:a14="http://schemas.microsoft.com/office/drawing/2010/main" xmlns="" w="9525">
+                <a14:hiddenLine xmlns="" xmlns:a14="http://schemas.microsoft.com/office/drawing/2010/main" w="9525">
                   <a:solidFill>
                     <a:srgbClr val="000000"/>
                   </a:solidFill>
@@ -3119,7 +3127,7 @@
             </a:ln>
             <a:extLst>
               <a:ext uri="{91240B29-F687-4f45-9708-019B960494DF}">
-                <a14:hiddenLine xmlns:a14="http://schemas.microsoft.com/office/drawing/2010/main" xmlns="" w="9525">
+                <a14:hiddenLine xmlns="" xmlns:a14="http://schemas.microsoft.com/office/drawing/2010/main" w="9525">
                   <a:solidFill>
                     <a:srgbClr val="000000"/>
                   </a:solidFill>
@@ -3187,7 +3195,7 @@
             </a:ln>
             <a:extLst>
               <a:ext uri="{91240B29-F687-4f45-9708-019B960494DF}">
-                <a14:hiddenLine xmlns:a14="http://schemas.microsoft.com/office/drawing/2010/main" xmlns="" w="9525">
+                <a14:hiddenLine xmlns="" xmlns:a14="http://schemas.microsoft.com/office/drawing/2010/main" w="9525">
                   <a:solidFill>
                     <a:srgbClr val="000000"/>
                   </a:solidFill>
@@ -3277,7 +3285,7 @@
             </a:ln>
             <a:extLst>
               <a:ext uri="{91240B29-F687-4f45-9708-019B960494DF}">
-                <a14:hiddenLine xmlns:a14="http://schemas.microsoft.com/office/drawing/2010/main" xmlns="" w="9525">
+                <a14:hiddenLine xmlns="" xmlns:a14="http://schemas.microsoft.com/office/drawing/2010/main" w="9525">
                   <a:solidFill>
                     <a:srgbClr val="000000"/>
                   </a:solidFill>
@@ -3311,7 +3319,7 @@
             </a:ln>
             <a:extLst>
               <a:ext uri="{91240B29-F687-4f45-9708-019B960494DF}">
-                <a14:hiddenLine xmlns:a14="http://schemas.microsoft.com/office/drawing/2010/main" xmlns="" w="9525">
+                <a14:hiddenLine xmlns="" xmlns:a14="http://schemas.microsoft.com/office/drawing/2010/main" w="9525">
                   <a:solidFill>
                     <a:srgbClr val="000000"/>
                   </a:solidFill>
@@ -3401,7 +3409,7 @@
             </a:ln>
             <a:extLst>
               <a:ext uri="{91240B29-F687-4f45-9708-019B960494DF}">
-                <a14:hiddenLine xmlns:a14="http://schemas.microsoft.com/office/drawing/2010/main" xmlns="" w="9525">
+                <a14:hiddenLine xmlns="" xmlns:a14="http://schemas.microsoft.com/office/drawing/2010/main" w="9525">
                   <a:solidFill>
                     <a:srgbClr val="000000"/>
                   </a:solidFill>
@@ -3463,7 +3471,7 @@
             </a:ln>
             <a:extLst>
               <a:ext uri="{91240B29-F687-4f45-9708-019B960494DF}">
-                <a14:hiddenLine xmlns:a14="http://schemas.microsoft.com/office/drawing/2010/main" xmlns="" w="9525">
+                <a14:hiddenLine xmlns="" xmlns:a14="http://schemas.microsoft.com/office/drawing/2010/main" w="9525">
                   <a:solidFill>
                     <a:srgbClr val="000000"/>
                   </a:solidFill>
@@ -3525,7 +3533,7 @@
             </a:ln>
             <a:extLst>
               <a:ext uri="{91240B29-F687-4f45-9708-019B960494DF}">
-                <a14:hiddenLine xmlns:a14="http://schemas.microsoft.com/office/drawing/2010/main" xmlns="" w="9525">
+                <a14:hiddenLine xmlns="" xmlns:a14="http://schemas.microsoft.com/office/drawing/2010/main" w="9525">
                   <a:solidFill>
                     <a:srgbClr val="000000"/>
                   </a:solidFill>
@@ -3615,7 +3623,7 @@
             </a:ln>
             <a:extLst>
               <a:ext uri="{91240B29-F687-4f45-9708-019B960494DF}">
-                <a14:hiddenLine xmlns:a14="http://schemas.microsoft.com/office/drawing/2010/main" xmlns="" w="9525">
+                <a14:hiddenLine xmlns="" xmlns:a14="http://schemas.microsoft.com/office/drawing/2010/main" w="9525">
                   <a:solidFill>
                     <a:srgbClr val="000000"/>
                   </a:solidFill>
@@ -3683,7 +3691,7 @@
             </a:ln>
             <a:extLst>
               <a:ext uri="{91240B29-F687-4f45-9708-019B960494DF}">
-                <a14:hiddenLine xmlns:a14="http://schemas.microsoft.com/office/drawing/2010/main" xmlns="" w="9525">
+                <a14:hiddenLine xmlns="" xmlns:a14="http://schemas.microsoft.com/office/drawing/2010/main" w="9525">
                   <a:solidFill>
                     <a:srgbClr val="000000"/>
                   </a:solidFill>
@@ -3745,7 +3753,7 @@
             </a:ln>
             <a:extLst>
               <a:ext uri="{91240B29-F687-4f45-9708-019B960494DF}">
-                <a14:hiddenLine xmlns:a14="http://schemas.microsoft.com/office/drawing/2010/main" xmlns="" w="9525">
+                <a14:hiddenLine xmlns="" xmlns:a14="http://schemas.microsoft.com/office/drawing/2010/main" w="9525">
                   <a:solidFill>
                     <a:srgbClr val="000000"/>
                   </a:solidFill>
@@ -3835,7 +3843,7 @@
             </a:ln>
             <a:extLst>
               <a:ext uri="{91240B29-F687-4f45-9708-019B960494DF}">
-                <a14:hiddenLine xmlns:a14="http://schemas.microsoft.com/office/drawing/2010/main" xmlns="" w="9525">
+                <a14:hiddenLine xmlns="" xmlns:a14="http://schemas.microsoft.com/office/drawing/2010/main" w="9525">
                   <a:solidFill>
                     <a:srgbClr val="000000"/>
                   </a:solidFill>
@@ -3897,7 +3905,7 @@
             </a:ln>
             <a:extLst>
               <a:ext uri="{91240B29-F687-4f45-9708-019B960494DF}">
-                <a14:hiddenLine xmlns:a14="http://schemas.microsoft.com/office/drawing/2010/main" xmlns="" w="9525">
+                <a14:hiddenLine xmlns="" xmlns:a14="http://schemas.microsoft.com/office/drawing/2010/main" w="9525">
                   <a:solidFill>
                     <a:srgbClr val="000000"/>
                   </a:solidFill>
@@ -3987,7 +3995,7 @@
             </a:ln>
             <a:extLst>
               <a:ext uri="{91240B29-F687-4f45-9708-019B960494DF}">
-                <a14:hiddenLine xmlns:a14="http://schemas.microsoft.com/office/drawing/2010/main" xmlns="" w="9525">
+                <a14:hiddenLine xmlns="" xmlns:a14="http://schemas.microsoft.com/office/drawing/2010/main" w="9525">
                   <a:solidFill>
                     <a:srgbClr val="000000"/>
                   </a:solidFill>
@@ -4049,7 +4057,7 @@
             </a:ln>
             <a:extLst>
               <a:ext uri="{91240B29-F687-4f45-9708-019B960494DF}">
-                <a14:hiddenLine xmlns:a14="http://schemas.microsoft.com/office/drawing/2010/main" xmlns="" w="9525">
+                <a14:hiddenLine xmlns="" xmlns:a14="http://schemas.microsoft.com/office/drawing/2010/main" w="9525">
                   <a:solidFill>
                     <a:srgbClr val="000000"/>
                   </a:solidFill>
@@ -4139,7 +4147,7 @@
             </a:ln>
             <a:extLst>
               <a:ext uri="{91240B29-F687-4f45-9708-019B960494DF}">
-                <a14:hiddenLine xmlns:a14="http://schemas.microsoft.com/office/drawing/2010/main" xmlns="" w="9525">
+                <a14:hiddenLine xmlns="" xmlns:a14="http://schemas.microsoft.com/office/drawing/2010/main" w="9525">
                   <a:solidFill>
                     <a:srgbClr val="000000"/>
                   </a:solidFill>
@@ -4173,7 +4181,7 @@
             </a:ln>
             <a:extLst>
               <a:ext uri="{91240B29-F687-4f45-9708-019B960494DF}">
-                <a14:hiddenLine xmlns:a14="http://schemas.microsoft.com/office/drawing/2010/main" xmlns="" w="9525">
+                <a14:hiddenLine xmlns="" xmlns:a14="http://schemas.microsoft.com/office/drawing/2010/main" w="9525">
                   <a:solidFill>
                     <a:srgbClr val="000000"/>
                   </a:solidFill>
@@ -4238,7 +4246,7 @@
             </a:ln>
             <a:extLst>
               <a:ext uri="{91240B29-F687-4f45-9708-019B960494DF}">
-                <a14:hiddenLine xmlns:a14="http://schemas.microsoft.com/office/drawing/2010/main" xmlns="" w="9525">
+                <a14:hiddenLine xmlns="" xmlns:a14="http://schemas.microsoft.com/office/drawing/2010/main" w="9525">
                   <a:solidFill>
                     <a:srgbClr val="000000"/>
                   </a:solidFill>
@@ -4328,7 +4336,7 @@
             </a:ln>
             <a:extLst>
               <a:ext uri="{91240B29-F687-4f45-9708-019B960494DF}">
-                <a14:hiddenLine xmlns:a14="http://schemas.microsoft.com/office/drawing/2010/main" xmlns="" w="9525">
+                <a14:hiddenLine xmlns="" xmlns:a14="http://schemas.microsoft.com/office/drawing/2010/main" w="9525">
                   <a:solidFill>
                     <a:srgbClr val="000000"/>
                   </a:solidFill>
@@ -4390,7 +4398,7 @@
             </a:ln>
             <a:extLst>
               <a:ext uri="{91240B29-F687-4f45-9708-019B960494DF}">
-                <a14:hiddenLine xmlns:a14="http://schemas.microsoft.com/office/drawing/2010/main" xmlns="" w="9525">
+                <a14:hiddenLine xmlns="" xmlns:a14="http://schemas.microsoft.com/office/drawing/2010/main" w="9525">
                   <a:solidFill>
                     <a:srgbClr val="000000"/>
                   </a:solidFill>
@@ -4480,7 +4488,7 @@
             </a:ln>
             <a:extLst>
               <a:ext uri="{91240B29-F687-4f45-9708-019B960494DF}">
-                <a14:hiddenLine xmlns:a14="http://schemas.microsoft.com/office/drawing/2010/main" xmlns="" w="9525">
+                <a14:hiddenLine xmlns="" xmlns:a14="http://schemas.microsoft.com/office/drawing/2010/main" w="9525">
                   <a:solidFill>
                     <a:srgbClr val="000000"/>
                   </a:solidFill>
@@ -4570,7 +4578,7 @@
             </a:ln>
             <a:extLst>
               <a:ext uri="{91240B29-F687-4f45-9708-019B960494DF}">
-                <a14:hiddenLine xmlns:a14="http://schemas.microsoft.com/office/drawing/2010/main" xmlns="" w="9525">
+                <a14:hiddenLine xmlns="" xmlns:a14="http://schemas.microsoft.com/office/drawing/2010/main" w="9525">
                   <a:solidFill>
                     <a:srgbClr val="000000"/>
                   </a:solidFill>
@@ -4635,7 +4643,7 @@
             </a:ln>
             <a:extLst>
               <a:ext uri="{91240B29-F687-4f45-9708-019B960494DF}">
-                <a14:hiddenLine xmlns:a14="http://schemas.microsoft.com/office/drawing/2010/main" xmlns="" w="9525">
+                <a14:hiddenLine xmlns="" xmlns:a14="http://schemas.microsoft.com/office/drawing/2010/main" w="9525">
                   <a:solidFill>
                     <a:srgbClr val="000000"/>
                   </a:solidFill>
@@ -4697,7 +4705,7 @@
             </a:ln>
             <a:extLst>
               <a:ext uri="{91240B29-F687-4f45-9708-019B960494DF}">
-                <a14:hiddenLine xmlns:a14="http://schemas.microsoft.com/office/drawing/2010/main" xmlns="" w="9525">
+                <a14:hiddenLine xmlns="" xmlns:a14="http://schemas.microsoft.com/office/drawing/2010/main" w="9525">
                   <a:solidFill>
                     <a:srgbClr val="000000"/>
                   </a:solidFill>
@@ -4787,7 +4795,7 @@
             </a:ln>
             <a:extLst>
               <a:ext uri="{91240B29-F687-4f45-9708-019B960494DF}">
-                <a14:hiddenLine xmlns:a14="http://schemas.microsoft.com/office/drawing/2010/main" xmlns="" w="9525">
+                <a14:hiddenLine xmlns="" xmlns:a14="http://schemas.microsoft.com/office/drawing/2010/main" w="9525">
                   <a:solidFill>
                     <a:srgbClr val="000000"/>
                   </a:solidFill>
@@ -4877,7 +4885,7 @@
             </a:ln>
             <a:extLst>
               <a:ext uri="{91240B29-F687-4f45-9708-019B960494DF}">
-                <a14:hiddenLine xmlns:a14="http://schemas.microsoft.com/office/drawing/2010/main" xmlns="" w="9525">
+                <a14:hiddenLine xmlns="" xmlns:a14="http://schemas.microsoft.com/office/drawing/2010/main" w="9525">
                   <a:solidFill>
                     <a:srgbClr val="000000"/>
                   </a:solidFill>
@@ -4939,7 +4947,7 @@
             </a:ln>
             <a:extLst>
               <a:ext uri="{91240B29-F687-4f45-9708-019B960494DF}">
-                <a14:hiddenLine xmlns:a14="http://schemas.microsoft.com/office/drawing/2010/main" xmlns="" w="9525">
+                <a14:hiddenLine xmlns="" xmlns:a14="http://schemas.microsoft.com/office/drawing/2010/main" w="9525">
                   <a:solidFill>
                     <a:srgbClr val="000000"/>
                   </a:solidFill>
@@ -5059,7 +5067,7 @@
             </a:ln>
             <a:extLst>
               <a:ext uri="{91240B29-F687-4f45-9708-019B960494DF}">
-                <a14:hiddenLine xmlns:a14="http://schemas.microsoft.com/office/drawing/2010/main" xmlns="" w="9525">
+                <a14:hiddenLine xmlns="" xmlns:a14="http://schemas.microsoft.com/office/drawing/2010/main" w="9525">
                   <a:solidFill>
                     <a:srgbClr val="000000"/>
                   </a:solidFill>
@@ -5127,7 +5135,7 @@
             </a:ln>
             <a:extLst>
               <a:ext uri="{91240B29-F687-4f45-9708-019B960494DF}">
-                <a14:hiddenLine xmlns:a14="http://schemas.microsoft.com/office/drawing/2010/main" xmlns="" w="9525">
+                <a14:hiddenLine xmlns="" xmlns:a14="http://schemas.microsoft.com/office/drawing/2010/main" w="9525">
                   <a:solidFill>
                     <a:srgbClr val="000000"/>
                   </a:solidFill>
@@ -5217,7 +5225,7 @@
             </a:ln>
             <a:extLst>
               <a:ext uri="{91240B29-F687-4f45-9708-019B960494DF}">
-                <a14:hiddenLine xmlns:a14="http://schemas.microsoft.com/office/drawing/2010/main" xmlns="" w="9525">
+                <a14:hiddenLine xmlns="" xmlns:a14="http://schemas.microsoft.com/office/drawing/2010/main" w="9525">
                   <a:solidFill>
                     <a:srgbClr val="000000"/>
                   </a:solidFill>
@@ -5357,6 +5365,7 @@
           <a:p>
             <a:fld id="{E7EFFB29-43BE-4335-9FD4-2137C5C50F82}" type="datetime1">
               <a:rPr lang="fr-FR" smtClean="0"/>
+              <a:pPr/>
               <a:t>25/11/2017</a:t>
             </a:fld>
             <a:endParaRPr lang="fr-FR"/>
@@ -5412,6 +5421,7 @@
           <a:p>
             <a:fld id="{ED22AD06-C296-4654-A2D3-A746ACA7B044}" type="slidenum">
               <a:rPr lang="fr-FR" smtClean="0"/>
+              <a:pPr/>
               <a:t>‹N°›</a:t>
             </a:fld>
             <a:endParaRPr lang="fr-FR"/>
@@ -5421,7 +5431,7 @@
     </p:spTree>
     <p:extLst>
       <p:ext uri="{BB962C8B-B14F-4D97-AF65-F5344CB8AC3E}">
-        <p14:creationId xmlns:p14="http://schemas.microsoft.com/office/powerpoint/2010/main" val="2191226227"/>
+        <p14:creationId xmlns:p14="http://schemas.microsoft.com/office/powerpoint/2010/main" xmlns="" val="2191226227"/>
       </p:ext>
     </p:extLst>
   </p:cSld>
@@ -5627,6 +5637,7 @@
           <a:p>
             <a:fld id="{5418DC3C-21CB-429C-921A-A8468D1DB1DB}" type="datetime1">
               <a:rPr lang="fr-FR" smtClean="0"/>
+              <a:pPr/>
               <a:t>25/11/2017</a:t>
             </a:fld>
             <a:endParaRPr lang="fr-FR"/>
@@ -5672,6 +5683,7 @@
           <a:p>
             <a:fld id="{ED22AD06-C296-4654-A2D3-A746ACA7B044}" type="slidenum">
               <a:rPr lang="fr-FR" smtClean="0"/>
+              <a:pPr/>
               <a:t>‹N°›</a:t>
             </a:fld>
             <a:endParaRPr lang="fr-FR"/>
@@ -5681,7 +5693,7 @@
     </p:spTree>
     <p:extLst>
       <p:ext uri="{BB962C8B-B14F-4D97-AF65-F5344CB8AC3E}">
-        <p14:creationId xmlns:p14="http://schemas.microsoft.com/office/powerpoint/2010/main" val="2975627265"/>
+        <p14:creationId xmlns:p14="http://schemas.microsoft.com/office/powerpoint/2010/main" xmlns="" val="2975627265"/>
       </p:ext>
     </p:extLst>
   </p:cSld>
@@ -5826,6 +5838,7 @@
           <a:p>
             <a:fld id="{F992CA81-4285-48E8-839E-A10B32D68C3F}" type="datetime1">
               <a:rPr lang="fr-FR" smtClean="0"/>
+              <a:pPr/>
               <a:t>25/11/2017</a:t>
             </a:fld>
             <a:endParaRPr lang="fr-FR"/>
@@ -5871,6 +5884,7 @@
           <a:p>
             <a:fld id="{ED22AD06-C296-4654-A2D3-A746ACA7B044}" type="slidenum">
               <a:rPr lang="fr-FR" smtClean="0"/>
+              <a:pPr/>
               <a:t>‹N°›</a:t>
             </a:fld>
             <a:endParaRPr lang="fr-FR"/>
@@ -5880,7 +5894,7 @@
     </p:spTree>
     <p:extLst>
       <p:ext uri="{BB962C8B-B14F-4D97-AF65-F5344CB8AC3E}">
-        <p14:creationId xmlns:p14="http://schemas.microsoft.com/office/powerpoint/2010/main" val="1355459054"/>
+        <p14:creationId xmlns:p14="http://schemas.microsoft.com/office/powerpoint/2010/main" xmlns="" val="1355459054"/>
       </p:ext>
     </p:extLst>
   </p:cSld>
@@ -6092,6 +6106,7 @@
           <a:p>
             <a:fld id="{577A184B-B808-43A9-8D76-E9107A85B558}" type="datetime1">
               <a:rPr lang="fr-FR" smtClean="0"/>
+              <a:pPr/>
               <a:t>25/11/2017</a:t>
             </a:fld>
             <a:endParaRPr lang="fr-FR"/>
@@ -6137,6 +6152,7 @@
           <a:p>
             <a:fld id="{ED22AD06-C296-4654-A2D3-A746ACA7B044}" type="slidenum">
               <a:rPr lang="fr-FR" smtClean="0"/>
+              <a:pPr/>
               <a:t>‹N°›</a:t>
             </a:fld>
             <a:endParaRPr lang="fr-FR"/>
@@ -6384,7 +6400,7 @@
     </p:spTree>
     <p:extLst>
       <p:ext uri="{BB962C8B-B14F-4D97-AF65-F5344CB8AC3E}">
-        <p14:creationId xmlns:p14="http://schemas.microsoft.com/office/powerpoint/2010/main" val="1166390490"/>
+        <p14:creationId xmlns:p14="http://schemas.microsoft.com/office/powerpoint/2010/main" xmlns="" val="1166390490"/>
       </p:ext>
     </p:extLst>
   </p:cSld>
@@ -6529,6 +6545,7 @@
           <a:p>
             <a:fld id="{4C05AAD7-ABF7-4BA2-86E2-A61E72A859F0}" type="datetime1">
               <a:rPr lang="fr-FR" smtClean="0"/>
+              <a:pPr/>
               <a:t>25/11/2017</a:t>
             </a:fld>
             <a:endParaRPr lang="fr-FR"/>
@@ -6574,6 +6591,7 @@
           <a:p>
             <a:fld id="{ED22AD06-C296-4654-A2D3-A746ACA7B044}" type="slidenum">
               <a:rPr lang="fr-FR" smtClean="0"/>
+              <a:pPr/>
               <a:t>‹N°›</a:t>
             </a:fld>
             <a:endParaRPr lang="fr-FR"/>
@@ -6583,7 +6601,7 @@
     </p:spTree>
     <p:extLst>
       <p:ext uri="{BB962C8B-B14F-4D97-AF65-F5344CB8AC3E}">
-        <p14:creationId xmlns:p14="http://schemas.microsoft.com/office/powerpoint/2010/main" val="3377183447"/>
+        <p14:creationId xmlns:p14="http://schemas.microsoft.com/office/powerpoint/2010/main" xmlns="" val="3377183447"/>
       </p:ext>
     </p:extLst>
   </p:cSld>
@@ -7078,6 +7096,7 @@
           <a:p>
             <a:fld id="{1E865423-AC49-46FD-A5BA-6E7602C104A5}" type="datetime1">
               <a:rPr lang="fr-FR" smtClean="0"/>
+              <a:pPr/>
               <a:t>25/11/2017</a:t>
             </a:fld>
             <a:endParaRPr lang="fr-FR"/>
@@ -7123,6 +7142,7 @@
           <a:p>
             <a:fld id="{ED22AD06-C296-4654-A2D3-A746ACA7B044}" type="slidenum">
               <a:rPr lang="fr-FR" smtClean="0"/>
+              <a:pPr/>
               <a:t>‹N°›</a:t>
             </a:fld>
             <a:endParaRPr lang="fr-FR"/>
@@ -7132,7 +7152,7 @@
     </p:spTree>
     <p:extLst>
       <p:ext uri="{BB962C8B-B14F-4D97-AF65-F5344CB8AC3E}">
-        <p14:creationId xmlns:p14="http://schemas.microsoft.com/office/powerpoint/2010/main" val="3366405076"/>
+        <p14:creationId xmlns:p14="http://schemas.microsoft.com/office/powerpoint/2010/main" xmlns="" val="3366405076"/>
       </p:ext>
     </p:extLst>
   </p:cSld>
@@ -7801,6 +7821,7 @@
           <a:p>
             <a:fld id="{A7F3F491-FAD4-425F-92E5-2E1056799CB8}" type="datetime1">
               <a:rPr lang="fr-FR" smtClean="0"/>
+              <a:pPr/>
               <a:t>25/11/2017</a:t>
             </a:fld>
             <a:endParaRPr lang="fr-FR"/>
@@ -7846,6 +7867,7 @@
           <a:p>
             <a:fld id="{ED22AD06-C296-4654-A2D3-A746ACA7B044}" type="slidenum">
               <a:rPr lang="fr-FR" smtClean="0"/>
+              <a:pPr/>
               <a:t>‹N°›</a:t>
             </a:fld>
             <a:endParaRPr lang="fr-FR"/>
@@ -7855,7 +7877,7 @@
     </p:spTree>
     <p:extLst>
       <p:ext uri="{BB962C8B-B14F-4D97-AF65-F5344CB8AC3E}">
-        <p14:creationId xmlns:p14="http://schemas.microsoft.com/office/powerpoint/2010/main" val="4028832768"/>
+        <p14:creationId xmlns:p14="http://schemas.microsoft.com/office/powerpoint/2010/main" xmlns="" val="4028832768"/>
       </p:ext>
     </p:extLst>
   </p:cSld>
@@ -7974,6 +7996,7 @@
           <a:p>
             <a:fld id="{30DC787F-98CF-4751-9CEE-6C82A45F4CF1}" type="datetime1">
               <a:rPr lang="fr-FR" smtClean="0"/>
+              <a:pPr/>
               <a:t>25/11/2017</a:t>
             </a:fld>
             <a:endParaRPr lang="fr-FR"/>
@@ -8019,6 +8042,7 @@
           <a:p>
             <a:fld id="{ED22AD06-C296-4654-A2D3-A746ACA7B044}" type="slidenum">
               <a:rPr lang="fr-FR" smtClean="0"/>
+              <a:pPr/>
               <a:t>‹N°›</a:t>
             </a:fld>
             <a:endParaRPr lang="fr-FR"/>
@@ -8028,7 +8052,7 @@
     </p:spTree>
     <p:extLst>
       <p:ext uri="{BB962C8B-B14F-4D97-AF65-F5344CB8AC3E}">
-        <p14:creationId xmlns:p14="http://schemas.microsoft.com/office/powerpoint/2010/main" val="195994659"/>
+        <p14:creationId xmlns:p14="http://schemas.microsoft.com/office/powerpoint/2010/main" xmlns="" val="195994659"/>
       </p:ext>
     </p:extLst>
   </p:cSld>
@@ -8157,6 +8181,7 @@
           <a:p>
             <a:fld id="{88AAD7C5-28EB-44CC-BF9E-A85A789426A9}" type="datetime1">
               <a:rPr lang="fr-FR" smtClean="0"/>
+              <a:pPr/>
               <a:t>25/11/2017</a:t>
             </a:fld>
             <a:endParaRPr lang="fr-FR"/>
@@ -8202,6 +8227,7 @@
           <a:p>
             <a:fld id="{ED22AD06-C296-4654-A2D3-A746ACA7B044}" type="slidenum">
               <a:rPr lang="fr-FR" smtClean="0"/>
+              <a:pPr/>
               <a:t>‹N°›</a:t>
             </a:fld>
             <a:endParaRPr lang="fr-FR"/>
@@ -8211,7 +8237,7 @@
     </p:spTree>
     <p:extLst>
       <p:ext uri="{BB962C8B-B14F-4D97-AF65-F5344CB8AC3E}">
-        <p14:creationId xmlns:p14="http://schemas.microsoft.com/office/powerpoint/2010/main" val="1502682363"/>
+        <p14:creationId xmlns:p14="http://schemas.microsoft.com/office/powerpoint/2010/main" xmlns="" val="1502682363"/>
       </p:ext>
     </p:extLst>
   </p:cSld>
@@ -8330,6 +8356,7 @@
           <a:p>
             <a:fld id="{0088368A-A5A1-48F7-941E-56D832815C56}" type="datetime1">
               <a:rPr lang="fr-FR" smtClean="0"/>
+              <a:pPr/>
               <a:t>25/11/2017</a:t>
             </a:fld>
             <a:endParaRPr lang="fr-FR"/>
@@ -8375,6 +8402,7 @@
           <a:p>
             <a:fld id="{ED22AD06-C296-4654-A2D3-A746ACA7B044}" type="slidenum">
               <a:rPr lang="fr-FR" smtClean="0"/>
+              <a:pPr/>
               <a:t>‹N°›</a:t>
             </a:fld>
             <a:endParaRPr lang="fr-FR"/>
@@ -8384,7 +8412,7 @@
     </p:spTree>
     <p:extLst>
       <p:ext uri="{BB962C8B-B14F-4D97-AF65-F5344CB8AC3E}">
-        <p14:creationId xmlns:p14="http://schemas.microsoft.com/office/powerpoint/2010/main" val="2210182847"/>
+        <p14:creationId xmlns:p14="http://schemas.microsoft.com/office/powerpoint/2010/main" xmlns="" val="2210182847"/>
       </p:ext>
     </p:extLst>
   </p:cSld>
@@ -8583,6 +8611,7 @@
           <a:p>
             <a:fld id="{DC614645-B58B-431D-9328-65A29CBDE982}" type="datetime1">
               <a:rPr lang="fr-FR" smtClean="0"/>
+              <a:pPr/>
               <a:t>25/11/2017</a:t>
             </a:fld>
             <a:endParaRPr lang="fr-FR"/>
@@ -8628,6 +8657,7 @@
           <a:p>
             <a:fld id="{ED22AD06-C296-4654-A2D3-A746ACA7B044}" type="slidenum">
               <a:rPr lang="fr-FR" smtClean="0"/>
+              <a:pPr/>
               <a:t>‹N°›</a:t>
             </a:fld>
             <a:endParaRPr lang="fr-FR"/>
@@ -8637,7 +8667,7 @@
     </p:spTree>
     <p:extLst>
       <p:ext uri="{BB962C8B-B14F-4D97-AF65-F5344CB8AC3E}">
-        <p14:creationId xmlns:p14="http://schemas.microsoft.com/office/powerpoint/2010/main" val="452789522"/>
+        <p14:creationId xmlns:p14="http://schemas.microsoft.com/office/powerpoint/2010/main" xmlns="" val="452789522"/>
       </p:ext>
     </p:extLst>
   </p:cSld>
@@ -8818,6 +8848,7 @@
           <a:p>
             <a:fld id="{BE842E1A-9182-435D-8F5E-18E1869D8C31}" type="datetime1">
               <a:rPr lang="fr-FR" smtClean="0"/>
+              <a:pPr/>
               <a:t>25/11/2017</a:t>
             </a:fld>
             <a:endParaRPr lang="fr-FR"/>
@@ -8863,6 +8894,7 @@
           <a:p>
             <a:fld id="{ED22AD06-C296-4654-A2D3-A746ACA7B044}" type="slidenum">
               <a:rPr lang="fr-FR" smtClean="0"/>
+              <a:pPr/>
               <a:t>‹N°›</a:t>
             </a:fld>
             <a:endParaRPr lang="fr-FR"/>
@@ -8872,7 +8904,7 @@
     </p:spTree>
     <p:extLst>
       <p:ext uri="{BB962C8B-B14F-4D97-AF65-F5344CB8AC3E}">
-        <p14:creationId xmlns:p14="http://schemas.microsoft.com/office/powerpoint/2010/main" val="2218756475"/>
+        <p14:creationId xmlns:p14="http://schemas.microsoft.com/office/powerpoint/2010/main" xmlns="" val="2218756475"/>
       </p:ext>
     </p:extLst>
   </p:cSld>
@@ -9202,6 +9234,7 @@
           <a:p>
             <a:fld id="{B10086DA-F8BA-4401-A652-DECE0CF5FFC4}" type="datetime1">
               <a:rPr lang="fr-FR" smtClean="0"/>
+              <a:pPr/>
               <a:t>25/11/2017</a:t>
             </a:fld>
             <a:endParaRPr lang="fr-FR"/>
@@ -9247,6 +9280,7 @@
           <a:p>
             <a:fld id="{ED22AD06-C296-4654-A2D3-A746ACA7B044}" type="slidenum">
               <a:rPr lang="fr-FR" smtClean="0"/>
+              <a:pPr/>
               <a:t>‹N°›</a:t>
             </a:fld>
             <a:endParaRPr lang="fr-FR"/>
@@ -9256,7 +9290,7 @@
     </p:spTree>
     <p:extLst>
       <p:ext uri="{BB962C8B-B14F-4D97-AF65-F5344CB8AC3E}">
-        <p14:creationId xmlns:p14="http://schemas.microsoft.com/office/powerpoint/2010/main" val="2229980603"/>
+        <p14:creationId xmlns:p14="http://schemas.microsoft.com/office/powerpoint/2010/main" xmlns="" val="2229980603"/>
       </p:ext>
     </p:extLst>
   </p:cSld>
@@ -9323,6 +9357,7 @@
           <a:p>
             <a:fld id="{D618D6FF-CF76-4B34-8180-E6FB464D62D1}" type="datetime1">
               <a:rPr lang="fr-FR" smtClean="0"/>
+              <a:pPr/>
               <a:t>25/11/2017</a:t>
             </a:fld>
             <a:endParaRPr lang="fr-FR"/>
@@ -9368,6 +9403,7 @@
           <a:p>
             <a:fld id="{ED22AD06-C296-4654-A2D3-A746ACA7B044}" type="slidenum">
               <a:rPr lang="fr-FR" smtClean="0"/>
+              <a:pPr/>
               <a:t>‹N°›</a:t>
             </a:fld>
             <a:endParaRPr lang="fr-FR"/>
@@ -9377,7 +9413,7 @@
     </p:spTree>
     <p:extLst>
       <p:ext uri="{BB962C8B-B14F-4D97-AF65-F5344CB8AC3E}">
-        <p14:creationId xmlns:p14="http://schemas.microsoft.com/office/powerpoint/2010/main" val="4021415887"/>
+        <p14:creationId xmlns:p14="http://schemas.microsoft.com/office/powerpoint/2010/main" xmlns="" val="4021415887"/>
       </p:ext>
     </p:extLst>
   </p:cSld>
@@ -9421,6 +9457,7 @@
           <a:p>
             <a:fld id="{A340147B-D1E8-4558-A2DC-A63541688444}" type="datetime1">
               <a:rPr lang="fr-FR" smtClean="0"/>
+              <a:pPr/>
               <a:t>25/11/2017</a:t>
             </a:fld>
             <a:endParaRPr lang="fr-FR"/>
@@ -9466,6 +9503,7 @@
           <a:p>
             <a:fld id="{ED22AD06-C296-4654-A2D3-A746ACA7B044}" type="slidenum">
               <a:rPr lang="fr-FR" smtClean="0"/>
+              <a:pPr/>
               <a:t>‹N°›</a:t>
             </a:fld>
             <a:endParaRPr lang="fr-FR"/>
@@ -9475,7 +9513,7 @@
     </p:spTree>
     <p:extLst>
       <p:ext uri="{BB962C8B-B14F-4D97-AF65-F5344CB8AC3E}">
-        <p14:creationId xmlns:p14="http://schemas.microsoft.com/office/powerpoint/2010/main" val="593231927"/>
+        <p14:creationId xmlns:p14="http://schemas.microsoft.com/office/powerpoint/2010/main" xmlns="" val="593231927"/>
       </p:ext>
     </p:extLst>
   </p:cSld>
@@ -9673,6 +9711,7 @@
           <a:p>
             <a:fld id="{34D2E384-E154-47FF-9FB3-508333AE9F05}" type="datetime1">
               <a:rPr lang="fr-FR" smtClean="0"/>
+              <a:pPr/>
               <a:t>25/11/2017</a:t>
             </a:fld>
             <a:endParaRPr lang="fr-FR"/>
@@ -9718,6 +9757,7 @@
           <a:p>
             <a:fld id="{ED22AD06-C296-4654-A2D3-A746ACA7B044}" type="slidenum">
               <a:rPr lang="fr-FR" smtClean="0"/>
+              <a:pPr/>
               <a:t>‹N°›</a:t>
             </a:fld>
             <a:endParaRPr lang="fr-FR"/>
@@ -9727,7 +9767,7 @@
     </p:spTree>
     <p:extLst>
       <p:ext uri="{BB962C8B-B14F-4D97-AF65-F5344CB8AC3E}">
-        <p14:creationId xmlns:p14="http://schemas.microsoft.com/office/powerpoint/2010/main" val="619944574"/>
+        <p14:creationId xmlns:p14="http://schemas.microsoft.com/office/powerpoint/2010/main" xmlns="" val="619944574"/>
       </p:ext>
     </p:extLst>
   </p:cSld>
@@ -9956,6 +9996,7 @@
           <a:p>
             <a:fld id="{6AC66C59-0E3D-44A7-9617-C4193B5CD859}" type="datetime1">
               <a:rPr lang="fr-FR" smtClean="0"/>
+              <a:pPr/>
               <a:t>25/11/2017</a:t>
             </a:fld>
             <a:endParaRPr lang="fr-FR"/>
@@ -10001,6 +10042,7 @@
           <a:p>
             <a:fld id="{ED22AD06-C296-4654-A2D3-A746ACA7B044}" type="slidenum">
               <a:rPr lang="fr-FR" smtClean="0"/>
+              <a:pPr/>
               <a:t>‹N°›</a:t>
             </a:fld>
             <a:endParaRPr lang="fr-FR"/>
@@ -10010,7 +10052,7 @@
     </p:spTree>
     <p:extLst>
       <p:ext uri="{BB962C8B-B14F-4D97-AF65-F5344CB8AC3E}">
-        <p14:creationId xmlns:p14="http://schemas.microsoft.com/office/powerpoint/2010/main" val="1947582437"/>
+        <p14:creationId xmlns:p14="http://schemas.microsoft.com/office/powerpoint/2010/main" xmlns="" val="1947582437"/>
       </p:ext>
     </p:extLst>
   </p:cSld>
@@ -10051,11 +10093,11 @@
           <p:nvPr/>
         </p:nvPicPr>
         <p:blipFill>
-          <a:blip r:embed="rId19">
+          <a:blip r:embed="rId19" cstate="print">
             <a:alphaModFix amt="30000"/>
             <a:extLst>
               <a:ext uri="{28A0092B-C50C-407E-A947-70E740481C1C}">
-                <a14:useLocalDpi xmlns:a14="http://schemas.microsoft.com/office/drawing/2010/main" val="0"/>
+                <a14:useLocalDpi xmlns:a14="http://schemas.microsoft.com/office/drawing/2010/main" xmlns="" val="0"/>
               </a:ext>
             </a:extLst>
           </a:blip>
@@ -10075,7 +10117,7 @@
           <a:noFill/>
           <a:extLst>
             <a:ext uri="{909E8E84-426E-40dd-AFC4-6F175D3DCCD1}">
-              <a14:hiddenFill xmlns:a14="http://schemas.microsoft.com/office/drawing/2010/main" xmlns="">
+              <a14:hiddenFill xmlns="" xmlns:a14="http://schemas.microsoft.com/office/drawing/2010/main">
                 <a:solidFill>
                   <a:srgbClr val="FFFFFF"/>
                 </a:solidFill>
@@ -10149,7 +10191,7 @@
               </a:ln>
               <a:extLst>
                 <a:ext uri="{91240B29-F687-4f45-9708-019B960494DF}">
-                  <a14:hiddenLine xmlns:a14="http://schemas.microsoft.com/office/drawing/2010/main" xmlns="" w="9525">
+                  <a14:hiddenLine xmlns="" xmlns:a14="http://schemas.microsoft.com/office/drawing/2010/main" w="9525">
                     <a:solidFill>
                       <a:srgbClr val="000000"/>
                     </a:solidFill>
@@ -10239,7 +10281,7 @@
               </a:ln>
               <a:extLst>
                 <a:ext uri="{91240B29-F687-4f45-9708-019B960494DF}">
-                  <a14:hiddenLine xmlns:a14="http://schemas.microsoft.com/office/drawing/2010/main" xmlns="" w="9525">
+                  <a14:hiddenLine xmlns="" xmlns:a14="http://schemas.microsoft.com/office/drawing/2010/main" w="9525">
                     <a:solidFill>
                       <a:srgbClr val="000000"/>
                     </a:solidFill>
@@ -10329,7 +10371,7 @@
               </a:ln>
               <a:extLst>
                 <a:ext uri="{91240B29-F687-4f45-9708-019B960494DF}">
-                  <a14:hiddenLine xmlns:a14="http://schemas.microsoft.com/office/drawing/2010/main" xmlns="" w="9525">
+                  <a14:hiddenLine xmlns="" xmlns:a14="http://schemas.microsoft.com/office/drawing/2010/main" w="9525">
                     <a:solidFill>
                       <a:srgbClr val="000000"/>
                     </a:solidFill>
@@ -10391,7 +10433,7 @@
               </a:ln>
               <a:extLst>
                 <a:ext uri="{91240B29-F687-4f45-9708-019B960494DF}">
-                  <a14:hiddenLine xmlns:a14="http://schemas.microsoft.com/office/drawing/2010/main" xmlns="" w="9525">
+                  <a14:hiddenLine xmlns="" xmlns:a14="http://schemas.microsoft.com/office/drawing/2010/main" w="9525">
                     <a:solidFill>
                       <a:srgbClr val="000000"/>
                     </a:solidFill>
@@ -10481,7 +10523,7 @@
               </a:ln>
               <a:extLst>
                 <a:ext uri="{91240B29-F687-4f45-9708-019B960494DF}">
-                  <a14:hiddenLine xmlns:a14="http://schemas.microsoft.com/office/drawing/2010/main" xmlns="" w="9525">
+                  <a14:hiddenLine xmlns="" xmlns:a14="http://schemas.microsoft.com/office/drawing/2010/main" w="9525">
                     <a:solidFill>
                       <a:srgbClr val="000000"/>
                     </a:solidFill>
@@ -10543,7 +10585,7 @@
               </a:ln>
               <a:extLst>
                 <a:ext uri="{91240B29-F687-4f45-9708-019B960494DF}">
-                  <a14:hiddenLine xmlns:a14="http://schemas.microsoft.com/office/drawing/2010/main" xmlns="" w="9525">
+                  <a14:hiddenLine xmlns="" xmlns:a14="http://schemas.microsoft.com/office/drawing/2010/main" w="9525">
                     <a:solidFill>
                       <a:srgbClr val="000000"/>
                     </a:solidFill>
@@ -10605,7 +10647,7 @@
               </a:ln>
               <a:extLst>
                 <a:ext uri="{91240B29-F687-4f45-9708-019B960494DF}">
-                  <a14:hiddenLine xmlns:a14="http://schemas.microsoft.com/office/drawing/2010/main" xmlns="" w="9525">
+                  <a14:hiddenLine xmlns="" xmlns:a14="http://schemas.microsoft.com/office/drawing/2010/main" w="9525">
                     <a:solidFill>
                       <a:srgbClr val="000000"/>
                     </a:solidFill>
@@ -10695,7 +10737,7 @@
               </a:ln>
               <a:extLst>
                 <a:ext uri="{91240B29-F687-4f45-9708-019B960494DF}">
-                  <a14:hiddenLine xmlns:a14="http://schemas.microsoft.com/office/drawing/2010/main" xmlns="" w="9525">
+                  <a14:hiddenLine xmlns="" xmlns:a14="http://schemas.microsoft.com/office/drawing/2010/main" w="9525">
                     <a:solidFill>
                       <a:srgbClr val="000000"/>
                     </a:solidFill>
@@ -10785,7 +10827,7 @@
               </a:ln>
               <a:extLst>
                 <a:ext uri="{91240B29-F687-4f45-9708-019B960494DF}">
-                  <a14:hiddenLine xmlns:a14="http://schemas.microsoft.com/office/drawing/2010/main" xmlns="" w="9525">
+                  <a14:hiddenLine xmlns="" xmlns:a14="http://schemas.microsoft.com/office/drawing/2010/main" w="9525">
                     <a:solidFill>
                       <a:srgbClr val="000000"/>
                     </a:solidFill>
@@ -10847,7 +10889,7 @@
               </a:ln>
               <a:extLst>
                 <a:ext uri="{91240B29-F687-4f45-9708-019B960494DF}">
-                  <a14:hiddenLine xmlns:a14="http://schemas.microsoft.com/office/drawing/2010/main" xmlns="" w="9525">
+                  <a14:hiddenLine xmlns="" xmlns:a14="http://schemas.microsoft.com/office/drawing/2010/main" w="9525">
                     <a:solidFill>
                       <a:srgbClr val="000000"/>
                     </a:solidFill>
@@ -10957,7 +10999,7 @@
               </a:ln>
               <a:extLst>
                 <a:ext uri="{91240B29-F687-4f45-9708-019B960494DF}">
-                  <a14:hiddenLine xmlns:a14="http://schemas.microsoft.com/office/drawing/2010/main" xmlns="" w="9525">
+                  <a14:hiddenLine xmlns="" xmlns:a14="http://schemas.microsoft.com/office/drawing/2010/main" w="9525">
                     <a:solidFill>
                       <a:srgbClr val="000000"/>
                     </a:solidFill>
@@ -11041,7 +11083,7 @@
               </a:ln>
               <a:extLst>
                 <a:ext uri="{91240B29-F687-4f45-9708-019B960494DF}">
-                  <a14:hiddenLine xmlns:a14="http://schemas.microsoft.com/office/drawing/2010/main" xmlns="" w="9525">
+                  <a14:hiddenLine xmlns="" xmlns:a14="http://schemas.microsoft.com/office/drawing/2010/main" w="9525">
                     <a:solidFill>
                       <a:srgbClr val="000000"/>
                     </a:solidFill>
@@ -11103,7 +11145,7 @@
               </a:ln>
               <a:extLst>
                 <a:ext uri="{91240B29-F687-4f45-9708-019B960494DF}">
-                  <a14:hiddenLine xmlns:a14="http://schemas.microsoft.com/office/drawing/2010/main" xmlns="" w="9525">
+                  <a14:hiddenLine xmlns="" xmlns:a14="http://schemas.microsoft.com/office/drawing/2010/main" w="9525">
                     <a:solidFill>
                       <a:srgbClr val="000000"/>
                     </a:solidFill>
@@ -11165,7 +11207,7 @@
               </a:ln>
               <a:extLst>
                 <a:ext uri="{91240B29-F687-4f45-9708-019B960494DF}">
-                  <a14:hiddenLine xmlns:a14="http://schemas.microsoft.com/office/drawing/2010/main" xmlns="" w="9525">
+                  <a14:hiddenLine xmlns="" xmlns:a14="http://schemas.microsoft.com/office/drawing/2010/main" w="9525">
                     <a:solidFill>
                       <a:srgbClr val="000000"/>
                     </a:solidFill>
@@ -11255,7 +11297,7 @@
               </a:ln>
               <a:extLst>
                 <a:ext uri="{91240B29-F687-4f45-9708-019B960494DF}">
-                  <a14:hiddenLine xmlns:a14="http://schemas.microsoft.com/office/drawing/2010/main" xmlns="" w="9525">
+                  <a14:hiddenLine xmlns="" xmlns:a14="http://schemas.microsoft.com/office/drawing/2010/main" w="9525">
                     <a:solidFill>
                       <a:srgbClr val="000000"/>
                     </a:solidFill>
@@ -11289,7 +11331,7 @@
               </a:ln>
               <a:extLst>
                 <a:ext uri="{91240B29-F687-4f45-9708-019B960494DF}">
-                  <a14:hiddenLine xmlns:a14="http://schemas.microsoft.com/office/drawing/2010/main" xmlns="" w="9525">
+                  <a14:hiddenLine xmlns="" xmlns:a14="http://schemas.microsoft.com/office/drawing/2010/main" w="9525">
                     <a:solidFill>
                       <a:srgbClr val="000000"/>
                     </a:solidFill>
@@ -11354,7 +11396,7 @@
               </a:ln>
               <a:extLst>
                 <a:ext uri="{91240B29-F687-4f45-9708-019B960494DF}">
-                  <a14:hiddenLine xmlns:a14="http://schemas.microsoft.com/office/drawing/2010/main" xmlns="" w="9525">
+                  <a14:hiddenLine xmlns="" xmlns:a14="http://schemas.microsoft.com/office/drawing/2010/main" w="9525">
                     <a:solidFill>
                       <a:srgbClr val="000000"/>
                     </a:solidFill>
@@ -11444,7 +11486,7 @@
               </a:ln>
               <a:extLst>
                 <a:ext uri="{91240B29-F687-4f45-9708-019B960494DF}">
-                  <a14:hiddenLine xmlns:a14="http://schemas.microsoft.com/office/drawing/2010/main" xmlns="" w="9525">
+                  <a14:hiddenLine xmlns="" xmlns:a14="http://schemas.microsoft.com/office/drawing/2010/main" w="9525">
                     <a:solidFill>
                       <a:srgbClr val="000000"/>
                     </a:solidFill>
@@ -11506,7 +11548,7 @@
               </a:ln>
               <a:extLst>
                 <a:ext uri="{91240B29-F687-4f45-9708-019B960494DF}">
-                  <a14:hiddenLine xmlns:a14="http://schemas.microsoft.com/office/drawing/2010/main" xmlns="" w="9525">
+                  <a14:hiddenLine xmlns="" xmlns:a14="http://schemas.microsoft.com/office/drawing/2010/main" w="9525">
                     <a:solidFill>
                       <a:srgbClr val="000000"/>
                     </a:solidFill>
@@ -11596,7 +11638,7 @@
               </a:ln>
               <a:extLst>
                 <a:ext uri="{91240B29-F687-4f45-9708-019B960494DF}">
-                  <a14:hiddenLine xmlns:a14="http://schemas.microsoft.com/office/drawing/2010/main" xmlns="" w="9525">
+                  <a14:hiddenLine xmlns="" xmlns:a14="http://schemas.microsoft.com/office/drawing/2010/main" w="9525">
                     <a:solidFill>
                       <a:srgbClr val="000000"/>
                     </a:solidFill>
@@ -11661,7 +11703,7 @@
               </a:ln>
               <a:extLst>
                 <a:ext uri="{91240B29-F687-4f45-9708-019B960494DF}">
-                  <a14:hiddenLine xmlns:a14="http://schemas.microsoft.com/office/drawing/2010/main" xmlns="" w="9525">
+                  <a14:hiddenLine xmlns="" xmlns:a14="http://schemas.microsoft.com/office/drawing/2010/main" w="9525">
                     <a:solidFill>
                       <a:srgbClr val="000000"/>
                     </a:solidFill>
@@ -11723,7 +11765,7 @@
               </a:ln>
               <a:extLst>
                 <a:ext uri="{91240B29-F687-4f45-9708-019B960494DF}">
-                  <a14:hiddenLine xmlns:a14="http://schemas.microsoft.com/office/drawing/2010/main" xmlns="" w="9525">
+                  <a14:hiddenLine xmlns="" xmlns:a14="http://schemas.microsoft.com/office/drawing/2010/main" w="9525">
                     <a:solidFill>
                       <a:srgbClr val="000000"/>
                     </a:solidFill>
@@ -11813,7 +11855,7 @@
               </a:ln>
               <a:extLst>
                 <a:ext uri="{91240B29-F687-4f45-9708-019B960494DF}">
-                  <a14:hiddenLine xmlns:a14="http://schemas.microsoft.com/office/drawing/2010/main" xmlns="" w="9525">
+                  <a14:hiddenLine xmlns="" xmlns:a14="http://schemas.microsoft.com/office/drawing/2010/main" w="9525">
                     <a:solidFill>
                       <a:srgbClr val="000000"/>
                     </a:solidFill>
@@ -11903,7 +11945,7 @@
               </a:ln>
               <a:extLst>
                 <a:ext uri="{91240B29-F687-4f45-9708-019B960494DF}">
-                  <a14:hiddenLine xmlns:a14="http://schemas.microsoft.com/office/drawing/2010/main" xmlns="" w="9525">
+                  <a14:hiddenLine xmlns="" xmlns:a14="http://schemas.microsoft.com/office/drawing/2010/main" w="9525">
                     <a:solidFill>
                       <a:srgbClr val="000000"/>
                     </a:solidFill>
@@ -11968,7 +12010,7 @@
               </a:ln>
               <a:extLst>
                 <a:ext uri="{91240B29-F687-4f45-9708-019B960494DF}">
-                  <a14:hiddenLine xmlns:a14="http://schemas.microsoft.com/office/drawing/2010/main" xmlns="" w="9525">
+                  <a14:hiddenLine xmlns="" xmlns:a14="http://schemas.microsoft.com/office/drawing/2010/main" w="9525">
                     <a:solidFill>
                       <a:srgbClr val="000000"/>
                     </a:solidFill>
@@ -12088,7 +12130,7 @@
               </a:ln>
               <a:extLst>
                 <a:ext uri="{91240B29-F687-4f45-9708-019B960494DF}">
-                  <a14:hiddenLine xmlns:a14="http://schemas.microsoft.com/office/drawing/2010/main" xmlns="" w="9525">
+                  <a14:hiddenLine xmlns="" xmlns:a14="http://schemas.microsoft.com/office/drawing/2010/main" w="9525">
                     <a:solidFill>
                       <a:srgbClr val="000000"/>
                     </a:solidFill>
@@ -12186,7 +12228,7 @@
               </a:ln>
               <a:extLst>
                 <a:ext uri="{91240B29-F687-4f45-9708-019B960494DF}">
-                  <a14:hiddenLine xmlns:a14="http://schemas.microsoft.com/office/drawing/2010/main" xmlns="" w="9525">
+                  <a14:hiddenLine xmlns="" xmlns:a14="http://schemas.microsoft.com/office/drawing/2010/main" w="9525">
                     <a:solidFill>
                       <a:srgbClr val="000000"/>
                     </a:solidFill>
@@ -12301,7 +12343,7 @@
               </a:ln>
               <a:extLst>
                 <a:ext uri="{91240B29-F687-4f45-9708-019B960494DF}">
-                  <a14:hiddenLine xmlns:a14="http://schemas.microsoft.com/office/drawing/2010/main" xmlns="" w="9525">
+                  <a14:hiddenLine xmlns="" xmlns:a14="http://schemas.microsoft.com/office/drawing/2010/main" w="9525">
                     <a:solidFill>
                       <a:srgbClr val="000000"/>
                     </a:solidFill>
@@ -12391,7 +12433,7 @@
               </a:ln>
               <a:extLst>
                 <a:ext uri="{91240B29-F687-4f45-9708-019B960494DF}">
-                  <a14:hiddenLine xmlns:a14="http://schemas.microsoft.com/office/drawing/2010/main" xmlns="" w="9525">
+                  <a14:hiddenLine xmlns="" xmlns:a14="http://schemas.microsoft.com/office/drawing/2010/main" w="9525">
                     <a:solidFill>
                       <a:srgbClr val="000000"/>
                     </a:solidFill>
@@ -12456,7 +12498,7 @@
               </a:ln>
               <a:extLst>
                 <a:ext uri="{91240B29-F687-4f45-9708-019B960494DF}">
-                  <a14:hiddenLine xmlns:a14="http://schemas.microsoft.com/office/drawing/2010/main" xmlns="" w="9525">
+                  <a14:hiddenLine xmlns="" xmlns:a14="http://schemas.microsoft.com/office/drawing/2010/main" w="9525">
                     <a:solidFill>
                       <a:srgbClr val="000000"/>
                     </a:solidFill>
@@ -12546,7 +12588,7 @@
               </a:ln>
               <a:extLst>
                 <a:ext uri="{91240B29-F687-4f45-9708-019B960494DF}">
-                  <a14:hiddenLine xmlns:a14="http://schemas.microsoft.com/office/drawing/2010/main" xmlns="" w="9525">
+                  <a14:hiddenLine xmlns="" xmlns:a14="http://schemas.microsoft.com/office/drawing/2010/main" w="9525">
                     <a:solidFill>
                       <a:srgbClr val="000000"/>
                     </a:solidFill>
@@ -12614,7 +12656,7 @@
               </a:ln>
               <a:extLst>
                 <a:ext uri="{91240B29-F687-4f45-9708-019B960494DF}">
-                  <a14:hiddenLine xmlns:a14="http://schemas.microsoft.com/office/drawing/2010/main" xmlns="" w="9525">
+                  <a14:hiddenLine xmlns="" xmlns:a14="http://schemas.microsoft.com/office/drawing/2010/main" w="9525">
                     <a:solidFill>
                       <a:srgbClr val="000000"/>
                     </a:solidFill>
@@ -12704,7 +12746,7 @@
               </a:ln>
               <a:extLst>
                 <a:ext uri="{91240B29-F687-4f45-9708-019B960494DF}">
-                  <a14:hiddenLine xmlns:a14="http://schemas.microsoft.com/office/drawing/2010/main" xmlns="" w="9525">
+                  <a14:hiddenLine xmlns="" xmlns:a14="http://schemas.microsoft.com/office/drawing/2010/main" w="9525">
                     <a:solidFill>
                       <a:srgbClr val="000000"/>
                     </a:solidFill>
@@ -12772,7 +12814,7 @@
               </a:ln>
               <a:extLst>
                 <a:ext uri="{91240B29-F687-4f45-9708-019B960494DF}">
-                  <a14:hiddenLine xmlns:a14="http://schemas.microsoft.com/office/drawing/2010/main" xmlns="" w="9525">
+                  <a14:hiddenLine xmlns="" xmlns:a14="http://schemas.microsoft.com/office/drawing/2010/main" w="9525">
                     <a:solidFill>
                       <a:srgbClr val="000000"/>
                     </a:solidFill>
@@ -12862,7 +12904,7 @@
               </a:ln>
               <a:extLst>
                 <a:ext uri="{91240B29-F687-4f45-9708-019B960494DF}">
-                  <a14:hiddenLine xmlns:a14="http://schemas.microsoft.com/office/drawing/2010/main" xmlns="" w="9525">
+                  <a14:hiddenLine xmlns="" xmlns:a14="http://schemas.microsoft.com/office/drawing/2010/main" w="9525">
                     <a:solidFill>
                       <a:srgbClr val="000000"/>
                     </a:solidFill>
@@ -12896,7 +12938,7 @@
               </a:ln>
               <a:extLst>
                 <a:ext uri="{91240B29-F687-4f45-9708-019B960494DF}">
-                  <a14:hiddenLine xmlns:a14="http://schemas.microsoft.com/office/drawing/2010/main" xmlns="" w="9525">
+                  <a14:hiddenLine xmlns="" xmlns:a14="http://schemas.microsoft.com/office/drawing/2010/main" w="9525">
                     <a:solidFill>
                       <a:srgbClr val="000000"/>
                     </a:solidFill>
@@ -13036,6 +13078,7 @@
           <a:p>
             <a:fld id="{E7A0FEFB-BD0E-40DE-B37C-A603575FC69B}" type="datetime1">
               <a:rPr lang="fr-FR" smtClean="0"/>
+              <a:pPr/>
               <a:t>25/11/2017</a:t>
             </a:fld>
             <a:endParaRPr lang="fr-FR"/>
@@ -13117,6 +13160,7 @@
           <a:p>
             <a:fld id="{ED22AD06-C296-4654-A2D3-A746ACA7B044}" type="slidenum">
               <a:rPr lang="fr-FR" smtClean="0"/>
+              <a:pPr/>
               <a:t>‹N°›</a:t>
             </a:fld>
             <a:endParaRPr lang="fr-FR"/>
@@ -13126,7 +13170,7 @@
     </p:spTree>
     <p:extLst>
       <p:ext uri="{BB962C8B-B14F-4D97-AF65-F5344CB8AC3E}">
-        <p14:creationId xmlns:p14="http://schemas.microsoft.com/office/powerpoint/2010/main" val="3113611123"/>
+        <p14:creationId xmlns:p14="http://schemas.microsoft.com/office/powerpoint/2010/main" xmlns="" val="3113611123"/>
       </p:ext>
     </p:extLst>
   </p:cSld>
@@ -13465,7 +13509,7 @@
           <p:cNvPr id="2" name="Titre 1">
             <a:extLst>
               <a:ext uri="{FF2B5EF4-FFF2-40B4-BE49-F238E27FC236}">
-                <a16:creationId xmlns:a16="http://schemas.microsoft.com/office/drawing/2014/main" id="{9F52FD9D-33EE-4685-A41A-41360487DC0F}"/>
+                <a16:creationId xmlns:a16="http://schemas.microsoft.com/office/drawing/2014/main" xmlns="" id="{9F52FD9D-33EE-4685-A41A-41360487DC0F}"/>
               </a:ext>
             </a:extLst>
           </p:cNvPr>
@@ -13493,7 +13537,7 @@
           <p:cNvPr id="3" name="Sous-titre 2">
             <a:extLst>
               <a:ext uri="{FF2B5EF4-FFF2-40B4-BE49-F238E27FC236}">
-                <a16:creationId xmlns:a16="http://schemas.microsoft.com/office/drawing/2014/main" id="{776C2F1D-5B6E-4823-8BA0-DB0D72969C73}"/>
+                <a16:creationId xmlns:a16="http://schemas.microsoft.com/office/drawing/2014/main" xmlns="" id="{776C2F1D-5B6E-4823-8BA0-DB0D72969C73}"/>
               </a:ext>
             </a:extLst>
           </p:cNvPr>
@@ -13555,7 +13599,7 @@
           <p:cNvPr id="4" name="Espace réservé du pied de page 3">
             <a:extLst>
               <a:ext uri="{FF2B5EF4-FFF2-40B4-BE49-F238E27FC236}">
-                <a16:creationId xmlns:a16="http://schemas.microsoft.com/office/drawing/2014/main" id="{E19B2D75-EDCC-4AFF-9A98-1F3CACEC0A6A}"/>
+                <a16:creationId xmlns:a16="http://schemas.microsoft.com/office/drawing/2014/main" xmlns="" id="{E19B2D75-EDCC-4AFF-9A98-1F3CACEC0A6A}"/>
               </a:ext>
             </a:extLst>
           </p:cNvPr>
@@ -13583,7 +13627,7 @@
           <p:cNvPr id="5" name="Espace réservé du numéro de diapositive 4">
             <a:extLst>
               <a:ext uri="{FF2B5EF4-FFF2-40B4-BE49-F238E27FC236}">
-                <a16:creationId xmlns:a16="http://schemas.microsoft.com/office/drawing/2014/main" id="{8757B5B7-651C-471B-8E56-319BD613CF18}"/>
+                <a16:creationId xmlns:a16="http://schemas.microsoft.com/office/drawing/2014/main" xmlns="" id="{8757B5B7-651C-471B-8E56-319BD613CF18}"/>
               </a:ext>
             </a:extLst>
           </p:cNvPr>
@@ -13601,6 +13645,7 @@
           <a:p>
             <a:fld id="{ED22AD06-C296-4654-A2D3-A746ACA7B044}" type="slidenum">
               <a:rPr lang="fr-FR" smtClean="0"/>
+              <a:pPr/>
               <a:t>1</a:t>
             </a:fld>
             <a:endParaRPr lang="fr-FR"/>
@@ -13610,7 +13655,7 @@
     </p:spTree>
     <p:extLst>
       <p:ext uri="{BB962C8B-B14F-4D97-AF65-F5344CB8AC3E}">
-        <p14:creationId xmlns:p14="http://schemas.microsoft.com/office/powerpoint/2010/main" val="68843735"/>
+        <p14:creationId xmlns:p14="http://schemas.microsoft.com/office/powerpoint/2010/main" xmlns="" val="68843735"/>
       </p:ext>
     </p:extLst>
   </p:cSld>
@@ -13642,7 +13687,7 @@
           <p:cNvPr id="2" name="Titre 1">
             <a:extLst>
               <a:ext uri="{FF2B5EF4-FFF2-40B4-BE49-F238E27FC236}">
-                <a16:creationId xmlns:a16="http://schemas.microsoft.com/office/drawing/2014/main" id="{0845828D-6CC7-4486-8B9C-DD5D9F22D31D}"/>
+                <a16:creationId xmlns:a16="http://schemas.microsoft.com/office/drawing/2014/main" xmlns="" id="{0845828D-6CC7-4486-8B9C-DD5D9F22D31D}"/>
               </a:ext>
             </a:extLst>
           </p:cNvPr>
@@ -13683,7 +13728,7 @@
           <p:cNvPr id="3" name="Espace réservé du contenu 2">
             <a:extLst>
               <a:ext uri="{FF2B5EF4-FFF2-40B4-BE49-F238E27FC236}">
-                <a16:creationId xmlns:a16="http://schemas.microsoft.com/office/drawing/2014/main" id="{D2565F79-8447-4704-800E-75742A26C65D}"/>
+                <a16:creationId xmlns:a16="http://schemas.microsoft.com/office/drawing/2014/main" xmlns="" id="{D2565F79-8447-4704-800E-75742A26C65D}"/>
               </a:ext>
             </a:extLst>
           </p:cNvPr>
@@ -13725,7 +13770,15 @@
             </a:r>
             <a:r>
               <a:rPr lang="fr-FR" dirty="0"/>
-              <a:t> ( analyse tout les push </a:t>
+              <a:t> </a:t>
+            </a:r>
+            <a:r>
+              <a:rPr lang="fr-FR" dirty="0" smtClean="0"/>
+              <a:t>(analyse </a:t>
+            </a:r>
+            <a:r>
+              <a:rPr lang="fr-FR" dirty="0"/>
+              <a:t>tout les push </a:t>
             </a:r>
             <a:r>
               <a:rPr lang="fr-FR" dirty="0" err="1"/>
@@ -13781,7 +13834,7 @@
           <p:cNvPr id="6" name="Espace réservé du contenu 5">
             <a:extLst>
               <a:ext uri="{FF2B5EF4-FFF2-40B4-BE49-F238E27FC236}">
-                <a16:creationId xmlns:a16="http://schemas.microsoft.com/office/drawing/2014/main" id="{E72588E6-DD5B-48C8-86FB-E66FFBA90F82}"/>
+                <a16:creationId xmlns:a16="http://schemas.microsoft.com/office/drawing/2014/main" xmlns="" id="{E72588E6-DD5B-48C8-86FB-E66FFBA90F82}"/>
               </a:ext>
             </a:extLst>
           </p:cNvPr>
@@ -13862,7 +13915,7 @@
           <p:cNvPr id="4" name="Espace réservé du pied de page 3">
             <a:extLst>
               <a:ext uri="{FF2B5EF4-FFF2-40B4-BE49-F238E27FC236}">
-                <a16:creationId xmlns:a16="http://schemas.microsoft.com/office/drawing/2014/main" id="{D4BDCF3C-4CEF-4C3D-B0AB-820E91CB4D87}"/>
+                <a16:creationId xmlns:a16="http://schemas.microsoft.com/office/drawing/2014/main" xmlns="" id="{D4BDCF3C-4CEF-4C3D-B0AB-820E91CB4D87}"/>
               </a:ext>
             </a:extLst>
           </p:cNvPr>
@@ -13890,7 +13943,7 @@
           <p:cNvPr id="5" name="Espace réservé du numéro de diapositive 4">
             <a:extLst>
               <a:ext uri="{FF2B5EF4-FFF2-40B4-BE49-F238E27FC236}">
-                <a16:creationId xmlns:a16="http://schemas.microsoft.com/office/drawing/2014/main" id="{44C012D5-735C-4D3C-9885-074DB86045D8}"/>
+                <a16:creationId xmlns:a16="http://schemas.microsoft.com/office/drawing/2014/main" xmlns="" id="{44C012D5-735C-4D3C-9885-074DB86045D8}"/>
               </a:ext>
             </a:extLst>
           </p:cNvPr>
@@ -13908,6 +13961,7 @@
           <a:p>
             <a:fld id="{ED22AD06-C296-4654-A2D3-A746ACA7B044}" type="slidenum">
               <a:rPr lang="fr-FR" smtClean="0"/>
+              <a:pPr/>
               <a:t>10</a:t>
             </a:fld>
             <a:endParaRPr lang="fr-FR"/>
@@ -13917,7 +13971,7 @@
     </p:spTree>
     <p:extLst>
       <p:ext uri="{BB962C8B-B14F-4D97-AF65-F5344CB8AC3E}">
-        <p14:creationId xmlns:p14="http://schemas.microsoft.com/office/powerpoint/2010/main" val="473782799"/>
+        <p14:creationId xmlns:p14="http://schemas.microsoft.com/office/powerpoint/2010/main" xmlns="" val="473782799"/>
       </p:ext>
     </p:extLst>
   </p:cSld>
@@ -13949,7 +14003,7 @@
           <p:cNvPr id="2" name="Titre 1">
             <a:extLst>
               <a:ext uri="{FF2B5EF4-FFF2-40B4-BE49-F238E27FC236}">
-                <a16:creationId xmlns:a16="http://schemas.microsoft.com/office/drawing/2014/main" id="{0845828D-6CC7-4486-8B9C-DD5D9F22D31D}"/>
+                <a16:creationId xmlns:a16="http://schemas.microsoft.com/office/drawing/2014/main" xmlns="" id="{0845828D-6CC7-4486-8B9C-DD5D9F22D31D}"/>
               </a:ext>
             </a:extLst>
           </p:cNvPr>
@@ -13977,7 +14031,7 @@
           <p:cNvPr id="3" name="Espace réservé du contenu 2">
             <a:extLst>
               <a:ext uri="{FF2B5EF4-FFF2-40B4-BE49-F238E27FC236}">
-                <a16:creationId xmlns:a16="http://schemas.microsoft.com/office/drawing/2014/main" id="{D2565F79-8447-4704-800E-75742A26C65D}"/>
+                <a16:creationId xmlns:a16="http://schemas.microsoft.com/office/drawing/2014/main" xmlns="" id="{D2565F79-8447-4704-800E-75742A26C65D}"/>
               </a:ext>
             </a:extLst>
           </p:cNvPr>
@@ -13999,14 +14053,12 @@
           <a:lstStyle/>
           <a:p>
             <a:r>
+              <a:rPr lang="fr-FR" dirty="0" smtClean="0"/>
+              <a:t>Automatisation </a:t>
+            </a:r>
+            <a:r>
               <a:rPr lang="fr-FR" dirty="0"/>
-              <a:t>Serveur de configuration d’infrastructure (?)</a:t>
-            </a:r>
-          </a:p>
-          <a:p>
-            <a:r>
-              <a:rPr lang="fr-FR" dirty="0"/>
-              <a:t>Automatisation des tests</a:t>
+              <a:t>des tests</a:t>
             </a:r>
           </a:p>
           <a:p>
@@ -14030,16 +14082,31 @@
           </a:p>
           <a:p>
             <a:r>
-              <a:rPr lang="fr-FR" dirty="0"/>
-              <a:t>Serveur de déploiement</a:t>
+              <a:rPr lang="fr-FR" dirty="0" smtClean="0"/>
+              <a:t>Images Docker</a:t>
             </a:r>
           </a:p>
           <a:p>
             <a:pPr lvl="1"/>
             <a:r>
-              <a:rPr lang="fr-FR" dirty="0"/>
-              <a:t>? Git?</a:t>
-            </a:r>
+              <a:rPr lang="fr-FR" dirty="0" smtClean="0"/>
+              <a:t>Même configuration sur notre machine que sur le serveur</a:t>
+            </a:r>
+          </a:p>
+          <a:p>
+            <a:pPr lvl="1"/>
+            <a:r>
+              <a:rPr lang="fr-FR" dirty="0" smtClean="0"/>
+              <a:t>Déploiement en un clic</a:t>
+            </a:r>
+          </a:p>
+          <a:p>
+            <a:pPr lvl="1"/>
+            <a:r>
+              <a:rPr lang="fr-FR" dirty="0" smtClean="0"/>
+              <a:t>La panne d’un conteneur ne rend pas tout le serveur HS</a:t>
+            </a:r>
+            <a:endParaRPr lang="fr-FR" dirty="0"/>
           </a:p>
         </p:txBody>
       </p:sp>
@@ -14048,7 +14115,7 @@
           <p:cNvPr id="4" name="Espace réservé du pied de page 3">
             <a:extLst>
               <a:ext uri="{FF2B5EF4-FFF2-40B4-BE49-F238E27FC236}">
-                <a16:creationId xmlns:a16="http://schemas.microsoft.com/office/drawing/2014/main" id="{0A8F501C-9209-40B4-A95F-C00802466179}"/>
+                <a16:creationId xmlns:a16="http://schemas.microsoft.com/office/drawing/2014/main" xmlns="" id="{0A8F501C-9209-40B4-A95F-C00802466179}"/>
               </a:ext>
             </a:extLst>
           </p:cNvPr>
@@ -14076,7 +14143,7 @@
           <p:cNvPr id="5" name="Espace réservé du numéro de diapositive 4">
             <a:extLst>
               <a:ext uri="{FF2B5EF4-FFF2-40B4-BE49-F238E27FC236}">
-                <a16:creationId xmlns:a16="http://schemas.microsoft.com/office/drawing/2014/main" id="{2E162C00-9BEA-48A6-8E2D-CFF6F8DFC0F9}"/>
+                <a16:creationId xmlns:a16="http://schemas.microsoft.com/office/drawing/2014/main" xmlns="" id="{2E162C00-9BEA-48A6-8E2D-CFF6F8DFC0F9}"/>
               </a:ext>
             </a:extLst>
           </p:cNvPr>
@@ -14094,6 +14161,7 @@
           <a:p>
             <a:fld id="{ED22AD06-C296-4654-A2D3-A746ACA7B044}" type="slidenum">
               <a:rPr lang="fr-FR" smtClean="0"/>
+              <a:pPr/>
               <a:t>11</a:t>
             </a:fld>
             <a:endParaRPr lang="fr-FR"/>
@@ -14103,7 +14171,7 @@
     </p:spTree>
     <p:extLst>
       <p:ext uri="{BB962C8B-B14F-4D97-AF65-F5344CB8AC3E}">
-        <p14:creationId xmlns:p14="http://schemas.microsoft.com/office/powerpoint/2010/main" val="3015462745"/>
+        <p14:creationId xmlns:p14="http://schemas.microsoft.com/office/powerpoint/2010/main" xmlns="" val="3015462745"/>
       </p:ext>
     </p:extLst>
   </p:cSld>
@@ -14135,7 +14203,7 @@
           <p:cNvPr id="2" name="Titre 1">
             <a:extLst>
               <a:ext uri="{FF2B5EF4-FFF2-40B4-BE49-F238E27FC236}">
-                <a16:creationId xmlns:a16="http://schemas.microsoft.com/office/drawing/2014/main" id="{96C5FFFE-9A22-4089-93E1-9CA9315E180B}"/>
+                <a16:creationId xmlns:a16="http://schemas.microsoft.com/office/drawing/2014/main" xmlns="" id="{96C5FFFE-9A22-4089-93E1-9CA9315E180B}"/>
               </a:ext>
             </a:extLst>
           </p:cNvPr>
@@ -14163,7 +14231,7 @@
           <p:cNvPr id="3" name="Espace réservé du contenu 2">
             <a:extLst>
               <a:ext uri="{FF2B5EF4-FFF2-40B4-BE49-F238E27FC236}">
-                <a16:creationId xmlns:a16="http://schemas.microsoft.com/office/drawing/2014/main" id="{9ACD37A6-8B7D-497E-82A3-56A503C1FCEF}"/>
+                <a16:creationId xmlns:a16="http://schemas.microsoft.com/office/drawing/2014/main" xmlns="" id="{9ACD37A6-8B7D-497E-82A3-56A503C1FCEF}"/>
               </a:ext>
             </a:extLst>
           </p:cNvPr>
@@ -14203,7 +14271,7 @@
           <p:cNvPr id="4" name="Espace réservé du pied de page 3">
             <a:extLst>
               <a:ext uri="{FF2B5EF4-FFF2-40B4-BE49-F238E27FC236}">
-                <a16:creationId xmlns:a16="http://schemas.microsoft.com/office/drawing/2014/main" id="{FE57F0ED-9C4C-443E-B031-07397C1EB0F9}"/>
+                <a16:creationId xmlns:a16="http://schemas.microsoft.com/office/drawing/2014/main" xmlns="" id="{FE57F0ED-9C4C-443E-B031-07397C1EB0F9}"/>
               </a:ext>
             </a:extLst>
           </p:cNvPr>
@@ -14231,7 +14299,7 @@
           <p:cNvPr id="5" name="Espace réservé du numéro de diapositive 4">
             <a:extLst>
               <a:ext uri="{FF2B5EF4-FFF2-40B4-BE49-F238E27FC236}">
-                <a16:creationId xmlns:a16="http://schemas.microsoft.com/office/drawing/2014/main" id="{4A85B28A-E6CA-4C46-B7F4-5A6A714D0244}"/>
+                <a16:creationId xmlns:a16="http://schemas.microsoft.com/office/drawing/2014/main" xmlns="" id="{4A85B28A-E6CA-4C46-B7F4-5A6A714D0244}"/>
               </a:ext>
             </a:extLst>
           </p:cNvPr>
@@ -14249,6 +14317,7 @@
           <a:p>
             <a:fld id="{ED22AD06-C296-4654-A2D3-A746ACA7B044}" type="slidenum">
               <a:rPr lang="fr-FR" smtClean="0"/>
+              <a:pPr/>
               <a:t>12</a:t>
             </a:fld>
             <a:endParaRPr lang="fr-FR"/>
@@ -14258,7 +14327,7 @@
     </p:spTree>
     <p:extLst>
       <p:ext uri="{BB962C8B-B14F-4D97-AF65-F5344CB8AC3E}">
-        <p14:creationId xmlns:p14="http://schemas.microsoft.com/office/powerpoint/2010/main" val="3260277226"/>
+        <p14:creationId xmlns:p14="http://schemas.microsoft.com/office/powerpoint/2010/main" xmlns="" val="3260277226"/>
       </p:ext>
     </p:extLst>
   </p:cSld>
@@ -14333,10 +14402,10 @@
           </p:nvPr>
         </p:nvPicPr>
         <p:blipFill>
-          <a:blip r:embed="rId2">
+          <a:blip r:embed="rId2" cstate="print">
             <a:extLst>
               <a:ext uri="{28A0092B-C50C-407E-A947-70E740481C1C}">
-                <a14:useLocalDpi xmlns:a14="http://schemas.microsoft.com/office/drawing/2010/main" val="0"/>
+                <a14:useLocalDpi xmlns:a14="http://schemas.microsoft.com/office/drawing/2010/main" xmlns="" val="0"/>
               </a:ext>
             </a:extLst>
           </a:blip>
@@ -14357,7 +14426,7 @@
           <p:cNvPr id="2" name="Espace réservé du pied de page 1">
             <a:extLst>
               <a:ext uri="{FF2B5EF4-FFF2-40B4-BE49-F238E27FC236}">
-                <a16:creationId xmlns:a16="http://schemas.microsoft.com/office/drawing/2014/main" id="{DAD366EE-CDFA-4FC0-8F88-D3E465C50375}"/>
+                <a16:creationId xmlns:a16="http://schemas.microsoft.com/office/drawing/2014/main" xmlns="" id="{DAD366EE-CDFA-4FC0-8F88-D3E465C50375}"/>
               </a:ext>
             </a:extLst>
           </p:cNvPr>
@@ -14385,7 +14454,7 @@
           <p:cNvPr id="3" name="Espace réservé du numéro de diapositive 2">
             <a:extLst>
               <a:ext uri="{FF2B5EF4-FFF2-40B4-BE49-F238E27FC236}">
-                <a16:creationId xmlns:a16="http://schemas.microsoft.com/office/drawing/2014/main" id="{50DD73EC-6D34-45BD-8BA7-CECBDB908D1D}"/>
+                <a16:creationId xmlns:a16="http://schemas.microsoft.com/office/drawing/2014/main" xmlns="" id="{50DD73EC-6D34-45BD-8BA7-CECBDB908D1D}"/>
               </a:ext>
             </a:extLst>
           </p:cNvPr>
@@ -14403,6 +14472,7 @@
           <a:p>
             <a:fld id="{ED22AD06-C296-4654-A2D3-A746ACA7B044}" type="slidenum">
               <a:rPr lang="fr-FR" smtClean="0"/>
+              <a:pPr/>
               <a:t>13</a:t>
             </a:fld>
             <a:endParaRPr lang="fr-FR"/>
@@ -14412,7 +14482,7 @@
     </p:spTree>
     <p:extLst>
       <p:ext uri="{BB962C8B-B14F-4D97-AF65-F5344CB8AC3E}">
-        <p14:creationId xmlns:p14="http://schemas.microsoft.com/office/powerpoint/2010/main" val="3345015553"/>
+        <p14:creationId xmlns:p14="http://schemas.microsoft.com/office/powerpoint/2010/main" xmlns="" val="3345015553"/>
       </p:ext>
     </p:extLst>
   </p:cSld>
@@ -14444,7 +14514,7 @@
           <p:cNvPr id="2" name="Titre 1">
             <a:extLst>
               <a:ext uri="{FF2B5EF4-FFF2-40B4-BE49-F238E27FC236}">
-                <a16:creationId xmlns:a16="http://schemas.microsoft.com/office/drawing/2014/main" id="{7637DB67-38F0-4F5C-A36A-E354832B207D}"/>
+                <a16:creationId xmlns:a16="http://schemas.microsoft.com/office/drawing/2014/main" xmlns="" id="{7637DB67-38F0-4F5C-A36A-E354832B207D}"/>
               </a:ext>
             </a:extLst>
           </p:cNvPr>
@@ -14472,7 +14542,7 @@
           <p:cNvPr id="3" name="Espace réservé du contenu 2">
             <a:extLst>
               <a:ext uri="{FF2B5EF4-FFF2-40B4-BE49-F238E27FC236}">
-                <a16:creationId xmlns:a16="http://schemas.microsoft.com/office/drawing/2014/main" id="{7E075764-22D5-4C8B-8ACE-CF25E9AAA59C}"/>
+                <a16:creationId xmlns:a16="http://schemas.microsoft.com/office/drawing/2014/main" xmlns="" id="{7E075764-22D5-4C8B-8ACE-CF25E9AAA59C}"/>
               </a:ext>
             </a:extLst>
           </p:cNvPr>
@@ -14534,8 +14604,13 @@
             </a:pPr>
             <a:r>
               <a:rPr lang="fr-FR" dirty="0"/>
-              <a:t>INTERETS DU CI/CO</a:t>
-            </a:r>
+              <a:t>INTERETS DU </a:t>
+            </a:r>
+            <a:r>
+              <a:rPr lang="fr-FR" dirty="0" smtClean="0"/>
+              <a:t>CI/CD</a:t>
+            </a:r>
+            <a:endParaRPr lang="fr-FR" dirty="0"/>
           </a:p>
           <a:p>
             <a:pPr marL="457200" indent="-457200">
@@ -14561,7 +14636,7 @@
           <p:cNvPr id="4" name="Espace réservé du pied de page 3">
             <a:extLst>
               <a:ext uri="{FF2B5EF4-FFF2-40B4-BE49-F238E27FC236}">
-                <a16:creationId xmlns:a16="http://schemas.microsoft.com/office/drawing/2014/main" id="{9A65D16F-E1B7-40A4-8D05-6BA74EA7FD0A}"/>
+                <a16:creationId xmlns:a16="http://schemas.microsoft.com/office/drawing/2014/main" xmlns="" id="{9A65D16F-E1B7-40A4-8D05-6BA74EA7FD0A}"/>
               </a:ext>
             </a:extLst>
           </p:cNvPr>
@@ -14589,7 +14664,7 @@
           <p:cNvPr id="5" name="Espace réservé du numéro de diapositive 4">
             <a:extLst>
               <a:ext uri="{FF2B5EF4-FFF2-40B4-BE49-F238E27FC236}">
-                <a16:creationId xmlns:a16="http://schemas.microsoft.com/office/drawing/2014/main" id="{D14B9942-3CA7-4CF2-86EF-A1C3736BEB4A}"/>
+                <a16:creationId xmlns:a16="http://schemas.microsoft.com/office/drawing/2014/main" xmlns="" id="{D14B9942-3CA7-4CF2-86EF-A1C3736BEB4A}"/>
               </a:ext>
             </a:extLst>
           </p:cNvPr>
@@ -14607,6 +14682,7 @@
           <a:p>
             <a:fld id="{ED22AD06-C296-4654-A2D3-A746ACA7B044}" type="slidenum">
               <a:rPr lang="fr-FR" smtClean="0"/>
+              <a:pPr/>
               <a:t>2</a:t>
             </a:fld>
             <a:endParaRPr lang="fr-FR"/>
@@ -14616,7 +14692,7 @@
     </p:spTree>
     <p:extLst>
       <p:ext uri="{BB962C8B-B14F-4D97-AF65-F5344CB8AC3E}">
-        <p14:creationId xmlns:p14="http://schemas.microsoft.com/office/powerpoint/2010/main" val="1678386438"/>
+        <p14:creationId xmlns:p14="http://schemas.microsoft.com/office/powerpoint/2010/main" xmlns="" val="1678386438"/>
       </p:ext>
     </p:extLst>
   </p:cSld>
@@ -14648,7 +14724,7 @@
           <p:cNvPr id="2" name="Titre 1">
             <a:extLst>
               <a:ext uri="{FF2B5EF4-FFF2-40B4-BE49-F238E27FC236}">
-                <a16:creationId xmlns:a16="http://schemas.microsoft.com/office/drawing/2014/main" id="{7182EEB0-2378-4840-AD71-EDE9062A1869}"/>
+                <a16:creationId xmlns:a16="http://schemas.microsoft.com/office/drawing/2014/main" xmlns="" id="{7182EEB0-2378-4840-AD71-EDE9062A1869}"/>
               </a:ext>
             </a:extLst>
           </p:cNvPr>
@@ -14776,10 +14852,10 @@
           <p:nvPr/>
         </p:nvPicPr>
         <p:blipFill>
-          <a:blip r:embed="rId3">
+          <a:blip r:embed="rId3" cstate="print">
             <a:extLst>
               <a:ext uri="{28A0092B-C50C-407E-A947-70E740481C1C}">
-                <a14:useLocalDpi xmlns:a14="http://schemas.microsoft.com/office/drawing/2010/main" val="0"/>
+                <a14:useLocalDpi xmlns:a14="http://schemas.microsoft.com/office/drawing/2010/main" xmlns="" val="0"/>
               </a:ext>
             </a:extLst>
           </a:blip>
@@ -14802,7 +14878,7 @@
           <p:cNvPr id="3" name="Espace réservé du pied de page 2">
             <a:extLst>
               <a:ext uri="{FF2B5EF4-FFF2-40B4-BE49-F238E27FC236}">
-                <a16:creationId xmlns:a16="http://schemas.microsoft.com/office/drawing/2014/main" id="{AF4E5875-E880-46E9-8AC6-1645569C0E55}"/>
+                <a16:creationId xmlns:a16="http://schemas.microsoft.com/office/drawing/2014/main" xmlns="" id="{AF4E5875-E880-46E9-8AC6-1645569C0E55}"/>
               </a:ext>
             </a:extLst>
           </p:cNvPr>
@@ -14830,7 +14906,7 @@
           <p:cNvPr id="4" name="Espace réservé du numéro de diapositive 3">
             <a:extLst>
               <a:ext uri="{FF2B5EF4-FFF2-40B4-BE49-F238E27FC236}">
-                <a16:creationId xmlns:a16="http://schemas.microsoft.com/office/drawing/2014/main" id="{2A775EE2-7E8B-40AC-A061-9DEA1F4180DA}"/>
+                <a16:creationId xmlns:a16="http://schemas.microsoft.com/office/drawing/2014/main" xmlns="" id="{2A775EE2-7E8B-40AC-A061-9DEA1F4180DA}"/>
               </a:ext>
             </a:extLst>
           </p:cNvPr>
@@ -14848,6 +14924,7 @@
           <a:p>
             <a:fld id="{ED22AD06-C296-4654-A2D3-A746ACA7B044}" type="slidenum">
               <a:rPr lang="fr-FR" smtClean="0"/>
+              <a:pPr/>
               <a:t>3</a:t>
             </a:fld>
             <a:endParaRPr lang="fr-FR"/>
@@ -14857,7 +14934,7 @@
     </p:spTree>
     <p:extLst>
       <p:ext uri="{BB962C8B-B14F-4D97-AF65-F5344CB8AC3E}">
-        <p14:creationId xmlns:p14="http://schemas.microsoft.com/office/powerpoint/2010/main" val="3465395436"/>
+        <p14:creationId xmlns:p14="http://schemas.microsoft.com/office/powerpoint/2010/main" xmlns="" val="3465395436"/>
       </p:ext>
     </p:extLst>
   </p:cSld>
@@ -14889,7 +14966,7 @@
           <p:cNvPr id="2" name="Titre 1">
             <a:extLst>
               <a:ext uri="{FF2B5EF4-FFF2-40B4-BE49-F238E27FC236}">
-                <a16:creationId xmlns:a16="http://schemas.microsoft.com/office/drawing/2014/main" id="{D86D6389-F3E6-48CF-9E9D-4C7F5C6EA89D}"/>
+                <a16:creationId xmlns:a16="http://schemas.microsoft.com/office/drawing/2014/main" xmlns="" id="{D86D6389-F3E6-48CF-9E9D-4C7F5C6EA89D}"/>
               </a:ext>
             </a:extLst>
           </p:cNvPr>
@@ -14917,7 +14994,7 @@
           <p:cNvPr id="3" name="Espace réservé du contenu 2">
             <a:extLst>
               <a:ext uri="{FF2B5EF4-FFF2-40B4-BE49-F238E27FC236}">
-                <a16:creationId xmlns:a16="http://schemas.microsoft.com/office/drawing/2014/main" id="{0CC95282-0762-4966-8A40-67227F2FB48C}"/>
+                <a16:creationId xmlns:a16="http://schemas.microsoft.com/office/drawing/2014/main" xmlns="" id="{0CC95282-0762-4966-8A40-67227F2FB48C}"/>
               </a:ext>
             </a:extLst>
           </p:cNvPr>
@@ -15081,7 +15158,7 @@
           <p:cNvPr id="4" name="Espace réservé du pied de page 3">
             <a:extLst>
               <a:ext uri="{FF2B5EF4-FFF2-40B4-BE49-F238E27FC236}">
-                <a16:creationId xmlns:a16="http://schemas.microsoft.com/office/drawing/2014/main" id="{47A792F9-51DD-48EF-AE42-B19DAB9E0F05}"/>
+                <a16:creationId xmlns:a16="http://schemas.microsoft.com/office/drawing/2014/main" xmlns="" id="{47A792F9-51DD-48EF-AE42-B19DAB9E0F05}"/>
               </a:ext>
             </a:extLst>
           </p:cNvPr>
@@ -15109,7 +15186,7 @@
           <p:cNvPr id="5" name="Espace réservé du numéro de diapositive 4">
             <a:extLst>
               <a:ext uri="{FF2B5EF4-FFF2-40B4-BE49-F238E27FC236}">
-                <a16:creationId xmlns:a16="http://schemas.microsoft.com/office/drawing/2014/main" id="{C4411D57-436B-4D1A-8CE6-A123E698D980}"/>
+                <a16:creationId xmlns:a16="http://schemas.microsoft.com/office/drawing/2014/main" xmlns="" id="{C4411D57-436B-4D1A-8CE6-A123E698D980}"/>
               </a:ext>
             </a:extLst>
           </p:cNvPr>
@@ -15127,6 +15204,7 @@
           <a:p>
             <a:fld id="{ED22AD06-C296-4654-A2D3-A746ACA7B044}" type="slidenum">
               <a:rPr lang="fr-FR" smtClean="0"/>
+              <a:pPr/>
               <a:t>4</a:t>
             </a:fld>
             <a:endParaRPr lang="fr-FR"/>
@@ -15136,7 +15214,7 @@
     </p:spTree>
     <p:extLst>
       <p:ext uri="{BB962C8B-B14F-4D97-AF65-F5344CB8AC3E}">
-        <p14:creationId xmlns:p14="http://schemas.microsoft.com/office/powerpoint/2010/main" val="2925675394"/>
+        <p14:creationId xmlns:p14="http://schemas.microsoft.com/office/powerpoint/2010/main" xmlns="" val="2925675394"/>
       </p:ext>
     </p:extLst>
   </p:cSld>
@@ -15168,7 +15246,7 @@
           <p:cNvPr id="2" name="Titre 1">
             <a:extLst>
               <a:ext uri="{FF2B5EF4-FFF2-40B4-BE49-F238E27FC236}">
-                <a16:creationId xmlns:a16="http://schemas.microsoft.com/office/drawing/2014/main" id="{D86D6389-F3E6-48CF-9E9D-4C7F5C6EA89D}"/>
+                <a16:creationId xmlns:a16="http://schemas.microsoft.com/office/drawing/2014/main" xmlns="" id="{D86D6389-F3E6-48CF-9E9D-4C7F5C6EA89D}"/>
               </a:ext>
             </a:extLst>
           </p:cNvPr>
@@ -15196,7 +15274,7 @@
           <p:cNvPr id="3" name="Espace réservé du contenu 2">
             <a:extLst>
               <a:ext uri="{FF2B5EF4-FFF2-40B4-BE49-F238E27FC236}">
-                <a16:creationId xmlns:a16="http://schemas.microsoft.com/office/drawing/2014/main" id="{0CC95282-0762-4966-8A40-67227F2FB48C}"/>
+                <a16:creationId xmlns:a16="http://schemas.microsoft.com/office/drawing/2014/main" xmlns="" id="{0CC95282-0762-4966-8A40-67227F2FB48C}"/>
               </a:ext>
             </a:extLst>
           </p:cNvPr>
@@ -15259,7 +15337,7 @@
           <p:cNvPr id="4" name="Espace réservé du pied de page 3">
             <a:extLst>
               <a:ext uri="{FF2B5EF4-FFF2-40B4-BE49-F238E27FC236}">
-                <a16:creationId xmlns:a16="http://schemas.microsoft.com/office/drawing/2014/main" id="{289F4804-7E42-4691-B48F-B597C91FEF6B}"/>
+                <a16:creationId xmlns:a16="http://schemas.microsoft.com/office/drawing/2014/main" xmlns="" id="{289F4804-7E42-4691-B48F-B597C91FEF6B}"/>
               </a:ext>
             </a:extLst>
           </p:cNvPr>
@@ -15287,7 +15365,7 @@
           <p:cNvPr id="5" name="Espace réservé du numéro de diapositive 4">
             <a:extLst>
               <a:ext uri="{FF2B5EF4-FFF2-40B4-BE49-F238E27FC236}">
-                <a16:creationId xmlns:a16="http://schemas.microsoft.com/office/drawing/2014/main" id="{22767DD4-355B-4FE2-95C9-51949F88AD9F}"/>
+                <a16:creationId xmlns:a16="http://schemas.microsoft.com/office/drawing/2014/main" xmlns="" id="{22767DD4-355B-4FE2-95C9-51949F88AD9F}"/>
               </a:ext>
             </a:extLst>
           </p:cNvPr>
@@ -15305,6 +15383,7 @@
           <a:p>
             <a:fld id="{ED22AD06-C296-4654-A2D3-A746ACA7B044}" type="slidenum">
               <a:rPr lang="fr-FR" smtClean="0"/>
+              <a:pPr/>
               <a:t>5</a:t>
             </a:fld>
             <a:endParaRPr lang="fr-FR"/>
@@ -15314,7 +15393,7 @@
     </p:spTree>
     <p:extLst>
       <p:ext uri="{BB962C8B-B14F-4D97-AF65-F5344CB8AC3E}">
-        <p14:creationId xmlns:p14="http://schemas.microsoft.com/office/powerpoint/2010/main" val="1590084340"/>
+        <p14:creationId xmlns:p14="http://schemas.microsoft.com/office/powerpoint/2010/main" xmlns="" val="1590084340"/>
       </p:ext>
     </p:extLst>
   </p:cSld>
@@ -15346,7 +15425,7 @@
           <p:cNvPr id="2" name="Titre 1">
             <a:extLst>
               <a:ext uri="{FF2B5EF4-FFF2-40B4-BE49-F238E27FC236}">
-                <a16:creationId xmlns:a16="http://schemas.microsoft.com/office/drawing/2014/main" id="{D86D6389-F3E6-48CF-9E9D-4C7F5C6EA89D}"/>
+                <a16:creationId xmlns:a16="http://schemas.microsoft.com/office/drawing/2014/main" xmlns="" id="{D86D6389-F3E6-48CF-9E9D-4C7F5C6EA89D}"/>
               </a:ext>
             </a:extLst>
           </p:cNvPr>
@@ -15374,7 +15453,7 @@
           <p:cNvPr id="3" name="Espace réservé du contenu 2">
             <a:extLst>
               <a:ext uri="{FF2B5EF4-FFF2-40B4-BE49-F238E27FC236}">
-                <a16:creationId xmlns:a16="http://schemas.microsoft.com/office/drawing/2014/main" id="{0CC95282-0762-4966-8A40-67227F2FB48C}"/>
+                <a16:creationId xmlns:a16="http://schemas.microsoft.com/office/drawing/2014/main" xmlns="" id="{0CC95282-0762-4966-8A40-67227F2FB48C}"/>
               </a:ext>
             </a:extLst>
           </p:cNvPr>
@@ -15448,7 +15527,7 @@
           <p:cNvPr id="4" name="Espace réservé du pied de page 3">
             <a:extLst>
               <a:ext uri="{FF2B5EF4-FFF2-40B4-BE49-F238E27FC236}">
-                <a16:creationId xmlns:a16="http://schemas.microsoft.com/office/drawing/2014/main" id="{8D3AF887-9A36-4ED0-987D-ED92CA1990B0}"/>
+                <a16:creationId xmlns:a16="http://schemas.microsoft.com/office/drawing/2014/main" xmlns="" id="{8D3AF887-9A36-4ED0-987D-ED92CA1990B0}"/>
               </a:ext>
             </a:extLst>
           </p:cNvPr>
@@ -15476,7 +15555,7 @@
           <p:cNvPr id="5" name="Espace réservé du numéro de diapositive 4">
             <a:extLst>
               <a:ext uri="{FF2B5EF4-FFF2-40B4-BE49-F238E27FC236}">
-                <a16:creationId xmlns:a16="http://schemas.microsoft.com/office/drawing/2014/main" id="{25968FEC-C2F6-4ACB-A658-AEEC4C3C2228}"/>
+                <a16:creationId xmlns:a16="http://schemas.microsoft.com/office/drawing/2014/main" xmlns="" id="{25968FEC-C2F6-4ACB-A658-AEEC4C3C2228}"/>
               </a:ext>
             </a:extLst>
           </p:cNvPr>
@@ -15494,6 +15573,7 @@
           <a:p>
             <a:fld id="{ED22AD06-C296-4654-A2D3-A746ACA7B044}" type="slidenum">
               <a:rPr lang="fr-FR" smtClean="0"/>
+              <a:pPr/>
               <a:t>6</a:t>
             </a:fld>
             <a:endParaRPr lang="fr-FR"/>
@@ -15503,7 +15583,7 @@
     </p:spTree>
     <p:extLst>
       <p:ext uri="{BB962C8B-B14F-4D97-AF65-F5344CB8AC3E}">
-        <p14:creationId xmlns:p14="http://schemas.microsoft.com/office/powerpoint/2010/main" val="1329836512"/>
+        <p14:creationId xmlns:p14="http://schemas.microsoft.com/office/powerpoint/2010/main" xmlns="" val="1329836512"/>
       </p:ext>
     </p:extLst>
   </p:cSld>
@@ -15535,7 +15615,7 @@
           <p:cNvPr id="2" name="Titre 1">
             <a:extLst>
               <a:ext uri="{FF2B5EF4-FFF2-40B4-BE49-F238E27FC236}">
-                <a16:creationId xmlns:a16="http://schemas.microsoft.com/office/drawing/2014/main" id="{C0CC8AE9-1BF4-4387-ADA7-C852D42B7D76}"/>
+                <a16:creationId xmlns:a16="http://schemas.microsoft.com/office/drawing/2014/main" xmlns="" id="{C0CC8AE9-1BF4-4387-ADA7-C852D42B7D76}"/>
               </a:ext>
             </a:extLst>
           </p:cNvPr>
@@ -15567,10 +15647,10 @@
           <p:nvPr/>
         </p:nvPicPr>
         <p:blipFill>
-          <a:blip r:embed="rId3">
+          <a:blip r:embed="rId3" cstate="print">
             <a:extLst>
               <a:ext uri="{28A0092B-C50C-407E-A947-70E740481C1C}">
-                <a14:useLocalDpi xmlns:a14="http://schemas.microsoft.com/office/drawing/2010/main" val="0"/>
+                <a14:useLocalDpi xmlns:a14="http://schemas.microsoft.com/office/drawing/2010/main" xmlns="" val="0"/>
               </a:ext>
             </a:extLst>
           </a:blip>
@@ -15593,7 +15673,7 @@
           <p:cNvPr id="3" name="Espace réservé du pied de page 2">
             <a:extLst>
               <a:ext uri="{FF2B5EF4-FFF2-40B4-BE49-F238E27FC236}">
-                <a16:creationId xmlns:a16="http://schemas.microsoft.com/office/drawing/2014/main" id="{7D5441C1-46C0-4783-9F0E-B77CAD4C03C4}"/>
+                <a16:creationId xmlns:a16="http://schemas.microsoft.com/office/drawing/2014/main" xmlns="" id="{7D5441C1-46C0-4783-9F0E-B77CAD4C03C4}"/>
               </a:ext>
             </a:extLst>
           </p:cNvPr>
@@ -15621,7 +15701,7 @@
           <p:cNvPr id="4" name="Espace réservé du numéro de diapositive 3">
             <a:extLst>
               <a:ext uri="{FF2B5EF4-FFF2-40B4-BE49-F238E27FC236}">
-                <a16:creationId xmlns:a16="http://schemas.microsoft.com/office/drawing/2014/main" id="{C5EB9DE6-B98B-4EAD-87CE-73AC85478BBB}"/>
+                <a16:creationId xmlns:a16="http://schemas.microsoft.com/office/drawing/2014/main" xmlns="" id="{C5EB9DE6-B98B-4EAD-87CE-73AC85478BBB}"/>
               </a:ext>
             </a:extLst>
           </p:cNvPr>
@@ -15639,6 +15719,7 @@
           <a:p>
             <a:fld id="{ED22AD06-C296-4654-A2D3-A746ACA7B044}" type="slidenum">
               <a:rPr lang="fr-FR" smtClean="0"/>
+              <a:pPr/>
               <a:t>7</a:t>
             </a:fld>
             <a:endParaRPr lang="fr-FR"/>
@@ -15648,7 +15729,7 @@
     </p:spTree>
     <p:extLst>
       <p:ext uri="{BB962C8B-B14F-4D97-AF65-F5344CB8AC3E}">
-        <p14:creationId xmlns:p14="http://schemas.microsoft.com/office/powerpoint/2010/main" val="4113985906"/>
+        <p14:creationId xmlns:p14="http://schemas.microsoft.com/office/powerpoint/2010/main" xmlns="" val="4113985906"/>
       </p:ext>
     </p:extLst>
   </p:cSld>
@@ -15680,7 +15761,7 @@
           <p:cNvPr id="2" name="Titre 1">
             <a:extLst>
               <a:ext uri="{FF2B5EF4-FFF2-40B4-BE49-F238E27FC236}">
-                <a16:creationId xmlns:a16="http://schemas.microsoft.com/office/drawing/2014/main" id="{6F819513-349C-4881-89BD-301F56BF30B3}"/>
+                <a16:creationId xmlns:a16="http://schemas.microsoft.com/office/drawing/2014/main" xmlns="" id="{6F819513-349C-4881-89BD-301F56BF30B3}"/>
               </a:ext>
             </a:extLst>
           </p:cNvPr>
@@ -15708,7 +15789,7 @@
           <p:cNvPr id="3" name="Espace réservé du contenu 2">
             <a:extLst>
               <a:ext uri="{FF2B5EF4-FFF2-40B4-BE49-F238E27FC236}">
-                <a16:creationId xmlns:a16="http://schemas.microsoft.com/office/drawing/2014/main" id="{8FA18918-6B31-4E5C-90BD-84E11C4F0F99}"/>
+                <a16:creationId xmlns:a16="http://schemas.microsoft.com/office/drawing/2014/main" xmlns="" id="{8FA18918-6B31-4E5C-90BD-84E11C4F0F99}"/>
               </a:ext>
             </a:extLst>
           </p:cNvPr>
@@ -15756,7 +15837,7 @@
           <p:cNvPr id="4" name="Espace réservé du pied de page 3">
             <a:extLst>
               <a:ext uri="{FF2B5EF4-FFF2-40B4-BE49-F238E27FC236}">
-                <a16:creationId xmlns:a16="http://schemas.microsoft.com/office/drawing/2014/main" id="{04FA8130-EF46-4F61-9E00-5E57A1CD70A9}"/>
+                <a16:creationId xmlns:a16="http://schemas.microsoft.com/office/drawing/2014/main" xmlns="" id="{04FA8130-EF46-4F61-9E00-5E57A1CD70A9}"/>
               </a:ext>
             </a:extLst>
           </p:cNvPr>
@@ -15784,7 +15865,7 @@
           <p:cNvPr id="5" name="Espace réservé du numéro de diapositive 4">
             <a:extLst>
               <a:ext uri="{FF2B5EF4-FFF2-40B4-BE49-F238E27FC236}">
-                <a16:creationId xmlns:a16="http://schemas.microsoft.com/office/drawing/2014/main" id="{332B6EAC-5DA2-4B4A-B235-9718E373AB1B}"/>
+                <a16:creationId xmlns:a16="http://schemas.microsoft.com/office/drawing/2014/main" xmlns="" id="{332B6EAC-5DA2-4B4A-B235-9718E373AB1B}"/>
               </a:ext>
             </a:extLst>
           </p:cNvPr>
@@ -15802,6 +15883,7 @@
           <a:p>
             <a:fld id="{ED22AD06-C296-4654-A2D3-A746ACA7B044}" type="slidenum">
               <a:rPr lang="fr-FR" smtClean="0"/>
+              <a:pPr/>
               <a:t>8</a:t>
             </a:fld>
             <a:endParaRPr lang="fr-FR"/>
@@ -15811,7 +15893,7 @@
     </p:spTree>
     <p:extLst>
       <p:ext uri="{BB962C8B-B14F-4D97-AF65-F5344CB8AC3E}">
-        <p14:creationId xmlns:p14="http://schemas.microsoft.com/office/powerpoint/2010/main" val="2836490286"/>
+        <p14:creationId xmlns:p14="http://schemas.microsoft.com/office/powerpoint/2010/main" xmlns="" val="2836490286"/>
       </p:ext>
     </p:extLst>
   </p:cSld>
@@ -15843,7 +15925,7 @@
           <p:cNvPr id="2" name="Titre 1">
             <a:extLst>
               <a:ext uri="{FF2B5EF4-FFF2-40B4-BE49-F238E27FC236}">
-                <a16:creationId xmlns:a16="http://schemas.microsoft.com/office/drawing/2014/main" id="{0845828D-6CC7-4486-8B9C-DD5D9F22D31D}"/>
+                <a16:creationId xmlns:a16="http://schemas.microsoft.com/office/drawing/2014/main" xmlns="" id="{0845828D-6CC7-4486-8B9C-DD5D9F22D31D}"/>
               </a:ext>
             </a:extLst>
           </p:cNvPr>
@@ -15871,7 +15953,7 @@
           <p:cNvPr id="3" name="Espace réservé du contenu 2">
             <a:extLst>
               <a:ext uri="{FF2B5EF4-FFF2-40B4-BE49-F238E27FC236}">
-                <a16:creationId xmlns:a16="http://schemas.microsoft.com/office/drawing/2014/main" id="{D2565F79-8447-4704-800E-75742A26C65D}"/>
+                <a16:creationId xmlns:a16="http://schemas.microsoft.com/office/drawing/2014/main" xmlns="" id="{D2565F79-8447-4704-800E-75742A26C65D}"/>
               </a:ext>
             </a:extLst>
           </p:cNvPr>
@@ -15936,7 +16018,7 @@
           <p:cNvPr id="6" name="Espace réservé du contenu 5">
             <a:extLst>
               <a:ext uri="{FF2B5EF4-FFF2-40B4-BE49-F238E27FC236}">
-                <a16:creationId xmlns:a16="http://schemas.microsoft.com/office/drawing/2014/main" id="{E72588E6-DD5B-48C8-86FB-E66FFBA90F82}"/>
+                <a16:creationId xmlns:a16="http://schemas.microsoft.com/office/drawing/2014/main" xmlns="" id="{E72588E6-DD5B-48C8-86FB-E66FFBA90F82}"/>
               </a:ext>
             </a:extLst>
           </p:cNvPr>
@@ -16021,7 +16103,7 @@
           <p:cNvPr id="7" name="Espace réservé du pied de page 6">
             <a:extLst>
               <a:ext uri="{FF2B5EF4-FFF2-40B4-BE49-F238E27FC236}">
-                <a16:creationId xmlns:a16="http://schemas.microsoft.com/office/drawing/2014/main" id="{A6C3343A-8C55-4D5B-83EE-2EDF0A9D7810}"/>
+                <a16:creationId xmlns:a16="http://schemas.microsoft.com/office/drawing/2014/main" xmlns="" id="{A6C3343A-8C55-4D5B-83EE-2EDF0A9D7810}"/>
               </a:ext>
             </a:extLst>
           </p:cNvPr>
@@ -16049,7 +16131,7 @@
           <p:cNvPr id="8" name="Espace réservé du numéro de diapositive 7">
             <a:extLst>
               <a:ext uri="{FF2B5EF4-FFF2-40B4-BE49-F238E27FC236}">
-                <a16:creationId xmlns:a16="http://schemas.microsoft.com/office/drawing/2014/main" id="{3B0DB9C9-02FF-40DA-9DB3-B0222BD9F6E9}"/>
+                <a16:creationId xmlns:a16="http://schemas.microsoft.com/office/drawing/2014/main" xmlns="" id="{3B0DB9C9-02FF-40DA-9DB3-B0222BD9F6E9}"/>
               </a:ext>
             </a:extLst>
           </p:cNvPr>
@@ -16067,6 +16149,7 @@
           <a:p>
             <a:fld id="{ED22AD06-C296-4654-A2D3-A746ACA7B044}" type="slidenum">
               <a:rPr lang="fr-FR" smtClean="0"/>
+              <a:pPr/>
               <a:t>9</a:t>
             </a:fld>
             <a:endParaRPr lang="fr-FR"/>
@@ -16076,7 +16159,7 @@
     </p:spTree>
     <p:extLst>
       <p:ext uri="{BB962C8B-B14F-4D97-AF65-F5344CB8AC3E}">
-        <p14:creationId xmlns:p14="http://schemas.microsoft.com/office/powerpoint/2010/main" val="919382233"/>
+        <p14:creationId xmlns:p14="http://schemas.microsoft.com/office/powerpoint/2010/main" xmlns="" val="919382233"/>
       </p:ext>
     </p:extLst>
   </p:cSld>
@@ -16129,7 +16212,7 @@
     </a:clrScheme>
     <a:fontScheme name="Circuit">
       <a:majorFont>
-        <a:latin typeface="Tw Cen MT" panose="020B0602020104020603"/>
+        <a:latin typeface="Tw Cen MT"/>
         <a:ea typeface=""/>
         <a:cs typeface=""/>
         <a:font script="Jpan" typeface="ＭＳ Ｐゴシック"/>
@@ -16164,7 +16247,7 @@
         <a:font script="Geor" typeface="Sylfaen"/>
       </a:majorFont>
       <a:minorFont>
-        <a:latin typeface="Tw Cen MT" panose="020B0602020104020603"/>
+        <a:latin typeface="Tw Cen MT"/>
         <a:ea typeface=""/>
         <a:cs typeface=""/>
         <a:font script="Jpan" typeface="ＭＳ Ｐゴシック"/>
@@ -16331,7 +16414,7 @@
   <a:extraClrSchemeLst/>
   <a:extLst>
     <a:ext uri="{05A4C25C-085E-4340-85A3-A5531E510DB2}">
-      <thm15:themeFamily xmlns:thm15="http://schemas.microsoft.com/office/thememl/2012/main" name="Circuit" id="{0AC2F7E7-15F5-431C-B2A2-456FE929F56C}" vid="{0911B802-464C-4241-8DD9-B60FF88E379F}"/>
+      <thm15:themeFamily xmlns:thm15="http://schemas.microsoft.com/office/thememl/2012/main" xmlns="" name="Circuit" id="{0AC2F7E7-15F5-431C-B2A2-456FE929F56C}" vid="{0911B802-464C-4241-8DD9-B60FF88E379F}"/>
     </a:ext>
   </a:extLst>
 </a:theme>
@@ -16380,7 +16463,7 @@
     </a:clrScheme>
     <a:fontScheme name="Office">
       <a:majorFont>
-        <a:latin typeface="Calibri Light" panose="020F0302020204030204"/>
+        <a:latin typeface="Calibri Light"/>
         <a:ea typeface=""/>
         <a:cs typeface=""/>
         <a:font script="Jpan" typeface="游ゴシック Light"/>
@@ -16415,7 +16498,7 @@
         <a:font script="Geor" typeface="Sylfaen"/>
       </a:majorFont>
       <a:minorFont>
-        <a:latin typeface="Calibri" panose="020F0502020204030204"/>
+        <a:latin typeface="Calibri"/>
         <a:ea typeface=""/>
         <a:cs typeface=""/>
         <a:font script="Jpan" typeface="游ゴシック"/>
@@ -16592,7 +16675,7 @@
   <a:extraClrSchemeLst/>
   <a:extLst>
     <a:ext uri="{05A4C25C-085E-4340-85A3-A5531E510DB2}">
-      <thm15:themeFamily xmlns:thm15="http://schemas.microsoft.com/office/thememl/2012/main" name="Office Theme" id="{62F939B6-93AF-4DB8-9C6B-D6C7DFDC589F}" vid="{4A3C46E8-61CC-4603-A589-7422A47A8E4A}"/>
+      <thm15:themeFamily xmlns:thm15="http://schemas.microsoft.com/office/thememl/2012/main" xmlns="" name="Office Theme" id="{62F939B6-93AF-4DB8-9C6B-D6C7DFDC589F}" vid="{4A3C46E8-61CC-4603-A589-7422A47A8E4A}"/>
     </a:ext>
   </a:extLst>
 </a:theme>

--- a/Presentation Cloud.pptx
+++ b/Presentation Cloud.pptx
@@ -4,15 +4,23 @@
   <p:sldMasterIdLst>
     <p:sldMasterId id="2147483660" r:id="rId1"/>
   </p:sldMasterIdLst>
+  <p:notesMasterIdLst>
+    <p:notesMasterId r:id="rId15"/>
+  </p:notesMasterIdLst>
   <p:sldIdLst>
     <p:sldId id="256" r:id="rId2"/>
     <p:sldId id="257" r:id="rId3"/>
     <p:sldId id="258" r:id="rId4"/>
     <p:sldId id="259" r:id="rId5"/>
-    <p:sldId id="260" r:id="rId6"/>
-    <p:sldId id="261" r:id="rId7"/>
-    <p:sldId id="262" r:id="rId8"/>
-    <p:sldId id="263" r:id="rId9"/>
+    <p:sldId id="265" r:id="rId6"/>
+    <p:sldId id="266" r:id="rId7"/>
+    <p:sldId id="260" r:id="rId8"/>
+    <p:sldId id="261" r:id="rId9"/>
+    <p:sldId id="262" r:id="rId10"/>
+    <p:sldId id="269" r:id="rId11"/>
+    <p:sldId id="268" r:id="rId12"/>
+    <p:sldId id="263" r:id="rId13"/>
+    <p:sldId id="264" r:id="rId14"/>
   </p:sldIdLst>
   <p:sldSz cx="12192000" cy="6858000"/>
   <p:notesSz cx="6858000" cy="9144000"/>
@@ -111,11 +119,974 @@
       </a:defRPr>
     </a:lvl9pPr>
   </p:defaultTextStyle>
+  <p:extLst>
+    <p:ext uri="{EFAFB233-063F-42B5-8137-9DF3F51BA10A}">
+      <p15:sldGuideLst xmlns:p15="http://schemas.microsoft.com/office/powerpoint/2012/main" xmlns=""/>
+    </p:ext>
+  </p:extLst>
 </p:presentation>
+</file>
+
+<file path=ppt/commentAuthors.xml><?xml version="1.0" encoding="utf-8"?>
+<p:cmAuthorLst xmlns:a="http://schemas.openxmlformats.org/drawingml/2006/main" xmlns:r="http://schemas.openxmlformats.org/officeDocument/2006/relationships" xmlns:p="http://schemas.openxmlformats.org/presentationml/2006/main">
+  <p:cmAuthor id="1" name="VARREL LILIAN p1307363" initials="VLp" lastIdx="0" clrIdx="0">
+    <p:extLst>
+      <p:ext uri="{19B8F6BF-5375-455C-9EA6-DF929625EA0E}">
+        <p15:presenceInfo xmlns:p15="http://schemas.microsoft.com/office/powerpoint/2012/main" xmlns="" userId="VARREL LILIAN p1307363" providerId="None"/>
+      </p:ext>
+    </p:extLst>
+  </p:cmAuthor>
+</p:cmAuthorLst>
 </file>
 
 <file path=ppt/revisionInfo.xml><?xml version="1.0" encoding="utf-8"?>
 <p1510:revInfo xmlns:a="http://schemas.openxmlformats.org/drawingml/2006/main" xmlns:r="http://schemas.openxmlformats.org/officeDocument/2006/relationships" xmlns:p1510="http://schemas.microsoft.com/office/powerpoint/2015/10/main"/>
+</file>
+
+<file path=ppt/notesMasters/notesMaster1.xml><?xml version="1.0" encoding="utf-8"?>
+<p:notesMaster xmlns:a="http://schemas.openxmlformats.org/drawingml/2006/main" xmlns:r="http://schemas.openxmlformats.org/officeDocument/2006/relationships" xmlns:p="http://schemas.openxmlformats.org/presentationml/2006/main">
+  <p:cSld>
+    <p:bg>
+      <p:bgRef idx="1001">
+        <a:schemeClr val="bg1"/>
+      </p:bgRef>
+    </p:bg>
+    <p:spTree>
+      <p:nvGrpSpPr>
+        <p:cNvPr id="1" name=""/>
+        <p:cNvGrpSpPr/>
+        <p:nvPr/>
+      </p:nvGrpSpPr>
+      <p:grpSpPr>
+        <a:xfrm>
+          <a:off x="0" y="0"/>
+          <a:ext cx="0" cy="0"/>
+          <a:chOff x="0" y="0"/>
+          <a:chExt cx="0" cy="0"/>
+        </a:xfrm>
+      </p:grpSpPr>
+      <p:sp>
+        <p:nvSpPr>
+          <p:cNvPr id="2" name="Espace réservé de l'en-tête 1"/>
+          <p:cNvSpPr>
+            <a:spLocks noGrp="1"/>
+          </p:cNvSpPr>
+          <p:nvPr>
+            <p:ph type="hdr" sz="quarter"/>
+          </p:nvPr>
+        </p:nvSpPr>
+        <p:spPr>
+          <a:xfrm>
+            <a:off x="0" y="0"/>
+            <a:ext cx="2971800" cy="458788"/>
+          </a:xfrm>
+          <a:prstGeom prst="rect">
+            <a:avLst/>
+          </a:prstGeom>
+        </p:spPr>
+        <p:txBody>
+          <a:bodyPr vert="horz" lIns="91440" tIns="45720" rIns="91440" bIns="45720" rtlCol="0"/>
+          <a:lstStyle>
+            <a:lvl1pPr algn="l">
+              <a:defRPr sz="1200"/>
+            </a:lvl1pPr>
+          </a:lstStyle>
+          <a:p>
+            <a:endParaRPr lang="fr-FR"/>
+          </a:p>
+        </p:txBody>
+      </p:sp>
+      <p:sp>
+        <p:nvSpPr>
+          <p:cNvPr id="3" name="Espace réservé de la date 2"/>
+          <p:cNvSpPr>
+            <a:spLocks noGrp="1"/>
+          </p:cNvSpPr>
+          <p:nvPr>
+            <p:ph type="dt" idx="1"/>
+          </p:nvPr>
+        </p:nvSpPr>
+        <p:spPr>
+          <a:xfrm>
+            <a:off x="3884613" y="0"/>
+            <a:ext cx="2971800" cy="458788"/>
+          </a:xfrm>
+          <a:prstGeom prst="rect">
+            <a:avLst/>
+          </a:prstGeom>
+        </p:spPr>
+        <p:txBody>
+          <a:bodyPr vert="horz" lIns="91440" tIns="45720" rIns="91440" bIns="45720" rtlCol="0"/>
+          <a:lstStyle>
+            <a:lvl1pPr algn="r">
+              <a:defRPr sz="1200"/>
+            </a:lvl1pPr>
+          </a:lstStyle>
+          <a:p>
+            <a:fld id="{1679012D-8AD0-46EB-9C5F-83305F195B36}" type="datetimeFigureOut">
+              <a:rPr lang="fr-FR" smtClean="0"/>
+              <a:pPr/>
+              <a:t>25/11/2017</a:t>
+            </a:fld>
+            <a:endParaRPr lang="fr-FR"/>
+          </a:p>
+        </p:txBody>
+      </p:sp>
+      <p:sp>
+        <p:nvSpPr>
+          <p:cNvPr id="4" name="Espace réservé de l'image des diapositives 3"/>
+          <p:cNvSpPr>
+            <a:spLocks noGrp="1" noRot="1" noChangeAspect="1"/>
+          </p:cNvSpPr>
+          <p:nvPr>
+            <p:ph type="sldImg" idx="2"/>
+          </p:nvPr>
+        </p:nvSpPr>
+        <p:spPr>
+          <a:xfrm>
+            <a:off x="685800" y="1143000"/>
+            <a:ext cx="5486400" cy="3086100"/>
+          </a:xfrm>
+          <a:prstGeom prst="rect">
+            <a:avLst/>
+          </a:prstGeom>
+          <a:noFill/>
+          <a:ln w="12700">
+            <a:solidFill>
+              <a:prstClr val="black"/>
+            </a:solidFill>
+          </a:ln>
+        </p:spPr>
+        <p:txBody>
+          <a:bodyPr vert="horz" lIns="91440" tIns="45720" rIns="91440" bIns="45720" rtlCol="0" anchor="ctr"/>
+          <a:lstStyle/>
+          <a:p>
+            <a:endParaRPr lang="fr-FR"/>
+          </a:p>
+        </p:txBody>
+      </p:sp>
+      <p:sp>
+        <p:nvSpPr>
+          <p:cNvPr id="5" name="Espace réservé des notes 4"/>
+          <p:cNvSpPr>
+            <a:spLocks noGrp="1"/>
+          </p:cNvSpPr>
+          <p:nvPr>
+            <p:ph type="body" sz="quarter" idx="3"/>
+          </p:nvPr>
+        </p:nvSpPr>
+        <p:spPr>
+          <a:xfrm>
+            <a:off x="685800" y="4400550"/>
+            <a:ext cx="5486400" cy="3600450"/>
+          </a:xfrm>
+          <a:prstGeom prst="rect">
+            <a:avLst/>
+          </a:prstGeom>
+        </p:spPr>
+        <p:txBody>
+          <a:bodyPr vert="horz" lIns="91440" tIns="45720" rIns="91440" bIns="45720" rtlCol="0"/>
+          <a:lstStyle/>
+          <a:p>
+            <a:pPr lvl="0"/>
+            <a:r>
+              <a:rPr lang="fr-FR"/>
+              <a:t>Modifier les styles du texte du masque</a:t>
+            </a:r>
+          </a:p>
+          <a:p>
+            <a:pPr lvl="1"/>
+            <a:r>
+              <a:rPr lang="fr-FR"/>
+              <a:t>Deuxième niveau</a:t>
+            </a:r>
+          </a:p>
+          <a:p>
+            <a:pPr lvl="2"/>
+            <a:r>
+              <a:rPr lang="fr-FR"/>
+              <a:t>Troisième niveau</a:t>
+            </a:r>
+          </a:p>
+          <a:p>
+            <a:pPr lvl="3"/>
+            <a:r>
+              <a:rPr lang="fr-FR"/>
+              <a:t>Quatrième niveau</a:t>
+            </a:r>
+          </a:p>
+          <a:p>
+            <a:pPr lvl="4"/>
+            <a:r>
+              <a:rPr lang="fr-FR"/>
+              <a:t>Cinquième niveau</a:t>
+            </a:r>
+          </a:p>
+        </p:txBody>
+      </p:sp>
+      <p:sp>
+        <p:nvSpPr>
+          <p:cNvPr id="6" name="Espace réservé du pied de page 5"/>
+          <p:cNvSpPr>
+            <a:spLocks noGrp="1"/>
+          </p:cNvSpPr>
+          <p:nvPr>
+            <p:ph type="ftr" sz="quarter" idx="4"/>
+          </p:nvPr>
+        </p:nvSpPr>
+        <p:spPr>
+          <a:xfrm>
+            <a:off x="0" y="8685213"/>
+            <a:ext cx="2971800" cy="458787"/>
+          </a:xfrm>
+          <a:prstGeom prst="rect">
+            <a:avLst/>
+          </a:prstGeom>
+        </p:spPr>
+        <p:txBody>
+          <a:bodyPr vert="horz" lIns="91440" tIns="45720" rIns="91440" bIns="45720" rtlCol="0" anchor="b"/>
+          <a:lstStyle>
+            <a:lvl1pPr algn="l">
+              <a:defRPr sz="1200"/>
+            </a:lvl1pPr>
+          </a:lstStyle>
+          <a:p>
+            <a:endParaRPr lang="fr-FR"/>
+          </a:p>
+        </p:txBody>
+      </p:sp>
+      <p:sp>
+        <p:nvSpPr>
+          <p:cNvPr id="7" name="Espace réservé du numéro de diapositive 6"/>
+          <p:cNvSpPr>
+            <a:spLocks noGrp="1"/>
+          </p:cNvSpPr>
+          <p:nvPr>
+            <p:ph type="sldNum" sz="quarter" idx="5"/>
+          </p:nvPr>
+        </p:nvSpPr>
+        <p:spPr>
+          <a:xfrm>
+            <a:off x="3884613" y="8685213"/>
+            <a:ext cx="2971800" cy="458787"/>
+          </a:xfrm>
+          <a:prstGeom prst="rect">
+            <a:avLst/>
+          </a:prstGeom>
+        </p:spPr>
+        <p:txBody>
+          <a:bodyPr vert="horz" lIns="91440" tIns="45720" rIns="91440" bIns="45720" rtlCol="0" anchor="b"/>
+          <a:lstStyle>
+            <a:lvl1pPr algn="r">
+              <a:defRPr sz="1200"/>
+            </a:lvl1pPr>
+          </a:lstStyle>
+          <a:p>
+            <a:fld id="{8C9430EA-2101-4193-B144-81AA5245BAB4}" type="slidenum">
+              <a:rPr lang="fr-FR" smtClean="0"/>
+              <a:pPr/>
+              <a:t>‹N°›</a:t>
+            </a:fld>
+            <a:endParaRPr lang="fr-FR"/>
+          </a:p>
+        </p:txBody>
+      </p:sp>
+    </p:spTree>
+    <p:extLst>
+      <p:ext uri="{BB962C8B-B14F-4D97-AF65-F5344CB8AC3E}">
+        <p14:creationId xmlns:p14="http://schemas.microsoft.com/office/powerpoint/2010/main" xmlns="" val="3761400281"/>
+      </p:ext>
+    </p:extLst>
+  </p:cSld>
+  <p:clrMap bg1="lt1" tx1="dk1" bg2="lt2" tx2="dk2" accent1="accent1" accent2="accent2" accent3="accent3" accent4="accent4" accent5="accent5" accent6="accent6" hlink="hlink" folHlink="folHlink"/>
+  <p:notesStyle>
+    <a:lvl1pPr marL="0" algn="l" defTabSz="914400" rtl="0" eaLnBrk="1" latinLnBrk="0" hangingPunct="1">
+      <a:defRPr sz="1200" kern="1200">
+        <a:solidFill>
+          <a:schemeClr val="tx1"/>
+        </a:solidFill>
+        <a:latin typeface="+mn-lt"/>
+        <a:ea typeface="+mn-ea"/>
+        <a:cs typeface="+mn-cs"/>
+      </a:defRPr>
+    </a:lvl1pPr>
+    <a:lvl2pPr marL="457200" algn="l" defTabSz="914400" rtl="0" eaLnBrk="1" latinLnBrk="0" hangingPunct="1">
+      <a:defRPr sz="1200" kern="1200">
+        <a:solidFill>
+          <a:schemeClr val="tx1"/>
+        </a:solidFill>
+        <a:latin typeface="+mn-lt"/>
+        <a:ea typeface="+mn-ea"/>
+        <a:cs typeface="+mn-cs"/>
+      </a:defRPr>
+    </a:lvl2pPr>
+    <a:lvl3pPr marL="914400" algn="l" defTabSz="914400" rtl="0" eaLnBrk="1" latinLnBrk="0" hangingPunct="1">
+      <a:defRPr sz="1200" kern="1200">
+        <a:solidFill>
+          <a:schemeClr val="tx1"/>
+        </a:solidFill>
+        <a:latin typeface="+mn-lt"/>
+        <a:ea typeface="+mn-ea"/>
+        <a:cs typeface="+mn-cs"/>
+      </a:defRPr>
+    </a:lvl3pPr>
+    <a:lvl4pPr marL="1371600" algn="l" defTabSz="914400" rtl="0" eaLnBrk="1" latinLnBrk="0" hangingPunct="1">
+      <a:defRPr sz="1200" kern="1200">
+        <a:solidFill>
+          <a:schemeClr val="tx1"/>
+        </a:solidFill>
+        <a:latin typeface="+mn-lt"/>
+        <a:ea typeface="+mn-ea"/>
+        <a:cs typeface="+mn-cs"/>
+      </a:defRPr>
+    </a:lvl4pPr>
+    <a:lvl5pPr marL="1828800" algn="l" defTabSz="914400" rtl="0" eaLnBrk="1" latinLnBrk="0" hangingPunct="1">
+      <a:defRPr sz="1200" kern="1200">
+        <a:solidFill>
+          <a:schemeClr val="tx1"/>
+        </a:solidFill>
+        <a:latin typeface="+mn-lt"/>
+        <a:ea typeface="+mn-ea"/>
+        <a:cs typeface="+mn-cs"/>
+      </a:defRPr>
+    </a:lvl5pPr>
+    <a:lvl6pPr marL="2286000" algn="l" defTabSz="914400" rtl="0" eaLnBrk="1" latinLnBrk="0" hangingPunct="1">
+      <a:defRPr sz="1200" kern="1200">
+        <a:solidFill>
+          <a:schemeClr val="tx1"/>
+        </a:solidFill>
+        <a:latin typeface="+mn-lt"/>
+        <a:ea typeface="+mn-ea"/>
+        <a:cs typeface="+mn-cs"/>
+      </a:defRPr>
+    </a:lvl6pPr>
+    <a:lvl7pPr marL="2743200" algn="l" defTabSz="914400" rtl="0" eaLnBrk="1" latinLnBrk="0" hangingPunct="1">
+      <a:defRPr sz="1200" kern="1200">
+        <a:solidFill>
+          <a:schemeClr val="tx1"/>
+        </a:solidFill>
+        <a:latin typeface="+mn-lt"/>
+        <a:ea typeface="+mn-ea"/>
+        <a:cs typeface="+mn-cs"/>
+      </a:defRPr>
+    </a:lvl7pPr>
+    <a:lvl8pPr marL="3200400" algn="l" defTabSz="914400" rtl="0" eaLnBrk="1" latinLnBrk="0" hangingPunct="1">
+      <a:defRPr sz="1200" kern="1200">
+        <a:solidFill>
+          <a:schemeClr val="tx1"/>
+        </a:solidFill>
+        <a:latin typeface="+mn-lt"/>
+        <a:ea typeface="+mn-ea"/>
+        <a:cs typeface="+mn-cs"/>
+      </a:defRPr>
+    </a:lvl8pPr>
+    <a:lvl9pPr marL="3657600" algn="l" defTabSz="914400" rtl="0" eaLnBrk="1" latinLnBrk="0" hangingPunct="1">
+      <a:defRPr sz="1200" kern="1200">
+        <a:solidFill>
+          <a:schemeClr val="tx1"/>
+        </a:solidFill>
+        <a:latin typeface="+mn-lt"/>
+        <a:ea typeface="+mn-ea"/>
+        <a:cs typeface="+mn-cs"/>
+      </a:defRPr>
+    </a:lvl9pPr>
+  </p:notesStyle>
+</p:notesMaster>
+</file>
+
+<file path=ppt/notesSlides/notesSlide1.xml><?xml version="1.0" encoding="utf-8"?>
+<p:notes xmlns:a="http://schemas.openxmlformats.org/drawingml/2006/main" xmlns:r="http://schemas.openxmlformats.org/officeDocument/2006/relationships" xmlns:p="http://schemas.openxmlformats.org/presentationml/2006/main">
+  <p:cSld>
+    <p:spTree>
+      <p:nvGrpSpPr>
+        <p:cNvPr id="1" name=""/>
+        <p:cNvGrpSpPr/>
+        <p:nvPr/>
+      </p:nvGrpSpPr>
+      <p:grpSpPr>
+        <a:xfrm>
+          <a:off x="0" y="0"/>
+          <a:ext cx="0" cy="0"/>
+          <a:chOff x="0" y="0"/>
+          <a:chExt cx="0" cy="0"/>
+        </a:xfrm>
+      </p:grpSpPr>
+      <p:sp>
+        <p:nvSpPr>
+          <p:cNvPr id="2" name="Espace réservé de l'image des diapositives 1"/>
+          <p:cNvSpPr>
+            <a:spLocks noGrp="1" noRot="1" noChangeAspect="1"/>
+          </p:cNvSpPr>
+          <p:nvPr>
+            <p:ph type="sldImg"/>
+          </p:nvPr>
+        </p:nvSpPr>
+        <p:spPr/>
+      </p:sp>
+      <p:sp>
+        <p:nvSpPr>
+          <p:cNvPr id="3" name="Espace réservé des notes 2"/>
+          <p:cNvSpPr>
+            <a:spLocks noGrp="1"/>
+          </p:cNvSpPr>
+          <p:nvPr>
+            <p:ph type="body" idx="1"/>
+          </p:nvPr>
+        </p:nvSpPr>
+        <p:spPr/>
+        <p:txBody>
+          <a:bodyPr/>
+          <a:lstStyle/>
+          <a:p>
+            <a:r>
+              <a:rPr lang="fr-FR" dirty="0"/>
+              <a:t>1 schéma global + des explications de l'architecture déployée</a:t>
+            </a:r>
+          </a:p>
+          <a:p>
+            <a:r>
+              <a:rPr lang="fr-FR" dirty="0"/>
+              <a:t>Expliquer l'évolution de l'architecture mise en place</a:t>
+            </a:r>
+          </a:p>
+          <a:p>
+            <a:endParaRPr lang="fr-FR" dirty="0"/>
+          </a:p>
+        </p:txBody>
+      </p:sp>
+      <p:sp>
+        <p:nvSpPr>
+          <p:cNvPr id="4" name="Espace réservé du numéro de diapositive 3"/>
+          <p:cNvSpPr>
+            <a:spLocks noGrp="1"/>
+          </p:cNvSpPr>
+          <p:nvPr>
+            <p:ph type="sldNum" sz="quarter" idx="10"/>
+          </p:nvPr>
+        </p:nvSpPr>
+        <p:spPr/>
+        <p:txBody>
+          <a:bodyPr/>
+          <a:lstStyle/>
+          <a:p>
+            <a:fld id="{8C9430EA-2101-4193-B144-81AA5245BAB4}" type="slidenum">
+              <a:rPr lang="fr-FR" smtClean="0"/>
+              <a:pPr/>
+              <a:t>3</a:t>
+            </a:fld>
+            <a:endParaRPr lang="fr-FR"/>
+          </a:p>
+        </p:txBody>
+      </p:sp>
+    </p:spTree>
+    <p:extLst>
+      <p:ext uri="{BB962C8B-B14F-4D97-AF65-F5344CB8AC3E}">
+        <p14:creationId xmlns:p14="http://schemas.microsoft.com/office/powerpoint/2010/main" xmlns="" val="3894418767"/>
+      </p:ext>
+    </p:extLst>
+  </p:cSld>
+  <p:clrMapOvr>
+    <a:masterClrMapping/>
+  </p:clrMapOvr>
+</p:notes>
+</file>
+
+<file path=ppt/notesSlides/notesSlide2.xml><?xml version="1.0" encoding="utf-8"?>
+<p:notes xmlns:a="http://schemas.openxmlformats.org/drawingml/2006/main" xmlns:r="http://schemas.openxmlformats.org/officeDocument/2006/relationships" xmlns:p="http://schemas.openxmlformats.org/presentationml/2006/main">
+  <p:cSld>
+    <p:spTree>
+      <p:nvGrpSpPr>
+        <p:cNvPr id="1" name=""/>
+        <p:cNvGrpSpPr/>
+        <p:nvPr/>
+      </p:nvGrpSpPr>
+      <p:grpSpPr>
+        <a:xfrm>
+          <a:off x="0" y="0"/>
+          <a:ext cx="0" cy="0"/>
+          <a:chOff x="0" y="0"/>
+          <a:chExt cx="0" cy="0"/>
+        </a:xfrm>
+      </p:grpSpPr>
+      <p:sp>
+        <p:nvSpPr>
+          <p:cNvPr id="2" name="Espace réservé de l'image des diapositives 1"/>
+          <p:cNvSpPr>
+            <a:spLocks noGrp="1" noRot="1" noChangeAspect="1"/>
+          </p:cNvSpPr>
+          <p:nvPr>
+            <p:ph type="sldImg"/>
+          </p:nvPr>
+        </p:nvSpPr>
+        <p:spPr/>
+      </p:sp>
+      <p:sp>
+        <p:nvSpPr>
+          <p:cNvPr id="3" name="Espace réservé des notes 2"/>
+          <p:cNvSpPr>
+            <a:spLocks noGrp="1"/>
+          </p:cNvSpPr>
+          <p:nvPr>
+            <p:ph type="body" idx="1"/>
+          </p:nvPr>
+        </p:nvSpPr>
+        <p:spPr/>
+        <p:txBody>
+          <a:bodyPr/>
+          <a:lstStyle/>
+          <a:p>
+            <a:r>
+              <a:rPr lang="fr-FR" dirty="0"/>
+              <a:t>Expliquer les choix techniques des technologies utilisées (côté serveur)</a:t>
+            </a:r>
+          </a:p>
+          <a:p>
+            <a:r>
+              <a:rPr lang="fr-FR" dirty="0"/>
+              <a:t>Avantages et inconvénients des technologies utilisées</a:t>
+            </a:r>
+          </a:p>
+          <a:p>
+            <a:r>
+              <a:rPr lang="fr-FR" dirty="0"/>
+              <a:t>Est-ce que ces choix étaient les bons ?</a:t>
+            </a:r>
+          </a:p>
+          <a:p>
+            <a:endParaRPr lang="fr-FR" dirty="0"/>
+          </a:p>
+        </p:txBody>
+      </p:sp>
+      <p:sp>
+        <p:nvSpPr>
+          <p:cNvPr id="4" name="Espace réservé du numéro de diapositive 3"/>
+          <p:cNvSpPr>
+            <a:spLocks noGrp="1"/>
+          </p:cNvSpPr>
+          <p:nvPr>
+            <p:ph type="sldNum" sz="quarter" idx="10"/>
+          </p:nvPr>
+        </p:nvSpPr>
+        <p:spPr/>
+        <p:txBody>
+          <a:bodyPr/>
+          <a:lstStyle/>
+          <a:p>
+            <a:fld id="{8C9430EA-2101-4193-B144-81AA5245BAB4}" type="slidenum">
+              <a:rPr lang="fr-FR" smtClean="0"/>
+              <a:pPr/>
+              <a:t>4</a:t>
+            </a:fld>
+            <a:endParaRPr lang="fr-FR"/>
+          </a:p>
+        </p:txBody>
+      </p:sp>
+    </p:spTree>
+    <p:extLst>
+      <p:ext uri="{BB962C8B-B14F-4D97-AF65-F5344CB8AC3E}">
+        <p14:creationId xmlns:p14="http://schemas.microsoft.com/office/powerpoint/2010/main" xmlns="" val="3209010627"/>
+      </p:ext>
+    </p:extLst>
+  </p:cSld>
+  <p:clrMapOvr>
+    <a:masterClrMapping/>
+  </p:clrMapOvr>
+</p:notes>
+</file>
+
+<file path=ppt/notesSlides/notesSlide3.xml><?xml version="1.0" encoding="utf-8"?>
+<p:notes xmlns:a="http://schemas.openxmlformats.org/drawingml/2006/main" xmlns:r="http://schemas.openxmlformats.org/officeDocument/2006/relationships" xmlns:p="http://schemas.openxmlformats.org/presentationml/2006/main">
+  <p:cSld>
+    <p:spTree>
+      <p:nvGrpSpPr>
+        <p:cNvPr id="1" name=""/>
+        <p:cNvGrpSpPr/>
+        <p:nvPr/>
+      </p:nvGrpSpPr>
+      <p:grpSpPr>
+        <a:xfrm>
+          <a:off x="0" y="0"/>
+          <a:ext cx="0" cy="0"/>
+          <a:chOff x="0" y="0"/>
+          <a:chExt cx="0" cy="0"/>
+        </a:xfrm>
+      </p:grpSpPr>
+      <p:sp>
+        <p:nvSpPr>
+          <p:cNvPr id="2" name="Espace réservé de l'image des diapositives 1"/>
+          <p:cNvSpPr>
+            <a:spLocks noGrp="1" noRot="1" noChangeAspect="1"/>
+          </p:cNvSpPr>
+          <p:nvPr>
+            <p:ph type="sldImg"/>
+          </p:nvPr>
+        </p:nvSpPr>
+        <p:spPr/>
+      </p:sp>
+      <p:sp>
+        <p:nvSpPr>
+          <p:cNvPr id="3" name="Espace réservé des notes 2"/>
+          <p:cNvSpPr>
+            <a:spLocks noGrp="1"/>
+          </p:cNvSpPr>
+          <p:nvPr>
+            <p:ph type="body" idx="1"/>
+          </p:nvPr>
+        </p:nvSpPr>
+        <p:spPr/>
+        <p:txBody>
+          <a:bodyPr/>
+          <a:lstStyle/>
+          <a:p>
+            <a:r>
+              <a:rPr lang="fr-FR" dirty="0"/>
+              <a:t>Expliquer les choix techniques des technologies utilisées (côté serveur)</a:t>
+            </a:r>
+          </a:p>
+          <a:p>
+            <a:r>
+              <a:rPr lang="fr-FR" dirty="0"/>
+              <a:t>Avantages et inconvénients des technologies utilisées</a:t>
+            </a:r>
+          </a:p>
+          <a:p>
+            <a:r>
+              <a:rPr lang="fr-FR" dirty="0"/>
+              <a:t>Est-ce que ces choix étaient les bons ?</a:t>
+            </a:r>
+          </a:p>
+          <a:p>
+            <a:endParaRPr lang="fr-FR" dirty="0"/>
+          </a:p>
+        </p:txBody>
+      </p:sp>
+      <p:sp>
+        <p:nvSpPr>
+          <p:cNvPr id="4" name="Espace réservé du numéro de diapositive 3"/>
+          <p:cNvSpPr>
+            <a:spLocks noGrp="1"/>
+          </p:cNvSpPr>
+          <p:nvPr>
+            <p:ph type="sldNum" sz="quarter" idx="10"/>
+          </p:nvPr>
+        </p:nvSpPr>
+        <p:spPr/>
+        <p:txBody>
+          <a:bodyPr/>
+          <a:lstStyle/>
+          <a:p>
+            <a:fld id="{8C9430EA-2101-4193-B144-81AA5245BAB4}" type="slidenum">
+              <a:rPr lang="fr-FR" smtClean="0"/>
+              <a:pPr/>
+              <a:t>5</a:t>
+            </a:fld>
+            <a:endParaRPr lang="fr-FR"/>
+          </a:p>
+        </p:txBody>
+      </p:sp>
+    </p:spTree>
+    <p:extLst>
+      <p:ext uri="{BB962C8B-B14F-4D97-AF65-F5344CB8AC3E}">
+        <p14:creationId xmlns:p14="http://schemas.microsoft.com/office/powerpoint/2010/main" xmlns="" val="4029215718"/>
+      </p:ext>
+    </p:extLst>
+  </p:cSld>
+  <p:clrMapOvr>
+    <a:masterClrMapping/>
+  </p:clrMapOvr>
+</p:notes>
+</file>
+
+<file path=ppt/notesSlides/notesSlide4.xml><?xml version="1.0" encoding="utf-8"?>
+<p:notes xmlns:a="http://schemas.openxmlformats.org/drawingml/2006/main" xmlns:r="http://schemas.openxmlformats.org/officeDocument/2006/relationships" xmlns:p="http://schemas.openxmlformats.org/presentationml/2006/main">
+  <p:cSld>
+    <p:spTree>
+      <p:nvGrpSpPr>
+        <p:cNvPr id="1" name=""/>
+        <p:cNvGrpSpPr/>
+        <p:nvPr/>
+      </p:nvGrpSpPr>
+      <p:grpSpPr>
+        <a:xfrm>
+          <a:off x="0" y="0"/>
+          <a:ext cx="0" cy="0"/>
+          <a:chOff x="0" y="0"/>
+          <a:chExt cx="0" cy="0"/>
+        </a:xfrm>
+      </p:grpSpPr>
+      <p:sp>
+        <p:nvSpPr>
+          <p:cNvPr id="2" name="Espace réservé de l'image des diapositives 1"/>
+          <p:cNvSpPr>
+            <a:spLocks noGrp="1" noRot="1" noChangeAspect="1"/>
+          </p:cNvSpPr>
+          <p:nvPr>
+            <p:ph type="sldImg"/>
+          </p:nvPr>
+        </p:nvSpPr>
+        <p:spPr/>
+      </p:sp>
+      <p:sp>
+        <p:nvSpPr>
+          <p:cNvPr id="3" name="Espace réservé des notes 2"/>
+          <p:cNvSpPr>
+            <a:spLocks noGrp="1"/>
+          </p:cNvSpPr>
+          <p:nvPr>
+            <p:ph type="body" idx="1"/>
+          </p:nvPr>
+        </p:nvSpPr>
+        <p:spPr/>
+        <p:txBody>
+          <a:bodyPr/>
+          <a:lstStyle/>
+          <a:p>
+            <a:r>
+              <a:rPr lang="fr-FR" dirty="0"/>
+              <a:t>Expliquer les choix techniques des technologies utilisées (côté serveur)</a:t>
+            </a:r>
+          </a:p>
+          <a:p>
+            <a:r>
+              <a:rPr lang="fr-FR" dirty="0"/>
+              <a:t>Avantages et inconvénients des technologies utilisées</a:t>
+            </a:r>
+          </a:p>
+          <a:p>
+            <a:r>
+              <a:rPr lang="fr-FR" dirty="0"/>
+              <a:t>Est-ce que ces choix étaient les bons ?</a:t>
+            </a:r>
+          </a:p>
+          <a:p>
+            <a:endParaRPr lang="fr-FR" dirty="0"/>
+          </a:p>
+        </p:txBody>
+      </p:sp>
+      <p:sp>
+        <p:nvSpPr>
+          <p:cNvPr id="4" name="Espace réservé du numéro de diapositive 3"/>
+          <p:cNvSpPr>
+            <a:spLocks noGrp="1"/>
+          </p:cNvSpPr>
+          <p:nvPr>
+            <p:ph type="sldNum" sz="quarter" idx="10"/>
+          </p:nvPr>
+        </p:nvSpPr>
+        <p:spPr/>
+        <p:txBody>
+          <a:bodyPr/>
+          <a:lstStyle/>
+          <a:p>
+            <a:fld id="{8C9430EA-2101-4193-B144-81AA5245BAB4}" type="slidenum">
+              <a:rPr lang="fr-FR" smtClean="0"/>
+              <a:pPr/>
+              <a:t>6</a:t>
+            </a:fld>
+            <a:endParaRPr lang="fr-FR"/>
+          </a:p>
+        </p:txBody>
+      </p:sp>
+    </p:spTree>
+    <p:extLst>
+      <p:ext uri="{BB962C8B-B14F-4D97-AF65-F5344CB8AC3E}">
+        <p14:creationId xmlns:p14="http://schemas.microsoft.com/office/powerpoint/2010/main" xmlns="" val="2098412962"/>
+      </p:ext>
+    </p:extLst>
+  </p:cSld>
+  <p:clrMapOvr>
+    <a:masterClrMapping/>
+  </p:clrMapOvr>
+</p:notes>
+</file>
+
+<file path=ppt/notesSlides/notesSlide5.xml><?xml version="1.0" encoding="utf-8"?>
+<p:notes xmlns:a="http://schemas.openxmlformats.org/drawingml/2006/main" xmlns:r="http://schemas.openxmlformats.org/officeDocument/2006/relationships" xmlns:p="http://schemas.openxmlformats.org/presentationml/2006/main">
+  <p:cSld>
+    <p:spTree>
+      <p:nvGrpSpPr>
+        <p:cNvPr id="1" name=""/>
+        <p:cNvGrpSpPr/>
+        <p:nvPr/>
+      </p:nvGrpSpPr>
+      <p:grpSpPr>
+        <a:xfrm>
+          <a:off x="0" y="0"/>
+          <a:ext cx="0" cy="0"/>
+          <a:chOff x="0" y="0"/>
+          <a:chExt cx="0" cy="0"/>
+        </a:xfrm>
+      </p:grpSpPr>
+      <p:sp>
+        <p:nvSpPr>
+          <p:cNvPr id="2" name="Espace réservé de l'image des diapositives 1"/>
+          <p:cNvSpPr>
+            <a:spLocks noGrp="1" noRot="1" noChangeAspect="1"/>
+          </p:cNvSpPr>
+          <p:nvPr>
+            <p:ph type="sldImg"/>
+          </p:nvPr>
+        </p:nvSpPr>
+        <p:spPr/>
+      </p:sp>
+      <p:sp>
+        <p:nvSpPr>
+          <p:cNvPr id="3" name="Espace réservé des notes 2"/>
+          <p:cNvSpPr>
+            <a:spLocks noGrp="1"/>
+          </p:cNvSpPr>
+          <p:nvPr>
+            <p:ph type="body" idx="1"/>
+          </p:nvPr>
+        </p:nvSpPr>
+        <p:spPr/>
+        <p:txBody>
+          <a:bodyPr/>
+          <a:lstStyle/>
+          <a:p>
+            <a:r>
+              <a:rPr lang="fr-FR" dirty="0"/>
+              <a:t>On efface tout ce qu'il y a sur le serveur et on mesure le temps de </a:t>
+            </a:r>
+            <a:r>
+              <a:rPr lang="fr-FR" dirty="0" err="1"/>
+              <a:t>ré-installation</a:t>
+            </a:r>
+            <a:r>
+              <a:rPr lang="fr-FR" dirty="0"/>
+              <a:t> </a:t>
+            </a:r>
+            <a:r>
+              <a:rPr lang="fr-FR" dirty="0" err="1"/>
+              <a:t>from</a:t>
+            </a:r>
+            <a:r>
+              <a:rPr lang="fr-FR" dirty="0"/>
+              <a:t> scratch</a:t>
+            </a:r>
+          </a:p>
+        </p:txBody>
+      </p:sp>
+      <p:sp>
+        <p:nvSpPr>
+          <p:cNvPr id="4" name="Espace réservé du numéro de diapositive 3"/>
+          <p:cNvSpPr>
+            <a:spLocks noGrp="1"/>
+          </p:cNvSpPr>
+          <p:nvPr>
+            <p:ph type="sldNum" sz="quarter" idx="10"/>
+          </p:nvPr>
+        </p:nvSpPr>
+        <p:spPr/>
+        <p:txBody>
+          <a:bodyPr/>
+          <a:lstStyle/>
+          <a:p>
+            <a:fld id="{8C9430EA-2101-4193-B144-81AA5245BAB4}" type="slidenum">
+              <a:rPr lang="fr-FR" smtClean="0"/>
+              <a:pPr/>
+              <a:t>7</a:t>
+            </a:fld>
+            <a:endParaRPr lang="fr-FR"/>
+          </a:p>
+        </p:txBody>
+      </p:sp>
+    </p:spTree>
+    <p:extLst>
+      <p:ext uri="{BB962C8B-B14F-4D97-AF65-F5344CB8AC3E}">
+        <p14:creationId xmlns:p14="http://schemas.microsoft.com/office/powerpoint/2010/main" xmlns="" val="1002701891"/>
+      </p:ext>
+    </p:extLst>
+  </p:cSld>
+  <p:clrMapOvr>
+    <a:masterClrMapping/>
+  </p:clrMapOvr>
+</p:notes>
+</file>
+
+<file path=ppt/notesSlides/notesSlide6.xml><?xml version="1.0" encoding="utf-8"?>
+<p:notes xmlns:a="http://schemas.openxmlformats.org/drawingml/2006/main" xmlns:r="http://schemas.openxmlformats.org/officeDocument/2006/relationships" xmlns:p="http://schemas.openxmlformats.org/presentationml/2006/main">
+  <p:cSld>
+    <p:spTree>
+      <p:nvGrpSpPr>
+        <p:cNvPr id="1" name=""/>
+        <p:cNvGrpSpPr/>
+        <p:nvPr/>
+      </p:nvGrpSpPr>
+      <p:grpSpPr>
+        <a:xfrm>
+          <a:off x="0" y="0"/>
+          <a:ext cx="0" cy="0"/>
+          <a:chOff x="0" y="0"/>
+          <a:chExt cx="0" cy="0"/>
+        </a:xfrm>
+      </p:grpSpPr>
+      <p:sp>
+        <p:nvSpPr>
+          <p:cNvPr id="2" name="Espace réservé de l'image des diapositives 1"/>
+          <p:cNvSpPr>
+            <a:spLocks noGrp="1" noRot="1" noChangeAspect="1"/>
+          </p:cNvSpPr>
+          <p:nvPr>
+            <p:ph type="sldImg"/>
+          </p:nvPr>
+        </p:nvSpPr>
+        <p:spPr/>
+      </p:sp>
+      <p:sp>
+        <p:nvSpPr>
+          <p:cNvPr id="3" name="Espace réservé des notes 2"/>
+          <p:cNvSpPr>
+            <a:spLocks noGrp="1"/>
+          </p:cNvSpPr>
+          <p:nvPr>
+            <p:ph type="body" idx="1"/>
+          </p:nvPr>
+        </p:nvSpPr>
+        <p:spPr/>
+        <p:txBody>
+          <a:bodyPr/>
+          <a:lstStyle/>
+          <a:p>
+            <a:endParaRPr lang="fr-FR" dirty="0"/>
+          </a:p>
+        </p:txBody>
+      </p:sp>
+      <p:sp>
+        <p:nvSpPr>
+          <p:cNvPr id="4" name="Espace réservé du numéro de diapositive 3"/>
+          <p:cNvSpPr>
+            <a:spLocks noGrp="1"/>
+          </p:cNvSpPr>
+          <p:nvPr>
+            <p:ph type="sldNum" sz="quarter" idx="10"/>
+          </p:nvPr>
+        </p:nvSpPr>
+        <p:spPr/>
+        <p:txBody>
+          <a:bodyPr/>
+          <a:lstStyle/>
+          <a:p>
+            <a:fld id="{8C9430EA-2101-4193-B144-81AA5245BAB4}" type="slidenum">
+              <a:rPr lang="fr-FR" smtClean="0"/>
+              <a:pPr/>
+              <a:t>10</a:t>
+            </a:fld>
+            <a:endParaRPr lang="fr-FR"/>
+          </a:p>
+        </p:txBody>
+      </p:sp>
+    </p:spTree>
+    <p:extLst>
+      <p:ext uri="{BB962C8B-B14F-4D97-AF65-F5344CB8AC3E}">
+        <p14:creationId xmlns:p14="http://schemas.microsoft.com/office/powerpoint/2010/main" xmlns="" val="2946096343"/>
+      </p:ext>
+    </p:extLst>
+  </p:cSld>
+  <p:clrMapOvr>
+    <a:masterClrMapping/>
+  </p:clrMapOvr>
+</p:notes>
 </file>
 
 <file path=ppt/slideLayouts/slideLayout1.xml><?xml version="1.0" encoding="utf-8"?>
@@ -144,11 +1115,11 @@
           <p:nvPr/>
         </p:nvPicPr>
         <p:blipFill>
-          <a:blip r:embed="rId2">
+          <a:blip r:embed="rId2" cstate="print">
             <a:alphaModFix amt="30000"/>
             <a:extLst>
               <a:ext uri="{28A0092B-C50C-407E-A947-70E740481C1C}">
-                <a14:useLocalDpi xmlns:a14="http://schemas.microsoft.com/office/drawing/2010/main" val="0"/>
+                <a14:useLocalDpi xmlns:a14="http://schemas.microsoft.com/office/drawing/2010/main" xmlns="" val="0"/>
               </a:ext>
             </a:extLst>
           </a:blip>
@@ -168,7 +1139,7 @@
           <a:noFill/>
           <a:extLst>
             <a:ext uri="{909E8E84-426E-40dd-AFC4-6F175D3DCCD1}">
-              <a14:hiddenFill xmlns:a14="http://schemas.microsoft.com/office/drawing/2010/main" xmlns="">
+              <a14:hiddenFill xmlns="" xmlns:a14="http://schemas.microsoft.com/office/drawing/2010/main">
                 <a:solidFill>
                   <a:srgbClr val="FFFFFF"/>
                 </a:solidFill>
@@ -228,7 +1199,7 @@
             </a:ln>
             <a:extLst>
               <a:ext uri="{91240B29-F687-4f45-9708-019B960494DF}">
-                <a14:hiddenLine xmlns:a14="http://schemas.microsoft.com/office/drawing/2010/main" xmlns="" w="9525">
+                <a14:hiddenLine xmlns="" xmlns:a14="http://schemas.microsoft.com/office/drawing/2010/main" w="9525">
                   <a:solidFill>
                     <a:srgbClr val="000000"/>
                   </a:solidFill>
@@ -318,7 +1289,7 @@
             </a:ln>
             <a:extLst>
               <a:ext uri="{91240B29-F687-4f45-9708-019B960494DF}">
-                <a14:hiddenLine xmlns:a14="http://schemas.microsoft.com/office/drawing/2010/main" xmlns="" w="9525">
+                <a14:hiddenLine xmlns="" xmlns:a14="http://schemas.microsoft.com/office/drawing/2010/main" w="9525">
                   <a:solidFill>
                     <a:srgbClr val="000000"/>
                   </a:solidFill>
@@ -408,7 +1379,7 @@
             </a:ln>
             <a:extLst>
               <a:ext uri="{91240B29-F687-4f45-9708-019B960494DF}">
-                <a14:hiddenLine xmlns:a14="http://schemas.microsoft.com/office/drawing/2010/main" xmlns="" w="9525">
+                <a14:hiddenLine xmlns="" xmlns:a14="http://schemas.microsoft.com/office/drawing/2010/main" w="9525">
                   <a:solidFill>
                     <a:srgbClr val="000000"/>
                   </a:solidFill>
@@ -442,7 +1413,7 @@
             </a:ln>
             <a:extLst>
               <a:ext uri="{91240B29-F687-4f45-9708-019B960494DF}">
-                <a14:hiddenLine xmlns:a14="http://schemas.microsoft.com/office/drawing/2010/main" xmlns="" w="9525">
+                <a14:hiddenLine xmlns="" xmlns:a14="http://schemas.microsoft.com/office/drawing/2010/main" w="9525">
                   <a:solidFill>
                     <a:srgbClr val="000000"/>
                   </a:solidFill>
@@ -532,7 +1503,7 @@
             </a:ln>
             <a:extLst>
               <a:ext uri="{91240B29-F687-4f45-9708-019B960494DF}">
-                <a14:hiddenLine xmlns:a14="http://schemas.microsoft.com/office/drawing/2010/main" xmlns="" w="9525">
+                <a14:hiddenLine xmlns="" xmlns:a14="http://schemas.microsoft.com/office/drawing/2010/main" w="9525">
                   <a:solidFill>
                     <a:srgbClr val="000000"/>
                   </a:solidFill>
@@ -594,7 +1565,7 @@
             </a:ln>
             <a:extLst>
               <a:ext uri="{91240B29-F687-4f45-9708-019B960494DF}">
-                <a14:hiddenLine xmlns:a14="http://schemas.microsoft.com/office/drawing/2010/main" xmlns="" w="9525">
+                <a14:hiddenLine xmlns="" xmlns:a14="http://schemas.microsoft.com/office/drawing/2010/main" w="9525">
                   <a:solidFill>
                     <a:srgbClr val="000000"/>
                   </a:solidFill>
@@ -656,7 +1627,7 @@
             </a:ln>
             <a:extLst>
               <a:ext uri="{91240B29-F687-4f45-9708-019B960494DF}">
-                <a14:hiddenLine xmlns:a14="http://schemas.microsoft.com/office/drawing/2010/main" xmlns="" w="9525">
+                <a14:hiddenLine xmlns="" xmlns:a14="http://schemas.microsoft.com/office/drawing/2010/main" w="9525">
                   <a:solidFill>
                     <a:srgbClr val="000000"/>
                   </a:solidFill>
@@ -746,7 +1717,7 @@
             </a:ln>
             <a:extLst>
               <a:ext uri="{91240B29-F687-4f45-9708-019B960494DF}">
-                <a14:hiddenLine xmlns:a14="http://schemas.microsoft.com/office/drawing/2010/main" xmlns="" w="9525">
+                <a14:hiddenLine xmlns="" xmlns:a14="http://schemas.microsoft.com/office/drawing/2010/main" w="9525">
                   <a:solidFill>
                     <a:srgbClr val="000000"/>
                   </a:solidFill>
@@ -808,7 +1779,7 @@
             </a:ln>
             <a:extLst>
               <a:ext uri="{91240B29-F687-4f45-9708-019B960494DF}">
-                <a14:hiddenLine xmlns:a14="http://schemas.microsoft.com/office/drawing/2010/main" xmlns="" w="9525">
+                <a14:hiddenLine xmlns="" xmlns:a14="http://schemas.microsoft.com/office/drawing/2010/main" w="9525">
                   <a:solidFill>
                     <a:srgbClr val="000000"/>
                   </a:solidFill>
@@ -870,7 +1841,7 @@
             </a:ln>
             <a:extLst>
               <a:ext uri="{91240B29-F687-4f45-9708-019B960494DF}">
-                <a14:hiddenLine xmlns:a14="http://schemas.microsoft.com/office/drawing/2010/main" xmlns="" w="9525">
+                <a14:hiddenLine xmlns="" xmlns:a14="http://schemas.microsoft.com/office/drawing/2010/main" w="9525">
                   <a:solidFill>
                     <a:srgbClr val="000000"/>
                   </a:solidFill>
@@ -960,7 +1931,7 @@
             </a:ln>
             <a:extLst>
               <a:ext uri="{91240B29-F687-4f45-9708-019B960494DF}">
-                <a14:hiddenLine xmlns:a14="http://schemas.microsoft.com/office/drawing/2010/main" xmlns="" w="9525">
+                <a14:hiddenLine xmlns="" xmlns:a14="http://schemas.microsoft.com/office/drawing/2010/main" w="9525">
                   <a:solidFill>
                     <a:srgbClr val="000000"/>
                   </a:solidFill>
@@ -1050,7 +2021,7 @@
             </a:ln>
             <a:extLst>
               <a:ext uri="{91240B29-F687-4f45-9708-019B960494DF}">
-                <a14:hiddenLine xmlns:a14="http://schemas.microsoft.com/office/drawing/2010/main" xmlns="" w="9525">
+                <a14:hiddenLine xmlns="" xmlns:a14="http://schemas.microsoft.com/office/drawing/2010/main" w="9525">
                   <a:solidFill>
                     <a:srgbClr val="000000"/>
                   </a:solidFill>
@@ -1112,7 +2083,7 @@
             </a:ln>
             <a:extLst>
               <a:ext uri="{91240B29-F687-4f45-9708-019B960494DF}">
-                <a14:hiddenLine xmlns:a14="http://schemas.microsoft.com/office/drawing/2010/main" xmlns="" w="9525">
+                <a14:hiddenLine xmlns="" xmlns:a14="http://schemas.microsoft.com/office/drawing/2010/main" w="9525">
                   <a:solidFill>
                     <a:srgbClr val="000000"/>
                   </a:solidFill>
@@ -1222,7 +2193,7 @@
             </a:ln>
             <a:extLst>
               <a:ext uri="{91240B29-F687-4f45-9708-019B960494DF}">
-                <a14:hiddenLine xmlns:a14="http://schemas.microsoft.com/office/drawing/2010/main" xmlns="" w="9525">
+                <a14:hiddenLine xmlns="" xmlns:a14="http://schemas.microsoft.com/office/drawing/2010/main" w="9525">
                   <a:solidFill>
                     <a:srgbClr val="000000"/>
                   </a:solidFill>
@@ -1284,7 +2255,7 @@
             </a:ln>
             <a:extLst>
               <a:ext uri="{91240B29-F687-4f45-9708-019B960494DF}">
-                <a14:hiddenLine xmlns:a14="http://schemas.microsoft.com/office/drawing/2010/main" xmlns="" w="9525">
+                <a14:hiddenLine xmlns="" xmlns:a14="http://schemas.microsoft.com/office/drawing/2010/main" w="9525">
                   <a:solidFill>
                     <a:srgbClr val="000000"/>
                   </a:solidFill>
@@ -1374,7 +2345,7 @@
             </a:ln>
             <a:extLst>
               <a:ext uri="{91240B29-F687-4f45-9708-019B960494DF}">
-                <a14:hiddenLine xmlns:a14="http://schemas.microsoft.com/office/drawing/2010/main" xmlns="" w="9525">
+                <a14:hiddenLine xmlns="" xmlns:a14="http://schemas.microsoft.com/office/drawing/2010/main" w="9525">
                   <a:solidFill>
                     <a:srgbClr val="000000"/>
                   </a:solidFill>
@@ -1464,7 +2435,7 @@
             </a:ln>
             <a:extLst>
               <a:ext uri="{91240B29-F687-4f45-9708-019B960494DF}">
-                <a14:hiddenLine xmlns:a14="http://schemas.microsoft.com/office/drawing/2010/main" xmlns="" w="9525">
+                <a14:hiddenLine xmlns="" xmlns:a14="http://schemas.microsoft.com/office/drawing/2010/main" w="9525">
                   <a:solidFill>
                     <a:srgbClr val="000000"/>
                   </a:solidFill>
@@ -1526,7 +2497,7 @@
             </a:ln>
             <a:extLst>
               <a:ext uri="{91240B29-F687-4f45-9708-019B960494DF}">
-                <a14:hiddenLine xmlns:a14="http://schemas.microsoft.com/office/drawing/2010/main" xmlns="" w="9525">
+                <a14:hiddenLine xmlns="" xmlns:a14="http://schemas.microsoft.com/office/drawing/2010/main" w="9525">
                   <a:solidFill>
                     <a:srgbClr val="000000"/>
                   </a:solidFill>
@@ -1616,7 +2587,7 @@
             </a:ln>
             <a:extLst>
               <a:ext uri="{91240B29-F687-4f45-9708-019B960494DF}">
-                <a14:hiddenLine xmlns:a14="http://schemas.microsoft.com/office/drawing/2010/main" xmlns="" w="9525">
+                <a14:hiddenLine xmlns="" xmlns:a14="http://schemas.microsoft.com/office/drawing/2010/main" w="9525">
                   <a:solidFill>
                     <a:srgbClr val="000000"/>
                   </a:solidFill>
@@ -1706,7 +2677,7 @@
             </a:ln>
             <a:extLst>
               <a:ext uri="{91240B29-F687-4f45-9708-019B960494DF}">
-                <a14:hiddenLine xmlns:a14="http://schemas.microsoft.com/office/drawing/2010/main" xmlns="" w="9525">
+                <a14:hiddenLine xmlns="" xmlns:a14="http://schemas.microsoft.com/office/drawing/2010/main" w="9525">
                   <a:solidFill>
                     <a:srgbClr val="000000"/>
                   </a:solidFill>
@@ -1762,7 +2733,7 @@
             </a:ln>
             <a:extLst>
               <a:ext uri="{91240B29-F687-4f45-9708-019B960494DF}">
-                <a14:hiddenLine xmlns:a14="http://schemas.microsoft.com/office/drawing/2010/main" xmlns="" w="9525">
+                <a14:hiddenLine xmlns="" xmlns:a14="http://schemas.microsoft.com/office/drawing/2010/main" w="9525">
                   <a:solidFill>
                     <a:srgbClr val="000000"/>
                   </a:solidFill>
@@ -1852,7 +2823,7 @@
             </a:ln>
             <a:extLst>
               <a:ext uri="{91240B29-F687-4f45-9708-019B960494DF}">
-                <a14:hiddenLine xmlns:a14="http://schemas.microsoft.com/office/drawing/2010/main" xmlns="" w="9525">
+                <a14:hiddenLine xmlns="" xmlns:a14="http://schemas.microsoft.com/office/drawing/2010/main" w="9525">
                   <a:solidFill>
                     <a:srgbClr val="000000"/>
                   </a:solidFill>
@@ -1908,7 +2879,7 @@
             </a:ln>
             <a:extLst>
               <a:ext uri="{91240B29-F687-4f45-9708-019B960494DF}">
-                <a14:hiddenLine xmlns:a14="http://schemas.microsoft.com/office/drawing/2010/main" xmlns="" w="9525">
+                <a14:hiddenLine xmlns="" xmlns:a14="http://schemas.microsoft.com/office/drawing/2010/main" w="9525">
                   <a:solidFill>
                     <a:srgbClr val="000000"/>
                   </a:solidFill>
@@ -1998,7 +2969,7 @@
             </a:ln>
             <a:extLst>
               <a:ext uri="{91240B29-F687-4f45-9708-019B960494DF}">
-                <a14:hiddenLine xmlns:a14="http://schemas.microsoft.com/office/drawing/2010/main" xmlns="" w="9525">
+                <a14:hiddenLine xmlns="" xmlns:a14="http://schemas.microsoft.com/office/drawing/2010/main" w="9525">
                   <a:solidFill>
                     <a:srgbClr val="000000"/>
                   </a:solidFill>
@@ -2066,7 +3037,7 @@
             </a:ln>
             <a:extLst>
               <a:ext uri="{91240B29-F687-4f45-9708-019B960494DF}">
-                <a14:hiddenLine xmlns:a14="http://schemas.microsoft.com/office/drawing/2010/main" xmlns="" w="9525">
+                <a14:hiddenLine xmlns="" xmlns:a14="http://schemas.microsoft.com/office/drawing/2010/main" w="9525">
                   <a:solidFill>
                     <a:srgbClr val="000000"/>
                   </a:solidFill>
@@ -2156,7 +3127,7 @@
             </a:ln>
             <a:extLst>
               <a:ext uri="{91240B29-F687-4f45-9708-019B960494DF}">
-                <a14:hiddenLine xmlns:a14="http://schemas.microsoft.com/office/drawing/2010/main" xmlns="" w="9525">
+                <a14:hiddenLine xmlns="" xmlns:a14="http://schemas.microsoft.com/office/drawing/2010/main" w="9525">
                   <a:solidFill>
                     <a:srgbClr val="000000"/>
                   </a:solidFill>
@@ -2224,7 +3195,7 @@
             </a:ln>
             <a:extLst>
               <a:ext uri="{91240B29-F687-4f45-9708-019B960494DF}">
-                <a14:hiddenLine xmlns:a14="http://schemas.microsoft.com/office/drawing/2010/main" xmlns="" w="9525">
+                <a14:hiddenLine xmlns="" xmlns:a14="http://schemas.microsoft.com/office/drawing/2010/main" w="9525">
                   <a:solidFill>
                     <a:srgbClr val="000000"/>
                   </a:solidFill>
@@ -2314,7 +3285,7 @@
             </a:ln>
             <a:extLst>
               <a:ext uri="{91240B29-F687-4f45-9708-019B960494DF}">
-                <a14:hiddenLine xmlns:a14="http://schemas.microsoft.com/office/drawing/2010/main" xmlns="" w="9525">
+                <a14:hiddenLine xmlns="" xmlns:a14="http://schemas.microsoft.com/office/drawing/2010/main" w="9525">
                   <a:solidFill>
                     <a:srgbClr val="000000"/>
                   </a:solidFill>
@@ -2348,7 +3319,7 @@
             </a:ln>
             <a:extLst>
               <a:ext uri="{91240B29-F687-4f45-9708-019B960494DF}">
-                <a14:hiddenLine xmlns:a14="http://schemas.microsoft.com/office/drawing/2010/main" xmlns="" w="9525">
+                <a14:hiddenLine xmlns="" xmlns:a14="http://schemas.microsoft.com/office/drawing/2010/main" w="9525">
                   <a:solidFill>
                     <a:srgbClr val="000000"/>
                   </a:solidFill>
@@ -2438,7 +3409,7 @@
             </a:ln>
             <a:extLst>
               <a:ext uri="{91240B29-F687-4f45-9708-019B960494DF}">
-                <a14:hiddenLine xmlns:a14="http://schemas.microsoft.com/office/drawing/2010/main" xmlns="" w="9525">
+                <a14:hiddenLine xmlns="" xmlns:a14="http://schemas.microsoft.com/office/drawing/2010/main" w="9525">
                   <a:solidFill>
                     <a:srgbClr val="000000"/>
                   </a:solidFill>
@@ -2500,7 +3471,7 @@
             </a:ln>
             <a:extLst>
               <a:ext uri="{91240B29-F687-4f45-9708-019B960494DF}">
-                <a14:hiddenLine xmlns:a14="http://schemas.microsoft.com/office/drawing/2010/main" xmlns="" w="9525">
+                <a14:hiddenLine xmlns="" xmlns:a14="http://schemas.microsoft.com/office/drawing/2010/main" w="9525">
                   <a:solidFill>
                     <a:srgbClr val="000000"/>
                   </a:solidFill>
@@ -2562,7 +3533,7 @@
             </a:ln>
             <a:extLst>
               <a:ext uri="{91240B29-F687-4f45-9708-019B960494DF}">
-                <a14:hiddenLine xmlns:a14="http://schemas.microsoft.com/office/drawing/2010/main" xmlns="" w="9525">
+                <a14:hiddenLine xmlns="" xmlns:a14="http://schemas.microsoft.com/office/drawing/2010/main" w="9525">
                   <a:solidFill>
                     <a:srgbClr val="000000"/>
                   </a:solidFill>
@@ -2652,7 +3623,7 @@
             </a:ln>
             <a:extLst>
               <a:ext uri="{91240B29-F687-4f45-9708-019B960494DF}">
-                <a14:hiddenLine xmlns:a14="http://schemas.microsoft.com/office/drawing/2010/main" xmlns="" w="9525">
+                <a14:hiddenLine xmlns="" xmlns:a14="http://schemas.microsoft.com/office/drawing/2010/main" w="9525">
                   <a:solidFill>
                     <a:srgbClr val="000000"/>
                   </a:solidFill>
@@ -2720,7 +3691,7 @@
             </a:ln>
             <a:extLst>
               <a:ext uri="{91240B29-F687-4f45-9708-019B960494DF}">
-                <a14:hiddenLine xmlns:a14="http://schemas.microsoft.com/office/drawing/2010/main" xmlns="" w="9525">
+                <a14:hiddenLine xmlns="" xmlns:a14="http://schemas.microsoft.com/office/drawing/2010/main" w="9525">
                   <a:solidFill>
                     <a:srgbClr val="000000"/>
                   </a:solidFill>
@@ -2782,7 +3753,7 @@
             </a:ln>
             <a:extLst>
               <a:ext uri="{91240B29-F687-4f45-9708-019B960494DF}">
-                <a14:hiddenLine xmlns:a14="http://schemas.microsoft.com/office/drawing/2010/main" xmlns="" w="9525">
+                <a14:hiddenLine xmlns="" xmlns:a14="http://schemas.microsoft.com/office/drawing/2010/main" w="9525">
                   <a:solidFill>
                     <a:srgbClr val="000000"/>
                   </a:solidFill>
@@ -2872,7 +3843,7 @@
             </a:ln>
             <a:extLst>
               <a:ext uri="{91240B29-F687-4f45-9708-019B960494DF}">
-                <a14:hiddenLine xmlns:a14="http://schemas.microsoft.com/office/drawing/2010/main" xmlns="" w="9525">
+                <a14:hiddenLine xmlns="" xmlns:a14="http://schemas.microsoft.com/office/drawing/2010/main" w="9525">
                   <a:solidFill>
                     <a:srgbClr val="000000"/>
                   </a:solidFill>
@@ -2934,7 +3905,7 @@
             </a:ln>
             <a:extLst>
               <a:ext uri="{91240B29-F687-4f45-9708-019B960494DF}">
-                <a14:hiddenLine xmlns:a14="http://schemas.microsoft.com/office/drawing/2010/main" xmlns="" w="9525">
+                <a14:hiddenLine xmlns="" xmlns:a14="http://schemas.microsoft.com/office/drawing/2010/main" w="9525">
                   <a:solidFill>
                     <a:srgbClr val="000000"/>
                   </a:solidFill>
@@ -3024,7 +3995,7 @@
             </a:ln>
             <a:extLst>
               <a:ext uri="{91240B29-F687-4f45-9708-019B960494DF}">
-                <a14:hiddenLine xmlns:a14="http://schemas.microsoft.com/office/drawing/2010/main" xmlns="" w="9525">
+                <a14:hiddenLine xmlns="" xmlns:a14="http://schemas.microsoft.com/office/drawing/2010/main" w="9525">
                   <a:solidFill>
                     <a:srgbClr val="000000"/>
                   </a:solidFill>
@@ -3086,7 +4057,7 @@
             </a:ln>
             <a:extLst>
               <a:ext uri="{91240B29-F687-4f45-9708-019B960494DF}">
-                <a14:hiddenLine xmlns:a14="http://schemas.microsoft.com/office/drawing/2010/main" xmlns="" w="9525">
+                <a14:hiddenLine xmlns="" xmlns:a14="http://schemas.microsoft.com/office/drawing/2010/main" w="9525">
                   <a:solidFill>
                     <a:srgbClr val="000000"/>
                   </a:solidFill>
@@ -3176,7 +4147,7 @@
             </a:ln>
             <a:extLst>
               <a:ext uri="{91240B29-F687-4f45-9708-019B960494DF}">
-                <a14:hiddenLine xmlns:a14="http://schemas.microsoft.com/office/drawing/2010/main" xmlns="" w="9525">
+                <a14:hiddenLine xmlns="" xmlns:a14="http://schemas.microsoft.com/office/drawing/2010/main" w="9525">
                   <a:solidFill>
                     <a:srgbClr val="000000"/>
                   </a:solidFill>
@@ -3210,7 +4181,7 @@
             </a:ln>
             <a:extLst>
               <a:ext uri="{91240B29-F687-4f45-9708-019B960494DF}">
-                <a14:hiddenLine xmlns:a14="http://schemas.microsoft.com/office/drawing/2010/main" xmlns="" w="9525">
+                <a14:hiddenLine xmlns="" xmlns:a14="http://schemas.microsoft.com/office/drawing/2010/main" w="9525">
                   <a:solidFill>
                     <a:srgbClr val="000000"/>
                   </a:solidFill>
@@ -3275,7 +4246,7 @@
             </a:ln>
             <a:extLst>
               <a:ext uri="{91240B29-F687-4f45-9708-019B960494DF}">
-                <a14:hiddenLine xmlns:a14="http://schemas.microsoft.com/office/drawing/2010/main" xmlns="" w="9525">
+                <a14:hiddenLine xmlns="" xmlns:a14="http://schemas.microsoft.com/office/drawing/2010/main" w="9525">
                   <a:solidFill>
                     <a:srgbClr val="000000"/>
                   </a:solidFill>
@@ -3365,7 +4336,7 @@
             </a:ln>
             <a:extLst>
               <a:ext uri="{91240B29-F687-4f45-9708-019B960494DF}">
-                <a14:hiddenLine xmlns:a14="http://schemas.microsoft.com/office/drawing/2010/main" xmlns="" w="9525">
+                <a14:hiddenLine xmlns="" xmlns:a14="http://schemas.microsoft.com/office/drawing/2010/main" w="9525">
                   <a:solidFill>
                     <a:srgbClr val="000000"/>
                   </a:solidFill>
@@ -3427,7 +4398,7 @@
             </a:ln>
             <a:extLst>
               <a:ext uri="{91240B29-F687-4f45-9708-019B960494DF}">
-                <a14:hiddenLine xmlns:a14="http://schemas.microsoft.com/office/drawing/2010/main" xmlns="" w="9525">
+                <a14:hiddenLine xmlns="" xmlns:a14="http://schemas.microsoft.com/office/drawing/2010/main" w="9525">
                   <a:solidFill>
                     <a:srgbClr val="000000"/>
                   </a:solidFill>
@@ -3517,7 +4488,7 @@
             </a:ln>
             <a:extLst>
               <a:ext uri="{91240B29-F687-4f45-9708-019B960494DF}">
-                <a14:hiddenLine xmlns:a14="http://schemas.microsoft.com/office/drawing/2010/main" xmlns="" w="9525">
+                <a14:hiddenLine xmlns="" xmlns:a14="http://schemas.microsoft.com/office/drawing/2010/main" w="9525">
                   <a:solidFill>
                     <a:srgbClr val="000000"/>
                   </a:solidFill>
@@ -3607,7 +4578,7 @@
             </a:ln>
             <a:extLst>
               <a:ext uri="{91240B29-F687-4f45-9708-019B960494DF}">
-                <a14:hiddenLine xmlns:a14="http://schemas.microsoft.com/office/drawing/2010/main" xmlns="" w="9525">
+                <a14:hiddenLine xmlns="" xmlns:a14="http://schemas.microsoft.com/office/drawing/2010/main" w="9525">
                   <a:solidFill>
                     <a:srgbClr val="000000"/>
                   </a:solidFill>
@@ -3672,7 +4643,7 @@
             </a:ln>
             <a:extLst>
               <a:ext uri="{91240B29-F687-4f45-9708-019B960494DF}">
-                <a14:hiddenLine xmlns:a14="http://schemas.microsoft.com/office/drawing/2010/main" xmlns="" w="9525">
+                <a14:hiddenLine xmlns="" xmlns:a14="http://schemas.microsoft.com/office/drawing/2010/main" w="9525">
                   <a:solidFill>
                     <a:srgbClr val="000000"/>
                   </a:solidFill>
@@ -3734,7 +4705,7 @@
             </a:ln>
             <a:extLst>
               <a:ext uri="{91240B29-F687-4f45-9708-019B960494DF}">
-                <a14:hiddenLine xmlns:a14="http://schemas.microsoft.com/office/drawing/2010/main" xmlns="" w="9525">
+                <a14:hiddenLine xmlns="" xmlns:a14="http://schemas.microsoft.com/office/drawing/2010/main" w="9525">
                   <a:solidFill>
                     <a:srgbClr val="000000"/>
                   </a:solidFill>
@@ -3824,7 +4795,7 @@
             </a:ln>
             <a:extLst>
               <a:ext uri="{91240B29-F687-4f45-9708-019B960494DF}">
-                <a14:hiddenLine xmlns:a14="http://schemas.microsoft.com/office/drawing/2010/main" xmlns="" w="9525">
+                <a14:hiddenLine xmlns="" xmlns:a14="http://schemas.microsoft.com/office/drawing/2010/main" w="9525">
                   <a:solidFill>
                     <a:srgbClr val="000000"/>
                   </a:solidFill>
@@ -3914,7 +4885,7 @@
             </a:ln>
             <a:extLst>
               <a:ext uri="{91240B29-F687-4f45-9708-019B960494DF}">
-                <a14:hiddenLine xmlns:a14="http://schemas.microsoft.com/office/drawing/2010/main" xmlns="" w="9525">
+                <a14:hiddenLine xmlns="" xmlns:a14="http://schemas.microsoft.com/office/drawing/2010/main" w="9525">
                   <a:solidFill>
                     <a:srgbClr val="000000"/>
                   </a:solidFill>
@@ -3976,7 +4947,7 @@
             </a:ln>
             <a:extLst>
               <a:ext uri="{91240B29-F687-4f45-9708-019B960494DF}">
-                <a14:hiddenLine xmlns:a14="http://schemas.microsoft.com/office/drawing/2010/main" xmlns="" w="9525">
+                <a14:hiddenLine xmlns="" xmlns:a14="http://schemas.microsoft.com/office/drawing/2010/main" w="9525">
                   <a:solidFill>
                     <a:srgbClr val="000000"/>
                   </a:solidFill>
@@ -4096,7 +5067,7 @@
             </a:ln>
             <a:extLst>
               <a:ext uri="{91240B29-F687-4f45-9708-019B960494DF}">
-                <a14:hiddenLine xmlns:a14="http://schemas.microsoft.com/office/drawing/2010/main" xmlns="" w="9525">
+                <a14:hiddenLine xmlns="" xmlns:a14="http://schemas.microsoft.com/office/drawing/2010/main" w="9525">
                   <a:solidFill>
                     <a:srgbClr val="000000"/>
                   </a:solidFill>
@@ -4164,7 +5135,7 @@
             </a:ln>
             <a:extLst>
               <a:ext uri="{91240B29-F687-4f45-9708-019B960494DF}">
-                <a14:hiddenLine xmlns:a14="http://schemas.microsoft.com/office/drawing/2010/main" xmlns="" w="9525">
+                <a14:hiddenLine xmlns="" xmlns:a14="http://schemas.microsoft.com/office/drawing/2010/main" w="9525">
                   <a:solidFill>
                     <a:srgbClr val="000000"/>
                   </a:solidFill>
@@ -4254,7 +5225,7 @@
             </a:ln>
             <a:extLst>
               <a:ext uri="{91240B29-F687-4f45-9708-019B960494DF}">
-                <a14:hiddenLine xmlns:a14="http://schemas.microsoft.com/office/drawing/2010/main" xmlns="" w="9525">
+                <a14:hiddenLine xmlns="" xmlns:a14="http://schemas.microsoft.com/office/drawing/2010/main" w="9525">
                   <a:solidFill>
                     <a:srgbClr val="000000"/>
                   </a:solidFill>
@@ -4392,9 +5363,10 @@
           <a:bodyPr/>
           <a:lstStyle/>
           <a:p>
-            <a:fld id="{411785C3-07A4-4BE5-9324-F42A205E743E}" type="datetimeFigureOut">
+            <a:fld id="{E7EFFB29-43BE-4335-9FD4-2137C5C50F82}" type="datetime1">
               <a:rPr lang="fr-FR" smtClean="0"/>
-              <a:t>22/11/2017</a:t>
+              <a:pPr/>
+              <a:t>25/11/2017</a:t>
             </a:fld>
             <a:endParaRPr lang="fr-FR"/>
           </a:p>
@@ -4420,7 +5392,10 @@
           <a:bodyPr/>
           <a:lstStyle/>
           <a:p>
-            <a:endParaRPr lang="fr-FR"/>
+            <a:r>
+              <a:rPr lang="fr-FR"/>
+              <a:t>28/11/2017</a:t>
+            </a:r>
           </a:p>
         </p:txBody>
       </p:sp>
@@ -4446,6 +5421,7 @@
           <a:p>
             <a:fld id="{ED22AD06-C296-4654-A2D3-A746ACA7B044}" type="slidenum">
               <a:rPr lang="fr-FR" smtClean="0"/>
+              <a:pPr/>
               <a:t>‹N°›</a:t>
             </a:fld>
             <a:endParaRPr lang="fr-FR"/>
@@ -4455,7 +5431,7 @@
     </p:spTree>
     <p:extLst>
       <p:ext uri="{BB962C8B-B14F-4D97-AF65-F5344CB8AC3E}">
-        <p14:creationId xmlns:p14="http://schemas.microsoft.com/office/powerpoint/2010/main" val="2191226227"/>
+        <p14:creationId xmlns:p14="http://schemas.microsoft.com/office/powerpoint/2010/main" xmlns="" val="2191226227"/>
       </p:ext>
     </p:extLst>
   </p:cSld>
@@ -4659,9 +5635,10 @@
           <a:bodyPr/>
           <a:lstStyle/>
           <a:p>
-            <a:fld id="{411785C3-07A4-4BE5-9324-F42A205E743E}" type="datetimeFigureOut">
+            <a:fld id="{5418DC3C-21CB-429C-921A-A8468D1DB1DB}" type="datetime1">
               <a:rPr lang="fr-FR" smtClean="0"/>
-              <a:t>22/11/2017</a:t>
+              <a:pPr/>
+              <a:t>25/11/2017</a:t>
             </a:fld>
             <a:endParaRPr lang="fr-FR"/>
           </a:p>
@@ -4682,7 +5659,10 @@
           <a:bodyPr/>
           <a:lstStyle/>
           <a:p>
-            <a:endParaRPr lang="fr-FR"/>
+            <a:r>
+              <a:rPr lang="fr-FR"/>
+              <a:t>28/11/2017</a:t>
+            </a:r>
           </a:p>
         </p:txBody>
       </p:sp>
@@ -4703,6 +5683,7 @@
           <a:p>
             <a:fld id="{ED22AD06-C296-4654-A2D3-A746ACA7B044}" type="slidenum">
               <a:rPr lang="fr-FR" smtClean="0"/>
+              <a:pPr/>
               <a:t>‹N°›</a:t>
             </a:fld>
             <a:endParaRPr lang="fr-FR"/>
@@ -4712,7 +5693,7 @@
     </p:spTree>
     <p:extLst>
       <p:ext uri="{BB962C8B-B14F-4D97-AF65-F5344CB8AC3E}">
-        <p14:creationId xmlns:p14="http://schemas.microsoft.com/office/powerpoint/2010/main" val="2975627265"/>
+        <p14:creationId xmlns:p14="http://schemas.microsoft.com/office/powerpoint/2010/main" xmlns="" val="2975627265"/>
       </p:ext>
     </p:extLst>
   </p:cSld>
@@ -4855,9 +5836,10 @@
           <a:bodyPr/>
           <a:lstStyle/>
           <a:p>
-            <a:fld id="{411785C3-07A4-4BE5-9324-F42A205E743E}" type="datetimeFigureOut">
+            <a:fld id="{F992CA81-4285-48E8-839E-A10B32D68C3F}" type="datetime1">
               <a:rPr lang="fr-FR" smtClean="0"/>
-              <a:t>22/11/2017</a:t>
+              <a:pPr/>
+              <a:t>25/11/2017</a:t>
             </a:fld>
             <a:endParaRPr lang="fr-FR"/>
           </a:p>
@@ -4878,7 +5860,10 @@
           <a:bodyPr/>
           <a:lstStyle/>
           <a:p>
-            <a:endParaRPr lang="fr-FR"/>
+            <a:r>
+              <a:rPr lang="fr-FR"/>
+              <a:t>28/11/2017</a:t>
+            </a:r>
           </a:p>
         </p:txBody>
       </p:sp>
@@ -4899,6 +5884,7 @@
           <a:p>
             <a:fld id="{ED22AD06-C296-4654-A2D3-A746ACA7B044}" type="slidenum">
               <a:rPr lang="fr-FR" smtClean="0"/>
+              <a:pPr/>
               <a:t>‹N°›</a:t>
             </a:fld>
             <a:endParaRPr lang="fr-FR"/>
@@ -4908,7 +5894,7 @@
     </p:spTree>
     <p:extLst>
       <p:ext uri="{BB962C8B-B14F-4D97-AF65-F5344CB8AC3E}">
-        <p14:creationId xmlns:p14="http://schemas.microsoft.com/office/powerpoint/2010/main" val="1355459054"/>
+        <p14:creationId xmlns:p14="http://schemas.microsoft.com/office/powerpoint/2010/main" xmlns="" val="1355459054"/>
       </p:ext>
     </p:extLst>
   </p:cSld>
@@ -5118,9 +6104,10 @@
           <a:bodyPr/>
           <a:lstStyle/>
           <a:p>
-            <a:fld id="{411785C3-07A4-4BE5-9324-F42A205E743E}" type="datetimeFigureOut">
+            <a:fld id="{577A184B-B808-43A9-8D76-E9107A85B558}" type="datetime1">
               <a:rPr lang="fr-FR" smtClean="0"/>
-              <a:t>22/11/2017</a:t>
+              <a:pPr/>
+              <a:t>25/11/2017</a:t>
             </a:fld>
             <a:endParaRPr lang="fr-FR"/>
           </a:p>
@@ -5141,7 +6128,10 @@
           <a:bodyPr/>
           <a:lstStyle/>
           <a:p>
-            <a:endParaRPr lang="fr-FR"/>
+            <a:r>
+              <a:rPr lang="fr-FR"/>
+              <a:t>28/11/2017</a:t>
+            </a:r>
           </a:p>
         </p:txBody>
       </p:sp>
@@ -5162,6 +6152,7 @@
           <a:p>
             <a:fld id="{ED22AD06-C296-4654-A2D3-A746ACA7B044}" type="slidenum">
               <a:rPr lang="fr-FR" smtClean="0"/>
+              <a:pPr/>
               <a:t>‹N°›</a:t>
             </a:fld>
             <a:endParaRPr lang="fr-FR"/>
@@ -5409,7 +6400,7 @@
     </p:spTree>
     <p:extLst>
       <p:ext uri="{BB962C8B-B14F-4D97-AF65-F5344CB8AC3E}">
-        <p14:creationId xmlns:p14="http://schemas.microsoft.com/office/powerpoint/2010/main" val="1166390490"/>
+        <p14:creationId xmlns:p14="http://schemas.microsoft.com/office/powerpoint/2010/main" xmlns="" val="1166390490"/>
       </p:ext>
     </p:extLst>
   </p:cSld>
@@ -5552,9 +6543,10 @@
           <a:bodyPr/>
           <a:lstStyle/>
           <a:p>
-            <a:fld id="{411785C3-07A4-4BE5-9324-F42A205E743E}" type="datetimeFigureOut">
+            <a:fld id="{4C05AAD7-ABF7-4BA2-86E2-A61E72A859F0}" type="datetime1">
               <a:rPr lang="fr-FR" smtClean="0"/>
-              <a:t>22/11/2017</a:t>
+              <a:pPr/>
+              <a:t>25/11/2017</a:t>
             </a:fld>
             <a:endParaRPr lang="fr-FR"/>
           </a:p>
@@ -5575,7 +6567,10 @@
           <a:bodyPr/>
           <a:lstStyle/>
           <a:p>
-            <a:endParaRPr lang="fr-FR"/>
+            <a:r>
+              <a:rPr lang="fr-FR"/>
+              <a:t>28/11/2017</a:t>
+            </a:r>
           </a:p>
         </p:txBody>
       </p:sp>
@@ -5596,6 +6591,7 @@
           <a:p>
             <a:fld id="{ED22AD06-C296-4654-A2D3-A746ACA7B044}" type="slidenum">
               <a:rPr lang="fr-FR" smtClean="0"/>
+              <a:pPr/>
               <a:t>‹N°›</a:t>
             </a:fld>
             <a:endParaRPr lang="fr-FR"/>
@@ -5605,7 +6601,7 @@
     </p:spTree>
     <p:extLst>
       <p:ext uri="{BB962C8B-B14F-4D97-AF65-F5344CB8AC3E}">
-        <p14:creationId xmlns:p14="http://schemas.microsoft.com/office/powerpoint/2010/main" val="3377183447"/>
+        <p14:creationId xmlns:p14="http://schemas.microsoft.com/office/powerpoint/2010/main" xmlns="" val="3377183447"/>
       </p:ext>
     </p:extLst>
   </p:cSld>
@@ -6098,9 +7094,10 @@
           <a:bodyPr/>
           <a:lstStyle/>
           <a:p>
-            <a:fld id="{411785C3-07A4-4BE5-9324-F42A205E743E}" type="datetimeFigureOut">
+            <a:fld id="{1E865423-AC49-46FD-A5BA-6E7602C104A5}" type="datetime1">
               <a:rPr lang="fr-FR" smtClean="0"/>
-              <a:t>22/11/2017</a:t>
+              <a:pPr/>
+              <a:t>25/11/2017</a:t>
             </a:fld>
             <a:endParaRPr lang="fr-FR"/>
           </a:p>
@@ -6121,7 +7118,10 @@
           <a:bodyPr/>
           <a:lstStyle/>
           <a:p>
-            <a:endParaRPr lang="fr-FR"/>
+            <a:r>
+              <a:rPr lang="fr-FR"/>
+              <a:t>28/11/2017</a:t>
+            </a:r>
           </a:p>
         </p:txBody>
       </p:sp>
@@ -6142,6 +7142,7 @@
           <a:p>
             <a:fld id="{ED22AD06-C296-4654-A2D3-A746ACA7B044}" type="slidenum">
               <a:rPr lang="fr-FR" smtClean="0"/>
+              <a:pPr/>
               <a:t>‹N°›</a:t>
             </a:fld>
             <a:endParaRPr lang="fr-FR"/>
@@ -6151,7 +7152,7 @@
     </p:spTree>
     <p:extLst>
       <p:ext uri="{BB962C8B-B14F-4D97-AF65-F5344CB8AC3E}">
-        <p14:creationId xmlns:p14="http://schemas.microsoft.com/office/powerpoint/2010/main" val="3366405076"/>
+        <p14:creationId xmlns:p14="http://schemas.microsoft.com/office/powerpoint/2010/main" xmlns="" val="3366405076"/>
       </p:ext>
     </p:extLst>
   </p:cSld>
@@ -6818,9 +7819,10 @@
           <a:bodyPr/>
           <a:lstStyle/>
           <a:p>
-            <a:fld id="{411785C3-07A4-4BE5-9324-F42A205E743E}" type="datetimeFigureOut">
+            <a:fld id="{A7F3F491-FAD4-425F-92E5-2E1056799CB8}" type="datetime1">
               <a:rPr lang="fr-FR" smtClean="0"/>
-              <a:t>22/11/2017</a:t>
+              <a:pPr/>
+              <a:t>25/11/2017</a:t>
             </a:fld>
             <a:endParaRPr lang="fr-FR"/>
           </a:p>
@@ -6841,7 +7843,10 @@
           <a:bodyPr/>
           <a:lstStyle/>
           <a:p>
-            <a:endParaRPr lang="fr-FR"/>
+            <a:r>
+              <a:rPr lang="fr-FR"/>
+              <a:t>28/11/2017</a:t>
+            </a:r>
           </a:p>
         </p:txBody>
       </p:sp>
@@ -6862,6 +7867,7 @@
           <a:p>
             <a:fld id="{ED22AD06-C296-4654-A2D3-A746ACA7B044}" type="slidenum">
               <a:rPr lang="fr-FR" smtClean="0"/>
+              <a:pPr/>
               <a:t>‹N°›</a:t>
             </a:fld>
             <a:endParaRPr lang="fr-FR"/>
@@ -6871,7 +7877,7 @@
     </p:spTree>
     <p:extLst>
       <p:ext uri="{BB962C8B-B14F-4D97-AF65-F5344CB8AC3E}">
-        <p14:creationId xmlns:p14="http://schemas.microsoft.com/office/powerpoint/2010/main" val="4028832768"/>
+        <p14:creationId xmlns:p14="http://schemas.microsoft.com/office/powerpoint/2010/main" xmlns="" val="4028832768"/>
       </p:ext>
     </p:extLst>
   </p:cSld>
@@ -6988,9 +7994,10 @@
           <a:bodyPr/>
           <a:lstStyle/>
           <a:p>
-            <a:fld id="{411785C3-07A4-4BE5-9324-F42A205E743E}" type="datetimeFigureOut">
+            <a:fld id="{30DC787F-98CF-4751-9CEE-6C82A45F4CF1}" type="datetime1">
               <a:rPr lang="fr-FR" smtClean="0"/>
-              <a:t>22/11/2017</a:t>
+              <a:pPr/>
+              <a:t>25/11/2017</a:t>
             </a:fld>
             <a:endParaRPr lang="fr-FR"/>
           </a:p>
@@ -7011,7 +8018,10 @@
           <a:bodyPr/>
           <a:lstStyle/>
           <a:p>
-            <a:endParaRPr lang="fr-FR"/>
+            <a:r>
+              <a:rPr lang="fr-FR"/>
+              <a:t>28/11/2017</a:t>
+            </a:r>
           </a:p>
         </p:txBody>
       </p:sp>
@@ -7032,6 +8042,7 @@
           <a:p>
             <a:fld id="{ED22AD06-C296-4654-A2D3-A746ACA7B044}" type="slidenum">
               <a:rPr lang="fr-FR" smtClean="0"/>
+              <a:pPr/>
               <a:t>‹N°›</a:t>
             </a:fld>
             <a:endParaRPr lang="fr-FR"/>
@@ -7041,7 +8052,7 @@
     </p:spTree>
     <p:extLst>
       <p:ext uri="{BB962C8B-B14F-4D97-AF65-F5344CB8AC3E}">
-        <p14:creationId xmlns:p14="http://schemas.microsoft.com/office/powerpoint/2010/main" val="195994659"/>
+        <p14:creationId xmlns:p14="http://schemas.microsoft.com/office/powerpoint/2010/main" xmlns="" val="195994659"/>
       </p:ext>
     </p:extLst>
   </p:cSld>
@@ -7168,9 +8179,10 @@
           <a:bodyPr/>
           <a:lstStyle/>
           <a:p>
-            <a:fld id="{411785C3-07A4-4BE5-9324-F42A205E743E}" type="datetimeFigureOut">
+            <a:fld id="{88AAD7C5-28EB-44CC-BF9E-A85A789426A9}" type="datetime1">
               <a:rPr lang="fr-FR" smtClean="0"/>
-              <a:t>22/11/2017</a:t>
+              <a:pPr/>
+              <a:t>25/11/2017</a:t>
             </a:fld>
             <a:endParaRPr lang="fr-FR"/>
           </a:p>
@@ -7191,7 +8203,10 @@
           <a:bodyPr/>
           <a:lstStyle/>
           <a:p>
-            <a:endParaRPr lang="fr-FR"/>
+            <a:r>
+              <a:rPr lang="fr-FR"/>
+              <a:t>28/11/2017</a:t>
+            </a:r>
           </a:p>
         </p:txBody>
       </p:sp>
@@ -7212,6 +8227,7 @@
           <a:p>
             <a:fld id="{ED22AD06-C296-4654-A2D3-A746ACA7B044}" type="slidenum">
               <a:rPr lang="fr-FR" smtClean="0"/>
+              <a:pPr/>
               <a:t>‹N°›</a:t>
             </a:fld>
             <a:endParaRPr lang="fr-FR"/>
@@ -7221,7 +8237,7 @@
     </p:spTree>
     <p:extLst>
       <p:ext uri="{BB962C8B-B14F-4D97-AF65-F5344CB8AC3E}">
-        <p14:creationId xmlns:p14="http://schemas.microsoft.com/office/powerpoint/2010/main" val="1502682363"/>
+        <p14:creationId xmlns:p14="http://schemas.microsoft.com/office/powerpoint/2010/main" xmlns="" val="1502682363"/>
       </p:ext>
     </p:extLst>
   </p:cSld>
@@ -7338,9 +8354,10 @@
           <a:bodyPr/>
           <a:lstStyle/>
           <a:p>
-            <a:fld id="{411785C3-07A4-4BE5-9324-F42A205E743E}" type="datetimeFigureOut">
+            <a:fld id="{0088368A-A5A1-48F7-941E-56D832815C56}" type="datetime1">
               <a:rPr lang="fr-FR" smtClean="0"/>
-              <a:t>22/11/2017</a:t>
+              <a:pPr/>
+              <a:t>25/11/2017</a:t>
             </a:fld>
             <a:endParaRPr lang="fr-FR"/>
           </a:p>
@@ -7361,7 +8378,10 @@
           <a:bodyPr/>
           <a:lstStyle/>
           <a:p>
-            <a:endParaRPr lang="fr-FR"/>
+            <a:r>
+              <a:rPr lang="fr-FR"/>
+              <a:t>28/11/2017</a:t>
+            </a:r>
           </a:p>
         </p:txBody>
       </p:sp>
@@ -7382,6 +8402,7 @@
           <a:p>
             <a:fld id="{ED22AD06-C296-4654-A2D3-A746ACA7B044}" type="slidenum">
               <a:rPr lang="fr-FR" smtClean="0"/>
+              <a:pPr/>
               <a:t>‹N°›</a:t>
             </a:fld>
             <a:endParaRPr lang="fr-FR"/>
@@ -7391,7 +8412,7 @@
     </p:spTree>
     <p:extLst>
       <p:ext uri="{BB962C8B-B14F-4D97-AF65-F5344CB8AC3E}">
-        <p14:creationId xmlns:p14="http://schemas.microsoft.com/office/powerpoint/2010/main" val="2210182847"/>
+        <p14:creationId xmlns:p14="http://schemas.microsoft.com/office/powerpoint/2010/main" xmlns="" val="2210182847"/>
       </p:ext>
     </p:extLst>
   </p:cSld>
@@ -7588,9 +8609,10 @@
           <a:bodyPr/>
           <a:lstStyle/>
           <a:p>
-            <a:fld id="{411785C3-07A4-4BE5-9324-F42A205E743E}" type="datetimeFigureOut">
+            <a:fld id="{DC614645-B58B-431D-9328-65A29CBDE982}" type="datetime1">
               <a:rPr lang="fr-FR" smtClean="0"/>
-              <a:t>22/11/2017</a:t>
+              <a:pPr/>
+              <a:t>25/11/2017</a:t>
             </a:fld>
             <a:endParaRPr lang="fr-FR"/>
           </a:p>
@@ -7611,7 +8633,10 @@
           <a:bodyPr/>
           <a:lstStyle/>
           <a:p>
-            <a:endParaRPr lang="fr-FR"/>
+            <a:r>
+              <a:rPr lang="fr-FR"/>
+              <a:t>28/11/2017</a:t>
+            </a:r>
           </a:p>
         </p:txBody>
       </p:sp>
@@ -7632,6 +8657,7 @@
           <a:p>
             <a:fld id="{ED22AD06-C296-4654-A2D3-A746ACA7B044}" type="slidenum">
               <a:rPr lang="fr-FR" smtClean="0"/>
+              <a:pPr/>
               <a:t>‹N°›</a:t>
             </a:fld>
             <a:endParaRPr lang="fr-FR"/>
@@ -7641,7 +8667,7 @@
     </p:spTree>
     <p:extLst>
       <p:ext uri="{BB962C8B-B14F-4D97-AF65-F5344CB8AC3E}">
-        <p14:creationId xmlns:p14="http://schemas.microsoft.com/office/powerpoint/2010/main" val="452789522"/>
+        <p14:creationId xmlns:p14="http://schemas.microsoft.com/office/powerpoint/2010/main" xmlns="" val="452789522"/>
       </p:ext>
     </p:extLst>
   </p:cSld>
@@ -7820,9 +8846,10 @@
           <a:bodyPr/>
           <a:lstStyle/>
           <a:p>
-            <a:fld id="{411785C3-07A4-4BE5-9324-F42A205E743E}" type="datetimeFigureOut">
+            <a:fld id="{BE842E1A-9182-435D-8F5E-18E1869D8C31}" type="datetime1">
               <a:rPr lang="fr-FR" smtClean="0"/>
-              <a:t>22/11/2017</a:t>
+              <a:pPr/>
+              <a:t>25/11/2017</a:t>
             </a:fld>
             <a:endParaRPr lang="fr-FR"/>
           </a:p>
@@ -7843,7 +8870,10 @@
           <a:bodyPr/>
           <a:lstStyle/>
           <a:p>
-            <a:endParaRPr lang="fr-FR"/>
+            <a:r>
+              <a:rPr lang="fr-FR"/>
+              <a:t>28/11/2017</a:t>
+            </a:r>
           </a:p>
         </p:txBody>
       </p:sp>
@@ -7864,6 +8894,7 @@
           <a:p>
             <a:fld id="{ED22AD06-C296-4654-A2D3-A746ACA7B044}" type="slidenum">
               <a:rPr lang="fr-FR" smtClean="0"/>
+              <a:pPr/>
               <a:t>‹N°›</a:t>
             </a:fld>
             <a:endParaRPr lang="fr-FR"/>
@@ -7873,7 +8904,7 @@
     </p:spTree>
     <p:extLst>
       <p:ext uri="{BB962C8B-B14F-4D97-AF65-F5344CB8AC3E}">
-        <p14:creationId xmlns:p14="http://schemas.microsoft.com/office/powerpoint/2010/main" val="2218756475"/>
+        <p14:creationId xmlns:p14="http://schemas.microsoft.com/office/powerpoint/2010/main" xmlns="" val="2218756475"/>
       </p:ext>
     </p:extLst>
   </p:cSld>
@@ -8201,9 +9232,10 @@
           <a:bodyPr/>
           <a:lstStyle/>
           <a:p>
-            <a:fld id="{411785C3-07A4-4BE5-9324-F42A205E743E}" type="datetimeFigureOut">
+            <a:fld id="{B10086DA-F8BA-4401-A652-DECE0CF5FFC4}" type="datetime1">
               <a:rPr lang="fr-FR" smtClean="0"/>
-              <a:t>22/11/2017</a:t>
+              <a:pPr/>
+              <a:t>25/11/2017</a:t>
             </a:fld>
             <a:endParaRPr lang="fr-FR"/>
           </a:p>
@@ -8224,7 +9256,10 @@
           <a:bodyPr/>
           <a:lstStyle/>
           <a:p>
-            <a:endParaRPr lang="fr-FR"/>
+            <a:r>
+              <a:rPr lang="fr-FR"/>
+              <a:t>28/11/2017</a:t>
+            </a:r>
           </a:p>
         </p:txBody>
       </p:sp>
@@ -8245,6 +9280,7 @@
           <a:p>
             <a:fld id="{ED22AD06-C296-4654-A2D3-A746ACA7B044}" type="slidenum">
               <a:rPr lang="fr-FR" smtClean="0"/>
+              <a:pPr/>
               <a:t>‹N°›</a:t>
             </a:fld>
             <a:endParaRPr lang="fr-FR"/>
@@ -8254,7 +9290,7 @@
     </p:spTree>
     <p:extLst>
       <p:ext uri="{BB962C8B-B14F-4D97-AF65-F5344CB8AC3E}">
-        <p14:creationId xmlns:p14="http://schemas.microsoft.com/office/powerpoint/2010/main" val="2229980603"/>
+        <p14:creationId xmlns:p14="http://schemas.microsoft.com/office/powerpoint/2010/main" xmlns="" val="2229980603"/>
       </p:ext>
     </p:extLst>
   </p:cSld>
@@ -8319,9 +9355,10 @@
           <a:bodyPr/>
           <a:lstStyle/>
           <a:p>
-            <a:fld id="{411785C3-07A4-4BE5-9324-F42A205E743E}" type="datetimeFigureOut">
+            <a:fld id="{D618D6FF-CF76-4B34-8180-E6FB464D62D1}" type="datetime1">
               <a:rPr lang="fr-FR" smtClean="0"/>
-              <a:t>22/11/2017</a:t>
+              <a:pPr/>
+              <a:t>25/11/2017</a:t>
             </a:fld>
             <a:endParaRPr lang="fr-FR"/>
           </a:p>
@@ -8342,7 +9379,10 @@
           <a:bodyPr/>
           <a:lstStyle/>
           <a:p>
-            <a:endParaRPr lang="fr-FR"/>
+            <a:r>
+              <a:rPr lang="fr-FR"/>
+              <a:t>28/11/2017</a:t>
+            </a:r>
           </a:p>
         </p:txBody>
       </p:sp>
@@ -8363,6 +9403,7 @@
           <a:p>
             <a:fld id="{ED22AD06-C296-4654-A2D3-A746ACA7B044}" type="slidenum">
               <a:rPr lang="fr-FR" smtClean="0"/>
+              <a:pPr/>
               <a:t>‹N°›</a:t>
             </a:fld>
             <a:endParaRPr lang="fr-FR"/>
@@ -8372,7 +9413,7 @@
     </p:spTree>
     <p:extLst>
       <p:ext uri="{BB962C8B-B14F-4D97-AF65-F5344CB8AC3E}">
-        <p14:creationId xmlns:p14="http://schemas.microsoft.com/office/powerpoint/2010/main" val="4021415887"/>
+        <p14:creationId xmlns:p14="http://schemas.microsoft.com/office/powerpoint/2010/main" xmlns="" val="4021415887"/>
       </p:ext>
     </p:extLst>
   </p:cSld>
@@ -8414,9 +9455,10 @@
           <a:bodyPr/>
           <a:lstStyle/>
           <a:p>
-            <a:fld id="{411785C3-07A4-4BE5-9324-F42A205E743E}" type="datetimeFigureOut">
+            <a:fld id="{A340147B-D1E8-4558-A2DC-A63541688444}" type="datetime1">
               <a:rPr lang="fr-FR" smtClean="0"/>
-              <a:t>22/11/2017</a:t>
+              <a:pPr/>
+              <a:t>25/11/2017</a:t>
             </a:fld>
             <a:endParaRPr lang="fr-FR"/>
           </a:p>
@@ -8437,7 +9479,10 @@
           <a:bodyPr/>
           <a:lstStyle/>
           <a:p>
-            <a:endParaRPr lang="fr-FR"/>
+            <a:r>
+              <a:rPr lang="fr-FR"/>
+              <a:t>28/11/2017</a:t>
+            </a:r>
           </a:p>
         </p:txBody>
       </p:sp>
@@ -8458,6 +9503,7 @@
           <a:p>
             <a:fld id="{ED22AD06-C296-4654-A2D3-A746ACA7B044}" type="slidenum">
               <a:rPr lang="fr-FR" smtClean="0"/>
+              <a:pPr/>
               <a:t>‹N°›</a:t>
             </a:fld>
             <a:endParaRPr lang="fr-FR"/>
@@ -8467,7 +9513,7 @@
     </p:spTree>
     <p:extLst>
       <p:ext uri="{BB962C8B-B14F-4D97-AF65-F5344CB8AC3E}">
-        <p14:creationId xmlns:p14="http://schemas.microsoft.com/office/powerpoint/2010/main" val="593231927"/>
+        <p14:creationId xmlns:p14="http://schemas.microsoft.com/office/powerpoint/2010/main" xmlns="" val="593231927"/>
       </p:ext>
     </p:extLst>
   </p:cSld>
@@ -8663,9 +9709,10 @@
           <a:bodyPr/>
           <a:lstStyle/>
           <a:p>
-            <a:fld id="{411785C3-07A4-4BE5-9324-F42A205E743E}" type="datetimeFigureOut">
+            <a:fld id="{34D2E384-E154-47FF-9FB3-508333AE9F05}" type="datetime1">
               <a:rPr lang="fr-FR" smtClean="0"/>
-              <a:t>22/11/2017</a:t>
+              <a:pPr/>
+              <a:t>25/11/2017</a:t>
             </a:fld>
             <a:endParaRPr lang="fr-FR"/>
           </a:p>
@@ -8686,7 +9733,10 @@
           <a:bodyPr/>
           <a:lstStyle/>
           <a:p>
-            <a:endParaRPr lang="fr-FR"/>
+            <a:r>
+              <a:rPr lang="fr-FR"/>
+              <a:t>28/11/2017</a:t>
+            </a:r>
           </a:p>
         </p:txBody>
       </p:sp>
@@ -8707,6 +9757,7 @@
           <a:p>
             <a:fld id="{ED22AD06-C296-4654-A2D3-A746ACA7B044}" type="slidenum">
               <a:rPr lang="fr-FR" smtClean="0"/>
+              <a:pPr/>
               <a:t>‹N°›</a:t>
             </a:fld>
             <a:endParaRPr lang="fr-FR"/>
@@ -8716,7 +9767,7 @@
     </p:spTree>
     <p:extLst>
       <p:ext uri="{BB962C8B-B14F-4D97-AF65-F5344CB8AC3E}">
-        <p14:creationId xmlns:p14="http://schemas.microsoft.com/office/powerpoint/2010/main" val="619944574"/>
+        <p14:creationId xmlns:p14="http://schemas.microsoft.com/office/powerpoint/2010/main" xmlns="" val="619944574"/>
       </p:ext>
     </p:extLst>
   </p:cSld>
@@ -8943,9 +9994,10 @@
           <a:bodyPr/>
           <a:lstStyle/>
           <a:p>
-            <a:fld id="{411785C3-07A4-4BE5-9324-F42A205E743E}" type="datetimeFigureOut">
+            <a:fld id="{6AC66C59-0E3D-44A7-9617-C4193B5CD859}" type="datetime1">
               <a:rPr lang="fr-FR" smtClean="0"/>
-              <a:t>22/11/2017</a:t>
+              <a:pPr/>
+              <a:t>25/11/2017</a:t>
             </a:fld>
             <a:endParaRPr lang="fr-FR"/>
           </a:p>
@@ -8966,7 +10018,10 @@
           <a:bodyPr/>
           <a:lstStyle/>
           <a:p>
-            <a:endParaRPr lang="fr-FR"/>
+            <a:r>
+              <a:rPr lang="fr-FR"/>
+              <a:t>28/11/2017</a:t>
+            </a:r>
           </a:p>
         </p:txBody>
       </p:sp>
@@ -8987,6 +10042,7 @@
           <a:p>
             <a:fld id="{ED22AD06-C296-4654-A2D3-A746ACA7B044}" type="slidenum">
               <a:rPr lang="fr-FR" smtClean="0"/>
+              <a:pPr/>
               <a:t>‹N°›</a:t>
             </a:fld>
             <a:endParaRPr lang="fr-FR"/>
@@ -8996,7 +10052,7 @@
     </p:spTree>
     <p:extLst>
       <p:ext uri="{BB962C8B-B14F-4D97-AF65-F5344CB8AC3E}">
-        <p14:creationId xmlns:p14="http://schemas.microsoft.com/office/powerpoint/2010/main" val="1947582437"/>
+        <p14:creationId xmlns:p14="http://schemas.microsoft.com/office/powerpoint/2010/main" xmlns="" val="1947582437"/>
       </p:ext>
     </p:extLst>
   </p:cSld>
@@ -9037,11 +10093,11 @@
           <p:nvPr/>
         </p:nvPicPr>
         <p:blipFill>
-          <a:blip r:embed="rId19">
+          <a:blip r:embed="rId19" cstate="print">
             <a:alphaModFix amt="30000"/>
             <a:extLst>
               <a:ext uri="{28A0092B-C50C-407E-A947-70E740481C1C}">
-                <a14:useLocalDpi xmlns:a14="http://schemas.microsoft.com/office/drawing/2010/main" val="0"/>
+                <a14:useLocalDpi xmlns:a14="http://schemas.microsoft.com/office/drawing/2010/main" xmlns="" val="0"/>
               </a:ext>
             </a:extLst>
           </a:blip>
@@ -9061,7 +10117,7 @@
           <a:noFill/>
           <a:extLst>
             <a:ext uri="{909E8E84-426E-40dd-AFC4-6F175D3DCCD1}">
-              <a14:hiddenFill xmlns:a14="http://schemas.microsoft.com/office/drawing/2010/main" xmlns="">
+              <a14:hiddenFill xmlns="" xmlns:a14="http://schemas.microsoft.com/office/drawing/2010/main">
                 <a:solidFill>
                   <a:srgbClr val="FFFFFF"/>
                 </a:solidFill>
@@ -9135,7 +10191,7 @@
               </a:ln>
               <a:extLst>
                 <a:ext uri="{91240B29-F687-4f45-9708-019B960494DF}">
-                  <a14:hiddenLine xmlns:a14="http://schemas.microsoft.com/office/drawing/2010/main" xmlns="" w="9525">
+                  <a14:hiddenLine xmlns="" xmlns:a14="http://schemas.microsoft.com/office/drawing/2010/main" w="9525">
                     <a:solidFill>
                       <a:srgbClr val="000000"/>
                     </a:solidFill>
@@ -9225,7 +10281,7 @@
               </a:ln>
               <a:extLst>
                 <a:ext uri="{91240B29-F687-4f45-9708-019B960494DF}">
-                  <a14:hiddenLine xmlns:a14="http://schemas.microsoft.com/office/drawing/2010/main" xmlns="" w="9525">
+                  <a14:hiddenLine xmlns="" xmlns:a14="http://schemas.microsoft.com/office/drawing/2010/main" w="9525">
                     <a:solidFill>
                       <a:srgbClr val="000000"/>
                     </a:solidFill>
@@ -9315,7 +10371,7 @@
               </a:ln>
               <a:extLst>
                 <a:ext uri="{91240B29-F687-4f45-9708-019B960494DF}">
-                  <a14:hiddenLine xmlns:a14="http://schemas.microsoft.com/office/drawing/2010/main" xmlns="" w="9525">
+                  <a14:hiddenLine xmlns="" xmlns:a14="http://schemas.microsoft.com/office/drawing/2010/main" w="9525">
                     <a:solidFill>
                       <a:srgbClr val="000000"/>
                     </a:solidFill>
@@ -9377,7 +10433,7 @@
               </a:ln>
               <a:extLst>
                 <a:ext uri="{91240B29-F687-4f45-9708-019B960494DF}">
-                  <a14:hiddenLine xmlns:a14="http://schemas.microsoft.com/office/drawing/2010/main" xmlns="" w="9525">
+                  <a14:hiddenLine xmlns="" xmlns:a14="http://schemas.microsoft.com/office/drawing/2010/main" w="9525">
                     <a:solidFill>
                       <a:srgbClr val="000000"/>
                     </a:solidFill>
@@ -9467,7 +10523,7 @@
               </a:ln>
               <a:extLst>
                 <a:ext uri="{91240B29-F687-4f45-9708-019B960494DF}">
-                  <a14:hiddenLine xmlns:a14="http://schemas.microsoft.com/office/drawing/2010/main" xmlns="" w="9525">
+                  <a14:hiddenLine xmlns="" xmlns:a14="http://schemas.microsoft.com/office/drawing/2010/main" w="9525">
                     <a:solidFill>
                       <a:srgbClr val="000000"/>
                     </a:solidFill>
@@ -9529,7 +10585,7 @@
               </a:ln>
               <a:extLst>
                 <a:ext uri="{91240B29-F687-4f45-9708-019B960494DF}">
-                  <a14:hiddenLine xmlns:a14="http://schemas.microsoft.com/office/drawing/2010/main" xmlns="" w="9525">
+                  <a14:hiddenLine xmlns="" xmlns:a14="http://schemas.microsoft.com/office/drawing/2010/main" w="9525">
                     <a:solidFill>
                       <a:srgbClr val="000000"/>
                     </a:solidFill>
@@ -9591,7 +10647,7 @@
               </a:ln>
               <a:extLst>
                 <a:ext uri="{91240B29-F687-4f45-9708-019B960494DF}">
-                  <a14:hiddenLine xmlns:a14="http://schemas.microsoft.com/office/drawing/2010/main" xmlns="" w="9525">
+                  <a14:hiddenLine xmlns="" xmlns:a14="http://schemas.microsoft.com/office/drawing/2010/main" w="9525">
                     <a:solidFill>
                       <a:srgbClr val="000000"/>
                     </a:solidFill>
@@ -9681,7 +10737,7 @@
               </a:ln>
               <a:extLst>
                 <a:ext uri="{91240B29-F687-4f45-9708-019B960494DF}">
-                  <a14:hiddenLine xmlns:a14="http://schemas.microsoft.com/office/drawing/2010/main" xmlns="" w="9525">
+                  <a14:hiddenLine xmlns="" xmlns:a14="http://schemas.microsoft.com/office/drawing/2010/main" w="9525">
                     <a:solidFill>
                       <a:srgbClr val="000000"/>
                     </a:solidFill>
@@ -9771,7 +10827,7 @@
               </a:ln>
               <a:extLst>
                 <a:ext uri="{91240B29-F687-4f45-9708-019B960494DF}">
-                  <a14:hiddenLine xmlns:a14="http://schemas.microsoft.com/office/drawing/2010/main" xmlns="" w="9525">
+                  <a14:hiddenLine xmlns="" xmlns:a14="http://schemas.microsoft.com/office/drawing/2010/main" w="9525">
                     <a:solidFill>
                       <a:srgbClr val="000000"/>
                     </a:solidFill>
@@ -9833,7 +10889,7 @@
               </a:ln>
               <a:extLst>
                 <a:ext uri="{91240B29-F687-4f45-9708-019B960494DF}">
-                  <a14:hiddenLine xmlns:a14="http://schemas.microsoft.com/office/drawing/2010/main" xmlns="" w="9525">
+                  <a14:hiddenLine xmlns="" xmlns:a14="http://schemas.microsoft.com/office/drawing/2010/main" w="9525">
                     <a:solidFill>
                       <a:srgbClr val="000000"/>
                     </a:solidFill>
@@ -9943,7 +10999,7 @@
               </a:ln>
               <a:extLst>
                 <a:ext uri="{91240B29-F687-4f45-9708-019B960494DF}">
-                  <a14:hiddenLine xmlns:a14="http://schemas.microsoft.com/office/drawing/2010/main" xmlns="" w="9525">
+                  <a14:hiddenLine xmlns="" xmlns:a14="http://schemas.microsoft.com/office/drawing/2010/main" w="9525">
                     <a:solidFill>
                       <a:srgbClr val="000000"/>
                     </a:solidFill>
@@ -10027,7 +11083,7 @@
               </a:ln>
               <a:extLst>
                 <a:ext uri="{91240B29-F687-4f45-9708-019B960494DF}">
-                  <a14:hiddenLine xmlns:a14="http://schemas.microsoft.com/office/drawing/2010/main" xmlns="" w="9525">
+                  <a14:hiddenLine xmlns="" xmlns:a14="http://schemas.microsoft.com/office/drawing/2010/main" w="9525">
                     <a:solidFill>
                       <a:srgbClr val="000000"/>
                     </a:solidFill>
@@ -10089,7 +11145,7 @@
               </a:ln>
               <a:extLst>
                 <a:ext uri="{91240B29-F687-4f45-9708-019B960494DF}">
-                  <a14:hiddenLine xmlns:a14="http://schemas.microsoft.com/office/drawing/2010/main" xmlns="" w="9525">
+                  <a14:hiddenLine xmlns="" xmlns:a14="http://schemas.microsoft.com/office/drawing/2010/main" w="9525">
                     <a:solidFill>
                       <a:srgbClr val="000000"/>
                     </a:solidFill>
@@ -10151,7 +11207,7 @@
               </a:ln>
               <a:extLst>
                 <a:ext uri="{91240B29-F687-4f45-9708-019B960494DF}">
-                  <a14:hiddenLine xmlns:a14="http://schemas.microsoft.com/office/drawing/2010/main" xmlns="" w="9525">
+                  <a14:hiddenLine xmlns="" xmlns:a14="http://schemas.microsoft.com/office/drawing/2010/main" w="9525">
                     <a:solidFill>
                       <a:srgbClr val="000000"/>
                     </a:solidFill>
@@ -10241,7 +11297,7 @@
               </a:ln>
               <a:extLst>
                 <a:ext uri="{91240B29-F687-4f45-9708-019B960494DF}">
-                  <a14:hiddenLine xmlns:a14="http://schemas.microsoft.com/office/drawing/2010/main" xmlns="" w="9525">
+                  <a14:hiddenLine xmlns="" xmlns:a14="http://schemas.microsoft.com/office/drawing/2010/main" w="9525">
                     <a:solidFill>
                       <a:srgbClr val="000000"/>
                     </a:solidFill>
@@ -10275,7 +11331,7 @@
               </a:ln>
               <a:extLst>
                 <a:ext uri="{91240B29-F687-4f45-9708-019B960494DF}">
-                  <a14:hiddenLine xmlns:a14="http://schemas.microsoft.com/office/drawing/2010/main" xmlns="" w="9525">
+                  <a14:hiddenLine xmlns="" xmlns:a14="http://schemas.microsoft.com/office/drawing/2010/main" w="9525">
                     <a:solidFill>
                       <a:srgbClr val="000000"/>
                     </a:solidFill>
@@ -10340,7 +11396,7 @@
               </a:ln>
               <a:extLst>
                 <a:ext uri="{91240B29-F687-4f45-9708-019B960494DF}">
-                  <a14:hiddenLine xmlns:a14="http://schemas.microsoft.com/office/drawing/2010/main" xmlns="" w="9525">
+                  <a14:hiddenLine xmlns="" xmlns:a14="http://schemas.microsoft.com/office/drawing/2010/main" w="9525">
                     <a:solidFill>
                       <a:srgbClr val="000000"/>
                     </a:solidFill>
@@ -10430,7 +11486,7 @@
               </a:ln>
               <a:extLst>
                 <a:ext uri="{91240B29-F687-4f45-9708-019B960494DF}">
-                  <a14:hiddenLine xmlns:a14="http://schemas.microsoft.com/office/drawing/2010/main" xmlns="" w="9525">
+                  <a14:hiddenLine xmlns="" xmlns:a14="http://schemas.microsoft.com/office/drawing/2010/main" w="9525">
                     <a:solidFill>
                       <a:srgbClr val="000000"/>
                     </a:solidFill>
@@ -10492,7 +11548,7 @@
               </a:ln>
               <a:extLst>
                 <a:ext uri="{91240B29-F687-4f45-9708-019B960494DF}">
-                  <a14:hiddenLine xmlns:a14="http://schemas.microsoft.com/office/drawing/2010/main" xmlns="" w="9525">
+                  <a14:hiddenLine xmlns="" xmlns:a14="http://schemas.microsoft.com/office/drawing/2010/main" w="9525">
                     <a:solidFill>
                       <a:srgbClr val="000000"/>
                     </a:solidFill>
@@ -10582,7 +11638,7 @@
               </a:ln>
               <a:extLst>
                 <a:ext uri="{91240B29-F687-4f45-9708-019B960494DF}">
-                  <a14:hiddenLine xmlns:a14="http://schemas.microsoft.com/office/drawing/2010/main" xmlns="" w="9525">
+                  <a14:hiddenLine xmlns="" xmlns:a14="http://schemas.microsoft.com/office/drawing/2010/main" w="9525">
                     <a:solidFill>
                       <a:srgbClr val="000000"/>
                     </a:solidFill>
@@ -10647,7 +11703,7 @@
               </a:ln>
               <a:extLst>
                 <a:ext uri="{91240B29-F687-4f45-9708-019B960494DF}">
-                  <a14:hiddenLine xmlns:a14="http://schemas.microsoft.com/office/drawing/2010/main" xmlns="" w="9525">
+                  <a14:hiddenLine xmlns="" xmlns:a14="http://schemas.microsoft.com/office/drawing/2010/main" w="9525">
                     <a:solidFill>
                       <a:srgbClr val="000000"/>
                     </a:solidFill>
@@ -10709,7 +11765,7 @@
               </a:ln>
               <a:extLst>
                 <a:ext uri="{91240B29-F687-4f45-9708-019B960494DF}">
-                  <a14:hiddenLine xmlns:a14="http://schemas.microsoft.com/office/drawing/2010/main" xmlns="" w="9525">
+                  <a14:hiddenLine xmlns="" xmlns:a14="http://schemas.microsoft.com/office/drawing/2010/main" w="9525">
                     <a:solidFill>
                       <a:srgbClr val="000000"/>
                     </a:solidFill>
@@ -10799,7 +11855,7 @@
               </a:ln>
               <a:extLst>
                 <a:ext uri="{91240B29-F687-4f45-9708-019B960494DF}">
-                  <a14:hiddenLine xmlns:a14="http://schemas.microsoft.com/office/drawing/2010/main" xmlns="" w="9525">
+                  <a14:hiddenLine xmlns="" xmlns:a14="http://schemas.microsoft.com/office/drawing/2010/main" w="9525">
                     <a:solidFill>
                       <a:srgbClr val="000000"/>
                     </a:solidFill>
@@ -10889,7 +11945,7 @@
               </a:ln>
               <a:extLst>
                 <a:ext uri="{91240B29-F687-4f45-9708-019B960494DF}">
-                  <a14:hiddenLine xmlns:a14="http://schemas.microsoft.com/office/drawing/2010/main" xmlns="" w="9525">
+                  <a14:hiddenLine xmlns="" xmlns:a14="http://schemas.microsoft.com/office/drawing/2010/main" w="9525">
                     <a:solidFill>
                       <a:srgbClr val="000000"/>
                     </a:solidFill>
@@ -10954,7 +12010,7 @@
               </a:ln>
               <a:extLst>
                 <a:ext uri="{91240B29-F687-4f45-9708-019B960494DF}">
-                  <a14:hiddenLine xmlns:a14="http://schemas.microsoft.com/office/drawing/2010/main" xmlns="" w="9525">
+                  <a14:hiddenLine xmlns="" xmlns:a14="http://schemas.microsoft.com/office/drawing/2010/main" w="9525">
                     <a:solidFill>
                       <a:srgbClr val="000000"/>
                     </a:solidFill>
@@ -11074,7 +12130,7 @@
               </a:ln>
               <a:extLst>
                 <a:ext uri="{91240B29-F687-4f45-9708-019B960494DF}">
-                  <a14:hiddenLine xmlns:a14="http://schemas.microsoft.com/office/drawing/2010/main" xmlns="" w="9525">
+                  <a14:hiddenLine xmlns="" xmlns:a14="http://schemas.microsoft.com/office/drawing/2010/main" w="9525">
                     <a:solidFill>
                       <a:srgbClr val="000000"/>
                     </a:solidFill>
@@ -11172,7 +12228,7 @@
               </a:ln>
               <a:extLst>
                 <a:ext uri="{91240B29-F687-4f45-9708-019B960494DF}">
-                  <a14:hiddenLine xmlns:a14="http://schemas.microsoft.com/office/drawing/2010/main" xmlns="" w="9525">
+                  <a14:hiddenLine xmlns="" xmlns:a14="http://schemas.microsoft.com/office/drawing/2010/main" w="9525">
                     <a:solidFill>
                       <a:srgbClr val="000000"/>
                     </a:solidFill>
@@ -11287,7 +12343,7 @@
               </a:ln>
               <a:extLst>
                 <a:ext uri="{91240B29-F687-4f45-9708-019B960494DF}">
-                  <a14:hiddenLine xmlns:a14="http://schemas.microsoft.com/office/drawing/2010/main" xmlns="" w="9525">
+                  <a14:hiddenLine xmlns="" xmlns:a14="http://schemas.microsoft.com/office/drawing/2010/main" w="9525">
                     <a:solidFill>
                       <a:srgbClr val="000000"/>
                     </a:solidFill>
@@ -11377,7 +12433,7 @@
               </a:ln>
               <a:extLst>
                 <a:ext uri="{91240B29-F687-4f45-9708-019B960494DF}">
-                  <a14:hiddenLine xmlns:a14="http://schemas.microsoft.com/office/drawing/2010/main" xmlns="" w="9525">
+                  <a14:hiddenLine xmlns="" xmlns:a14="http://schemas.microsoft.com/office/drawing/2010/main" w="9525">
                     <a:solidFill>
                       <a:srgbClr val="000000"/>
                     </a:solidFill>
@@ -11442,7 +12498,7 @@
               </a:ln>
               <a:extLst>
                 <a:ext uri="{91240B29-F687-4f45-9708-019B960494DF}">
-                  <a14:hiddenLine xmlns:a14="http://schemas.microsoft.com/office/drawing/2010/main" xmlns="" w="9525">
+                  <a14:hiddenLine xmlns="" xmlns:a14="http://schemas.microsoft.com/office/drawing/2010/main" w="9525">
                     <a:solidFill>
                       <a:srgbClr val="000000"/>
                     </a:solidFill>
@@ -11532,7 +12588,7 @@
               </a:ln>
               <a:extLst>
                 <a:ext uri="{91240B29-F687-4f45-9708-019B960494DF}">
-                  <a14:hiddenLine xmlns:a14="http://schemas.microsoft.com/office/drawing/2010/main" xmlns="" w="9525">
+                  <a14:hiddenLine xmlns="" xmlns:a14="http://schemas.microsoft.com/office/drawing/2010/main" w="9525">
                     <a:solidFill>
                       <a:srgbClr val="000000"/>
                     </a:solidFill>
@@ -11600,7 +12656,7 @@
               </a:ln>
               <a:extLst>
                 <a:ext uri="{91240B29-F687-4f45-9708-019B960494DF}">
-                  <a14:hiddenLine xmlns:a14="http://schemas.microsoft.com/office/drawing/2010/main" xmlns="" w="9525">
+                  <a14:hiddenLine xmlns="" xmlns:a14="http://schemas.microsoft.com/office/drawing/2010/main" w="9525">
                     <a:solidFill>
                       <a:srgbClr val="000000"/>
                     </a:solidFill>
@@ -11690,7 +12746,7 @@
               </a:ln>
               <a:extLst>
                 <a:ext uri="{91240B29-F687-4f45-9708-019B960494DF}">
-                  <a14:hiddenLine xmlns:a14="http://schemas.microsoft.com/office/drawing/2010/main" xmlns="" w="9525">
+                  <a14:hiddenLine xmlns="" xmlns:a14="http://schemas.microsoft.com/office/drawing/2010/main" w="9525">
                     <a:solidFill>
                       <a:srgbClr val="000000"/>
                     </a:solidFill>
@@ -11758,7 +12814,7 @@
               </a:ln>
               <a:extLst>
                 <a:ext uri="{91240B29-F687-4f45-9708-019B960494DF}">
-                  <a14:hiddenLine xmlns:a14="http://schemas.microsoft.com/office/drawing/2010/main" xmlns="" w="9525">
+                  <a14:hiddenLine xmlns="" xmlns:a14="http://schemas.microsoft.com/office/drawing/2010/main" w="9525">
                     <a:solidFill>
                       <a:srgbClr val="000000"/>
                     </a:solidFill>
@@ -11848,7 +12904,7 @@
               </a:ln>
               <a:extLst>
                 <a:ext uri="{91240B29-F687-4f45-9708-019B960494DF}">
-                  <a14:hiddenLine xmlns:a14="http://schemas.microsoft.com/office/drawing/2010/main" xmlns="" w="9525">
+                  <a14:hiddenLine xmlns="" xmlns:a14="http://schemas.microsoft.com/office/drawing/2010/main" w="9525">
                     <a:solidFill>
                       <a:srgbClr val="000000"/>
                     </a:solidFill>
@@ -11882,7 +12938,7 @@
               </a:ln>
               <a:extLst>
                 <a:ext uri="{91240B29-F687-4f45-9708-019B960494DF}">
-                  <a14:hiddenLine xmlns:a14="http://schemas.microsoft.com/office/drawing/2010/main" xmlns="" w="9525">
+                  <a14:hiddenLine xmlns="" xmlns:a14="http://schemas.microsoft.com/office/drawing/2010/main" w="9525">
                     <a:solidFill>
                       <a:srgbClr val="000000"/>
                     </a:solidFill>
@@ -12020,9 +13076,10 @@
             </a:lvl1pPr>
           </a:lstStyle>
           <a:p>
-            <a:fld id="{411785C3-07A4-4BE5-9324-F42A205E743E}" type="datetimeFigureOut">
+            <a:fld id="{E7A0FEFB-BD0E-40DE-B37C-A603575FC69B}" type="datetime1">
               <a:rPr lang="fr-FR" smtClean="0"/>
-              <a:t>22/11/2017</a:t>
+              <a:pPr/>
+              <a:t>25/11/2017</a:t>
             </a:fld>
             <a:endParaRPr lang="fr-FR"/>
           </a:p>
@@ -12061,7 +13118,10 @@
             </a:lvl1pPr>
           </a:lstStyle>
           <a:p>
-            <a:endParaRPr lang="fr-FR"/>
+            <a:r>
+              <a:rPr lang="fr-FR"/>
+              <a:t>28/11/2017</a:t>
+            </a:r>
           </a:p>
         </p:txBody>
       </p:sp>
@@ -12100,6 +13160,7 @@
           <a:p>
             <a:fld id="{ED22AD06-C296-4654-A2D3-A746ACA7B044}" type="slidenum">
               <a:rPr lang="fr-FR" smtClean="0"/>
+              <a:pPr/>
               <a:t>‹N°›</a:t>
             </a:fld>
             <a:endParaRPr lang="fr-FR"/>
@@ -12109,7 +13170,7 @@
     </p:spTree>
     <p:extLst>
       <p:ext uri="{BB962C8B-B14F-4D97-AF65-F5344CB8AC3E}">
-        <p14:creationId xmlns:p14="http://schemas.microsoft.com/office/powerpoint/2010/main" val="3113611123"/>
+        <p14:creationId xmlns:p14="http://schemas.microsoft.com/office/powerpoint/2010/main" xmlns="" val="3113611123"/>
       </p:ext>
     </p:extLst>
   </p:cSld>
@@ -12133,6 +13194,7 @@
     <p:sldLayoutId id="2147483676" r:id="rId16"/>
     <p:sldLayoutId id="2147483677" r:id="rId17"/>
   </p:sldLayoutIdLst>
+  <p:hf hdr="0" dt="0"/>
   <p:txStyles>
     <p:titleStyle>
       <a:lvl1pPr algn="l" defTabSz="914400" rtl="0" eaLnBrk="1" latinLnBrk="0" hangingPunct="1">
@@ -12447,7 +13509,7 @@
           <p:cNvPr id="2" name="Titre 1">
             <a:extLst>
               <a:ext uri="{FF2B5EF4-FFF2-40B4-BE49-F238E27FC236}">
-                <a16:creationId xmlns:a16="http://schemas.microsoft.com/office/drawing/2014/main" id="{9F52FD9D-33EE-4685-A41A-41360487DC0F}"/>
+                <a16:creationId xmlns:a16="http://schemas.microsoft.com/office/drawing/2014/main" xmlns="" id="{9F52FD9D-33EE-4685-A41A-41360487DC0F}"/>
               </a:ext>
             </a:extLst>
           </p:cNvPr>
@@ -12475,7 +13537,7 @@
           <p:cNvPr id="3" name="Sous-titre 2">
             <a:extLst>
               <a:ext uri="{FF2B5EF4-FFF2-40B4-BE49-F238E27FC236}">
-                <a16:creationId xmlns:a16="http://schemas.microsoft.com/office/drawing/2014/main" id="{776C2F1D-5B6E-4823-8BA0-DB0D72969C73}"/>
+                <a16:creationId xmlns:a16="http://schemas.microsoft.com/office/drawing/2014/main" xmlns="" id="{776C2F1D-5B6E-4823-8BA0-DB0D72969C73}"/>
               </a:ext>
             </a:extLst>
           </p:cNvPr>
@@ -12488,52 +13550,939 @@
         </p:nvSpPr>
         <p:spPr/>
         <p:txBody>
+          <a:bodyPr>
+            <a:normAutofit/>
+          </a:bodyPr>
+          <a:lstStyle/>
+          <a:p>
+            <a:r>
+              <a:rPr lang="fr-FR" dirty="0"/>
+              <a:t>Equipe 7</a:t>
+            </a:r>
+          </a:p>
+          <a:p>
+            <a:r>
+              <a:rPr lang="fr-FR" dirty="0" err="1"/>
+              <a:t>Bontron</a:t>
+            </a:r>
+            <a:r>
+              <a:rPr lang="fr-FR" dirty="0"/>
+              <a:t> Julien 		</a:t>
+            </a:r>
+            <a:r>
+              <a:rPr lang="fr-FR" dirty="0" err="1"/>
+              <a:t>Joymangul</a:t>
+            </a:r>
+            <a:r>
+              <a:rPr lang="fr-FR" dirty="0"/>
+              <a:t> Jensen</a:t>
+            </a:r>
+          </a:p>
+          <a:p>
+            <a:r>
+              <a:rPr lang="fr-FR" dirty="0"/>
+              <a:t>Moisson Matthieu 		</a:t>
+            </a:r>
+            <a:r>
+              <a:rPr lang="fr-FR" dirty="0" err="1"/>
+              <a:t>Varrel</a:t>
+            </a:r>
+            <a:r>
+              <a:rPr lang="fr-FR" dirty="0"/>
+              <a:t> Lilian</a:t>
+            </a:r>
+          </a:p>
+        </p:txBody>
+      </p:sp>
+      <p:sp>
+        <p:nvSpPr>
+          <p:cNvPr id="4" name="Espace réservé du pied de page 3">
+            <a:extLst>
+              <a:ext uri="{FF2B5EF4-FFF2-40B4-BE49-F238E27FC236}">
+                <a16:creationId xmlns:a16="http://schemas.microsoft.com/office/drawing/2014/main" xmlns="" id="{E19B2D75-EDCC-4AFF-9A98-1F3CACEC0A6A}"/>
+              </a:ext>
+            </a:extLst>
+          </p:cNvPr>
+          <p:cNvSpPr>
+            <a:spLocks noGrp="1"/>
+          </p:cNvSpPr>
+          <p:nvPr>
+            <p:ph type="ftr" sz="quarter" idx="11"/>
+          </p:nvPr>
+        </p:nvSpPr>
+        <p:spPr/>
+        <p:txBody>
           <a:bodyPr/>
           <a:lstStyle/>
           <a:p>
             <a:r>
-              <a:rPr lang="fr-FR" dirty="0"/>
-              <a:t>Equipe 7</a:t>
-            </a:r>
-          </a:p>
-          <a:p>
-            <a:r>
-              <a:rPr lang="fr-FR" dirty="0" err="1"/>
-              <a:t>Bontron</a:t>
-            </a:r>
-            <a:r>
-              <a:rPr lang="fr-FR" dirty="0"/>
-              <a:t> Julien </a:t>
-            </a:r>
-            <a:r>
-              <a:rPr lang="fr-FR" dirty="0" err="1"/>
-              <a:t>Joymangul</a:t>
-            </a:r>
-            <a:r>
-              <a:rPr lang="fr-FR" dirty="0"/>
-              <a:t> Jensen</a:t>
-            </a:r>
-          </a:p>
-          <a:p>
-            <a:r>
-              <a:rPr lang="fr-FR" dirty="0"/>
-              <a:t>Moisson Matthieu </a:t>
-            </a:r>
-            <a:r>
-              <a:rPr lang="fr-FR" dirty="0" err="1"/>
-              <a:t>Varrel</a:t>
-            </a:r>
-            <a:r>
-              <a:rPr lang="fr-FR" dirty="0"/>
-              <a:t> Lilian</a:t>
-            </a:r>
+              <a:rPr lang="fr-FR"/>
+              <a:t>28/11/2017</a:t>
+            </a:r>
+          </a:p>
+        </p:txBody>
+      </p:sp>
+      <p:sp>
+        <p:nvSpPr>
+          <p:cNvPr id="5" name="Espace réservé du numéro de diapositive 4">
+            <a:extLst>
+              <a:ext uri="{FF2B5EF4-FFF2-40B4-BE49-F238E27FC236}">
+                <a16:creationId xmlns:a16="http://schemas.microsoft.com/office/drawing/2014/main" xmlns="" id="{8757B5B7-651C-471B-8E56-319BD613CF18}"/>
+              </a:ext>
+            </a:extLst>
+          </p:cNvPr>
+          <p:cNvSpPr>
+            <a:spLocks noGrp="1"/>
+          </p:cNvSpPr>
+          <p:nvPr>
+            <p:ph type="sldNum" sz="quarter" idx="12"/>
+          </p:nvPr>
+        </p:nvSpPr>
+        <p:spPr/>
+        <p:txBody>
+          <a:bodyPr/>
+          <a:lstStyle/>
+          <a:p>
+            <a:fld id="{ED22AD06-C296-4654-A2D3-A746ACA7B044}" type="slidenum">
+              <a:rPr lang="fr-FR" smtClean="0"/>
+              <a:pPr/>
+              <a:t>1</a:t>
+            </a:fld>
+            <a:endParaRPr lang="fr-FR"/>
           </a:p>
         </p:txBody>
       </p:sp>
     </p:spTree>
     <p:extLst>
       <p:ext uri="{BB962C8B-B14F-4D97-AF65-F5344CB8AC3E}">
-        <p14:creationId xmlns:p14="http://schemas.microsoft.com/office/powerpoint/2010/main" val="68843735"/>
+        <p14:creationId xmlns:p14="http://schemas.microsoft.com/office/powerpoint/2010/main" xmlns="" val="68843735"/>
+      </p:ext>
+    </p:extLst>
+  </p:cSld>
+  <p:clrMapOvr>
+    <a:masterClrMapping/>
+  </p:clrMapOvr>
+</p:sld>
+</file>
+
+<file path=ppt/slides/slide10.xml><?xml version="1.0" encoding="utf-8"?>
+<p:sld xmlns:a="http://schemas.openxmlformats.org/drawingml/2006/main" xmlns:r="http://schemas.openxmlformats.org/officeDocument/2006/relationships" xmlns:p="http://schemas.openxmlformats.org/presentationml/2006/main">
+  <p:cSld>
+    <p:spTree>
+      <p:nvGrpSpPr>
+        <p:cNvPr id="1" name=""/>
+        <p:cNvGrpSpPr/>
+        <p:nvPr/>
+      </p:nvGrpSpPr>
+      <p:grpSpPr>
+        <a:xfrm>
+          <a:off x="0" y="0"/>
+          <a:ext cx="0" cy="0"/>
+          <a:chOff x="0" y="0"/>
+          <a:chExt cx="0" cy="0"/>
+        </a:xfrm>
+      </p:grpSpPr>
+      <p:sp>
+        <p:nvSpPr>
+          <p:cNvPr id="2" name="Titre 1">
+            <a:extLst>
+              <a:ext uri="{FF2B5EF4-FFF2-40B4-BE49-F238E27FC236}">
+                <a16:creationId xmlns:a16="http://schemas.microsoft.com/office/drawing/2014/main" xmlns="" id="{0845828D-6CC7-4486-8B9C-DD5D9F22D31D}"/>
+              </a:ext>
+            </a:extLst>
+          </p:cNvPr>
+          <p:cNvSpPr>
+            <a:spLocks noGrp="1"/>
+          </p:cNvSpPr>
+          <p:nvPr>
+            <p:ph type="title"/>
+          </p:nvPr>
+        </p:nvSpPr>
+        <p:spPr/>
+        <p:txBody>
+          <a:bodyPr>
+            <a:normAutofit fontScale="90000"/>
+          </a:bodyPr>
+          <a:lstStyle/>
+          <a:p>
+            <a:r>
+              <a:rPr lang="fr-FR" dirty="0"/>
+              <a:t>CI/CD : Intégration continue </a:t>
+            </a:r>
+            <a:br>
+              <a:rPr lang="fr-FR" dirty="0"/>
+            </a:br>
+            <a:r>
+              <a:rPr lang="fr-FR" dirty="0"/>
+              <a:t>Serveur d’intégration (CI)</a:t>
+            </a:r>
+            <a:br>
+              <a:rPr lang="fr-FR" dirty="0"/>
+            </a:br>
+            <a:endParaRPr lang="fr-FR" dirty="0"/>
+          </a:p>
+        </p:txBody>
+      </p:sp>
+      <p:sp>
+        <p:nvSpPr>
+          <p:cNvPr id="3" name="Espace réservé du contenu 2">
+            <a:extLst>
+              <a:ext uri="{FF2B5EF4-FFF2-40B4-BE49-F238E27FC236}">
+                <a16:creationId xmlns:a16="http://schemas.microsoft.com/office/drawing/2014/main" xmlns="" id="{D2565F79-8447-4704-800E-75742A26C65D}"/>
+              </a:ext>
+            </a:extLst>
+          </p:cNvPr>
+          <p:cNvSpPr>
+            <a:spLocks noGrp="1"/>
+          </p:cNvSpPr>
+          <p:nvPr>
+            <p:ph sz="half" idx="2"/>
+          </p:nvPr>
+        </p:nvSpPr>
+        <p:spPr>
+          <a:xfrm>
+            <a:off x="1141410" y="2097087"/>
+            <a:ext cx="4878391" cy="3694111"/>
+          </a:xfrm>
+        </p:spPr>
+        <p:txBody>
+          <a:bodyPr>
+            <a:normAutofit/>
+          </a:bodyPr>
+          <a:lstStyle/>
+          <a:p>
+            <a:r>
+              <a:rPr lang="fr-FR" dirty="0"/>
+              <a:t>Travis</a:t>
+            </a:r>
+          </a:p>
+          <a:p>
+            <a:pPr marL="457200" lvl="1" indent="0">
+              <a:buNone/>
+            </a:pPr>
+            <a:r>
+              <a:rPr lang="fr-FR" dirty="0"/>
+              <a:t>+ avec </a:t>
+            </a:r>
+            <a:r>
+              <a:rPr lang="fr-FR" dirty="0" err="1"/>
+              <a:t>Github</a:t>
+            </a:r>
+            <a:r>
+              <a:rPr lang="fr-FR" dirty="0"/>
+              <a:t> </a:t>
+            </a:r>
+            <a:r>
+              <a:rPr lang="fr-FR" dirty="0" smtClean="0"/>
+              <a:t>(analyse </a:t>
+            </a:r>
+            <a:r>
+              <a:rPr lang="fr-FR" dirty="0"/>
+              <a:t>tout les push </a:t>
+            </a:r>
+            <a:r>
+              <a:rPr lang="fr-FR" dirty="0" err="1"/>
+              <a:t>Github</a:t>
+            </a:r>
+            <a:r>
+              <a:rPr lang="fr-FR" dirty="0"/>
+              <a:t>)</a:t>
+            </a:r>
+          </a:p>
+          <a:p>
+            <a:pPr marL="457200" lvl="1" indent="0">
+              <a:buNone/>
+            </a:pPr>
+            <a:r>
+              <a:rPr lang="fr-FR" dirty="0"/>
+              <a:t>+ simple d’utilisation (écriture d’un seul fichier </a:t>
+            </a:r>
+            <a:r>
+              <a:rPr lang="fr-FR" dirty="0" err="1"/>
+              <a:t>travis.yml</a:t>
+            </a:r>
+            <a:r>
+              <a:rPr lang="fr-FR" dirty="0"/>
+              <a:t>)</a:t>
+            </a:r>
+          </a:p>
+          <a:p>
+            <a:pPr marL="457200" lvl="1" indent="0">
+              <a:buNone/>
+            </a:pPr>
+            <a:r>
+              <a:rPr lang="fr-FR" dirty="0"/>
+              <a:t>+supporte plus d’un douzaine de langage</a:t>
+            </a:r>
+          </a:p>
+          <a:p>
+            <a:pPr marL="457200" lvl="1" indent="0">
+              <a:buNone/>
+            </a:pPr>
+            <a:r>
+              <a:rPr lang="fr-FR" dirty="0"/>
+              <a:t>+large communauté </a:t>
+            </a:r>
+          </a:p>
+          <a:p>
+            <a:endParaRPr lang="fr-FR" dirty="0"/>
+          </a:p>
+        </p:txBody>
+      </p:sp>
+      <p:sp>
+        <p:nvSpPr>
+          <p:cNvPr id="6" name="Espace réservé du contenu 5">
+            <a:extLst>
+              <a:ext uri="{FF2B5EF4-FFF2-40B4-BE49-F238E27FC236}">
+                <a16:creationId xmlns:a16="http://schemas.microsoft.com/office/drawing/2014/main" xmlns="" id="{E72588E6-DD5B-48C8-86FB-E66FFBA90F82}"/>
+              </a:ext>
+            </a:extLst>
+          </p:cNvPr>
+          <p:cNvSpPr>
+            <a:spLocks noGrp="1"/>
+          </p:cNvSpPr>
+          <p:nvPr>
+            <p:ph sz="quarter" idx="4"/>
+          </p:nvPr>
+        </p:nvSpPr>
+        <p:spPr>
+          <a:xfrm>
+            <a:off x="6172200" y="2188029"/>
+            <a:ext cx="4875210" cy="3603169"/>
+          </a:xfrm>
+        </p:spPr>
+        <p:txBody>
+          <a:bodyPr>
+            <a:normAutofit/>
+          </a:bodyPr>
+          <a:lstStyle/>
+          <a:p>
+            <a:pPr lvl="1"/>
+            <a:r>
+              <a:rPr lang="fr-FR" dirty="0"/>
+              <a:t>Jenkins</a:t>
+            </a:r>
+          </a:p>
+          <a:p>
+            <a:pPr marL="457200" lvl="1" indent="0">
+              <a:buNone/>
+            </a:pPr>
+            <a:r>
+              <a:rPr lang="fr-FR" dirty="0"/>
+              <a:t>	+ gratuit et open source</a:t>
+            </a:r>
+          </a:p>
+          <a:p>
+            <a:pPr marL="457200" lvl="1" indent="0">
+              <a:buNone/>
+            </a:pPr>
+            <a:r>
+              <a:rPr lang="fr-FR" dirty="0"/>
+              <a:t>	+ beaucoup de plugin</a:t>
+            </a:r>
+          </a:p>
+          <a:p>
+            <a:pPr marL="457200" lvl="1" indent="0">
+              <a:buNone/>
+            </a:pPr>
+            <a:r>
+              <a:rPr lang="fr-FR" dirty="0"/>
+              <a:t>	+ supporte de nombreux VCS (git, 	SVN, Mercurial)</a:t>
+            </a:r>
+          </a:p>
+          <a:p>
+            <a:pPr marL="457200" lvl="1" indent="0">
+              <a:buNone/>
+            </a:pPr>
+            <a:r>
+              <a:rPr lang="fr-FR" dirty="0"/>
+              <a:t>	+ facile d’installation</a:t>
+            </a:r>
+          </a:p>
+          <a:p>
+            <a:pPr marL="457200" lvl="1" indent="0">
+              <a:buNone/>
+            </a:pPr>
+            <a:endParaRPr lang="fr-FR" dirty="0"/>
+          </a:p>
+          <a:p>
+            <a:endParaRPr lang="fr-FR" dirty="0"/>
+          </a:p>
+        </p:txBody>
+      </p:sp>
+      <p:sp>
+        <p:nvSpPr>
+          <p:cNvPr id="4" name="Espace réservé du pied de page 3">
+            <a:extLst>
+              <a:ext uri="{FF2B5EF4-FFF2-40B4-BE49-F238E27FC236}">
+                <a16:creationId xmlns:a16="http://schemas.microsoft.com/office/drawing/2014/main" xmlns="" id="{D4BDCF3C-4CEF-4C3D-B0AB-820E91CB4D87}"/>
+              </a:ext>
+            </a:extLst>
+          </p:cNvPr>
+          <p:cNvSpPr>
+            <a:spLocks noGrp="1"/>
+          </p:cNvSpPr>
+          <p:nvPr>
+            <p:ph type="ftr" sz="quarter" idx="11"/>
+          </p:nvPr>
+        </p:nvSpPr>
+        <p:spPr/>
+        <p:txBody>
+          <a:bodyPr/>
+          <a:lstStyle/>
+          <a:p>
+            <a:r>
+              <a:rPr lang="fr-FR"/>
+              <a:t>28/11/2017</a:t>
+            </a:r>
+          </a:p>
+        </p:txBody>
+      </p:sp>
+      <p:sp>
+        <p:nvSpPr>
+          <p:cNvPr id="5" name="Espace réservé du numéro de diapositive 4">
+            <a:extLst>
+              <a:ext uri="{FF2B5EF4-FFF2-40B4-BE49-F238E27FC236}">
+                <a16:creationId xmlns:a16="http://schemas.microsoft.com/office/drawing/2014/main" xmlns="" id="{44C012D5-735C-4D3C-9885-074DB86045D8}"/>
+              </a:ext>
+            </a:extLst>
+          </p:cNvPr>
+          <p:cNvSpPr>
+            <a:spLocks noGrp="1"/>
+          </p:cNvSpPr>
+          <p:nvPr>
+            <p:ph type="sldNum" sz="quarter" idx="12"/>
+          </p:nvPr>
+        </p:nvSpPr>
+        <p:spPr/>
+        <p:txBody>
+          <a:bodyPr/>
+          <a:lstStyle/>
+          <a:p>
+            <a:fld id="{ED22AD06-C296-4654-A2D3-A746ACA7B044}" type="slidenum">
+              <a:rPr lang="fr-FR" smtClean="0"/>
+              <a:pPr/>
+              <a:t>10</a:t>
+            </a:fld>
+            <a:endParaRPr lang="fr-FR"/>
+          </a:p>
+        </p:txBody>
+      </p:sp>
+    </p:spTree>
+    <p:extLst>
+      <p:ext uri="{BB962C8B-B14F-4D97-AF65-F5344CB8AC3E}">
+        <p14:creationId xmlns:p14="http://schemas.microsoft.com/office/powerpoint/2010/main" xmlns="" val="473782799"/>
+      </p:ext>
+    </p:extLst>
+  </p:cSld>
+  <p:clrMapOvr>
+    <a:masterClrMapping/>
+  </p:clrMapOvr>
+</p:sld>
+</file>
+
+<file path=ppt/slides/slide11.xml><?xml version="1.0" encoding="utf-8"?>
+<p:sld xmlns:a="http://schemas.openxmlformats.org/drawingml/2006/main" xmlns:r="http://schemas.openxmlformats.org/officeDocument/2006/relationships" xmlns:p="http://schemas.openxmlformats.org/presentationml/2006/main">
+  <p:cSld>
+    <p:spTree>
+      <p:nvGrpSpPr>
+        <p:cNvPr id="1" name=""/>
+        <p:cNvGrpSpPr/>
+        <p:nvPr/>
+      </p:nvGrpSpPr>
+      <p:grpSpPr>
+        <a:xfrm>
+          <a:off x="0" y="0"/>
+          <a:ext cx="0" cy="0"/>
+          <a:chOff x="0" y="0"/>
+          <a:chExt cx="0" cy="0"/>
+        </a:xfrm>
+      </p:grpSpPr>
+      <p:sp>
+        <p:nvSpPr>
+          <p:cNvPr id="2" name="Titre 1">
+            <a:extLst>
+              <a:ext uri="{FF2B5EF4-FFF2-40B4-BE49-F238E27FC236}">
+                <a16:creationId xmlns:a16="http://schemas.microsoft.com/office/drawing/2014/main" xmlns="" id="{0845828D-6CC7-4486-8B9C-DD5D9F22D31D}"/>
+              </a:ext>
+            </a:extLst>
+          </p:cNvPr>
+          <p:cNvSpPr>
+            <a:spLocks noGrp="1"/>
+          </p:cNvSpPr>
+          <p:nvPr>
+            <p:ph type="title"/>
+          </p:nvPr>
+        </p:nvSpPr>
+        <p:spPr/>
+        <p:txBody>
+          <a:bodyPr/>
+          <a:lstStyle/>
+          <a:p>
+            <a:r>
+              <a:rPr lang="fr-FR" dirty="0"/>
+              <a:t>CI/CD : Déploiement continu</a:t>
+            </a:r>
+          </a:p>
+        </p:txBody>
+      </p:sp>
+      <p:sp>
+        <p:nvSpPr>
+          <p:cNvPr id="3" name="Espace réservé du contenu 2">
+            <a:extLst>
+              <a:ext uri="{FF2B5EF4-FFF2-40B4-BE49-F238E27FC236}">
+                <a16:creationId xmlns:a16="http://schemas.microsoft.com/office/drawing/2014/main" xmlns="" id="{D2565F79-8447-4704-800E-75742A26C65D}"/>
+              </a:ext>
+            </a:extLst>
+          </p:cNvPr>
+          <p:cNvSpPr>
+            <a:spLocks noGrp="1"/>
+          </p:cNvSpPr>
+          <p:nvPr>
+            <p:ph idx="1"/>
+          </p:nvPr>
+        </p:nvSpPr>
+        <p:spPr>
+          <a:xfrm>
+            <a:off x="1141413" y="1655720"/>
+            <a:ext cx="9905999" cy="4982585"/>
+          </a:xfrm>
+        </p:spPr>
+        <p:txBody>
+          <a:bodyPr/>
+          <a:lstStyle/>
+          <a:p>
+            <a:r>
+              <a:rPr lang="fr-FR" dirty="0" smtClean="0"/>
+              <a:t>Automatisation </a:t>
+            </a:r>
+            <a:r>
+              <a:rPr lang="fr-FR" dirty="0"/>
+              <a:t>des tests</a:t>
+            </a:r>
+          </a:p>
+          <a:p>
+            <a:pPr lvl="1"/>
+            <a:r>
+              <a:rPr lang="fr-FR" dirty="0"/>
+              <a:t> </a:t>
+            </a:r>
+            <a:r>
+              <a:rPr lang="fr-FR" dirty="0" err="1"/>
+              <a:t>Mock</a:t>
+            </a:r>
+            <a:endParaRPr lang="fr-FR" dirty="0"/>
+          </a:p>
+          <a:p>
+            <a:pPr lvl="1"/>
+            <a:r>
+              <a:rPr lang="fr-FR" dirty="0"/>
+              <a:t>Travis</a:t>
+            </a:r>
+          </a:p>
+          <a:p>
+            <a:r>
+              <a:rPr lang="fr-FR" dirty="0" smtClean="0"/>
+              <a:t>Images Docker</a:t>
+            </a:r>
+          </a:p>
+          <a:p>
+            <a:pPr lvl="1"/>
+            <a:r>
+              <a:rPr lang="fr-FR" dirty="0" smtClean="0"/>
+              <a:t>Même configuration sur notre machine que sur le serveur</a:t>
+            </a:r>
+          </a:p>
+          <a:p>
+            <a:pPr lvl="1"/>
+            <a:r>
+              <a:rPr lang="fr-FR" dirty="0" smtClean="0"/>
+              <a:t>Déploiement en un clic</a:t>
+            </a:r>
+          </a:p>
+          <a:p>
+            <a:pPr lvl="1"/>
+            <a:r>
+              <a:rPr lang="fr-FR" dirty="0" smtClean="0"/>
+              <a:t>La panne d’un conteneur ne rend pas tout le serveur HS</a:t>
+            </a:r>
+            <a:endParaRPr lang="fr-FR" dirty="0"/>
+          </a:p>
+        </p:txBody>
+      </p:sp>
+      <p:sp>
+        <p:nvSpPr>
+          <p:cNvPr id="4" name="Espace réservé du pied de page 3">
+            <a:extLst>
+              <a:ext uri="{FF2B5EF4-FFF2-40B4-BE49-F238E27FC236}">
+                <a16:creationId xmlns:a16="http://schemas.microsoft.com/office/drawing/2014/main" xmlns="" id="{0A8F501C-9209-40B4-A95F-C00802466179}"/>
+              </a:ext>
+            </a:extLst>
+          </p:cNvPr>
+          <p:cNvSpPr>
+            <a:spLocks noGrp="1"/>
+          </p:cNvSpPr>
+          <p:nvPr>
+            <p:ph type="ftr" sz="quarter" idx="11"/>
+          </p:nvPr>
+        </p:nvSpPr>
+        <p:spPr/>
+        <p:txBody>
+          <a:bodyPr/>
+          <a:lstStyle/>
+          <a:p>
+            <a:r>
+              <a:rPr lang="fr-FR"/>
+              <a:t>28/11/2017</a:t>
+            </a:r>
+          </a:p>
+        </p:txBody>
+      </p:sp>
+      <p:sp>
+        <p:nvSpPr>
+          <p:cNvPr id="5" name="Espace réservé du numéro de diapositive 4">
+            <a:extLst>
+              <a:ext uri="{FF2B5EF4-FFF2-40B4-BE49-F238E27FC236}">
+                <a16:creationId xmlns:a16="http://schemas.microsoft.com/office/drawing/2014/main" xmlns="" id="{2E162C00-9BEA-48A6-8E2D-CFF6F8DFC0F9}"/>
+              </a:ext>
+            </a:extLst>
+          </p:cNvPr>
+          <p:cNvSpPr>
+            <a:spLocks noGrp="1"/>
+          </p:cNvSpPr>
+          <p:nvPr>
+            <p:ph type="sldNum" sz="quarter" idx="12"/>
+          </p:nvPr>
+        </p:nvSpPr>
+        <p:spPr/>
+        <p:txBody>
+          <a:bodyPr/>
+          <a:lstStyle/>
+          <a:p>
+            <a:fld id="{ED22AD06-C296-4654-A2D3-A746ACA7B044}" type="slidenum">
+              <a:rPr lang="fr-FR" smtClean="0"/>
+              <a:pPr/>
+              <a:t>11</a:t>
+            </a:fld>
+            <a:endParaRPr lang="fr-FR"/>
+          </a:p>
+        </p:txBody>
+      </p:sp>
+    </p:spTree>
+    <p:extLst>
+      <p:ext uri="{BB962C8B-B14F-4D97-AF65-F5344CB8AC3E}">
+        <p14:creationId xmlns:p14="http://schemas.microsoft.com/office/powerpoint/2010/main" xmlns="" val="3015462745"/>
+      </p:ext>
+    </p:extLst>
+  </p:cSld>
+  <p:clrMapOvr>
+    <a:masterClrMapping/>
+  </p:clrMapOvr>
+</p:sld>
+</file>
+
+<file path=ppt/slides/slide12.xml><?xml version="1.0" encoding="utf-8"?>
+<p:sld xmlns:a="http://schemas.openxmlformats.org/drawingml/2006/main" xmlns:r="http://schemas.openxmlformats.org/officeDocument/2006/relationships" xmlns:p="http://schemas.openxmlformats.org/presentationml/2006/main">
+  <p:cSld>
+    <p:spTree>
+      <p:nvGrpSpPr>
+        <p:cNvPr id="1" name=""/>
+        <p:cNvGrpSpPr/>
+        <p:nvPr/>
+      </p:nvGrpSpPr>
+      <p:grpSpPr>
+        <a:xfrm>
+          <a:off x="0" y="0"/>
+          <a:ext cx="0" cy="0"/>
+          <a:chOff x="0" y="0"/>
+          <a:chExt cx="0" cy="0"/>
+        </a:xfrm>
+      </p:grpSpPr>
+      <p:sp>
+        <p:nvSpPr>
+          <p:cNvPr id="2" name="Titre 1">
+            <a:extLst>
+              <a:ext uri="{FF2B5EF4-FFF2-40B4-BE49-F238E27FC236}">
+                <a16:creationId xmlns:a16="http://schemas.microsoft.com/office/drawing/2014/main" xmlns="" id="{96C5FFFE-9A22-4089-93E1-9CA9315E180B}"/>
+              </a:ext>
+            </a:extLst>
+          </p:cNvPr>
+          <p:cNvSpPr>
+            <a:spLocks noGrp="1"/>
+          </p:cNvSpPr>
+          <p:nvPr>
+            <p:ph type="title"/>
+          </p:nvPr>
+        </p:nvSpPr>
+        <p:spPr/>
+        <p:txBody>
+          <a:bodyPr/>
+          <a:lstStyle/>
+          <a:p>
+            <a:r>
+              <a:rPr lang="fr-FR" dirty="0"/>
+              <a:t>Difficultés rencontrées et retours sur l'UE</a:t>
+            </a:r>
+          </a:p>
+        </p:txBody>
+      </p:sp>
+      <p:sp>
+        <p:nvSpPr>
+          <p:cNvPr id="3" name="Espace réservé du contenu 2">
+            <a:extLst>
+              <a:ext uri="{FF2B5EF4-FFF2-40B4-BE49-F238E27FC236}">
+                <a16:creationId xmlns:a16="http://schemas.microsoft.com/office/drawing/2014/main" xmlns="" id="{9ACD37A6-8B7D-497E-82A3-56A503C1FCEF}"/>
+              </a:ext>
+            </a:extLst>
+          </p:cNvPr>
+          <p:cNvSpPr>
+            <a:spLocks noGrp="1"/>
+          </p:cNvSpPr>
+          <p:nvPr>
+            <p:ph idx="1"/>
+          </p:nvPr>
+        </p:nvSpPr>
+        <p:spPr/>
+        <p:txBody>
+          <a:bodyPr/>
+          <a:lstStyle/>
+          <a:p>
+            <a:r>
+              <a:rPr lang="fr-FR" dirty="0"/>
+              <a:t>Difficultés pour créer l’environnement docker</a:t>
+            </a:r>
+          </a:p>
+          <a:p>
+            <a:r>
+              <a:rPr lang="fr-FR" dirty="0"/>
+              <a:t>Rapproché ce projet du cours sur Docker que nous avions eu en début de semestre </a:t>
+            </a:r>
+          </a:p>
+          <a:p>
+            <a:r>
+              <a:rPr lang="fr-FR" dirty="0"/>
+              <a:t>Difficultés rencontrées pour la mise en place de Travis</a:t>
+            </a:r>
+          </a:p>
+        </p:txBody>
+      </p:sp>
+      <p:sp>
+        <p:nvSpPr>
+          <p:cNvPr id="4" name="Espace réservé du pied de page 3">
+            <a:extLst>
+              <a:ext uri="{FF2B5EF4-FFF2-40B4-BE49-F238E27FC236}">
+                <a16:creationId xmlns:a16="http://schemas.microsoft.com/office/drawing/2014/main" xmlns="" id="{FE57F0ED-9C4C-443E-B031-07397C1EB0F9}"/>
+              </a:ext>
+            </a:extLst>
+          </p:cNvPr>
+          <p:cNvSpPr>
+            <a:spLocks noGrp="1"/>
+          </p:cNvSpPr>
+          <p:nvPr>
+            <p:ph type="ftr" sz="quarter" idx="11"/>
+          </p:nvPr>
+        </p:nvSpPr>
+        <p:spPr/>
+        <p:txBody>
+          <a:bodyPr/>
+          <a:lstStyle/>
+          <a:p>
+            <a:r>
+              <a:rPr lang="fr-FR"/>
+              <a:t>28/11/2017</a:t>
+            </a:r>
+          </a:p>
+        </p:txBody>
+      </p:sp>
+      <p:sp>
+        <p:nvSpPr>
+          <p:cNvPr id="5" name="Espace réservé du numéro de diapositive 4">
+            <a:extLst>
+              <a:ext uri="{FF2B5EF4-FFF2-40B4-BE49-F238E27FC236}">
+                <a16:creationId xmlns:a16="http://schemas.microsoft.com/office/drawing/2014/main" xmlns="" id="{4A85B28A-E6CA-4C46-B7F4-5A6A714D0244}"/>
+              </a:ext>
+            </a:extLst>
+          </p:cNvPr>
+          <p:cNvSpPr>
+            <a:spLocks noGrp="1"/>
+          </p:cNvSpPr>
+          <p:nvPr>
+            <p:ph type="sldNum" sz="quarter" idx="12"/>
+          </p:nvPr>
+        </p:nvSpPr>
+        <p:spPr/>
+        <p:txBody>
+          <a:bodyPr/>
+          <a:lstStyle/>
+          <a:p>
+            <a:fld id="{ED22AD06-C296-4654-A2D3-A746ACA7B044}" type="slidenum">
+              <a:rPr lang="fr-FR" smtClean="0"/>
+              <a:pPr/>
+              <a:t>12</a:t>
+            </a:fld>
+            <a:endParaRPr lang="fr-FR"/>
+          </a:p>
+        </p:txBody>
+      </p:sp>
+    </p:spTree>
+    <p:extLst>
+      <p:ext uri="{BB962C8B-B14F-4D97-AF65-F5344CB8AC3E}">
+        <p14:creationId xmlns:p14="http://schemas.microsoft.com/office/powerpoint/2010/main" xmlns="" val="3260277226"/>
+      </p:ext>
+    </p:extLst>
+  </p:cSld>
+  <p:clrMapOvr>
+    <a:masterClrMapping/>
+  </p:clrMapOvr>
+</p:sld>
+</file>
+
+<file path=ppt/slides/slide13.xml><?xml version="1.0" encoding="utf-8"?>
+<p:sld xmlns:a="http://schemas.openxmlformats.org/drawingml/2006/main" xmlns:r="http://schemas.openxmlformats.org/officeDocument/2006/relationships" xmlns:p="http://schemas.openxmlformats.org/presentationml/2006/main">
+  <p:cSld>
+    <p:spTree>
+      <p:nvGrpSpPr>
+        <p:cNvPr id="1" name=""/>
+        <p:cNvGrpSpPr/>
+        <p:nvPr/>
+      </p:nvGrpSpPr>
+      <p:grpSpPr>
+        <a:xfrm>
+          <a:off x="0" y="0"/>
+          <a:ext cx="0" cy="0"/>
+          <a:chOff x="0" y="0"/>
+          <a:chExt cx="0" cy="0"/>
+        </a:xfrm>
+      </p:grpSpPr>
+      <p:sp>
+        <p:nvSpPr>
+          <p:cNvPr id="6" name="Titre 5"/>
+          <p:cNvSpPr>
+            <a:spLocks noGrp="1"/>
+          </p:cNvSpPr>
+          <p:nvPr>
+            <p:ph type="title"/>
+          </p:nvPr>
+        </p:nvSpPr>
+        <p:spPr>
+          <a:xfrm>
+            <a:off x="835920" y="160176"/>
+            <a:ext cx="10187650" cy="1763627"/>
+          </a:xfrm>
+        </p:spPr>
+        <p:txBody>
+          <a:bodyPr>
+            <a:noAutofit/>
+          </a:bodyPr>
+          <a:lstStyle/>
+          <a:p>
+            <a:pPr algn="ctr"/>
+            <a:r>
+              <a:rPr lang="fr-FR" sz="4800" dirty="0"/>
+              <a:t>MERCI</a:t>
+            </a:r>
+            <a:br>
+              <a:rPr lang="fr-FR" sz="4800" dirty="0"/>
+            </a:br>
+            <a:r>
+              <a:rPr lang="fr-FR" sz="4800" dirty="0"/>
+              <a:t>BEAUCOUP</a:t>
+            </a:r>
+          </a:p>
+        </p:txBody>
+      </p:sp>
+      <p:pic>
+        <p:nvPicPr>
+          <p:cNvPr id="17" name="Espace réservé pour une image  16"/>
+          <p:cNvPicPr>
+            <a:picLocks noGrp="1" noChangeAspect="1"/>
+          </p:cNvPicPr>
+          <p:nvPr>
+            <p:ph type="pic" idx="1"/>
+          </p:nvPr>
+        </p:nvPicPr>
+        <p:blipFill>
+          <a:blip r:embed="rId2" cstate="print">
+            <a:extLst>
+              <a:ext uri="{28A0092B-C50C-407E-A947-70E740481C1C}">
+                <a14:useLocalDpi xmlns:a14="http://schemas.microsoft.com/office/drawing/2010/main" xmlns="" val="0"/>
+              </a:ext>
+            </a:extLst>
+          </a:blip>
+          <a:srcRect t="13168" b="13168"/>
+          <a:stretch>
+            <a:fillRect/>
+          </a:stretch>
+        </p:blipFill>
+        <p:spPr>
+          <a:xfrm>
+            <a:off x="0" y="2007715"/>
+            <a:ext cx="12192000" cy="4058662"/>
+          </a:xfrm>
+        </p:spPr>
+      </p:pic>
+      <p:sp>
+        <p:nvSpPr>
+          <p:cNvPr id="2" name="Espace réservé du pied de page 1">
+            <a:extLst>
+              <a:ext uri="{FF2B5EF4-FFF2-40B4-BE49-F238E27FC236}">
+                <a16:creationId xmlns:a16="http://schemas.microsoft.com/office/drawing/2014/main" xmlns="" id="{DAD366EE-CDFA-4FC0-8F88-D3E465C50375}"/>
+              </a:ext>
+            </a:extLst>
+          </p:cNvPr>
+          <p:cNvSpPr>
+            <a:spLocks noGrp="1"/>
+          </p:cNvSpPr>
+          <p:nvPr>
+            <p:ph type="ftr" sz="quarter" idx="11"/>
+          </p:nvPr>
+        </p:nvSpPr>
+        <p:spPr/>
+        <p:txBody>
+          <a:bodyPr/>
+          <a:lstStyle/>
+          <a:p>
+            <a:r>
+              <a:rPr lang="fr-FR"/>
+              <a:t>28/11/2017</a:t>
+            </a:r>
+          </a:p>
+        </p:txBody>
+      </p:sp>
+      <p:sp>
+        <p:nvSpPr>
+          <p:cNvPr id="3" name="Espace réservé du numéro de diapositive 2">
+            <a:extLst>
+              <a:ext uri="{FF2B5EF4-FFF2-40B4-BE49-F238E27FC236}">
+                <a16:creationId xmlns:a16="http://schemas.microsoft.com/office/drawing/2014/main" xmlns="" id="{50DD73EC-6D34-45BD-8BA7-CECBDB908D1D}"/>
+              </a:ext>
+            </a:extLst>
+          </p:cNvPr>
+          <p:cNvSpPr>
+            <a:spLocks noGrp="1"/>
+          </p:cNvSpPr>
+          <p:nvPr>
+            <p:ph type="sldNum" sz="quarter" idx="12"/>
+          </p:nvPr>
+        </p:nvSpPr>
+        <p:spPr/>
+        <p:txBody>
+          <a:bodyPr/>
+          <a:lstStyle/>
+          <a:p>
+            <a:fld id="{ED22AD06-C296-4654-A2D3-A746ACA7B044}" type="slidenum">
+              <a:rPr lang="fr-FR" smtClean="0"/>
+              <a:pPr/>
+              <a:t>13</a:t>
+            </a:fld>
+            <a:endParaRPr lang="fr-FR"/>
+          </a:p>
+        </p:txBody>
+      </p:sp>
+    </p:spTree>
+    <p:extLst>
+      <p:ext uri="{BB962C8B-B14F-4D97-AF65-F5344CB8AC3E}">
+        <p14:creationId xmlns:p14="http://schemas.microsoft.com/office/powerpoint/2010/main" xmlns="" val="3345015553"/>
       </p:ext>
     </p:extLst>
   </p:cSld>
@@ -12565,7 +14514,7 @@
           <p:cNvPr id="2" name="Titre 1">
             <a:extLst>
               <a:ext uri="{FF2B5EF4-FFF2-40B4-BE49-F238E27FC236}">
-                <a16:creationId xmlns:a16="http://schemas.microsoft.com/office/drawing/2014/main" id="{7637DB67-38F0-4F5C-A36A-E354832B207D}"/>
+                <a16:creationId xmlns:a16="http://schemas.microsoft.com/office/drawing/2014/main" xmlns="" id="{7637DB67-38F0-4F5C-A36A-E354832B207D}"/>
               </a:ext>
             </a:extLst>
           </p:cNvPr>
@@ -12593,7 +14542,7 @@
           <p:cNvPr id="3" name="Espace réservé du contenu 2">
             <a:extLst>
               <a:ext uri="{FF2B5EF4-FFF2-40B4-BE49-F238E27FC236}">
-                <a16:creationId xmlns:a16="http://schemas.microsoft.com/office/drawing/2014/main" id="{7E075764-22D5-4C8B-8ACE-CF25E9AAA59C}"/>
+                <a16:creationId xmlns:a16="http://schemas.microsoft.com/office/drawing/2014/main" xmlns="" id="{7E075764-22D5-4C8B-8ACE-CF25E9AAA59C}"/>
               </a:ext>
             </a:extLst>
           </p:cNvPr>
@@ -12655,8 +14604,13 @@
             </a:pPr>
             <a:r>
               <a:rPr lang="fr-FR" dirty="0"/>
-              <a:t>INTERETS DU CI/CO</a:t>
-            </a:r>
+              <a:t>INTERETS DU </a:t>
+            </a:r>
+            <a:r>
+              <a:rPr lang="fr-FR" dirty="0" smtClean="0"/>
+              <a:t>CI/CD</a:t>
+            </a:r>
+            <a:endParaRPr lang="fr-FR" dirty="0"/>
           </a:p>
           <a:p>
             <a:pPr marL="457200" indent="-457200">
@@ -12664,7 +14618,7 @@
               <a:buAutoNum type="arabicPeriod"/>
             </a:pPr>
             <a:r>
-              <a:rPr lang="fr-FR" dirty="0"/>
+              <a:rPr lang="fr-FR" cap="all" dirty="0"/>
               <a:t>Difficultés rencontrées et retours sur l'UE</a:t>
             </a:r>
           </a:p>
@@ -12677,10 +14631,68 @@
           </a:p>
         </p:txBody>
       </p:sp>
+      <p:sp>
+        <p:nvSpPr>
+          <p:cNvPr id="4" name="Espace réservé du pied de page 3">
+            <a:extLst>
+              <a:ext uri="{FF2B5EF4-FFF2-40B4-BE49-F238E27FC236}">
+                <a16:creationId xmlns:a16="http://schemas.microsoft.com/office/drawing/2014/main" xmlns="" id="{9A65D16F-E1B7-40A4-8D05-6BA74EA7FD0A}"/>
+              </a:ext>
+            </a:extLst>
+          </p:cNvPr>
+          <p:cNvSpPr>
+            <a:spLocks noGrp="1"/>
+          </p:cNvSpPr>
+          <p:nvPr>
+            <p:ph type="ftr" sz="quarter" idx="11"/>
+          </p:nvPr>
+        </p:nvSpPr>
+        <p:spPr/>
+        <p:txBody>
+          <a:bodyPr/>
+          <a:lstStyle/>
+          <a:p>
+            <a:r>
+              <a:rPr lang="fr-FR"/>
+              <a:t>28/11/2017</a:t>
+            </a:r>
+          </a:p>
+        </p:txBody>
+      </p:sp>
+      <p:sp>
+        <p:nvSpPr>
+          <p:cNvPr id="5" name="Espace réservé du numéro de diapositive 4">
+            <a:extLst>
+              <a:ext uri="{FF2B5EF4-FFF2-40B4-BE49-F238E27FC236}">
+                <a16:creationId xmlns:a16="http://schemas.microsoft.com/office/drawing/2014/main" xmlns="" id="{D14B9942-3CA7-4CF2-86EF-A1C3736BEB4A}"/>
+              </a:ext>
+            </a:extLst>
+          </p:cNvPr>
+          <p:cNvSpPr>
+            <a:spLocks noGrp="1"/>
+          </p:cNvSpPr>
+          <p:nvPr>
+            <p:ph type="sldNum" sz="quarter" idx="12"/>
+          </p:nvPr>
+        </p:nvSpPr>
+        <p:spPr/>
+        <p:txBody>
+          <a:bodyPr/>
+          <a:lstStyle/>
+          <a:p>
+            <a:fld id="{ED22AD06-C296-4654-A2D3-A746ACA7B044}" type="slidenum">
+              <a:rPr lang="fr-FR" smtClean="0"/>
+              <a:pPr/>
+              <a:t>2</a:t>
+            </a:fld>
+            <a:endParaRPr lang="fr-FR"/>
+          </a:p>
+        </p:txBody>
+      </p:sp>
     </p:spTree>
     <p:extLst>
       <p:ext uri="{BB962C8B-B14F-4D97-AF65-F5344CB8AC3E}">
-        <p14:creationId xmlns:p14="http://schemas.microsoft.com/office/powerpoint/2010/main" val="1678386438"/>
+        <p14:creationId xmlns:p14="http://schemas.microsoft.com/office/powerpoint/2010/main" xmlns="" val="1678386438"/>
       </p:ext>
     </p:extLst>
   </p:cSld>
@@ -12712,7 +14724,7 @@
           <p:cNvPr id="2" name="Titre 1">
             <a:extLst>
               <a:ext uri="{FF2B5EF4-FFF2-40B4-BE49-F238E27FC236}">
-                <a16:creationId xmlns:a16="http://schemas.microsoft.com/office/drawing/2014/main" id="{7182EEB0-2378-4840-AD71-EDE9062A1869}"/>
+                <a16:creationId xmlns:a16="http://schemas.microsoft.com/office/drawing/2014/main" xmlns="" id="{7182EEB0-2378-4840-AD71-EDE9062A1869}"/>
               </a:ext>
             </a:extLst>
           </p:cNvPr>
@@ -12737,10 +14749,136 @@
       </p:sp>
       <p:sp>
         <p:nvSpPr>
-          <p:cNvPr id="3" name="Espace réservé du contenu 2">
+          <p:cNvPr id="7" name="Espace réservé du texte 6"/>
+          <p:cNvSpPr>
+            <a:spLocks noGrp="1"/>
+          </p:cNvSpPr>
+          <p:nvPr>
+            <p:ph type="body" sz="half" idx="2"/>
+          </p:nvPr>
+        </p:nvSpPr>
+        <p:spPr>
+          <a:xfrm>
+            <a:off x="1141411" y="2249486"/>
+            <a:ext cx="4146870" cy="3541714"/>
+          </a:xfrm>
+        </p:spPr>
+        <p:txBody>
+          <a:bodyPr/>
+          <a:lstStyle/>
+          <a:p>
+            <a:pPr marL="285750" indent="-285750">
+              <a:buFont typeface="Arial" panose="020B0604020202020204" pitchFamily="34" charset="0"/>
+              <a:buChar char="•"/>
+            </a:pPr>
+            <a:r>
+              <a:rPr lang="fr-FR" dirty="0"/>
+              <a:t>Image docker</a:t>
+            </a:r>
+          </a:p>
+          <a:p>
+            <a:pPr marL="742950" lvl="1" indent="-285750">
+              <a:buFont typeface="Arial" panose="020B0604020202020204" pitchFamily="34" charset="0"/>
+              <a:buChar char="•"/>
+            </a:pPr>
+            <a:r>
+              <a:rPr lang="fr-FR" dirty="0"/>
+              <a:t>Mongo</a:t>
+            </a:r>
+          </a:p>
+          <a:p>
+            <a:pPr marL="742950" lvl="1" indent="-285750">
+              <a:buFont typeface="Arial" panose="020B0604020202020204" pitchFamily="34" charset="0"/>
+              <a:buChar char="•"/>
+            </a:pPr>
+            <a:r>
+              <a:rPr lang="fr-FR" dirty="0"/>
+              <a:t>Java</a:t>
+            </a:r>
+          </a:p>
+          <a:p>
+            <a:pPr marL="285750" indent="-285750">
+              <a:buFont typeface="Arial" panose="020B0604020202020204" pitchFamily="34" charset="0"/>
+              <a:buChar char="•"/>
+            </a:pPr>
+            <a:r>
+              <a:rPr lang="fr-FR" dirty="0"/>
+              <a:t>Application User : </a:t>
+            </a:r>
+            <a:r>
+              <a:rPr lang="fr-FR" dirty="0" err="1"/>
+              <a:t>Spring</a:t>
+            </a:r>
+            <a:endParaRPr lang="fr-FR" dirty="0"/>
+          </a:p>
+          <a:p>
+            <a:pPr marL="285750" indent="-285750">
+              <a:buFont typeface="Arial" panose="020B0604020202020204" pitchFamily="34" charset="0"/>
+              <a:buChar char="•"/>
+            </a:pPr>
+            <a:r>
+              <a:rPr lang="fr-FR" dirty="0"/>
+              <a:t>Communications </a:t>
+            </a:r>
+          </a:p>
+          <a:p>
+            <a:pPr marL="742950" lvl="1" indent="-285750">
+              <a:buFont typeface="Arial" panose="020B0604020202020204" pitchFamily="34" charset="0"/>
+              <a:buChar char="•"/>
+            </a:pPr>
+            <a:r>
+              <a:rPr lang="fr-FR" dirty="0"/>
+              <a:t>Mongo - Java : port 27017</a:t>
+            </a:r>
+          </a:p>
+          <a:p>
+            <a:pPr marL="742950" lvl="1" indent="-285750">
+              <a:buFont typeface="Arial" panose="020B0604020202020204" pitchFamily="34" charset="0"/>
+              <a:buChar char="•"/>
+            </a:pPr>
+            <a:r>
+              <a:rPr lang="fr-FR" dirty="0"/>
+              <a:t>Appli – Utilisateur : 80</a:t>
+            </a:r>
+          </a:p>
+        </p:txBody>
+      </p:sp>
+      <p:pic>
+        <p:nvPicPr>
+          <p:cNvPr id="9" name="Image 8"/>
+          <p:cNvPicPr>
+            <a:picLocks noChangeAspect="1"/>
+          </p:cNvPicPr>
+          <p:nvPr/>
+        </p:nvPicPr>
+        <p:blipFill>
+          <a:blip r:embed="rId3" cstate="print">
+            <a:extLst>
+              <a:ext uri="{28A0092B-C50C-407E-A947-70E740481C1C}">
+                <a14:useLocalDpi xmlns:a14="http://schemas.microsoft.com/office/drawing/2010/main" xmlns="" val="0"/>
+              </a:ext>
+            </a:extLst>
+          </a:blip>
+          <a:stretch>
+            <a:fillRect/>
+          </a:stretch>
+        </p:blipFill>
+        <p:spPr>
+          <a:xfrm>
+            <a:off x="5886773" y="1429543"/>
+            <a:ext cx="5745908" cy="4010025"/>
+          </a:xfrm>
+          <a:prstGeom prst="rect">
+            <a:avLst/>
+          </a:prstGeom>
+        </p:spPr>
+      </p:pic>
+      <p:sp>
+        <p:nvSpPr>
+          <p:cNvPr id="3" name="Espace réservé du pied de page 2">
             <a:extLst>
               <a:ext uri="{FF2B5EF4-FFF2-40B4-BE49-F238E27FC236}">
-                <a16:creationId xmlns:a16="http://schemas.microsoft.com/office/drawing/2014/main" id="{0DDAE398-13B0-44A4-84ED-30F317F4E582}"/>
+                <a16:creationId xmlns:a16="http://schemas.microsoft.com/office/drawing/2014/main" xmlns="" id="{AF4E5875-E880-46E9-8AC6-1645569C0E55}"/>
               </a:ext>
             </a:extLst>
           </p:cNvPr>
@@ -12748,7 +14886,7 @@
             <a:spLocks noGrp="1"/>
           </p:cNvSpPr>
           <p:nvPr>
-            <p:ph idx="1"/>
+            <p:ph type="ftr" sz="quarter" idx="11"/>
           </p:nvPr>
         </p:nvSpPr>
         <p:spPr/>
@@ -12757,30 +14895,46 @@
           <a:lstStyle/>
           <a:p>
             <a:r>
-              <a:rPr lang="fr-FR" dirty="0"/>
-              <a:t>1 schéma global + des explications de l'</a:t>
-            </a:r>
-            <a:r>
-              <a:rPr lang="fr-FR" dirty="0" err="1"/>
-              <a:t>achitecture</a:t>
-            </a:r>
-            <a:r>
-              <a:rPr lang="fr-FR" dirty="0"/>
-              <a:t> déployée</a:t>
-            </a:r>
-          </a:p>
-          <a:p>
-            <a:r>
-              <a:rPr lang="fr-FR" dirty="0"/>
-              <a:t>Expliquer l'évolution de l'architecture mise en place</a:t>
-            </a:r>
+              <a:rPr lang="fr-FR"/>
+              <a:t>28/11/2017</a:t>
+            </a:r>
+          </a:p>
+        </p:txBody>
+      </p:sp>
+      <p:sp>
+        <p:nvSpPr>
+          <p:cNvPr id="4" name="Espace réservé du numéro de diapositive 3">
+            <a:extLst>
+              <a:ext uri="{FF2B5EF4-FFF2-40B4-BE49-F238E27FC236}">
+                <a16:creationId xmlns:a16="http://schemas.microsoft.com/office/drawing/2014/main" xmlns="" id="{2A775EE2-7E8B-40AC-A061-9DEA1F4180DA}"/>
+              </a:ext>
+            </a:extLst>
+          </p:cNvPr>
+          <p:cNvSpPr>
+            <a:spLocks noGrp="1"/>
+          </p:cNvSpPr>
+          <p:nvPr>
+            <p:ph type="sldNum" sz="quarter" idx="12"/>
+          </p:nvPr>
+        </p:nvSpPr>
+        <p:spPr/>
+        <p:txBody>
+          <a:bodyPr/>
+          <a:lstStyle/>
+          <a:p>
+            <a:fld id="{ED22AD06-C296-4654-A2D3-A746ACA7B044}" type="slidenum">
+              <a:rPr lang="fr-FR" smtClean="0"/>
+              <a:pPr/>
+              <a:t>3</a:t>
+            </a:fld>
+            <a:endParaRPr lang="fr-FR"/>
           </a:p>
         </p:txBody>
       </p:sp>
     </p:spTree>
     <p:extLst>
       <p:ext uri="{BB962C8B-B14F-4D97-AF65-F5344CB8AC3E}">
-        <p14:creationId xmlns:p14="http://schemas.microsoft.com/office/powerpoint/2010/main" val="3465395436"/>
+        <p14:creationId xmlns:p14="http://schemas.microsoft.com/office/powerpoint/2010/main" xmlns="" val="3465395436"/>
       </p:ext>
     </p:extLst>
   </p:cSld>
@@ -12812,7 +14966,7 @@
           <p:cNvPr id="2" name="Titre 1">
             <a:extLst>
               <a:ext uri="{FF2B5EF4-FFF2-40B4-BE49-F238E27FC236}">
-                <a16:creationId xmlns:a16="http://schemas.microsoft.com/office/drawing/2014/main" id="{D86D6389-F3E6-48CF-9E9D-4C7F5C6EA89D}"/>
+                <a16:creationId xmlns:a16="http://schemas.microsoft.com/office/drawing/2014/main" xmlns="" id="{D86D6389-F3E6-48CF-9E9D-4C7F5C6EA89D}"/>
               </a:ext>
             </a:extLst>
           </p:cNvPr>
@@ -12830,7 +14984,7 @@
           <a:p>
             <a:r>
               <a:rPr lang="fr-FR" dirty="0"/>
-              <a:t>Choix techniques</a:t>
+              <a:t>Choix techniques – Base de données</a:t>
             </a:r>
           </a:p>
         </p:txBody>
@@ -12840,7 +14994,7 @@
           <p:cNvPr id="3" name="Espace réservé du contenu 2">
             <a:extLst>
               <a:ext uri="{FF2B5EF4-FFF2-40B4-BE49-F238E27FC236}">
-                <a16:creationId xmlns:a16="http://schemas.microsoft.com/office/drawing/2014/main" id="{0CC95282-0762-4966-8A40-67227F2FB48C}"/>
+                <a16:creationId xmlns:a16="http://schemas.microsoft.com/office/drawing/2014/main" xmlns="" id="{0CC95282-0762-4966-8A40-67227F2FB48C}"/>
               </a:ext>
             </a:extLst>
           </p:cNvPr>
@@ -12851,36 +15005,216 @@
             <p:ph idx="1"/>
           </p:nvPr>
         </p:nvSpPr>
-        <p:spPr/>
+        <p:spPr>
+          <a:xfrm>
+            <a:off x="1141412" y="1737360"/>
+            <a:ext cx="9905999" cy="4937759"/>
+          </a:xfrm>
+        </p:spPr>
         <p:txBody>
           <a:bodyPr>
-            <a:normAutofit/>
+            <a:normAutofit fontScale="85000" lnSpcReduction="20000"/>
           </a:bodyPr>
           <a:lstStyle/>
           <a:p>
             <a:r>
+              <a:rPr lang="fr-FR" dirty="0" err="1"/>
+              <a:t>MariaDB</a:t>
+            </a:r>
+            <a:endParaRPr lang="fr-FR" dirty="0"/>
+          </a:p>
+          <a:p>
+            <a:pPr marL="457200" lvl="1" indent="0">
+              <a:buNone/>
+            </a:pPr>
+            <a:r>
               <a:rPr lang="fr-FR" dirty="0"/>
-              <a:t>Expliquer les choix techniques des technologies utilisées (côté serveur)</a:t>
-            </a:r>
-          </a:p>
-          <a:p>
+              <a:t>- Manque de robustesse avec de forte volumétrie </a:t>
+            </a:r>
+          </a:p>
+          <a:p>
+            <a:r>
+              <a:rPr lang="fr-FR" dirty="0" err="1"/>
+              <a:t>MongoDB</a:t>
+            </a:r>
+            <a:endParaRPr lang="fr-FR" dirty="0"/>
+          </a:p>
+          <a:p>
+            <a:pPr marL="457200" lvl="1" indent="0">
+              <a:buNone/>
+            </a:pPr>
             <a:r>
               <a:rPr lang="fr-FR" dirty="0"/>
-              <a:t>Avantages et inconvénients des technologies utilisées</a:t>
-            </a:r>
-          </a:p>
-          <a:p>
+              <a:t>+ Supporte le </a:t>
+            </a:r>
+            <a:r>
+              <a:rPr lang="fr-FR" dirty="0" err="1"/>
+              <a:t>GeoJson</a:t>
+            </a:r>
             <a:r>
               <a:rPr lang="fr-FR" dirty="0"/>
-              <a:t>Est-ce que ces choix étaient les bons ?</a:t>
-            </a:r>
+              <a:t> </a:t>
+            </a:r>
+          </a:p>
+          <a:p>
+            <a:pPr marL="457200" lvl="1" indent="0">
+              <a:buNone/>
+            </a:pPr>
+            <a:r>
+              <a:rPr lang="fr-FR" dirty="0"/>
+              <a:t>+ Non relationnel de base mais peu le devenir</a:t>
+            </a:r>
+          </a:p>
+          <a:p>
+            <a:pPr marL="457200" lvl="1" indent="0">
+              <a:buNone/>
+            </a:pPr>
+            <a:r>
+              <a:rPr lang="fr-FR" dirty="0"/>
+              <a:t>+ Gratuit</a:t>
+            </a:r>
+          </a:p>
+          <a:p>
+            <a:pPr marL="457200" lvl="1" indent="0">
+              <a:buNone/>
+            </a:pPr>
+            <a:r>
+              <a:rPr lang="fr-FR" dirty="0"/>
+              <a:t>+ Performant</a:t>
+            </a:r>
+          </a:p>
+          <a:p>
+            <a:pPr lvl="0"/>
+            <a:r>
+              <a:rPr lang="fr-FR" dirty="0" err="1"/>
+              <a:t>MySql</a:t>
+            </a:r>
+            <a:endParaRPr lang="fr-FR" dirty="0"/>
+          </a:p>
+          <a:p>
+            <a:pPr marL="457200" lvl="1" indent="0">
+              <a:buNone/>
+            </a:pPr>
+            <a:r>
+              <a:rPr lang="fr-FR" dirty="0"/>
+              <a:t>- Manque de robustesse avec de forte volumétrie</a:t>
+            </a:r>
+          </a:p>
+          <a:p>
+            <a:pPr lvl="0"/>
+            <a:r>
+              <a:rPr lang="fr-FR" dirty="0"/>
+              <a:t>PostgreSQL</a:t>
+            </a:r>
+          </a:p>
+          <a:p>
+            <a:pPr marL="457200" lvl="1" indent="0">
+              <a:buNone/>
+            </a:pPr>
+            <a:r>
+              <a:rPr lang="fr-FR" dirty="0"/>
+              <a:t>+ Supporte le </a:t>
+            </a:r>
+            <a:r>
+              <a:rPr lang="fr-FR" dirty="0" err="1"/>
+              <a:t>GeoJson</a:t>
+            </a:r>
+            <a:r>
+              <a:rPr lang="fr-FR" dirty="0"/>
+              <a:t> </a:t>
+            </a:r>
+          </a:p>
+          <a:p>
+            <a:pPr marL="457200" lvl="1" indent="0">
+              <a:buNone/>
+            </a:pPr>
+            <a:r>
+              <a:rPr lang="fr-FR" dirty="0"/>
+              <a:t>+ Non relationnel de base mais peu le devenir</a:t>
+            </a:r>
+          </a:p>
+          <a:p>
+            <a:pPr marL="457200" lvl="1" indent="0">
+              <a:buNone/>
+            </a:pPr>
+            <a:r>
+              <a:rPr lang="fr-FR" dirty="0"/>
+              <a:t>+ Gratuit </a:t>
+            </a:r>
+          </a:p>
+          <a:p>
+            <a:pPr marL="457200" lvl="1" indent="0">
+              <a:buNone/>
+            </a:pPr>
+            <a:r>
+              <a:rPr lang="fr-FR" dirty="0"/>
+              <a:t>+ Performant</a:t>
+            </a:r>
+          </a:p>
+        </p:txBody>
+      </p:sp>
+      <p:sp>
+        <p:nvSpPr>
+          <p:cNvPr id="4" name="Espace réservé du pied de page 3">
+            <a:extLst>
+              <a:ext uri="{FF2B5EF4-FFF2-40B4-BE49-F238E27FC236}">
+                <a16:creationId xmlns:a16="http://schemas.microsoft.com/office/drawing/2014/main" xmlns="" id="{47A792F9-51DD-48EF-AE42-B19DAB9E0F05}"/>
+              </a:ext>
+            </a:extLst>
+          </p:cNvPr>
+          <p:cNvSpPr>
+            <a:spLocks noGrp="1"/>
+          </p:cNvSpPr>
+          <p:nvPr>
+            <p:ph type="ftr" sz="quarter" idx="11"/>
+          </p:nvPr>
+        </p:nvSpPr>
+        <p:spPr/>
+        <p:txBody>
+          <a:bodyPr/>
+          <a:lstStyle/>
+          <a:p>
+            <a:r>
+              <a:rPr lang="fr-FR"/>
+              <a:t>28/11/2017</a:t>
+            </a:r>
+          </a:p>
+        </p:txBody>
+      </p:sp>
+      <p:sp>
+        <p:nvSpPr>
+          <p:cNvPr id="5" name="Espace réservé du numéro de diapositive 4">
+            <a:extLst>
+              <a:ext uri="{FF2B5EF4-FFF2-40B4-BE49-F238E27FC236}">
+                <a16:creationId xmlns:a16="http://schemas.microsoft.com/office/drawing/2014/main" xmlns="" id="{C4411D57-436B-4D1A-8CE6-A123E698D980}"/>
+              </a:ext>
+            </a:extLst>
+          </p:cNvPr>
+          <p:cNvSpPr>
+            <a:spLocks noGrp="1"/>
+          </p:cNvSpPr>
+          <p:nvPr>
+            <p:ph type="sldNum" sz="quarter" idx="12"/>
+          </p:nvPr>
+        </p:nvSpPr>
+        <p:spPr/>
+        <p:txBody>
+          <a:bodyPr/>
+          <a:lstStyle/>
+          <a:p>
+            <a:fld id="{ED22AD06-C296-4654-A2D3-A746ACA7B044}" type="slidenum">
+              <a:rPr lang="fr-FR" smtClean="0"/>
+              <a:pPr/>
+              <a:t>4</a:t>
+            </a:fld>
+            <a:endParaRPr lang="fr-FR"/>
           </a:p>
         </p:txBody>
       </p:sp>
     </p:spTree>
     <p:extLst>
       <p:ext uri="{BB962C8B-B14F-4D97-AF65-F5344CB8AC3E}">
-        <p14:creationId xmlns:p14="http://schemas.microsoft.com/office/powerpoint/2010/main" val="2925675394"/>
+        <p14:creationId xmlns:p14="http://schemas.microsoft.com/office/powerpoint/2010/main" xmlns="" val="2925675394"/>
       </p:ext>
     </p:extLst>
   </p:cSld>
@@ -12912,7 +15246,7 @@
           <p:cNvPr id="2" name="Titre 1">
             <a:extLst>
               <a:ext uri="{FF2B5EF4-FFF2-40B4-BE49-F238E27FC236}">
-                <a16:creationId xmlns:a16="http://schemas.microsoft.com/office/drawing/2014/main" id="{C0CC8AE9-1BF4-4387-ADA7-C852D42B7D76}"/>
+                <a16:creationId xmlns:a16="http://schemas.microsoft.com/office/drawing/2014/main" xmlns="" id="{D86D6389-F3E6-48CF-9E9D-4C7F5C6EA89D}"/>
               </a:ext>
             </a:extLst>
           </p:cNvPr>
@@ -12929,10 +15263,9 @@
           <a:lstStyle/>
           <a:p>
             <a:r>
-              <a:rPr lang="fr-FR" dirty="0" err="1"/>
-              <a:t>Demonstrations</a:t>
-            </a:r>
-            <a:endParaRPr lang="fr-FR" dirty="0"/>
+              <a:rPr lang="fr-FR" dirty="0"/>
+              <a:t>Choix techniques – langage API</a:t>
+            </a:r>
           </a:p>
         </p:txBody>
       </p:sp>
@@ -12941,7 +15274,7 @@
           <p:cNvPr id="3" name="Espace réservé du contenu 2">
             <a:extLst>
               <a:ext uri="{FF2B5EF4-FFF2-40B4-BE49-F238E27FC236}">
-                <a16:creationId xmlns:a16="http://schemas.microsoft.com/office/drawing/2014/main" id="{1BD9A788-A59F-4650-93BE-BD9D3351E524}"/>
+                <a16:creationId xmlns:a16="http://schemas.microsoft.com/office/drawing/2014/main" xmlns="" id="{0CC95282-0762-4966-8A40-67227F2FB48C}"/>
               </a:ext>
             </a:extLst>
           </p:cNvPr>
@@ -12954,36 +15287,113 @@
         </p:nvSpPr>
         <p:spPr/>
         <p:txBody>
+          <a:bodyPr>
+            <a:normAutofit/>
+          </a:bodyPr>
+          <a:lstStyle/>
+          <a:p>
+            <a:r>
+              <a:rPr lang="fr-FR" dirty="0" err="1"/>
+              <a:t>Spring</a:t>
+            </a:r>
+            <a:r>
+              <a:rPr lang="fr-FR" dirty="0"/>
+              <a:t> (Java)</a:t>
+            </a:r>
+          </a:p>
+          <a:p>
+            <a:r>
+              <a:rPr lang="fr-FR" dirty="0" err="1"/>
+              <a:t>Symfony</a:t>
+            </a:r>
+            <a:r>
+              <a:rPr lang="fr-FR" dirty="0"/>
+              <a:t> (PHP)</a:t>
+            </a:r>
+          </a:p>
+          <a:p>
+            <a:r>
+              <a:rPr lang="fr-FR" dirty="0"/>
+              <a:t>GO</a:t>
+            </a:r>
+          </a:p>
+          <a:p>
+            <a:r>
+              <a:rPr lang="fr-FR" dirty="0" err="1"/>
+              <a:t>Angular</a:t>
+            </a:r>
+            <a:endParaRPr lang="fr-FR" dirty="0"/>
+          </a:p>
+          <a:p>
+            <a:r>
+              <a:rPr lang="fr-FR" dirty="0"/>
+              <a:t>Python</a:t>
+            </a:r>
+          </a:p>
+        </p:txBody>
+      </p:sp>
+      <p:sp>
+        <p:nvSpPr>
+          <p:cNvPr id="4" name="Espace réservé du pied de page 3">
+            <a:extLst>
+              <a:ext uri="{FF2B5EF4-FFF2-40B4-BE49-F238E27FC236}">
+                <a16:creationId xmlns:a16="http://schemas.microsoft.com/office/drawing/2014/main" xmlns="" id="{289F4804-7E42-4691-B48F-B597C91FEF6B}"/>
+              </a:ext>
+            </a:extLst>
+          </p:cNvPr>
+          <p:cNvSpPr>
+            <a:spLocks noGrp="1"/>
+          </p:cNvSpPr>
+          <p:nvPr>
+            <p:ph type="ftr" sz="quarter" idx="11"/>
+          </p:nvPr>
+        </p:nvSpPr>
+        <p:spPr/>
+        <p:txBody>
           <a:bodyPr/>
           <a:lstStyle/>
           <a:p>
             <a:r>
-              <a:rPr lang="fr-FR" dirty="0"/>
-              <a:t>On efface tout ce qu'il y a sur le serveur et on mesure le temps de </a:t>
-            </a:r>
-            <a:r>
-              <a:rPr lang="fr-FR" dirty="0" err="1"/>
-              <a:t>ré-installation</a:t>
-            </a:r>
-            <a:r>
-              <a:rPr lang="fr-FR" dirty="0"/>
-              <a:t> </a:t>
-            </a:r>
-            <a:r>
-              <a:rPr lang="fr-FR" dirty="0" err="1"/>
-              <a:t>from</a:t>
-            </a:r>
-            <a:r>
-              <a:rPr lang="fr-FR" dirty="0"/>
-              <a:t> scratch</a:t>
-            </a:r>
+              <a:rPr lang="fr-FR"/>
+              <a:t>28/11/2017</a:t>
+            </a:r>
+          </a:p>
+        </p:txBody>
+      </p:sp>
+      <p:sp>
+        <p:nvSpPr>
+          <p:cNvPr id="5" name="Espace réservé du numéro de diapositive 4">
+            <a:extLst>
+              <a:ext uri="{FF2B5EF4-FFF2-40B4-BE49-F238E27FC236}">
+                <a16:creationId xmlns:a16="http://schemas.microsoft.com/office/drawing/2014/main" xmlns="" id="{22767DD4-355B-4FE2-95C9-51949F88AD9F}"/>
+              </a:ext>
+            </a:extLst>
+          </p:cNvPr>
+          <p:cNvSpPr>
+            <a:spLocks noGrp="1"/>
+          </p:cNvSpPr>
+          <p:nvPr>
+            <p:ph type="sldNum" sz="quarter" idx="12"/>
+          </p:nvPr>
+        </p:nvSpPr>
+        <p:spPr/>
+        <p:txBody>
+          <a:bodyPr/>
+          <a:lstStyle/>
+          <a:p>
+            <a:fld id="{ED22AD06-C296-4654-A2D3-A746ACA7B044}" type="slidenum">
+              <a:rPr lang="fr-FR" smtClean="0"/>
+              <a:pPr/>
+              <a:t>5</a:t>
+            </a:fld>
+            <a:endParaRPr lang="fr-FR"/>
           </a:p>
         </p:txBody>
       </p:sp>
     </p:spTree>
     <p:extLst>
       <p:ext uri="{BB962C8B-B14F-4D97-AF65-F5344CB8AC3E}">
-        <p14:creationId xmlns:p14="http://schemas.microsoft.com/office/powerpoint/2010/main" val="4113985906"/>
+        <p14:creationId xmlns:p14="http://schemas.microsoft.com/office/powerpoint/2010/main" xmlns="" val="1590084340"/>
       </p:ext>
     </p:extLst>
   </p:cSld>
@@ -13015,7 +15425,7 @@
           <p:cNvPr id="2" name="Titre 1">
             <a:extLst>
               <a:ext uri="{FF2B5EF4-FFF2-40B4-BE49-F238E27FC236}">
-                <a16:creationId xmlns:a16="http://schemas.microsoft.com/office/drawing/2014/main" id="{6F819513-349C-4881-89BD-301F56BF30B3}"/>
+                <a16:creationId xmlns:a16="http://schemas.microsoft.com/office/drawing/2014/main" xmlns="" id="{D86D6389-F3E6-48CF-9E9D-4C7F5C6EA89D}"/>
               </a:ext>
             </a:extLst>
           </p:cNvPr>
@@ -13033,7 +15443,7 @@
           <a:p>
             <a:r>
               <a:rPr lang="fr-FR" dirty="0"/>
-              <a:t>Organisation du groupe et du travail</a:t>
+              <a:t>Choix techniques</a:t>
             </a:r>
           </a:p>
         </p:txBody>
@@ -13043,7 +15453,7 @@
           <p:cNvPr id="3" name="Espace réservé du contenu 2">
             <a:extLst>
               <a:ext uri="{FF2B5EF4-FFF2-40B4-BE49-F238E27FC236}">
-                <a16:creationId xmlns:a16="http://schemas.microsoft.com/office/drawing/2014/main" id="{8FA18918-6B31-4E5C-90BD-84E11C4F0F99}"/>
+                <a16:creationId xmlns:a16="http://schemas.microsoft.com/office/drawing/2014/main" xmlns="" id="{0CC95282-0762-4966-8A40-67227F2FB48C}"/>
               </a:ext>
             </a:extLst>
           </p:cNvPr>
@@ -13056,9 +15466,116 @@
         </p:nvSpPr>
         <p:spPr/>
         <p:txBody>
+          <a:bodyPr>
+            <a:normAutofit/>
+          </a:bodyPr>
+          <a:lstStyle/>
+          <a:p>
+            <a:r>
+              <a:rPr lang="fr-FR" dirty="0"/>
+              <a:t>Base de donnée : </a:t>
+            </a:r>
+            <a:r>
+              <a:rPr lang="fr-FR" dirty="0" err="1"/>
+              <a:t>MongoDB</a:t>
+            </a:r>
+            <a:endParaRPr lang="fr-FR" dirty="0"/>
+          </a:p>
+          <a:p>
+            <a:pPr lvl="1"/>
+            <a:r>
+              <a:rPr lang="fr-FR" dirty="0"/>
+              <a:t>Découverte d’un nouveau SGBD</a:t>
+            </a:r>
+          </a:p>
+          <a:p>
+            <a:r>
+              <a:rPr lang="fr-FR" dirty="0"/>
+              <a:t>API : </a:t>
+            </a:r>
+            <a:r>
+              <a:rPr lang="fr-FR" dirty="0" err="1"/>
+              <a:t>Spring</a:t>
+            </a:r>
+            <a:endParaRPr lang="fr-FR" dirty="0"/>
+          </a:p>
+          <a:p>
+            <a:pPr lvl="1"/>
+            <a:r>
+              <a:rPr lang="fr-FR" dirty="0"/>
+              <a:t>Framework déjà utilisé dans d’autres projets</a:t>
+            </a:r>
+          </a:p>
+          <a:p>
+            <a:pPr lvl="1"/>
+            <a:r>
+              <a:rPr lang="fr-FR" dirty="0"/>
+              <a:t>Langage Java maîtrisé</a:t>
+            </a:r>
+          </a:p>
+          <a:p>
+            <a:pPr lvl="1"/>
+            <a:endParaRPr lang="fr-FR" dirty="0"/>
+          </a:p>
+          <a:p>
+            <a:endParaRPr lang="fr-FR" dirty="0"/>
+          </a:p>
+        </p:txBody>
+      </p:sp>
+      <p:sp>
+        <p:nvSpPr>
+          <p:cNvPr id="4" name="Espace réservé du pied de page 3">
+            <a:extLst>
+              <a:ext uri="{FF2B5EF4-FFF2-40B4-BE49-F238E27FC236}">
+                <a16:creationId xmlns:a16="http://schemas.microsoft.com/office/drawing/2014/main" xmlns="" id="{8D3AF887-9A36-4ED0-987D-ED92CA1990B0}"/>
+              </a:ext>
+            </a:extLst>
+          </p:cNvPr>
+          <p:cNvSpPr>
+            <a:spLocks noGrp="1"/>
+          </p:cNvSpPr>
+          <p:nvPr>
+            <p:ph type="ftr" sz="quarter" idx="11"/>
+          </p:nvPr>
+        </p:nvSpPr>
+        <p:spPr/>
+        <p:txBody>
           <a:bodyPr/>
           <a:lstStyle/>
           <a:p>
+            <a:r>
+              <a:rPr lang="fr-FR"/>
+              <a:t>28/11/2017</a:t>
+            </a:r>
+          </a:p>
+        </p:txBody>
+      </p:sp>
+      <p:sp>
+        <p:nvSpPr>
+          <p:cNvPr id="5" name="Espace réservé du numéro de diapositive 4">
+            <a:extLst>
+              <a:ext uri="{FF2B5EF4-FFF2-40B4-BE49-F238E27FC236}">
+                <a16:creationId xmlns:a16="http://schemas.microsoft.com/office/drawing/2014/main" xmlns="" id="{25968FEC-C2F6-4ACB-A658-AEEC4C3C2228}"/>
+              </a:ext>
+            </a:extLst>
+          </p:cNvPr>
+          <p:cNvSpPr>
+            <a:spLocks noGrp="1"/>
+          </p:cNvSpPr>
+          <p:nvPr>
+            <p:ph type="sldNum" sz="quarter" idx="12"/>
+          </p:nvPr>
+        </p:nvSpPr>
+        <p:spPr/>
+        <p:txBody>
+          <a:bodyPr/>
+          <a:lstStyle/>
+          <a:p>
+            <a:fld id="{ED22AD06-C296-4654-A2D3-A746ACA7B044}" type="slidenum">
+              <a:rPr lang="fr-FR" smtClean="0"/>
+              <a:pPr/>
+              <a:t>6</a:t>
+            </a:fld>
             <a:endParaRPr lang="fr-FR"/>
           </a:p>
         </p:txBody>
@@ -13066,7 +15583,7 @@
     </p:spTree>
     <p:extLst>
       <p:ext uri="{BB962C8B-B14F-4D97-AF65-F5344CB8AC3E}">
-        <p14:creationId xmlns:p14="http://schemas.microsoft.com/office/powerpoint/2010/main" val="2836490286"/>
+        <p14:creationId xmlns:p14="http://schemas.microsoft.com/office/powerpoint/2010/main" xmlns="" val="1329836512"/>
       </p:ext>
     </p:extLst>
   </p:cSld>
@@ -13098,7 +15615,7 @@
           <p:cNvPr id="2" name="Titre 1">
             <a:extLst>
               <a:ext uri="{FF2B5EF4-FFF2-40B4-BE49-F238E27FC236}">
-                <a16:creationId xmlns:a16="http://schemas.microsoft.com/office/drawing/2014/main" id="{0845828D-6CC7-4486-8B9C-DD5D9F22D31D}"/>
+                <a16:creationId xmlns:a16="http://schemas.microsoft.com/office/drawing/2014/main" xmlns="" id="{C0CC8AE9-1BF4-4387-ADA7-C852D42B7D76}"/>
               </a:ext>
             </a:extLst>
           </p:cNvPr>
@@ -13116,17 +15633,47 @@
           <a:p>
             <a:r>
               <a:rPr lang="fr-FR" dirty="0"/>
-              <a:t>Justifier l'intérêt du CI/CD</a:t>
-            </a:r>
-          </a:p>
-        </p:txBody>
-      </p:sp>
-      <p:sp>
-        <p:nvSpPr>
-          <p:cNvPr id="3" name="Espace réservé du contenu 2">
+              <a:t>Démonstration </a:t>
+            </a:r>
+          </a:p>
+        </p:txBody>
+      </p:sp>
+      <p:pic>
+        <p:nvPicPr>
+          <p:cNvPr id="5" name="Image 4"/>
+          <p:cNvPicPr>
+            <a:picLocks noChangeAspect="1"/>
+          </p:cNvPicPr>
+          <p:nvPr/>
+        </p:nvPicPr>
+        <p:blipFill>
+          <a:blip r:embed="rId3" cstate="print">
+            <a:extLst>
+              <a:ext uri="{28A0092B-C50C-407E-A947-70E740481C1C}">
+                <a14:useLocalDpi xmlns:a14="http://schemas.microsoft.com/office/drawing/2010/main" xmlns="" val="0"/>
+              </a:ext>
+            </a:extLst>
+          </a:blip>
+          <a:stretch>
+            <a:fillRect/>
+          </a:stretch>
+        </p:blipFill>
+        <p:spPr>
+          <a:xfrm>
+            <a:off x="1842057" y="2334595"/>
+            <a:ext cx="7182382" cy="3591192"/>
+          </a:xfrm>
+          <a:prstGeom prst="rect">
+            <a:avLst/>
+          </a:prstGeom>
+        </p:spPr>
+      </p:pic>
+      <p:sp>
+        <p:nvSpPr>
+          <p:cNvPr id="3" name="Espace réservé du pied de page 2">
             <a:extLst>
               <a:ext uri="{FF2B5EF4-FFF2-40B4-BE49-F238E27FC236}">
-                <a16:creationId xmlns:a16="http://schemas.microsoft.com/office/drawing/2014/main" id="{D2565F79-8447-4704-800E-75742A26C65D}"/>
+                <a16:creationId xmlns:a16="http://schemas.microsoft.com/office/drawing/2014/main" xmlns="" id="{7D5441C1-46C0-4783-9F0E-B77CAD4C03C4}"/>
               </a:ext>
             </a:extLst>
           </p:cNvPr>
@@ -13134,7 +15681,7 @@
             <a:spLocks noGrp="1"/>
           </p:cNvSpPr>
           <p:nvPr>
-            <p:ph idx="1"/>
+            <p:ph type="ftr" sz="quarter" idx="11"/>
           </p:nvPr>
         </p:nvSpPr>
         <p:spPr/>
@@ -13142,6 +15689,39 @@
           <a:bodyPr/>
           <a:lstStyle/>
           <a:p>
+            <a:r>
+              <a:rPr lang="fr-FR"/>
+              <a:t>28/11/2017</a:t>
+            </a:r>
+          </a:p>
+        </p:txBody>
+      </p:sp>
+      <p:sp>
+        <p:nvSpPr>
+          <p:cNvPr id="4" name="Espace réservé du numéro de diapositive 3">
+            <a:extLst>
+              <a:ext uri="{FF2B5EF4-FFF2-40B4-BE49-F238E27FC236}">
+                <a16:creationId xmlns:a16="http://schemas.microsoft.com/office/drawing/2014/main" xmlns="" id="{C5EB9DE6-B98B-4EAD-87CE-73AC85478BBB}"/>
+              </a:ext>
+            </a:extLst>
+          </p:cNvPr>
+          <p:cNvSpPr>
+            <a:spLocks noGrp="1"/>
+          </p:cNvSpPr>
+          <p:nvPr>
+            <p:ph type="sldNum" sz="quarter" idx="12"/>
+          </p:nvPr>
+        </p:nvSpPr>
+        <p:spPr/>
+        <p:txBody>
+          <a:bodyPr/>
+          <a:lstStyle/>
+          <a:p>
+            <a:fld id="{ED22AD06-C296-4654-A2D3-A746ACA7B044}" type="slidenum">
+              <a:rPr lang="fr-FR" smtClean="0"/>
+              <a:pPr/>
+              <a:t>7</a:t>
+            </a:fld>
             <a:endParaRPr lang="fr-FR"/>
           </a:p>
         </p:txBody>
@@ -13149,7 +15729,7 @@
     </p:spTree>
     <p:extLst>
       <p:ext uri="{BB962C8B-B14F-4D97-AF65-F5344CB8AC3E}">
-        <p14:creationId xmlns:p14="http://schemas.microsoft.com/office/powerpoint/2010/main" val="919382233"/>
+        <p14:creationId xmlns:p14="http://schemas.microsoft.com/office/powerpoint/2010/main" xmlns="" val="4113985906"/>
       </p:ext>
     </p:extLst>
   </p:cSld>
@@ -13181,7 +15761,7 @@
           <p:cNvPr id="2" name="Titre 1">
             <a:extLst>
               <a:ext uri="{FF2B5EF4-FFF2-40B4-BE49-F238E27FC236}">
-                <a16:creationId xmlns:a16="http://schemas.microsoft.com/office/drawing/2014/main" id="{96C5FFFE-9A22-4089-93E1-9CA9315E180B}"/>
+                <a16:creationId xmlns:a16="http://schemas.microsoft.com/office/drawing/2014/main" xmlns="" id="{6F819513-349C-4881-89BD-301F56BF30B3}"/>
               </a:ext>
             </a:extLst>
           </p:cNvPr>
@@ -13199,7 +15779,7 @@
           <a:p>
             <a:r>
               <a:rPr lang="fr-FR" dirty="0"/>
-              <a:t>Difficultés rencontrées et retours sur l'UE</a:t>
+              <a:t>Organisation du groupe et du travail</a:t>
             </a:r>
           </a:p>
         </p:txBody>
@@ -13209,7 +15789,7 @@
           <p:cNvPr id="3" name="Espace réservé du contenu 2">
             <a:extLst>
               <a:ext uri="{FF2B5EF4-FFF2-40B4-BE49-F238E27FC236}">
-                <a16:creationId xmlns:a16="http://schemas.microsoft.com/office/drawing/2014/main" id="{9ACD37A6-8B7D-497E-82A3-56A503C1FCEF}"/>
+                <a16:creationId xmlns:a16="http://schemas.microsoft.com/office/drawing/2014/main" xmlns="" id="{8FA18918-6B31-4E5C-90BD-84E11C4F0F99}"/>
               </a:ext>
             </a:extLst>
           </p:cNvPr>
@@ -13222,9 +15802,90 @@
         </p:nvSpPr>
         <p:spPr/>
         <p:txBody>
+          <a:bodyPr>
+            <a:normAutofit/>
+          </a:bodyPr>
+          <a:lstStyle/>
+          <a:p>
+            <a:r>
+              <a:rPr lang="fr-FR" dirty="0"/>
+              <a:t>Création de l’API USER : Jensen</a:t>
+            </a:r>
+          </a:p>
+          <a:p>
+            <a:r>
+              <a:rPr lang="fr-FR" dirty="0"/>
+              <a:t>Tests : Jensen et Matthieu</a:t>
+            </a:r>
+          </a:p>
+          <a:p>
+            <a:r>
+              <a:rPr lang="fr-FR" dirty="0"/>
+              <a:t>Mise en place de l’image Docker : Lilian et Julien</a:t>
+            </a:r>
+          </a:p>
+          <a:p>
+            <a:r>
+              <a:rPr lang="fr-FR" dirty="0"/>
+              <a:t>Recherche de documentation pour choix techniques : Lilian et Julien </a:t>
+            </a:r>
+          </a:p>
+        </p:txBody>
+      </p:sp>
+      <p:sp>
+        <p:nvSpPr>
+          <p:cNvPr id="4" name="Espace réservé du pied de page 3">
+            <a:extLst>
+              <a:ext uri="{FF2B5EF4-FFF2-40B4-BE49-F238E27FC236}">
+                <a16:creationId xmlns:a16="http://schemas.microsoft.com/office/drawing/2014/main" xmlns="" id="{04FA8130-EF46-4F61-9E00-5E57A1CD70A9}"/>
+              </a:ext>
+            </a:extLst>
+          </p:cNvPr>
+          <p:cNvSpPr>
+            <a:spLocks noGrp="1"/>
+          </p:cNvSpPr>
+          <p:nvPr>
+            <p:ph type="ftr" sz="quarter" idx="11"/>
+          </p:nvPr>
+        </p:nvSpPr>
+        <p:spPr/>
+        <p:txBody>
           <a:bodyPr/>
           <a:lstStyle/>
           <a:p>
+            <a:r>
+              <a:rPr lang="fr-FR"/>
+              <a:t>28/11/2017</a:t>
+            </a:r>
+          </a:p>
+        </p:txBody>
+      </p:sp>
+      <p:sp>
+        <p:nvSpPr>
+          <p:cNvPr id="5" name="Espace réservé du numéro de diapositive 4">
+            <a:extLst>
+              <a:ext uri="{FF2B5EF4-FFF2-40B4-BE49-F238E27FC236}">
+                <a16:creationId xmlns:a16="http://schemas.microsoft.com/office/drawing/2014/main" xmlns="" id="{332B6EAC-5DA2-4B4A-B235-9718E373AB1B}"/>
+              </a:ext>
+            </a:extLst>
+          </p:cNvPr>
+          <p:cNvSpPr>
+            <a:spLocks noGrp="1"/>
+          </p:cNvSpPr>
+          <p:nvPr>
+            <p:ph type="sldNum" sz="quarter" idx="12"/>
+          </p:nvPr>
+        </p:nvSpPr>
+        <p:spPr/>
+        <p:txBody>
+          <a:bodyPr/>
+          <a:lstStyle/>
+          <a:p>
+            <a:fld id="{ED22AD06-C296-4654-A2D3-A746ACA7B044}" type="slidenum">
+              <a:rPr lang="fr-FR" smtClean="0"/>
+              <a:pPr/>
+              <a:t>8</a:t>
+            </a:fld>
             <a:endParaRPr lang="fr-FR"/>
           </a:p>
         </p:txBody>
@@ -13232,7 +15893,273 @@
     </p:spTree>
     <p:extLst>
       <p:ext uri="{BB962C8B-B14F-4D97-AF65-F5344CB8AC3E}">
-        <p14:creationId xmlns:p14="http://schemas.microsoft.com/office/powerpoint/2010/main" val="3260277226"/>
+        <p14:creationId xmlns:p14="http://schemas.microsoft.com/office/powerpoint/2010/main" xmlns="" val="2836490286"/>
+      </p:ext>
+    </p:extLst>
+  </p:cSld>
+  <p:clrMapOvr>
+    <a:masterClrMapping/>
+  </p:clrMapOvr>
+</p:sld>
+</file>
+
+<file path=ppt/slides/slide9.xml><?xml version="1.0" encoding="utf-8"?>
+<p:sld xmlns:a="http://schemas.openxmlformats.org/drawingml/2006/main" xmlns:r="http://schemas.openxmlformats.org/officeDocument/2006/relationships" xmlns:p="http://schemas.openxmlformats.org/presentationml/2006/main">
+  <p:cSld>
+    <p:spTree>
+      <p:nvGrpSpPr>
+        <p:cNvPr id="1" name=""/>
+        <p:cNvGrpSpPr/>
+        <p:nvPr/>
+      </p:nvGrpSpPr>
+      <p:grpSpPr>
+        <a:xfrm>
+          <a:off x="0" y="0"/>
+          <a:ext cx="0" cy="0"/>
+          <a:chOff x="0" y="0"/>
+          <a:chExt cx="0" cy="0"/>
+        </a:xfrm>
+      </p:grpSpPr>
+      <p:sp>
+        <p:nvSpPr>
+          <p:cNvPr id="2" name="Titre 1">
+            <a:extLst>
+              <a:ext uri="{FF2B5EF4-FFF2-40B4-BE49-F238E27FC236}">
+                <a16:creationId xmlns:a16="http://schemas.microsoft.com/office/drawing/2014/main" xmlns="" id="{0845828D-6CC7-4486-8B9C-DD5D9F22D31D}"/>
+              </a:ext>
+            </a:extLst>
+          </p:cNvPr>
+          <p:cNvSpPr>
+            <a:spLocks noGrp="1"/>
+          </p:cNvSpPr>
+          <p:nvPr>
+            <p:ph type="title"/>
+          </p:nvPr>
+        </p:nvSpPr>
+        <p:spPr/>
+        <p:txBody>
+          <a:bodyPr/>
+          <a:lstStyle/>
+          <a:p>
+            <a:r>
+              <a:rPr lang="fr-FR" dirty="0"/>
+              <a:t>CI/CD : Intégration continue</a:t>
+            </a:r>
+          </a:p>
+        </p:txBody>
+      </p:sp>
+      <p:sp>
+        <p:nvSpPr>
+          <p:cNvPr id="3" name="Espace réservé du contenu 2">
+            <a:extLst>
+              <a:ext uri="{FF2B5EF4-FFF2-40B4-BE49-F238E27FC236}">
+                <a16:creationId xmlns:a16="http://schemas.microsoft.com/office/drawing/2014/main" xmlns="" id="{D2565F79-8447-4704-800E-75742A26C65D}"/>
+              </a:ext>
+            </a:extLst>
+          </p:cNvPr>
+          <p:cNvSpPr>
+            <a:spLocks noGrp="1"/>
+          </p:cNvSpPr>
+          <p:nvPr>
+            <p:ph sz="half" idx="2"/>
+          </p:nvPr>
+        </p:nvSpPr>
+        <p:spPr>
+          <a:xfrm>
+            <a:off x="1141410" y="2097087"/>
+            <a:ext cx="4878391" cy="3694111"/>
+          </a:xfrm>
+        </p:spPr>
+        <p:txBody>
+          <a:bodyPr>
+            <a:normAutofit/>
+          </a:bodyPr>
+          <a:lstStyle/>
+          <a:p>
+            <a:r>
+              <a:rPr lang="fr-FR" dirty="0"/>
+              <a:t>Serveur de gestion des versions logicielles (SCM)</a:t>
+            </a:r>
+          </a:p>
+          <a:p>
+            <a:pPr lvl="1"/>
+            <a:r>
+              <a:rPr lang="fr-FR" dirty="0"/>
+              <a:t>SVN</a:t>
+            </a:r>
+          </a:p>
+          <a:p>
+            <a:pPr marL="914400" lvl="2" indent="0">
+              <a:buNone/>
+            </a:pPr>
+            <a:r>
+              <a:rPr lang="fr-FR" dirty="0"/>
+              <a:t>+ Gratuit</a:t>
+            </a:r>
+          </a:p>
+          <a:p>
+            <a:pPr lvl="2">
+              <a:buFontTx/>
+              <a:buChar char="-"/>
+            </a:pPr>
+            <a:r>
+              <a:rPr lang="fr-FR" dirty="0" err="1"/>
+              <a:t>Versionning</a:t>
+            </a:r>
+            <a:r>
+              <a:rPr lang="fr-FR" dirty="0"/>
+              <a:t> décentralisé</a:t>
+            </a:r>
+          </a:p>
+        </p:txBody>
+      </p:sp>
+      <p:sp>
+        <p:nvSpPr>
+          <p:cNvPr id="6" name="Espace réservé du contenu 5">
+            <a:extLst>
+              <a:ext uri="{FF2B5EF4-FFF2-40B4-BE49-F238E27FC236}">
+                <a16:creationId xmlns:a16="http://schemas.microsoft.com/office/drawing/2014/main" xmlns="" id="{E72588E6-DD5B-48C8-86FB-E66FFBA90F82}"/>
+              </a:ext>
+            </a:extLst>
+          </p:cNvPr>
+          <p:cNvSpPr>
+            <a:spLocks noGrp="1"/>
+          </p:cNvSpPr>
+          <p:nvPr>
+            <p:ph sz="quarter" idx="4"/>
+          </p:nvPr>
+        </p:nvSpPr>
+        <p:spPr>
+          <a:xfrm>
+            <a:off x="6172200" y="2188029"/>
+            <a:ext cx="4875210" cy="3603169"/>
+          </a:xfrm>
+        </p:spPr>
+        <p:txBody>
+          <a:bodyPr>
+            <a:normAutofit/>
+          </a:bodyPr>
+          <a:lstStyle/>
+          <a:p>
+            <a:pPr lvl="1"/>
+            <a:r>
+              <a:rPr lang="fr-FR" dirty="0" err="1"/>
+              <a:t>Github</a:t>
+            </a:r>
+            <a:endParaRPr lang="fr-FR" dirty="0"/>
+          </a:p>
+          <a:p>
+            <a:pPr marL="914400" lvl="2" indent="0">
+              <a:buNone/>
+            </a:pPr>
+            <a:r>
+              <a:rPr lang="fr-FR" dirty="0"/>
+              <a:t>+ Déjà utilisé</a:t>
+            </a:r>
+          </a:p>
+          <a:p>
+            <a:pPr marL="914400" lvl="2" indent="0">
+              <a:buNone/>
+            </a:pPr>
+            <a:r>
+              <a:rPr lang="fr-FR" dirty="0"/>
+              <a:t>+ Gratuit</a:t>
+            </a:r>
+          </a:p>
+          <a:p>
+            <a:pPr marL="914400" lvl="2" indent="0">
+              <a:buNone/>
+            </a:pPr>
+            <a:r>
+              <a:rPr lang="fr-FR" dirty="0"/>
+              <a:t>+ Gestion des branches</a:t>
+            </a:r>
+          </a:p>
+          <a:p>
+            <a:pPr marL="914400" lvl="2" indent="0">
+              <a:buNone/>
+            </a:pPr>
+            <a:r>
+              <a:rPr lang="fr-FR" dirty="0"/>
+              <a:t>+ Suivi des modifications</a:t>
+            </a:r>
+          </a:p>
+          <a:p>
+            <a:pPr marL="914400" lvl="2" indent="0">
+              <a:buNone/>
+            </a:pPr>
+            <a:r>
+              <a:rPr lang="fr-FR" dirty="0"/>
+              <a:t>+ Merge intelligent</a:t>
+            </a:r>
+          </a:p>
+          <a:p>
+            <a:endParaRPr lang="fr-FR" dirty="0"/>
+          </a:p>
+        </p:txBody>
+      </p:sp>
+      <p:sp>
+        <p:nvSpPr>
+          <p:cNvPr id="7" name="Espace réservé du pied de page 6">
+            <a:extLst>
+              <a:ext uri="{FF2B5EF4-FFF2-40B4-BE49-F238E27FC236}">
+                <a16:creationId xmlns:a16="http://schemas.microsoft.com/office/drawing/2014/main" xmlns="" id="{A6C3343A-8C55-4D5B-83EE-2EDF0A9D7810}"/>
+              </a:ext>
+            </a:extLst>
+          </p:cNvPr>
+          <p:cNvSpPr>
+            <a:spLocks noGrp="1"/>
+          </p:cNvSpPr>
+          <p:nvPr>
+            <p:ph type="ftr" sz="quarter" idx="11"/>
+          </p:nvPr>
+        </p:nvSpPr>
+        <p:spPr/>
+        <p:txBody>
+          <a:bodyPr/>
+          <a:lstStyle/>
+          <a:p>
+            <a:r>
+              <a:rPr lang="fr-FR"/>
+              <a:t>28/11/2017</a:t>
+            </a:r>
+          </a:p>
+        </p:txBody>
+      </p:sp>
+      <p:sp>
+        <p:nvSpPr>
+          <p:cNvPr id="8" name="Espace réservé du numéro de diapositive 7">
+            <a:extLst>
+              <a:ext uri="{FF2B5EF4-FFF2-40B4-BE49-F238E27FC236}">
+                <a16:creationId xmlns:a16="http://schemas.microsoft.com/office/drawing/2014/main" xmlns="" id="{3B0DB9C9-02FF-40DA-9DB3-B0222BD9F6E9}"/>
+              </a:ext>
+            </a:extLst>
+          </p:cNvPr>
+          <p:cNvSpPr>
+            <a:spLocks noGrp="1"/>
+          </p:cNvSpPr>
+          <p:nvPr>
+            <p:ph type="sldNum" sz="quarter" idx="12"/>
+          </p:nvPr>
+        </p:nvSpPr>
+        <p:spPr/>
+        <p:txBody>
+          <a:bodyPr/>
+          <a:lstStyle/>
+          <a:p>
+            <a:fld id="{ED22AD06-C296-4654-A2D3-A746ACA7B044}" type="slidenum">
+              <a:rPr lang="fr-FR" smtClean="0"/>
+              <a:pPr/>
+              <a:t>9</a:t>
+            </a:fld>
+            <a:endParaRPr lang="fr-FR"/>
+          </a:p>
+        </p:txBody>
+      </p:sp>
+    </p:spTree>
+    <p:extLst>
+      <p:ext uri="{BB962C8B-B14F-4D97-AF65-F5344CB8AC3E}">
+        <p14:creationId xmlns:p14="http://schemas.microsoft.com/office/powerpoint/2010/main" xmlns="" val="919382233"/>
       </p:ext>
     </p:extLst>
   </p:cSld>
@@ -13285,7 +16212,7 @@
     </a:clrScheme>
     <a:fontScheme name="Circuit">
       <a:majorFont>
-        <a:latin typeface="Tw Cen MT" panose="020B0602020104020603"/>
+        <a:latin typeface="Tw Cen MT"/>
         <a:ea typeface=""/>
         <a:cs typeface=""/>
         <a:font script="Jpan" typeface="ＭＳ Ｐゴシック"/>
@@ -13320,7 +16247,7 @@
         <a:font script="Geor" typeface="Sylfaen"/>
       </a:majorFont>
       <a:minorFont>
-        <a:latin typeface="Tw Cen MT" panose="020B0602020104020603"/>
+        <a:latin typeface="Tw Cen MT"/>
         <a:ea typeface=""/>
         <a:cs typeface=""/>
         <a:font script="Jpan" typeface="ＭＳ Ｐゴシック"/>
@@ -13487,7 +16414,268 @@
   <a:extraClrSchemeLst/>
   <a:extLst>
     <a:ext uri="{05A4C25C-085E-4340-85A3-A5531E510DB2}">
-      <thm15:themeFamily xmlns:thm15="http://schemas.microsoft.com/office/thememl/2012/main" name="Circuit" id="{0AC2F7E7-15F5-431C-B2A2-456FE929F56C}" vid="{0911B802-464C-4241-8DD9-B60FF88E379F}"/>
+      <thm15:themeFamily xmlns:thm15="http://schemas.microsoft.com/office/thememl/2012/main" xmlns="" name="Circuit" id="{0AC2F7E7-15F5-431C-B2A2-456FE929F56C}" vid="{0911B802-464C-4241-8DD9-B60FF88E379F}"/>
+    </a:ext>
+  </a:extLst>
+</a:theme>
+</file>
+
+<file path=ppt/theme/theme2.xml><?xml version="1.0" encoding="utf-8"?>
+<a:theme xmlns:a="http://schemas.openxmlformats.org/drawingml/2006/main" name="Thème Office">
+  <a:themeElements>
+    <a:clrScheme name="Office">
+      <a:dk1>
+        <a:sysClr val="windowText" lastClr="000000"/>
+      </a:dk1>
+      <a:lt1>
+        <a:sysClr val="window" lastClr="FFFFFF"/>
+      </a:lt1>
+      <a:dk2>
+        <a:srgbClr val="44546A"/>
+      </a:dk2>
+      <a:lt2>
+        <a:srgbClr val="E7E6E6"/>
+      </a:lt2>
+      <a:accent1>
+        <a:srgbClr val="5B9BD5"/>
+      </a:accent1>
+      <a:accent2>
+        <a:srgbClr val="ED7D31"/>
+      </a:accent2>
+      <a:accent3>
+        <a:srgbClr val="A5A5A5"/>
+      </a:accent3>
+      <a:accent4>
+        <a:srgbClr val="FFC000"/>
+      </a:accent4>
+      <a:accent5>
+        <a:srgbClr val="4472C4"/>
+      </a:accent5>
+      <a:accent6>
+        <a:srgbClr val="70AD47"/>
+      </a:accent6>
+      <a:hlink>
+        <a:srgbClr val="0563C1"/>
+      </a:hlink>
+      <a:folHlink>
+        <a:srgbClr val="954F72"/>
+      </a:folHlink>
+    </a:clrScheme>
+    <a:fontScheme name="Office">
+      <a:majorFont>
+        <a:latin typeface="Calibri Light"/>
+        <a:ea typeface=""/>
+        <a:cs typeface=""/>
+        <a:font script="Jpan" typeface="游ゴシック Light"/>
+        <a:font script="Hang" typeface="맑은 고딕"/>
+        <a:font script="Hans" typeface="等线 Light"/>
+        <a:font script="Hant" typeface="新細明體"/>
+        <a:font script="Arab" typeface="Times New Roman"/>
+        <a:font script="Hebr" typeface="Times New Roman"/>
+        <a:font script="Thai" typeface="Angsana New"/>
+        <a:font script="Ethi" typeface="Nyala"/>
+        <a:font script="Beng" typeface="Vrinda"/>
+        <a:font script="Gujr" typeface="Shruti"/>
+        <a:font script="Khmr" typeface="MoolBoran"/>
+        <a:font script="Knda" typeface="Tunga"/>
+        <a:font script="Guru" typeface="Raavi"/>
+        <a:font script="Cans" typeface="Euphemia"/>
+        <a:font script="Cher" typeface="Plantagenet Cherokee"/>
+        <a:font script="Yiii" typeface="Microsoft Yi Baiti"/>
+        <a:font script="Tibt" typeface="Microsoft Himalaya"/>
+        <a:font script="Thaa" typeface="MV Boli"/>
+        <a:font script="Deva" typeface="Mangal"/>
+        <a:font script="Telu" typeface="Gautami"/>
+        <a:font script="Taml" typeface="Latha"/>
+        <a:font script="Syrc" typeface="Estrangelo Edessa"/>
+        <a:font script="Orya" typeface="Kalinga"/>
+        <a:font script="Mlym" typeface="Kartika"/>
+        <a:font script="Laoo" typeface="DokChampa"/>
+        <a:font script="Sinh" typeface="Iskoola Pota"/>
+        <a:font script="Mong" typeface="Mongolian Baiti"/>
+        <a:font script="Viet" typeface="Times New Roman"/>
+        <a:font script="Uigh" typeface="Microsoft Uighur"/>
+        <a:font script="Geor" typeface="Sylfaen"/>
+      </a:majorFont>
+      <a:minorFont>
+        <a:latin typeface="Calibri"/>
+        <a:ea typeface=""/>
+        <a:cs typeface=""/>
+        <a:font script="Jpan" typeface="游ゴシック"/>
+        <a:font script="Hang" typeface="맑은 고딕"/>
+        <a:font script="Hans" typeface="等线"/>
+        <a:font script="Hant" typeface="新細明體"/>
+        <a:font script="Arab" typeface="Arial"/>
+        <a:font script="Hebr" typeface="Arial"/>
+        <a:font script="Thai" typeface="Cordia New"/>
+        <a:font script="Ethi" typeface="Nyala"/>
+        <a:font script="Beng" typeface="Vrinda"/>
+        <a:font script="Gujr" typeface="Shruti"/>
+        <a:font script="Khmr" typeface="DaunPenh"/>
+        <a:font script="Knda" typeface="Tunga"/>
+        <a:font script="Guru" typeface="Raavi"/>
+        <a:font script="Cans" typeface="Euphemia"/>
+        <a:font script="Cher" typeface="Plantagenet Cherokee"/>
+        <a:font script="Yiii" typeface="Microsoft Yi Baiti"/>
+        <a:font script="Tibt" typeface="Microsoft Himalaya"/>
+        <a:font script="Thaa" typeface="MV Boli"/>
+        <a:font script="Deva" typeface="Mangal"/>
+        <a:font script="Telu" typeface="Gautami"/>
+        <a:font script="Taml" typeface="Latha"/>
+        <a:font script="Syrc" typeface="Estrangelo Edessa"/>
+        <a:font script="Orya" typeface="Kalinga"/>
+        <a:font script="Mlym" typeface="Kartika"/>
+        <a:font script="Laoo" typeface="DokChampa"/>
+        <a:font script="Sinh" typeface="Iskoola Pota"/>
+        <a:font script="Mong" typeface="Mongolian Baiti"/>
+        <a:font script="Viet" typeface="Arial"/>
+        <a:font script="Uigh" typeface="Microsoft Uighur"/>
+        <a:font script="Geor" typeface="Sylfaen"/>
+      </a:minorFont>
+    </a:fontScheme>
+    <a:fmtScheme name="Office">
+      <a:fillStyleLst>
+        <a:solidFill>
+          <a:schemeClr val="phClr"/>
+        </a:solidFill>
+        <a:gradFill rotWithShape="1">
+          <a:gsLst>
+            <a:gs pos="0">
+              <a:schemeClr val="phClr">
+                <a:lumMod val="110000"/>
+                <a:satMod val="105000"/>
+                <a:tint val="67000"/>
+              </a:schemeClr>
+            </a:gs>
+            <a:gs pos="50000">
+              <a:schemeClr val="phClr">
+                <a:lumMod val="105000"/>
+                <a:satMod val="103000"/>
+                <a:tint val="73000"/>
+              </a:schemeClr>
+            </a:gs>
+            <a:gs pos="100000">
+              <a:schemeClr val="phClr">
+                <a:lumMod val="105000"/>
+                <a:satMod val="109000"/>
+                <a:tint val="81000"/>
+              </a:schemeClr>
+            </a:gs>
+          </a:gsLst>
+          <a:lin ang="5400000" scaled="0"/>
+        </a:gradFill>
+        <a:gradFill rotWithShape="1">
+          <a:gsLst>
+            <a:gs pos="0">
+              <a:schemeClr val="phClr">
+                <a:satMod val="103000"/>
+                <a:lumMod val="102000"/>
+                <a:tint val="94000"/>
+              </a:schemeClr>
+            </a:gs>
+            <a:gs pos="50000">
+              <a:schemeClr val="phClr">
+                <a:satMod val="110000"/>
+                <a:lumMod val="100000"/>
+                <a:shade val="100000"/>
+              </a:schemeClr>
+            </a:gs>
+            <a:gs pos="100000">
+              <a:schemeClr val="phClr">
+                <a:lumMod val="99000"/>
+                <a:satMod val="120000"/>
+                <a:shade val="78000"/>
+              </a:schemeClr>
+            </a:gs>
+          </a:gsLst>
+          <a:lin ang="5400000" scaled="0"/>
+        </a:gradFill>
+      </a:fillStyleLst>
+      <a:lnStyleLst>
+        <a:ln w="6350" cap="flat" cmpd="sng" algn="ctr">
+          <a:solidFill>
+            <a:schemeClr val="phClr"/>
+          </a:solidFill>
+          <a:prstDash val="solid"/>
+          <a:miter lim="800000"/>
+        </a:ln>
+        <a:ln w="12700" cap="flat" cmpd="sng" algn="ctr">
+          <a:solidFill>
+            <a:schemeClr val="phClr"/>
+          </a:solidFill>
+          <a:prstDash val="solid"/>
+          <a:miter lim="800000"/>
+        </a:ln>
+        <a:ln w="19050" cap="flat" cmpd="sng" algn="ctr">
+          <a:solidFill>
+            <a:schemeClr val="phClr"/>
+          </a:solidFill>
+          <a:prstDash val="solid"/>
+          <a:miter lim="800000"/>
+        </a:ln>
+      </a:lnStyleLst>
+      <a:effectStyleLst>
+        <a:effectStyle>
+          <a:effectLst/>
+        </a:effectStyle>
+        <a:effectStyle>
+          <a:effectLst/>
+        </a:effectStyle>
+        <a:effectStyle>
+          <a:effectLst>
+            <a:outerShdw blurRad="57150" dist="19050" dir="5400000" algn="ctr" rotWithShape="0">
+              <a:srgbClr val="000000">
+                <a:alpha val="63000"/>
+              </a:srgbClr>
+            </a:outerShdw>
+          </a:effectLst>
+        </a:effectStyle>
+      </a:effectStyleLst>
+      <a:bgFillStyleLst>
+        <a:solidFill>
+          <a:schemeClr val="phClr"/>
+        </a:solidFill>
+        <a:solidFill>
+          <a:schemeClr val="phClr">
+            <a:tint val="95000"/>
+            <a:satMod val="170000"/>
+          </a:schemeClr>
+        </a:solidFill>
+        <a:gradFill rotWithShape="1">
+          <a:gsLst>
+            <a:gs pos="0">
+              <a:schemeClr val="phClr">
+                <a:tint val="93000"/>
+                <a:satMod val="150000"/>
+                <a:shade val="98000"/>
+                <a:lumMod val="102000"/>
+              </a:schemeClr>
+            </a:gs>
+            <a:gs pos="50000">
+              <a:schemeClr val="phClr">
+                <a:tint val="98000"/>
+                <a:satMod val="130000"/>
+                <a:shade val="90000"/>
+                <a:lumMod val="103000"/>
+              </a:schemeClr>
+            </a:gs>
+            <a:gs pos="100000">
+              <a:schemeClr val="phClr">
+                <a:shade val="63000"/>
+                <a:satMod val="120000"/>
+              </a:schemeClr>
+            </a:gs>
+          </a:gsLst>
+          <a:lin ang="5400000" scaled="0"/>
+        </a:gradFill>
+      </a:bgFillStyleLst>
+    </a:fmtScheme>
+  </a:themeElements>
+  <a:objectDefaults/>
+  <a:extraClrSchemeLst/>
+  <a:extLst>
+    <a:ext uri="{05A4C25C-085E-4340-85A3-A5531E510DB2}">
+      <thm15:themeFamily xmlns:thm15="http://schemas.microsoft.com/office/thememl/2012/main" xmlns="" name="Office Theme" id="{62F939B6-93AF-4DB8-9C6B-D6C7DFDC589F}" vid="{4A3C46E8-61CC-4603-A589-7422A47A8E4A}"/>
     </a:ext>
   </a:extLst>
 </a:theme>

--- a/Presentation Cloud.pptx
+++ b/Presentation Cloud.pptx
@@ -1,6 +1,6 @@
 
 <file path=ppt/presentation.xml><?xml version="1.0" encoding="utf-8"?>
-<p:presentation xmlns:a="http://schemas.openxmlformats.org/drawingml/2006/main" xmlns:r="http://schemas.openxmlformats.org/officeDocument/2006/relationships" xmlns:p="http://schemas.openxmlformats.org/presentationml/2006/main" saveSubsetFonts="1">
+<p:presentation xmlns:a="http://schemas.openxmlformats.org/drawingml/2006/main" xmlns:r="http://schemas.openxmlformats.org/officeDocument/2006/relationships" xmlns:p="http://schemas.openxmlformats.org/presentationml/2006/main" showSpecialPlsOnTitleSld="0" saveSubsetFonts="1">
   <p:sldMasterIdLst>
     <p:sldMasterId id="2147483660" r:id="rId1"/>
   </p:sldMasterIdLst>
@@ -121,7 +121,18 @@
   </p:defaultTextStyle>
   <p:extLst>
     <p:ext uri="{EFAFB233-063F-42B5-8137-9DF3F51BA10A}">
-      <p15:sldGuideLst xmlns:p15="http://schemas.microsoft.com/office/powerpoint/2012/main" xmlns=""/>
+      <p15:sldGuideLst xmlns:p15="http://schemas.microsoft.com/office/powerpoint/2012/main">
+        <p15:guide id="1" orient="horz" pos="2160">
+          <p15:clr>
+            <a:srgbClr val="A4A3A4"/>
+          </p15:clr>
+        </p15:guide>
+        <p15:guide id="2" pos="3840">
+          <p15:clr>
+            <a:srgbClr val="A4A3A4"/>
+          </p15:clr>
+        </p15:guide>
+      </p15:sldGuideLst>
     </p:ext>
   </p:extLst>
 </p:presentation>
@@ -132,7 +143,7 @@
   <p:cmAuthor id="1" name="VARREL LILIAN p1307363" initials="VLp" lastIdx="0" clrIdx="0">
     <p:extLst>
       <p:ext uri="{19B8F6BF-5375-455C-9EA6-DF929625EA0E}">
-        <p15:presenceInfo xmlns:p15="http://schemas.microsoft.com/office/powerpoint/2012/main" xmlns="" userId="VARREL LILIAN p1307363" providerId="None"/>
+        <p15:presenceInfo xmlns:p15="http://schemas.microsoft.com/office/powerpoint/2012/main" userId="VARREL LILIAN p1307363" providerId="None"/>
       </p:ext>
     </p:extLst>
   </p:cmAuthor>
@@ -226,7 +237,7 @@
             <a:fld id="{1679012D-8AD0-46EB-9C5F-83305F195B36}" type="datetimeFigureOut">
               <a:rPr lang="fr-FR" smtClean="0"/>
               <a:pPr/>
-              <a:t>25/11/2017</a:t>
+              <a:t>27/11/2017</a:t>
             </a:fld>
             <a:endParaRPr lang="fr-FR"/>
           </a:p>
@@ -394,7 +405,7 @@
     </p:spTree>
     <p:extLst>
       <p:ext uri="{BB962C8B-B14F-4D97-AF65-F5344CB8AC3E}">
-        <p14:creationId xmlns:p14="http://schemas.microsoft.com/office/powerpoint/2010/main" xmlns="" val="3761400281"/>
+        <p14:creationId xmlns:p14="http://schemas.microsoft.com/office/powerpoint/2010/main" val="3761400281"/>
       </p:ext>
     </p:extLst>
   </p:cSld>
@@ -538,18 +549,6 @@
           <a:bodyPr/>
           <a:lstStyle/>
           <a:p>
-            <a:r>
-              <a:rPr lang="fr-FR" dirty="0"/>
-              <a:t>1 schéma global + des explications de l'architecture déployée</a:t>
-            </a:r>
-          </a:p>
-          <a:p>
-            <a:r>
-              <a:rPr lang="fr-FR" dirty="0"/>
-              <a:t>Expliquer l'évolution de l'architecture mise en place</a:t>
-            </a:r>
-          </a:p>
-          <a:p>
             <a:endParaRPr lang="fr-FR" dirty="0"/>
           </a:p>
         </p:txBody>
@@ -572,7 +571,7 @@
             <a:fld id="{8C9430EA-2101-4193-B144-81AA5245BAB4}" type="slidenum">
               <a:rPr lang="fr-FR" smtClean="0"/>
               <a:pPr/>
-              <a:t>3</a:t>
+              <a:t>1</a:t>
             </a:fld>
             <a:endParaRPr lang="fr-FR"/>
           </a:p>
@@ -581,7 +580,7 @@
     </p:spTree>
     <p:extLst>
       <p:ext uri="{BB962C8B-B14F-4D97-AF65-F5344CB8AC3E}">
-        <p14:creationId xmlns:p14="http://schemas.microsoft.com/office/powerpoint/2010/main" xmlns="" val="3894418767"/>
+        <p14:creationId xmlns:p14="http://schemas.microsoft.com/office/powerpoint/2010/main" val="1848487575"/>
       </p:ext>
     </p:extLst>
   </p:cSld>
@@ -635,24 +634,6 @@
           <a:bodyPr/>
           <a:lstStyle/>
           <a:p>
-            <a:r>
-              <a:rPr lang="fr-FR" dirty="0"/>
-              <a:t>Expliquer les choix techniques des technologies utilisées (côté serveur)</a:t>
-            </a:r>
-          </a:p>
-          <a:p>
-            <a:r>
-              <a:rPr lang="fr-FR" dirty="0"/>
-              <a:t>Avantages et inconvénients des technologies utilisées</a:t>
-            </a:r>
-          </a:p>
-          <a:p>
-            <a:r>
-              <a:rPr lang="fr-FR" dirty="0"/>
-              <a:t>Est-ce que ces choix étaient les bons ?</a:t>
-            </a:r>
-          </a:p>
-          <a:p>
             <a:endParaRPr lang="fr-FR" dirty="0"/>
           </a:p>
         </p:txBody>
@@ -675,7 +656,7 @@
             <a:fld id="{8C9430EA-2101-4193-B144-81AA5245BAB4}" type="slidenum">
               <a:rPr lang="fr-FR" smtClean="0"/>
               <a:pPr/>
-              <a:t>4</a:t>
+              <a:t>2</a:t>
             </a:fld>
             <a:endParaRPr lang="fr-FR"/>
           </a:p>
@@ -684,7 +665,7 @@
     </p:spTree>
     <p:extLst>
       <p:ext uri="{BB962C8B-B14F-4D97-AF65-F5344CB8AC3E}">
-        <p14:creationId xmlns:p14="http://schemas.microsoft.com/office/powerpoint/2010/main" xmlns="" val="3209010627"/>
+        <p14:creationId xmlns:p14="http://schemas.microsoft.com/office/powerpoint/2010/main" val="520960407"/>
       </p:ext>
     </p:extLst>
   </p:cSld>
@@ -740,19 +721,13 @@
           <a:p>
             <a:r>
               <a:rPr lang="fr-FR" dirty="0"/>
-              <a:t>Expliquer les choix techniques des technologies utilisées (côté serveur)</a:t>
+              <a:t>1 schéma global + des explications de l'architecture déployée</a:t>
             </a:r>
           </a:p>
           <a:p>
             <a:r>
               <a:rPr lang="fr-FR" dirty="0"/>
-              <a:t>Avantages et inconvénients des technologies utilisées</a:t>
-            </a:r>
-          </a:p>
-          <a:p>
-            <a:r>
-              <a:rPr lang="fr-FR" dirty="0"/>
-              <a:t>Est-ce que ces choix étaient les bons ?</a:t>
+              <a:t>Expliquer l'évolution de l'architecture mise en place</a:t>
             </a:r>
           </a:p>
           <a:p>
@@ -778,7 +753,7 @@
             <a:fld id="{8C9430EA-2101-4193-B144-81AA5245BAB4}" type="slidenum">
               <a:rPr lang="fr-FR" smtClean="0"/>
               <a:pPr/>
-              <a:t>5</a:t>
+              <a:t>3</a:t>
             </a:fld>
             <a:endParaRPr lang="fr-FR"/>
           </a:p>
@@ -787,7 +762,7 @@
     </p:spTree>
     <p:extLst>
       <p:ext uri="{BB962C8B-B14F-4D97-AF65-F5344CB8AC3E}">
-        <p14:creationId xmlns:p14="http://schemas.microsoft.com/office/powerpoint/2010/main" xmlns="" val="4029215718"/>
+        <p14:creationId xmlns:p14="http://schemas.microsoft.com/office/powerpoint/2010/main" val="3894418767"/>
       </p:ext>
     </p:extLst>
   </p:cSld>
@@ -881,7 +856,7 @@
             <a:fld id="{8C9430EA-2101-4193-B144-81AA5245BAB4}" type="slidenum">
               <a:rPr lang="fr-FR" smtClean="0"/>
               <a:pPr/>
-              <a:t>6</a:t>
+              <a:t>4</a:t>
             </a:fld>
             <a:endParaRPr lang="fr-FR"/>
           </a:p>
@@ -890,7 +865,7 @@
     </p:spTree>
     <p:extLst>
       <p:ext uri="{BB962C8B-B14F-4D97-AF65-F5344CB8AC3E}">
-        <p14:creationId xmlns:p14="http://schemas.microsoft.com/office/powerpoint/2010/main" xmlns="" val="2098412962"/>
+        <p14:creationId xmlns:p14="http://schemas.microsoft.com/office/powerpoint/2010/main" val="3209010627"/>
       </p:ext>
     </p:extLst>
   </p:cSld>
@@ -946,24 +921,23 @@
           <a:p>
             <a:r>
               <a:rPr lang="fr-FR" dirty="0"/>
-              <a:t>On efface tout ce qu'il y a sur le serveur et on mesure le temps de </a:t>
-            </a:r>
-            <a:r>
-              <a:rPr lang="fr-FR" dirty="0" err="1"/>
-              <a:t>ré-installation</a:t>
-            </a:r>
+              <a:t>Expliquer les choix techniques des technologies utilisées (côté serveur)</a:t>
+            </a:r>
+          </a:p>
+          <a:p>
             <a:r>
               <a:rPr lang="fr-FR" dirty="0"/>
-              <a:t> </a:t>
-            </a:r>
-            <a:r>
-              <a:rPr lang="fr-FR" dirty="0" err="1"/>
-              <a:t>from</a:t>
-            </a:r>
+              <a:t>Avantages et inconvénients des technologies utilisées</a:t>
+            </a:r>
+          </a:p>
+          <a:p>
             <a:r>
               <a:rPr lang="fr-FR" dirty="0"/>
-              <a:t> scratch</a:t>
-            </a:r>
+              <a:t>Est-ce que ces choix étaient les bons ?</a:t>
+            </a:r>
+          </a:p>
+          <a:p>
+            <a:endParaRPr lang="fr-FR" dirty="0"/>
           </a:p>
         </p:txBody>
       </p:sp>
@@ -985,7 +959,7 @@
             <a:fld id="{8C9430EA-2101-4193-B144-81AA5245BAB4}" type="slidenum">
               <a:rPr lang="fr-FR" smtClean="0"/>
               <a:pPr/>
-              <a:t>7</a:t>
+              <a:t>5</a:t>
             </a:fld>
             <a:endParaRPr lang="fr-FR"/>
           </a:p>
@@ -994,7 +968,7 @@
     </p:spTree>
     <p:extLst>
       <p:ext uri="{BB962C8B-B14F-4D97-AF65-F5344CB8AC3E}">
-        <p14:creationId xmlns:p14="http://schemas.microsoft.com/office/powerpoint/2010/main" xmlns="" val="1002701891"/>
+        <p14:creationId xmlns:p14="http://schemas.microsoft.com/office/powerpoint/2010/main" val="4029215718"/>
       </p:ext>
     </p:extLst>
   </p:cSld>
@@ -1048,6 +1022,213 @@
           <a:bodyPr/>
           <a:lstStyle/>
           <a:p>
+            <a:r>
+              <a:rPr lang="fr-FR" dirty="0"/>
+              <a:t>Expliquer les choix techniques des technologies utilisées (côté serveur)</a:t>
+            </a:r>
+          </a:p>
+          <a:p>
+            <a:r>
+              <a:rPr lang="fr-FR" dirty="0"/>
+              <a:t>Avantages et inconvénients des technologies utilisées</a:t>
+            </a:r>
+          </a:p>
+          <a:p>
+            <a:r>
+              <a:rPr lang="fr-FR" dirty="0"/>
+              <a:t>Est-ce que ces choix étaient les bons ?</a:t>
+            </a:r>
+          </a:p>
+          <a:p>
+            <a:endParaRPr lang="fr-FR" dirty="0"/>
+          </a:p>
+        </p:txBody>
+      </p:sp>
+      <p:sp>
+        <p:nvSpPr>
+          <p:cNvPr id="4" name="Espace réservé du numéro de diapositive 3"/>
+          <p:cNvSpPr>
+            <a:spLocks noGrp="1"/>
+          </p:cNvSpPr>
+          <p:nvPr>
+            <p:ph type="sldNum" sz="quarter" idx="10"/>
+          </p:nvPr>
+        </p:nvSpPr>
+        <p:spPr/>
+        <p:txBody>
+          <a:bodyPr/>
+          <a:lstStyle/>
+          <a:p>
+            <a:fld id="{8C9430EA-2101-4193-B144-81AA5245BAB4}" type="slidenum">
+              <a:rPr lang="fr-FR" smtClean="0"/>
+              <a:pPr/>
+              <a:t>6</a:t>
+            </a:fld>
+            <a:endParaRPr lang="fr-FR"/>
+          </a:p>
+        </p:txBody>
+      </p:sp>
+    </p:spTree>
+    <p:extLst>
+      <p:ext uri="{BB962C8B-B14F-4D97-AF65-F5344CB8AC3E}">
+        <p14:creationId xmlns:p14="http://schemas.microsoft.com/office/powerpoint/2010/main" val="2098412962"/>
+      </p:ext>
+    </p:extLst>
+  </p:cSld>
+  <p:clrMapOvr>
+    <a:masterClrMapping/>
+  </p:clrMapOvr>
+</p:notes>
+</file>
+
+<file path=ppt/notesSlides/notesSlide7.xml><?xml version="1.0" encoding="utf-8"?>
+<p:notes xmlns:a="http://schemas.openxmlformats.org/drawingml/2006/main" xmlns:r="http://schemas.openxmlformats.org/officeDocument/2006/relationships" xmlns:p="http://schemas.openxmlformats.org/presentationml/2006/main">
+  <p:cSld>
+    <p:spTree>
+      <p:nvGrpSpPr>
+        <p:cNvPr id="1" name=""/>
+        <p:cNvGrpSpPr/>
+        <p:nvPr/>
+      </p:nvGrpSpPr>
+      <p:grpSpPr>
+        <a:xfrm>
+          <a:off x="0" y="0"/>
+          <a:ext cx="0" cy="0"/>
+          <a:chOff x="0" y="0"/>
+          <a:chExt cx="0" cy="0"/>
+        </a:xfrm>
+      </p:grpSpPr>
+      <p:sp>
+        <p:nvSpPr>
+          <p:cNvPr id="2" name="Espace réservé de l'image des diapositives 1"/>
+          <p:cNvSpPr>
+            <a:spLocks noGrp="1" noRot="1" noChangeAspect="1"/>
+          </p:cNvSpPr>
+          <p:nvPr>
+            <p:ph type="sldImg"/>
+          </p:nvPr>
+        </p:nvSpPr>
+        <p:spPr/>
+      </p:sp>
+      <p:sp>
+        <p:nvSpPr>
+          <p:cNvPr id="3" name="Espace réservé des notes 2"/>
+          <p:cNvSpPr>
+            <a:spLocks noGrp="1"/>
+          </p:cNvSpPr>
+          <p:nvPr>
+            <p:ph type="body" idx="1"/>
+          </p:nvPr>
+        </p:nvSpPr>
+        <p:spPr/>
+        <p:txBody>
+          <a:bodyPr/>
+          <a:lstStyle/>
+          <a:p>
+            <a:r>
+              <a:rPr lang="fr-FR" dirty="0"/>
+              <a:t>On efface tout ce qu'il y a sur le serveur et on mesure le temps de </a:t>
+            </a:r>
+            <a:r>
+              <a:rPr lang="fr-FR" dirty="0" err="1"/>
+              <a:t>ré-installation</a:t>
+            </a:r>
+            <a:r>
+              <a:rPr lang="fr-FR" dirty="0"/>
+              <a:t> </a:t>
+            </a:r>
+            <a:r>
+              <a:rPr lang="fr-FR" dirty="0" err="1"/>
+              <a:t>from</a:t>
+            </a:r>
+            <a:r>
+              <a:rPr lang="fr-FR" dirty="0"/>
+              <a:t> scratch</a:t>
+            </a:r>
+          </a:p>
+        </p:txBody>
+      </p:sp>
+      <p:sp>
+        <p:nvSpPr>
+          <p:cNvPr id="4" name="Espace réservé du numéro de diapositive 3"/>
+          <p:cNvSpPr>
+            <a:spLocks noGrp="1"/>
+          </p:cNvSpPr>
+          <p:nvPr>
+            <p:ph type="sldNum" sz="quarter" idx="10"/>
+          </p:nvPr>
+        </p:nvSpPr>
+        <p:spPr/>
+        <p:txBody>
+          <a:bodyPr/>
+          <a:lstStyle/>
+          <a:p>
+            <a:fld id="{8C9430EA-2101-4193-B144-81AA5245BAB4}" type="slidenum">
+              <a:rPr lang="fr-FR" smtClean="0"/>
+              <a:pPr/>
+              <a:t>7</a:t>
+            </a:fld>
+            <a:endParaRPr lang="fr-FR"/>
+          </a:p>
+        </p:txBody>
+      </p:sp>
+    </p:spTree>
+    <p:extLst>
+      <p:ext uri="{BB962C8B-B14F-4D97-AF65-F5344CB8AC3E}">
+        <p14:creationId xmlns:p14="http://schemas.microsoft.com/office/powerpoint/2010/main" val="1002701891"/>
+      </p:ext>
+    </p:extLst>
+  </p:cSld>
+  <p:clrMapOvr>
+    <a:masterClrMapping/>
+  </p:clrMapOvr>
+</p:notes>
+</file>
+
+<file path=ppt/notesSlides/notesSlide8.xml><?xml version="1.0" encoding="utf-8"?>
+<p:notes xmlns:a="http://schemas.openxmlformats.org/drawingml/2006/main" xmlns:r="http://schemas.openxmlformats.org/officeDocument/2006/relationships" xmlns:p="http://schemas.openxmlformats.org/presentationml/2006/main">
+  <p:cSld>
+    <p:spTree>
+      <p:nvGrpSpPr>
+        <p:cNvPr id="1" name=""/>
+        <p:cNvGrpSpPr/>
+        <p:nvPr/>
+      </p:nvGrpSpPr>
+      <p:grpSpPr>
+        <a:xfrm>
+          <a:off x="0" y="0"/>
+          <a:ext cx="0" cy="0"/>
+          <a:chOff x="0" y="0"/>
+          <a:chExt cx="0" cy="0"/>
+        </a:xfrm>
+      </p:grpSpPr>
+      <p:sp>
+        <p:nvSpPr>
+          <p:cNvPr id="2" name="Espace réservé de l'image des diapositives 1"/>
+          <p:cNvSpPr>
+            <a:spLocks noGrp="1" noRot="1" noChangeAspect="1"/>
+          </p:cNvSpPr>
+          <p:nvPr>
+            <p:ph type="sldImg"/>
+          </p:nvPr>
+        </p:nvSpPr>
+        <p:spPr/>
+      </p:sp>
+      <p:sp>
+        <p:nvSpPr>
+          <p:cNvPr id="3" name="Espace réservé des notes 2"/>
+          <p:cNvSpPr>
+            <a:spLocks noGrp="1"/>
+          </p:cNvSpPr>
+          <p:nvPr>
+            <p:ph type="body" idx="1"/>
+          </p:nvPr>
+        </p:nvSpPr>
+        <p:spPr/>
+        <p:txBody>
+          <a:bodyPr/>
+          <a:lstStyle/>
+          <a:p>
             <a:endParaRPr lang="fr-FR" dirty="0"/>
           </a:p>
         </p:txBody>
@@ -1079,7 +1260,7 @@
     </p:spTree>
     <p:extLst>
       <p:ext uri="{BB962C8B-B14F-4D97-AF65-F5344CB8AC3E}">
-        <p14:creationId xmlns:p14="http://schemas.microsoft.com/office/powerpoint/2010/main" xmlns="" val="2946096343"/>
+        <p14:creationId xmlns:p14="http://schemas.microsoft.com/office/powerpoint/2010/main" val="2946096343"/>
       </p:ext>
     </p:extLst>
   </p:cSld>
@@ -1119,7 +1300,7 @@
             <a:alphaModFix amt="30000"/>
             <a:extLst>
               <a:ext uri="{28A0092B-C50C-407E-A947-70E740481C1C}">
-                <a14:useLocalDpi xmlns:a14="http://schemas.microsoft.com/office/drawing/2010/main" xmlns="" val="0"/>
+                <a14:useLocalDpi xmlns:a14="http://schemas.microsoft.com/office/drawing/2010/main" val="0"/>
               </a:ext>
             </a:extLst>
           </a:blip>
@@ -5363,10 +5544,9 @@
           <a:bodyPr/>
           <a:lstStyle/>
           <a:p>
-            <a:fld id="{E7EFFB29-43BE-4335-9FD4-2137C5C50F82}" type="datetime1">
+            <a:fld id="{CA57E7C1-6396-4532-AC0E-F02E13CCC25A}" type="datetime1">
               <a:rPr lang="fr-FR" smtClean="0"/>
-              <a:pPr/>
-              <a:t>25/11/2017</a:t>
+              <a:t>27/11/2017</a:t>
             </a:fld>
             <a:endParaRPr lang="fr-FR"/>
           </a:p>
@@ -5431,7 +5611,7 @@
     </p:spTree>
     <p:extLst>
       <p:ext uri="{BB962C8B-B14F-4D97-AF65-F5344CB8AC3E}">
-        <p14:creationId xmlns:p14="http://schemas.microsoft.com/office/powerpoint/2010/main" xmlns="" val="2191226227"/>
+        <p14:creationId xmlns:p14="http://schemas.microsoft.com/office/powerpoint/2010/main" val="2191226227"/>
       </p:ext>
     </p:extLst>
   </p:cSld>
@@ -5635,10 +5815,9 @@
           <a:bodyPr/>
           <a:lstStyle/>
           <a:p>
-            <a:fld id="{5418DC3C-21CB-429C-921A-A8468D1DB1DB}" type="datetime1">
+            <a:fld id="{2357A013-400E-4ACE-B6BB-99E1F5A02859}" type="datetime1">
               <a:rPr lang="fr-FR" smtClean="0"/>
-              <a:pPr/>
-              <a:t>25/11/2017</a:t>
+              <a:t>27/11/2017</a:t>
             </a:fld>
             <a:endParaRPr lang="fr-FR"/>
           </a:p>
@@ -5693,7 +5872,7 @@
     </p:spTree>
     <p:extLst>
       <p:ext uri="{BB962C8B-B14F-4D97-AF65-F5344CB8AC3E}">
-        <p14:creationId xmlns:p14="http://schemas.microsoft.com/office/powerpoint/2010/main" xmlns="" val="2975627265"/>
+        <p14:creationId xmlns:p14="http://schemas.microsoft.com/office/powerpoint/2010/main" val="2975627265"/>
       </p:ext>
     </p:extLst>
   </p:cSld>
@@ -5836,10 +6015,9 @@
           <a:bodyPr/>
           <a:lstStyle/>
           <a:p>
-            <a:fld id="{F992CA81-4285-48E8-839E-A10B32D68C3F}" type="datetime1">
+            <a:fld id="{E8A35A02-CF88-4EA2-B792-AF37094E508D}" type="datetime1">
               <a:rPr lang="fr-FR" smtClean="0"/>
-              <a:pPr/>
-              <a:t>25/11/2017</a:t>
+              <a:t>27/11/2017</a:t>
             </a:fld>
             <a:endParaRPr lang="fr-FR"/>
           </a:p>
@@ -5894,7 +6072,7 @@
     </p:spTree>
     <p:extLst>
       <p:ext uri="{BB962C8B-B14F-4D97-AF65-F5344CB8AC3E}">
-        <p14:creationId xmlns:p14="http://schemas.microsoft.com/office/powerpoint/2010/main" xmlns="" val="1355459054"/>
+        <p14:creationId xmlns:p14="http://schemas.microsoft.com/office/powerpoint/2010/main" val="1355459054"/>
       </p:ext>
     </p:extLst>
   </p:cSld>
@@ -6104,10 +6282,9 @@
           <a:bodyPr/>
           <a:lstStyle/>
           <a:p>
-            <a:fld id="{577A184B-B808-43A9-8D76-E9107A85B558}" type="datetime1">
+            <a:fld id="{40C23FD6-E9D4-4F51-AC94-9880AABD1020}" type="datetime1">
               <a:rPr lang="fr-FR" smtClean="0"/>
-              <a:pPr/>
-              <a:t>25/11/2017</a:t>
+              <a:t>27/11/2017</a:t>
             </a:fld>
             <a:endParaRPr lang="fr-FR"/>
           </a:p>
@@ -6400,7 +6577,7 @@
     </p:spTree>
     <p:extLst>
       <p:ext uri="{BB962C8B-B14F-4D97-AF65-F5344CB8AC3E}">
-        <p14:creationId xmlns:p14="http://schemas.microsoft.com/office/powerpoint/2010/main" xmlns="" val="1166390490"/>
+        <p14:creationId xmlns:p14="http://schemas.microsoft.com/office/powerpoint/2010/main" val="1166390490"/>
       </p:ext>
     </p:extLst>
   </p:cSld>
@@ -6543,10 +6720,9 @@
           <a:bodyPr/>
           <a:lstStyle/>
           <a:p>
-            <a:fld id="{4C05AAD7-ABF7-4BA2-86E2-A61E72A859F0}" type="datetime1">
+            <a:fld id="{54E664E0-537A-43A7-BC2B-9940D2B03BFF}" type="datetime1">
               <a:rPr lang="fr-FR" smtClean="0"/>
-              <a:pPr/>
-              <a:t>25/11/2017</a:t>
+              <a:t>27/11/2017</a:t>
             </a:fld>
             <a:endParaRPr lang="fr-FR"/>
           </a:p>
@@ -6601,7 +6777,7 @@
     </p:spTree>
     <p:extLst>
       <p:ext uri="{BB962C8B-B14F-4D97-AF65-F5344CB8AC3E}">
-        <p14:creationId xmlns:p14="http://schemas.microsoft.com/office/powerpoint/2010/main" xmlns="" val="3377183447"/>
+        <p14:creationId xmlns:p14="http://schemas.microsoft.com/office/powerpoint/2010/main" val="3377183447"/>
       </p:ext>
     </p:extLst>
   </p:cSld>
@@ -7094,10 +7270,9 @@
           <a:bodyPr/>
           <a:lstStyle/>
           <a:p>
-            <a:fld id="{1E865423-AC49-46FD-A5BA-6E7602C104A5}" type="datetime1">
+            <a:fld id="{13918ACD-6EDE-44C6-94A1-6DE7DB00817C}" type="datetime1">
               <a:rPr lang="fr-FR" smtClean="0"/>
-              <a:pPr/>
-              <a:t>25/11/2017</a:t>
+              <a:t>27/11/2017</a:t>
             </a:fld>
             <a:endParaRPr lang="fr-FR"/>
           </a:p>
@@ -7152,7 +7327,7 @@
     </p:spTree>
     <p:extLst>
       <p:ext uri="{BB962C8B-B14F-4D97-AF65-F5344CB8AC3E}">
-        <p14:creationId xmlns:p14="http://schemas.microsoft.com/office/powerpoint/2010/main" xmlns="" val="3366405076"/>
+        <p14:creationId xmlns:p14="http://schemas.microsoft.com/office/powerpoint/2010/main" val="3366405076"/>
       </p:ext>
     </p:extLst>
   </p:cSld>
@@ -7819,10 +7994,9 @@
           <a:bodyPr/>
           <a:lstStyle/>
           <a:p>
-            <a:fld id="{A7F3F491-FAD4-425F-92E5-2E1056799CB8}" type="datetime1">
+            <a:fld id="{EB177E7C-DE17-4FEB-BA59-A5C1879B2DB6}" type="datetime1">
               <a:rPr lang="fr-FR" smtClean="0"/>
-              <a:pPr/>
-              <a:t>25/11/2017</a:t>
+              <a:t>27/11/2017</a:t>
             </a:fld>
             <a:endParaRPr lang="fr-FR"/>
           </a:p>
@@ -7877,7 +8051,7 @@
     </p:spTree>
     <p:extLst>
       <p:ext uri="{BB962C8B-B14F-4D97-AF65-F5344CB8AC3E}">
-        <p14:creationId xmlns:p14="http://schemas.microsoft.com/office/powerpoint/2010/main" xmlns="" val="4028832768"/>
+        <p14:creationId xmlns:p14="http://schemas.microsoft.com/office/powerpoint/2010/main" val="4028832768"/>
       </p:ext>
     </p:extLst>
   </p:cSld>
@@ -7994,10 +8168,9 @@
           <a:bodyPr/>
           <a:lstStyle/>
           <a:p>
-            <a:fld id="{30DC787F-98CF-4751-9CEE-6C82A45F4CF1}" type="datetime1">
+            <a:fld id="{84020765-88E2-4184-8982-B65D84EE210E}" type="datetime1">
               <a:rPr lang="fr-FR" smtClean="0"/>
-              <a:pPr/>
-              <a:t>25/11/2017</a:t>
+              <a:t>27/11/2017</a:t>
             </a:fld>
             <a:endParaRPr lang="fr-FR"/>
           </a:p>
@@ -8052,7 +8225,7 @@
     </p:spTree>
     <p:extLst>
       <p:ext uri="{BB962C8B-B14F-4D97-AF65-F5344CB8AC3E}">
-        <p14:creationId xmlns:p14="http://schemas.microsoft.com/office/powerpoint/2010/main" xmlns="" val="195994659"/>
+        <p14:creationId xmlns:p14="http://schemas.microsoft.com/office/powerpoint/2010/main" val="195994659"/>
       </p:ext>
     </p:extLst>
   </p:cSld>
@@ -8179,10 +8352,9 @@
           <a:bodyPr/>
           <a:lstStyle/>
           <a:p>
-            <a:fld id="{88AAD7C5-28EB-44CC-BF9E-A85A789426A9}" type="datetime1">
+            <a:fld id="{782BBC7E-45D9-46E5-8596-AF94DCFBD4C5}" type="datetime1">
               <a:rPr lang="fr-FR" smtClean="0"/>
-              <a:pPr/>
-              <a:t>25/11/2017</a:t>
+              <a:t>27/11/2017</a:t>
             </a:fld>
             <a:endParaRPr lang="fr-FR"/>
           </a:p>
@@ -8237,7 +8409,7 @@
     </p:spTree>
     <p:extLst>
       <p:ext uri="{BB962C8B-B14F-4D97-AF65-F5344CB8AC3E}">
-        <p14:creationId xmlns:p14="http://schemas.microsoft.com/office/powerpoint/2010/main" xmlns="" val="1502682363"/>
+        <p14:creationId xmlns:p14="http://schemas.microsoft.com/office/powerpoint/2010/main" val="1502682363"/>
       </p:ext>
     </p:extLst>
   </p:cSld>
@@ -8354,10 +8526,9 @@
           <a:bodyPr/>
           <a:lstStyle/>
           <a:p>
-            <a:fld id="{0088368A-A5A1-48F7-941E-56D832815C56}" type="datetime1">
+            <a:fld id="{A292EEAD-4257-4A8C-96CA-03CD8793EC9D}" type="datetime1">
               <a:rPr lang="fr-FR" smtClean="0"/>
-              <a:pPr/>
-              <a:t>25/11/2017</a:t>
+              <a:t>27/11/2017</a:t>
             </a:fld>
             <a:endParaRPr lang="fr-FR"/>
           </a:p>
@@ -8412,7 +8583,7 @@
     </p:spTree>
     <p:extLst>
       <p:ext uri="{BB962C8B-B14F-4D97-AF65-F5344CB8AC3E}">
-        <p14:creationId xmlns:p14="http://schemas.microsoft.com/office/powerpoint/2010/main" xmlns="" val="2210182847"/>
+        <p14:creationId xmlns:p14="http://schemas.microsoft.com/office/powerpoint/2010/main" val="2210182847"/>
       </p:ext>
     </p:extLst>
   </p:cSld>
@@ -8609,10 +8780,9 @@
           <a:bodyPr/>
           <a:lstStyle/>
           <a:p>
-            <a:fld id="{DC614645-B58B-431D-9328-65A29CBDE982}" type="datetime1">
+            <a:fld id="{0DD7333E-5387-42A0-9344-DD0F56D25566}" type="datetime1">
               <a:rPr lang="fr-FR" smtClean="0"/>
-              <a:pPr/>
-              <a:t>25/11/2017</a:t>
+              <a:t>27/11/2017</a:t>
             </a:fld>
             <a:endParaRPr lang="fr-FR"/>
           </a:p>
@@ -8667,7 +8837,7 @@
     </p:spTree>
     <p:extLst>
       <p:ext uri="{BB962C8B-B14F-4D97-AF65-F5344CB8AC3E}">
-        <p14:creationId xmlns:p14="http://schemas.microsoft.com/office/powerpoint/2010/main" xmlns="" val="452789522"/>
+        <p14:creationId xmlns:p14="http://schemas.microsoft.com/office/powerpoint/2010/main" val="452789522"/>
       </p:ext>
     </p:extLst>
   </p:cSld>
@@ -8846,10 +9016,9 @@
           <a:bodyPr/>
           <a:lstStyle/>
           <a:p>
-            <a:fld id="{BE842E1A-9182-435D-8F5E-18E1869D8C31}" type="datetime1">
+            <a:fld id="{187B7460-0ABD-438F-83F9-A2B4B43FC264}" type="datetime1">
               <a:rPr lang="fr-FR" smtClean="0"/>
-              <a:pPr/>
-              <a:t>25/11/2017</a:t>
+              <a:t>27/11/2017</a:t>
             </a:fld>
             <a:endParaRPr lang="fr-FR"/>
           </a:p>
@@ -8904,7 +9073,7 @@
     </p:spTree>
     <p:extLst>
       <p:ext uri="{BB962C8B-B14F-4D97-AF65-F5344CB8AC3E}">
-        <p14:creationId xmlns:p14="http://schemas.microsoft.com/office/powerpoint/2010/main" xmlns="" val="2218756475"/>
+        <p14:creationId xmlns:p14="http://schemas.microsoft.com/office/powerpoint/2010/main" val="2218756475"/>
       </p:ext>
     </p:extLst>
   </p:cSld>
@@ -9232,10 +9401,9 @@
           <a:bodyPr/>
           <a:lstStyle/>
           <a:p>
-            <a:fld id="{B10086DA-F8BA-4401-A652-DECE0CF5FFC4}" type="datetime1">
+            <a:fld id="{CBD4F4ED-2F4E-49AB-9F66-08BD17A6338F}" type="datetime1">
               <a:rPr lang="fr-FR" smtClean="0"/>
-              <a:pPr/>
-              <a:t>25/11/2017</a:t>
+              <a:t>27/11/2017</a:t>
             </a:fld>
             <a:endParaRPr lang="fr-FR"/>
           </a:p>
@@ -9290,7 +9458,7 @@
     </p:spTree>
     <p:extLst>
       <p:ext uri="{BB962C8B-B14F-4D97-AF65-F5344CB8AC3E}">
-        <p14:creationId xmlns:p14="http://schemas.microsoft.com/office/powerpoint/2010/main" xmlns="" val="2229980603"/>
+        <p14:creationId xmlns:p14="http://schemas.microsoft.com/office/powerpoint/2010/main" val="2229980603"/>
       </p:ext>
     </p:extLst>
   </p:cSld>
@@ -9355,10 +9523,9 @@
           <a:bodyPr/>
           <a:lstStyle/>
           <a:p>
-            <a:fld id="{D618D6FF-CF76-4B34-8180-E6FB464D62D1}" type="datetime1">
+            <a:fld id="{D918D368-8727-4FFA-BB18-42FD9CFE8513}" type="datetime1">
               <a:rPr lang="fr-FR" smtClean="0"/>
-              <a:pPr/>
-              <a:t>25/11/2017</a:t>
+              <a:t>27/11/2017</a:t>
             </a:fld>
             <a:endParaRPr lang="fr-FR"/>
           </a:p>
@@ -9413,7 +9580,7 @@
     </p:spTree>
     <p:extLst>
       <p:ext uri="{BB962C8B-B14F-4D97-AF65-F5344CB8AC3E}">
-        <p14:creationId xmlns:p14="http://schemas.microsoft.com/office/powerpoint/2010/main" xmlns="" val="4021415887"/>
+        <p14:creationId xmlns:p14="http://schemas.microsoft.com/office/powerpoint/2010/main" val="4021415887"/>
       </p:ext>
     </p:extLst>
   </p:cSld>
@@ -9455,10 +9622,9 @@
           <a:bodyPr/>
           <a:lstStyle/>
           <a:p>
-            <a:fld id="{A340147B-D1E8-4558-A2DC-A63541688444}" type="datetime1">
+            <a:fld id="{682262C2-A3E8-4304-A12A-6E8ED8A12664}" type="datetime1">
               <a:rPr lang="fr-FR" smtClean="0"/>
-              <a:pPr/>
-              <a:t>25/11/2017</a:t>
+              <a:t>27/11/2017</a:t>
             </a:fld>
             <a:endParaRPr lang="fr-FR"/>
           </a:p>
@@ -9513,7 +9679,7 @@
     </p:spTree>
     <p:extLst>
       <p:ext uri="{BB962C8B-B14F-4D97-AF65-F5344CB8AC3E}">
-        <p14:creationId xmlns:p14="http://schemas.microsoft.com/office/powerpoint/2010/main" xmlns="" val="593231927"/>
+        <p14:creationId xmlns:p14="http://schemas.microsoft.com/office/powerpoint/2010/main" val="593231927"/>
       </p:ext>
     </p:extLst>
   </p:cSld>
@@ -9709,10 +9875,9 @@
           <a:bodyPr/>
           <a:lstStyle/>
           <a:p>
-            <a:fld id="{34D2E384-E154-47FF-9FB3-508333AE9F05}" type="datetime1">
+            <a:fld id="{6F3B9E72-B3C3-4F82-A4A7-681A01DE8EF2}" type="datetime1">
               <a:rPr lang="fr-FR" smtClean="0"/>
-              <a:pPr/>
-              <a:t>25/11/2017</a:t>
+              <a:t>27/11/2017</a:t>
             </a:fld>
             <a:endParaRPr lang="fr-FR"/>
           </a:p>
@@ -9767,7 +9932,7 @@
     </p:spTree>
     <p:extLst>
       <p:ext uri="{BB962C8B-B14F-4D97-AF65-F5344CB8AC3E}">
-        <p14:creationId xmlns:p14="http://schemas.microsoft.com/office/powerpoint/2010/main" xmlns="" val="619944574"/>
+        <p14:creationId xmlns:p14="http://schemas.microsoft.com/office/powerpoint/2010/main" val="619944574"/>
       </p:ext>
     </p:extLst>
   </p:cSld>
@@ -9994,10 +10159,9 @@
           <a:bodyPr/>
           <a:lstStyle/>
           <a:p>
-            <a:fld id="{6AC66C59-0E3D-44A7-9617-C4193B5CD859}" type="datetime1">
+            <a:fld id="{B50EEE51-EC29-4D1A-99E2-8BB954B7BD15}" type="datetime1">
               <a:rPr lang="fr-FR" smtClean="0"/>
-              <a:pPr/>
-              <a:t>25/11/2017</a:t>
+              <a:t>27/11/2017</a:t>
             </a:fld>
             <a:endParaRPr lang="fr-FR"/>
           </a:p>
@@ -10052,7 +10216,7 @@
     </p:spTree>
     <p:extLst>
       <p:ext uri="{BB962C8B-B14F-4D97-AF65-F5344CB8AC3E}">
-        <p14:creationId xmlns:p14="http://schemas.microsoft.com/office/powerpoint/2010/main" xmlns="" val="1947582437"/>
+        <p14:creationId xmlns:p14="http://schemas.microsoft.com/office/powerpoint/2010/main" val="1947582437"/>
       </p:ext>
     </p:extLst>
   </p:cSld>
@@ -10097,7 +10261,7 @@
             <a:alphaModFix amt="30000"/>
             <a:extLst>
               <a:ext uri="{28A0092B-C50C-407E-A947-70E740481C1C}">
-                <a14:useLocalDpi xmlns:a14="http://schemas.microsoft.com/office/drawing/2010/main" xmlns="" val="0"/>
+                <a14:useLocalDpi xmlns:a14="http://schemas.microsoft.com/office/drawing/2010/main" val="0"/>
               </a:ext>
             </a:extLst>
           </a:blip>
@@ -13076,10 +13240,9 @@
             </a:lvl1pPr>
           </a:lstStyle>
           <a:p>
-            <a:fld id="{E7A0FEFB-BD0E-40DE-B37C-A603575FC69B}" type="datetime1">
+            <a:fld id="{A4994526-395A-4D11-9966-289669AE34EB}" type="datetime1">
               <a:rPr lang="fr-FR" smtClean="0"/>
-              <a:pPr/>
-              <a:t>25/11/2017</a:t>
+              <a:t>27/11/2017</a:t>
             </a:fld>
             <a:endParaRPr lang="fr-FR"/>
           </a:p>
@@ -13170,7 +13333,7 @@
     </p:spTree>
     <p:extLst>
       <p:ext uri="{BB962C8B-B14F-4D97-AF65-F5344CB8AC3E}">
-        <p14:creationId xmlns:p14="http://schemas.microsoft.com/office/powerpoint/2010/main" xmlns="" val="3113611123"/>
+        <p14:creationId xmlns:p14="http://schemas.microsoft.com/office/powerpoint/2010/main" val="3113611123"/>
       </p:ext>
     </p:extLst>
   </p:cSld>
@@ -13509,7 +13672,7 @@
           <p:cNvPr id="2" name="Titre 1">
             <a:extLst>
               <a:ext uri="{FF2B5EF4-FFF2-40B4-BE49-F238E27FC236}">
-                <a16:creationId xmlns:a16="http://schemas.microsoft.com/office/drawing/2014/main" xmlns="" id="{9F52FD9D-33EE-4685-A41A-41360487DC0F}"/>
+                <a16:creationId xmlns:a16="http://schemas.microsoft.com/office/drawing/2014/main" id="{9F52FD9D-33EE-4685-A41A-41360487DC0F}"/>
               </a:ext>
             </a:extLst>
           </p:cNvPr>
@@ -13520,7 +13683,12 @@
             <p:ph type="ctrTitle"/>
           </p:nvPr>
         </p:nvSpPr>
-        <p:spPr/>
+        <p:spPr>
+          <a:xfrm>
+            <a:off x="1616031" y="1722834"/>
+            <a:ext cx="8791575" cy="2387600"/>
+          </a:xfrm>
+        </p:spPr>
         <p:txBody>
           <a:bodyPr/>
           <a:lstStyle/>
@@ -13537,7 +13705,7 @@
           <p:cNvPr id="3" name="Sous-titre 2">
             <a:extLst>
               <a:ext uri="{FF2B5EF4-FFF2-40B4-BE49-F238E27FC236}">
-                <a16:creationId xmlns:a16="http://schemas.microsoft.com/office/drawing/2014/main" xmlns="" id="{776C2F1D-5B6E-4823-8BA0-DB0D72969C73}"/>
+                <a16:creationId xmlns:a16="http://schemas.microsoft.com/office/drawing/2014/main" id="{776C2F1D-5B6E-4823-8BA0-DB0D72969C73}"/>
               </a:ext>
             </a:extLst>
           </p:cNvPr>
@@ -13548,114 +13716,392 @@
             <p:ph type="subTitle" idx="1"/>
           </p:nvPr>
         </p:nvSpPr>
-        <p:spPr/>
+        <p:spPr>
+          <a:xfrm>
+            <a:off x="2421579" y="4567179"/>
+            <a:ext cx="8791575" cy="1787107"/>
+          </a:xfrm>
+        </p:spPr>
         <p:txBody>
           <a:bodyPr>
-            <a:normAutofit/>
+            <a:normAutofit fontScale="92500" lnSpcReduction="10000"/>
           </a:bodyPr>
           <a:lstStyle/>
           <a:p>
             <a:r>
               <a:rPr lang="fr-FR" dirty="0"/>
-              <a:t>Equipe 7</a:t>
-            </a:r>
-          </a:p>
-          <a:p>
+              <a:t>Découvrir la gestion d’un serveur linux</a:t>
+            </a:r>
+          </a:p>
+          <a:p>
+            <a:r>
+              <a:rPr lang="fr-FR" dirty="0"/>
+              <a:t>Concevoir une solution technique en équipe</a:t>
+            </a:r>
+          </a:p>
+          <a:p>
+            <a:r>
+              <a:rPr lang="fr-FR" dirty="0"/>
+              <a:t>Automatiser le déploiement</a:t>
+            </a:r>
+          </a:p>
+          <a:p>
+            <a:r>
+              <a:rPr lang="fr-FR" dirty="0"/>
+              <a:t>Equipe 7 - Serveur </a:t>
+            </a:r>
             <a:r>
               <a:rPr lang="fr-FR" dirty="0" err="1"/>
-              <a:t>Bontron</a:t>
+              <a:t>aws</a:t>
             </a:r>
             <a:r>
               <a:rPr lang="fr-FR" dirty="0"/>
-              <a:t> Julien 		</a:t>
-            </a:r>
-            <a:r>
-              <a:rPr lang="fr-FR" dirty="0" err="1"/>
-              <a:t>Joymangul</a:t>
-            </a:r>
-            <a:r>
-              <a:rPr lang="fr-FR" dirty="0"/>
-              <a:t> Jensen</a:t>
-            </a:r>
-          </a:p>
-          <a:p>
-            <a:r>
-              <a:rPr lang="fr-FR" dirty="0"/>
-              <a:t>Moisson Matthieu 		</a:t>
-            </a:r>
-            <a:r>
-              <a:rPr lang="fr-FR" dirty="0" err="1"/>
-              <a:t>Varrel</a:t>
-            </a:r>
-            <a:r>
-              <a:rPr lang="fr-FR" dirty="0"/>
-              <a:t> Lilian</a:t>
-            </a:r>
-          </a:p>
-        </p:txBody>
-      </p:sp>
-      <p:sp>
-        <p:nvSpPr>
-          <p:cNvPr id="4" name="Espace réservé du pied de page 3">
+              <a:t> : 52.30.244.231</a:t>
+            </a:r>
+          </a:p>
+        </p:txBody>
+      </p:sp>
+      <p:pic>
+        <p:nvPicPr>
+          <p:cNvPr id="1026" name="Picture 2" descr="Résultat de recherche d'images pour &quot;cloud computing gif&quot;">
             <a:extLst>
               <a:ext uri="{FF2B5EF4-FFF2-40B4-BE49-F238E27FC236}">
-                <a16:creationId xmlns:a16="http://schemas.microsoft.com/office/drawing/2014/main" xmlns="" id="{E19B2D75-EDCC-4AFF-9A98-1F3CACEC0A6A}"/>
+                <a16:creationId xmlns:a16="http://schemas.microsoft.com/office/drawing/2014/main" id="{875F3711-323E-418A-9F31-118D17DCE879}"/>
               </a:ext>
             </a:extLst>
           </p:cNvPr>
-          <p:cNvSpPr>
-            <a:spLocks noGrp="1"/>
-          </p:cNvSpPr>
-          <p:nvPr>
-            <p:ph type="ftr" sz="quarter" idx="11"/>
-          </p:nvPr>
-        </p:nvSpPr>
-        <p:spPr/>
-        <p:txBody>
-          <a:bodyPr/>
-          <a:lstStyle/>
-          <a:p>
-            <a:r>
-              <a:rPr lang="fr-FR"/>
-              <a:t>28/11/2017</a:t>
-            </a:r>
-          </a:p>
-        </p:txBody>
-      </p:sp>
-      <p:sp>
-        <p:nvSpPr>
-          <p:cNvPr id="5" name="Espace réservé du numéro de diapositive 4">
+          <p:cNvPicPr>
+            <a:picLocks noChangeAspect="1" noChangeArrowheads="1" noCrop="1"/>
+          </p:cNvPicPr>
+          <p:nvPr/>
+        </p:nvPicPr>
+        <p:blipFill>
+          <a:blip r:embed="rId3">
+            <a:extLst>
+              <a:ext uri="{28A0092B-C50C-407E-A947-70E740481C1C}">
+                <a14:useLocalDpi xmlns:a14="http://schemas.microsoft.com/office/drawing/2010/main" val="0"/>
+              </a:ext>
+            </a:extLst>
+          </a:blip>
+          <a:srcRect/>
+          <a:stretch>
+            <a:fillRect/>
+          </a:stretch>
+        </p:blipFill>
+        <p:spPr bwMode="auto">
+          <a:xfrm>
+            <a:off x="7021287" y="141514"/>
+            <a:ext cx="5213047" cy="4691743"/>
+          </a:xfrm>
+          <a:prstGeom prst="rect">
+            <a:avLst/>
+          </a:prstGeom>
+          <a:noFill/>
+          <a:extLst>
+            <a:ext uri="{909E8E84-426E-40DD-AFC4-6F175D3DCCD1}">
+              <a14:hiddenFill xmlns:a14="http://schemas.microsoft.com/office/drawing/2010/main">
+                <a:solidFill>
+                  <a:srgbClr val="FFFFFF"/>
+                </a:solidFill>
+              </a14:hiddenFill>
+            </a:ext>
+          </a:extLst>
+        </p:spPr>
+      </p:pic>
+      <p:pic>
+        <p:nvPicPr>
+          <p:cNvPr id="9" name="Picture 2" descr="Résultat de recherche d'images pour &quot;cloud computing gif&quot;">
             <a:extLst>
               <a:ext uri="{FF2B5EF4-FFF2-40B4-BE49-F238E27FC236}">
-                <a16:creationId xmlns:a16="http://schemas.microsoft.com/office/drawing/2014/main" xmlns="" id="{8757B5B7-651C-471B-8E56-319BD613CF18}"/>
+                <a16:creationId xmlns:a16="http://schemas.microsoft.com/office/drawing/2014/main" id="{5EB260BE-1652-46F3-AD25-523C412AB487}"/>
               </a:ext>
             </a:extLst>
           </p:cNvPr>
-          <p:cNvSpPr>
-            <a:spLocks noGrp="1"/>
-          </p:cNvSpPr>
-          <p:nvPr>
-            <p:ph type="sldNum" sz="quarter" idx="12"/>
-          </p:nvPr>
-        </p:nvSpPr>
-        <p:spPr/>
-        <p:txBody>
-          <a:bodyPr/>
+          <p:cNvPicPr>
+            <a:picLocks noChangeAspect="1" noChangeArrowheads="1" noCrop="1"/>
+          </p:cNvPicPr>
+          <p:nvPr/>
+        </p:nvPicPr>
+        <p:blipFill>
+          <a:blip r:embed="rId3">
+            <a:extLst>
+              <a:ext uri="{28A0092B-C50C-407E-A947-70E740481C1C}">
+                <a14:useLocalDpi xmlns:a14="http://schemas.microsoft.com/office/drawing/2010/main" val="0"/>
+              </a:ext>
+            </a:extLst>
+          </a:blip>
+          <a:srcRect/>
+          <a:stretch>
+            <a:fillRect/>
+          </a:stretch>
+        </p:blipFill>
+        <p:spPr bwMode="auto">
+          <a:xfrm>
+            <a:off x="4557375" y="0"/>
+            <a:ext cx="3530549" cy="3177495"/>
+          </a:xfrm>
+          <a:prstGeom prst="rect">
+            <a:avLst/>
+          </a:prstGeom>
+          <a:noFill/>
+          <a:extLst>
+            <a:ext uri="{909E8E84-426E-40DD-AFC4-6F175D3DCCD1}">
+              <a14:hiddenFill xmlns:a14="http://schemas.microsoft.com/office/drawing/2010/main">
+                <a:solidFill>
+                  <a:srgbClr val="FFFFFF"/>
+                </a:solidFill>
+              </a14:hiddenFill>
+            </a:ext>
+          </a:extLst>
+        </p:spPr>
+      </p:pic>
+      <p:pic>
+        <p:nvPicPr>
+          <p:cNvPr id="10" name="Picture 2" descr="Résultat de recherche d'images pour &quot;cloud computing gif&quot;">
+            <a:extLst>
+              <a:ext uri="{FF2B5EF4-FFF2-40B4-BE49-F238E27FC236}">
+                <a16:creationId xmlns:a16="http://schemas.microsoft.com/office/drawing/2014/main" id="{4123F285-88E8-4E0A-8462-A00383B5835E}"/>
+              </a:ext>
+            </a:extLst>
+          </p:cNvPr>
+          <p:cNvPicPr>
+            <a:picLocks noChangeAspect="1" noChangeArrowheads="1" noCrop="1"/>
+          </p:cNvPicPr>
+          <p:nvPr/>
+        </p:nvPicPr>
+        <p:blipFill>
+          <a:blip r:embed="rId3">
+            <a:extLst>
+              <a:ext uri="{28A0092B-C50C-407E-A947-70E740481C1C}">
+                <a14:useLocalDpi xmlns:a14="http://schemas.microsoft.com/office/drawing/2010/main" val="0"/>
+              </a:ext>
+            </a:extLst>
+          </a:blip>
+          <a:srcRect/>
+          <a:stretch>
+            <a:fillRect/>
+          </a:stretch>
+        </p:blipFill>
+        <p:spPr bwMode="auto">
+          <a:xfrm>
+            <a:off x="2421579" y="-25581"/>
+            <a:ext cx="2424111" cy="2181700"/>
+          </a:xfrm>
+          <a:prstGeom prst="rect">
+            <a:avLst/>
+          </a:prstGeom>
+          <a:noFill/>
+          <a:extLst>
+            <a:ext uri="{909E8E84-426E-40DD-AFC4-6F175D3DCCD1}">
+              <a14:hiddenFill xmlns:a14="http://schemas.microsoft.com/office/drawing/2010/main">
+                <a:solidFill>
+                  <a:srgbClr val="FFFFFF"/>
+                </a:solidFill>
+              </a14:hiddenFill>
+            </a:ext>
+          </a:extLst>
+        </p:spPr>
+      </p:pic>
+      <p:pic>
+        <p:nvPicPr>
+          <p:cNvPr id="11" name="Picture 2" descr="Résultat de recherche d'images pour &quot;cloud computing gif&quot;">
+            <a:extLst>
+              <a:ext uri="{FF2B5EF4-FFF2-40B4-BE49-F238E27FC236}">
+                <a16:creationId xmlns:a16="http://schemas.microsoft.com/office/drawing/2014/main" id="{14364060-81EE-4B6F-89FB-FF65D8B6F12C}"/>
+              </a:ext>
+            </a:extLst>
+          </p:cNvPr>
+          <p:cNvPicPr>
+            <a:picLocks noChangeAspect="1" noChangeArrowheads="1" noCrop="1"/>
+          </p:cNvPicPr>
+          <p:nvPr/>
+        </p:nvPicPr>
+        <p:blipFill>
+          <a:blip r:embed="rId3">
+            <a:extLst>
+              <a:ext uri="{28A0092B-C50C-407E-A947-70E740481C1C}">
+                <a14:useLocalDpi xmlns:a14="http://schemas.microsoft.com/office/drawing/2010/main" val="0"/>
+              </a:ext>
+            </a:extLst>
+          </a:blip>
+          <a:srcRect/>
+          <a:stretch>
+            <a:fillRect/>
+          </a:stretch>
+        </p:blipFill>
+        <p:spPr bwMode="auto">
+          <a:xfrm>
+            <a:off x="1304041" y="60325"/>
+            <a:ext cx="1337745" cy="1203970"/>
+          </a:xfrm>
+          <a:prstGeom prst="rect">
+            <a:avLst/>
+          </a:prstGeom>
+          <a:noFill/>
+          <a:extLst>
+            <a:ext uri="{909E8E84-426E-40DD-AFC4-6F175D3DCCD1}">
+              <a14:hiddenFill xmlns:a14="http://schemas.microsoft.com/office/drawing/2010/main">
+                <a:solidFill>
+                  <a:srgbClr val="FFFFFF"/>
+                </a:solidFill>
+              </a14:hiddenFill>
+            </a:ext>
+          </a:extLst>
+        </p:spPr>
+      </p:pic>
+      <p:sp>
+        <p:nvSpPr>
+          <p:cNvPr id="8" name="ZoneTexte 7">
+            <a:extLst>
+              <a:ext uri="{FF2B5EF4-FFF2-40B4-BE49-F238E27FC236}">
+                <a16:creationId xmlns:a16="http://schemas.microsoft.com/office/drawing/2014/main" id="{7EC5DC56-A10E-4222-8194-B99DF729517A}"/>
+              </a:ext>
+            </a:extLst>
+          </p:cNvPr>
+          <p:cNvSpPr txBox="1"/>
+          <p:nvPr/>
+        </p:nvSpPr>
+        <p:spPr>
+          <a:xfrm>
+            <a:off x="5252355" y="2403640"/>
+            <a:ext cx="1943102" cy="461665"/>
+          </a:xfrm>
+          <a:prstGeom prst="rect">
+            <a:avLst/>
+          </a:prstGeom>
+          <a:noFill/>
+        </p:spPr>
+        <p:txBody>
+          <a:bodyPr wrap="square" rtlCol="0">
+            <a:spAutoFit/>
+          </a:bodyPr>
           <a:lstStyle/>
           <a:p>
-            <a:fld id="{ED22AD06-C296-4654-A2D3-A746ACA7B044}" type="slidenum">
-              <a:rPr lang="fr-FR" smtClean="0"/>
-              <a:pPr/>
-              <a:t>1</a:t>
-            </a:fld>
-            <a:endParaRPr lang="fr-FR"/>
+            <a:r>
+              <a:rPr lang="fr-FR" sz="2400" dirty="0" err="1"/>
+              <a:t>Bontron</a:t>
+            </a:r>
+            <a:r>
+              <a:rPr lang="fr-FR" sz="2400" dirty="0"/>
+              <a:t> Julien</a:t>
+            </a:r>
+          </a:p>
+        </p:txBody>
+      </p:sp>
+      <p:sp>
+        <p:nvSpPr>
+          <p:cNvPr id="12" name="Rectangle 11">
+            <a:extLst>
+              <a:ext uri="{FF2B5EF4-FFF2-40B4-BE49-F238E27FC236}">
+                <a16:creationId xmlns:a16="http://schemas.microsoft.com/office/drawing/2014/main" id="{7BD24973-51A2-47F1-96EF-B6B1EF3119F4}"/>
+              </a:ext>
+            </a:extLst>
+          </p:cNvPr>
+          <p:cNvSpPr/>
+          <p:nvPr/>
+        </p:nvSpPr>
+        <p:spPr>
+          <a:xfrm>
+            <a:off x="8040804" y="3804971"/>
+            <a:ext cx="2366802" cy="461665"/>
+          </a:xfrm>
+          <a:prstGeom prst="rect">
+            <a:avLst/>
+          </a:prstGeom>
+        </p:spPr>
+        <p:txBody>
+          <a:bodyPr wrap="none">
+            <a:spAutoFit/>
+          </a:bodyPr>
+          <a:lstStyle/>
+          <a:p>
+            <a:r>
+              <a:rPr lang="fr-FR" sz="2400" dirty="0" err="1"/>
+              <a:t>Joymangul</a:t>
+            </a:r>
+            <a:r>
+              <a:rPr lang="fr-FR" sz="2400" dirty="0"/>
+              <a:t> Jensen</a:t>
+            </a:r>
+          </a:p>
+        </p:txBody>
+      </p:sp>
+      <p:sp>
+        <p:nvSpPr>
+          <p:cNvPr id="13" name="Rectangle 12">
+            <a:extLst>
+              <a:ext uri="{FF2B5EF4-FFF2-40B4-BE49-F238E27FC236}">
+                <a16:creationId xmlns:a16="http://schemas.microsoft.com/office/drawing/2014/main" id="{4A4C857A-3CAC-4A4C-A50D-27FF9B400041}"/>
+              </a:ext>
+            </a:extLst>
+          </p:cNvPr>
+          <p:cNvSpPr/>
+          <p:nvPr/>
+        </p:nvSpPr>
+        <p:spPr>
+          <a:xfrm>
+            <a:off x="2421579" y="1609986"/>
+            <a:ext cx="2371162" cy="461665"/>
+          </a:xfrm>
+          <a:prstGeom prst="rect">
+            <a:avLst/>
+          </a:prstGeom>
+        </p:spPr>
+        <p:txBody>
+          <a:bodyPr wrap="none">
+            <a:spAutoFit/>
+          </a:bodyPr>
+          <a:lstStyle/>
+          <a:p>
+            <a:r>
+              <a:rPr lang="fr-FR" sz="2400" dirty="0"/>
+              <a:t>Moisson Matthieu </a:t>
+            </a:r>
+          </a:p>
+        </p:txBody>
+      </p:sp>
+      <p:sp>
+        <p:nvSpPr>
+          <p:cNvPr id="14" name="Rectangle 13">
+            <a:extLst>
+              <a:ext uri="{FF2B5EF4-FFF2-40B4-BE49-F238E27FC236}">
+                <a16:creationId xmlns:a16="http://schemas.microsoft.com/office/drawing/2014/main" id="{B09E73EC-A188-4458-9C7F-18D6C11A6644}"/>
+              </a:ext>
+            </a:extLst>
+          </p:cNvPr>
+          <p:cNvSpPr/>
+          <p:nvPr/>
+        </p:nvSpPr>
+        <p:spPr>
+          <a:xfrm>
+            <a:off x="986205" y="1056705"/>
+            <a:ext cx="1655581" cy="461665"/>
+          </a:xfrm>
+          <a:prstGeom prst="rect">
+            <a:avLst/>
+          </a:prstGeom>
+        </p:spPr>
+        <p:txBody>
+          <a:bodyPr wrap="none">
+            <a:spAutoFit/>
+          </a:bodyPr>
+          <a:lstStyle/>
+          <a:p>
+            <a:r>
+              <a:rPr lang="fr-FR" sz="2400" dirty="0" err="1"/>
+              <a:t>Varrel</a:t>
+            </a:r>
+            <a:r>
+              <a:rPr lang="fr-FR" sz="2400" dirty="0"/>
+              <a:t> Lilian</a:t>
+            </a:r>
           </a:p>
         </p:txBody>
       </p:sp>
     </p:spTree>
     <p:extLst>
       <p:ext uri="{BB962C8B-B14F-4D97-AF65-F5344CB8AC3E}">
-        <p14:creationId xmlns:p14="http://schemas.microsoft.com/office/powerpoint/2010/main" xmlns="" val="68843735"/>
+        <p14:creationId xmlns:p14="http://schemas.microsoft.com/office/powerpoint/2010/main" val="68843735"/>
       </p:ext>
     </p:extLst>
   </p:cSld>
@@ -13687,7 +14133,7 @@
           <p:cNvPr id="2" name="Titre 1">
             <a:extLst>
               <a:ext uri="{FF2B5EF4-FFF2-40B4-BE49-F238E27FC236}">
-                <a16:creationId xmlns:a16="http://schemas.microsoft.com/office/drawing/2014/main" xmlns="" id="{0845828D-6CC7-4486-8B9C-DD5D9F22D31D}"/>
+                <a16:creationId xmlns:a16="http://schemas.microsoft.com/office/drawing/2014/main" id="{0845828D-6CC7-4486-8B9C-DD5D9F22D31D}"/>
               </a:ext>
             </a:extLst>
           </p:cNvPr>
@@ -13728,7 +14174,7 @@
           <p:cNvPr id="3" name="Espace réservé du contenu 2">
             <a:extLst>
               <a:ext uri="{FF2B5EF4-FFF2-40B4-BE49-F238E27FC236}">
-                <a16:creationId xmlns:a16="http://schemas.microsoft.com/office/drawing/2014/main" xmlns="" id="{D2565F79-8447-4704-800E-75742A26C65D}"/>
+                <a16:creationId xmlns:a16="http://schemas.microsoft.com/office/drawing/2014/main" id="{D2565F79-8447-4704-800E-75742A26C65D}"/>
               </a:ext>
             </a:extLst>
           </p:cNvPr>
@@ -13770,15 +14216,7 @@
             </a:r>
             <a:r>
               <a:rPr lang="fr-FR" dirty="0"/>
-              <a:t> </a:t>
-            </a:r>
-            <a:r>
-              <a:rPr lang="fr-FR" dirty="0" smtClean="0"/>
-              <a:t>(analyse </a:t>
-            </a:r>
-            <a:r>
-              <a:rPr lang="fr-FR" dirty="0"/>
-              <a:t>tout les push </a:t>
+              <a:t> (analyse tout les push </a:t>
             </a:r>
             <a:r>
               <a:rPr lang="fr-FR" dirty="0" err="1"/>
@@ -13834,7 +14272,7 @@
           <p:cNvPr id="6" name="Espace réservé du contenu 5">
             <a:extLst>
               <a:ext uri="{FF2B5EF4-FFF2-40B4-BE49-F238E27FC236}">
-                <a16:creationId xmlns:a16="http://schemas.microsoft.com/office/drawing/2014/main" xmlns="" id="{E72588E6-DD5B-48C8-86FB-E66FFBA90F82}"/>
+                <a16:creationId xmlns:a16="http://schemas.microsoft.com/office/drawing/2014/main" id="{E72588E6-DD5B-48C8-86FB-E66FFBA90F82}"/>
               </a:ext>
             </a:extLst>
           </p:cNvPr>
@@ -13859,9 +14297,10 @@
           <a:p>
             <a:pPr lvl="1"/>
             <a:r>
-              <a:rPr lang="fr-FR" dirty="0"/>
+              <a:rPr lang="fr-FR" sz="2400" dirty="0"/>
               <a:t>Jenkins</a:t>
             </a:r>
+            <a:endParaRPr lang="fr-FR" dirty="0"/>
           </a:p>
           <a:p>
             <a:pPr marL="457200" lvl="1" indent="0">
@@ -13915,7 +14354,7 @@
           <p:cNvPr id="4" name="Espace réservé du pied de page 3">
             <a:extLst>
               <a:ext uri="{FF2B5EF4-FFF2-40B4-BE49-F238E27FC236}">
-                <a16:creationId xmlns:a16="http://schemas.microsoft.com/office/drawing/2014/main" xmlns="" id="{D4BDCF3C-4CEF-4C3D-B0AB-820E91CB4D87}"/>
+                <a16:creationId xmlns:a16="http://schemas.microsoft.com/office/drawing/2014/main" id="{D4BDCF3C-4CEF-4C3D-B0AB-820E91CB4D87}"/>
               </a:ext>
             </a:extLst>
           </p:cNvPr>
@@ -13943,7 +14382,7 @@
           <p:cNvPr id="5" name="Espace réservé du numéro de diapositive 4">
             <a:extLst>
               <a:ext uri="{FF2B5EF4-FFF2-40B4-BE49-F238E27FC236}">
-                <a16:creationId xmlns:a16="http://schemas.microsoft.com/office/drawing/2014/main" xmlns="" id="{44C012D5-735C-4D3C-9885-074DB86045D8}"/>
+                <a16:creationId xmlns:a16="http://schemas.microsoft.com/office/drawing/2014/main" id="{44C012D5-735C-4D3C-9885-074DB86045D8}"/>
               </a:ext>
             </a:extLst>
           </p:cNvPr>
@@ -13971,7 +14410,7 @@
     </p:spTree>
     <p:extLst>
       <p:ext uri="{BB962C8B-B14F-4D97-AF65-F5344CB8AC3E}">
-        <p14:creationId xmlns:p14="http://schemas.microsoft.com/office/powerpoint/2010/main" xmlns="" val="473782799"/>
+        <p14:creationId xmlns:p14="http://schemas.microsoft.com/office/powerpoint/2010/main" val="473782799"/>
       </p:ext>
     </p:extLst>
   </p:cSld>
@@ -14003,7 +14442,7 @@
           <p:cNvPr id="2" name="Titre 1">
             <a:extLst>
               <a:ext uri="{FF2B5EF4-FFF2-40B4-BE49-F238E27FC236}">
-                <a16:creationId xmlns:a16="http://schemas.microsoft.com/office/drawing/2014/main" xmlns="" id="{0845828D-6CC7-4486-8B9C-DD5D9F22D31D}"/>
+                <a16:creationId xmlns:a16="http://schemas.microsoft.com/office/drawing/2014/main" id="{0845828D-6CC7-4486-8B9C-DD5D9F22D31D}"/>
               </a:ext>
             </a:extLst>
           </p:cNvPr>
@@ -14031,7 +14470,7 @@
           <p:cNvPr id="3" name="Espace réservé du contenu 2">
             <a:extLst>
               <a:ext uri="{FF2B5EF4-FFF2-40B4-BE49-F238E27FC236}">
-                <a16:creationId xmlns:a16="http://schemas.microsoft.com/office/drawing/2014/main" xmlns="" id="{D2565F79-8447-4704-800E-75742A26C65D}"/>
+                <a16:creationId xmlns:a16="http://schemas.microsoft.com/office/drawing/2014/main" id="{D2565F79-8447-4704-800E-75742A26C65D}"/>
               </a:ext>
             </a:extLst>
           </p:cNvPr>
@@ -14053,20 +14492,12 @@
           <a:lstStyle/>
           <a:p>
             <a:r>
-              <a:rPr lang="fr-FR" dirty="0" smtClean="0"/>
-              <a:t>Automatisation </a:t>
-            </a:r>
-            <a:r>
               <a:rPr lang="fr-FR" dirty="0"/>
-              <a:t>des tests</a:t>
+              <a:t>Automatisation des tests</a:t>
             </a:r>
           </a:p>
           <a:p>
             <a:pPr lvl="1"/>
-            <a:r>
-              <a:rPr lang="fr-FR" dirty="0"/>
-              <a:t> </a:t>
-            </a:r>
             <a:r>
               <a:rPr lang="fr-FR" dirty="0" err="1"/>
               <a:t>Mock</a:t>
@@ -14082,31 +14513,30 @@
           </a:p>
           <a:p>
             <a:r>
-              <a:rPr lang="fr-FR" dirty="0" smtClean="0"/>
+              <a:rPr lang="fr-FR" dirty="0"/>
               <a:t>Images Docker</a:t>
             </a:r>
           </a:p>
           <a:p>
             <a:pPr lvl="1"/>
             <a:r>
-              <a:rPr lang="fr-FR" dirty="0" smtClean="0"/>
+              <a:rPr lang="fr-FR" dirty="0"/>
               <a:t>Même configuration sur notre machine que sur le serveur</a:t>
             </a:r>
           </a:p>
           <a:p>
             <a:pPr lvl="1"/>
             <a:r>
-              <a:rPr lang="fr-FR" dirty="0" smtClean="0"/>
-              <a:t>Déploiement en un clic</a:t>
+              <a:rPr lang="fr-FR" dirty="0"/>
+              <a:t>Déploiement en une commande</a:t>
             </a:r>
           </a:p>
           <a:p>
             <a:pPr lvl="1"/>
             <a:r>
-              <a:rPr lang="fr-FR" dirty="0" smtClean="0"/>
+              <a:rPr lang="fr-FR" dirty="0"/>
               <a:t>La panne d’un conteneur ne rend pas tout le serveur HS</a:t>
             </a:r>
-            <a:endParaRPr lang="fr-FR" dirty="0"/>
           </a:p>
         </p:txBody>
       </p:sp>
@@ -14115,7 +14545,7 @@
           <p:cNvPr id="4" name="Espace réservé du pied de page 3">
             <a:extLst>
               <a:ext uri="{FF2B5EF4-FFF2-40B4-BE49-F238E27FC236}">
-                <a16:creationId xmlns:a16="http://schemas.microsoft.com/office/drawing/2014/main" xmlns="" id="{0A8F501C-9209-40B4-A95F-C00802466179}"/>
+                <a16:creationId xmlns:a16="http://schemas.microsoft.com/office/drawing/2014/main" id="{0A8F501C-9209-40B4-A95F-C00802466179}"/>
               </a:ext>
             </a:extLst>
           </p:cNvPr>
@@ -14143,7 +14573,7 @@
           <p:cNvPr id="5" name="Espace réservé du numéro de diapositive 4">
             <a:extLst>
               <a:ext uri="{FF2B5EF4-FFF2-40B4-BE49-F238E27FC236}">
-                <a16:creationId xmlns:a16="http://schemas.microsoft.com/office/drawing/2014/main" xmlns="" id="{2E162C00-9BEA-48A6-8E2D-CFF6F8DFC0F9}"/>
+                <a16:creationId xmlns:a16="http://schemas.microsoft.com/office/drawing/2014/main" id="{2E162C00-9BEA-48A6-8E2D-CFF6F8DFC0F9}"/>
               </a:ext>
             </a:extLst>
           </p:cNvPr>
@@ -14171,7 +14601,7 @@
     </p:spTree>
     <p:extLst>
       <p:ext uri="{BB962C8B-B14F-4D97-AF65-F5344CB8AC3E}">
-        <p14:creationId xmlns:p14="http://schemas.microsoft.com/office/powerpoint/2010/main" xmlns="" val="3015462745"/>
+        <p14:creationId xmlns:p14="http://schemas.microsoft.com/office/powerpoint/2010/main" val="3015462745"/>
       </p:ext>
     </p:extLst>
   </p:cSld>
@@ -14203,7 +14633,7 @@
           <p:cNvPr id="2" name="Titre 1">
             <a:extLst>
               <a:ext uri="{FF2B5EF4-FFF2-40B4-BE49-F238E27FC236}">
-                <a16:creationId xmlns:a16="http://schemas.microsoft.com/office/drawing/2014/main" xmlns="" id="{96C5FFFE-9A22-4089-93E1-9CA9315E180B}"/>
+                <a16:creationId xmlns:a16="http://schemas.microsoft.com/office/drawing/2014/main" id="{96C5FFFE-9A22-4089-93E1-9CA9315E180B}"/>
               </a:ext>
             </a:extLst>
           </p:cNvPr>
@@ -14231,7 +14661,7 @@
           <p:cNvPr id="3" name="Espace réservé du contenu 2">
             <a:extLst>
               <a:ext uri="{FF2B5EF4-FFF2-40B4-BE49-F238E27FC236}">
-                <a16:creationId xmlns:a16="http://schemas.microsoft.com/office/drawing/2014/main" xmlns="" id="{9ACD37A6-8B7D-497E-82A3-56A503C1FCEF}"/>
+                <a16:creationId xmlns:a16="http://schemas.microsoft.com/office/drawing/2014/main" id="{9ACD37A6-8B7D-497E-82A3-56A503C1FCEF}"/>
               </a:ext>
             </a:extLst>
           </p:cNvPr>
@@ -14264,6 +14694,12 @@
               <a:t>Difficultés rencontrées pour la mise en place de Travis</a:t>
             </a:r>
           </a:p>
+          <a:p>
+            <a:r>
+              <a:rPr lang="fr-FR" dirty="0"/>
+              <a:t>Trop de temps passé sur l’api et les tests et peu sur le cloud</a:t>
+            </a:r>
+          </a:p>
         </p:txBody>
       </p:sp>
       <p:sp>
@@ -14271,7 +14707,7 @@
           <p:cNvPr id="4" name="Espace réservé du pied de page 3">
             <a:extLst>
               <a:ext uri="{FF2B5EF4-FFF2-40B4-BE49-F238E27FC236}">
-                <a16:creationId xmlns:a16="http://schemas.microsoft.com/office/drawing/2014/main" xmlns="" id="{FE57F0ED-9C4C-443E-B031-07397C1EB0F9}"/>
+                <a16:creationId xmlns:a16="http://schemas.microsoft.com/office/drawing/2014/main" id="{FE57F0ED-9C4C-443E-B031-07397C1EB0F9}"/>
               </a:ext>
             </a:extLst>
           </p:cNvPr>
@@ -14299,7 +14735,7 @@
           <p:cNvPr id="5" name="Espace réservé du numéro de diapositive 4">
             <a:extLst>
               <a:ext uri="{FF2B5EF4-FFF2-40B4-BE49-F238E27FC236}">
-                <a16:creationId xmlns:a16="http://schemas.microsoft.com/office/drawing/2014/main" xmlns="" id="{4A85B28A-E6CA-4C46-B7F4-5A6A714D0244}"/>
+                <a16:creationId xmlns:a16="http://schemas.microsoft.com/office/drawing/2014/main" id="{4A85B28A-E6CA-4C46-B7F4-5A6A714D0244}"/>
               </a:ext>
             </a:extLst>
           </p:cNvPr>
@@ -14327,7 +14763,7 @@
     </p:spTree>
     <p:extLst>
       <p:ext uri="{BB962C8B-B14F-4D97-AF65-F5344CB8AC3E}">
-        <p14:creationId xmlns:p14="http://schemas.microsoft.com/office/powerpoint/2010/main" xmlns="" val="3260277226"/>
+        <p14:creationId xmlns:p14="http://schemas.microsoft.com/office/powerpoint/2010/main" val="3260277226"/>
       </p:ext>
     </p:extLst>
   </p:cSld>
@@ -14405,7 +14841,7 @@
           <a:blip r:embed="rId2" cstate="print">
             <a:extLst>
               <a:ext uri="{28A0092B-C50C-407E-A947-70E740481C1C}">
-                <a14:useLocalDpi xmlns:a14="http://schemas.microsoft.com/office/drawing/2010/main" xmlns="" val="0"/>
+                <a14:useLocalDpi xmlns:a14="http://schemas.microsoft.com/office/drawing/2010/main" val="0"/>
               </a:ext>
             </a:extLst>
           </a:blip>
@@ -14426,7 +14862,7 @@
           <p:cNvPr id="2" name="Espace réservé du pied de page 1">
             <a:extLst>
               <a:ext uri="{FF2B5EF4-FFF2-40B4-BE49-F238E27FC236}">
-                <a16:creationId xmlns:a16="http://schemas.microsoft.com/office/drawing/2014/main" xmlns="" id="{DAD366EE-CDFA-4FC0-8F88-D3E465C50375}"/>
+                <a16:creationId xmlns:a16="http://schemas.microsoft.com/office/drawing/2014/main" id="{DAD366EE-CDFA-4FC0-8F88-D3E465C50375}"/>
               </a:ext>
             </a:extLst>
           </p:cNvPr>
@@ -14454,7 +14890,7 @@
           <p:cNvPr id="3" name="Espace réservé du numéro de diapositive 2">
             <a:extLst>
               <a:ext uri="{FF2B5EF4-FFF2-40B4-BE49-F238E27FC236}">
-                <a16:creationId xmlns:a16="http://schemas.microsoft.com/office/drawing/2014/main" xmlns="" id="{50DD73EC-6D34-45BD-8BA7-CECBDB908D1D}"/>
+                <a16:creationId xmlns:a16="http://schemas.microsoft.com/office/drawing/2014/main" id="{50DD73EC-6D34-45BD-8BA7-CECBDB908D1D}"/>
               </a:ext>
             </a:extLst>
           </p:cNvPr>
@@ -14482,7 +14918,7 @@
     </p:spTree>
     <p:extLst>
       <p:ext uri="{BB962C8B-B14F-4D97-AF65-F5344CB8AC3E}">
-        <p14:creationId xmlns:p14="http://schemas.microsoft.com/office/powerpoint/2010/main" xmlns="" val="3345015553"/>
+        <p14:creationId xmlns:p14="http://schemas.microsoft.com/office/powerpoint/2010/main" val="3345015553"/>
       </p:ext>
     </p:extLst>
   </p:cSld>
@@ -14514,7 +14950,7 @@
           <p:cNvPr id="2" name="Titre 1">
             <a:extLst>
               <a:ext uri="{FF2B5EF4-FFF2-40B4-BE49-F238E27FC236}">
-                <a16:creationId xmlns:a16="http://schemas.microsoft.com/office/drawing/2014/main" xmlns="" id="{7637DB67-38F0-4F5C-A36A-E354832B207D}"/>
+                <a16:creationId xmlns:a16="http://schemas.microsoft.com/office/drawing/2014/main" id="{7637DB67-38F0-4F5C-A36A-E354832B207D}"/>
               </a:ext>
             </a:extLst>
           </p:cNvPr>
@@ -14542,7 +14978,7 @@
           <p:cNvPr id="3" name="Espace réservé du contenu 2">
             <a:extLst>
               <a:ext uri="{FF2B5EF4-FFF2-40B4-BE49-F238E27FC236}">
-                <a16:creationId xmlns:a16="http://schemas.microsoft.com/office/drawing/2014/main" xmlns="" id="{7E075764-22D5-4C8B-8ACE-CF25E9AAA59C}"/>
+                <a16:creationId xmlns:a16="http://schemas.microsoft.com/office/drawing/2014/main" id="{7E075764-22D5-4C8B-8ACE-CF25E9AAA59C}"/>
               </a:ext>
             </a:extLst>
           </p:cNvPr>
@@ -14604,13 +15040,8 @@
             </a:pPr>
             <a:r>
               <a:rPr lang="fr-FR" dirty="0"/>
-              <a:t>INTERETS DU </a:t>
-            </a:r>
-            <a:r>
-              <a:rPr lang="fr-FR" dirty="0" smtClean="0"/>
-              <a:t>CI/CD</a:t>
-            </a:r>
-            <a:endParaRPr lang="fr-FR" dirty="0"/>
+              <a:t>INTERETS DU CI/CD</a:t>
+            </a:r>
           </a:p>
           <a:p>
             <a:pPr marL="457200" indent="-457200">
@@ -14636,7 +15067,7 @@
           <p:cNvPr id="4" name="Espace réservé du pied de page 3">
             <a:extLst>
               <a:ext uri="{FF2B5EF4-FFF2-40B4-BE49-F238E27FC236}">
-                <a16:creationId xmlns:a16="http://schemas.microsoft.com/office/drawing/2014/main" xmlns="" id="{9A65D16F-E1B7-40A4-8D05-6BA74EA7FD0A}"/>
+                <a16:creationId xmlns:a16="http://schemas.microsoft.com/office/drawing/2014/main" id="{9A65D16F-E1B7-40A4-8D05-6BA74EA7FD0A}"/>
               </a:ext>
             </a:extLst>
           </p:cNvPr>
@@ -14664,7 +15095,7 @@
           <p:cNvPr id="5" name="Espace réservé du numéro de diapositive 4">
             <a:extLst>
               <a:ext uri="{FF2B5EF4-FFF2-40B4-BE49-F238E27FC236}">
-                <a16:creationId xmlns:a16="http://schemas.microsoft.com/office/drawing/2014/main" xmlns="" id="{D14B9942-3CA7-4CF2-86EF-A1C3736BEB4A}"/>
+                <a16:creationId xmlns:a16="http://schemas.microsoft.com/office/drawing/2014/main" id="{D14B9942-3CA7-4CF2-86EF-A1C3736BEB4A}"/>
               </a:ext>
             </a:extLst>
           </p:cNvPr>
@@ -14689,10 +15120,57 @@
           </a:p>
         </p:txBody>
       </p:sp>
+      <p:pic>
+        <p:nvPicPr>
+          <p:cNvPr id="2050" name="Picture 2" descr="Résultat de recherche d'images pour &quot;plan&quot;">
+            <a:extLst>
+              <a:ext uri="{FF2B5EF4-FFF2-40B4-BE49-F238E27FC236}">
+                <a16:creationId xmlns:a16="http://schemas.microsoft.com/office/drawing/2014/main" id="{E07074C1-DB9E-48BA-A53E-3C0D1AB7E7DB}"/>
+              </a:ext>
+            </a:extLst>
+          </p:cNvPr>
+          <p:cNvPicPr>
+            <a:picLocks noChangeAspect="1" noChangeArrowheads="1"/>
+          </p:cNvPicPr>
+          <p:nvPr/>
+        </p:nvPicPr>
+        <p:blipFill>
+          <a:blip r:embed="rId3">
+            <a:extLst>
+              <a:ext uri="{28A0092B-C50C-407E-A947-70E740481C1C}">
+                <a14:useLocalDpi xmlns:a14="http://schemas.microsoft.com/office/drawing/2010/main" val="0"/>
+              </a:ext>
+            </a:extLst>
+          </a:blip>
+          <a:srcRect/>
+          <a:stretch>
+            <a:fillRect/>
+          </a:stretch>
+        </p:blipFill>
+        <p:spPr bwMode="auto">
+          <a:xfrm>
+            <a:off x="7380720" y="908050"/>
+            <a:ext cx="4381500" cy="3286125"/>
+          </a:xfrm>
+          <a:prstGeom prst="rect">
+            <a:avLst/>
+          </a:prstGeom>
+          <a:noFill/>
+          <a:extLst>
+            <a:ext uri="{909E8E84-426E-40DD-AFC4-6F175D3DCCD1}">
+              <a14:hiddenFill xmlns:a14="http://schemas.microsoft.com/office/drawing/2010/main">
+                <a:solidFill>
+                  <a:srgbClr val="FFFFFF"/>
+                </a:solidFill>
+              </a14:hiddenFill>
+            </a:ext>
+          </a:extLst>
+        </p:spPr>
+      </p:pic>
     </p:spTree>
     <p:extLst>
       <p:ext uri="{BB962C8B-B14F-4D97-AF65-F5344CB8AC3E}">
-        <p14:creationId xmlns:p14="http://schemas.microsoft.com/office/powerpoint/2010/main" xmlns="" val="1678386438"/>
+        <p14:creationId xmlns:p14="http://schemas.microsoft.com/office/powerpoint/2010/main" val="1678386438"/>
       </p:ext>
     </p:extLst>
   </p:cSld>
@@ -14724,7 +15202,7 @@
           <p:cNvPr id="2" name="Titre 1">
             <a:extLst>
               <a:ext uri="{FF2B5EF4-FFF2-40B4-BE49-F238E27FC236}">
-                <a16:creationId xmlns:a16="http://schemas.microsoft.com/office/drawing/2014/main" xmlns="" id="{7182EEB0-2378-4840-AD71-EDE9062A1869}"/>
+                <a16:creationId xmlns:a16="http://schemas.microsoft.com/office/drawing/2014/main" id="{7182EEB0-2378-4840-AD71-EDE9062A1869}"/>
               </a:ext>
             </a:extLst>
           </p:cNvPr>
@@ -14764,7 +15242,9 @@
           </a:xfrm>
         </p:spPr>
         <p:txBody>
-          <a:bodyPr/>
+          <a:bodyPr>
+            <a:normAutofit/>
+          </a:bodyPr>
           <a:lstStyle/>
           <a:p>
             <a:pPr marL="285750" indent="-285750">
@@ -14772,7 +15252,7 @@
               <a:buChar char="•"/>
             </a:pPr>
             <a:r>
-              <a:rPr lang="fr-FR" dirty="0"/>
+              <a:rPr lang="fr-FR" sz="2400" dirty="0"/>
               <a:t>Image docker</a:t>
             </a:r>
           </a:p>
@@ -14782,7 +15262,7 @@
               <a:buChar char="•"/>
             </a:pPr>
             <a:r>
-              <a:rPr lang="fr-FR" dirty="0"/>
+              <a:rPr lang="fr-FR" sz="2000" dirty="0"/>
               <a:t>Mongo</a:t>
             </a:r>
           </a:p>
@@ -14792,7 +15272,7 @@
               <a:buChar char="•"/>
             </a:pPr>
             <a:r>
-              <a:rPr lang="fr-FR" dirty="0"/>
+              <a:rPr lang="fr-FR" sz="2000" dirty="0"/>
               <a:t>Java</a:t>
             </a:r>
           </a:p>
@@ -14802,14 +15282,14 @@
               <a:buChar char="•"/>
             </a:pPr>
             <a:r>
-              <a:rPr lang="fr-FR" dirty="0"/>
+              <a:rPr lang="fr-FR" sz="2400" dirty="0"/>
               <a:t>Application User : </a:t>
             </a:r>
             <a:r>
-              <a:rPr lang="fr-FR" dirty="0" err="1"/>
+              <a:rPr lang="fr-FR" sz="2400" dirty="0" err="1"/>
               <a:t>Spring</a:t>
             </a:r>
-            <a:endParaRPr lang="fr-FR" dirty="0"/>
+            <a:endParaRPr lang="fr-FR" sz="2400" dirty="0"/>
           </a:p>
           <a:p>
             <a:pPr marL="285750" indent="-285750">
@@ -14817,7 +15297,7 @@
               <a:buChar char="•"/>
             </a:pPr>
             <a:r>
-              <a:rPr lang="fr-FR" dirty="0"/>
+              <a:rPr lang="fr-FR" sz="2400" dirty="0"/>
               <a:t>Communications </a:t>
             </a:r>
           </a:p>
@@ -14827,7 +15307,7 @@
               <a:buChar char="•"/>
             </a:pPr>
             <a:r>
-              <a:rPr lang="fr-FR" dirty="0"/>
+              <a:rPr lang="fr-FR" sz="2000" dirty="0"/>
               <a:t>Mongo - Java : port 27017</a:t>
             </a:r>
           </a:p>
@@ -14837,7 +15317,7 @@
               <a:buChar char="•"/>
             </a:pPr>
             <a:r>
-              <a:rPr lang="fr-FR" dirty="0"/>
+              <a:rPr lang="fr-FR" sz="2000" dirty="0"/>
               <a:t>Appli – Utilisateur : 80</a:t>
             </a:r>
           </a:p>
@@ -14855,7 +15335,7 @@
           <a:blip r:embed="rId3" cstate="print">
             <a:extLst>
               <a:ext uri="{28A0092B-C50C-407E-A947-70E740481C1C}">
-                <a14:useLocalDpi xmlns:a14="http://schemas.microsoft.com/office/drawing/2010/main" xmlns="" val="0"/>
+                <a14:useLocalDpi xmlns:a14="http://schemas.microsoft.com/office/drawing/2010/main" val="0"/>
               </a:ext>
             </a:extLst>
           </a:blip>
@@ -14878,7 +15358,7 @@
           <p:cNvPr id="3" name="Espace réservé du pied de page 2">
             <a:extLst>
               <a:ext uri="{FF2B5EF4-FFF2-40B4-BE49-F238E27FC236}">
-                <a16:creationId xmlns:a16="http://schemas.microsoft.com/office/drawing/2014/main" xmlns="" id="{AF4E5875-E880-46E9-8AC6-1645569C0E55}"/>
+                <a16:creationId xmlns:a16="http://schemas.microsoft.com/office/drawing/2014/main" id="{AF4E5875-E880-46E9-8AC6-1645569C0E55}"/>
               </a:ext>
             </a:extLst>
           </p:cNvPr>
@@ -14906,7 +15386,7 @@
           <p:cNvPr id="4" name="Espace réservé du numéro de diapositive 3">
             <a:extLst>
               <a:ext uri="{FF2B5EF4-FFF2-40B4-BE49-F238E27FC236}">
-                <a16:creationId xmlns:a16="http://schemas.microsoft.com/office/drawing/2014/main" xmlns="" id="{2A775EE2-7E8B-40AC-A061-9DEA1F4180DA}"/>
+                <a16:creationId xmlns:a16="http://schemas.microsoft.com/office/drawing/2014/main" id="{2A775EE2-7E8B-40AC-A061-9DEA1F4180DA}"/>
               </a:ext>
             </a:extLst>
           </p:cNvPr>
@@ -14934,7 +15414,7 @@
     </p:spTree>
     <p:extLst>
       <p:ext uri="{BB962C8B-B14F-4D97-AF65-F5344CB8AC3E}">
-        <p14:creationId xmlns:p14="http://schemas.microsoft.com/office/powerpoint/2010/main" xmlns="" val="3465395436"/>
+        <p14:creationId xmlns:p14="http://schemas.microsoft.com/office/powerpoint/2010/main" val="3465395436"/>
       </p:ext>
     </p:extLst>
   </p:cSld>
@@ -14966,7 +15446,7 @@
           <p:cNvPr id="2" name="Titre 1">
             <a:extLst>
               <a:ext uri="{FF2B5EF4-FFF2-40B4-BE49-F238E27FC236}">
-                <a16:creationId xmlns:a16="http://schemas.microsoft.com/office/drawing/2014/main" xmlns="" id="{D86D6389-F3E6-48CF-9E9D-4C7F5C6EA89D}"/>
+                <a16:creationId xmlns:a16="http://schemas.microsoft.com/office/drawing/2014/main" id="{D86D6389-F3E6-48CF-9E9D-4C7F5C6EA89D}"/>
               </a:ext>
             </a:extLst>
           </p:cNvPr>
@@ -14994,7 +15474,7 @@
           <p:cNvPr id="3" name="Espace réservé du contenu 2">
             <a:extLst>
               <a:ext uri="{FF2B5EF4-FFF2-40B4-BE49-F238E27FC236}">
-                <a16:creationId xmlns:a16="http://schemas.microsoft.com/office/drawing/2014/main" xmlns="" id="{0CC95282-0762-4966-8A40-67227F2FB48C}"/>
+                <a16:creationId xmlns:a16="http://schemas.microsoft.com/office/drawing/2014/main" id="{0CC95282-0762-4966-8A40-67227F2FB48C}"/>
               </a:ext>
             </a:extLst>
           </p:cNvPr>
@@ -15002,18 +15482,13 @@
             <a:spLocks noGrp="1"/>
           </p:cNvSpPr>
           <p:nvPr>
-            <p:ph idx="1"/>
-          </p:nvPr>
-        </p:nvSpPr>
-        <p:spPr>
-          <a:xfrm>
-            <a:off x="1141412" y="1737360"/>
-            <a:ext cx="9905999" cy="4937759"/>
-          </a:xfrm>
-        </p:spPr>
+            <p:ph sz="half" idx="1"/>
+          </p:nvPr>
+        </p:nvSpPr>
+        <p:spPr/>
         <p:txBody>
           <a:bodyPr>
-            <a:normAutofit fontScale="85000" lnSpcReduction="20000"/>
+            <a:normAutofit fontScale="92500" lnSpcReduction="10000"/>
           </a:bodyPr>
           <a:lstStyle/>
           <a:p>
@@ -15083,6 +15558,34 @@
               <a:t>+ Performant</a:t>
             </a:r>
           </a:p>
+          <a:p>
+            <a:pPr lvl="0"/>
+            <a:endParaRPr lang="fr-FR" dirty="0"/>
+          </a:p>
+        </p:txBody>
+      </p:sp>
+      <p:sp>
+        <p:nvSpPr>
+          <p:cNvPr id="6" name="Espace réservé du contenu 5">
+            <a:extLst>
+              <a:ext uri="{FF2B5EF4-FFF2-40B4-BE49-F238E27FC236}">
+                <a16:creationId xmlns:a16="http://schemas.microsoft.com/office/drawing/2014/main" id="{FD0D0839-0904-440D-95EF-1127FEC7466A}"/>
+              </a:ext>
+            </a:extLst>
+          </p:cNvPr>
+          <p:cNvSpPr>
+            <a:spLocks noGrp="1"/>
+          </p:cNvSpPr>
+          <p:nvPr>
+            <p:ph sz="half" idx="2"/>
+          </p:nvPr>
+        </p:nvSpPr>
+        <p:spPr/>
+        <p:txBody>
+          <a:bodyPr>
+            <a:normAutofit fontScale="92500" lnSpcReduction="10000"/>
+          </a:bodyPr>
+          <a:lstStyle/>
           <a:p>
             <a:pPr lvl="0"/>
             <a:r>
@@ -15158,7 +15661,7 @@
           <p:cNvPr id="4" name="Espace réservé du pied de page 3">
             <a:extLst>
               <a:ext uri="{FF2B5EF4-FFF2-40B4-BE49-F238E27FC236}">
-                <a16:creationId xmlns:a16="http://schemas.microsoft.com/office/drawing/2014/main" xmlns="" id="{47A792F9-51DD-48EF-AE42-B19DAB9E0F05}"/>
+                <a16:creationId xmlns:a16="http://schemas.microsoft.com/office/drawing/2014/main" id="{47A792F9-51DD-48EF-AE42-B19DAB9E0F05}"/>
               </a:ext>
             </a:extLst>
           </p:cNvPr>
@@ -15186,7 +15689,7 @@
           <p:cNvPr id="5" name="Espace réservé du numéro de diapositive 4">
             <a:extLst>
               <a:ext uri="{FF2B5EF4-FFF2-40B4-BE49-F238E27FC236}">
-                <a16:creationId xmlns:a16="http://schemas.microsoft.com/office/drawing/2014/main" xmlns="" id="{C4411D57-436B-4D1A-8CE6-A123E698D980}"/>
+                <a16:creationId xmlns:a16="http://schemas.microsoft.com/office/drawing/2014/main" id="{C4411D57-436B-4D1A-8CE6-A123E698D980}"/>
               </a:ext>
             </a:extLst>
           </p:cNvPr>
@@ -15214,7 +15717,7 @@
     </p:spTree>
     <p:extLst>
       <p:ext uri="{BB962C8B-B14F-4D97-AF65-F5344CB8AC3E}">
-        <p14:creationId xmlns:p14="http://schemas.microsoft.com/office/powerpoint/2010/main" xmlns="" val="2925675394"/>
+        <p14:creationId xmlns:p14="http://schemas.microsoft.com/office/powerpoint/2010/main" val="2925675394"/>
       </p:ext>
     </p:extLst>
   </p:cSld>
@@ -15246,7 +15749,7 @@
           <p:cNvPr id="2" name="Titre 1">
             <a:extLst>
               <a:ext uri="{FF2B5EF4-FFF2-40B4-BE49-F238E27FC236}">
-                <a16:creationId xmlns:a16="http://schemas.microsoft.com/office/drawing/2014/main" xmlns="" id="{D86D6389-F3E6-48CF-9E9D-4C7F5C6EA89D}"/>
+                <a16:creationId xmlns:a16="http://schemas.microsoft.com/office/drawing/2014/main" id="{D86D6389-F3E6-48CF-9E9D-4C7F5C6EA89D}"/>
               </a:ext>
             </a:extLst>
           </p:cNvPr>
@@ -15271,10 +15774,10 @@
       </p:sp>
       <p:sp>
         <p:nvSpPr>
-          <p:cNvPr id="3" name="Espace réservé du contenu 2">
+          <p:cNvPr id="4" name="Espace réservé du pied de page 3">
             <a:extLst>
               <a:ext uri="{FF2B5EF4-FFF2-40B4-BE49-F238E27FC236}">
-                <a16:creationId xmlns:a16="http://schemas.microsoft.com/office/drawing/2014/main" xmlns="" id="{0CC95282-0762-4966-8A40-67227F2FB48C}"/>
+                <a16:creationId xmlns:a16="http://schemas.microsoft.com/office/drawing/2014/main" id="{289F4804-7E42-4691-B48F-B597C91FEF6B}"/>
               </a:ext>
             </a:extLst>
           </p:cNvPr>
@@ -15282,69 +15785,6 @@
             <a:spLocks noGrp="1"/>
           </p:cNvSpPr>
           <p:nvPr>
-            <p:ph idx="1"/>
-          </p:nvPr>
-        </p:nvSpPr>
-        <p:spPr/>
-        <p:txBody>
-          <a:bodyPr>
-            <a:normAutofit/>
-          </a:bodyPr>
-          <a:lstStyle/>
-          <a:p>
-            <a:r>
-              <a:rPr lang="fr-FR" dirty="0" err="1"/>
-              <a:t>Spring</a:t>
-            </a:r>
-            <a:r>
-              <a:rPr lang="fr-FR" dirty="0"/>
-              <a:t> (Java)</a:t>
-            </a:r>
-          </a:p>
-          <a:p>
-            <a:r>
-              <a:rPr lang="fr-FR" dirty="0" err="1"/>
-              <a:t>Symfony</a:t>
-            </a:r>
-            <a:r>
-              <a:rPr lang="fr-FR" dirty="0"/>
-              <a:t> (PHP)</a:t>
-            </a:r>
-          </a:p>
-          <a:p>
-            <a:r>
-              <a:rPr lang="fr-FR" dirty="0"/>
-              <a:t>GO</a:t>
-            </a:r>
-          </a:p>
-          <a:p>
-            <a:r>
-              <a:rPr lang="fr-FR" dirty="0" err="1"/>
-              <a:t>Angular</a:t>
-            </a:r>
-            <a:endParaRPr lang="fr-FR" dirty="0"/>
-          </a:p>
-          <a:p>
-            <a:r>
-              <a:rPr lang="fr-FR" dirty="0"/>
-              <a:t>Python</a:t>
-            </a:r>
-          </a:p>
-        </p:txBody>
-      </p:sp>
-      <p:sp>
-        <p:nvSpPr>
-          <p:cNvPr id="4" name="Espace réservé du pied de page 3">
-            <a:extLst>
-              <a:ext uri="{FF2B5EF4-FFF2-40B4-BE49-F238E27FC236}">
-                <a16:creationId xmlns:a16="http://schemas.microsoft.com/office/drawing/2014/main" xmlns="" id="{289F4804-7E42-4691-B48F-B597C91FEF6B}"/>
-              </a:ext>
-            </a:extLst>
-          </p:cNvPr>
-          <p:cNvSpPr>
-            <a:spLocks noGrp="1"/>
-          </p:cNvSpPr>
-          <p:nvPr>
             <p:ph type="ftr" sz="quarter" idx="11"/>
           </p:nvPr>
         </p:nvSpPr>
@@ -15365,7 +15805,7 @@
           <p:cNvPr id="5" name="Espace réservé du numéro de diapositive 4">
             <a:extLst>
               <a:ext uri="{FF2B5EF4-FFF2-40B4-BE49-F238E27FC236}">
-                <a16:creationId xmlns:a16="http://schemas.microsoft.com/office/drawing/2014/main" xmlns="" id="{22767DD4-355B-4FE2-95C9-51949F88AD9F}"/>
+                <a16:creationId xmlns:a16="http://schemas.microsoft.com/office/drawing/2014/main" id="{22767DD4-355B-4FE2-95C9-51949F88AD9F}"/>
               </a:ext>
             </a:extLst>
           </p:cNvPr>
@@ -15390,10 +15830,243 @@
           </a:p>
         </p:txBody>
       </p:sp>
+      <p:pic>
+        <p:nvPicPr>
+          <p:cNvPr id="3074" name="Picture 2" descr="Résultat de recherche d'images pour &quot;spring java&quot;">
+            <a:extLst>
+              <a:ext uri="{FF2B5EF4-FFF2-40B4-BE49-F238E27FC236}">
+                <a16:creationId xmlns:a16="http://schemas.microsoft.com/office/drawing/2014/main" id="{60E3A993-5CC0-4FFB-A8AC-D7827E4F543B}"/>
+              </a:ext>
+            </a:extLst>
+          </p:cNvPr>
+          <p:cNvPicPr>
+            <a:picLocks noChangeAspect="1" noChangeArrowheads="1"/>
+          </p:cNvPicPr>
+          <p:nvPr/>
+        </p:nvPicPr>
+        <p:blipFill rotWithShape="1">
+          <a:blip r:embed="rId3">
+            <a:extLst>
+              <a:ext uri="{28A0092B-C50C-407E-A947-70E740481C1C}">
+                <a14:useLocalDpi xmlns:a14="http://schemas.microsoft.com/office/drawing/2010/main" val="0"/>
+              </a:ext>
+            </a:extLst>
+          </a:blip>
+          <a:srcRect b="17473"/>
+          <a:stretch/>
+        </p:blipFill>
+        <p:spPr bwMode="auto">
+          <a:xfrm>
+            <a:off x="3752838" y="2454682"/>
+            <a:ext cx="3341914" cy="896349"/>
+          </a:xfrm>
+          <a:prstGeom prst="rect">
+            <a:avLst/>
+          </a:prstGeom>
+          <a:noFill/>
+          <a:extLst>
+            <a:ext uri="{909E8E84-426E-40DD-AFC4-6F175D3DCCD1}">
+              <a14:hiddenFill xmlns:a14="http://schemas.microsoft.com/office/drawing/2010/main">
+                <a:solidFill>
+                  <a:srgbClr val="FFFFFF"/>
+                </a:solidFill>
+              </a14:hiddenFill>
+            </a:ext>
+          </a:extLst>
+        </p:spPr>
+      </p:pic>
+      <p:pic>
+        <p:nvPicPr>
+          <p:cNvPr id="3076" name="Picture 4" descr="Résultat de recherche d'images pour &quot;symfony php&quot;">
+            <a:extLst>
+              <a:ext uri="{FF2B5EF4-FFF2-40B4-BE49-F238E27FC236}">
+                <a16:creationId xmlns:a16="http://schemas.microsoft.com/office/drawing/2014/main" id="{CE9DF980-07F8-45FB-AB29-FFFB70C8965F}"/>
+              </a:ext>
+            </a:extLst>
+          </p:cNvPr>
+          <p:cNvPicPr>
+            <a:picLocks noChangeAspect="1" noChangeArrowheads="1"/>
+          </p:cNvPicPr>
+          <p:nvPr/>
+        </p:nvPicPr>
+        <p:blipFill>
+          <a:blip r:embed="rId4">
+            <a:extLst>
+              <a:ext uri="{28A0092B-C50C-407E-A947-70E740481C1C}">
+                <a14:useLocalDpi xmlns:a14="http://schemas.microsoft.com/office/drawing/2010/main" val="0"/>
+              </a:ext>
+            </a:extLst>
+          </a:blip>
+          <a:srcRect/>
+          <a:stretch>
+            <a:fillRect/>
+          </a:stretch>
+        </p:blipFill>
+        <p:spPr bwMode="auto">
+          <a:xfrm>
+            <a:off x="6536516" y="3351031"/>
+            <a:ext cx="3085511" cy="3085511"/>
+          </a:xfrm>
+          <a:prstGeom prst="rect">
+            <a:avLst/>
+          </a:prstGeom>
+          <a:noFill/>
+          <a:extLst>
+            <a:ext uri="{909E8E84-426E-40DD-AFC4-6F175D3DCCD1}">
+              <a14:hiddenFill xmlns:a14="http://schemas.microsoft.com/office/drawing/2010/main">
+                <a:solidFill>
+                  <a:srgbClr val="FFFFFF"/>
+                </a:solidFill>
+              </a14:hiddenFill>
+            </a:ext>
+          </a:extLst>
+        </p:spPr>
+      </p:pic>
+      <p:pic>
+        <p:nvPicPr>
+          <p:cNvPr id="3078" name="Picture 6" descr="Résultat de recherche d'images pour &quot;go language&quot;">
+            <a:extLst>
+              <a:ext uri="{FF2B5EF4-FFF2-40B4-BE49-F238E27FC236}">
+                <a16:creationId xmlns:a16="http://schemas.microsoft.com/office/drawing/2014/main" id="{5AA483FD-BC88-44BD-B1DD-0FB0CB27AF8A}"/>
+              </a:ext>
+            </a:extLst>
+          </p:cNvPr>
+          <p:cNvPicPr>
+            <a:picLocks noChangeAspect="1" noChangeArrowheads="1"/>
+          </p:cNvPicPr>
+          <p:nvPr/>
+        </p:nvPicPr>
+        <p:blipFill>
+          <a:blip r:embed="rId5">
+            <a:extLst>
+              <a:ext uri="{28A0092B-C50C-407E-A947-70E740481C1C}">
+                <a14:useLocalDpi xmlns:a14="http://schemas.microsoft.com/office/drawing/2010/main" val="0"/>
+              </a:ext>
+            </a:extLst>
+          </a:blip>
+          <a:srcRect/>
+          <a:stretch>
+            <a:fillRect/>
+          </a:stretch>
+        </p:blipFill>
+        <p:spPr bwMode="auto">
+          <a:xfrm>
+            <a:off x="680577" y="1654402"/>
+            <a:ext cx="2496911" cy="2496911"/>
+          </a:xfrm>
+          <a:prstGeom prst="rect">
+            <a:avLst/>
+          </a:prstGeom>
+          <a:noFill/>
+          <a:extLst>
+            <a:ext uri="{909E8E84-426E-40DD-AFC4-6F175D3DCCD1}">
+              <a14:hiddenFill xmlns:a14="http://schemas.microsoft.com/office/drawing/2010/main">
+                <a:solidFill>
+                  <a:srgbClr val="FFFFFF"/>
+                </a:solidFill>
+              </a14:hiddenFill>
+            </a:ext>
+          </a:extLst>
+        </p:spPr>
+      </p:pic>
+      <p:pic>
+        <p:nvPicPr>
+          <p:cNvPr id="3082" name="Picture 10" descr="Résultat de recherche d'images pour &quot;python&quot;">
+            <a:extLst>
+              <a:ext uri="{FF2B5EF4-FFF2-40B4-BE49-F238E27FC236}">
+                <a16:creationId xmlns:a16="http://schemas.microsoft.com/office/drawing/2014/main" id="{5E781F4A-1E0A-491B-B9E8-A6716C70E7AF}"/>
+              </a:ext>
+            </a:extLst>
+          </p:cNvPr>
+          <p:cNvPicPr>
+            <a:picLocks noChangeAspect="1" noChangeArrowheads="1"/>
+          </p:cNvPicPr>
+          <p:nvPr/>
+        </p:nvPicPr>
+        <p:blipFill>
+          <a:blip r:embed="rId6">
+            <a:extLst>
+              <a:ext uri="{28A0092B-C50C-407E-A947-70E740481C1C}">
+                <a14:useLocalDpi xmlns:a14="http://schemas.microsoft.com/office/drawing/2010/main" val="0"/>
+              </a:ext>
+            </a:extLst>
+          </a:blip>
+          <a:srcRect/>
+          <a:stretch>
+            <a:fillRect/>
+          </a:stretch>
+        </p:blipFill>
+        <p:spPr bwMode="auto">
+          <a:xfrm>
+            <a:off x="9323821" y="1484313"/>
+            <a:ext cx="1905000" cy="1905000"/>
+          </a:xfrm>
+          <a:prstGeom prst="rect">
+            <a:avLst/>
+          </a:prstGeom>
+          <a:noFill/>
+          <a:extLst>
+            <a:ext uri="{909E8E84-426E-40DD-AFC4-6F175D3DCCD1}">
+              <a14:hiddenFill xmlns:a14="http://schemas.microsoft.com/office/drawing/2010/main">
+                <a:solidFill>
+                  <a:srgbClr val="FFFFFF"/>
+                </a:solidFill>
+              </a14:hiddenFill>
+            </a:ext>
+          </a:extLst>
+        </p:spPr>
+      </p:pic>
+      <p:pic>
+        <p:nvPicPr>
+          <p:cNvPr id="3086" name="Picture 14" descr="Résultat de recherche d'images pour &quot;nodejs&quot;">
+            <a:extLst>
+              <a:ext uri="{FF2B5EF4-FFF2-40B4-BE49-F238E27FC236}">
+                <a16:creationId xmlns:a16="http://schemas.microsoft.com/office/drawing/2014/main" id="{F0A8306E-34F2-4175-B3D8-4713CF73CC75}"/>
+              </a:ext>
+            </a:extLst>
+          </p:cNvPr>
+          <p:cNvPicPr>
+            <a:picLocks noChangeAspect="1" noChangeArrowheads="1"/>
+          </p:cNvPicPr>
+          <p:nvPr/>
+        </p:nvPicPr>
+        <p:blipFill>
+          <a:blip r:embed="rId7">
+            <a:extLst>
+              <a:ext uri="{28A0092B-C50C-407E-A947-70E740481C1C}">
+                <a14:useLocalDpi xmlns:a14="http://schemas.microsoft.com/office/drawing/2010/main" val="0"/>
+              </a:ext>
+            </a:extLst>
+          </a:blip>
+          <a:srcRect/>
+          <a:stretch>
+            <a:fillRect/>
+          </a:stretch>
+        </p:blipFill>
+        <p:spPr bwMode="auto">
+          <a:xfrm>
+            <a:off x="1858877" y="4027193"/>
+            <a:ext cx="3428640" cy="2097087"/>
+          </a:xfrm>
+          <a:prstGeom prst="rect">
+            <a:avLst/>
+          </a:prstGeom>
+          <a:noFill/>
+          <a:extLst>
+            <a:ext uri="{909E8E84-426E-40DD-AFC4-6F175D3DCCD1}">
+              <a14:hiddenFill xmlns:a14="http://schemas.microsoft.com/office/drawing/2010/main">
+                <a:solidFill>
+                  <a:srgbClr val="FFFFFF"/>
+                </a:solidFill>
+              </a14:hiddenFill>
+            </a:ext>
+          </a:extLst>
+        </p:spPr>
+      </p:pic>
     </p:spTree>
     <p:extLst>
       <p:ext uri="{BB962C8B-B14F-4D97-AF65-F5344CB8AC3E}">
-        <p14:creationId xmlns:p14="http://schemas.microsoft.com/office/powerpoint/2010/main" xmlns="" val="1590084340"/>
+        <p14:creationId xmlns:p14="http://schemas.microsoft.com/office/powerpoint/2010/main" val="1590084340"/>
       </p:ext>
     </p:extLst>
   </p:cSld>
@@ -15425,7 +16098,7 @@
           <p:cNvPr id="2" name="Titre 1">
             <a:extLst>
               <a:ext uri="{FF2B5EF4-FFF2-40B4-BE49-F238E27FC236}">
-                <a16:creationId xmlns:a16="http://schemas.microsoft.com/office/drawing/2014/main" xmlns="" id="{D86D6389-F3E6-48CF-9E9D-4C7F5C6EA89D}"/>
+                <a16:creationId xmlns:a16="http://schemas.microsoft.com/office/drawing/2014/main" id="{D86D6389-F3E6-48CF-9E9D-4C7F5C6EA89D}"/>
               </a:ext>
             </a:extLst>
           </p:cNvPr>
@@ -15453,7 +16126,7 @@
           <p:cNvPr id="3" name="Espace réservé du contenu 2">
             <a:extLst>
               <a:ext uri="{FF2B5EF4-FFF2-40B4-BE49-F238E27FC236}">
-                <a16:creationId xmlns:a16="http://schemas.microsoft.com/office/drawing/2014/main" xmlns="" id="{0CC95282-0762-4966-8A40-67227F2FB48C}"/>
+                <a16:creationId xmlns:a16="http://schemas.microsoft.com/office/drawing/2014/main" id="{0CC95282-0762-4966-8A40-67227F2FB48C}"/>
               </a:ext>
             </a:extLst>
           </p:cNvPr>
@@ -15527,7 +16200,7 @@
           <p:cNvPr id="4" name="Espace réservé du pied de page 3">
             <a:extLst>
               <a:ext uri="{FF2B5EF4-FFF2-40B4-BE49-F238E27FC236}">
-                <a16:creationId xmlns:a16="http://schemas.microsoft.com/office/drawing/2014/main" xmlns="" id="{8D3AF887-9A36-4ED0-987D-ED92CA1990B0}"/>
+                <a16:creationId xmlns:a16="http://schemas.microsoft.com/office/drawing/2014/main" id="{8D3AF887-9A36-4ED0-987D-ED92CA1990B0}"/>
               </a:ext>
             </a:extLst>
           </p:cNvPr>
@@ -15555,7 +16228,7 @@
           <p:cNvPr id="5" name="Espace réservé du numéro de diapositive 4">
             <a:extLst>
               <a:ext uri="{FF2B5EF4-FFF2-40B4-BE49-F238E27FC236}">
-                <a16:creationId xmlns:a16="http://schemas.microsoft.com/office/drawing/2014/main" xmlns="" id="{25968FEC-C2F6-4ACB-A658-AEEC4C3C2228}"/>
+                <a16:creationId xmlns:a16="http://schemas.microsoft.com/office/drawing/2014/main" id="{25968FEC-C2F6-4ACB-A658-AEEC4C3C2228}"/>
               </a:ext>
             </a:extLst>
           </p:cNvPr>
@@ -15583,7 +16256,7 @@
     </p:spTree>
     <p:extLst>
       <p:ext uri="{BB962C8B-B14F-4D97-AF65-F5344CB8AC3E}">
-        <p14:creationId xmlns:p14="http://schemas.microsoft.com/office/powerpoint/2010/main" xmlns="" val="1329836512"/>
+        <p14:creationId xmlns:p14="http://schemas.microsoft.com/office/powerpoint/2010/main" val="1329836512"/>
       </p:ext>
     </p:extLst>
   </p:cSld>
@@ -15615,7 +16288,7 @@
           <p:cNvPr id="2" name="Titre 1">
             <a:extLst>
               <a:ext uri="{FF2B5EF4-FFF2-40B4-BE49-F238E27FC236}">
-                <a16:creationId xmlns:a16="http://schemas.microsoft.com/office/drawing/2014/main" xmlns="" id="{C0CC8AE9-1BF4-4387-ADA7-C852D42B7D76}"/>
+                <a16:creationId xmlns:a16="http://schemas.microsoft.com/office/drawing/2014/main" id="{C0CC8AE9-1BF4-4387-ADA7-C852D42B7D76}"/>
               </a:ext>
             </a:extLst>
           </p:cNvPr>
@@ -15650,7 +16323,7 @@
           <a:blip r:embed="rId3" cstate="print">
             <a:extLst>
               <a:ext uri="{28A0092B-C50C-407E-A947-70E740481C1C}">
-                <a14:useLocalDpi xmlns:a14="http://schemas.microsoft.com/office/drawing/2010/main" xmlns="" val="0"/>
+                <a14:useLocalDpi xmlns:a14="http://schemas.microsoft.com/office/drawing/2010/main" val="0"/>
               </a:ext>
             </a:extLst>
           </a:blip>
@@ -15660,8 +16333,8 @@
         </p:blipFill>
         <p:spPr>
           <a:xfrm>
-            <a:off x="1842057" y="2334595"/>
-            <a:ext cx="7182382" cy="3591192"/>
+            <a:off x="1842057" y="1774371"/>
+            <a:ext cx="8302830" cy="4151416"/>
           </a:xfrm>
           <a:prstGeom prst="rect">
             <a:avLst/>
@@ -15673,7 +16346,7 @@
           <p:cNvPr id="3" name="Espace réservé du pied de page 2">
             <a:extLst>
               <a:ext uri="{FF2B5EF4-FFF2-40B4-BE49-F238E27FC236}">
-                <a16:creationId xmlns:a16="http://schemas.microsoft.com/office/drawing/2014/main" xmlns="" id="{7D5441C1-46C0-4783-9F0E-B77CAD4C03C4}"/>
+                <a16:creationId xmlns:a16="http://schemas.microsoft.com/office/drawing/2014/main" id="{7D5441C1-46C0-4783-9F0E-B77CAD4C03C4}"/>
               </a:ext>
             </a:extLst>
           </p:cNvPr>
@@ -15701,7 +16374,7 @@
           <p:cNvPr id="4" name="Espace réservé du numéro de diapositive 3">
             <a:extLst>
               <a:ext uri="{FF2B5EF4-FFF2-40B4-BE49-F238E27FC236}">
-                <a16:creationId xmlns:a16="http://schemas.microsoft.com/office/drawing/2014/main" xmlns="" id="{C5EB9DE6-B98B-4EAD-87CE-73AC85478BBB}"/>
+                <a16:creationId xmlns:a16="http://schemas.microsoft.com/office/drawing/2014/main" id="{C5EB9DE6-B98B-4EAD-87CE-73AC85478BBB}"/>
               </a:ext>
             </a:extLst>
           </p:cNvPr>
@@ -15729,7 +16402,7 @@
     </p:spTree>
     <p:extLst>
       <p:ext uri="{BB962C8B-B14F-4D97-AF65-F5344CB8AC3E}">
-        <p14:creationId xmlns:p14="http://schemas.microsoft.com/office/powerpoint/2010/main" xmlns="" val="4113985906"/>
+        <p14:creationId xmlns:p14="http://schemas.microsoft.com/office/powerpoint/2010/main" val="4113985906"/>
       </p:ext>
     </p:extLst>
   </p:cSld>
@@ -15761,7 +16434,7 @@
           <p:cNvPr id="2" name="Titre 1">
             <a:extLst>
               <a:ext uri="{FF2B5EF4-FFF2-40B4-BE49-F238E27FC236}">
-                <a16:creationId xmlns:a16="http://schemas.microsoft.com/office/drawing/2014/main" xmlns="" id="{6F819513-349C-4881-89BD-301F56BF30B3}"/>
+                <a16:creationId xmlns:a16="http://schemas.microsoft.com/office/drawing/2014/main" id="{6F819513-349C-4881-89BD-301F56BF30B3}"/>
               </a:ext>
             </a:extLst>
           </p:cNvPr>
@@ -15789,7 +16462,7 @@
           <p:cNvPr id="3" name="Espace réservé du contenu 2">
             <a:extLst>
               <a:ext uri="{FF2B5EF4-FFF2-40B4-BE49-F238E27FC236}">
-                <a16:creationId xmlns:a16="http://schemas.microsoft.com/office/drawing/2014/main" xmlns="" id="{8FA18918-6B31-4E5C-90BD-84E11C4F0F99}"/>
+                <a16:creationId xmlns:a16="http://schemas.microsoft.com/office/drawing/2014/main" id="{8FA18918-6B31-4E5C-90BD-84E11C4F0F99}"/>
               </a:ext>
             </a:extLst>
           </p:cNvPr>
@@ -15821,7 +16494,7 @@
           <a:p>
             <a:r>
               <a:rPr lang="fr-FR" dirty="0"/>
-              <a:t>Mise en place de l’image Docker : Lilian et Julien</a:t>
+              <a:t>Mise en place de l’image Docker : Matthieu, Lilian, Julien et Jensen</a:t>
             </a:r>
           </a:p>
           <a:p>
@@ -15837,7 +16510,7 @@
           <p:cNvPr id="4" name="Espace réservé du pied de page 3">
             <a:extLst>
               <a:ext uri="{FF2B5EF4-FFF2-40B4-BE49-F238E27FC236}">
-                <a16:creationId xmlns:a16="http://schemas.microsoft.com/office/drawing/2014/main" xmlns="" id="{04FA8130-EF46-4F61-9E00-5E57A1CD70A9}"/>
+                <a16:creationId xmlns:a16="http://schemas.microsoft.com/office/drawing/2014/main" id="{04FA8130-EF46-4F61-9E00-5E57A1CD70A9}"/>
               </a:ext>
             </a:extLst>
           </p:cNvPr>
@@ -15865,7 +16538,7 @@
           <p:cNvPr id="5" name="Espace réservé du numéro de diapositive 4">
             <a:extLst>
               <a:ext uri="{FF2B5EF4-FFF2-40B4-BE49-F238E27FC236}">
-                <a16:creationId xmlns:a16="http://schemas.microsoft.com/office/drawing/2014/main" xmlns="" id="{332B6EAC-5DA2-4B4A-B235-9718E373AB1B}"/>
+                <a16:creationId xmlns:a16="http://schemas.microsoft.com/office/drawing/2014/main" id="{332B6EAC-5DA2-4B4A-B235-9718E373AB1B}"/>
               </a:ext>
             </a:extLst>
           </p:cNvPr>
@@ -15893,7 +16566,7 @@
     </p:spTree>
     <p:extLst>
       <p:ext uri="{BB962C8B-B14F-4D97-AF65-F5344CB8AC3E}">
-        <p14:creationId xmlns:p14="http://schemas.microsoft.com/office/powerpoint/2010/main" xmlns="" val="2836490286"/>
+        <p14:creationId xmlns:p14="http://schemas.microsoft.com/office/powerpoint/2010/main" val="2836490286"/>
       </p:ext>
     </p:extLst>
   </p:cSld>
@@ -15925,7 +16598,7 @@
           <p:cNvPr id="2" name="Titre 1">
             <a:extLst>
               <a:ext uri="{FF2B5EF4-FFF2-40B4-BE49-F238E27FC236}">
-                <a16:creationId xmlns:a16="http://schemas.microsoft.com/office/drawing/2014/main" xmlns="" id="{0845828D-6CC7-4486-8B9C-DD5D9F22D31D}"/>
+                <a16:creationId xmlns:a16="http://schemas.microsoft.com/office/drawing/2014/main" id="{0845828D-6CC7-4486-8B9C-DD5D9F22D31D}"/>
               </a:ext>
             </a:extLst>
           </p:cNvPr>
@@ -15945,6 +16618,13 @@
               <a:rPr lang="fr-FR" dirty="0"/>
               <a:t>CI/CD : Intégration continue</a:t>
             </a:r>
+            <a:br>
+              <a:rPr lang="fr-FR" dirty="0"/>
+            </a:br>
+            <a:r>
+              <a:rPr lang="fr-FR" dirty="0"/>
+              <a:t>Serveur de gestion des versions</a:t>
+            </a:r>
           </a:p>
         </p:txBody>
       </p:sp>
@@ -15953,7 +16633,7 @@
           <p:cNvPr id="3" name="Espace réservé du contenu 2">
             <a:extLst>
               <a:ext uri="{FF2B5EF4-FFF2-40B4-BE49-F238E27FC236}">
-                <a16:creationId xmlns:a16="http://schemas.microsoft.com/office/drawing/2014/main" xmlns="" id="{D2565F79-8447-4704-800E-75742A26C65D}"/>
+                <a16:creationId xmlns:a16="http://schemas.microsoft.com/office/drawing/2014/main" id="{D2565F79-8447-4704-800E-75742A26C65D}"/>
               </a:ext>
             </a:extLst>
           </p:cNvPr>
@@ -15978,18 +16658,11 @@
           <a:p>
             <a:r>
               <a:rPr lang="fr-FR" dirty="0"/>
-              <a:t>Serveur de gestion des versions logicielles (SCM)</a:t>
-            </a:r>
-          </a:p>
-          <a:p>
-            <a:pPr lvl="1"/>
-            <a:r>
-              <a:rPr lang="fr-FR" dirty="0"/>
               <a:t>SVN</a:t>
             </a:r>
           </a:p>
           <a:p>
-            <a:pPr marL="914400" lvl="2" indent="0">
+            <a:pPr marL="457200" lvl="1" indent="0">
               <a:buNone/>
             </a:pPr>
             <a:r>
@@ -15998,10 +16671,13 @@
             </a:r>
           </a:p>
           <a:p>
-            <a:pPr lvl="2">
-              <a:buFontTx/>
-              <a:buChar char="-"/>
+            <a:pPr marL="457200" lvl="1" indent="0">
+              <a:buNone/>
             </a:pPr>
+            <a:r>
+              <a:rPr lang="fr-FR" dirty="0"/>
+              <a:t>- </a:t>
+            </a:r>
             <a:r>
               <a:rPr lang="fr-FR" dirty="0" err="1"/>
               <a:t>Versionning</a:t>
@@ -16018,7 +16694,7 @@
           <p:cNvPr id="6" name="Espace réservé du contenu 5">
             <a:extLst>
               <a:ext uri="{FF2B5EF4-FFF2-40B4-BE49-F238E27FC236}">
-                <a16:creationId xmlns:a16="http://schemas.microsoft.com/office/drawing/2014/main" xmlns="" id="{E72588E6-DD5B-48C8-86FB-E66FFBA90F82}"/>
+                <a16:creationId xmlns:a16="http://schemas.microsoft.com/office/drawing/2014/main" id="{E72588E6-DD5B-48C8-86FB-E66FFBA90F82}"/>
               </a:ext>
             </a:extLst>
           </p:cNvPr>
@@ -16043,17 +16719,17 @@
           <a:p>
             <a:pPr lvl="1"/>
             <a:r>
-              <a:rPr lang="fr-FR" dirty="0" err="1"/>
+              <a:rPr lang="fr-FR" sz="2400" dirty="0" err="1"/>
               <a:t>Github</a:t>
             </a:r>
-            <a:endParaRPr lang="fr-FR" dirty="0"/>
+            <a:endParaRPr lang="fr-FR" sz="2400" dirty="0"/>
           </a:p>
           <a:p>
             <a:pPr marL="914400" lvl="2" indent="0">
               <a:buNone/>
             </a:pPr>
             <a:r>
-              <a:rPr lang="fr-FR" dirty="0"/>
+              <a:rPr lang="fr-FR" sz="2000" dirty="0"/>
               <a:t>+ Déjà utilisé</a:t>
             </a:r>
           </a:p>
@@ -16062,7 +16738,7 @@
               <a:buNone/>
             </a:pPr>
             <a:r>
-              <a:rPr lang="fr-FR" dirty="0"/>
+              <a:rPr lang="fr-FR" sz="2000" dirty="0"/>
               <a:t>+ Gratuit</a:t>
             </a:r>
           </a:p>
@@ -16071,7 +16747,7 @@
               <a:buNone/>
             </a:pPr>
             <a:r>
-              <a:rPr lang="fr-FR" dirty="0"/>
+              <a:rPr lang="fr-FR" sz="2000" dirty="0"/>
               <a:t>+ Gestion des branches</a:t>
             </a:r>
           </a:p>
@@ -16080,7 +16756,7 @@
               <a:buNone/>
             </a:pPr>
             <a:r>
-              <a:rPr lang="fr-FR" dirty="0"/>
+              <a:rPr lang="fr-FR" sz="2000" dirty="0"/>
               <a:t>+ Suivi des modifications</a:t>
             </a:r>
           </a:p>
@@ -16089,7 +16765,7 @@
               <a:buNone/>
             </a:pPr>
             <a:r>
-              <a:rPr lang="fr-FR" dirty="0"/>
+              <a:rPr lang="fr-FR" sz="2000" dirty="0"/>
               <a:t>+ Merge intelligent</a:t>
             </a:r>
           </a:p>
@@ -16103,7 +16779,7 @@
           <p:cNvPr id="7" name="Espace réservé du pied de page 6">
             <a:extLst>
               <a:ext uri="{FF2B5EF4-FFF2-40B4-BE49-F238E27FC236}">
-                <a16:creationId xmlns:a16="http://schemas.microsoft.com/office/drawing/2014/main" xmlns="" id="{A6C3343A-8C55-4D5B-83EE-2EDF0A9D7810}"/>
+                <a16:creationId xmlns:a16="http://schemas.microsoft.com/office/drawing/2014/main" id="{A6C3343A-8C55-4D5B-83EE-2EDF0A9D7810}"/>
               </a:ext>
             </a:extLst>
           </p:cNvPr>
@@ -16131,7 +16807,7 @@
           <p:cNvPr id="8" name="Espace réservé du numéro de diapositive 7">
             <a:extLst>
               <a:ext uri="{FF2B5EF4-FFF2-40B4-BE49-F238E27FC236}">
-                <a16:creationId xmlns:a16="http://schemas.microsoft.com/office/drawing/2014/main" xmlns="" id="{3B0DB9C9-02FF-40DA-9DB3-B0222BD9F6E9}"/>
+                <a16:creationId xmlns:a16="http://schemas.microsoft.com/office/drawing/2014/main" id="{3B0DB9C9-02FF-40DA-9DB3-B0222BD9F6E9}"/>
               </a:ext>
             </a:extLst>
           </p:cNvPr>
@@ -16159,7 +16835,7 @@
     </p:spTree>
     <p:extLst>
       <p:ext uri="{BB962C8B-B14F-4D97-AF65-F5344CB8AC3E}">
-        <p14:creationId xmlns:p14="http://schemas.microsoft.com/office/powerpoint/2010/main" xmlns="" val="919382233"/>
+        <p14:creationId xmlns:p14="http://schemas.microsoft.com/office/powerpoint/2010/main" val="919382233"/>
       </p:ext>
     </p:extLst>
   </p:cSld>
@@ -16414,7 +17090,7 @@
   <a:extraClrSchemeLst/>
   <a:extLst>
     <a:ext uri="{05A4C25C-085E-4340-85A3-A5531E510DB2}">
-      <thm15:themeFamily xmlns:thm15="http://schemas.microsoft.com/office/thememl/2012/main" xmlns="" name="Circuit" id="{0AC2F7E7-15F5-431C-B2A2-456FE929F56C}" vid="{0911B802-464C-4241-8DD9-B60FF88E379F}"/>
+      <thm15:themeFamily xmlns:thm15="http://schemas.microsoft.com/office/thememl/2012/main" name="Circuit" id="{0AC2F7E7-15F5-431C-B2A2-456FE929F56C}" vid="{0911B802-464C-4241-8DD9-B60FF88E379F}"/>
     </a:ext>
   </a:extLst>
 </a:theme>
@@ -16675,7 +17351,7 @@
   <a:extraClrSchemeLst/>
   <a:extLst>
     <a:ext uri="{05A4C25C-085E-4340-85A3-A5531E510DB2}">
-      <thm15:themeFamily xmlns:thm15="http://schemas.microsoft.com/office/thememl/2012/main" xmlns="" name="Office Theme" id="{62F939B6-93AF-4DB8-9C6B-D6C7DFDC589F}" vid="{4A3C46E8-61CC-4603-A589-7422A47A8E4A}"/>
+      <thm15:themeFamily xmlns:thm15="http://schemas.microsoft.com/office/thememl/2012/main" name="Office Theme" id="{62F939B6-93AF-4DB8-9C6B-D6C7DFDC589F}" vid="{4A3C46E8-61CC-4603-A589-7422A47A8E4A}"/>
     </a:ext>
   </a:extLst>
 </a:theme>

--- a/Presentation Cloud.pptx
+++ b/Presentation Cloud.pptx
@@ -237,7 +237,7 @@
             <a:fld id="{1679012D-8AD0-46EB-9C5F-83305F195B36}" type="datetimeFigureOut">
               <a:rPr lang="fr-FR" smtClean="0"/>
               <a:pPr/>
-              <a:t>27/11/2017</a:t>
+              <a:t>29/11/2017</a:t>
             </a:fld>
             <a:endParaRPr lang="fr-FR"/>
           </a:p>
@@ -1146,6 +1146,31 @@
               <a:t> scratch</a:t>
             </a:r>
           </a:p>
+          <a:p>
+            <a:endParaRPr lang="fr-FR" dirty="0"/>
+          </a:p>
+          <a:p>
+            <a:r>
+              <a:rPr lang="fr-FR" dirty="0" err="1"/>
+              <a:t>curl</a:t>
+            </a:r>
+            <a:r>
+              <a:rPr lang="fr-FR" dirty="0"/>
+              <a:t> -L https://goo.gl/z6biqs -o install.sh</a:t>
+            </a:r>
+          </a:p>
+          <a:p>
+            <a:r>
+              <a:rPr lang="fr-FR" dirty="0"/>
+              <a:t>chmod +x install.sh</a:t>
+            </a:r>
+          </a:p>
+          <a:p>
+            <a:r>
+              <a:rPr lang="fr-FR" dirty="0"/>
+              <a:t>./install.sh</a:t>
+            </a:r>
+          </a:p>
         </p:txBody>
       </p:sp>
       <p:sp>
@@ -1320,7 +1345,7 @@
           <a:noFill/>
           <a:extLst>
             <a:ext uri="{909E8E84-426E-40dd-AFC4-6F175D3DCCD1}">
-              <a14:hiddenFill xmlns="" xmlns:a14="http://schemas.microsoft.com/office/drawing/2010/main">
+              <a14:hiddenFill xmlns:a14="http://schemas.microsoft.com/office/drawing/2010/main" xmlns="">
                 <a:solidFill>
                   <a:srgbClr val="FFFFFF"/>
                 </a:solidFill>
@@ -1380,7 +1405,7 @@
             </a:ln>
             <a:extLst>
               <a:ext uri="{91240B29-F687-4f45-9708-019B960494DF}">
-                <a14:hiddenLine xmlns="" xmlns:a14="http://schemas.microsoft.com/office/drawing/2010/main" w="9525">
+                <a14:hiddenLine xmlns:a14="http://schemas.microsoft.com/office/drawing/2010/main" xmlns="" w="9525">
                   <a:solidFill>
                     <a:srgbClr val="000000"/>
                   </a:solidFill>
@@ -1470,7 +1495,7 @@
             </a:ln>
             <a:extLst>
               <a:ext uri="{91240B29-F687-4f45-9708-019B960494DF}">
-                <a14:hiddenLine xmlns="" xmlns:a14="http://schemas.microsoft.com/office/drawing/2010/main" w="9525">
+                <a14:hiddenLine xmlns:a14="http://schemas.microsoft.com/office/drawing/2010/main" xmlns="" w="9525">
                   <a:solidFill>
                     <a:srgbClr val="000000"/>
                   </a:solidFill>
@@ -1560,7 +1585,7 @@
             </a:ln>
             <a:extLst>
               <a:ext uri="{91240B29-F687-4f45-9708-019B960494DF}">
-                <a14:hiddenLine xmlns="" xmlns:a14="http://schemas.microsoft.com/office/drawing/2010/main" w="9525">
+                <a14:hiddenLine xmlns:a14="http://schemas.microsoft.com/office/drawing/2010/main" xmlns="" w="9525">
                   <a:solidFill>
                     <a:srgbClr val="000000"/>
                   </a:solidFill>
@@ -1594,7 +1619,7 @@
             </a:ln>
             <a:extLst>
               <a:ext uri="{91240B29-F687-4f45-9708-019B960494DF}">
-                <a14:hiddenLine xmlns="" xmlns:a14="http://schemas.microsoft.com/office/drawing/2010/main" w="9525">
+                <a14:hiddenLine xmlns:a14="http://schemas.microsoft.com/office/drawing/2010/main" xmlns="" w="9525">
                   <a:solidFill>
                     <a:srgbClr val="000000"/>
                   </a:solidFill>
@@ -1684,7 +1709,7 @@
             </a:ln>
             <a:extLst>
               <a:ext uri="{91240B29-F687-4f45-9708-019B960494DF}">
-                <a14:hiddenLine xmlns="" xmlns:a14="http://schemas.microsoft.com/office/drawing/2010/main" w="9525">
+                <a14:hiddenLine xmlns:a14="http://schemas.microsoft.com/office/drawing/2010/main" xmlns="" w="9525">
                   <a:solidFill>
                     <a:srgbClr val="000000"/>
                   </a:solidFill>
@@ -1746,7 +1771,7 @@
             </a:ln>
             <a:extLst>
               <a:ext uri="{91240B29-F687-4f45-9708-019B960494DF}">
-                <a14:hiddenLine xmlns="" xmlns:a14="http://schemas.microsoft.com/office/drawing/2010/main" w="9525">
+                <a14:hiddenLine xmlns:a14="http://schemas.microsoft.com/office/drawing/2010/main" xmlns="" w="9525">
                   <a:solidFill>
                     <a:srgbClr val="000000"/>
                   </a:solidFill>
@@ -1808,7 +1833,7 @@
             </a:ln>
             <a:extLst>
               <a:ext uri="{91240B29-F687-4f45-9708-019B960494DF}">
-                <a14:hiddenLine xmlns="" xmlns:a14="http://schemas.microsoft.com/office/drawing/2010/main" w="9525">
+                <a14:hiddenLine xmlns:a14="http://schemas.microsoft.com/office/drawing/2010/main" xmlns="" w="9525">
                   <a:solidFill>
                     <a:srgbClr val="000000"/>
                   </a:solidFill>
@@ -1898,7 +1923,7 @@
             </a:ln>
             <a:extLst>
               <a:ext uri="{91240B29-F687-4f45-9708-019B960494DF}">
-                <a14:hiddenLine xmlns="" xmlns:a14="http://schemas.microsoft.com/office/drawing/2010/main" w="9525">
+                <a14:hiddenLine xmlns:a14="http://schemas.microsoft.com/office/drawing/2010/main" xmlns="" w="9525">
                   <a:solidFill>
                     <a:srgbClr val="000000"/>
                   </a:solidFill>
@@ -1960,7 +1985,7 @@
             </a:ln>
             <a:extLst>
               <a:ext uri="{91240B29-F687-4f45-9708-019B960494DF}">
-                <a14:hiddenLine xmlns="" xmlns:a14="http://schemas.microsoft.com/office/drawing/2010/main" w="9525">
+                <a14:hiddenLine xmlns:a14="http://schemas.microsoft.com/office/drawing/2010/main" xmlns="" w="9525">
                   <a:solidFill>
                     <a:srgbClr val="000000"/>
                   </a:solidFill>
@@ -2022,7 +2047,7 @@
             </a:ln>
             <a:extLst>
               <a:ext uri="{91240B29-F687-4f45-9708-019B960494DF}">
-                <a14:hiddenLine xmlns="" xmlns:a14="http://schemas.microsoft.com/office/drawing/2010/main" w="9525">
+                <a14:hiddenLine xmlns:a14="http://schemas.microsoft.com/office/drawing/2010/main" xmlns="" w="9525">
                   <a:solidFill>
                     <a:srgbClr val="000000"/>
                   </a:solidFill>
@@ -2112,7 +2137,7 @@
             </a:ln>
             <a:extLst>
               <a:ext uri="{91240B29-F687-4f45-9708-019B960494DF}">
-                <a14:hiddenLine xmlns="" xmlns:a14="http://schemas.microsoft.com/office/drawing/2010/main" w="9525">
+                <a14:hiddenLine xmlns:a14="http://schemas.microsoft.com/office/drawing/2010/main" xmlns="" w="9525">
                   <a:solidFill>
                     <a:srgbClr val="000000"/>
                   </a:solidFill>
@@ -2202,7 +2227,7 @@
             </a:ln>
             <a:extLst>
               <a:ext uri="{91240B29-F687-4f45-9708-019B960494DF}">
-                <a14:hiddenLine xmlns="" xmlns:a14="http://schemas.microsoft.com/office/drawing/2010/main" w="9525">
+                <a14:hiddenLine xmlns:a14="http://schemas.microsoft.com/office/drawing/2010/main" xmlns="" w="9525">
                   <a:solidFill>
                     <a:srgbClr val="000000"/>
                   </a:solidFill>
@@ -2264,7 +2289,7 @@
             </a:ln>
             <a:extLst>
               <a:ext uri="{91240B29-F687-4f45-9708-019B960494DF}">
-                <a14:hiddenLine xmlns="" xmlns:a14="http://schemas.microsoft.com/office/drawing/2010/main" w="9525">
+                <a14:hiddenLine xmlns:a14="http://schemas.microsoft.com/office/drawing/2010/main" xmlns="" w="9525">
                   <a:solidFill>
                     <a:srgbClr val="000000"/>
                   </a:solidFill>
@@ -2374,7 +2399,7 @@
             </a:ln>
             <a:extLst>
               <a:ext uri="{91240B29-F687-4f45-9708-019B960494DF}">
-                <a14:hiddenLine xmlns="" xmlns:a14="http://schemas.microsoft.com/office/drawing/2010/main" w="9525">
+                <a14:hiddenLine xmlns:a14="http://schemas.microsoft.com/office/drawing/2010/main" xmlns="" w="9525">
                   <a:solidFill>
                     <a:srgbClr val="000000"/>
                   </a:solidFill>
@@ -2436,7 +2461,7 @@
             </a:ln>
             <a:extLst>
               <a:ext uri="{91240B29-F687-4f45-9708-019B960494DF}">
-                <a14:hiddenLine xmlns="" xmlns:a14="http://schemas.microsoft.com/office/drawing/2010/main" w="9525">
+                <a14:hiddenLine xmlns:a14="http://schemas.microsoft.com/office/drawing/2010/main" xmlns="" w="9525">
                   <a:solidFill>
                     <a:srgbClr val="000000"/>
                   </a:solidFill>
@@ -2526,7 +2551,7 @@
             </a:ln>
             <a:extLst>
               <a:ext uri="{91240B29-F687-4f45-9708-019B960494DF}">
-                <a14:hiddenLine xmlns="" xmlns:a14="http://schemas.microsoft.com/office/drawing/2010/main" w="9525">
+                <a14:hiddenLine xmlns:a14="http://schemas.microsoft.com/office/drawing/2010/main" xmlns="" w="9525">
                   <a:solidFill>
                     <a:srgbClr val="000000"/>
                   </a:solidFill>
@@ -2616,7 +2641,7 @@
             </a:ln>
             <a:extLst>
               <a:ext uri="{91240B29-F687-4f45-9708-019B960494DF}">
-                <a14:hiddenLine xmlns="" xmlns:a14="http://schemas.microsoft.com/office/drawing/2010/main" w="9525">
+                <a14:hiddenLine xmlns:a14="http://schemas.microsoft.com/office/drawing/2010/main" xmlns="" w="9525">
                   <a:solidFill>
                     <a:srgbClr val="000000"/>
                   </a:solidFill>
@@ -2678,7 +2703,7 @@
             </a:ln>
             <a:extLst>
               <a:ext uri="{91240B29-F687-4f45-9708-019B960494DF}">
-                <a14:hiddenLine xmlns="" xmlns:a14="http://schemas.microsoft.com/office/drawing/2010/main" w="9525">
+                <a14:hiddenLine xmlns:a14="http://schemas.microsoft.com/office/drawing/2010/main" xmlns="" w="9525">
                   <a:solidFill>
                     <a:srgbClr val="000000"/>
                   </a:solidFill>
@@ -2768,7 +2793,7 @@
             </a:ln>
             <a:extLst>
               <a:ext uri="{91240B29-F687-4f45-9708-019B960494DF}">
-                <a14:hiddenLine xmlns="" xmlns:a14="http://schemas.microsoft.com/office/drawing/2010/main" w="9525">
+                <a14:hiddenLine xmlns:a14="http://schemas.microsoft.com/office/drawing/2010/main" xmlns="" w="9525">
                   <a:solidFill>
                     <a:srgbClr val="000000"/>
                   </a:solidFill>
@@ -2858,7 +2883,7 @@
             </a:ln>
             <a:extLst>
               <a:ext uri="{91240B29-F687-4f45-9708-019B960494DF}">
-                <a14:hiddenLine xmlns="" xmlns:a14="http://schemas.microsoft.com/office/drawing/2010/main" w="9525">
+                <a14:hiddenLine xmlns:a14="http://schemas.microsoft.com/office/drawing/2010/main" xmlns="" w="9525">
                   <a:solidFill>
                     <a:srgbClr val="000000"/>
                   </a:solidFill>
@@ -2914,7 +2939,7 @@
             </a:ln>
             <a:extLst>
               <a:ext uri="{91240B29-F687-4f45-9708-019B960494DF}">
-                <a14:hiddenLine xmlns="" xmlns:a14="http://schemas.microsoft.com/office/drawing/2010/main" w="9525">
+                <a14:hiddenLine xmlns:a14="http://schemas.microsoft.com/office/drawing/2010/main" xmlns="" w="9525">
                   <a:solidFill>
                     <a:srgbClr val="000000"/>
                   </a:solidFill>
@@ -3004,7 +3029,7 @@
             </a:ln>
             <a:extLst>
               <a:ext uri="{91240B29-F687-4f45-9708-019B960494DF}">
-                <a14:hiddenLine xmlns="" xmlns:a14="http://schemas.microsoft.com/office/drawing/2010/main" w="9525">
+                <a14:hiddenLine xmlns:a14="http://schemas.microsoft.com/office/drawing/2010/main" xmlns="" w="9525">
                   <a:solidFill>
                     <a:srgbClr val="000000"/>
                   </a:solidFill>
@@ -3060,7 +3085,7 @@
             </a:ln>
             <a:extLst>
               <a:ext uri="{91240B29-F687-4f45-9708-019B960494DF}">
-                <a14:hiddenLine xmlns="" xmlns:a14="http://schemas.microsoft.com/office/drawing/2010/main" w="9525">
+                <a14:hiddenLine xmlns:a14="http://schemas.microsoft.com/office/drawing/2010/main" xmlns="" w="9525">
                   <a:solidFill>
                     <a:srgbClr val="000000"/>
                   </a:solidFill>
@@ -3150,7 +3175,7 @@
             </a:ln>
             <a:extLst>
               <a:ext uri="{91240B29-F687-4f45-9708-019B960494DF}">
-                <a14:hiddenLine xmlns="" xmlns:a14="http://schemas.microsoft.com/office/drawing/2010/main" w="9525">
+                <a14:hiddenLine xmlns:a14="http://schemas.microsoft.com/office/drawing/2010/main" xmlns="" w="9525">
                   <a:solidFill>
                     <a:srgbClr val="000000"/>
                   </a:solidFill>
@@ -3218,7 +3243,7 @@
             </a:ln>
             <a:extLst>
               <a:ext uri="{91240B29-F687-4f45-9708-019B960494DF}">
-                <a14:hiddenLine xmlns="" xmlns:a14="http://schemas.microsoft.com/office/drawing/2010/main" w="9525">
+                <a14:hiddenLine xmlns:a14="http://schemas.microsoft.com/office/drawing/2010/main" xmlns="" w="9525">
                   <a:solidFill>
                     <a:srgbClr val="000000"/>
                   </a:solidFill>
@@ -3308,7 +3333,7 @@
             </a:ln>
             <a:extLst>
               <a:ext uri="{91240B29-F687-4f45-9708-019B960494DF}">
-                <a14:hiddenLine xmlns="" xmlns:a14="http://schemas.microsoft.com/office/drawing/2010/main" w="9525">
+                <a14:hiddenLine xmlns:a14="http://schemas.microsoft.com/office/drawing/2010/main" xmlns="" w="9525">
                   <a:solidFill>
                     <a:srgbClr val="000000"/>
                   </a:solidFill>
@@ -3376,7 +3401,7 @@
             </a:ln>
             <a:extLst>
               <a:ext uri="{91240B29-F687-4f45-9708-019B960494DF}">
-                <a14:hiddenLine xmlns="" xmlns:a14="http://schemas.microsoft.com/office/drawing/2010/main" w="9525">
+                <a14:hiddenLine xmlns:a14="http://schemas.microsoft.com/office/drawing/2010/main" xmlns="" w="9525">
                   <a:solidFill>
                     <a:srgbClr val="000000"/>
                   </a:solidFill>
@@ -3466,7 +3491,7 @@
             </a:ln>
             <a:extLst>
               <a:ext uri="{91240B29-F687-4f45-9708-019B960494DF}">
-                <a14:hiddenLine xmlns="" xmlns:a14="http://schemas.microsoft.com/office/drawing/2010/main" w="9525">
+                <a14:hiddenLine xmlns:a14="http://schemas.microsoft.com/office/drawing/2010/main" xmlns="" w="9525">
                   <a:solidFill>
                     <a:srgbClr val="000000"/>
                   </a:solidFill>
@@ -3500,7 +3525,7 @@
             </a:ln>
             <a:extLst>
               <a:ext uri="{91240B29-F687-4f45-9708-019B960494DF}">
-                <a14:hiddenLine xmlns="" xmlns:a14="http://schemas.microsoft.com/office/drawing/2010/main" w="9525">
+                <a14:hiddenLine xmlns:a14="http://schemas.microsoft.com/office/drawing/2010/main" xmlns="" w="9525">
                   <a:solidFill>
                     <a:srgbClr val="000000"/>
                   </a:solidFill>
@@ -3590,7 +3615,7 @@
             </a:ln>
             <a:extLst>
               <a:ext uri="{91240B29-F687-4f45-9708-019B960494DF}">
-                <a14:hiddenLine xmlns="" xmlns:a14="http://schemas.microsoft.com/office/drawing/2010/main" w="9525">
+                <a14:hiddenLine xmlns:a14="http://schemas.microsoft.com/office/drawing/2010/main" xmlns="" w="9525">
                   <a:solidFill>
                     <a:srgbClr val="000000"/>
                   </a:solidFill>
@@ -3652,7 +3677,7 @@
             </a:ln>
             <a:extLst>
               <a:ext uri="{91240B29-F687-4f45-9708-019B960494DF}">
-                <a14:hiddenLine xmlns="" xmlns:a14="http://schemas.microsoft.com/office/drawing/2010/main" w="9525">
+                <a14:hiddenLine xmlns:a14="http://schemas.microsoft.com/office/drawing/2010/main" xmlns="" w="9525">
                   <a:solidFill>
                     <a:srgbClr val="000000"/>
                   </a:solidFill>
@@ -3714,7 +3739,7 @@
             </a:ln>
             <a:extLst>
               <a:ext uri="{91240B29-F687-4f45-9708-019B960494DF}">
-                <a14:hiddenLine xmlns="" xmlns:a14="http://schemas.microsoft.com/office/drawing/2010/main" w="9525">
+                <a14:hiddenLine xmlns:a14="http://schemas.microsoft.com/office/drawing/2010/main" xmlns="" w="9525">
                   <a:solidFill>
                     <a:srgbClr val="000000"/>
                   </a:solidFill>
@@ -3804,7 +3829,7 @@
             </a:ln>
             <a:extLst>
               <a:ext uri="{91240B29-F687-4f45-9708-019B960494DF}">
-                <a14:hiddenLine xmlns="" xmlns:a14="http://schemas.microsoft.com/office/drawing/2010/main" w="9525">
+                <a14:hiddenLine xmlns:a14="http://schemas.microsoft.com/office/drawing/2010/main" xmlns="" w="9525">
                   <a:solidFill>
                     <a:srgbClr val="000000"/>
                   </a:solidFill>
@@ -3872,7 +3897,7 @@
             </a:ln>
             <a:extLst>
               <a:ext uri="{91240B29-F687-4f45-9708-019B960494DF}">
-                <a14:hiddenLine xmlns="" xmlns:a14="http://schemas.microsoft.com/office/drawing/2010/main" w="9525">
+                <a14:hiddenLine xmlns:a14="http://schemas.microsoft.com/office/drawing/2010/main" xmlns="" w="9525">
                   <a:solidFill>
                     <a:srgbClr val="000000"/>
                   </a:solidFill>
@@ -3934,7 +3959,7 @@
             </a:ln>
             <a:extLst>
               <a:ext uri="{91240B29-F687-4f45-9708-019B960494DF}">
-                <a14:hiddenLine xmlns="" xmlns:a14="http://schemas.microsoft.com/office/drawing/2010/main" w="9525">
+                <a14:hiddenLine xmlns:a14="http://schemas.microsoft.com/office/drawing/2010/main" xmlns="" w="9525">
                   <a:solidFill>
                     <a:srgbClr val="000000"/>
                   </a:solidFill>
@@ -4024,7 +4049,7 @@
             </a:ln>
             <a:extLst>
               <a:ext uri="{91240B29-F687-4f45-9708-019B960494DF}">
-                <a14:hiddenLine xmlns="" xmlns:a14="http://schemas.microsoft.com/office/drawing/2010/main" w="9525">
+                <a14:hiddenLine xmlns:a14="http://schemas.microsoft.com/office/drawing/2010/main" xmlns="" w="9525">
                   <a:solidFill>
                     <a:srgbClr val="000000"/>
                   </a:solidFill>
@@ -4086,7 +4111,7 @@
             </a:ln>
             <a:extLst>
               <a:ext uri="{91240B29-F687-4f45-9708-019B960494DF}">
-                <a14:hiddenLine xmlns="" xmlns:a14="http://schemas.microsoft.com/office/drawing/2010/main" w="9525">
+                <a14:hiddenLine xmlns:a14="http://schemas.microsoft.com/office/drawing/2010/main" xmlns="" w="9525">
                   <a:solidFill>
                     <a:srgbClr val="000000"/>
                   </a:solidFill>
@@ -4176,7 +4201,7 @@
             </a:ln>
             <a:extLst>
               <a:ext uri="{91240B29-F687-4f45-9708-019B960494DF}">
-                <a14:hiddenLine xmlns="" xmlns:a14="http://schemas.microsoft.com/office/drawing/2010/main" w="9525">
+                <a14:hiddenLine xmlns:a14="http://schemas.microsoft.com/office/drawing/2010/main" xmlns="" w="9525">
                   <a:solidFill>
                     <a:srgbClr val="000000"/>
                   </a:solidFill>
@@ -4238,7 +4263,7 @@
             </a:ln>
             <a:extLst>
               <a:ext uri="{91240B29-F687-4f45-9708-019B960494DF}">
-                <a14:hiddenLine xmlns="" xmlns:a14="http://schemas.microsoft.com/office/drawing/2010/main" w="9525">
+                <a14:hiddenLine xmlns:a14="http://schemas.microsoft.com/office/drawing/2010/main" xmlns="" w="9525">
                   <a:solidFill>
                     <a:srgbClr val="000000"/>
                   </a:solidFill>
@@ -4328,7 +4353,7 @@
             </a:ln>
             <a:extLst>
               <a:ext uri="{91240B29-F687-4f45-9708-019B960494DF}">
-                <a14:hiddenLine xmlns="" xmlns:a14="http://schemas.microsoft.com/office/drawing/2010/main" w="9525">
+                <a14:hiddenLine xmlns:a14="http://schemas.microsoft.com/office/drawing/2010/main" xmlns="" w="9525">
                   <a:solidFill>
                     <a:srgbClr val="000000"/>
                   </a:solidFill>
@@ -4362,7 +4387,7 @@
             </a:ln>
             <a:extLst>
               <a:ext uri="{91240B29-F687-4f45-9708-019B960494DF}">
-                <a14:hiddenLine xmlns="" xmlns:a14="http://schemas.microsoft.com/office/drawing/2010/main" w="9525">
+                <a14:hiddenLine xmlns:a14="http://schemas.microsoft.com/office/drawing/2010/main" xmlns="" w="9525">
                   <a:solidFill>
                     <a:srgbClr val="000000"/>
                   </a:solidFill>
@@ -4427,7 +4452,7 @@
             </a:ln>
             <a:extLst>
               <a:ext uri="{91240B29-F687-4f45-9708-019B960494DF}">
-                <a14:hiddenLine xmlns="" xmlns:a14="http://schemas.microsoft.com/office/drawing/2010/main" w="9525">
+                <a14:hiddenLine xmlns:a14="http://schemas.microsoft.com/office/drawing/2010/main" xmlns="" w="9525">
                   <a:solidFill>
                     <a:srgbClr val="000000"/>
                   </a:solidFill>
@@ -4517,7 +4542,7 @@
             </a:ln>
             <a:extLst>
               <a:ext uri="{91240B29-F687-4f45-9708-019B960494DF}">
-                <a14:hiddenLine xmlns="" xmlns:a14="http://schemas.microsoft.com/office/drawing/2010/main" w="9525">
+                <a14:hiddenLine xmlns:a14="http://schemas.microsoft.com/office/drawing/2010/main" xmlns="" w="9525">
                   <a:solidFill>
                     <a:srgbClr val="000000"/>
                   </a:solidFill>
@@ -4579,7 +4604,7 @@
             </a:ln>
             <a:extLst>
               <a:ext uri="{91240B29-F687-4f45-9708-019B960494DF}">
-                <a14:hiddenLine xmlns="" xmlns:a14="http://schemas.microsoft.com/office/drawing/2010/main" w="9525">
+                <a14:hiddenLine xmlns:a14="http://schemas.microsoft.com/office/drawing/2010/main" xmlns="" w="9525">
                   <a:solidFill>
                     <a:srgbClr val="000000"/>
                   </a:solidFill>
@@ -4669,7 +4694,7 @@
             </a:ln>
             <a:extLst>
               <a:ext uri="{91240B29-F687-4f45-9708-019B960494DF}">
-                <a14:hiddenLine xmlns="" xmlns:a14="http://schemas.microsoft.com/office/drawing/2010/main" w="9525">
+                <a14:hiddenLine xmlns:a14="http://schemas.microsoft.com/office/drawing/2010/main" xmlns="" w="9525">
                   <a:solidFill>
                     <a:srgbClr val="000000"/>
                   </a:solidFill>
@@ -4759,7 +4784,7 @@
             </a:ln>
             <a:extLst>
               <a:ext uri="{91240B29-F687-4f45-9708-019B960494DF}">
-                <a14:hiddenLine xmlns="" xmlns:a14="http://schemas.microsoft.com/office/drawing/2010/main" w="9525">
+                <a14:hiddenLine xmlns:a14="http://schemas.microsoft.com/office/drawing/2010/main" xmlns="" w="9525">
                   <a:solidFill>
                     <a:srgbClr val="000000"/>
                   </a:solidFill>
@@ -4824,7 +4849,7 @@
             </a:ln>
             <a:extLst>
               <a:ext uri="{91240B29-F687-4f45-9708-019B960494DF}">
-                <a14:hiddenLine xmlns="" xmlns:a14="http://schemas.microsoft.com/office/drawing/2010/main" w="9525">
+                <a14:hiddenLine xmlns:a14="http://schemas.microsoft.com/office/drawing/2010/main" xmlns="" w="9525">
                   <a:solidFill>
                     <a:srgbClr val="000000"/>
                   </a:solidFill>
@@ -4886,7 +4911,7 @@
             </a:ln>
             <a:extLst>
               <a:ext uri="{91240B29-F687-4f45-9708-019B960494DF}">
-                <a14:hiddenLine xmlns="" xmlns:a14="http://schemas.microsoft.com/office/drawing/2010/main" w="9525">
+                <a14:hiddenLine xmlns:a14="http://schemas.microsoft.com/office/drawing/2010/main" xmlns="" w="9525">
                   <a:solidFill>
                     <a:srgbClr val="000000"/>
                   </a:solidFill>
@@ -4976,7 +5001,7 @@
             </a:ln>
             <a:extLst>
               <a:ext uri="{91240B29-F687-4f45-9708-019B960494DF}">
-                <a14:hiddenLine xmlns="" xmlns:a14="http://schemas.microsoft.com/office/drawing/2010/main" w="9525">
+                <a14:hiddenLine xmlns:a14="http://schemas.microsoft.com/office/drawing/2010/main" xmlns="" w="9525">
                   <a:solidFill>
                     <a:srgbClr val="000000"/>
                   </a:solidFill>
@@ -5066,7 +5091,7 @@
             </a:ln>
             <a:extLst>
               <a:ext uri="{91240B29-F687-4f45-9708-019B960494DF}">
-                <a14:hiddenLine xmlns="" xmlns:a14="http://schemas.microsoft.com/office/drawing/2010/main" w="9525">
+                <a14:hiddenLine xmlns:a14="http://schemas.microsoft.com/office/drawing/2010/main" xmlns="" w="9525">
                   <a:solidFill>
                     <a:srgbClr val="000000"/>
                   </a:solidFill>
@@ -5128,7 +5153,7 @@
             </a:ln>
             <a:extLst>
               <a:ext uri="{91240B29-F687-4f45-9708-019B960494DF}">
-                <a14:hiddenLine xmlns="" xmlns:a14="http://schemas.microsoft.com/office/drawing/2010/main" w="9525">
+                <a14:hiddenLine xmlns:a14="http://schemas.microsoft.com/office/drawing/2010/main" xmlns="" w="9525">
                   <a:solidFill>
                     <a:srgbClr val="000000"/>
                   </a:solidFill>
@@ -5248,7 +5273,7 @@
             </a:ln>
             <a:extLst>
               <a:ext uri="{91240B29-F687-4f45-9708-019B960494DF}">
-                <a14:hiddenLine xmlns="" xmlns:a14="http://schemas.microsoft.com/office/drawing/2010/main" w="9525">
+                <a14:hiddenLine xmlns:a14="http://schemas.microsoft.com/office/drawing/2010/main" xmlns="" w="9525">
                   <a:solidFill>
                     <a:srgbClr val="000000"/>
                   </a:solidFill>
@@ -5316,7 +5341,7 @@
             </a:ln>
             <a:extLst>
               <a:ext uri="{91240B29-F687-4f45-9708-019B960494DF}">
-                <a14:hiddenLine xmlns="" xmlns:a14="http://schemas.microsoft.com/office/drawing/2010/main" w="9525">
+                <a14:hiddenLine xmlns:a14="http://schemas.microsoft.com/office/drawing/2010/main" xmlns="" w="9525">
                   <a:solidFill>
                     <a:srgbClr val="000000"/>
                   </a:solidFill>
@@ -5406,7 +5431,7 @@
             </a:ln>
             <a:extLst>
               <a:ext uri="{91240B29-F687-4f45-9708-019B960494DF}">
-                <a14:hiddenLine xmlns="" xmlns:a14="http://schemas.microsoft.com/office/drawing/2010/main" w="9525">
+                <a14:hiddenLine xmlns:a14="http://schemas.microsoft.com/office/drawing/2010/main" xmlns="" w="9525">
                   <a:solidFill>
                     <a:srgbClr val="000000"/>
                   </a:solidFill>
@@ -5544,9 +5569,9 @@
           <a:bodyPr/>
           <a:lstStyle/>
           <a:p>
-            <a:fld id="{CA57E7C1-6396-4532-AC0E-F02E13CCC25A}" type="datetime1">
+            <a:fld id="{C8433933-4167-4F56-A728-024E02B767CC}" type="datetime1">
               <a:rPr lang="fr-FR" smtClean="0"/>
-              <a:t>27/11/2017</a:t>
+              <a:t>29/11/2017</a:t>
             </a:fld>
             <a:endParaRPr lang="fr-FR"/>
           </a:p>
@@ -5574,7 +5599,7 @@
           <a:p>
             <a:r>
               <a:rPr lang="fr-FR"/>
-              <a:t>28/11/2017</a:t>
+              <a:t>29/11/2017</a:t>
             </a:r>
           </a:p>
         </p:txBody>
@@ -5815,9 +5840,9 @@
           <a:bodyPr/>
           <a:lstStyle/>
           <a:p>
-            <a:fld id="{2357A013-400E-4ACE-B6BB-99E1F5A02859}" type="datetime1">
+            <a:fld id="{D6DC176F-612B-4AD3-ADDA-91E96B9B1138}" type="datetime1">
               <a:rPr lang="fr-FR" smtClean="0"/>
-              <a:t>27/11/2017</a:t>
+              <a:t>29/11/2017</a:t>
             </a:fld>
             <a:endParaRPr lang="fr-FR"/>
           </a:p>
@@ -5840,7 +5865,7 @@
           <a:p>
             <a:r>
               <a:rPr lang="fr-FR"/>
-              <a:t>28/11/2017</a:t>
+              <a:t>29/11/2017</a:t>
             </a:r>
           </a:p>
         </p:txBody>
@@ -6015,9 +6040,9 @@
           <a:bodyPr/>
           <a:lstStyle/>
           <a:p>
-            <a:fld id="{E8A35A02-CF88-4EA2-B792-AF37094E508D}" type="datetime1">
+            <a:fld id="{749AE96D-1722-4D68-993F-378FB1CCA3CB}" type="datetime1">
               <a:rPr lang="fr-FR" smtClean="0"/>
-              <a:t>27/11/2017</a:t>
+              <a:t>29/11/2017</a:t>
             </a:fld>
             <a:endParaRPr lang="fr-FR"/>
           </a:p>
@@ -6040,7 +6065,7 @@
           <a:p>
             <a:r>
               <a:rPr lang="fr-FR"/>
-              <a:t>28/11/2017</a:t>
+              <a:t>29/11/2017</a:t>
             </a:r>
           </a:p>
         </p:txBody>
@@ -6282,9 +6307,9 @@
           <a:bodyPr/>
           <a:lstStyle/>
           <a:p>
-            <a:fld id="{40C23FD6-E9D4-4F51-AC94-9880AABD1020}" type="datetime1">
+            <a:fld id="{318CBF99-AB13-47D2-80CE-8A257FA44087}" type="datetime1">
               <a:rPr lang="fr-FR" smtClean="0"/>
-              <a:t>27/11/2017</a:t>
+              <a:t>29/11/2017</a:t>
             </a:fld>
             <a:endParaRPr lang="fr-FR"/>
           </a:p>
@@ -6307,7 +6332,7 @@
           <a:p>
             <a:r>
               <a:rPr lang="fr-FR"/>
-              <a:t>28/11/2017</a:t>
+              <a:t>29/11/2017</a:t>
             </a:r>
           </a:p>
         </p:txBody>
@@ -6720,9 +6745,9 @@
           <a:bodyPr/>
           <a:lstStyle/>
           <a:p>
-            <a:fld id="{54E664E0-537A-43A7-BC2B-9940D2B03BFF}" type="datetime1">
+            <a:fld id="{34557653-6956-4F56-B2CB-655B860910A4}" type="datetime1">
               <a:rPr lang="fr-FR" smtClean="0"/>
-              <a:t>27/11/2017</a:t>
+              <a:t>29/11/2017</a:t>
             </a:fld>
             <a:endParaRPr lang="fr-FR"/>
           </a:p>
@@ -6745,7 +6770,7 @@
           <a:p>
             <a:r>
               <a:rPr lang="fr-FR"/>
-              <a:t>28/11/2017</a:t>
+              <a:t>29/11/2017</a:t>
             </a:r>
           </a:p>
         </p:txBody>
@@ -7270,9 +7295,9 @@
           <a:bodyPr/>
           <a:lstStyle/>
           <a:p>
-            <a:fld id="{13918ACD-6EDE-44C6-94A1-6DE7DB00817C}" type="datetime1">
+            <a:fld id="{AC11C943-75F5-402F-A5E5-BC542DF9D607}" type="datetime1">
               <a:rPr lang="fr-FR" smtClean="0"/>
-              <a:t>27/11/2017</a:t>
+              <a:t>29/11/2017</a:t>
             </a:fld>
             <a:endParaRPr lang="fr-FR"/>
           </a:p>
@@ -7295,7 +7320,7 @@
           <a:p>
             <a:r>
               <a:rPr lang="fr-FR"/>
-              <a:t>28/11/2017</a:t>
+              <a:t>29/11/2017</a:t>
             </a:r>
           </a:p>
         </p:txBody>
@@ -7994,9 +8019,9 @@
           <a:bodyPr/>
           <a:lstStyle/>
           <a:p>
-            <a:fld id="{EB177E7C-DE17-4FEB-BA59-A5C1879B2DB6}" type="datetime1">
+            <a:fld id="{5E1416C5-6951-471B-96D2-804284B55369}" type="datetime1">
               <a:rPr lang="fr-FR" smtClean="0"/>
-              <a:t>27/11/2017</a:t>
+              <a:t>29/11/2017</a:t>
             </a:fld>
             <a:endParaRPr lang="fr-FR"/>
           </a:p>
@@ -8019,7 +8044,7 @@
           <a:p>
             <a:r>
               <a:rPr lang="fr-FR"/>
-              <a:t>28/11/2017</a:t>
+              <a:t>29/11/2017</a:t>
             </a:r>
           </a:p>
         </p:txBody>
@@ -8168,9 +8193,9 @@
           <a:bodyPr/>
           <a:lstStyle/>
           <a:p>
-            <a:fld id="{84020765-88E2-4184-8982-B65D84EE210E}" type="datetime1">
+            <a:fld id="{133B3F7E-04B2-4F33-8530-E25B62F76034}" type="datetime1">
               <a:rPr lang="fr-FR" smtClean="0"/>
-              <a:t>27/11/2017</a:t>
+              <a:t>29/11/2017</a:t>
             </a:fld>
             <a:endParaRPr lang="fr-FR"/>
           </a:p>
@@ -8193,7 +8218,7 @@
           <a:p>
             <a:r>
               <a:rPr lang="fr-FR"/>
-              <a:t>28/11/2017</a:t>
+              <a:t>29/11/2017</a:t>
             </a:r>
           </a:p>
         </p:txBody>
@@ -8352,9 +8377,9 @@
           <a:bodyPr/>
           <a:lstStyle/>
           <a:p>
-            <a:fld id="{782BBC7E-45D9-46E5-8596-AF94DCFBD4C5}" type="datetime1">
+            <a:fld id="{5D138FB1-7C17-40CA-B901-FC20229F8A70}" type="datetime1">
               <a:rPr lang="fr-FR" smtClean="0"/>
-              <a:t>27/11/2017</a:t>
+              <a:t>29/11/2017</a:t>
             </a:fld>
             <a:endParaRPr lang="fr-FR"/>
           </a:p>
@@ -8377,7 +8402,7 @@
           <a:p>
             <a:r>
               <a:rPr lang="fr-FR"/>
-              <a:t>28/11/2017</a:t>
+              <a:t>29/11/2017</a:t>
             </a:r>
           </a:p>
         </p:txBody>
@@ -8526,9 +8551,9 @@
           <a:bodyPr/>
           <a:lstStyle/>
           <a:p>
-            <a:fld id="{A292EEAD-4257-4A8C-96CA-03CD8793EC9D}" type="datetime1">
+            <a:fld id="{2EDBA406-F308-42CD-8278-245105713157}" type="datetime1">
               <a:rPr lang="fr-FR" smtClean="0"/>
-              <a:t>27/11/2017</a:t>
+              <a:t>29/11/2017</a:t>
             </a:fld>
             <a:endParaRPr lang="fr-FR"/>
           </a:p>
@@ -8551,7 +8576,7 @@
           <a:p>
             <a:r>
               <a:rPr lang="fr-FR"/>
-              <a:t>28/11/2017</a:t>
+              <a:t>29/11/2017</a:t>
             </a:r>
           </a:p>
         </p:txBody>
@@ -8780,9 +8805,9 @@
           <a:bodyPr/>
           <a:lstStyle/>
           <a:p>
-            <a:fld id="{0DD7333E-5387-42A0-9344-DD0F56D25566}" type="datetime1">
+            <a:fld id="{2CC39C52-1F52-47C2-867D-5047FC5BEF44}" type="datetime1">
               <a:rPr lang="fr-FR" smtClean="0"/>
-              <a:t>27/11/2017</a:t>
+              <a:t>29/11/2017</a:t>
             </a:fld>
             <a:endParaRPr lang="fr-FR"/>
           </a:p>
@@ -8805,7 +8830,7 @@
           <a:p>
             <a:r>
               <a:rPr lang="fr-FR"/>
-              <a:t>28/11/2017</a:t>
+              <a:t>29/11/2017</a:t>
             </a:r>
           </a:p>
         </p:txBody>
@@ -9016,9 +9041,9 @@
           <a:bodyPr/>
           <a:lstStyle/>
           <a:p>
-            <a:fld id="{187B7460-0ABD-438F-83F9-A2B4B43FC264}" type="datetime1">
+            <a:fld id="{612757C4-170E-4664-A264-F40E44A28F22}" type="datetime1">
               <a:rPr lang="fr-FR" smtClean="0"/>
-              <a:t>27/11/2017</a:t>
+              <a:t>29/11/2017</a:t>
             </a:fld>
             <a:endParaRPr lang="fr-FR"/>
           </a:p>
@@ -9041,7 +9066,7 @@
           <a:p>
             <a:r>
               <a:rPr lang="fr-FR"/>
-              <a:t>28/11/2017</a:t>
+              <a:t>29/11/2017</a:t>
             </a:r>
           </a:p>
         </p:txBody>
@@ -9401,9 +9426,9 @@
           <a:bodyPr/>
           <a:lstStyle/>
           <a:p>
-            <a:fld id="{CBD4F4ED-2F4E-49AB-9F66-08BD17A6338F}" type="datetime1">
+            <a:fld id="{14E90719-2CFD-4420-8FB9-26671EF5DC54}" type="datetime1">
               <a:rPr lang="fr-FR" smtClean="0"/>
-              <a:t>27/11/2017</a:t>
+              <a:t>29/11/2017</a:t>
             </a:fld>
             <a:endParaRPr lang="fr-FR"/>
           </a:p>
@@ -9426,7 +9451,7 @@
           <a:p>
             <a:r>
               <a:rPr lang="fr-FR"/>
-              <a:t>28/11/2017</a:t>
+              <a:t>29/11/2017</a:t>
             </a:r>
           </a:p>
         </p:txBody>
@@ -9523,9 +9548,9 @@
           <a:bodyPr/>
           <a:lstStyle/>
           <a:p>
-            <a:fld id="{D918D368-8727-4FFA-BB18-42FD9CFE8513}" type="datetime1">
+            <a:fld id="{7C4D6626-5E5B-4EE3-94A4-0E1DBD1A1157}" type="datetime1">
               <a:rPr lang="fr-FR" smtClean="0"/>
-              <a:t>27/11/2017</a:t>
+              <a:t>29/11/2017</a:t>
             </a:fld>
             <a:endParaRPr lang="fr-FR"/>
           </a:p>
@@ -9548,7 +9573,7 @@
           <a:p>
             <a:r>
               <a:rPr lang="fr-FR"/>
-              <a:t>28/11/2017</a:t>
+              <a:t>29/11/2017</a:t>
             </a:r>
           </a:p>
         </p:txBody>
@@ -9622,9 +9647,9 @@
           <a:bodyPr/>
           <a:lstStyle/>
           <a:p>
-            <a:fld id="{682262C2-A3E8-4304-A12A-6E8ED8A12664}" type="datetime1">
+            <a:fld id="{24166550-294B-487A-8349-2E57015C2E30}" type="datetime1">
               <a:rPr lang="fr-FR" smtClean="0"/>
-              <a:t>27/11/2017</a:t>
+              <a:t>29/11/2017</a:t>
             </a:fld>
             <a:endParaRPr lang="fr-FR"/>
           </a:p>
@@ -9647,7 +9672,7 @@
           <a:p>
             <a:r>
               <a:rPr lang="fr-FR"/>
-              <a:t>28/11/2017</a:t>
+              <a:t>29/11/2017</a:t>
             </a:r>
           </a:p>
         </p:txBody>
@@ -9875,9 +9900,9 @@
           <a:bodyPr/>
           <a:lstStyle/>
           <a:p>
-            <a:fld id="{6F3B9E72-B3C3-4F82-A4A7-681A01DE8EF2}" type="datetime1">
+            <a:fld id="{84BE817F-8661-4160-B0D5-0370583F394A}" type="datetime1">
               <a:rPr lang="fr-FR" smtClean="0"/>
-              <a:t>27/11/2017</a:t>
+              <a:t>29/11/2017</a:t>
             </a:fld>
             <a:endParaRPr lang="fr-FR"/>
           </a:p>
@@ -9900,7 +9925,7 @@
           <a:p>
             <a:r>
               <a:rPr lang="fr-FR"/>
-              <a:t>28/11/2017</a:t>
+              <a:t>29/11/2017</a:t>
             </a:r>
           </a:p>
         </p:txBody>
@@ -10159,9 +10184,9 @@
           <a:bodyPr/>
           <a:lstStyle/>
           <a:p>
-            <a:fld id="{B50EEE51-EC29-4D1A-99E2-8BB954B7BD15}" type="datetime1">
+            <a:fld id="{5B020E2B-FBAB-44CB-A326-44A2F7EF54BC}" type="datetime1">
               <a:rPr lang="fr-FR" smtClean="0"/>
-              <a:t>27/11/2017</a:t>
+              <a:t>29/11/2017</a:t>
             </a:fld>
             <a:endParaRPr lang="fr-FR"/>
           </a:p>
@@ -10184,7 +10209,7 @@
           <a:p>
             <a:r>
               <a:rPr lang="fr-FR"/>
-              <a:t>28/11/2017</a:t>
+              <a:t>29/11/2017</a:t>
             </a:r>
           </a:p>
         </p:txBody>
@@ -10281,7 +10306,7 @@
           <a:noFill/>
           <a:extLst>
             <a:ext uri="{909E8E84-426E-40dd-AFC4-6F175D3DCCD1}">
-              <a14:hiddenFill xmlns="" xmlns:a14="http://schemas.microsoft.com/office/drawing/2010/main">
+              <a14:hiddenFill xmlns:a14="http://schemas.microsoft.com/office/drawing/2010/main" xmlns="">
                 <a:solidFill>
                   <a:srgbClr val="FFFFFF"/>
                 </a:solidFill>
@@ -10355,7 +10380,7 @@
               </a:ln>
               <a:extLst>
                 <a:ext uri="{91240B29-F687-4f45-9708-019B960494DF}">
-                  <a14:hiddenLine xmlns="" xmlns:a14="http://schemas.microsoft.com/office/drawing/2010/main" w="9525">
+                  <a14:hiddenLine xmlns:a14="http://schemas.microsoft.com/office/drawing/2010/main" xmlns="" w="9525">
                     <a:solidFill>
                       <a:srgbClr val="000000"/>
                     </a:solidFill>
@@ -10445,7 +10470,7 @@
               </a:ln>
               <a:extLst>
                 <a:ext uri="{91240B29-F687-4f45-9708-019B960494DF}">
-                  <a14:hiddenLine xmlns="" xmlns:a14="http://schemas.microsoft.com/office/drawing/2010/main" w="9525">
+                  <a14:hiddenLine xmlns:a14="http://schemas.microsoft.com/office/drawing/2010/main" xmlns="" w="9525">
                     <a:solidFill>
                       <a:srgbClr val="000000"/>
                     </a:solidFill>
@@ -10535,7 +10560,7 @@
               </a:ln>
               <a:extLst>
                 <a:ext uri="{91240B29-F687-4f45-9708-019B960494DF}">
-                  <a14:hiddenLine xmlns="" xmlns:a14="http://schemas.microsoft.com/office/drawing/2010/main" w="9525">
+                  <a14:hiddenLine xmlns:a14="http://schemas.microsoft.com/office/drawing/2010/main" xmlns="" w="9525">
                     <a:solidFill>
                       <a:srgbClr val="000000"/>
                     </a:solidFill>
@@ -10597,7 +10622,7 @@
               </a:ln>
               <a:extLst>
                 <a:ext uri="{91240B29-F687-4f45-9708-019B960494DF}">
-                  <a14:hiddenLine xmlns="" xmlns:a14="http://schemas.microsoft.com/office/drawing/2010/main" w="9525">
+                  <a14:hiddenLine xmlns:a14="http://schemas.microsoft.com/office/drawing/2010/main" xmlns="" w="9525">
                     <a:solidFill>
                       <a:srgbClr val="000000"/>
                     </a:solidFill>
@@ -10687,7 +10712,7 @@
               </a:ln>
               <a:extLst>
                 <a:ext uri="{91240B29-F687-4f45-9708-019B960494DF}">
-                  <a14:hiddenLine xmlns="" xmlns:a14="http://schemas.microsoft.com/office/drawing/2010/main" w="9525">
+                  <a14:hiddenLine xmlns:a14="http://schemas.microsoft.com/office/drawing/2010/main" xmlns="" w="9525">
                     <a:solidFill>
                       <a:srgbClr val="000000"/>
                     </a:solidFill>
@@ -10749,7 +10774,7 @@
               </a:ln>
               <a:extLst>
                 <a:ext uri="{91240B29-F687-4f45-9708-019B960494DF}">
-                  <a14:hiddenLine xmlns="" xmlns:a14="http://schemas.microsoft.com/office/drawing/2010/main" w="9525">
+                  <a14:hiddenLine xmlns:a14="http://schemas.microsoft.com/office/drawing/2010/main" xmlns="" w="9525">
                     <a:solidFill>
                       <a:srgbClr val="000000"/>
                     </a:solidFill>
@@ -10811,7 +10836,7 @@
               </a:ln>
               <a:extLst>
                 <a:ext uri="{91240B29-F687-4f45-9708-019B960494DF}">
-                  <a14:hiddenLine xmlns="" xmlns:a14="http://schemas.microsoft.com/office/drawing/2010/main" w="9525">
+                  <a14:hiddenLine xmlns:a14="http://schemas.microsoft.com/office/drawing/2010/main" xmlns="" w="9525">
                     <a:solidFill>
                       <a:srgbClr val="000000"/>
                     </a:solidFill>
@@ -10901,7 +10926,7 @@
               </a:ln>
               <a:extLst>
                 <a:ext uri="{91240B29-F687-4f45-9708-019B960494DF}">
-                  <a14:hiddenLine xmlns="" xmlns:a14="http://schemas.microsoft.com/office/drawing/2010/main" w="9525">
+                  <a14:hiddenLine xmlns:a14="http://schemas.microsoft.com/office/drawing/2010/main" xmlns="" w="9525">
                     <a:solidFill>
                       <a:srgbClr val="000000"/>
                     </a:solidFill>
@@ -10991,7 +11016,7 @@
               </a:ln>
               <a:extLst>
                 <a:ext uri="{91240B29-F687-4f45-9708-019B960494DF}">
-                  <a14:hiddenLine xmlns="" xmlns:a14="http://schemas.microsoft.com/office/drawing/2010/main" w="9525">
+                  <a14:hiddenLine xmlns:a14="http://schemas.microsoft.com/office/drawing/2010/main" xmlns="" w="9525">
                     <a:solidFill>
                       <a:srgbClr val="000000"/>
                     </a:solidFill>
@@ -11053,7 +11078,7 @@
               </a:ln>
               <a:extLst>
                 <a:ext uri="{91240B29-F687-4f45-9708-019B960494DF}">
-                  <a14:hiddenLine xmlns="" xmlns:a14="http://schemas.microsoft.com/office/drawing/2010/main" w="9525">
+                  <a14:hiddenLine xmlns:a14="http://schemas.microsoft.com/office/drawing/2010/main" xmlns="" w="9525">
                     <a:solidFill>
                       <a:srgbClr val="000000"/>
                     </a:solidFill>
@@ -11163,7 +11188,7 @@
               </a:ln>
               <a:extLst>
                 <a:ext uri="{91240B29-F687-4f45-9708-019B960494DF}">
-                  <a14:hiddenLine xmlns="" xmlns:a14="http://schemas.microsoft.com/office/drawing/2010/main" w="9525">
+                  <a14:hiddenLine xmlns:a14="http://schemas.microsoft.com/office/drawing/2010/main" xmlns="" w="9525">
                     <a:solidFill>
                       <a:srgbClr val="000000"/>
                     </a:solidFill>
@@ -11247,7 +11272,7 @@
               </a:ln>
               <a:extLst>
                 <a:ext uri="{91240B29-F687-4f45-9708-019B960494DF}">
-                  <a14:hiddenLine xmlns="" xmlns:a14="http://schemas.microsoft.com/office/drawing/2010/main" w="9525">
+                  <a14:hiddenLine xmlns:a14="http://schemas.microsoft.com/office/drawing/2010/main" xmlns="" w="9525">
                     <a:solidFill>
                       <a:srgbClr val="000000"/>
                     </a:solidFill>
@@ -11309,7 +11334,7 @@
               </a:ln>
               <a:extLst>
                 <a:ext uri="{91240B29-F687-4f45-9708-019B960494DF}">
-                  <a14:hiddenLine xmlns="" xmlns:a14="http://schemas.microsoft.com/office/drawing/2010/main" w="9525">
+                  <a14:hiddenLine xmlns:a14="http://schemas.microsoft.com/office/drawing/2010/main" xmlns="" w="9525">
                     <a:solidFill>
                       <a:srgbClr val="000000"/>
                     </a:solidFill>
@@ -11371,7 +11396,7 @@
               </a:ln>
               <a:extLst>
                 <a:ext uri="{91240B29-F687-4f45-9708-019B960494DF}">
-                  <a14:hiddenLine xmlns="" xmlns:a14="http://schemas.microsoft.com/office/drawing/2010/main" w="9525">
+                  <a14:hiddenLine xmlns:a14="http://schemas.microsoft.com/office/drawing/2010/main" xmlns="" w="9525">
                     <a:solidFill>
                       <a:srgbClr val="000000"/>
                     </a:solidFill>
@@ -11461,7 +11486,7 @@
               </a:ln>
               <a:extLst>
                 <a:ext uri="{91240B29-F687-4f45-9708-019B960494DF}">
-                  <a14:hiddenLine xmlns="" xmlns:a14="http://schemas.microsoft.com/office/drawing/2010/main" w="9525">
+                  <a14:hiddenLine xmlns:a14="http://schemas.microsoft.com/office/drawing/2010/main" xmlns="" w="9525">
                     <a:solidFill>
                       <a:srgbClr val="000000"/>
                     </a:solidFill>
@@ -11495,7 +11520,7 @@
               </a:ln>
               <a:extLst>
                 <a:ext uri="{91240B29-F687-4f45-9708-019B960494DF}">
-                  <a14:hiddenLine xmlns="" xmlns:a14="http://schemas.microsoft.com/office/drawing/2010/main" w="9525">
+                  <a14:hiddenLine xmlns:a14="http://schemas.microsoft.com/office/drawing/2010/main" xmlns="" w="9525">
                     <a:solidFill>
                       <a:srgbClr val="000000"/>
                     </a:solidFill>
@@ -11560,7 +11585,7 @@
               </a:ln>
               <a:extLst>
                 <a:ext uri="{91240B29-F687-4f45-9708-019B960494DF}">
-                  <a14:hiddenLine xmlns="" xmlns:a14="http://schemas.microsoft.com/office/drawing/2010/main" w="9525">
+                  <a14:hiddenLine xmlns:a14="http://schemas.microsoft.com/office/drawing/2010/main" xmlns="" w="9525">
                     <a:solidFill>
                       <a:srgbClr val="000000"/>
                     </a:solidFill>
@@ -11650,7 +11675,7 @@
               </a:ln>
               <a:extLst>
                 <a:ext uri="{91240B29-F687-4f45-9708-019B960494DF}">
-                  <a14:hiddenLine xmlns="" xmlns:a14="http://schemas.microsoft.com/office/drawing/2010/main" w="9525">
+                  <a14:hiddenLine xmlns:a14="http://schemas.microsoft.com/office/drawing/2010/main" xmlns="" w="9525">
                     <a:solidFill>
                       <a:srgbClr val="000000"/>
                     </a:solidFill>
@@ -11712,7 +11737,7 @@
               </a:ln>
               <a:extLst>
                 <a:ext uri="{91240B29-F687-4f45-9708-019B960494DF}">
-                  <a14:hiddenLine xmlns="" xmlns:a14="http://schemas.microsoft.com/office/drawing/2010/main" w="9525">
+                  <a14:hiddenLine xmlns:a14="http://schemas.microsoft.com/office/drawing/2010/main" xmlns="" w="9525">
                     <a:solidFill>
                       <a:srgbClr val="000000"/>
                     </a:solidFill>
@@ -11802,7 +11827,7 @@
               </a:ln>
               <a:extLst>
                 <a:ext uri="{91240B29-F687-4f45-9708-019B960494DF}">
-                  <a14:hiddenLine xmlns="" xmlns:a14="http://schemas.microsoft.com/office/drawing/2010/main" w="9525">
+                  <a14:hiddenLine xmlns:a14="http://schemas.microsoft.com/office/drawing/2010/main" xmlns="" w="9525">
                     <a:solidFill>
                       <a:srgbClr val="000000"/>
                     </a:solidFill>
@@ -11867,7 +11892,7 @@
               </a:ln>
               <a:extLst>
                 <a:ext uri="{91240B29-F687-4f45-9708-019B960494DF}">
-                  <a14:hiddenLine xmlns="" xmlns:a14="http://schemas.microsoft.com/office/drawing/2010/main" w="9525">
+                  <a14:hiddenLine xmlns:a14="http://schemas.microsoft.com/office/drawing/2010/main" xmlns="" w="9525">
                     <a:solidFill>
                       <a:srgbClr val="000000"/>
                     </a:solidFill>
@@ -11929,7 +11954,7 @@
               </a:ln>
               <a:extLst>
                 <a:ext uri="{91240B29-F687-4f45-9708-019B960494DF}">
-                  <a14:hiddenLine xmlns="" xmlns:a14="http://schemas.microsoft.com/office/drawing/2010/main" w="9525">
+                  <a14:hiddenLine xmlns:a14="http://schemas.microsoft.com/office/drawing/2010/main" xmlns="" w="9525">
                     <a:solidFill>
                       <a:srgbClr val="000000"/>
                     </a:solidFill>
@@ -12019,7 +12044,7 @@
               </a:ln>
               <a:extLst>
                 <a:ext uri="{91240B29-F687-4f45-9708-019B960494DF}">
-                  <a14:hiddenLine xmlns="" xmlns:a14="http://schemas.microsoft.com/office/drawing/2010/main" w="9525">
+                  <a14:hiddenLine xmlns:a14="http://schemas.microsoft.com/office/drawing/2010/main" xmlns="" w="9525">
                     <a:solidFill>
                       <a:srgbClr val="000000"/>
                     </a:solidFill>
@@ -12109,7 +12134,7 @@
               </a:ln>
               <a:extLst>
                 <a:ext uri="{91240B29-F687-4f45-9708-019B960494DF}">
-                  <a14:hiddenLine xmlns="" xmlns:a14="http://schemas.microsoft.com/office/drawing/2010/main" w="9525">
+                  <a14:hiddenLine xmlns:a14="http://schemas.microsoft.com/office/drawing/2010/main" xmlns="" w="9525">
                     <a:solidFill>
                       <a:srgbClr val="000000"/>
                     </a:solidFill>
@@ -12174,7 +12199,7 @@
               </a:ln>
               <a:extLst>
                 <a:ext uri="{91240B29-F687-4f45-9708-019B960494DF}">
-                  <a14:hiddenLine xmlns="" xmlns:a14="http://schemas.microsoft.com/office/drawing/2010/main" w="9525">
+                  <a14:hiddenLine xmlns:a14="http://schemas.microsoft.com/office/drawing/2010/main" xmlns="" w="9525">
                     <a:solidFill>
                       <a:srgbClr val="000000"/>
                     </a:solidFill>
@@ -12294,7 +12319,7 @@
               </a:ln>
               <a:extLst>
                 <a:ext uri="{91240B29-F687-4f45-9708-019B960494DF}">
-                  <a14:hiddenLine xmlns="" xmlns:a14="http://schemas.microsoft.com/office/drawing/2010/main" w="9525">
+                  <a14:hiddenLine xmlns:a14="http://schemas.microsoft.com/office/drawing/2010/main" xmlns="" w="9525">
                     <a:solidFill>
                       <a:srgbClr val="000000"/>
                     </a:solidFill>
@@ -12392,7 +12417,7 @@
               </a:ln>
               <a:extLst>
                 <a:ext uri="{91240B29-F687-4f45-9708-019B960494DF}">
-                  <a14:hiddenLine xmlns="" xmlns:a14="http://schemas.microsoft.com/office/drawing/2010/main" w="9525">
+                  <a14:hiddenLine xmlns:a14="http://schemas.microsoft.com/office/drawing/2010/main" xmlns="" w="9525">
                     <a:solidFill>
                       <a:srgbClr val="000000"/>
                     </a:solidFill>
@@ -12507,7 +12532,7 @@
               </a:ln>
               <a:extLst>
                 <a:ext uri="{91240B29-F687-4f45-9708-019B960494DF}">
-                  <a14:hiddenLine xmlns="" xmlns:a14="http://schemas.microsoft.com/office/drawing/2010/main" w="9525">
+                  <a14:hiddenLine xmlns:a14="http://schemas.microsoft.com/office/drawing/2010/main" xmlns="" w="9525">
                     <a:solidFill>
                       <a:srgbClr val="000000"/>
                     </a:solidFill>
@@ -12597,7 +12622,7 @@
               </a:ln>
               <a:extLst>
                 <a:ext uri="{91240B29-F687-4f45-9708-019B960494DF}">
-                  <a14:hiddenLine xmlns="" xmlns:a14="http://schemas.microsoft.com/office/drawing/2010/main" w="9525">
+                  <a14:hiddenLine xmlns:a14="http://schemas.microsoft.com/office/drawing/2010/main" xmlns="" w="9525">
                     <a:solidFill>
                       <a:srgbClr val="000000"/>
                     </a:solidFill>
@@ -12662,7 +12687,7 @@
               </a:ln>
               <a:extLst>
                 <a:ext uri="{91240B29-F687-4f45-9708-019B960494DF}">
-                  <a14:hiddenLine xmlns="" xmlns:a14="http://schemas.microsoft.com/office/drawing/2010/main" w="9525">
+                  <a14:hiddenLine xmlns:a14="http://schemas.microsoft.com/office/drawing/2010/main" xmlns="" w="9525">
                     <a:solidFill>
                       <a:srgbClr val="000000"/>
                     </a:solidFill>
@@ -12752,7 +12777,7 @@
               </a:ln>
               <a:extLst>
                 <a:ext uri="{91240B29-F687-4f45-9708-019B960494DF}">
-                  <a14:hiddenLine xmlns="" xmlns:a14="http://schemas.microsoft.com/office/drawing/2010/main" w="9525">
+                  <a14:hiddenLine xmlns:a14="http://schemas.microsoft.com/office/drawing/2010/main" xmlns="" w="9525">
                     <a:solidFill>
                       <a:srgbClr val="000000"/>
                     </a:solidFill>
@@ -12820,7 +12845,7 @@
               </a:ln>
               <a:extLst>
                 <a:ext uri="{91240B29-F687-4f45-9708-019B960494DF}">
-                  <a14:hiddenLine xmlns="" xmlns:a14="http://schemas.microsoft.com/office/drawing/2010/main" w="9525">
+                  <a14:hiddenLine xmlns:a14="http://schemas.microsoft.com/office/drawing/2010/main" xmlns="" w="9525">
                     <a:solidFill>
                       <a:srgbClr val="000000"/>
                     </a:solidFill>
@@ -12910,7 +12935,7 @@
               </a:ln>
               <a:extLst>
                 <a:ext uri="{91240B29-F687-4f45-9708-019B960494DF}">
-                  <a14:hiddenLine xmlns="" xmlns:a14="http://schemas.microsoft.com/office/drawing/2010/main" w="9525">
+                  <a14:hiddenLine xmlns:a14="http://schemas.microsoft.com/office/drawing/2010/main" xmlns="" w="9525">
                     <a:solidFill>
                       <a:srgbClr val="000000"/>
                     </a:solidFill>
@@ -12978,7 +13003,7 @@
               </a:ln>
               <a:extLst>
                 <a:ext uri="{91240B29-F687-4f45-9708-019B960494DF}">
-                  <a14:hiddenLine xmlns="" xmlns:a14="http://schemas.microsoft.com/office/drawing/2010/main" w="9525">
+                  <a14:hiddenLine xmlns:a14="http://schemas.microsoft.com/office/drawing/2010/main" xmlns="" w="9525">
                     <a:solidFill>
                       <a:srgbClr val="000000"/>
                     </a:solidFill>
@@ -13068,7 +13093,7 @@
               </a:ln>
               <a:extLst>
                 <a:ext uri="{91240B29-F687-4f45-9708-019B960494DF}">
-                  <a14:hiddenLine xmlns="" xmlns:a14="http://schemas.microsoft.com/office/drawing/2010/main" w="9525">
+                  <a14:hiddenLine xmlns:a14="http://schemas.microsoft.com/office/drawing/2010/main" xmlns="" w="9525">
                     <a:solidFill>
                       <a:srgbClr val="000000"/>
                     </a:solidFill>
@@ -13102,7 +13127,7 @@
               </a:ln>
               <a:extLst>
                 <a:ext uri="{91240B29-F687-4f45-9708-019B960494DF}">
-                  <a14:hiddenLine xmlns="" xmlns:a14="http://schemas.microsoft.com/office/drawing/2010/main" w="9525">
+                  <a14:hiddenLine xmlns:a14="http://schemas.microsoft.com/office/drawing/2010/main" xmlns="" w="9525">
                     <a:solidFill>
                       <a:srgbClr val="000000"/>
                     </a:solidFill>
@@ -13240,9 +13265,9 @@
             </a:lvl1pPr>
           </a:lstStyle>
           <a:p>
-            <a:fld id="{A4994526-395A-4D11-9966-289669AE34EB}" type="datetime1">
+            <a:fld id="{B586F236-74F2-4BDD-8360-680174341481}" type="datetime1">
               <a:rPr lang="fr-FR" smtClean="0"/>
-              <a:t>27/11/2017</a:t>
+              <a:t>29/11/2017</a:t>
             </a:fld>
             <a:endParaRPr lang="fr-FR"/>
           </a:p>
@@ -13283,7 +13308,7 @@
           <a:p>
             <a:r>
               <a:rPr lang="fr-FR"/>
-              <a:t>28/11/2017</a:t>
+              <a:t>29/11/2017</a:t>
             </a:r>
           </a:p>
         </p:txBody>
@@ -14198,7 +14223,14 @@
           <a:lstStyle/>
           <a:p>
             <a:r>
-              <a:rPr lang="fr-FR" dirty="0"/>
+              <a:rPr lang="fr-FR" dirty="0">
+                <a:solidFill>
+                  <a:schemeClr val="accent1">
+                    <a:lumMod val="60000"/>
+                    <a:lumOff val="40000"/>
+                  </a:schemeClr>
+                </a:solidFill>
+              </a:rPr>
               <a:t>Travis</a:t>
             </a:r>
           </a:p>
@@ -14207,23 +14239,58 @@
               <a:buNone/>
             </a:pPr>
             <a:r>
-              <a:rPr lang="fr-FR" dirty="0"/>
+              <a:rPr lang="fr-FR" dirty="0">
+                <a:solidFill>
+                  <a:schemeClr val="accent1">
+                    <a:lumMod val="60000"/>
+                    <a:lumOff val="40000"/>
+                  </a:schemeClr>
+                </a:solidFill>
+              </a:rPr>
               <a:t>+ avec </a:t>
             </a:r>
             <a:r>
-              <a:rPr lang="fr-FR" dirty="0" err="1"/>
+              <a:rPr lang="fr-FR" dirty="0" err="1">
+                <a:solidFill>
+                  <a:schemeClr val="accent1">
+                    <a:lumMod val="60000"/>
+                    <a:lumOff val="40000"/>
+                  </a:schemeClr>
+                </a:solidFill>
+              </a:rPr>
               <a:t>Github</a:t>
             </a:r>
             <a:r>
-              <a:rPr lang="fr-FR" dirty="0"/>
+              <a:rPr lang="fr-FR" dirty="0">
+                <a:solidFill>
+                  <a:schemeClr val="accent1">
+                    <a:lumMod val="60000"/>
+                    <a:lumOff val="40000"/>
+                  </a:schemeClr>
+                </a:solidFill>
+              </a:rPr>
               <a:t> (analyse tout les push </a:t>
             </a:r>
             <a:r>
-              <a:rPr lang="fr-FR" dirty="0" err="1"/>
+              <a:rPr lang="fr-FR" dirty="0" err="1">
+                <a:solidFill>
+                  <a:schemeClr val="accent1">
+                    <a:lumMod val="60000"/>
+                    <a:lumOff val="40000"/>
+                  </a:schemeClr>
+                </a:solidFill>
+              </a:rPr>
               <a:t>Github</a:t>
             </a:r>
             <a:r>
-              <a:rPr lang="fr-FR" dirty="0"/>
+              <a:rPr lang="fr-FR" dirty="0">
+                <a:solidFill>
+                  <a:schemeClr val="accent1">
+                    <a:lumMod val="60000"/>
+                    <a:lumOff val="40000"/>
+                  </a:schemeClr>
+                </a:solidFill>
+              </a:rPr>
               <a:t>)</a:t>
             </a:r>
           </a:p>
@@ -14232,15 +14299,36 @@
               <a:buNone/>
             </a:pPr>
             <a:r>
-              <a:rPr lang="fr-FR" dirty="0"/>
+              <a:rPr lang="fr-FR" dirty="0">
+                <a:solidFill>
+                  <a:schemeClr val="accent1">
+                    <a:lumMod val="60000"/>
+                    <a:lumOff val="40000"/>
+                  </a:schemeClr>
+                </a:solidFill>
+              </a:rPr>
               <a:t>+ simple d’utilisation (écriture d’un seul fichier </a:t>
             </a:r>
             <a:r>
-              <a:rPr lang="fr-FR" dirty="0" err="1"/>
+              <a:rPr lang="fr-FR" dirty="0" err="1">
+                <a:solidFill>
+                  <a:schemeClr val="accent1">
+                    <a:lumMod val="60000"/>
+                    <a:lumOff val="40000"/>
+                  </a:schemeClr>
+                </a:solidFill>
+              </a:rPr>
               <a:t>travis.yml</a:t>
             </a:r>
             <a:r>
-              <a:rPr lang="fr-FR" dirty="0"/>
+              <a:rPr lang="fr-FR" dirty="0">
+                <a:solidFill>
+                  <a:schemeClr val="accent1">
+                    <a:lumMod val="60000"/>
+                    <a:lumOff val="40000"/>
+                  </a:schemeClr>
+                </a:solidFill>
+              </a:rPr>
               <a:t>)</a:t>
             </a:r>
           </a:p>
@@ -14249,7 +14337,14 @@
               <a:buNone/>
             </a:pPr>
             <a:r>
-              <a:rPr lang="fr-FR" dirty="0"/>
+              <a:rPr lang="fr-FR" dirty="0">
+                <a:solidFill>
+                  <a:schemeClr val="accent1">
+                    <a:lumMod val="60000"/>
+                    <a:lumOff val="40000"/>
+                  </a:schemeClr>
+                </a:solidFill>
+              </a:rPr>
               <a:t>+supporte plus d’un douzaine de langage</a:t>
             </a:r>
           </a:p>
@@ -14258,7 +14353,14 @@
               <a:buNone/>
             </a:pPr>
             <a:r>
-              <a:rPr lang="fr-FR" dirty="0"/>
+              <a:rPr lang="fr-FR" dirty="0">
+                <a:solidFill>
+                  <a:schemeClr val="accent1">
+                    <a:lumMod val="60000"/>
+                    <a:lumOff val="40000"/>
+                  </a:schemeClr>
+                </a:solidFill>
+              </a:rPr>
               <a:t>+large communauté </a:t>
             </a:r>
           </a:p>
@@ -14297,17 +14399,38 @@
           <a:p>
             <a:pPr lvl="1"/>
             <a:r>
-              <a:rPr lang="fr-FR" sz="2400" dirty="0"/>
+              <a:rPr lang="fr-FR" sz="2400" dirty="0">
+                <a:solidFill>
+                  <a:schemeClr val="accent2">
+                    <a:lumMod val="40000"/>
+                    <a:lumOff val="60000"/>
+                  </a:schemeClr>
+                </a:solidFill>
+              </a:rPr>
               <a:t>Jenkins</a:t>
             </a:r>
-            <a:endParaRPr lang="fr-FR" dirty="0"/>
+            <a:endParaRPr lang="fr-FR" dirty="0">
+              <a:solidFill>
+                <a:schemeClr val="accent2">
+                  <a:lumMod val="40000"/>
+                  <a:lumOff val="60000"/>
+                </a:schemeClr>
+              </a:solidFill>
+            </a:endParaRPr>
           </a:p>
           <a:p>
             <a:pPr marL="457200" lvl="1" indent="0">
               <a:buNone/>
             </a:pPr>
             <a:r>
-              <a:rPr lang="fr-FR" dirty="0"/>
+              <a:rPr lang="fr-FR" dirty="0">
+                <a:solidFill>
+                  <a:schemeClr val="accent2">
+                    <a:lumMod val="40000"/>
+                    <a:lumOff val="60000"/>
+                  </a:schemeClr>
+                </a:solidFill>
+              </a:rPr>
               <a:t>	+ gratuit et open source</a:t>
             </a:r>
           </a:p>
@@ -14316,7 +14439,14 @@
               <a:buNone/>
             </a:pPr>
             <a:r>
-              <a:rPr lang="fr-FR" dirty="0"/>
+              <a:rPr lang="fr-FR" dirty="0">
+                <a:solidFill>
+                  <a:schemeClr val="accent2">
+                    <a:lumMod val="40000"/>
+                    <a:lumOff val="60000"/>
+                  </a:schemeClr>
+                </a:solidFill>
+              </a:rPr>
               <a:t>	+ beaucoup de plugin</a:t>
             </a:r>
           </a:p>
@@ -14325,7 +14455,14 @@
               <a:buNone/>
             </a:pPr>
             <a:r>
-              <a:rPr lang="fr-FR" dirty="0"/>
+              <a:rPr lang="fr-FR" dirty="0">
+                <a:solidFill>
+                  <a:schemeClr val="accent2">
+                    <a:lumMod val="40000"/>
+                    <a:lumOff val="60000"/>
+                  </a:schemeClr>
+                </a:solidFill>
+              </a:rPr>
               <a:t>	+ supporte de nombreux VCS (git, 	SVN, Mercurial)</a:t>
             </a:r>
           </a:p>
@@ -14334,7 +14471,14 @@
               <a:buNone/>
             </a:pPr>
             <a:r>
-              <a:rPr lang="fr-FR" dirty="0"/>
+              <a:rPr lang="fr-FR" dirty="0">
+                <a:solidFill>
+                  <a:schemeClr val="accent2">
+                    <a:lumMod val="40000"/>
+                    <a:lumOff val="60000"/>
+                  </a:schemeClr>
+                </a:solidFill>
+              </a:rPr>
               <a:t>	+ facile d’installation</a:t>
             </a:r>
           </a:p>
@@ -14372,7 +14516,7 @@
           <a:p>
             <a:r>
               <a:rPr lang="fr-FR"/>
-              <a:t>28/11/2017</a:t>
+              <a:t>29/11/2017</a:t>
             </a:r>
           </a:p>
         </p:txBody>
@@ -14563,7 +14707,7 @@
           <a:p>
             <a:r>
               <a:rPr lang="fr-FR"/>
-              <a:t>28/11/2017</a:t>
+              <a:t>29/11/2017</a:t>
             </a:r>
           </a:p>
         </p:txBody>
@@ -14725,7 +14869,7 @@
           <a:p>
             <a:r>
               <a:rPr lang="fr-FR"/>
-              <a:t>28/11/2017</a:t>
+              <a:t>29/11/2017</a:t>
             </a:r>
           </a:p>
         </p:txBody>
@@ -14880,7 +15024,7 @@
           <a:p>
             <a:r>
               <a:rPr lang="fr-FR"/>
-              <a:t>28/11/2017</a:t>
+              <a:t>29/11/2017</a:t>
             </a:r>
           </a:p>
         </p:txBody>
@@ -15085,7 +15229,7 @@
           <a:p>
             <a:r>
               <a:rPr lang="fr-FR"/>
-              <a:t>28/11/2017</a:t>
+              <a:t>29/11/2017</a:t>
             </a:r>
           </a:p>
         </p:txBody>
@@ -15376,7 +15520,7 @@
           <a:p>
             <a:r>
               <a:rPr lang="fr-FR"/>
-              <a:t>28/11/2017</a:t>
+              <a:t>29/11/2017</a:t>
             </a:r>
           </a:p>
         </p:txBody>
@@ -15493,41 +15637,97 @@
           <a:lstStyle/>
           <a:p>
             <a:r>
-              <a:rPr lang="fr-FR" dirty="0" err="1"/>
+              <a:rPr lang="fr-FR" dirty="0" err="1">
+                <a:solidFill>
+                  <a:schemeClr val="accent2">
+                    <a:lumMod val="40000"/>
+                    <a:lumOff val="60000"/>
+                  </a:schemeClr>
+                </a:solidFill>
+              </a:rPr>
               <a:t>MariaDB</a:t>
             </a:r>
-            <a:endParaRPr lang="fr-FR" dirty="0"/>
+            <a:endParaRPr lang="fr-FR" dirty="0">
+              <a:solidFill>
+                <a:schemeClr val="accent2">
+                  <a:lumMod val="40000"/>
+                  <a:lumOff val="60000"/>
+                </a:schemeClr>
+              </a:solidFill>
+            </a:endParaRPr>
           </a:p>
           <a:p>
             <a:pPr marL="457200" lvl="1" indent="0">
               <a:buNone/>
             </a:pPr>
             <a:r>
-              <a:rPr lang="fr-FR" dirty="0"/>
+              <a:rPr lang="fr-FR" dirty="0">
+                <a:solidFill>
+                  <a:schemeClr val="accent2">
+                    <a:lumMod val="40000"/>
+                    <a:lumOff val="60000"/>
+                  </a:schemeClr>
+                </a:solidFill>
+              </a:rPr>
               <a:t>- Manque de robustesse avec de forte volumétrie </a:t>
             </a:r>
           </a:p>
           <a:p>
             <a:r>
-              <a:rPr lang="fr-FR" dirty="0" err="1"/>
+              <a:rPr lang="fr-FR" dirty="0" err="1">
+                <a:solidFill>
+                  <a:schemeClr val="accent1">
+                    <a:lumMod val="60000"/>
+                    <a:lumOff val="40000"/>
+                  </a:schemeClr>
+                </a:solidFill>
+              </a:rPr>
               <a:t>MongoDB</a:t>
             </a:r>
-            <a:endParaRPr lang="fr-FR" dirty="0"/>
+            <a:endParaRPr lang="fr-FR" dirty="0">
+              <a:solidFill>
+                <a:schemeClr val="accent1">
+                  <a:lumMod val="60000"/>
+                  <a:lumOff val="40000"/>
+                </a:schemeClr>
+              </a:solidFill>
+            </a:endParaRPr>
           </a:p>
           <a:p>
             <a:pPr marL="457200" lvl="1" indent="0">
               <a:buNone/>
             </a:pPr>
             <a:r>
-              <a:rPr lang="fr-FR" dirty="0"/>
+              <a:rPr lang="fr-FR" dirty="0">
+                <a:solidFill>
+                  <a:schemeClr val="accent1">
+                    <a:lumMod val="60000"/>
+                    <a:lumOff val="40000"/>
+                  </a:schemeClr>
+                </a:solidFill>
+              </a:rPr>
               <a:t>+ Supporte le </a:t>
             </a:r>
             <a:r>
-              <a:rPr lang="fr-FR" dirty="0" err="1"/>
+              <a:rPr lang="fr-FR" dirty="0" err="1">
+                <a:solidFill>
+                  <a:schemeClr val="accent1">
+                    <a:lumMod val="60000"/>
+                    <a:lumOff val="40000"/>
+                  </a:schemeClr>
+                </a:solidFill>
+              </a:rPr>
               <a:t>GeoJson</a:t>
             </a:r>
             <a:r>
-              <a:rPr lang="fr-FR" dirty="0"/>
+              <a:rPr lang="fr-FR" dirty="0">
+                <a:solidFill>
+                  <a:schemeClr val="accent1">
+                    <a:lumMod val="60000"/>
+                    <a:lumOff val="40000"/>
+                  </a:schemeClr>
+                </a:solidFill>
+              </a:rPr>
               <a:t> </a:t>
             </a:r>
           </a:p>
@@ -15536,7 +15736,14 @@
               <a:buNone/>
             </a:pPr>
             <a:r>
-              <a:rPr lang="fr-FR" dirty="0"/>
+              <a:rPr lang="fr-FR" dirty="0">
+                <a:solidFill>
+                  <a:schemeClr val="accent1">
+                    <a:lumMod val="60000"/>
+                    <a:lumOff val="40000"/>
+                  </a:schemeClr>
+                </a:solidFill>
+              </a:rPr>
               <a:t>+ Non relationnel de base mais peu le devenir</a:t>
             </a:r>
           </a:p>
@@ -15545,7 +15752,14 @@
               <a:buNone/>
             </a:pPr>
             <a:r>
-              <a:rPr lang="fr-FR" dirty="0"/>
+              <a:rPr lang="fr-FR" dirty="0">
+                <a:solidFill>
+                  <a:schemeClr val="accent1">
+                    <a:lumMod val="60000"/>
+                    <a:lumOff val="40000"/>
+                  </a:schemeClr>
+                </a:solidFill>
+              </a:rPr>
               <a:t>+ Gratuit</a:t>
             </a:r>
           </a:p>
@@ -15554,7 +15768,14 @@
               <a:buNone/>
             </a:pPr>
             <a:r>
-              <a:rPr lang="fr-FR" dirty="0"/>
+              <a:rPr lang="fr-FR" dirty="0">
+                <a:solidFill>
+                  <a:schemeClr val="accent1">
+                    <a:lumMod val="60000"/>
+                    <a:lumOff val="40000"/>
+                  </a:schemeClr>
+                </a:solidFill>
+              </a:rPr>
               <a:t>+ Performant</a:t>
             </a:r>
           </a:p>
@@ -15589,24 +15810,52 @@
           <a:p>
             <a:pPr lvl="0"/>
             <a:r>
-              <a:rPr lang="fr-FR" dirty="0" err="1"/>
+              <a:rPr lang="fr-FR" dirty="0" err="1">
+                <a:solidFill>
+                  <a:schemeClr val="accent2">
+                    <a:lumMod val="40000"/>
+                    <a:lumOff val="60000"/>
+                  </a:schemeClr>
+                </a:solidFill>
+              </a:rPr>
               <a:t>MySql</a:t>
             </a:r>
-            <a:endParaRPr lang="fr-FR" dirty="0"/>
+            <a:endParaRPr lang="fr-FR" dirty="0">
+              <a:solidFill>
+                <a:schemeClr val="accent2">
+                  <a:lumMod val="40000"/>
+                  <a:lumOff val="60000"/>
+                </a:schemeClr>
+              </a:solidFill>
+            </a:endParaRPr>
           </a:p>
           <a:p>
             <a:pPr marL="457200" lvl="1" indent="0">
               <a:buNone/>
             </a:pPr>
             <a:r>
-              <a:rPr lang="fr-FR" dirty="0"/>
+              <a:rPr lang="fr-FR" dirty="0">
+                <a:solidFill>
+                  <a:schemeClr val="accent2">
+                    <a:lumMod val="40000"/>
+                    <a:lumOff val="60000"/>
+                  </a:schemeClr>
+                </a:solidFill>
+              </a:rPr>
               <a:t>- Manque de robustesse avec de forte volumétrie</a:t>
             </a:r>
           </a:p>
           <a:p>
             <a:pPr lvl="0"/>
             <a:r>
-              <a:rPr lang="fr-FR" dirty="0"/>
+              <a:rPr lang="fr-FR" dirty="0">
+                <a:solidFill>
+                  <a:schemeClr val="accent2">
+                    <a:lumMod val="40000"/>
+                    <a:lumOff val="60000"/>
+                  </a:schemeClr>
+                </a:solidFill>
+              </a:rPr>
               <a:t>PostgreSQL</a:t>
             </a:r>
           </a:p>
@@ -15615,15 +15864,36 @@
               <a:buNone/>
             </a:pPr>
             <a:r>
-              <a:rPr lang="fr-FR" dirty="0"/>
+              <a:rPr lang="fr-FR" dirty="0">
+                <a:solidFill>
+                  <a:schemeClr val="accent2">
+                    <a:lumMod val="40000"/>
+                    <a:lumOff val="60000"/>
+                  </a:schemeClr>
+                </a:solidFill>
+              </a:rPr>
               <a:t>+ Supporte le </a:t>
             </a:r>
             <a:r>
-              <a:rPr lang="fr-FR" dirty="0" err="1"/>
+              <a:rPr lang="fr-FR" dirty="0" err="1">
+                <a:solidFill>
+                  <a:schemeClr val="accent2">
+                    <a:lumMod val="40000"/>
+                    <a:lumOff val="60000"/>
+                  </a:schemeClr>
+                </a:solidFill>
+              </a:rPr>
               <a:t>GeoJson</a:t>
             </a:r>
             <a:r>
-              <a:rPr lang="fr-FR" dirty="0"/>
+              <a:rPr lang="fr-FR" dirty="0">
+                <a:solidFill>
+                  <a:schemeClr val="accent2">
+                    <a:lumMod val="40000"/>
+                    <a:lumOff val="60000"/>
+                  </a:schemeClr>
+                </a:solidFill>
+              </a:rPr>
               <a:t> </a:t>
             </a:r>
           </a:p>
@@ -15632,7 +15902,14 @@
               <a:buNone/>
             </a:pPr>
             <a:r>
-              <a:rPr lang="fr-FR" dirty="0"/>
+              <a:rPr lang="fr-FR" dirty="0">
+                <a:solidFill>
+                  <a:schemeClr val="accent2">
+                    <a:lumMod val="40000"/>
+                    <a:lumOff val="60000"/>
+                  </a:schemeClr>
+                </a:solidFill>
+              </a:rPr>
               <a:t>+ Non relationnel de base mais peu le devenir</a:t>
             </a:r>
           </a:p>
@@ -15641,7 +15918,14 @@
               <a:buNone/>
             </a:pPr>
             <a:r>
-              <a:rPr lang="fr-FR" dirty="0"/>
+              <a:rPr lang="fr-FR" dirty="0">
+                <a:solidFill>
+                  <a:schemeClr val="accent2">
+                    <a:lumMod val="40000"/>
+                    <a:lumOff val="60000"/>
+                  </a:schemeClr>
+                </a:solidFill>
+              </a:rPr>
               <a:t>+ Gratuit </a:t>
             </a:r>
           </a:p>
@@ -15650,7 +15934,14 @@
               <a:buNone/>
             </a:pPr>
             <a:r>
-              <a:rPr lang="fr-FR" dirty="0"/>
+              <a:rPr lang="fr-FR" dirty="0">
+                <a:solidFill>
+                  <a:schemeClr val="accent2">
+                    <a:lumMod val="40000"/>
+                    <a:lumOff val="60000"/>
+                  </a:schemeClr>
+                </a:solidFill>
+              </a:rPr>
               <a:t>+ Performant</a:t>
             </a:r>
           </a:p>
@@ -15679,7 +15970,7 @@
           <a:p>
             <a:r>
               <a:rPr lang="fr-FR"/>
-              <a:t>28/11/2017</a:t>
+              <a:t>29/11/2017</a:t>
             </a:r>
           </a:p>
         </p:txBody>
@@ -15795,7 +16086,7 @@
           <a:p>
             <a:r>
               <a:rPr lang="fr-FR"/>
-              <a:t>28/11/2017</a:t>
+              <a:t>29/11/2017</a:t>
             </a:r>
           </a:p>
         </p:txBody>
@@ -16218,7 +16509,7 @@
           <a:p>
             <a:r>
               <a:rPr lang="fr-FR"/>
-              <a:t>28/11/2017</a:t>
+              <a:t>29/11/2017</a:t>
             </a:r>
           </a:p>
         </p:txBody>
@@ -16364,7 +16655,7 @@
           <a:p>
             <a:r>
               <a:rPr lang="fr-FR"/>
-              <a:t>28/11/2017</a:t>
+              <a:t>29/11/2017</a:t>
             </a:r>
           </a:p>
         </p:txBody>
@@ -16488,7 +16779,7 @@
           <a:p>
             <a:r>
               <a:rPr lang="fr-FR" dirty="0"/>
-              <a:t>Tests : Jensen et Matthieu</a:t>
+              <a:t>Tests : Matthieu</a:t>
             </a:r>
           </a:p>
           <a:p>
@@ -16501,6 +16792,12 @@
             <a:r>
               <a:rPr lang="fr-FR" dirty="0"/>
               <a:t>Recherche de documentation pour choix techniques : Lilian et Julien </a:t>
+            </a:r>
+          </a:p>
+          <a:p>
+            <a:r>
+              <a:rPr lang="fr-FR" dirty="0"/>
+              <a:t>Préparation du support de présentation: Lilian et Julien</a:t>
             </a:r>
           </a:p>
         </p:txBody>
@@ -16528,7 +16825,7 @@
           <a:p>
             <a:r>
               <a:rPr lang="fr-FR"/>
-              <a:t>28/11/2017</a:t>
+              <a:t>29/11/2017</a:t>
             </a:r>
           </a:p>
         </p:txBody>
@@ -16657,7 +16954,14 @@
           <a:lstStyle/>
           <a:p>
             <a:r>
-              <a:rPr lang="fr-FR" dirty="0"/>
+              <a:rPr lang="fr-FR" dirty="0">
+                <a:solidFill>
+                  <a:schemeClr val="accent2">
+                    <a:lumMod val="40000"/>
+                    <a:lumOff val="60000"/>
+                  </a:schemeClr>
+                </a:solidFill>
+              </a:rPr>
               <a:t>SVN</a:t>
             </a:r>
           </a:p>
@@ -16666,7 +16970,14 @@
               <a:buNone/>
             </a:pPr>
             <a:r>
-              <a:rPr lang="fr-FR" dirty="0"/>
+              <a:rPr lang="fr-FR" dirty="0">
+                <a:solidFill>
+                  <a:schemeClr val="accent2">
+                    <a:lumMod val="40000"/>
+                    <a:lumOff val="60000"/>
+                  </a:schemeClr>
+                </a:solidFill>
+              </a:rPr>
               <a:t>+ Gratuit</a:t>
             </a:r>
           </a:p>
@@ -16675,15 +16986,36 @@
               <a:buNone/>
             </a:pPr>
             <a:r>
-              <a:rPr lang="fr-FR" dirty="0"/>
+              <a:rPr lang="fr-FR" dirty="0">
+                <a:solidFill>
+                  <a:schemeClr val="accent2">
+                    <a:lumMod val="40000"/>
+                    <a:lumOff val="60000"/>
+                  </a:schemeClr>
+                </a:solidFill>
+              </a:rPr>
               <a:t>- </a:t>
             </a:r>
             <a:r>
-              <a:rPr lang="fr-FR" dirty="0" err="1"/>
+              <a:rPr lang="fr-FR" dirty="0" err="1">
+                <a:solidFill>
+                  <a:schemeClr val="accent2">
+                    <a:lumMod val="40000"/>
+                    <a:lumOff val="60000"/>
+                  </a:schemeClr>
+                </a:solidFill>
+              </a:rPr>
               <a:t>Versionning</a:t>
             </a:r>
             <a:r>
-              <a:rPr lang="fr-FR" dirty="0"/>
+              <a:rPr lang="fr-FR" dirty="0">
+                <a:solidFill>
+                  <a:schemeClr val="accent2">
+                    <a:lumMod val="40000"/>
+                    <a:lumOff val="60000"/>
+                  </a:schemeClr>
+                </a:solidFill>
+              </a:rPr>
               <a:t> décentralisé</a:t>
             </a:r>
           </a:p>
@@ -16719,17 +17051,38 @@
           <a:p>
             <a:pPr lvl="1"/>
             <a:r>
-              <a:rPr lang="fr-FR" sz="2400" dirty="0" err="1"/>
+              <a:rPr lang="fr-FR" sz="2400" dirty="0" err="1">
+                <a:solidFill>
+                  <a:schemeClr val="accent1">
+                    <a:lumMod val="60000"/>
+                    <a:lumOff val="40000"/>
+                  </a:schemeClr>
+                </a:solidFill>
+              </a:rPr>
               <a:t>Github</a:t>
             </a:r>
-            <a:endParaRPr lang="fr-FR" sz="2400" dirty="0"/>
+            <a:endParaRPr lang="fr-FR" sz="2400" dirty="0">
+              <a:solidFill>
+                <a:schemeClr val="accent1">
+                  <a:lumMod val="60000"/>
+                  <a:lumOff val="40000"/>
+                </a:schemeClr>
+              </a:solidFill>
+            </a:endParaRPr>
           </a:p>
           <a:p>
             <a:pPr marL="914400" lvl="2" indent="0">
               <a:buNone/>
             </a:pPr>
             <a:r>
-              <a:rPr lang="fr-FR" sz="2000" dirty="0"/>
+              <a:rPr lang="fr-FR" sz="2000" dirty="0">
+                <a:solidFill>
+                  <a:schemeClr val="accent1">
+                    <a:lumMod val="60000"/>
+                    <a:lumOff val="40000"/>
+                  </a:schemeClr>
+                </a:solidFill>
+              </a:rPr>
               <a:t>+ Déjà utilisé</a:t>
             </a:r>
           </a:p>
@@ -16738,7 +17091,14 @@
               <a:buNone/>
             </a:pPr>
             <a:r>
-              <a:rPr lang="fr-FR" sz="2000" dirty="0"/>
+              <a:rPr lang="fr-FR" sz="2000" dirty="0">
+                <a:solidFill>
+                  <a:schemeClr val="accent1">
+                    <a:lumMod val="60000"/>
+                    <a:lumOff val="40000"/>
+                  </a:schemeClr>
+                </a:solidFill>
+              </a:rPr>
               <a:t>+ Gratuit</a:t>
             </a:r>
           </a:p>
@@ -16747,7 +17107,14 @@
               <a:buNone/>
             </a:pPr>
             <a:r>
-              <a:rPr lang="fr-FR" sz="2000" dirty="0"/>
+              <a:rPr lang="fr-FR" sz="2000" dirty="0">
+                <a:solidFill>
+                  <a:schemeClr val="accent1">
+                    <a:lumMod val="60000"/>
+                    <a:lumOff val="40000"/>
+                  </a:schemeClr>
+                </a:solidFill>
+              </a:rPr>
               <a:t>+ Gestion des branches</a:t>
             </a:r>
           </a:p>
@@ -16756,7 +17123,14 @@
               <a:buNone/>
             </a:pPr>
             <a:r>
-              <a:rPr lang="fr-FR" sz="2000" dirty="0"/>
+              <a:rPr lang="fr-FR" sz="2000" dirty="0">
+                <a:solidFill>
+                  <a:schemeClr val="accent1">
+                    <a:lumMod val="60000"/>
+                    <a:lumOff val="40000"/>
+                  </a:schemeClr>
+                </a:solidFill>
+              </a:rPr>
               <a:t>+ Suivi des modifications</a:t>
             </a:r>
           </a:p>
@@ -16765,7 +17139,14 @@
               <a:buNone/>
             </a:pPr>
             <a:r>
-              <a:rPr lang="fr-FR" sz="2000" dirty="0"/>
+              <a:rPr lang="fr-FR" sz="2000" dirty="0">
+                <a:solidFill>
+                  <a:schemeClr val="accent1">
+                    <a:lumMod val="60000"/>
+                    <a:lumOff val="40000"/>
+                  </a:schemeClr>
+                </a:solidFill>
+              </a:rPr>
               <a:t>+ Merge intelligent</a:t>
             </a:r>
           </a:p>
@@ -16797,7 +17178,7 @@
           <a:p>
             <a:r>
               <a:rPr lang="fr-FR"/>
-              <a:t>28/11/2017</a:t>
+              <a:t>29/11/2017</a:t>
             </a:r>
           </a:p>
         </p:txBody>

--- a/Presentation Cloud.pptx
+++ b/Presentation Cloud.pptx
@@ -1,18 +1,26 @@
 
 <file path=ppt/presentation.xml><?xml version="1.0" encoding="utf-8"?>
-<p:presentation xmlns:a="http://schemas.openxmlformats.org/drawingml/2006/main" xmlns:r="http://schemas.openxmlformats.org/officeDocument/2006/relationships" xmlns:p="http://schemas.openxmlformats.org/presentationml/2006/main" saveSubsetFonts="1">
+<p:presentation xmlns:a="http://schemas.openxmlformats.org/drawingml/2006/main" xmlns:r="http://schemas.openxmlformats.org/officeDocument/2006/relationships" xmlns:p="http://schemas.openxmlformats.org/presentationml/2006/main" showSpecialPlsOnTitleSld="0" saveSubsetFonts="1">
   <p:sldMasterIdLst>
     <p:sldMasterId id="2147483660" r:id="rId1"/>
   </p:sldMasterIdLst>
+  <p:notesMasterIdLst>
+    <p:notesMasterId r:id="rId15"/>
+  </p:notesMasterIdLst>
   <p:sldIdLst>
     <p:sldId id="256" r:id="rId2"/>
     <p:sldId id="257" r:id="rId3"/>
     <p:sldId id="258" r:id="rId4"/>
     <p:sldId id="259" r:id="rId5"/>
-    <p:sldId id="260" r:id="rId6"/>
-    <p:sldId id="261" r:id="rId7"/>
-    <p:sldId id="262" r:id="rId8"/>
-    <p:sldId id="263" r:id="rId9"/>
+    <p:sldId id="265" r:id="rId6"/>
+    <p:sldId id="266" r:id="rId7"/>
+    <p:sldId id="260" r:id="rId8"/>
+    <p:sldId id="261" r:id="rId9"/>
+    <p:sldId id="262" r:id="rId10"/>
+    <p:sldId id="269" r:id="rId11"/>
+    <p:sldId id="268" r:id="rId12"/>
+    <p:sldId id="263" r:id="rId13"/>
+    <p:sldId id="264" r:id="rId14"/>
   </p:sldIdLst>
   <p:sldSz cx="12192000" cy="6858000"/>
   <p:notesSz cx="6858000" cy="9144000"/>
@@ -111,11 +119,1180 @@
       </a:defRPr>
     </a:lvl9pPr>
   </p:defaultTextStyle>
+  <p:extLst>
+    <p:ext uri="{EFAFB233-063F-42B5-8137-9DF3F51BA10A}">
+      <p15:sldGuideLst xmlns:p15="http://schemas.microsoft.com/office/powerpoint/2012/main">
+        <p15:guide id="1" orient="horz" pos="2160">
+          <p15:clr>
+            <a:srgbClr val="A4A3A4"/>
+          </p15:clr>
+        </p15:guide>
+        <p15:guide id="2" pos="3840">
+          <p15:clr>
+            <a:srgbClr val="A4A3A4"/>
+          </p15:clr>
+        </p15:guide>
+      </p15:sldGuideLst>
+    </p:ext>
+  </p:extLst>
 </p:presentation>
+</file>
+
+<file path=ppt/commentAuthors.xml><?xml version="1.0" encoding="utf-8"?>
+<p:cmAuthorLst xmlns:a="http://schemas.openxmlformats.org/drawingml/2006/main" xmlns:r="http://schemas.openxmlformats.org/officeDocument/2006/relationships" xmlns:p="http://schemas.openxmlformats.org/presentationml/2006/main">
+  <p:cmAuthor id="1" name="VARREL LILIAN p1307363" initials="VLp" lastIdx="0" clrIdx="0">
+    <p:extLst>
+      <p:ext uri="{19B8F6BF-5375-455C-9EA6-DF929625EA0E}">
+        <p15:presenceInfo xmlns:p15="http://schemas.microsoft.com/office/powerpoint/2012/main" userId="VARREL LILIAN p1307363" providerId="None"/>
+      </p:ext>
+    </p:extLst>
+  </p:cmAuthor>
+</p:cmAuthorLst>
 </file>
 
 <file path=ppt/revisionInfo.xml><?xml version="1.0" encoding="utf-8"?>
 <p1510:revInfo xmlns:a="http://schemas.openxmlformats.org/drawingml/2006/main" xmlns:r="http://schemas.openxmlformats.org/officeDocument/2006/relationships" xmlns:p1510="http://schemas.microsoft.com/office/powerpoint/2015/10/main"/>
+</file>
+
+<file path=ppt/notesMasters/notesMaster1.xml><?xml version="1.0" encoding="utf-8"?>
+<p:notesMaster xmlns:a="http://schemas.openxmlformats.org/drawingml/2006/main" xmlns:r="http://schemas.openxmlformats.org/officeDocument/2006/relationships" xmlns:p="http://schemas.openxmlformats.org/presentationml/2006/main">
+  <p:cSld>
+    <p:bg>
+      <p:bgRef idx="1001">
+        <a:schemeClr val="bg1"/>
+      </p:bgRef>
+    </p:bg>
+    <p:spTree>
+      <p:nvGrpSpPr>
+        <p:cNvPr id="1" name=""/>
+        <p:cNvGrpSpPr/>
+        <p:nvPr/>
+      </p:nvGrpSpPr>
+      <p:grpSpPr>
+        <a:xfrm>
+          <a:off x="0" y="0"/>
+          <a:ext cx="0" cy="0"/>
+          <a:chOff x="0" y="0"/>
+          <a:chExt cx="0" cy="0"/>
+        </a:xfrm>
+      </p:grpSpPr>
+      <p:sp>
+        <p:nvSpPr>
+          <p:cNvPr id="2" name="Espace réservé de l'en-tête 1"/>
+          <p:cNvSpPr>
+            <a:spLocks noGrp="1"/>
+          </p:cNvSpPr>
+          <p:nvPr>
+            <p:ph type="hdr" sz="quarter"/>
+          </p:nvPr>
+        </p:nvSpPr>
+        <p:spPr>
+          <a:xfrm>
+            <a:off x="0" y="0"/>
+            <a:ext cx="2971800" cy="458788"/>
+          </a:xfrm>
+          <a:prstGeom prst="rect">
+            <a:avLst/>
+          </a:prstGeom>
+        </p:spPr>
+        <p:txBody>
+          <a:bodyPr vert="horz" lIns="91440" tIns="45720" rIns="91440" bIns="45720" rtlCol="0"/>
+          <a:lstStyle>
+            <a:lvl1pPr algn="l">
+              <a:defRPr sz="1200"/>
+            </a:lvl1pPr>
+          </a:lstStyle>
+          <a:p>
+            <a:endParaRPr lang="fr-FR"/>
+          </a:p>
+        </p:txBody>
+      </p:sp>
+      <p:sp>
+        <p:nvSpPr>
+          <p:cNvPr id="3" name="Espace réservé de la date 2"/>
+          <p:cNvSpPr>
+            <a:spLocks noGrp="1"/>
+          </p:cNvSpPr>
+          <p:nvPr>
+            <p:ph type="dt" idx="1"/>
+          </p:nvPr>
+        </p:nvSpPr>
+        <p:spPr>
+          <a:xfrm>
+            <a:off x="3884613" y="0"/>
+            <a:ext cx="2971800" cy="458788"/>
+          </a:xfrm>
+          <a:prstGeom prst="rect">
+            <a:avLst/>
+          </a:prstGeom>
+        </p:spPr>
+        <p:txBody>
+          <a:bodyPr vert="horz" lIns="91440" tIns="45720" rIns="91440" bIns="45720" rtlCol="0"/>
+          <a:lstStyle>
+            <a:lvl1pPr algn="r">
+              <a:defRPr sz="1200"/>
+            </a:lvl1pPr>
+          </a:lstStyle>
+          <a:p>
+            <a:fld id="{1679012D-8AD0-46EB-9C5F-83305F195B36}" type="datetimeFigureOut">
+              <a:rPr lang="fr-FR" smtClean="0"/>
+              <a:pPr/>
+              <a:t>29/11/2017</a:t>
+            </a:fld>
+            <a:endParaRPr lang="fr-FR"/>
+          </a:p>
+        </p:txBody>
+      </p:sp>
+      <p:sp>
+        <p:nvSpPr>
+          <p:cNvPr id="4" name="Espace réservé de l'image des diapositives 3"/>
+          <p:cNvSpPr>
+            <a:spLocks noGrp="1" noRot="1" noChangeAspect="1"/>
+          </p:cNvSpPr>
+          <p:nvPr>
+            <p:ph type="sldImg" idx="2"/>
+          </p:nvPr>
+        </p:nvSpPr>
+        <p:spPr>
+          <a:xfrm>
+            <a:off x="685800" y="1143000"/>
+            <a:ext cx="5486400" cy="3086100"/>
+          </a:xfrm>
+          <a:prstGeom prst="rect">
+            <a:avLst/>
+          </a:prstGeom>
+          <a:noFill/>
+          <a:ln w="12700">
+            <a:solidFill>
+              <a:prstClr val="black"/>
+            </a:solidFill>
+          </a:ln>
+        </p:spPr>
+        <p:txBody>
+          <a:bodyPr vert="horz" lIns="91440" tIns="45720" rIns="91440" bIns="45720" rtlCol="0" anchor="ctr"/>
+          <a:lstStyle/>
+          <a:p>
+            <a:endParaRPr lang="fr-FR"/>
+          </a:p>
+        </p:txBody>
+      </p:sp>
+      <p:sp>
+        <p:nvSpPr>
+          <p:cNvPr id="5" name="Espace réservé des notes 4"/>
+          <p:cNvSpPr>
+            <a:spLocks noGrp="1"/>
+          </p:cNvSpPr>
+          <p:nvPr>
+            <p:ph type="body" sz="quarter" idx="3"/>
+          </p:nvPr>
+        </p:nvSpPr>
+        <p:spPr>
+          <a:xfrm>
+            <a:off x="685800" y="4400550"/>
+            <a:ext cx="5486400" cy="3600450"/>
+          </a:xfrm>
+          <a:prstGeom prst="rect">
+            <a:avLst/>
+          </a:prstGeom>
+        </p:spPr>
+        <p:txBody>
+          <a:bodyPr vert="horz" lIns="91440" tIns="45720" rIns="91440" bIns="45720" rtlCol="0"/>
+          <a:lstStyle/>
+          <a:p>
+            <a:pPr lvl="0"/>
+            <a:r>
+              <a:rPr lang="fr-FR"/>
+              <a:t>Modifier les styles du texte du masque</a:t>
+            </a:r>
+          </a:p>
+          <a:p>
+            <a:pPr lvl="1"/>
+            <a:r>
+              <a:rPr lang="fr-FR"/>
+              <a:t>Deuxième niveau</a:t>
+            </a:r>
+          </a:p>
+          <a:p>
+            <a:pPr lvl="2"/>
+            <a:r>
+              <a:rPr lang="fr-FR"/>
+              <a:t>Troisième niveau</a:t>
+            </a:r>
+          </a:p>
+          <a:p>
+            <a:pPr lvl="3"/>
+            <a:r>
+              <a:rPr lang="fr-FR"/>
+              <a:t>Quatrième niveau</a:t>
+            </a:r>
+          </a:p>
+          <a:p>
+            <a:pPr lvl="4"/>
+            <a:r>
+              <a:rPr lang="fr-FR"/>
+              <a:t>Cinquième niveau</a:t>
+            </a:r>
+          </a:p>
+        </p:txBody>
+      </p:sp>
+      <p:sp>
+        <p:nvSpPr>
+          <p:cNvPr id="6" name="Espace réservé du pied de page 5"/>
+          <p:cNvSpPr>
+            <a:spLocks noGrp="1"/>
+          </p:cNvSpPr>
+          <p:nvPr>
+            <p:ph type="ftr" sz="quarter" idx="4"/>
+          </p:nvPr>
+        </p:nvSpPr>
+        <p:spPr>
+          <a:xfrm>
+            <a:off x="0" y="8685213"/>
+            <a:ext cx="2971800" cy="458787"/>
+          </a:xfrm>
+          <a:prstGeom prst="rect">
+            <a:avLst/>
+          </a:prstGeom>
+        </p:spPr>
+        <p:txBody>
+          <a:bodyPr vert="horz" lIns="91440" tIns="45720" rIns="91440" bIns="45720" rtlCol="0" anchor="b"/>
+          <a:lstStyle>
+            <a:lvl1pPr algn="l">
+              <a:defRPr sz="1200"/>
+            </a:lvl1pPr>
+          </a:lstStyle>
+          <a:p>
+            <a:endParaRPr lang="fr-FR"/>
+          </a:p>
+        </p:txBody>
+      </p:sp>
+      <p:sp>
+        <p:nvSpPr>
+          <p:cNvPr id="7" name="Espace réservé du numéro de diapositive 6"/>
+          <p:cNvSpPr>
+            <a:spLocks noGrp="1"/>
+          </p:cNvSpPr>
+          <p:nvPr>
+            <p:ph type="sldNum" sz="quarter" idx="5"/>
+          </p:nvPr>
+        </p:nvSpPr>
+        <p:spPr>
+          <a:xfrm>
+            <a:off x="3884613" y="8685213"/>
+            <a:ext cx="2971800" cy="458787"/>
+          </a:xfrm>
+          <a:prstGeom prst="rect">
+            <a:avLst/>
+          </a:prstGeom>
+        </p:spPr>
+        <p:txBody>
+          <a:bodyPr vert="horz" lIns="91440" tIns="45720" rIns="91440" bIns="45720" rtlCol="0" anchor="b"/>
+          <a:lstStyle>
+            <a:lvl1pPr algn="r">
+              <a:defRPr sz="1200"/>
+            </a:lvl1pPr>
+          </a:lstStyle>
+          <a:p>
+            <a:fld id="{8C9430EA-2101-4193-B144-81AA5245BAB4}" type="slidenum">
+              <a:rPr lang="fr-FR" smtClean="0"/>
+              <a:pPr/>
+              <a:t>‹N°›</a:t>
+            </a:fld>
+            <a:endParaRPr lang="fr-FR"/>
+          </a:p>
+        </p:txBody>
+      </p:sp>
+    </p:spTree>
+    <p:extLst>
+      <p:ext uri="{BB962C8B-B14F-4D97-AF65-F5344CB8AC3E}">
+        <p14:creationId xmlns:p14="http://schemas.microsoft.com/office/powerpoint/2010/main" val="3761400281"/>
+      </p:ext>
+    </p:extLst>
+  </p:cSld>
+  <p:clrMap bg1="lt1" tx1="dk1" bg2="lt2" tx2="dk2" accent1="accent1" accent2="accent2" accent3="accent3" accent4="accent4" accent5="accent5" accent6="accent6" hlink="hlink" folHlink="folHlink"/>
+  <p:notesStyle>
+    <a:lvl1pPr marL="0" algn="l" defTabSz="914400" rtl="0" eaLnBrk="1" latinLnBrk="0" hangingPunct="1">
+      <a:defRPr sz="1200" kern="1200">
+        <a:solidFill>
+          <a:schemeClr val="tx1"/>
+        </a:solidFill>
+        <a:latin typeface="+mn-lt"/>
+        <a:ea typeface="+mn-ea"/>
+        <a:cs typeface="+mn-cs"/>
+      </a:defRPr>
+    </a:lvl1pPr>
+    <a:lvl2pPr marL="457200" algn="l" defTabSz="914400" rtl="0" eaLnBrk="1" latinLnBrk="0" hangingPunct="1">
+      <a:defRPr sz="1200" kern="1200">
+        <a:solidFill>
+          <a:schemeClr val="tx1"/>
+        </a:solidFill>
+        <a:latin typeface="+mn-lt"/>
+        <a:ea typeface="+mn-ea"/>
+        <a:cs typeface="+mn-cs"/>
+      </a:defRPr>
+    </a:lvl2pPr>
+    <a:lvl3pPr marL="914400" algn="l" defTabSz="914400" rtl="0" eaLnBrk="1" latinLnBrk="0" hangingPunct="1">
+      <a:defRPr sz="1200" kern="1200">
+        <a:solidFill>
+          <a:schemeClr val="tx1"/>
+        </a:solidFill>
+        <a:latin typeface="+mn-lt"/>
+        <a:ea typeface="+mn-ea"/>
+        <a:cs typeface="+mn-cs"/>
+      </a:defRPr>
+    </a:lvl3pPr>
+    <a:lvl4pPr marL="1371600" algn="l" defTabSz="914400" rtl="0" eaLnBrk="1" latinLnBrk="0" hangingPunct="1">
+      <a:defRPr sz="1200" kern="1200">
+        <a:solidFill>
+          <a:schemeClr val="tx1"/>
+        </a:solidFill>
+        <a:latin typeface="+mn-lt"/>
+        <a:ea typeface="+mn-ea"/>
+        <a:cs typeface="+mn-cs"/>
+      </a:defRPr>
+    </a:lvl4pPr>
+    <a:lvl5pPr marL="1828800" algn="l" defTabSz="914400" rtl="0" eaLnBrk="1" latinLnBrk="0" hangingPunct="1">
+      <a:defRPr sz="1200" kern="1200">
+        <a:solidFill>
+          <a:schemeClr val="tx1"/>
+        </a:solidFill>
+        <a:latin typeface="+mn-lt"/>
+        <a:ea typeface="+mn-ea"/>
+        <a:cs typeface="+mn-cs"/>
+      </a:defRPr>
+    </a:lvl5pPr>
+    <a:lvl6pPr marL="2286000" algn="l" defTabSz="914400" rtl="0" eaLnBrk="1" latinLnBrk="0" hangingPunct="1">
+      <a:defRPr sz="1200" kern="1200">
+        <a:solidFill>
+          <a:schemeClr val="tx1"/>
+        </a:solidFill>
+        <a:latin typeface="+mn-lt"/>
+        <a:ea typeface="+mn-ea"/>
+        <a:cs typeface="+mn-cs"/>
+      </a:defRPr>
+    </a:lvl6pPr>
+    <a:lvl7pPr marL="2743200" algn="l" defTabSz="914400" rtl="0" eaLnBrk="1" latinLnBrk="0" hangingPunct="1">
+      <a:defRPr sz="1200" kern="1200">
+        <a:solidFill>
+          <a:schemeClr val="tx1"/>
+        </a:solidFill>
+        <a:latin typeface="+mn-lt"/>
+        <a:ea typeface="+mn-ea"/>
+        <a:cs typeface="+mn-cs"/>
+      </a:defRPr>
+    </a:lvl7pPr>
+    <a:lvl8pPr marL="3200400" algn="l" defTabSz="914400" rtl="0" eaLnBrk="1" latinLnBrk="0" hangingPunct="1">
+      <a:defRPr sz="1200" kern="1200">
+        <a:solidFill>
+          <a:schemeClr val="tx1"/>
+        </a:solidFill>
+        <a:latin typeface="+mn-lt"/>
+        <a:ea typeface="+mn-ea"/>
+        <a:cs typeface="+mn-cs"/>
+      </a:defRPr>
+    </a:lvl8pPr>
+    <a:lvl9pPr marL="3657600" algn="l" defTabSz="914400" rtl="0" eaLnBrk="1" latinLnBrk="0" hangingPunct="1">
+      <a:defRPr sz="1200" kern="1200">
+        <a:solidFill>
+          <a:schemeClr val="tx1"/>
+        </a:solidFill>
+        <a:latin typeface="+mn-lt"/>
+        <a:ea typeface="+mn-ea"/>
+        <a:cs typeface="+mn-cs"/>
+      </a:defRPr>
+    </a:lvl9pPr>
+  </p:notesStyle>
+</p:notesMaster>
+</file>
+
+<file path=ppt/notesSlides/notesSlide1.xml><?xml version="1.0" encoding="utf-8"?>
+<p:notes xmlns:a="http://schemas.openxmlformats.org/drawingml/2006/main" xmlns:r="http://schemas.openxmlformats.org/officeDocument/2006/relationships" xmlns:p="http://schemas.openxmlformats.org/presentationml/2006/main">
+  <p:cSld>
+    <p:spTree>
+      <p:nvGrpSpPr>
+        <p:cNvPr id="1" name=""/>
+        <p:cNvGrpSpPr/>
+        <p:nvPr/>
+      </p:nvGrpSpPr>
+      <p:grpSpPr>
+        <a:xfrm>
+          <a:off x="0" y="0"/>
+          <a:ext cx="0" cy="0"/>
+          <a:chOff x="0" y="0"/>
+          <a:chExt cx="0" cy="0"/>
+        </a:xfrm>
+      </p:grpSpPr>
+      <p:sp>
+        <p:nvSpPr>
+          <p:cNvPr id="2" name="Espace réservé de l'image des diapositives 1"/>
+          <p:cNvSpPr>
+            <a:spLocks noGrp="1" noRot="1" noChangeAspect="1"/>
+          </p:cNvSpPr>
+          <p:nvPr>
+            <p:ph type="sldImg"/>
+          </p:nvPr>
+        </p:nvSpPr>
+        <p:spPr/>
+      </p:sp>
+      <p:sp>
+        <p:nvSpPr>
+          <p:cNvPr id="3" name="Espace réservé des notes 2"/>
+          <p:cNvSpPr>
+            <a:spLocks noGrp="1"/>
+          </p:cNvSpPr>
+          <p:nvPr>
+            <p:ph type="body" idx="1"/>
+          </p:nvPr>
+        </p:nvSpPr>
+        <p:spPr/>
+        <p:txBody>
+          <a:bodyPr/>
+          <a:lstStyle/>
+          <a:p>
+            <a:endParaRPr lang="fr-FR" dirty="0"/>
+          </a:p>
+        </p:txBody>
+      </p:sp>
+      <p:sp>
+        <p:nvSpPr>
+          <p:cNvPr id="4" name="Espace réservé du numéro de diapositive 3"/>
+          <p:cNvSpPr>
+            <a:spLocks noGrp="1"/>
+          </p:cNvSpPr>
+          <p:nvPr>
+            <p:ph type="sldNum" sz="quarter" idx="10"/>
+          </p:nvPr>
+        </p:nvSpPr>
+        <p:spPr/>
+        <p:txBody>
+          <a:bodyPr/>
+          <a:lstStyle/>
+          <a:p>
+            <a:fld id="{8C9430EA-2101-4193-B144-81AA5245BAB4}" type="slidenum">
+              <a:rPr lang="fr-FR" smtClean="0"/>
+              <a:pPr/>
+              <a:t>1</a:t>
+            </a:fld>
+            <a:endParaRPr lang="fr-FR"/>
+          </a:p>
+        </p:txBody>
+      </p:sp>
+    </p:spTree>
+    <p:extLst>
+      <p:ext uri="{BB962C8B-B14F-4D97-AF65-F5344CB8AC3E}">
+        <p14:creationId xmlns:p14="http://schemas.microsoft.com/office/powerpoint/2010/main" val="1848487575"/>
+      </p:ext>
+    </p:extLst>
+  </p:cSld>
+  <p:clrMapOvr>
+    <a:masterClrMapping/>
+  </p:clrMapOvr>
+</p:notes>
+</file>
+
+<file path=ppt/notesSlides/notesSlide2.xml><?xml version="1.0" encoding="utf-8"?>
+<p:notes xmlns:a="http://schemas.openxmlformats.org/drawingml/2006/main" xmlns:r="http://schemas.openxmlformats.org/officeDocument/2006/relationships" xmlns:p="http://schemas.openxmlformats.org/presentationml/2006/main">
+  <p:cSld>
+    <p:spTree>
+      <p:nvGrpSpPr>
+        <p:cNvPr id="1" name=""/>
+        <p:cNvGrpSpPr/>
+        <p:nvPr/>
+      </p:nvGrpSpPr>
+      <p:grpSpPr>
+        <a:xfrm>
+          <a:off x="0" y="0"/>
+          <a:ext cx="0" cy="0"/>
+          <a:chOff x="0" y="0"/>
+          <a:chExt cx="0" cy="0"/>
+        </a:xfrm>
+      </p:grpSpPr>
+      <p:sp>
+        <p:nvSpPr>
+          <p:cNvPr id="2" name="Espace réservé de l'image des diapositives 1"/>
+          <p:cNvSpPr>
+            <a:spLocks noGrp="1" noRot="1" noChangeAspect="1"/>
+          </p:cNvSpPr>
+          <p:nvPr>
+            <p:ph type="sldImg"/>
+          </p:nvPr>
+        </p:nvSpPr>
+        <p:spPr/>
+      </p:sp>
+      <p:sp>
+        <p:nvSpPr>
+          <p:cNvPr id="3" name="Espace réservé des notes 2"/>
+          <p:cNvSpPr>
+            <a:spLocks noGrp="1"/>
+          </p:cNvSpPr>
+          <p:nvPr>
+            <p:ph type="body" idx="1"/>
+          </p:nvPr>
+        </p:nvSpPr>
+        <p:spPr/>
+        <p:txBody>
+          <a:bodyPr/>
+          <a:lstStyle/>
+          <a:p>
+            <a:endParaRPr lang="fr-FR" dirty="0"/>
+          </a:p>
+        </p:txBody>
+      </p:sp>
+      <p:sp>
+        <p:nvSpPr>
+          <p:cNvPr id="4" name="Espace réservé du numéro de diapositive 3"/>
+          <p:cNvSpPr>
+            <a:spLocks noGrp="1"/>
+          </p:cNvSpPr>
+          <p:nvPr>
+            <p:ph type="sldNum" sz="quarter" idx="10"/>
+          </p:nvPr>
+        </p:nvSpPr>
+        <p:spPr/>
+        <p:txBody>
+          <a:bodyPr/>
+          <a:lstStyle/>
+          <a:p>
+            <a:fld id="{8C9430EA-2101-4193-B144-81AA5245BAB4}" type="slidenum">
+              <a:rPr lang="fr-FR" smtClean="0"/>
+              <a:pPr/>
+              <a:t>2</a:t>
+            </a:fld>
+            <a:endParaRPr lang="fr-FR"/>
+          </a:p>
+        </p:txBody>
+      </p:sp>
+    </p:spTree>
+    <p:extLst>
+      <p:ext uri="{BB962C8B-B14F-4D97-AF65-F5344CB8AC3E}">
+        <p14:creationId xmlns:p14="http://schemas.microsoft.com/office/powerpoint/2010/main" val="520960407"/>
+      </p:ext>
+    </p:extLst>
+  </p:cSld>
+  <p:clrMapOvr>
+    <a:masterClrMapping/>
+  </p:clrMapOvr>
+</p:notes>
+</file>
+
+<file path=ppt/notesSlides/notesSlide3.xml><?xml version="1.0" encoding="utf-8"?>
+<p:notes xmlns:a="http://schemas.openxmlformats.org/drawingml/2006/main" xmlns:r="http://schemas.openxmlformats.org/officeDocument/2006/relationships" xmlns:p="http://schemas.openxmlformats.org/presentationml/2006/main">
+  <p:cSld>
+    <p:spTree>
+      <p:nvGrpSpPr>
+        <p:cNvPr id="1" name=""/>
+        <p:cNvGrpSpPr/>
+        <p:nvPr/>
+      </p:nvGrpSpPr>
+      <p:grpSpPr>
+        <a:xfrm>
+          <a:off x="0" y="0"/>
+          <a:ext cx="0" cy="0"/>
+          <a:chOff x="0" y="0"/>
+          <a:chExt cx="0" cy="0"/>
+        </a:xfrm>
+      </p:grpSpPr>
+      <p:sp>
+        <p:nvSpPr>
+          <p:cNvPr id="2" name="Espace réservé de l'image des diapositives 1"/>
+          <p:cNvSpPr>
+            <a:spLocks noGrp="1" noRot="1" noChangeAspect="1"/>
+          </p:cNvSpPr>
+          <p:nvPr>
+            <p:ph type="sldImg"/>
+          </p:nvPr>
+        </p:nvSpPr>
+        <p:spPr/>
+      </p:sp>
+      <p:sp>
+        <p:nvSpPr>
+          <p:cNvPr id="3" name="Espace réservé des notes 2"/>
+          <p:cNvSpPr>
+            <a:spLocks noGrp="1"/>
+          </p:cNvSpPr>
+          <p:nvPr>
+            <p:ph type="body" idx="1"/>
+          </p:nvPr>
+        </p:nvSpPr>
+        <p:spPr/>
+        <p:txBody>
+          <a:bodyPr/>
+          <a:lstStyle/>
+          <a:p>
+            <a:r>
+              <a:rPr lang="fr-FR" dirty="0"/>
+              <a:t>1 schéma global + des explications de l'architecture déployée</a:t>
+            </a:r>
+          </a:p>
+          <a:p>
+            <a:r>
+              <a:rPr lang="fr-FR" dirty="0"/>
+              <a:t>Expliquer l'évolution de l'architecture mise en place</a:t>
+            </a:r>
+          </a:p>
+          <a:p>
+            <a:endParaRPr lang="fr-FR" dirty="0"/>
+          </a:p>
+        </p:txBody>
+      </p:sp>
+      <p:sp>
+        <p:nvSpPr>
+          <p:cNvPr id="4" name="Espace réservé du numéro de diapositive 3"/>
+          <p:cNvSpPr>
+            <a:spLocks noGrp="1"/>
+          </p:cNvSpPr>
+          <p:nvPr>
+            <p:ph type="sldNum" sz="quarter" idx="10"/>
+          </p:nvPr>
+        </p:nvSpPr>
+        <p:spPr/>
+        <p:txBody>
+          <a:bodyPr/>
+          <a:lstStyle/>
+          <a:p>
+            <a:fld id="{8C9430EA-2101-4193-B144-81AA5245BAB4}" type="slidenum">
+              <a:rPr lang="fr-FR" smtClean="0"/>
+              <a:pPr/>
+              <a:t>3</a:t>
+            </a:fld>
+            <a:endParaRPr lang="fr-FR"/>
+          </a:p>
+        </p:txBody>
+      </p:sp>
+    </p:spTree>
+    <p:extLst>
+      <p:ext uri="{BB962C8B-B14F-4D97-AF65-F5344CB8AC3E}">
+        <p14:creationId xmlns:p14="http://schemas.microsoft.com/office/powerpoint/2010/main" val="3894418767"/>
+      </p:ext>
+    </p:extLst>
+  </p:cSld>
+  <p:clrMapOvr>
+    <a:masterClrMapping/>
+  </p:clrMapOvr>
+</p:notes>
+</file>
+
+<file path=ppt/notesSlides/notesSlide4.xml><?xml version="1.0" encoding="utf-8"?>
+<p:notes xmlns:a="http://schemas.openxmlformats.org/drawingml/2006/main" xmlns:r="http://schemas.openxmlformats.org/officeDocument/2006/relationships" xmlns:p="http://schemas.openxmlformats.org/presentationml/2006/main">
+  <p:cSld>
+    <p:spTree>
+      <p:nvGrpSpPr>
+        <p:cNvPr id="1" name=""/>
+        <p:cNvGrpSpPr/>
+        <p:nvPr/>
+      </p:nvGrpSpPr>
+      <p:grpSpPr>
+        <a:xfrm>
+          <a:off x="0" y="0"/>
+          <a:ext cx="0" cy="0"/>
+          <a:chOff x="0" y="0"/>
+          <a:chExt cx="0" cy="0"/>
+        </a:xfrm>
+      </p:grpSpPr>
+      <p:sp>
+        <p:nvSpPr>
+          <p:cNvPr id="2" name="Espace réservé de l'image des diapositives 1"/>
+          <p:cNvSpPr>
+            <a:spLocks noGrp="1" noRot="1" noChangeAspect="1"/>
+          </p:cNvSpPr>
+          <p:nvPr>
+            <p:ph type="sldImg"/>
+          </p:nvPr>
+        </p:nvSpPr>
+        <p:spPr/>
+      </p:sp>
+      <p:sp>
+        <p:nvSpPr>
+          <p:cNvPr id="3" name="Espace réservé des notes 2"/>
+          <p:cNvSpPr>
+            <a:spLocks noGrp="1"/>
+          </p:cNvSpPr>
+          <p:nvPr>
+            <p:ph type="body" idx="1"/>
+          </p:nvPr>
+        </p:nvSpPr>
+        <p:spPr/>
+        <p:txBody>
+          <a:bodyPr/>
+          <a:lstStyle/>
+          <a:p>
+            <a:r>
+              <a:rPr lang="fr-FR" dirty="0"/>
+              <a:t>Expliquer les choix techniques des technologies utilisées (côté serveur)</a:t>
+            </a:r>
+          </a:p>
+          <a:p>
+            <a:r>
+              <a:rPr lang="fr-FR" dirty="0"/>
+              <a:t>Avantages et inconvénients des technologies utilisées</a:t>
+            </a:r>
+          </a:p>
+          <a:p>
+            <a:r>
+              <a:rPr lang="fr-FR" dirty="0"/>
+              <a:t>Est-ce que ces choix étaient les bons ?</a:t>
+            </a:r>
+          </a:p>
+          <a:p>
+            <a:endParaRPr lang="fr-FR" dirty="0"/>
+          </a:p>
+        </p:txBody>
+      </p:sp>
+      <p:sp>
+        <p:nvSpPr>
+          <p:cNvPr id="4" name="Espace réservé du numéro de diapositive 3"/>
+          <p:cNvSpPr>
+            <a:spLocks noGrp="1"/>
+          </p:cNvSpPr>
+          <p:nvPr>
+            <p:ph type="sldNum" sz="quarter" idx="10"/>
+          </p:nvPr>
+        </p:nvSpPr>
+        <p:spPr/>
+        <p:txBody>
+          <a:bodyPr/>
+          <a:lstStyle/>
+          <a:p>
+            <a:fld id="{8C9430EA-2101-4193-B144-81AA5245BAB4}" type="slidenum">
+              <a:rPr lang="fr-FR" smtClean="0"/>
+              <a:pPr/>
+              <a:t>4</a:t>
+            </a:fld>
+            <a:endParaRPr lang="fr-FR"/>
+          </a:p>
+        </p:txBody>
+      </p:sp>
+    </p:spTree>
+    <p:extLst>
+      <p:ext uri="{BB962C8B-B14F-4D97-AF65-F5344CB8AC3E}">
+        <p14:creationId xmlns:p14="http://schemas.microsoft.com/office/powerpoint/2010/main" val="3209010627"/>
+      </p:ext>
+    </p:extLst>
+  </p:cSld>
+  <p:clrMapOvr>
+    <a:masterClrMapping/>
+  </p:clrMapOvr>
+</p:notes>
+</file>
+
+<file path=ppt/notesSlides/notesSlide5.xml><?xml version="1.0" encoding="utf-8"?>
+<p:notes xmlns:a="http://schemas.openxmlformats.org/drawingml/2006/main" xmlns:r="http://schemas.openxmlformats.org/officeDocument/2006/relationships" xmlns:p="http://schemas.openxmlformats.org/presentationml/2006/main">
+  <p:cSld>
+    <p:spTree>
+      <p:nvGrpSpPr>
+        <p:cNvPr id="1" name=""/>
+        <p:cNvGrpSpPr/>
+        <p:nvPr/>
+      </p:nvGrpSpPr>
+      <p:grpSpPr>
+        <a:xfrm>
+          <a:off x="0" y="0"/>
+          <a:ext cx="0" cy="0"/>
+          <a:chOff x="0" y="0"/>
+          <a:chExt cx="0" cy="0"/>
+        </a:xfrm>
+      </p:grpSpPr>
+      <p:sp>
+        <p:nvSpPr>
+          <p:cNvPr id="2" name="Espace réservé de l'image des diapositives 1"/>
+          <p:cNvSpPr>
+            <a:spLocks noGrp="1" noRot="1" noChangeAspect="1"/>
+          </p:cNvSpPr>
+          <p:nvPr>
+            <p:ph type="sldImg"/>
+          </p:nvPr>
+        </p:nvSpPr>
+        <p:spPr/>
+      </p:sp>
+      <p:sp>
+        <p:nvSpPr>
+          <p:cNvPr id="3" name="Espace réservé des notes 2"/>
+          <p:cNvSpPr>
+            <a:spLocks noGrp="1"/>
+          </p:cNvSpPr>
+          <p:nvPr>
+            <p:ph type="body" idx="1"/>
+          </p:nvPr>
+        </p:nvSpPr>
+        <p:spPr/>
+        <p:txBody>
+          <a:bodyPr/>
+          <a:lstStyle/>
+          <a:p>
+            <a:r>
+              <a:rPr lang="fr-FR" dirty="0"/>
+              <a:t>Expliquer les choix techniques des technologies utilisées (côté serveur)</a:t>
+            </a:r>
+          </a:p>
+          <a:p>
+            <a:r>
+              <a:rPr lang="fr-FR" dirty="0"/>
+              <a:t>Avantages et inconvénients des technologies utilisées</a:t>
+            </a:r>
+          </a:p>
+          <a:p>
+            <a:r>
+              <a:rPr lang="fr-FR" dirty="0"/>
+              <a:t>Est-ce que ces choix étaient les bons ?</a:t>
+            </a:r>
+          </a:p>
+          <a:p>
+            <a:endParaRPr lang="fr-FR" dirty="0"/>
+          </a:p>
+        </p:txBody>
+      </p:sp>
+      <p:sp>
+        <p:nvSpPr>
+          <p:cNvPr id="4" name="Espace réservé du numéro de diapositive 3"/>
+          <p:cNvSpPr>
+            <a:spLocks noGrp="1"/>
+          </p:cNvSpPr>
+          <p:nvPr>
+            <p:ph type="sldNum" sz="quarter" idx="10"/>
+          </p:nvPr>
+        </p:nvSpPr>
+        <p:spPr/>
+        <p:txBody>
+          <a:bodyPr/>
+          <a:lstStyle/>
+          <a:p>
+            <a:fld id="{8C9430EA-2101-4193-B144-81AA5245BAB4}" type="slidenum">
+              <a:rPr lang="fr-FR" smtClean="0"/>
+              <a:pPr/>
+              <a:t>5</a:t>
+            </a:fld>
+            <a:endParaRPr lang="fr-FR"/>
+          </a:p>
+        </p:txBody>
+      </p:sp>
+    </p:spTree>
+    <p:extLst>
+      <p:ext uri="{BB962C8B-B14F-4D97-AF65-F5344CB8AC3E}">
+        <p14:creationId xmlns:p14="http://schemas.microsoft.com/office/powerpoint/2010/main" val="4029215718"/>
+      </p:ext>
+    </p:extLst>
+  </p:cSld>
+  <p:clrMapOvr>
+    <a:masterClrMapping/>
+  </p:clrMapOvr>
+</p:notes>
+</file>
+
+<file path=ppt/notesSlides/notesSlide6.xml><?xml version="1.0" encoding="utf-8"?>
+<p:notes xmlns:a="http://schemas.openxmlformats.org/drawingml/2006/main" xmlns:r="http://schemas.openxmlformats.org/officeDocument/2006/relationships" xmlns:p="http://schemas.openxmlformats.org/presentationml/2006/main">
+  <p:cSld>
+    <p:spTree>
+      <p:nvGrpSpPr>
+        <p:cNvPr id="1" name=""/>
+        <p:cNvGrpSpPr/>
+        <p:nvPr/>
+      </p:nvGrpSpPr>
+      <p:grpSpPr>
+        <a:xfrm>
+          <a:off x="0" y="0"/>
+          <a:ext cx="0" cy="0"/>
+          <a:chOff x="0" y="0"/>
+          <a:chExt cx="0" cy="0"/>
+        </a:xfrm>
+      </p:grpSpPr>
+      <p:sp>
+        <p:nvSpPr>
+          <p:cNvPr id="2" name="Espace réservé de l'image des diapositives 1"/>
+          <p:cNvSpPr>
+            <a:spLocks noGrp="1" noRot="1" noChangeAspect="1"/>
+          </p:cNvSpPr>
+          <p:nvPr>
+            <p:ph type="sldImg"/>
+          </p:nvPr>
+        </p:nvSpPr>
+        <p:spPr/>
+      </p:sp>
+      <p:sp>
+        <p:nvSpPr>
+          <p:cNvPr id="3" name="Espace réservé des notes 2"/>
+          <p:cNvSpPr>
+            <a:spLocks noGrp="1"/>
+          </p:cNvSpPr>
+          <p:nvPr>
+            <p:ph type="body" idx="1"/>
+          </p:nvPr>
+        </p:nvSpPr>
+        <p:spPr/>
+        <p:txBody>
+          <a:bodyPr/>
+          <a:lstStyle/>
+          <a:p>
+            <a:r>
+              <a:rPr lang="fr-FR" dirty="0"/>
+              <a:t>Expliquer les choix techniques des technologies utilisées (côté serveur)</a:t>
+            </a:r>
+          </a:p>
+          <a:p>
+            <a:r>
+              <a:rPr lang="fr-FR" dirty="0"/>
+              <a:t>Avantages et inconvénients des technologies utilisées</a:t>
+            </a:r>
+          </a:p>
+          <a:p>
+            <a:r>
+              <a:rPr lang="fr-FR" dirty="0"/>
+              <a:t>Est-ce que ces choix étaient les bons ?</a:t>
+            </a:r>
+          </a:p>
+          <a:p>
+            <a:endParaRPr lang="fr-FR" dirty="0"/>
+          </a:p>
+        </p:txBody>
+      </p:sp>
+      <p:sp>
+        <p:nvSpPr>
+          <p:cNvPr id="4" name="Espace réservé du numéro de diapositive 3"/>
+          <p:cNvSpPr>
+            <a:spLocks noGrp="1"/>
+          </p:cNvSpPr>
+          <p:nvPr>
+            <p:ph type="sldNum" sz="quarter" idx="10"/>
+          </p:nvPr>
+        </p:nvSpPr>
+        <p:spPr/>
+        <p:txBody>
+          <a:bodyPr/>
+          <a:lstStyle/>
+          <a:p>
+            <a:fld id="{8C9430EA-2101-4193-B144-81AA5245BAB4}" type="slidenum">
+              <a:rPr lang="fr-FR" smtClean="0"/>
+              <a:pPr/>
+              <a:t>6</a:t>
+            </a:fld>
+            <a:endParaRPr lang="fr-FR"/>
+          </a:p>
+        </p:txBody>
+      </p:sp>
+    </p:spTree>
+    <p:extLst>
+      <p:ext uri="{BB962C8B-B14F-4D97-AF65-F5344CB8AC3E}">
+        <p14:creationId xmlns:p14="http://schemas.microsoft.com/office/powerpoint/2010/main" val="2098412962"/>
+      </p:ext>
+    </p:extLst>
+  </p:cSld>
+  <p:clrMapOvr>
+    <a:masterClrMapping/>
+  </p:clrMapOvr>
+</p:notes>
+</file>
+
+<file path=ppt/notesSlides/notesSlide7.xml><?xml version="1.0" encoding="utf-8"?>
+<p:notes xmlns:a="http://schemas.openxmlformats.org/drawingml/2006/main" xmlns:r="http://schemas.openxmlformats.org/officeDocument/2006/relationships" xmlns:p="http://schemas.openxmlformats.org/presentationml/2006/main">
+  <p:cSld>
+    <p:spTree>
+      <p:nvGrpSpPr>
+        <p:cNvPr id="1" name=""/>
+        <p:cNvGrpSpPr/>
+        <p:nvPr/>
+      </p:nvGrpSpPr>
+      <p:grpSpPr>
+        <a:xfrm>
+          <a:off x="0" y="0"/>
+          <a:ext cx="0" cy="0"/>
+          <a:chOff x="0" y="0"/>
+          <a:chExt cx="0" cy="0"/>
+        </a:xfrm>
+      </p:grpSpPr>
+      <p:sp>
+        <p:nvSpPr>
+          <p:cNvPr id="2" name="Espace réservé de l'image des diapositives 1"/>
+          <p:cNvSpPr>
+            <a:spLocks noGrp="1" noRot="1" noChangeAspect="1"/>
+          </p:cNvSpPr>
+          <p:nvPr>
+            <p:ph type="sldImg"/>
+          </p:nvPr>
+        </p:nvSpPr>
+        <p:spPr/>
+      </p:sp>
+      <p:sp>
+        <p:nvSpPr>
+          <p:cNvPr id="3" name="Espace réservé des notes 2"/>
+          <p:cNvSpPr>
+            <a:spLocks noGrp="1"/>
+          </p:cNvSpPr>
+          <p:nvPr>
+            <p:ph type="body" idx="1"/>
+          </p:nvPr>
+        </p:nvSpPr>
+        <p:spPr/>
+        <p:txBody>
+          <a:bodyPr/>
+          <a:lstStyle/>
+          <a:p>
+            <a:r>
+              <a:rPr lang="fr-FR" dirty="0"/>
+              <a:t>On efface tout ce qu'il y a sur le serveur et on mesure le temps de </a:t>
+            </a:r>
+            <a:r>
+              <a:rPr lang="fr-FR" dirty="0" err="1"/>
+              <a:t>ré-installation</a:t>
+            </a:r>
+            <a:r>
+              <a:rPr lang="fr-FR" dirty="0"/>
+              <a:t> </a:t>
+            </a:r>
+            <a:r>
+              <a:rPr lang="fr-FR" dirty="0" err="1"/>
+              <a:t>from</a:t>
+            </a:r>
+            <a:r>
+              <a:rPr lang="fr-FR" dirty="0"/>
+              <a:t> scratch</a:t>
+            </a:r>
+          </a:p>
+          <a:p>
+            <a:endParaRPr lang="fr-FR" dirty="0"/>
+          </a:p>
+          <a:p>
+            <a:r>
+              <a:rPr lang="fr-FR" dirty="0" err="1"/>
+              <a:t>curl</a:t>
+            </a:r>
+            <a:r>
+              <a:rPr lang="fr-FR" dirty="0"/>
+              <a:t> -L https://goo.gl/z6biqs -o install.sh</a:t>
+            </a:r>
+          </a:p>
+          <a:p>
+            <a:r>
+              <a:rPr lang="fr-FR" dirty="0"/>
+              <a:t>chmod +x install.sh</a:t>
+            </a:r>
+          </a:p>
+          <a:p>
+            <a:r>
+              <a:rPr lang="fr-FR" dirty="0"/>
+              <a:t>./install.sh</a:t>
+            </a:r>
+          </a:p>
+        </p:txBody>
+      </p:sp>
+      <p:sp>
+        <p:nvSpPr>
+          <p:cNvPr id="4" name="Espace réservé du numéro de diapositive 3"/>
+          <p:cNvSpPr>
+            <a:spLocks noGrp="1"/>
+          </p:cNvSpPr>
+          <p:nvPr>
+            <p:ph type="sldNum" sz="quarter" idx="10"/>
+          </p:nvPr>
+        </p:nvSpPr>
+        <p:spPr/>
+        <p:txBody>
+          <a:bodyPr/>
+          <a:lstStyle/>
+          <a:p>
+            <a:fld id="{8C9430EA-2101-4193-B144-81AA5245BAB4}" type="slidenum">
+              <a:rPr lang="fr-FR" smtClean="0"/>
+              <a:pPr/>
+              <a:t>7</a:t>
+            </a:fld>
+            <a:endParaRPr lang="fr-FR"/>
+          </a:p>
+        </p:txBody>
+      </p:sp>
+    </p:spTree>
+    <p:extLst>
+      <p:ext uri="{BB962C8B-B14F-4D97-AF65-F5344CB8AC3E}">
+        <p14:creationId xmlns:p14="http://schemas.microsoft.com/office/powerpoint/2010/main" val="1002701891"/>
+      </p:ext>
+    </p:extLst>
+  </p:cSld>
+  <p:clrMapOvr>
+    <a:masterClrMapping/>
+  </p:clrMapOvr>
+</p:notes>
+</file>
+
+<file path=ppt/notesSlides/notesSlide8.xml><?xml version="1.0" encoding="utf-8"?>
+<p:notes xmlns:a="http://schemas.openxmlformats.org/drawingml/2006/main" xmlns:r="http://schemas.openxmlformats.org/officeDocument/2006/relationships" xmlns:p="http://schemas.openxmlformats.org/presentationml/2006/main">
+  <p:cSld>
+    <p:spTree>
+      <p:nvGrpSpPr>
+        <p:cNvPr id="1" name=""/>
+        <p:cNvGrpSpPr/>
+        <p:nvPr/>
+      </p:nvGrpSpPr>
+      <p:grpSpPr>
+        <a:xfrm>
+          <a:off x="0" y="0"/>
+          <a:ext cx="0" cy="0"/>
+          <a:chOff x="0" y="0"/>
+          <a:chExt cx="0" cy="0"/>
+        </a:xfrm>
+      </p:grpSpPr>
+      <p:sp>
+        <p:nvSpPr>
+          <p:cNvPr id="2" name="Espace réservé de l'image des diapositives 1"/>
+          <p:cNvSpPr>
+            <a:spLocks noGrp="1" noRot="1" noChangeAspect="1"/>
+          </p:cNvSpPr>
+          <p:nvPr>
+            <p:ph type="sldImg"/>
+          </p:nvPr>
+        </p:nvSpPr>
+        <p:spPr/>
+      </p:sp>
+      <p:sp>
+        <p:nvSpPr>
+          <p:cNvPr id="3" name="Espace réservé des notes 2"/>
+          <p:cNvSpPr>
+            <a:spLocks noGrp="1"/>
+          </p:cNvSpPr>
+          <p:nvPr>
+            <p:ph type="body" idx="1"/>
+          </p:nvPr>
+        </p:nvSpPr>
+        <p:spPr/>
+        <p:txBody>
+          <a:bodyPr/>
+          <a:lstStyle/>
+          <a:p>
+            <a:endParaRPr lang="fr-FR" dirty="0"/>
+          </a:p>
+        </p:txBody>
+      </p:sp>
+      <p:sp>
+        <p:nvSpPr>
+          <p:cNvPr id="4" name="Espace réservé du numéro de diapositive 3"/>
+          <p:cNvSpPr>
+            <a:spLocks noGrp="1"/>
+          </p:cNvSpPr>
+          <p:nvPr>
+            <p:ph type="sldNum" sz="quarter" idx="10"/>
+          </p:nvPr>
+        </p:nvSpPr>
+        <p:spPr/>
+        <p:txBody>
+          <a:bodyPr/>
+          <a:lstStyle/>
+          <a:p>
+            <a:fld id="{8C9430EA-2101-4193-B144-81AA5245BAB4}" type="slidenum">
+              <a:rPr lang="fr-FR" smtClean="0"/>
+              <a:pPr/>
+              <a:t>10</a:t>
+            </a:fld>
+            <a:endParaRPr lang="fr-FR"/>
+          </a:p>
+        </p:txBody>
+      </p:sp>
+    </p:spTree>
+    <p:extLst>
+      <p:ext uri="{BB962C8B-B14F-4D97-AF65-F5344CB8AC3E}">
+        <p14:creationId xmlns:p14="http://schemas.microsoft.com/office/powerpoint/2010/main" val="2946096343"/>
+      </p:ext>
+    </p:extLst>
+  </p:cSld>
+  <p:clrMapOvr>
+    <a:masterClrMapping/>
+  </p:clrMapOvr>
+</p:notes>
 </file>
 
 <file path=ppt/slideLayouts/slideLayout1.xml><?xml version="1.0" encoding="utf-8"?>
@@ -144,7 +1321,7 @@
           <p:nvPr/>
         </p:nvPicPr>
         <p:blipFill>
-          <a:blip r:embed="rId2">
+          <a:blip r:embed="rId2" cstate="print">
             <a:alphaModFix amt="30000"/>
             <a:extLst>
               <a:ext uri="{28A0092B-C50C-407E-A947-70E740481C1C}">
@@ -4392,9 +5569,9 @@
           <a:bodyPr/>
           <a:lstStyle/>
           <a:p>
-            <a:fld id="{411785C3-07A4-4BE5-9324-F42A205E743E}" type="datetimeFigureOut">
+            <a:fld id="{C8433933-4167-4F56-A728-024E02B767CC}" type="datetime1">
               <a:rPr lang="fr-FR" smtClean="0"/>
-              <a:t>22/11/2017</a:t>
+              <a:t>29/11/2017</a:t>
             </a:fld>
             <a:endParaRPr lang="fr-FR"/>
           </a:p>
@@ -4420,7 +5597,10 @@
           <a:bodyPr/>
           <a:lstStyle/>
           <a:p>
-            <a:endParaRPr lang="fr-FR"/>
+            <a:r>
+              <a:rPr lang="fr-FR"/>
+              <a:t>29/11/2017</a:t>
+            </a:r>
           </a:p>
         </p:txBody>
       </p:sp>
@@ -4446,6 +5626,7 @@
           <a:p>
             <a:fld id="{ED22AD06-C296-4654-A2D3-A746ACA7B044}" type="slidenum">
               <a:rPr lang="fr-FR" smtClean="0"/>
+              <a:pPr/>
               <a:t>‹N°›</a:t>
             </a:fld>
             <a:endParaRPr lang="fr-FR"/>
@@ -4659,9 +5840,9 @@
           <a:bodyPr/>
           <a:lstStyle/>
           <a:p>
-            <a:fld id="{411785C3-07A4-4BE5-9324-F42A205E743E}" type="datetimeFigureOut">
+            <a:fld id="{D6DC176F-612B-4AD3-ADDA-91E96B9B1138}" type="datetime1">
               <a:rPr lang="fr-FR" smtClean="0"/>
-              <a:t>22/11/2017</a:t>
+              <a:t>29/11/2017</a:t>
             </a:fld>
             <a:endParaRPr lang="fr-FR"/>
           </a:p>
@@ -4682,7 +5863,10 @@
           <a:bodyPr/>
           <a:lstStyle/>
           <a:p>
-            <a:endParaRPr lang="fr-FR"/>
+            <a:r>
+              <a:rPr lang="fr-FR"/>
+              <a:t>29/11/2017</a:t>
+            </a:r>
           </a:p>
         </p:txBody>
       </p:sp>
@@ -4703,6 +5887,7 @@
           <a:p>
             <a:fld id="{ED22AD06-C296-4654-A2D3-A746ACA7B044}" type="slidenum">
               <a:rPr lang="fr-FR" smtClean="0"/>
+              <a:pPr/>
               <a:t>‹N°›</a:t>
             </a:fld>
             <a:endParaRPr lang="fr-FR"/>
@@ -4855,9 +6040,9 @@
           <a:bodyPr/>
           <a:lstStyle/>
           <a:p>
-            <a:fld id="{411785C3-07A4-4BE5-9324-F42A205E743E}" type="datetimeFigureOut">
+            <a:fld id="{749AE96D-1722-4D68-993F-378FB1CCA3CB}" type="datetime1">
               <a:rPr lang="fr-FR" smtClean="0"/>
-              <a:t>22/11/2017</a:t>
+              <a:t>29/11/2017</a:t>
             </a:fld>
             <a:endParaRPr lang="fr-FR"/>
           </a:p>
@@ -4878,7 +6063,10 @@
           <a:bodyPr/>
           <a:lstStyle/>
           <a:p>
-            <a:endParaRPr lang="fr-FR"/>
+            <a:r>
+              <a:rPr lang="fr-FR"/>
+              <a:t>29/11/2017</a:t>
+            </a:r>
           </a:p>
         </p:txBody>
       </p:sp>
@@ -4899,6 +6087,7 @@
           <a:p>
             <a:fld id="{ED22AD06-C296-4654-A2D3-A746ACA7B044}" type="slidenum">
               <a:rPr lang="fr-FR" smtClean="0"/>
+              <a:pPr/>
               <a:t>‹N°›</a:t>
             </a:fld>
             <a:endParaRPr lang="fr-FR"/>
@@ -5118,9 +6307,9 @@
           <a:bodyPr/>
           <a:lstStyle/>
           <a:p>
-            <a:fld id="{411785C3-07A4-4BE5-9324-F42A205E743E}" type="datetimeFigureOut">
+            <a:fld id="{318CBF99-AB13-47D2-80CE-8A257FA44087}" type="datetime1">
               <a:rPr lang="fr-FR" smtClean="0"/>
-              <a:t>22/11/2017</a:t>
+              <a:t>29/11/2017</a:t>
             </a:fld>
             <a:endParaRPr lang="fr-FR"/>
           </a:p>
@@ -5141,7 +6330,10 @@
           <a:bodyPr/>
           <a:lstStyle/>
           <a:p>
-            <a:endParaRPr lang="fr-FR"/>
+            <a:r>
+              <a:rPr lang="fr-FR"/>
+              <a:t>29/11/2017</a:t>
+            </a:r>
           </a:p>
         </p:txBody>
       </p:sp>
@@ -5162,6 +6354,7 @@
           <a:p>
             <a:fld id="{ED22AD06-C296-4654-A2D3-A746ACA7B044}" type="slidenum">
               <a:rPr lang="fr-FR" smtClean="0"/>
+              <a:pPr/>
               <a:t>‹N°›</a:t>
             </a:fld>
             <a:endParaRPr lang="fr-FR"/>
@@ -5552,9 +6745,9 @@
           <a:bodyPr/>
           <a:lstStyle/>
           <a:p>
-            <a:fld id="{411785C3-07A4-4BE5-9324-F42A205E743E}" type="datetimeFigureOut">
+            <a:fld id="{34557653-6956-4F56-B2CB-655B860910A4}" type="datetime1">
               <a:rPr lang="fr-FR" smtClean="0"/>
-              <a:t>22/11/2017</a:t>
+              <a:t>29/11/2017</a:t>
             </a:fld>
             <a:endParaRPr lang="fr-FR"/>
           </a:p>
@@ -5575,7 +6768,10 @@
           <a:bodyPr/>
           <a:lstStyle/>
           <a:p>
-            <a:endParaRPr lang="fr-FR"/>
+            <a:r>
+              <a:rPr lang="fr-FR"/>
+              <a:t>29/11/2017</a:t>
+            </a:r>
           </a:p>
         </p:txBody>
       </p:sp>
@@ -5596,6 +6792,7 @@
           <a:p>
             <a:fld id="{ED22AD06-C296-4654-A2D3-A746ACA7B044}" type="slidenum">
               <a:rPr lang="fr-FR" smtClean="0"/>
+              <a:pPr/>
               <a:t>‹N°›</a:t>
             </a:fld>
             <a:endParaRPr lang="fr-FR"/>
@@ -6098,9 +7295,9 @@
           <a:bodyPr/>
           <a:lstStyle/>
           <a:p>
-            <a:fld id="{411785C3-07A4-4BE5-9324-F42A205E743E}" type="datetimeFigureOut">
+            <a:fld id="{AC11C943-75F5-402F-A5E5-BC542DF9D607}" type="datetime1">
               <a:rPr lang="fr-FR" smtClean="0"/>
-              <a:t>22/11/2017</a:t>
+              <a:t>29/11/2017</a:t>
             </a:fld>
             <a:endParaRPr lang="fr-FR"/>
           </a:p>
@@ -6121,7 +7318,10 @@
           <a:bodyPr/>
           <a:lstStyle/>
           <a:p>
-            <a:endParaRPr lang="fr-FR"/>
+            <a:r>
+              <a:rPr lang="fr-FR"/>
+              <a:t>29/11/2017</a:t>
+            </a:r>
           </a:p>
         </p:txBody>
       </p:sp>
@@ -6142,6 +7342,7 @@
           <a:p>
             <a:fld id="{ED22AD06-C296-4654-A2D3-A746ACA7B044}" type="slidenum">
               <a:rPr lang="fr-FR" smtClean="0"/>
+              <a:pPr/>
               <a:t>‹N°›</a:t>
             </a:fld>
             <a:endParaRPr lang="fr-FR"/>
@@ -6818,9 +8019,9 @@
           <a:bodyPr/>
           <a:lstStyle/>
           <a:p>
-            <a:fld id="{411785C3-07A4-4BE5-9324-F42A205E743E}" type="datetimeFigureOut">
+            <a:fld id="{5E1416C5-6951-471B-96D2-804284B55369}" type="datetime1">
               <a:rPr lang="fr-FR" smtClean="0"/>
-              <a:t>22/11/2017</a:t>
+              <a:t>29/11/2017</a:t>
             </a:fld>
             <a:endParaRPr lang="fr-FR"/>
           </a:p>
@@ -6841,7 +8042,10 @@
           <a:bodyPr/>
           <a:lstStyle/>
           <a:p>
-            <a:endParaRPr lang="fr-FR"/>
+            <a:r>
+              <a:rPr lang="fr-FR"/>
+              <a:t>29/11/2017</a:t>
+            </a:r>
           </a:p>
         </p:txBody>
       </p:sp>
@@ -6862,6 +8066,7 @@
           <a:p>
             <a:fld id="{ED22AD06-C296-4654-A2D3-A746ACA7B044}" type="slidenum">
               <a:rPr lang="fr-FR" smtClean="0"/>
+              <a:pPr/>
               <a:t>‹N°›</a:t>
             </a:fld>
             <a:endParaRPr lang="fr-FR"/>
@@ -6988,9 +8193,9 @@
           <a:bodyPr/>
           <a:lstStyle/>
           <a:p>
-            <a:fld id="{411785C3-07A4-4BE5-9324-F42A205E743E}" type="datetimeFigureOut">
+            <a:fld id="{133B3F7E-04B2-4F33-8530-E25B62F76034}" type="datetime1">
               <a:rPr lang="fr-FR" smtClean="0"/>
-              <a:t>22/11/2017</a:t>
+              <a:t>29/11/2017</a:t>
             </a:fld>
             <a:endParaRPr lang="fr-FR"/>
           </a:p>
@@ -7011,7 +8216,10 @@
           <a:bodyPr/>
           <a:lstStyle/>
           <a:p>
-            <a:endParaRPr lang="fr-FR"/>
+            <a:r>
+              <a:rPr lang="fr-FR"/>
+              <a:t>29/11/2017</a:t>
+            </a:r>
           </a:p>
         </p:txBody>
       </p:sp>
@@ -7032,6 +8240,7 @@
           <a:p>
             <a:fld id="{ED22AD06-C296-4654-A2D3-A746ACA7B044}" type="slidenum">
               <a:rPr lang="fr-FR" smtClean="0"/>
+              <a:pPr/>
               <a:t>‹N°›</a:t>
             </a:fld>
             <a:endParaRPr lang="fr-FR"/>
@@ -7168,9 +8377,9 @@
           <a:bodyPr/>
           <a:lstStyle/>
           <a:p>
-            <a:fld id="{411785C3-07A4-4BE5-9324-F42A205E743E}" type="datetimeFigureOut">
+            <a:fld id="{5D138FB1-7C17-40CA-B901-FC20229F8A70}" type="datetime1">
               <a:rPr lang="fr-FR" smtClean="0"/>
-              <a:t>22/11/2017</a:t>
+              <a:t>29/11/2017</a:t>
             </a:fld>
             <a:endParaRPr lang="fr-FR"/>
           </a:p>
@@ -7191,7 +8400,10 @@
           <a:bodyPr/>
           <a:lstStyle/>
           <a:p>
-            <a:endParaRPr lang="fr-FR"/>
+            <a:r>
+              <a:rPr lang="fr-FR"/>
+              <a:t>29/11/2017</a:t>
+            </a:r>
           </a:p>
         </p:txBody>
       </p:sp>
@@ -7212,6 +8424,7 @@
           <a:p>
             <a:fld id="{ED22AD06-C296-4654-A2D3-A746ACA7B044}" type="slidenum">
               <a:rPr lang="fr-FR" smtClean="0"/>
+              <a:pPr/>
               <a:t>‹N°›</a:t>
             </a:fld>
             <a:endParaRPr lang="fr-FR"/>
@@ -7338,9 +8551,9 @@
           <a:bodyPr/>
           <a:lstStyle/>
           <a:p>
-            <a:fld id="{411785C3-07A4-4BE5-9324-F42A205E743E}" type="datetimeFigureOut">
+            <a:fld id="{2EDBA406-F308-42CD-8278-245105713157}" type="datetime1">
               <a:rPr lang="fr-FR" smtClean="0"/>
-              <a:t>22/11/2017</a:t>
+              <a:t>29/11/2017</a:t>
             </a:fld>
             <a:endParaRPr lang="fr-FR"/>
           </a:p>
@@ -7361,7 +8574,10 @@
           <a:bodyPr/>
           <a:lstStyle/>
           <a:p>
-            <a:endParaRPr lang="fr-FR"/>
+            <a:r>
+              <a:rPr lang="fr-FR"/>
+              <a:t>29/11/2017</a:t>
+            </a:r>
           </a:p>
         </p:txBody>
       </p:sp>
@@ -7382,6 +8598,7 @@
           <a:p>
             <a:fld id="{ED22AD06-C296-4654-A2D3-A746ACA7B044}" type="slidenum">
               <a:rPr lang="fr-FR" smtClean="0"/>
+              <a:pPr/>
               <a:t>‹N°›</a:t>
             </a:fld>
             <a:endParaRPr lang="fr-FR"/>
@@ -7588,9 +8805,9 @@
           <a:bodyPr/>
           <a:lstStyle/>
           <a:p>
-            <a:fld id="{411785C3-07A4-4BE5-9324-F42A205E743E}" type="datetimeFigureOut">
+            <a:fld id="{2CC39C52-1F52-47C2-867D-5047FC5BEF44}" type="datetime1">
               <a:rPr lang="fr-FR" smtClean="0"/>
-              <a:t>22/11/2017</a:t>
+              <a:t>29/11/2017</a:t>
             </a:fld>
             <a:endParaRPr lang="fr-FR"/>
           </a:p>
@@ -7611,7 +8828,10 @@
           <a:bodyPr/>
           <a:lstStyle/>
           <a:p>
-            <a:endParaRPr lang="fr-FR"/>
+            <a:r>
+              <a:rPr lang="fr-FR"/>
+              <a:t>29/11/2017</a:t>
+            </a:r>
           </a:p>
         </p:txBody>
       </p:sp>
@@ -7632,6 +8852,7 @@
           <a:p>
             <a:fld id="{ED22AD06-C296-4654-A2D3-A746ACA7B044}" type="slidenum">
               <a:rPr lang="fr-FR" smtClean="0"/>
+              <a:pPr/>
               <a:t>‹N°›</a:t>
             </a:fld>
             <a:endParaRPr lang="fr-FR"/>
@@ -7820,9 +9041,9 @@
           <a:bodyPr/>
           <a:lstStyle/>
           <a:p>
-            <a:fld id="{411785C3-07A4-4BE5-9324-F42A205E743E}" type="datetimeFigureOut">
+            <a:fld id="{612757C4-170E-4664-A264-F40E44A28F22}" type="datetime1">
               <a:rPr lang="fr-FR" smtClean="0"/>
-              <a:t>22/11/2017</a:t>
+              <a:t>29/11/2017</a:t>
             </a:fld>
             <a:endParaRPr lang="fr-FR"/>
           </a:p>
@@ -7843,7 +9064,10 @@
           <a:bodyPr/>
           <a:lstStyle/>
           <a:p>
-            <a:endParaRPr lang="fr-FR"/>
+            <a:r>
+              <a:rPr lang="fr-FR"/>
+              <a:t>29/11/2017</a:t>
+            </a:r>
           </a:p>
         </p:txBody>
       </p:sp>
@@ -7864,6 +9088,7 @@
           <a:p>
             <a:fld id="{ED22AD06-C296-4654-A2D3-A746ACA7B044}" type="slidenum">
               <a:rPr lang="fr-FR" smtClean="0"/>
+              <a:pPr/>
               <a:t>‹N°›</a:t>
             </a:fld>
             <a:endParaRPr lang="fr-FR"/>
@@ -8201,9 +9426,9 @@
           <a:bodyPr/>
           <a:lstStyle/>
           <a:p>
-            <a:fld id="{411785C3-07A4-4BE5-9324-F42A205E743E}" type="datetimeFigureOut">
+            <a:fld id="{14E90719-2CFD-4420-8FB9-26671EF5DC54}" type="datetime1">
               <a:rPr lang="fr-FR" smtClean="0"/>
-              <a:t>22/11/2017</a:t>
+              <a:t>29/11/2017</a:t>
             </a:fld>
             <a:endParaRPr lang="fr-FR"/>
           </a:p>
@@ -8224,7 +9449,10 @@
           <a:bodyPr/>
           <a:lstStyle/>
           <a:p>
-            <a:endParaRPr lang="fr-FR"/>
+            <a:r>
+              <a:rPr lang="fr-FR"/>
+              <a:t>29/11/2017</a:t>
+            </a:r>
           </a:p>
         </p:txBody>
       </p:sp>
@@ -8245,6 +9473,7 @@
           <a:p>
             <a:fld id="{ED22AD06-C296-4654-A2D3-A746ACA7B044}" type="slidenum">
               <a:rPr lang="fr-FR" smtClean="0"/>
+              <a:pPr/>
               <a:t>‹N°›</a:t>
             </a:fld>
             <a:endParaRPr lang="fr-FR"/>
@@ -8319,9 +9548,9 @@
           <a:bodyPr/>
           <a:lstStyle/>
           <a:p>
-            <a:fld id="{411785C3-07A4-4BE5-9324-F42A205E743E}" type="datetimeFigureOut">
+            <a:fld id="{7C4D6626-5E5B-4EE3-94A4-0E1DBD1A1157}" type="datetime1">
               <a:rPr lang="fr-FR" smtClean="0"/>
-              <a:t>22/11/2017</a:t>
+              <a:t>29/11/2017</a:t>
             </a:fld>
             <a:endParaRPr lang="fr-FR"/>
           </a:p>
@@ -8342,7 +9571,10 @@
           <a:bodyPr/>
           <a:lstStyle/>
           <a:p>
-            <a:endParaRPr lang="fr-FR"/>
+            <a:r>
+              <a:rPr lang="fr-FR"/>
+              <a:t>29/11/2017</a:t>
+            </a:r>
           </a:p>
         </p:txBody>
       </p:sp>
@@ -8363,6 +9595,7 @@
           <a:p>
             <a:fld id="{ED22AD06-C296-4654-A2D3-A746ACA7B044}" type="slidenum">
               <a:rPr lang="fr-FR" smtClean="0"/>
+              <a:pPr/>
               <a:t>‹N°›</a:t>
             </a:fld>
             <a:endParaRPr lang="fr-FR"/>
@@ -8414,9 +9647,9 @@
           <a:bodyPr/>
           <a:lstStyle/>
           <a:p>
-            <a:fld id="{411785C3-07A4-4BE5-9324-F42A205E743E}" type="datetimeFigureOut">
+            <a:fld id="{24166550-294B-487A-8349-2E57015C2E30}" type="datetime1">
               <a:rPr lang="fr-FR" smtClean="0"/>
-              <a:t>22/11/2017</a:t>
+              <a:t>29/11/2017</a:t>
             </a:fld>
             <a:endParaRPr lang="fr-FR"/>
           </a:p>
@@ -8437,7 +9670,10 @@
           <a:bodyPr/>
           <a:lstStyle/>
           <a:p>
-            <a:endParaRPr lang="fr-FR"/>
+            <a:r>
+              <a:rPr lang="fr-FR"/>
+              <a:t>29/11/2017</a:t>
+            </a:r>
           </a:p>
         </p:txBody>
       </p:sp>
@@ -8458,6 +9694,7 @@
           <a:p>
             <a:fld id="{ED22AD06-C296-4654-A2D3-A746ACA7B044}" type="slidenum">
               <a:rPr lang="fr-FR" smtClean="0"/>
+              <a:pPr/>
               <a:t>‹N°›</a:t>
             </a:fld>
             <a:endParaRPr lang="fr-FR"/>
@@ -8663,9 +9900,9 @@
           <a:bodyPr/>
           <a:lstStyle/>
           <a:p>
-            <a:fld id="{411785C3-07A4-4BE5-9324-F42A205E743E}" type="datetimeFigureOut">
+            <a:fld id="{84BE817F-8661-4160-B0D5-0370583F394A}" type="datetime1">
               <a:rPr lang="fr-FR" smtClean="0"/>
-              <a:t>22/11/2017</a:t>
+              <a:t>29/11/2017</a:t>
             </a:fld>
             <a:endParaRPr lang="fr-FR"/>
           </a:p>
@@ -8686,7 +9923,10 @@
           <a:bodyPr/>
           <a:lstStyle/>
           <a:p>
-            <a:endParaRPr lang="fr-FR"/>
+            <a:r>
+              <a:rPr lang="fr-FR"/>
+              <a:t>29/11/2017</a:t>
+            </a:r>
           </a:p>
         </p:txBody>
       </p:sp>
@@ -8707,6 +9947,7 @@
           <a:p>
             <a:fld id="{ED22AD06-C296-4654-A2D3-A746ACA7B044}" type="slidenum">
               <a:rPr lang="fr-FR" smtClean="0"/>
+              <a:pPr/>
               <a:t>‹N°›</a:t>
             </a:fld>
             <a:endParaRPr lang="fr-FR"/>
@@ -8943,9 +10184,9 @@
           <a:bodyPr/>
           <a:lstStyle/>
           <a:p>
-            <a:fld id="{411785C3-07A4-4BE5-9324-F42A205E743E}" type="datetimeFigureOut">
+            <a:fld id="{5B020E2B-FBAB-44CB-A326-44A2F7EF54BC}" type="datetime1">
               <a:rPr lang="fr-FR" smtClean="0"/>
-              <a:t>22/11/2017</a:t>
+              <a:t>29/11/2017</a:t>
             </a:fld>
             <a:endParaRPr lang="fr-FR"/>
           </a:p>
@@ -8966,7 +10207,10 @@
           <a:bodyPr/>
           <a:lstStyle/>
           <a:p>
-            <a:endParaRPr lang="fr-FR"/>
+            <a:r>
+              <a:rPr lang="fr-FR"/>
+              <a:t>29/11/2017</a:t>
+            </a:r>
           </a:p>
         </p:txBody>
       </p:sp>
@@ -8987,6 +10231,7 @@
           <a:p>
             <a:fld id="{ED22AD06-C296-4654-A2D3-A746ACA7B044}" type="slidenum">
               <a:rPr lang="fr-FR" smtClean="0"/>
+              <a:pPr/>
               <a:t>‹N°›</a:t>
             </a:fld>
             <a:endParaRPr lang="fr-FR"/>
@@ -9037,7 +10282,7 @@
           <p:nvPr/>
         </p:nvPicPr>
         <p:blipFill>
-          <a:blip r:embed="rId19">
+          <a:blip r:embed="rId19" cstate="print">
             <a:alphaModFix amt="30000"/>
             <a:extLst>
               <a:ext uri="{28A0092B-C50C-407E-A947-70E740481C1C}">
@@ -12020,9 +13265,9 @@
             </a:lvl1pPr>
           </a:lstStyle>
           <a:p>
-            <a:fld id="{411785C3-07A4-4BE5-9324-F42A205E743E}" type="datetimeFigureOut">
+            <a:fld id="{B586F236-74F2-4BDD-8360-680174341481}" type="datetime1">
               <a:rPr lang="fr-FR" smtClean="0"/>
-              <a:t>22/11/2017</a:t>
+              <a:t>29/11/2017</a:t>
             </a:fld>
             <a:endParaRPr lang="fr-FR"/>
           </a:p>
@@ -12061,7 +13306,10 @@
             </a:lvl1pPr>
           </a:lstStyle>
           <a:p>
-            <a:endParaRPr lang="fr-FR"/>
+            <a:r>
+              <a:rPr lang="fr-FR"/>
+              <a:t>29/11/2017</a:t>
+            </a:r>
           </a:p>
         </p:txBody>
       </p:sp>
@@ -12100,6 +13348,7 @@
           <a:p>
             <a:fld id="{ED22AD06-C296-4654-A2D3-A746ACA7B044}" type="slidenum">
               <a:rPr lang="fr-FR" smtClean="0"/>
+              <a:pPr/>
               <a:t>‹N°›</a:t>
             </a:fld>
             <a:endParaRPr lang="fr-FR"/>
@@ -12133,6 +13382,7 @@
     <p:sldLayoutId id="2147483676" r:id="rId16"/>
     <p:sldLayoutId id="2147483677" r:id="rId17"/>
   </p:sldLayoutIdLst>
+  <p:hf hdr="0" dt="0"/>
   <p:txStyles>
     <p:titleStyle>
       <a:lvl1pPr algn="l" defTabSz="914400" rtl="0" eaLnBrk="1" latinLnBrk="0" hangingPunct="1">
@@ -12458,7 +13708,12 @@
             <p:ph type="ctrTitle"/>
           </p:nvPr>
         </p:nvSpPr>
-        <p:spPr/>
+        <p:spPr>
+          <a:xfrm>
+            <a:off x="1616031" y="1722834"/>
+            <a:ext cx="8791575" cy="2387600"/>
+          </a:xfrm>
+        </p:spPr>
         <p:txBody>
           <a:bodyPr/>
           <a:lstStyle/>
@@ -12486,45 +13741,383 @@
             <p:ph type="subTitle" idx="1"/>
           </p:nvPr>
         </p:nvSpPr>
-        <p:spPr/>
-        <p:txBody>
-          <a:bodyPr/>
+        <p:spPr>
+          <a:xfrm>
+            <a:off x="2421579" y="4567179"/>
+            <a:ext cx="8791575" cy="1787107"/>
+          </a:xfrm>
+        </p:spPr>
+        <p:txBody>
+          <a:bodyPr>
+            <a:normAutofit fontScale="92500" lnSpcReduction="10000"/>
+          </a:bodyPr>
           <a:lstStyle/>
           <a:p>
             <a:r>
               <a:rPr lang="fr-FR" dirty="0"/>
-              <a:t>Equipe 7</a:t>
-            </a:r>
-          </a:p>
-          <a:p>
+              <a:t>Découvrir la gestion d’un serveur linux</a:t>
+            </a:r>
+          </a:p>
+          <a:p>
+            <a:r>
+              <a:rPr lang="fr-FR" dirty="0"/>
+              <a:t>Concevoir une solution technique en équipe</a:t>
+            </a:r>
+          </a:p>
+          <a:p>
+            <a:r>
+              <a:rPr lang="fr-FR" dirty="0"/>
+              <a:t>Automatiser le déploiement</a:t>
+            </a:r>
+          </a:p>
+          <a:p>
+            <a:r>
+              <a:rPr lang="fr-FR" dirty="0"/>
+              <a:t>Equipe 7 - Serveur </a:t>
+            </a:r>
             <a:r>
               <a:rPr lang="fr-FR" dirty="0" err="1"/>
+              <a:t>aws</a:t>
+            </a:r>
+            <a:r>
+              <a:rPr lang="fr-FR" dirty="0"/>
+              <a:t> : 52.30.244.231</a:t>
+            </a:r>
+          </a:p>
+        </p:txBody>
+      </p:sp>
+      <p:pic>
+        <p:nvPicPr>
+          <p:cNvPr id="1026" name="Picture 2" descr="Résultat de recherche d'images pour &quot;cloud computing gif&quot;">
+            <a:extLst>
+              <a:ext uri="{FF2B5EF4-FFF2-40B4-BE49-F238E27FC236}">
+                <a16:creationId xmlns:a16="http://schemas.microsoft.com/office/drawing/2014/main" id="{875F3711-323E-418A-9F31-118D17DCE879}"/>
+              </a:ext>
+            </a:extLst>
+          </p:cNvPr>
+          <p:cNvPicPr>
+            <a:picLocks noChangeAspect="1" noChangeArrowheads="1" noCrop="1"/>
+          </p:cNvPicPr>
+          <p:nvPr/>
+        </p:nvPicPr>
+        <p:blipFill>
+          <a:blip r:embed="rId3">
+            <a:extLst>
+              <a:ext uri="{28A0092B-C50C-407E-A947-70E740481C1C}">
+                <a14:useLocalDpi xmlns:a14="http://schemas.microsoft.com/office/drawing/2010/main" val="0"/>
+              </a:ext>
+            </a:extLst>
+          </a:blip>
+          <a:srcRect/>
+          <a:stretch>
+            <a:fillRect/>
+          </a:stretch>
+        </p:blipFill>
+        <p:spPr bwMode="auto">
+          <a:xfrm>
+            <a:off x="7021287" y="141514"/>
+            <a:ext cx="5213047" cy="4691743"/>
+          </a:xfrm>
+          <a:prstGeom prst="rect">
+            <a:avLst/>
+          </a:prstGeom>
+          <a:noFill/>
+          <a:extLst>
+            <a:ext uri="{909E8E84-426E-40DD-AFC4-6F175D3DCCD1}">
+              <a14:hiddenFill xmlns:a14="http://schemas.microsoft.com/office/drawing/2010/main">
+                <a:solidFill>
+                  <a:srgbClr val="FFFFFF"/>
+                </a:solidFill>
+              </a14:hiddenFill>
+            </a:ext>
+          </a:extLst>
+        </p:spPr>
+      </p:pic>
+      <p:pic>
+        <p:nvPicPr>
+          <p:cNvPr id="9" name="Picture 2" descr="Résultat de recherche d'images pour &quot;cloud computing gif&quot;">
+            <a:extLst>
+              <a:ext uri="{FF2B5EF4-FFF2-40B4-BE49-F238E27FC236}">
+                <a16:creationId xmlns:a16="http://schemas.microsoft.com/office/drawing/2014/main" id="{5EB260BE-1652-46F3-AD25-523C412AB487}"/>
+              </a:ext>
+            </a:extLst>
+          </p:cNvPr>
+          <p:cNvPicPr>
+            <a:picLocks noChangeAspect="1" noChangeArrowheads="1" noCrop="1"/>
+          </p:cNvPicPr>
+          <p:nvPr/>
+        </p:nvPicPr>
+        <p:blipFill>
+          <a:blip r:embed="rId3">
+            <a:extLst>
+              <a:ext uri="{28A0092B-C50C-407E-A947-70E740481C1C}">
+                <a14:useLocalDpi xmlns:a14="http://schemas.microsoft.com/office/drawing/2010/main" val="0"/>
+              </a:ext>
+            </a:extLst>
+          </a:blip>
+          <a:srcRect/>
+          <a:stretch>
+            <a:fillRect/>
+          </a:stretch>
+        </p:blipFill>
+        <p:spPr bwMode="auto">
+          <a:xfrm>
+            <a:off x="4557375" y="0"/>
+            <a:ext cx="3530549" cy="3177495"/>
+          </a:xfrm>
+          <a:prstGeom prst="rect">
+            <a:avLst/>
+          </a:prstGeom>
+          <a:noFill/>
+          <a:extLst>
+            <a:ext uri="{909E8E84-426E-40DD-AFC4-6F175D3DCCD1}">
+              <a14:hiddenFill xmlns:a14="http://schemas.microsoft.com/office/drawing/2010/main">
+                <a:solidFill>
+                  <a:srgbClr val="FFFFFF"/>
+                </a:solidFill>
+              </a14:hiddenFill>
+            </a:ext>
+          </a:extLst>
+        </p:spPr>
+      </p:pic>
+      <p:pic>
+        <p:nvPicPr>
+          <p:cNvPr id="10" name="Picture 2" descr="Résultat de recherche d'images pour &quot;cloud computing gif&quot;">
+            <a:extLst>
+              <a:ext uri="{FF2B5EF4-FFF2-40B4-BE49-F238E27FC236}">
+                <a16:creationId xmlns:a16="http://schemas.microsoft.com/office/drawing/2014/main" id="{4123F285-88E8-4E0A-8462-A00383B5835E}"/>
+              </a:ext>
+            </a:extLst>
+          </p:cNvPr>
+          <p:cNvPicPr>
+            <a:picLocks noChangeAspect="1" noChangeArrowheads="1" noCrop="1"/>
+          </p:cNvPicPr>
+          <p:nvPr/>
+        </p:nvPicPr>
+        <p:blipFill>
+          <a:blip r:embed="rId3">
+            <a:extLst>
+              <a:ext uri="{28A0092B-C50C-407E-A947-70E740481C1C}">
+                <a14:useLocalDpi xmlns:a14="http://schemas.microsoft.com/office/drawing/2010/main" val="0"/>
+              </a:ext>
+            </a:extLst>
+          </a:blip>
+          <a:srcRect/>
+          <a:stretch>
+            <a:fillRect/>
+          </a:stretch>
+        </p:blipFill>
+        <p:spPr bwMode="auto">
+          <a:xfrm>
+            <a:off x="2421579" y="-25581"/>
+            <a:ext cx="2424111" cy="2181700"/>
+          </a:xfrm>
+          <a:prstGeom prst="rect">
+            <a:avLst/>
+          </a:prstGeom>
+          <a:noFill/>
+          <a:extLst>
+            <a:ext uri="{909E8E84-426E-40DD-AFC4-6F175D3DCCD1}">
+              <a14:hiddenFill xmlns:a14="http://schemas.microsoft.com/office/drawing/2010/main">
+                <a:solidFill>
+                  <a:srgbClr val="FFFFFF"/>
+                </a:solidFill>
+              </a14:hiddenFill>
+            </a:ext>
+          </a:extLst>
+        </p:spPr>
+      </p:pic>
+      <p:pic>
+        <p:nvPicPr>
+          <p:cNvPr id="11" name="Picture 2" descr="Résultat de recherche d'images pour &quot;cloud computing gif&quot;">
+            <a:extLst>
+              <a:ext uri="{FF2B5EF4-FFF2-40B4-BE49-F238E27FC236}">
+                <a16:creationId xmlns:a16="http://schemas.microsoft.com/office/drawing/2014/main" id="{14364060-81EE-4B6F-89FB-FF65D8B6F12C}"/>
+              </a:ext>
+            </a:extLst>
+          </p:cNvPr>
+          <p:cNvPicPr>
+            <a:picLocks noChangeAspect="1" noChangeArrowheads="1" noCrop="1"/>
+          </p:cNvPicPr>
+          <p:nvPr/>
+        </p:nvPicPr>
+        <p:blipFill>
+          <a:blip r:embed="rId3">
+            <a:extLst>
+              <a:ext uri="{28A0092B-C50C-407E-A947-70E740481C1C}">
+                <a14:useLocalDpi xmlns:a14="http://schemas.microsoft.com/office/drawing/2010/main" val="0"/>
+              </a:ext>
+            </a:extLst>
+          </a:blip>
+          <a:srcRect/>
+          <a:stretch>
+            <a:fillRect/>
+          </a:stretch>
+        </p:blipFill>
+        <p:spPr bwMode="auto">
+          <a:xfrm>
+            <a:off x="1304041" y="60325"/>
+            <a:ext cx="1337745" cy="1203970"/>
+          </a:xfrm>
+          <a:prstGeom prst="rect">
+            <a:avLst/>
+          </a:prstGeom>
+          <a:noFill/>
+          <a:extLst>
+            <a:ext uri="{909E8E84-426E-40DD-AFC4-6F175D3DCCD1}">
+              <a14:hiddenFill xmlns:a14="http://schemas.microsoft.com/office/drawing/2010/main">
+                <a:solidFill>
+                  <a:srgbClr val="FFFFFF"/>
+                </a:solidFill>
+              </a14:hiddenFill>
+            </a:ext>
+          </a:extLst>
+        </p:spPr>
+      </p:pic>
+      <p:sp>
+        <p:nvSpPr>
+          <p:cNvPr id="8" name="ZoneTexte 7">
+            <a:extLst>
+              <a:ext uri="{FF2B5EF4-FFF2-40B4-BE49-F238E27FC236}">
+                <a16:creationId xmlns:a16="http://schemas.microsoft.com/office/drawing/2014/main" id="{7EC5DC56-A10E-4222-8194-B99DF729517A}"/>
+              </a:ext>
+            </a:extLst>
+          </p:cNvPr>
+          <p:cNvSpPr txBox="1"/>
+          <p:nvPr/>
+        </p:nvSpPr>
+        <p:spPr>
+          <a:xfrm>
+            <a:off x="5252355" y="2403640"/>
+            <a:ext cx="1943102" cy="461665"/>
+          </a:xfrm>
+          <a:prstGeom prst="rect">
+            <a:avLst/>
+          </a:prstGeom>
+          <a:noFill/>
+        </p:spPr>
+        <p:txBody>
+          <a:bodyPr wrap="square" rtlCol="0">
+            <a:spAutoFit/>
+          </a:bodyPr>
+          <a:lstStyle/>
+          <a:p>
+            <a:r>
+              <a:rPr lang="fr-FR" sz="2400" dirty="0" err="1"/>
               <a:t>Bontron</a:t>
             </a:r>
             <a:r>
-              <a:rPr lang="fr-FR" dirty="0"/>
-              <a:t> Julien </a:t>
-            </a:r>
-            <a:r>
-              <a:rPr lang="fr-FR" dirty="0" err="1"/>
+              <a:rPr lang="fr-FR" sz="2400" dirty="0"/>
+              <a:t> Julien</a:t>
+            </a:r>
+          </a:p>
+        </p:txBody>
+      </p:sp>
+      <p:sp>
+        <p:nvSpPr>
+          <p:cNvPr id="12" name="Rectangle 11">
+            <a:extLst>
+              <a:ext uri="{FF2B5EF4-FFF2-40B4-BE49-F238E27FC236}">
+                <a16:creationId xmlns:a16="http://schemas.microsoft.com/office/drawing/2014/main" id="{7BD24973-51A2-47F1-96EF-B6B1EF3119F4}"/>
+              </a:ext>
+            </a:extLst>
+          </p:cNvPr>
+          <p:cNvSpPr/>
+          <p:nvPr/>
+        </p:nvSpPr>
+        <p:spPr>
+          <a:xfrm>
+            <a:off x="8040804" y="3804971"/>
+            <a:ext cx="2366802" cy="461665"/>
+          </a:xfrm>
+          <a:prstGeom prst="rect">
+            <a:avLst/>
+          </a:prstGeom>
+        </p:spPr>
+        <p:txBody>
+          <a:bodyPr wrap="none">
+            <a:spAutoFit/>
+          </a:bodyPr>
+          <a:lstStyle/>
+          <a:p>
+            <a:r>
+              <a:rPr lang="fr-FR" sz="2400" dirty="0" err="1"/>
               <a:t>Joymangul</a:t>
             </a:r>
             <a:r>
-              <a:rPr lang="fr-FR" dirty="0"/>
+              <a:rPr lang="fr-FR" sz="2400" dirty="0"/>
               <a:t> Jensen</a:t>
             </a:r>
           </a:p>
-          <a:p>
-            <a:r>
-              <a:rPr lang="fr-FR" dirty="0"/>
+        </p:txBody>
+      </p:sp>
+      <p:sp>
+        <p:nvSpPr>
+          <p:cNvPr id="13" name="Rectangle 12">
+            <a:extLst>
+              <a:ext uri="{FF2B5EF4-FFF2-40B4-BE49-F238E27FC236}">
+                <a16:creationId xmlns:a16="http://schemas.microsoft.com/office/drawing/2014/main" id="{4A4C857A-3CAC-4A4C-A50D-27FF9B400041}"/>
+              </a:ext>
+            </a:extLst>
+          </p:cNvPr>
+          <p:cNvSpPr/>
+          <p:nvPr/>
+        </p:nvSpPr>
+        <p:spPr>
+          <a:xfrm>
+            <a:off x="2421579" y="1609986"/>
+            <a:ext cx="2371162" cy="461665"/>
+          </a:xfrm>
+          <a:prstGeom prst="rect">
+            <a:avLst/>
+          </a:prstGeom>
+        </p:spPr>
+        <p:txBody>
+          <a:bodyPr wrap="none">
+            <a:spAutoFit/>
+          </a:bodyPr>
+          <a:lstStyle/>
+          <a:p>
+            <a:r>
+              <a:rPr lang="fr-FR" sz="2400" dirty="0"/>
               <a:t>Moisson Matthieu </a:t>
             </a:r>
-            <a:r>
-              <a:rPr lang="fr-FR" dirty="0" err="1"/>
+          </a:p>
+        </p:txBody>
+      </p:sp>
+      <p:sp>
+        <p:nvSpPr>
+          <p:cNvPr id="14" name="Rectangle 13">
+            <a:extLst>
+              <a:ext uri="{FF2B5EF4-FFF2-40B4-BE49-F238E27FC236}">
+                <a16:creationId xmlns:a16="http://schemas.microsoft.com/office/drawing/2014/main" id="{B09E73EC-A188-4458-9C7F-18D6C11A6644}"/>
+              </a:ext>
+            </a:extLst>
+          </p:cNvPr>
+          <p:cNvSpPr/>
+          <p:nvPr/>
+        </p:nvSpPr>
+        <p:spPr>
+          <a:xfrm>
+            <a:off x="986205" y="1056705"/>
+            <a:ext cx="1655581" cy="461665"/>
+          </a:xfrm>
+          <a:prstGeom prst="rect">
+            <a:avLst/>
+          </a:prstGeom>
+        </p:spPr>
+        <p:txBody>
+          <a:bodyPr wrap="none">
+            <a:spAutoFit/>
+          </a:bodyPr>
+          <a:lstStyle/>
+          <a:p>
+            <a:r>
+              <a:rPr lang="fr-FR" sz="2400" dirty="0" err="1"/>
               <a:t>Varrel</a:t>
             </a:r>
             <a:r>
-              <a:rPr lang="fr-FR" dirty="0"/>
+              <a:rPr lang="fr-FR" sz="2400" dirty="0"/>
               <a:t> Lilian</a:t>
             </a:r>
           </a:p>
@@ -12534,6 +14127,942 @@
     <p:extLst>
       <p:ext uri="{BB962C8B-B14F-4D97-AF65-F5344CB8AC3E}">
         <p14:creationId xmlns:p14="http://schemas.microsoft.com/office/powerpoint/2010/main" val="68843735"/>
+      </p:ext>
+    </p:extLst>
+  </p:cSld>
+  <p:clrMapOvr>
+    <a:masterClrMapping/>
+  </p:clrMapOvr>
+</p:sld>
+</file>
+
+<file path=ppt/slides/slide10.xml><?xml version="1.0" encoding="utf-8"?>
+<p:sld xmlns:a="http://schemas.openxmlformats.org/drawingml/2006/main" xmlns:r="http://schemas.openxmlformats.org/officeDocument/2006/relationships" xmlns:p="http://schemas.openxmlformats.org/presentationml/2006/main">
+  <p:cSld>
+    <p:spTree>
+      <p:nvGrpSpPr>
+        <p:cNvPr id="1" name=""/>
+        <p:cNvGrpSpPr/>
+        <p:nvPr/>
+      </p:nvGrpSpPr>
+      <p:grpSpPr>
+        <a:xfrm>
+          <a:off x="0" y="0"/>
+          <a:ext cx="0" cy="0"/>
+          <a:chOff x="0" y="0"/>
+          <a:chExt cx="0" cy="0"/>
+        </a:xfrm>
+      </p:grpSpPr>
+      <p:sp>
+        <p:nvSpPr>
+          <p:cNvPr id="2" name="Titre 1">
+            <a:extLst>
+              <a:ext uri="{FF2B5EF4-FFF2-40B4-BE49-F238E27FC236}">
+                <a16:creationId xmlns:a16="http://schemas.microsoft.com/office/drawing/2014/main" id="{0845828D-6CC7-4486-8B9C-DD5D9F22D31D}"/>
+              </a:ext>
+            </a:extLst>
+          </p:cNvPr>
+          <p:cNvSpPr>
+            <a:spLocks noGrp="1"/>
+          </p:cNvSpPr>
+          <p:nvPr>
+            <p:ph type="title"/>
+          </p:nvPr>
+        </p:nvSpPr>
+        <p:spPr/>
+        <p:txBody>
+          <a:bodyPr>
+            <a:normAutofit fontScale="90000"/>
+          </a:bodyPr>
+          <a:lstStyle/>
+          <a:p>
+            <a:r>
+              <a:rPr lang="fr-FR" dirty="0"/>
+              <a:t>CI/CD : Intégration continue </a:t>
+            </a:r>
+            <a:br>
+              <a:rPr lang="fr-FR" dirty="0"/>
+            </a:br>
+            <a:r>
+              <a:rPr lang="fr-FR" dirty="0"/>
+              <a:t>Serveur d’intégration (CI)</a:t>
+            </a:r>
+            <a:br>
+              <a:rPr lang="fr-FR" dirty="0"/>
+            </a:br>
+            <a:endParaRPr lang="fr-FR" dirty="0"/>
+          </a:p>
+        </p:txBody>
+      </p:sp>
+      <p:sp>
+        <p:nvSpPr>
+          <p:cNvPr id="3" name="Espace réservé du contenu 2">
+            <a:extLst>
+              <a:ext uri="{FF2B5EF4-FFF2-40B4-BE49-F238E27FC236}">
+                <a16:creationId xmlns:a16="http://schemas.microsoft.com/office/drawing/2014/main" id="{D2565F79-8447-4704-800E-75742A26C65D}"/>
+              </a:ext>
+            </a:extLst>
+          </p:cNvPr>
+          <p:cNvSpPr>
+            <a:spLocks noGrp="1"/>
+          </p:cNvSpPr>
+          <p:nvPr>
+            <p:ph sz="half" idx="2"/>
+          </p:nvPr>
+        </p:nvSpPr>
+        <p:spPr>
+          <a:xfrm>
+            <a:off x="1141410" y="2097087"/>
+            <a:ext cx="4878391" cy="3694111"/>
+          </a:xfrm>
+        </p:spPr>
+        <p:txBody>
+          <a:bodyPr>
+            <a:normAutofit/>
+          </a:bodyPr>
+          <a:lstStyle/>
+          <a:p>
+            <a:r>
+              <a:rPr lang="fr-FR" dirty="0">
+                <a:solidFill>
+                  <a:schemeClr val="accent1">
+                    <a:lumMod val="60000"/>
+                    <a:lumOff val="40000"/>
+                  </a:schemeClr>
+                </a:solidFill>
+              </a:rPr>
+              <a:t>Travis</a:t>
+            </a:r>
+          </a:p>
+          <a:p>
+            <a:pPr marL="457200" lvl="1" indent="0">
+              <a:buNone/>
+            </a:pPr>
+            <a:r>
+              <a:rPr lang="fr-FR" dirty="0">
+                <a:solidFill>
+                  <a:schemeClr val="accent1">
+                    <a:lumMod val="60000"/>
+                    <a:lumOff val="40000"/>
+                  </a:schemeClr>
+                </a:solidFill>
+              </a:rPr>
+              <a:t>+ avec </a:t>
+            </a:r>
+            <a:r>
+              <a:rPr lang="fr-FR" dirty="0" err="1">
+                <a:solidFill>
+                  <a:schemeClr val="accent1">
+                    <a:lumMod val="60000"/>
+                    <a:lumOff val="40000"/>
+                  </a:schemeClr>
+                </a:solidFill>
+              </a:rPr>
+              <a:t>Github</a:t>
+            </a:r>
+            <a:r>
+              <a:rPr lang="fr-FR" dirty="0">
+                <a:solidFill>
+                  <a:schemeClr val="accent1">
+                    <a:lumMod val="60000"/>
+                    <a:lumOff val="40000"/>
+                  </a:schemeClr>
+                </a:solidFill>
+              </a:rPr>
+              <a:t> (analyse tout les push </a:t>
+            </a:r>
+            <a:r>
+              <a:rPr lang="fr-FR" dirty="0" err="1">
+                <a:solidFill>
+                  <a:schemeClr val="accent1">
+                    <a:lumMod val="60000"/>
+                    <a:lumOff val="40000"/>
+                  </a:schemeClr>
+                </a:solidFill>
+              </a:rPr>
+              <a:t>Github</a:t>
+            </a:r>
+            <a:r>
+              <a:rPr lang="fr-FR" dirty="0">
+                <a:solidFill>
+                  <a:schemeClr val="accent1">
+                    <a:lumMod val="60000"/>
+                    <a:lumOff val="40000"/>
+                  </a:schemeClr>
+                </a:solidFill>
+              </a:rPr>
+              <a:t>)</a:t>
+            </a:r>
+          </a:p>
+          <a:p>
+            <a:pPr marL="457200" lvl="1" indent="0">
+              <a:buNone/>
+            </a:pPr>
+            <a:r>
+              <a:rPr lang="fr-FR" dirty="0">
+                <a:solidFill>
+                  <a:schemeClr val="accent1">
+                    <a:lumMod val="60000"/>
+                    <a:lumOff val="40000"/>
+                  </a:schemeClr>
+                </a:solidFill>
+              </a:rPr>
+              <a:t>+ simple d’utilisation (écriture d’un seul fichier </a:t>
+            </a:r>
+            <a:r>
+              <a:rPr lang="fr-FR" dirty="0" err="1">
+                <a:solidFill>
+                  <a:schemeClr val="accent1">
+                    <a:lumMod val="60000"/>
+                    <a:lumOff val="40000"/>
+                  </a:schemeClr>
+                </a:solidFill>
+              </a:rPr>
+              <a:t>travis.yml</a:t>
+            </a:r>
+            <a:r>
+              <a:rPr lang="fr-FR" dirty="0">
+                <a:solidFill>
+                  <a:schemeClr val="accent1">
+                    <a:lumMod val="60000"/>
+                    <a:lumOff val="40000"/>
+                  </a:schemeClr>
+                </a:solidFill>
+              </a:rPr>
+              <a:t>)</a:t>
+            </a:r>
+          </a:p>
+          <a:p>
+            <a:pPr marL="457200" lvl="1" indent="0">
+              <a:buNone/>
+            </a:pPr>
+            <a:r>
+              <a:rPr lang="fr-FR" dirty="0">
+                <a:solidFill>
+                  <a:schemeClr val="accent1">
+                    <a:lumMod val="60000"/>
+                    <a:lumOff val="40000"/>
+                  </a:schemeClr>
+                </a:solidFill>
+              </a:rPr>
+              <a:t>+supporte plus d’un douzaine de langage</a:t>
+            </a:r>
+          </a:p>
+          <a:p>
+            <a:pPr marL="457200" lvl="1" indent="0">
+              <a:buNone/>
+            </a:pPr>
+            <a:r>
+              <a:rPr lang="fr-FR" dirty="0">
+                <a:solidFill>
+                  <a:schemeClr val="accent1">
+                    <a:lumMod val="60000"/>
+                    <a:lumOff val="40000"/>
+                  </a:schemeClr>
+                </a:solidFill>
+              </a:rPr>
+              <a:t>+large communauté </a:t>
+            </a:r>
+          </a:p>
+          <a:p>
+            <a:endParaRPr lang="fr-FR" dirty="0"/>
+          </a:p>
+        </p:txBody>
+      </p:sp>
+      <p:sp>
+        <p:nvSpPr>
+          <p:cNvPr id="6" name="Espace réservé du contenu 5">
+            <a:extLst>
+              <a:ext uri="{FF2B5EF4-FFF2-40B4-BE49-F238E27FC236}">
+                <a16:creationId xmlns:a16="http://schemas.microsoft.com/office/drawing/2014/main" id="{E72588E6-DD5B-48C8-86FB-E66FFBA90F82}"/>
+              </a:ext>
+            </a:extLst>
+          </p:cNvPr>
+          <p:cNvSpPr>
+            <a:spLocks noGrp="1"/>
+          </p:cNvSpPr>
+          <p:nvPr>
+            <p:ph sz="quarter" idx="4"/>
+          </p:nvPr>
+        </p:nvSpPr>
+        <p:spPr>
+          <a:xfrm>
+            <a:off x="6172200" y="2188029"/>
+            <a:ext cx="4875210" cy="3603169"/>
+          </a:xfrm>
+        </p:spPr>
+        <p:txBody>
+          <a:bodyPr>
+            <a:normAutofit/>
+          </a:bodyPr>
+          <a:lstStyle/>
+          <a:p>
+            <a:pPr lvl="1"/>
+            <a:r>
+              <a:rPr lang="fr-FR" sz="2400" dirty="0">
+                <a:solidFill>
+                  <a:schemeClr val="accent2">
+                    <a:lumMod val="40000"/>
+                    <a:lumOff val="60000"/>
+                  </a:schemeClr>
+                </a:solidFill>
+              </a:rPr>
+              <a:t>Jenkins</a:t>
+            </a:r>
+            <a:endParaRPr lang="fr-FR" dirty="0">
+              <a:solidFill>
+                <a:schemeClr val="accent2">
+                  <a:lumMod val="40000"/>
+                  <a:lumOff val="60000"/>
+                </a:schemeClr>
+              </a:solidFill>
+            </a:endParaRPr>
+          </a:p>
+          <a:p>
+            <a:pPr marL="457200" lvl="1" indent="0">
+              <a:buNone/>
+            </a:pPr>
+            <a:r>
+              <a:rPr lang="fr-FR" dirty="0">
+                <a:solidFill>
+                  <a:schemeClr val="accent2">
+                    <a:lumMod val="40000"/>
+                    <a:lumOff val="60000"/>
+                  </a:schemeClr>
+                </a:solidFill>
+              </a:rPr>
+              <a:t>	+ gratuit et open source</a:t>
+            </a:r>
+          </a:p>
+          <a:p>
+            <a:pPr marL="457200" lvl="1" indent="0">
+              <a:buNone/>
+            </a:pPr>
+            <a:r>
+              <a:rPr lang="fr-FR" dirty="0">
+                <a:solidFill>
+                  <a:schemeClr val="accent2">
+                    <a:lumMod val="40000"/>
+                    <a:lumOff val="60000"/>
+                  </a:schemeClr>
+                </a:solidFill>
+              </a:rPr>
+              <a:t>	+ beaucoup de plugin</a:t>
+            </a:r>
+          </a:p>
+          <a:p>
+            <a:pPr marL="457200" lvl="1" indent="0">
+              <a:buNone/>
+            </a:pPr>
+            <a:r>
+              <a:rPr lang="fr-FR" dirty="0">
+                <a:solidFill>
+                  <a:schemeClr val="accent2">
+                    <a:lumMod val="40000"/>
+                    <a:lumOff val="60000"/>
+                  </a:schemeClr>
+                </a:solidFill>
+              </a:rPr>
+              <a:t>	+ supporte de nombreux VCS (git, 	SVN, Mercurial)</a:t>
+            </a:r>
+          </a:p>
+          <a:p>
+            <a:pPr marL="457200" lvl="1" indent="0">
+              <a:buNone/>
+            </a:pPr>
+            <a:r>
+              <a:rPr lang="fr-FR" dirty="0">
+                <a:solidFill>
+                  <a:schemeClr val="accent2">
+                    <a:lumMod val="40000"/>
+                    <a:lumOff val="60000"/>
+                  </a:schemeClr>
+                </a:solidFill>
+              </a:rPr>
+              <a:t>	+ facile d’installation</a:t>
+            </a:r>
+          </a:p>
+          <a:p>
+            <a:pPr marL="457200" lvl="1" indent="0">
+              <a:buNone/>
+            </a:pPr>
+            <a:endParaRPr lang="fr-FR" dirty="0"/>
+          </a:p>
+          <a:p>
+            <a:endParaRPr lang="fr-FR" dirty="0"/>
+          </a:p>
+        </p:txBody>
+      </p:sp>
+      <p:sp>
+        <p:nvSpPr>
+          <p:cNvPr id="4" name="Espace réservé du pied de page 3">
+            <a:extLst>
+              <a:ext uri="{FF2B5EF4-FFF2-40B4-BE49-F238E27FC236}">
+                <a16:creationId xmlns:a16="http://schemas.microsoft.com/office/drawing/2014/main" id="{D4BDCF3C-4CEF-4C3D-B0AB-820E91CB4D87}"/>
+              </a:ext>
+            </a:extLst>
+          </p:cNvPr>
+          <p:cNvSpPr>
+            <a:spLocks noGrp="1"/>
+          </p:cNvSpPr>
+          <p:nvPr>
+            <p:ph type="ftr" sz="quarter" idx="11"/>
+          </p:nvPr>
+        </p:nvSpPr>
+        <p:spPr/>
+        <p:txBody>
+          <a:bodyPr/>
+          <a:lstStyle/>
+          <a:p>
+            <a:r>
+              <a:rPr lang="fr-FR"/>
+              <a:t>29/11/2017</a:t>
+            </a:r>
+          </a:p>
+        </p:txBody>
+      </p:sp>
+      <p:sp>
+        <p:nvSpPr>
+          <p:cNvPr id="5" name="Espace réservé du numéro de diapositive 4">
+            <a:extLst>
+              <a:ext uri="{FF2B5EF4-FFF2-40B4-BE49-F238E27FC236}">
+                <a16:creationId xmlns:a16="http://schemas.microsoft.com/office/drawing/2014/main" id="{44C012D5-735C-4D3C-9885-074DB86045D8}"/>
+              </a:ext>
+            </a:extLst>
+          </p:cNvPr>
+          <p:cNvSpPr>
+            <a:spLocks noGrp="1"/>
+          </p:cNvSpPr>
+          <p:nvPr>
+            <p:ph type="sldNum" sz="quarter" idx="12"/>
+          </p:nvPr>
+        </p:nvSpPr>
+        <p:spPr/>
+        <p:txBody>
+          <a:bodyPr/>
+          <a:lstStyle/>
+          <a:p>
+            <a:fld id="{ED22AD06-C296-4654-A2D3-A746ACA7B044}" type="slidenum">
+              <a:rPr lang="fr-FR" smtClean="0"/>
+              <a:pPr/>
+              <a:t>10</a:t>
+            </a:fld>
+            <a:endParaRPr lang="fr-FR"/>
+          </a:p>
+        </p:txBody>
+      </p:sp>
+    </p:spTree>
+    <p:extLst>
+      <p:ext uri="{BB962C8B-B14F-4D97-AF65-F5344CB8AC3E}">
+        <p14:creationId xmlns:p14="http://schemas.microsoft.com/office/powerpoint/2010/main" val="473782799"/>
+      </p:ext>
+    </p:extLst>
+  </p:cSld>
+  <p:clrMapOvr>
+    <a:masterClrMapping/>
+  </p:clrMapOvr>
+</p:sld>
+</file>
+
+<file path=ppt/slides/slide11.xml><?xml version="1.0" encoding="utf-8"?>
+<p:sld xmlns:a="http://schemas.openxmlformats.org/drawingml/2006/main" xmlns:r="http://schemas.openxmlformats.org/officeDocument/2006/relationships" xmlns:p="http://schemas.openxmlformats.org/presentationml/2006/main">
+  <p:cSld>
+    <p:spTree>
+      <p:nvGrpSpPr>
+        <p:cNvPr id="1" name=""/>
+        <p:cNvGrpSpPr/>
+        <p:nvPr/>
+      </p:nvGrpSpPr>
+      <p:grpSpPr>
+        <a:xfrm>
+          <a:off x="0" y="0"/>
+          <a:ext cx="0" cy="0"/>
+          <a:chOff x="0" y="0"/>
+          <a:chExt cx="0" cy="0"/>
+        </a:xfrm>
+      </p:grpSpPr>
+      <p:sp>
+        <p:nvSpPr>
+          <p:cNvPr id="2" name="Titre 1">
+            <a:extLst>
+              <a:ext uri="{FF2B5EF4-FFF2-40B4-BE49-F238E27FC236}">
+                <a16:creationId xmlns:a16="http://schemas.microsoft.com/office/drawing/2014/main" id="{0845828D-6CC7-4486-8B9C-DD5D9F22D31D}"/>
+              </a:ext>
+            </a:extLst>
+          </p:cNvPr>
+          <p:cNvSpPr>
+            <a:spLocks noGrp="1"/>
+          </p:cNvSpPr>
+          <p:nvPr>
+            <p:ph type="title"/>
+          </p:nvPr>
+        </p:nvSpPr>
+        <p:spPr/>
+        <p:txBody>
+          <a:bodyPr/>
+          <a:lstStyle/>
+          <a:p>
+            <a:r>
+              <a:rPr lang="fr-FR" dirty="0"/>
+              <a:t>CI/CD : Déploiement continu</a:t>
+            </a:r>
+          </a:p>
+        </p:txBody>
+      </p:sp>
+      <p:sp>
+        <p:nvSpPr>
+          <p:cNvPr id="3" name="Espace réservé du contenu 2">
+            <a:extLst>
+              <a:ext uri="{FF2B5EF4-FFF2-40B4-BE49-F238E27FC236}">
+                <a16:creationId xmlns:a16="http://schemas.microsoft.com/office/drawing/2014/main" id="{D2565F79-8447-4704-800E-75742A26C65D}"/>
+              </a:ext>
+            </a:extLst>
+          </p:cNvPr>
+          <p:cNvSpPr>
+            <a:spLocks noGrp="1"/>
+          </p:cNvSpPr>
+          <p:nvPr>
+            <p:ph idx="1"/>
+          </p:nvPr>
+        </p:nvSpPr>
+        <p:spPr>
+          <a:xfrm>
+            <a:off x="1141413" y="1655720"/>
+            <a:ext cx="9905999" cy="4982585"/>
+          </a:xfrm>
+        </p:spPr>
+        <p:txBody>
+          <a:bodyPr/>
+          <a:lstStyle/>
+          <a:p>
+            <a:r>
+              <a:rPr lang="fr-FR" dirty="0"/>
+              <a:t>Automatisation des tests</a:t>
+            </a:r>
+          </a:p>
+          <a:p>
+            <a:pPr lvl="1"/>
+            <a:r>
+              <a:rPr lang="fr-FR" dirty="0" err="1"/>
+              <a:t>Mock</a:t>
+            </a:r>
+            <a:endParaRPr lang="fr-FR" dirty="0"/>
+          </a:p>
+          <a:p>
+            <a:pPr lvl="1"/>
+            <a:r>
+              <a:rPr lang="fr-FR" dirty="0"/>
+              <a:t>Travis</a:t>
+            </a:r>
+          </a:p>
+          <a:p>
+            <a:r>
+              <a:rPr lang="fr-FR" dirty="0"/>
+              <a:t>Images Docker</a:t>
+            </a:r>
+          </a:p>
+          <a:p>
+            <a:pPr lvl="1"/>
+            <a:r>
+              <a:rPr lang="fr-FR" dirty="0"/>
+              <a:t>Même configuration sur notre machine que sur le serveur</a:t>
+            </a:r>
+          </a:p>
+          <a:p>
+            <a:pPr lvl="1"/>
+            <a:r>
+              <a:rPr lang="fr-FR" dirty="0"/>
+              <a:t>Déploiement en une commande</a:t>
+            </a:r>
+          </a:p>
+          <a:p>
+            <a:pPr lvl="1"/>
+            <a:r>
+              <a:rPr lang="fr-FR" dirty="0"/>
+              <a:t>La panne d’un conteneur ne rend pas tout le serveur HS</a:t>
+            </a:r>
+          </a:p>
+        </p:txBody>
+      </p:sp>
+      <p:sp>
+        <p:nvSpPr>
+          <p:cNvPr id="4" name="Espace réservé du pied de page 3">
+            <a:extLst>
+              <a:ext uri="{FF2B5EF4-FFF2-40B4-BE49-F238E27FC236}">
+                <a16:creationId xmlns:a16="http://schemas.microsoft.com/office/drawing/2014/main" id="{0A8F501C-9209-40B4-A95F-C00802466179}"/>
+              </a:ext>
+            </a:extLst>
+          </p:cNvPr>
+          <p:cNvSpPr>
+            <a:spLocks noGrp="1"/>
+          </p:cNvSpPr>
+          <p:nvPr>
+            <p:ph type="ftr" sz="quarter" idx="11"/>
+          </p:nvPr>
+        </p:nvSpPr>
+        <p:spPr/>
+        <p:txBody>
+          <a:bodyPr/>
+          <a:lstStyle/>
+          <a:p>
+            <a:r>
+              <a:rPr lang="fr-FR"/>
+              <a:t>29/11/2017</a:t>
+            </a:r>
+          </a:p>
+        </p:txBody>
+      </p:sp>
+      <p:sp>
+        <p:nvSpPr>
+          <p:cNvPr id="5" name="Espace réservé du numéro de diapositive 4">
+            <a:extLst>
+              <a:ext uri="{FF2B5EF4-FFF2-40B4-BE49-F238E27FC236}">
+                <a16:creationId xmlns:a16="http://schemas.microsoft.com/office/drawing/2014/main" id="{2E162C00-9BEA-48A6-8E2D-CFF6F8DFC0F9}"/>
+              </a:ext>
+            </a:extLst>
+          </p:cNvPr>
+          <p:cNvSpPr>
+            <a:spLocks noGrp="1"/>
+          </p:cNvSpPr>
+          <p:nvPr>
+            <p:ph type="sldNum" sz="quarter" idx="12"/>
+          </p:nvPr>
+        </p:nvSpPr>
+        <p:spPr/>
+        <p:txBody>
+          <a:bodyPr/>
+          <a:lstStyle/>
+          <a:p>
+            <a:fld id="{ED22AD06-C296-4654-A2D3-A746ACA7B044}" type="slidenum">
+              <a:rPr lang="fr-FR" smtClean="0"/>
+              <a:pPr/>
+              <a:t>11</a:t>
+            </a:fld>
+            <a:endParaRPr lang="fr-FR"/>
+          </a:p>
+        </p:txBody>
+      </p:sp>
+    </p:spTree>
+    <p:extLst>
+      <p:ext uri="{BB962C8B-B14F-4D97-AF65-F5344CB8AC3E}">
+        <p14:creationId xmlns:p14="http://schemas.microsoft.com/office/powerpoint/2010/main" val="3015462745"/>
+      </p:ext>
+    </p:extLst>
+  </p:cSld>
+  <p:clrMapOvr>
+    <a:masterClrMapping/>
+  </p:clrMapOvr>
+</p:sld>
+</file>
+
+<file path=ppt/slides/slide12.xml><?xml version="1.0" encoding="utf-8"?>
+<p:sld xmlns:a="http://schemas.openxmlformats.org/drawingml/2006/main" xmlns:r="http://schemas.openxmlformats.org/officeDocument/2006/relationships" xmlns:p="http://schemas.openxmlformats.org/presentationml/2006/main">
+  <p:cSld>
+    <p:spTree>
+      <p:nvGrpSpPr>
+        <p:cNvPr id="1" name=""/>
+        <p:cNvGrpSpPr/>
+        <p:nvPr/>
+      </p:nvGrpSpPr>
+      <p:grpSpPr>
+        <a:xfrm>
+          <a:off x="0" y="0"/>
+          <a:ext cx="0" cy="0"/>
+          <a:chOff x="0" y="0"/>
+          <a:chExt cx="0" cy="0"/>
+        </a:xfrm>
+      </p:grpSpPr>
+      <p:sp>
+        <p:nvSpPr>
+          <p:cNvPr id="2" name="Titre 1">
+            <a:extLst>
+              <a:ext uri="{FF2B5EF4-FFF2-40B4-BE49-F238E27FC236}">
+                <a16:creationId xmlns:a16="http://schemas.microsoft.com/office/drawing/2014/main" id="{96C5FFFE-9A22-4089-93E1-9CA9315E180B}"/>
+              </a:ext>
+            </a:extLst>
+          </p:cNvPr>
+          <p:cNvSpPr>
+            <a:spLocks noGrp="1"/>
+          </p:cNvSpPr>
+          <p:nvPr>
+            <p:ph type="title"/>
+          </p:nvPr>
+        </p:nvSpPr>
+        <p:spPr/>
+        <p:txBody>
+          <a:bodyPr/>
+          <a:lstStyle/>
+          <a:p>
+            <a:r>
+              <a:rPr lang="fr-FR" dirty="0"/>
+              <a:t>Difficultés rencontrées et retours sur l'UE</a:t>
+            </a:r>
+          </a:p>
+        </p:txBody>
+      </p:sp>
+      <p:sp>
+        <p:nvSpPr>
+          <p:cNvPr id="3" name="Espace réservé du contenu 2">
+            <a:extLst>
+              <a:ext uri="{FF2B5EF4-FFF2-40B4-BE49-F238E27FC236}">
+                <a16:creationId xmlns:a16="http://schemas.microsoft.com/office/drawing/2014/main" id="{9ACD37A6-8B7D-497E-82A3-56A503C1FCEF}"/>
+              </a:ext>
+            </a:extLst>
+          </p:cNvPr>
+          <p:cNvSpPr>
+            <a:spLocks noGrp="1"/>
+          </p:cNvSpPr>
+          <p:nvPr>
+            <p:ph idx="1"/>
+          </p:nvPr>
+        </p:nvSpPr>
+        <p:spPr/>
+        <p:txBody>
+          <a:bodyPr/>
+          <a:lstStyle/>
+          <a:p>
+            <a:r>
+              <a:rPr lang="fr-FR" dirty="0"/>
+              <a:t>Difficultés pour créer l’environnement docker</a:t>
+            </a:r>
+          </a:p>
+          <a:p>
+            <a:r>
+              <a:rPr lang="fr-FR" dirty="0"/>
+              <a:t>Rapproché ce projet du cours sur Docker que nous avions eu en début de semestre </a:t>
+            </a:r>
+          </a:p>
+          <a:p>
+            <a:r>
+              <a:rPr lang="fr-FR" dirty="0"/>
+              <a:t>Difficultés rencontrées pour la mise en place de Travis</a:t>
+            </a:r>
+          </a:p>
+          <a:p>
+            <a:r>
+              <a:rPr lang="fr-FR" dirty="0"/>
+              <a:t>Trop de temps passé sur l’api et les tests et peu sur le cloud</a:t>
+            </a:r>
+          </a:p>
+        </p:txBody>
+      </p:sp>
+      <p:sp>
+        <p:nvSpPr>
+          <p:cNvPr id="4" name="Espace réservé du pied de page 3">
+            <a:extLst>
+              <a:ext uri="{FF2B5EF4-FFF2-40B4-BE49-F238E27FC236}">
+                <a16:creationId xmlns:a16="http://schemas.microsoft.com/office/drawing/2014/main" id="{FE57F0ED-9C4C-443E-B031-07397C1EB0F9}"/>
+              </a:ext>
+            </a:extLst>
+          </p:cNvPr>
+          <p:cNvSpPr>
+            <a:spLocks noGrp="1"/>
+          </p:cNvSpPr>
+          <p:nvPr>
+            <p:ph type="ftr" sz="quarter" idx="11"/>
+          </p:nvPr>
+        </p:nvSpPr>
+        <p:spPr/>
+        <p:txBody>
+          <a:bodyPr/>
+          <a:lstStyle/>
+          <a:p>
+            <a:r>
+              <a:rPr lang="fr-FR"/>
+              <a:t>29/11/2017</a:t>
+            </a:r>
+          </a:p>
+        </p:txBody>
+      </p:sp>
+      <p:sp>
+        <p:nvSpPr>
+          <p:cNvPr id="5" name="Espace réservé du numéro de diapositive 4">
+            <a:extLst>
+              <a:ext uri="{FF2B5EF4-FFF2-40B4-BE49-F238E27FC236}">
+                <a16:creationId xmlns:a16="http://schemas.microsoft.com/office/drawing/2014/main" id="{4A85B28A-E6CA-4C46-B7F4-5A6A714D0244}"/>
+              </a:ext>
+            </a:extLst>
+          </p:cNvPr>
+          <p:cNvSpPr>
+            <a:spLocks noGrp="1"/>
+          </p:cNvSpPr>
+          <p:nvPr>
+            <p:ph type="sldNum" sz="quarter" idx="12"/>
+          </p:nvPr>
+        </p:nvSpPr>
+        <p:spPr/>
+        <p:txBody>
+          <a:bodyPr/>
+          <a:lstStyle/>
+          <a:p>
+            <a:fld id="{ED22AD06-C296-4654-A2D3-A746ACA7B044}" type="slidenum">
+              <a:rPr lang="fr-FR" smtClean="0"/>
+              <a:pPr/>
+              <a:t>12</a:t>
+            </a:fld>
+            <a:endParaRPr lang="fr-FR"/>
+          </a:p>
+        </p:txBody>
+      </p:sp>
+    </p:spTree>
+    <p:extLst>
+      <p:ext uri="{BB962C8B-B14F-4D97-AF65-F5344CB8AC3E}">
+        <p14:creationId xmlns:p14="http://schemas.microsoft.com/office/powerpoint/2010/main" val="3260277226"/>
+      </p:ext>
+    </p:extLst>
+  </p:cSld>
+  <p:clrMapOvr>
+    <a:masterClrMapping/>
+  </p:clrMapOvr>
+</p:sld>
+</file>
+
+<file path=ppt/slides/slide13.xml><?xml version="1.0" encoding="utf-8"?>
+<p:sld xmlns:a="http://schemas.openxmlformats.org/drawingml/2006/main" xmlns:r="http://schemas.openxmlformats.org/officeDocument/2006/relationships" xmlns:p="http://schemas.openxmlformats.org/presentationml/2006/main">
+  <p:cSld>
+    <p:spTree>
+      <p:nvGrpSpPr>
+        <p:cNvPr id="1" name=""/>
+        <p:cNvGrpSpPr/>
+        <p:nvPr/>
+      </p:nvGrpSpPr>
+      <p:grpSpPr>
+        <a:xfrm>
+          <a:off x="0" y="0"/>
+          <a:ext cx="0" cy="0"/>
+          <a:chOff x="0" y="0"/>
+          <a:chExt cx="0" cy="0"/>
+        </a:xfrm>
+      </p:grpSpPr>
+      <p:sp>
+        <p:nvSpPr>
+          <p:cNvPr id="6" name="Titre 5"/>
+          <p:cNvSpPr>
+            <a:spLocks noGrp="1"/>
+          </p:cNvSpPr>
+          <p:nvPr>
+            <p:ph type="title"/>
+          </p:nvPr>
+        </p:nvSpPr>
+        <p:spPr>
+          <a:xfrm>
+            <a:off x="835920" y="160176"/>
+            <a:ext cx="10187650" cy="1763627"/>
+          </a:xfrm>
+        </p:spPr>
+        <p:txBody>
+          <a:bodyPr>
+            <a:noAutofit/>
+          </a:bodyPr>
+          <a:lstStyle/>
+          <a:p>
+            <a:pPr algn="ctr"/>
+            <a:r>
+              <a:rPr lang="fr-FR" sz="4800" dirty="0"/>
+              <a:t>MERCI</a:t>
+            </a:r>
+            <a:br>
+              <a:rPr lang="fr-FR" sz="4800" dirty="0"/>
+            </a:br>
+            <a:r>
+              <a:rPr lang="fr-FR" sz="4800" dirty="0"/>
+              <a:t>BEAUCOUP</a:t>
+            </a:r>
+          </a:p>
+        </p:txBody>
+      </p:sp>
+      <p:pic>
+        <p:nvPicPr>
+          <p:cNvPr id="17" name="Espace réservé pour une image  16"/>
+          <p:cNvPicPr>
+            <a:picLocks noGrp="1" noChangeAspect="1"/>
+          </p:cNvPicPr>
+          <p:nvPr>
+            <p:ph type="pic" idx="1"/>
+          </p:nvPr>
+        </p:nvPicPr>
+        <p:blipFill>
+          <a:blip r:embed="rId2" cstate="print">
+            <a:extLst>
+              <a:ext uri="{28A0092B-C50C-407E-A947-70E740481C1C}">
+                <a14:useLocalDpi xmlns:a14="http://schemas.microsoft.com/office/drawing/2010/main" val="0"/>
+              </a:ext>
+            </a:extLst>
+          </a:blip>
+          <a:srcRect t="13168" b="13168"/>
+          <a:stretch>
+            <a:fillRect/>
+          </a:stretch>
+        </p:blipFill>
+        <p:spPr>
+          <a:xfrm>
+            <a:off x="0" y="2007715"/>
+            <a:ext cx="12192000" cy="4058662"/>
+          </a:xfrm>
+        </p:spPr>
+      </p:pic>
+      <p:sp>
+        <p:nvSpPr>
+          <p:cNvPr id="2" name="Espace réservé du pied de page 1">
+            <a:extLst>
+              <a:ext uri="{FF2B5EF4-FFF2-40B4-BE49-F238E27FC236}">
+                <a16:creationId xmlns:a16="http://schemas.microsoft.com/office/drawing/2014/main" id="{DAD366EE-CDFA-4FC0-8F88-D3E465C50375}"/>
+              </a:ext>
+            </a:extLst>
+          </p:cNvPr>
+          <p:cNvSpPr>
+            <a:spLocks noGrp="1"/>
+          </p:cNvSpPr>
+          <p:nvPr>
+            <p:ph type="ftr" sz="quarter" idx="11"/>
+          </p:nvPr>
+        </p:nvSpPr>
+        <p:spPr/>
+        <p:txBody>
+          <a:bodyPr/>
+          <a:lstStyle/>
+          <a:p>
+            <a:r>
+              <a:rPr lang="fr-FR"/>
+              <a:t>29/11/2017</a:t>
+            </a:r>
+          </a:p>
+        </p:txBody>
+      </p:sp>
+      <p:sp>
+        <p:nvSpPr>
+          <p:cNvPr id="3" name="Espace réservé du numéro de diapositive 2">
+            <a:extLst>
+              <a:ext uri="{FF2B5EF4-FFF2-40B4-BE49-F238E27FC236}">
+                <a16:creationId xmlns:a16="http://schemas.microsoft.com/office/drawing/2014/main" id="{50DD73EC-6D34-45BD-8BA7-CECBDB908D1D}"/>
+              </a:ext>
+            </a:extLst>
+          </p:cNvPr>
+          <p:cNvSpPr>
+            <a:spLocks noGrp="1"/>
+          </p:cNvSpPr>
+          <p:nvPr>
+            <p:ph type="sldNum" sz="quarter" idx="12"/>
+          </p:nvPr>
+        </p:nvSpPr>
+        <p:spPr/>
+        <p:txBody>
+          <a:bodyPr/>
+          <a:lstStyle/>
+          <a:p>
+            <a:fld id="{ED22AD06-C296-4654-A2D3-A746ACA7B044}" type="slidenum">
+              <a:rPr lang="fr-FR" smtClean="0"/>
+              <a:pPr/>
+              <a:t>13</a:t>
+            </a:fld>
+            <a:endParaRPr lang="fr-FR"/>
+          </a:p>
+        </p:txBody>
+      </p:sp>
+    </p:spTree>
+    <p:extLst>
+      <p:ext uri="{BB962C8B-B14F-4D97-AF65-F5344CB8AC3E}">
+        <p14:creationId xmlns:p14="http://schemas.microsoft.com/office/powerpoint/2010/main" val="3345015553"/>
       </p:ext>
     </p:extLst>
   </p:cSld>
@@ -12655,7 +15184,7 @@
             </a:pPr>
             <a:r>
               <a:rPr lang="fr-FR" dirty="0"/>
-              <a:t>INTERETS DU CI/CO</a:t>
+              <a:t>INTERETS DU CI/CD</a:t>
             </a:r>
           </a:p>
           <a:p>
@@ -12664,7 +15193,7 @@
               <a:buAutoNum type="arabicPeriod"/>
             </a:pPr>
             <a:r>
-              <a:rPr lang="fr-FR" dirty="0"/>
+              <a:rPr lang="fr-FR" cap="all" dirty="0"/>
               <a:t>Difficultés rencontrées et retours sur l'UE</a:t>
             </a:r>
           </a:p>
@@ -12677,6 +15206,111 @@
           </a:p>
         </p:txBody>
       </p:sp>
+      <p:sp>
+        <p:nvSpPr>
+          <p:cNvPr id="4" name="Espace réservé du pied de page 3">
+            <a:extLst>
+              <a:ext uri="{FF2B5EF4-FFF2-40B4-BE49-F238E27FC236}">
+                <a16:creationId xmlns:a16="http://schemas.microsoft.com/office/drawing/2014/main" id="{9A65D16F-E1B7-40A4-8D05-6BA74EA7FD0A}"/>
+              </a:ext>
+            </a:extLst>
+          </p:cNvPr>
+          <p:cNvSpPr>
+            <a:spLocks noGrp="1"/>
+          </p:cNvSpPr>
+          <p:nvPr>
+            <p:ph type="ftr" sz="quarter" idx="11"/>
+          </p:nvPr>
+        </p:nvSpPr>
+        <p:spPr/>
+        <p:txBody>
+          <a:bodyPr/>
+          <a:lstStyle/>
+          <a:p>
+            <a:r>
+              <a:rPr lang="fr-FR"/>
+              <a:t>29/11/2017</a:t>
+            </a:r>
+          </a:p>
+        </p:txBody>
+      </p:sp>
+      <p:sp>
+        <p:nvSpPr>
+          <p:cNvPr id="5" name="Espace réservé du numéro de diapositive 4">
+            <a:extLst>
+              <a:ext uri="{FF2B5EF4-FFF2-40B4-BE49-F238E27FC236}">
+                <a16:creationId xmlns:a16="http://schemas.microsoft.com/office/drawing/2014/main" id="{D14B9942-3CA7-4CF2-86EF-A1C3736BEB4A}"/>
+              </a:ext>
+            </a:extLst>
+          </p:cNvPr>
+          <p:cNvSpPr>
+            <a:spLocks noGrp="1"/>
+          </p:cNvSpPr>
+          <p:nvPr>
+            <p:ph type="sldNum" sz="quarter" idx="12"/>
+          </p:nvPr>
+        </p:nvSpPr>
+        <p:spPr/>
+        <p:txBody>
+          <a:bodyPr/>
+          <a:lstStyle/>
+          <a:p>
+            <a:fld id="{ED22AD06-C296-4654-A2D3-A746ACA7B044}" type="slidenum">
+              <a:rPr lang="fr-FR" smtClean="0"/>
+              <a:pPr/>
+              <a:t>2</a:t>
+            </a:fld>
+            <a:endParaRPr lang="fr-FR"/>
+          </a:p>
+        </p:txBody>
+      </p:sp>
+      <p:pic>
+        <p:nvPicPr>
+          <p:cNvPr id="2050" name="Picture 2" descr="Résultat de recherche d'images pour &quot;plan&quot;">
+            <a:extLst>
+              <a:ext uri="{FF2B5EF4-FFF2-40B4-BE49-F238E27FC236}">
+                <a16:creationId xmlns:a16="http://schemas.microsoft.com/office/drawing/2014/main" id="{E07074C1-DB9E-48BA-A53E-3C0D1AB7E7DB}"/>
+              </a:ext>
+            </a:extLst>
+          </p:cNvPr>
+          <p:cNvPicPr>
+            <a:picLocks noChangeAspect="1" noChangeArrowheads="1"/>
+          </p:cNvPicPr>
+          <p:nvPr/>
+        </p:nvPicPr>
+        <p:blipFill>
+          <a:blip r:embed="rId3">
+            <a:extLst>
+              <a:ext uri="{28A0092B-C50C-407E-A947-70E740481C1C}">
+                <a14:useLocalDpi xmlns:a14="http://schemas.microsoft.com/office/drawing/2010/main" val="0"/>
+              </a:ext>
+            </a:extLst>
+          </a:blip>
+          <a:srcRect/>
+          <a:stretch>
+            <a:fillRect/>
+          </a:stretch>
+        </p:blipFill>
+        <p:spPr bwMode="auto">
+          <a:xfrm>
+            <a:off x="7380720" y="908050"/>
+            <a:ext cx="4381500" cy="3286125"/>
+          </a:xfrm>
+          <a:prstGeom prst="rect">
+            <a:avLst/>
+          </a:prstGeom>
+          <a:noFill/>
+          <a:extLst>
+            <a:ext uri="{909E8E84-426E-40DD-AFC4-6F175D3DCCD1}">
+              <a14:hiddenFill xmlns:a14="http://schemas.microsoft.com/office/drawing/2010/main">
+                <a:solidFill>
+                  <a:srgbClr val="FFFFFF"/>
+                </a:solidFill>
+              </a14:hiddenFill>
+            </a:ext>
+          </a:extLst>
+        </p:spPr>
+      </p:pic>
     </p:spTree>
     <p:extLst>
       <p:ext uri="{BB962C8B-B14F-4D97-AF65-F5344CB8AC3E}">
@@ -12737,10 +15371,138 @@
       </p:sp>
       <p:sp>
         <p:nvSpPr>
-          <p:cNvPr id="3" name="Espace réservé du contenu 2">
+          <p:cNvPr id="7" name="Espace réservé du texte 6"/>
+          <p:cNvSpPr>
+            <a:spLocks noGrp="1"/>
+          </p:cNvSpPr>
+          <p:nvPr>
+            <p:ph type="body" sz="half" idx="2"/>
+          </p:nvPr>
+        </p:nvSpPr>
+        <p:spPr>
+          <a:xfrm>
+            <a:off x="1141411" y="2249486"/>
+            <a:ext cx="4146870" cy="3541714"/>
+          </a:xfrm>
+        </p:spPr>
+        <p:txBody>
+          <a:bodyPr>
+            <a:normAutofit/>
+          </a:bodyPr>
+          <a:lstStyle/>
+          <a:p>
+            <a:pPr marL="285750" indent="-285750">
+              <a:buFont typeface="Arial" panose="020B0604020202020204" pitchFamily="34" charset="0"/>
+              <a:buChar char="•"/>
+            </a:pPr>
+            <a:r>
+              <a:rPr lang="fr-FR" sz="2400" dirty="0"/>
+              <a:t>Image docker</a:t>
+            </a:r>
+          </a:p>
+          <a:p>
+            <a:pPr marL="742950" lvl="1" indent="-285750">
+              <a:buFont typeface="Arial" panose="020B0604020202020204" pitchFamily="34" charset="0"/>
+              <a:buChar char="•"/>
+            </a:pPr>
+            <a:r>
+              <a:rPr lang="fr-FR" sz="2000" dirty="0"/>
+              <a:t>Mongo</a:t>
+            </a:r>
+          </a:p>
+          <a:p>
+            <a:pPr marL="742950" lvl="1" indent="-285750">
+              <a:buFont typeface="Arial" panose="020B0604020202020204" pitchFamily="34" charset="0"/>
+              <a:buChar char="•"/>
+            </a:pPr>
+            <a:r>
+              <a:rPr lang="fr-FR" sz="2000" dirty="0"/>
+              <a:t>Java</a:t>
+            </a:r>
+          </a:p>
+          <a:p>
+            <a:pPr marL="285750" indent="-285750">
+              <a:buFont typeface="Arial" panose="020B0604020202020204" pitchFamily="34" charset="0"/>
+              <a:buChar char="•"/>
+            </a:pPr>
+            <a:r>
+              <a:rPr lang="fr-FR" sz="2400" dirty="0"/>
+              <a:t>Application User : </a:t>
+            </a:r>
+            <a:r>
+              <a:rPr lang="fr-FR" sz="2400" dirty="0" err="1"/>
+              <a:t>Spring</a:t>
+            </a:r>
+            <a:endParaRPr lang="fr-FR" sz="2400" dirty="0"/>
+          </a:p>
+          <a:p>
+            <a:pPr marL="285750" indent="-285750">
+              <a:buFont typeface="Arial" panose="020B0604020202020204" pitchFamily="34" charset="0"/>
+              <a:buChar char="•"/>
+            </a:pPr>
+            <a:r>
+              <a:rPr lang="fr-FR" sz="2400" dirty="0"/>
+              <a:t>Communications </a:t>
+            </a:r>
+          </a:p>
+          <a:p>
+            <a:pPr marL="742950" lvl="1" indent="-285750">
+              <a:buFont typeface="Arial" panose="020B0604020202020204" pitchFamily="34" charset="0"/>
+              <a:buChar char="•"/>
+            </a:pPr>
+            <a:r>
+              <a:rPr lang="fr-FR" sz="2000" dirty="0"/>
+              <a:t>Mongo - Java : port 27017</a:t>
+            </a:r>
+          </a:p>
+          <a:p>
+            <a:pPr marL="742950" lvl="1" indent="-285750">
+              <a:buFont typeface="Arial" panose="020B0604020202020204" pitchFamily="34" charset="0"/>
+              <a:buChar char="•"/>
+            </a:pPr>
+            <a:r>
+              <a:rPr lang="fr-FR" sz="2000" dirty="0"/>
+              <a:t>Appli – Utilisateur : 80</a:t>
+            </a:r>
+          </a:p>
+        </p:txBody>
+      </p:sp>
+      <p:pic>
+        <p:nvPicPr>
+          <p:cNvPr id="9" name="Image 8"/>
+          <p:cNvPicPr>
+            <a:picLocks noChangeAspect="1"/>
+          </p:cNvPicPr>
+          <p:nvPr/>
+        </p:nvPicPr>
+        <p:blipFill>
+          <a:blip r:embed="rId3" cstate="print">
+            <a:extLst>
+              <a:ext uri="{28A0092B-C50C-407E-A947-70E740481C1C}">
+                <a14:useLocalDpi xmlns:a14="http://schemas.microsoft.com/office/drawing/2010/main" val="0"/>
+              </a:ext>
+            </a:extLst>
+          </a:blip>
+          <a:stretch>
+            <a:fillRect/>
+          </a:stretch>
+        </p:blipFill>
+        <p:spPr>
+          <a:xfrm>
+            <a:off x="5886773" y="1429543"/>
+            <a:ext cx="5745908" cy="4010025"/>
+          </a:xfrm>
+          <a:prstGeom prst="rect">
+            <a:avLst/>
+          </a:prstGeom>
+        </p:spPr>
+      </p:pic>
+      <p:sp>
+        <p:nvSpPr>
+          <p:cNvPr id="3" name="Espace réservé du pied de page 2">
             <a:extLst>
               <a:ext uri="{FF2B5EF4-FFF2-40B4-BE49-F238E27FC236}">
-                <a16:creationId xmlns:a16="http://schemas.microsoft.com/office/drawing/2014/main" id="{0DDAE398-13B0-44A4-84ED-30F317F4E582}"/>
+                <a16:creationId xmlns:a16="http://schemas.microsoft.com/office/drawing/2014/main" id="{AF4E5875-E880-46E9-8AC6-1645569C0E55}"/>
               </a:ext>
             </a:extLst>
           </p:cNvPr>
@@ -12748,7 +15510,7 @@
             <a:spLocks noGrp="1"/>
           </p:cNvSpPr>
           <p:nvPr>
-            <p:ph idx="1"/>
+            <p:ph type="ftr" sz="quarter" idx="11"/>
           </p:nvPr>
         </p:nvSpPr>
         <p:spPr/>
@@ -12757,23 +15519,39 @@
           <a:lstStyle/>
           <a:p>
             <a:r>
-              <a:rPr lang="fr-FR" dirty="0"/>
-              <a:t>1 schéma global + des explications de l'</a:t>
-            </a:r>
-            <a:r>
-              <a:rPr lang="fr-FR" dirty="0" err="1"/>
-              <a:t>achitecture</a:t>
-            </a:r>
-            <a:r>
-              <a:rPr lang="fr-FR" dirty="0"/>
-              <a:t> déployée</a:t>
-            </a:r>
-          </a:p>
-          <a:p>
-            <a:r>
-              <a:rPr lang="fr-FR" dirty="0"/>
-              <a:t>Expliquer l'évolution de l'architecture mise en place</a:t>
-            </a:r>
+              <a:rPr lang="fr-FR"/>
+              <a:t>29/11/2017</a:t>
+            </a:r>
+          </a:p>
+        </p:txBody>
+      </p:sp>
+      <p:sp>
+        <p:nvSpPr>
+          <p:cNvPr id="4" name="Espace réservé du numéro de diapositive 3">
+            <a:extLst>
+              <a:ext uri="{FF2B5EF4-FFF2-40B4-BE49-F238E27FC236}">
+                <a16:creationId xmlns:a16="http://schemas.microsoft.com/office/drawing/2014/main" id="{2A775EE2-7E8B-40AC-A061-9DEA1F4180DA}"/>
+              </a:ext>
+            </a:extLst>
+          </p:cNvPr>
+          <p:cNvSpPr>
+            <a:spLocks noGrp="1"/>
+          </p:cNvSpPr>
+          <p:nvPr>
+            <p:ph type="sldNum" sz="quarter" idx="12"/>
+          </p:nvPr>
+        </p:nvSpPr>
+        <p:spPr/>
+        <p:txBody>
+          <a:bodyPr/>
+          <a:lstStyle/>
+          <a:p>
+            <a:fld id="{ED22AD06-C296-4654-A2D3-A746ACA7B044}" type="slidenum">
+              <a:rPr lang="fr-FR" smtClean="0"/>
+              <a:pPr/>
+              <a:t>3</a:t>
+            </a:fld>
+            <a:endParaRPr lang="fr-FR"/>
           </a:p>
         </p:txBody>
       </p:sp>
@@ -12830,7 +15608,7 @@
           <a:p>
             <a:r>
               <a:rPr lang="fr-FR" dirty="0"/>
-              <a:t>Choix techniques</a:t>
+              <a:t>Choix techniques – Base de données</a:t>
             </a:r>
           </a:p>
         </p:txBody>
@@ -12848,32 +15626,382 @@
             <a:spLocks noGrp="1"/>
           </p:cNvSpPr>
           <p:nvPr>
-            <p:ph idx="1"/>
+            <p:ph sz="half" idx="1"/>
           </p:nvPr>
         </p:nvSpPr>
         <p:spPr/>
         <p:txBody>
           <a:bodyPr>
-            <a:normAutofit/>
+            <a:normAutofit fontScale="92500" lnSpcReduction="10000"/>
           </a:bodyPr>
           <a:lstStyle/>
           <a:p>
             <a:r>
-              <a:rPr lang="fr-FR" dirty="0"/>
-              <a:t>Expliquer les choix techniques des technologies utilisées (côté serveur)</a:t>
-            </a:r>
-          </a:p>
-          <a:p>
-            <a:r>
-              <a:rPr lang="fr-FR" dirty="0"/>
-              <a:t>Avantages et inconvénients des technologies utilisées</a:t>
-            </a:r>
-          </a:p>
-          <a:p>
-            <a:r>
-              <a:rPr lang="fr-FR" dirty="0"/>
-              <a:t>Est-ce que ces choix étaient les bons ?</a:t>
-            </a:r>
+              <a:rPr lang="fr-FR" dirty="0" err="1">
+                <a:solidFill>
+                  <a:schemeClr val="accent2">
+                    <a:lumMod val="40000"/>
+                    <a:lumOff val="60000"/>
+                  </a:schemeClr>
+                </a:solidFill>
+              </a:rPr>
+              <a:t>MariaDB</a:t>
+            </a:r>
+            <a:endParaRPr lang="fr-FR" dirty="0">
+              <a:solidFill>
+                <a:schemeClr val="accent2">
+                  <a:lumMod val="40000"/>
+                  <a:lumOff val="60000"/>
+                </a:schemeClr>
+              </a:solidFill>
+            </a:endParaRPr>
+          </a:p>
+          <a:p>
+            <a:pPr marL="457200" lvl="1" indent="0">
+              <a:buNone/>
+            </a:pPr>
+            <a:r>
+              <a:rPr lang="fr-FR" dirty="0">
+                <a:solidFill>
+                  <a:schemeClr val="accent2">
+                    <a:lumMod val="40000"/>
+                    <a:lumOff val="60000"/>
+                  </a:schemeClr>
+                </a:solidFill>
+              </a:rPr>
+              <a:t>- Manque de robustesse avec de forte volumétrie </a:t>
+            </a:r>
+          </a:p>
+          <a:p>
+            <a:r>
+              <a:rPr lang="fr-FR" dirty="0" err="1">
+                <a:solidFill>
+                  <a:schemeClr val="accent1">
+                    <a:lumMod val="60000"/>
+                    <a:lumOff val="40000"/>
+                  </a:schemeClr>
+                </a:solidFill>
+              </a:rPr>
+              <a:t>MongoDB</a:t>
+            </a:r>
+            <a:endParaRPr lang="fr-FR" dirty="0">
+              <a:solidFill>
+                <a:schemeClr val="accent1">
+                  <a:lumMod val="60000"/>
+                  <a:lumOff val="40000"/>
+                </a:schemeClr>
+              </a:solidFill>
+            </a:endParaRPr>
+          </a:p>
+          <a:p>
+            <a:pPr marL="457200" lvl="1" indent="0">
+              <a:buNone/>
+            </a:pPr>
+            <a:r>
+              <a:rPr lang="fr-FR" dirty="0">
+                <a:solidFill>
+                  <a:schemeClr val="accent1">
+                    <a:lumMod val="60000"/>
+                    <a:lumOff val="40000"/>
+                  </a:schemeClr>
+                </a:solidFill>
+              </a:rPr>
+              <a:t>+ Supporte le </a:t>
+            </a:r>
+            <a:r>
+              <a:rPr lang="fr-FR" dirty="0" err="1">
+                <a:solidFill>
+                  <a:schemeClr val="accent1">
+                    <a:lumMod val="60000"/>
+                    <a:lumOff val="40000"/>
+                  </a:schemeClr>
+                </a:solidFill>
+              </a:rPr>
+              <a:t>GeoJson</a:t>
+            </a:r>
+            <a:r>
+              <a:rPr lang="fr-FR" dirty="0">
+                <a:solidFill>
+                  <a:schemeClr val="accent1">
+                    <a:lumMod val="60000"/>
+                    <a:lumOff val="40000"/>
+                  </a:schemeClr>
+                </a:solidFill>
+              </a:rPr>
+              <a:t> </a:t>
+            </a:r>
+          </a:p>
+          <a:p>
+            <a:pPr marL="457200" lvl="1" indent="0">
+              <a:buNone/>
+            </a:pPr>
+            <a:r>
+              <a:rPr lang="fr-FR" dirty="0">
+                <a:solidFill>
+                  <a:schemeClr val="accent1">
+                    <a:lumMod val="60000"/>
+                    <a:lumOff val="40000"/>
+                  </a:schemeClr>
+                </a:solidFill>
+              </a:rPr>
+              <a:t>+ Non relationnel de base mais peu le devenir</a:t>
+            </a:r>
+          </a:p>
+          <a:p>
+            <a:pPr marL="457200" lvl="1" indent="0">
+              <a:buNone/>
+            </a:pPr>
+            <a:r>
+              <a:rPr lang="fr-FR" dirty="0">
+                <a:solidFill>
+                  <a:schemeClr val="accent1">
+                    <a:lumMod val="60000"/>
+                    <a:lumOff val="40000"/>
+                  </a:schemeClr>
+                </a:solidFill>
+              </a:rPr>
+              <a:t>+ Gratuit</a:t>
+            </a:r>
+          </a:p>
+          <a:p>
+            <a:pPr marL="457200" lvl="1" indent="0">
+              <a:buNone/>
+            </a:pPr>
+            <a:r>
+              <a:rPr lang="fr-FR" dirty="0">
+                <a:solidFill>
+                  <a:schemeClr val="accent1">
+                    <a:lumMod val="60000"/>
+                    <a:lumOff val="40000"/>
+                  </a:schemeClr>
+                </a:solidFill>
+              </a:rPr>
+              <a:t>+ Performant</a:t>
+            </a:r>
+          </a:p>
+          <a:p>
+            <a:pPr lvl="0"/>
+            <a:endParaRPr lang="fr-FR" dirty="0"/>
+          </a:p>
+        </p:txBody>
+      </p:sp>
+      <p:sp>
+        <p:nvSpPr>
+          <p:cNvPr id="6" name="Espace réservé du contenu 5">
+            <a:extLst>
+              <a:ext uri="{FF2B5EF4-FFF2-40B4-BE49-F238E27FC236}">
+                <a16:creationId xmlns:a16="http://schemas.microsoft.com/office/drawing/2014/main" id="{FD0D0839-0904-440D-95EF-1127FEC7466A}"/>
+              </a:ext>
+            </a:extLst>
+          </p:cNvPr>
+          <p:cNvSpPr>
+            <a:spLocks noGrp="1"/>
+          </p:cNvSpPr>
+          <p:nvPr>
+            <p:ph sz="half" idx="2"/>
+          </p:nvPr>
+        </p:nvSpPr>
+        <p:spPr/>
+        <p:txBody>
+          <a:bodyPr>
+            <a:normAutofit fontScale="92500" lnSpcReduction="10000"/>
+          </a:bodyPr>
+          <a:lstStyle/>
+          <a:p>
+            <a:pPr lvl="0"/>
+            <a:r>
+              <a:rPr lang="fr-FR" dirty="0" err="1">
+                <a:solidFill>
+                  <a:schemeClr val="accent2">
+                    <a:lumMod val="40000"/>
+                    <a:lumOff val="60000"/>
+                  </a:schemeClr>
+                </a:solidFill>
+              </a:rPr>
+              <a:t>MySql</a:t>
+            </a:r>
+            <a:endParaRPr lang="fr-FR" dirty="0">
+              <a:solidFill>
+                <a:schemeClr val="accent2">
+                  <a:lumMod val="40000"/>
+                  <a:lumOff val="60000"/>
+                </a:schemeClr>
+              </a:solidFill>
+            </a:endParaRPr>
+          </a:p>
+          <a:p>
+            <a:pPr marL="457200" lvl="1" indent="0">
+              <a:buNone/>
+            </a:pPr>
+            <a:r>
+              <a:rPr lang="fr-FR" dirty="0">
+                <a:solidFill>
+                  <a:schemeClr val="accent2">
+                    <a:lumMod val="40000"/>
+                    <a:lumOff val="60000"/>
+                  </a:schemeClr>
+                </a:solidFill>
+              </a:rPr>
+              <a:t>- Manque de robustesse avec de forte volumétrie</a:t>
+            </a:r>
+          </a:p>
+          <a:p>
+            <a:pPr lvl="0"/>
+            <a:r>
+              <a:rPr lang="fr-FR" dirty="0">
+                <a:solidFill>
+                  <a:schemeClr val="accent2">
+                    <a:lumMod val="40000"/>
+                    <a:lumOff val="60000"/>
+                  </a:schemeClr>
+                </a:solidFill>
+              </a:rPr>
+              <a:t>PostgreSQL</a:t>
+            </a:r>
+          </a:p>
+          <a:p>
+            <a:pPr marL="457200" lvl="1" indent="0">
+              <a:buNone/>
+            </a:pPr>
+            <a:r>
+              <a:rPr lang="fr-FR" dirty="0">
+                <a:solidFill>
+                  <a:schemeClr val="accent2">
+                    <a:lumMod val="40000"/>
+                    <a:lumOff val="60000"/>
+                  </a:schemeClr>
+                </a:solidFill>
+              </a:rPr>
+              <a:t>+ Supporte le </a:t>
+            </a:r>
+            <a:r>
+              <a:rPr lang="fr-FR" dirty="0" err="1">
+                <a:solidFill>
+                  <a:schemeClr val="accent2">
+                    <a:lumMod val="40000"/>
+                    <a:lumOff val="60000"/>
+                  </a:schemeClr>
+                </a:solidFill>
+              </a:rPr>
+              <a:t>GeoJson</a:t>
+            </a:r>
+            <a:r>
+              <a:rPr lang="fr-FR" dirty="0">
+                <a:solidFill>
+                  <a:schemeClr val="accent2">
+                    <a:lumMod val="40000"/>
+                    <a:lumOff val="60000"/>
+                  </a:schemeClr>
+                </a:solidFill>
+              </a:rPr>
+              <a:t> </a:t>
+            </a:r>
+          </a:p>
+          <a:p>
+            <a:pPr marL="457200" lvl="1" indent="0">
+              <a:buNone/>
+            </a:pPr>
+            <a:r>
+              <a:rPr lang="fr-FR" dirty="0">
+                <a:solidFill>
+                  <a:schemeClr val="accent2">
+                    <a:lumMod val="40000"/>
+                    <a:lumOff val="60000"/>
+                  </a:schemeClr>
+                </a:solidFill>
+              </a:rPr>
+              <a:t>+ Non relationnel de base mais peu le devenir</a:t>
+            </a:r>
+          </a:p>
+          <a:p>
+            <a:pPr marL="457200" lvl="1" indent="0">
+              <a:buNone/>
+            </a:pPr>
+            <a:r>
+              <a:rPr lang="fr-FR" dirty="0">
+                <a:solidFill>
+                  <a:schemeClr val="accent2">
+                    <a:lumMod val="40000"/>
+                    <a:lumOff val="60000"/>
+                  </a:schemeClr>
+                </a:solidFill>
+              </a:rPr>
+              <a:t>+ Gratuit </a:t>
+            </a:r>
+          </a:p>
+          <a:p>
+            <a:pPr marL="457200" lvl="1" indent="0">
+              <a:buNone/>
+            </a:pPr>
+            <a:r>
+              <a:rPr lang="fr-FR" dirty="0">
+                <a:solidFill>
+                  <a:schemeClr val="accent2">
+                    <a:lumMod val="40000"/>
+                    <a:lumOff val="60000"/>
+                  </a:schemeClr>
+                </a:solidFill>
+              </a:rPr>
+              <a:t>+ Performant</a:t>
+            </a:r>
+          </a:p>
+        </p:txBody>
+      </p:sp>
+      <p:sp>
+        <p:nvSpPr>
+          <p:cNvPr id="4" name="Espace réservé du pied de page 3">
+            <a:extLst>
+              <a:ext uri="{FF2B5EF4-FFF2-40B4-BE49-F238E27FC236}">
+                <a16:creationId xmlns:a16="http://schemas.microsoft.com/office/drawing/2014/main" id="{47A792F9-51DD-48EF-AE42-B19DAB9E0F05}"/>
+              </a:ext>
+            </a:extLst>
+          </p:cNvPr>
+          <p:cNvSpPr>
+            <a:spLocks noGrp="1"/>
+          </p:cNvSpPr>
+          <p:nvPr>
+            <p:ph type="ftr" sz="quarter" idx="11"/>
+          </p:nvPr>
+        </p:nvSpPr>
+        <p:spPr/>
+        <p:txBody>
+          <a:bodyPr/>
+          <a:lstStyle/>
+          <a:p>
+            <a:r>
+              <a:rPr lang="fr-FR"/>
+              <a:t>29/11/2017</a:t>
+            </a:r>
+          </a:p>
+        </p:txBody>
+      </p:sp>
+      <p:sp>
+        <p:nvSpPr>
+          <p:cNvPr id="5" name="Espace réservé du numéro de diapositive 4">
+            <a:extLst>
+              <a:ext uri="{FF2B5EF4-FFF2-40B4-BE49-F238E27FC236}">
+                <a16:creationId xmlns:a16="http://schemas.microsoft.com/office/drawing/2014/main" id="{C4411D57-436B-4D1A-8CE6-A123E698D980}"/>
+              </a:ext>
+            </a:extLst>
+          </p:cNvPr>
+          <p:cNvSpPr>
+            <a:spLocks noGrp="1"/>
+          </p:cNvSpPr>
+          <p:nvPr>
+            <p:ph type="sldNum" sz="quarter" idx="12"/>
+          </p:nvPr>
+        </p:nvSpPr>
+        <p:spPr/>
+        <p:txBody>
+          <a:bodyPr/>
+          <a:lstStyle/>
+          <a:p>
+            <a:fld id="{ED22AD06-C296-4654-A2D3-A746ACA7B044}" type="slidenum">
+              <a:rPr lang="fr-FR" smtClean="0"/>
+              <a:pPr/>
+              <a:t>4</a:t>
+            </a:fld>
+            <a:endParaRPr lang="fr-FR"/>
           </a:p>
         </p:txBody>
       </p:sp>
@@ -12912,7 +16040,7 @@
           <p:cNvPr id="2" name="Titre 1">
             <a:extLst>
               <a:ext uri="{FF2B5EF4-FFF2-40B4-BE49-F238E27FC236}">
-                <a16:creationId xmlns:a16="http://schemas.microsoft.com/office/drawing/2014/main" id="{C0CC8AE9-1BF4-4387-ADA7-C852D42B7D76}"/>
+                <a16:creationId xmlns:a16="http://schemas.microsoft.com/office/drawing/2014/main" id="{D86D6389-F3E6-48CF-9E9D-4C7F5C6EA89D}"/>
               </a:ext>
             </a:extLst>
           </p:cNvPr>
@@ -12929,19 +16057,18 @@
           <a:lstStyle/>
           <a:p>
             <a:r>
-              <a:rPr lang="fr-FR" dirty="0" err="1"/>
-              <a:t>Demonstrations</a:t>
-            </a:r>
-            <a:endParaRPr lang="fr-FR" dirty="0"/>
-          </a:p>
-        </p:txBody>
-      </p:sp>
-      <p:sp>
-        <p:nvSpPr>
-          <p:cNvPr id="3" name="Espace réservé du contenu 2">
+              <a:rPr lang="fr-FR" dirty="0"/>
+              <a:t>Choix techniques – langage API</a:t>
+            </a:r>
+          </a:p>
+        </p:txBody>
+      </p:sp>
+      <p:sp>
+        <p:nvSpPr>
+          <p:cNvPr id="4" name="Espace réservé du pied de page 3">
             <a:extLst>
               <a:ext uri="{FF2B5EF4-FFF2-40B4-BE49-F238E27FC236}">
-                <a16:creationId xmlns:a16="http://schemas.microsoft.com/office/drawing/2014/main" id="{1BD9A788-A59F-4650-93BE-BD9D3351E524}"/>
+                <a16:creationId xmlns:a16="http://schemas.microsoft.com/office/drawing/2014/main" id="{289F4804-7E42-4691-B48F-B597C91FEF6B}"/>
               </a:ext>
             </a:extLst>
           </p:cNvPr>
@@ -12949,7 +16076,7 @@
             <a:spLocks noGrp="1"/>
           </p:cNvSpPr>
           <p:nvPr>
-            <p:ph idx="1"/>
+            <p:ph type="ftr" sz="quarter" idx="11"/>
           </p:nvPr>
         </p:nvSpPr>
         <p:spPr/>
@@ -12958,32 +16085,279 @@
           <a:lstStyle/>
           <a:p>
             <a:r>
-              <a:rPr lang="fr-FR" dirty="0"/>
-              <a:t>On efface tout ce qu'il y a sur le serveur et on mesure le temps de </a:t>
-            </a:r>
-            <a:r>
-              <a:rPr lang="fr-FR" dirty="0" err="1"/>
-              <a:t>ré-installation</a:t>
-            </a:r>
-            <a:r>
-              <a:rPr lang="fr-FR" dirty="0"/>
-              <a:t> </a:t>
-            </a:r>
-            <a:r>
-              <a:rPr lang="fr-FR" dirty="0" err="1"/>
-              <a:t>from</a:t>
-            </a:r>
-            <a:r>
-              <a:rPr lang="fr-FR" dirty="0"/>
-              <a:t> scratch</a:t>
-            </a:r>
-          </a:p>
-        </p:txBody>
-      </p:sp>
+              <a:rPr lang="fr-FR"/>
+              <a:t>29/11/2017</a:t>
+            </a:r>
+          </a:p>
+        </p:txBody>
+      </p:sp>
+      <p:sp>
+        <p:nvSpPr>
+          <p:cNvPr id="5" name="Espace réservé du numéro de diapositive 4">
+            <a:extLst>
+              <a:ext uri="{FF2B5EF4-FFF2-40B4-BE49-F238E27FC236}">
+                <a16:creationId xmlns:a16="http://schemas.microsoft.com/office/drawing/2014/main" id="{22767DD4-355B-4FE2-95C9-51949F88AD9F}"/>
+              </a:ext>
+            </a:extLst>
+          </p:cNvPr>
+          <p:cNvSpPr>
+            <a:spLocks noGrp="1"/>
+          </p:cNvSpPr>
+          <p:nvPr>
+            <p:ph type="sldNum" sz="quarter" idx="12"/>
+          </p:nvPr>
+        </p:nvSpPr>
+        <p:spPr/>
+        <p:txBody>
+          <a:bodyPr/>
+          <a:lstStyle/>
+          <a:p>
+            <a:fld id="{ED22AD06-C296-4654-A2D3-A746ACA7B044}" type="slidenum">
+              <a:rPr lang="fr-FR" smtClean="0"/>
+              <a:pPr/>
+              <a:t>5</a:t>
+            </a:fld>
+            <a:endParaRPr lang="fr-FR"/>
+          </a:p>
+        </p:txBody>
+      </p:sp>
+      <p:pic>
+        <p:nvPicPr>
+          <p:cNvPr id="3074" name="Picture 2" descr="Résultat de recherche d'images pour &quot;spring java&quot;">
+            <a:extLst>
+              <a:ext uri="{FF2B5EF4-FFF2-40B4-BE49-F238E27FC236}">
+                <a16:creationId xmlns:a16="http://schemas.microsoft.com/office/drawing/2014/main" id="{60E3A993-5CC0-4FFB-A8AC-D7827E4F543B}"/>
+              </a:ext>
+            </a:extLst>
+          </p:cNvPr>
+          <p:cNvPicPr>
+            <a:picLocks noChangeAspect="1" noChangeArrowheads="1"/>
+          </p:cNvPicPr>
+          <p:nvPr/>
+        </p:nvPicPr>
+        <p:blipFill rotWithShape="1">
+          <a:blip r:embed="rId3">
+            <a:extLst>
+              <a:ext uri="{28A0092B-C50C-407E-A947-70E740481C1C}">
+                <a14:useLocalDpi xmlns:a14="http://schemas.microsoft.com/office/drawing/2010/main" val="0"/>
+              </a:ext>
+            </a:extLst>
+          </a:blip>
+          <a:srcRect b="17473"/>
+          <a:stretch/>
+        </p:blipFill>
+        <p:spPr bwMode="auto">
+          <a:xfrm>
+            <a:off x="3752838" y="2454682"/>
+            <a:ext cx="3341914" cy="896349"/>
+          </a:xfrm>
+          <a:prstGeom prst="rect">
+            <a:avLst/>
+          </a:prstGeom>
+          <a:noFill/>
+          <a:extLst>
+            <a:ext uri="{909E8E84-426E-40DD-AFC4-6F175D3DCCD1}">
+              <a14:hiddenFill xmlns:a14="http://schemas.microsoft.com/office/drawing/2010/main">
+                <a:solidFill>
+                  <a:srgbClr val="FFFFFF"/>
+                </a:solidFill>
+              </a14:hiddenFill>
+            </a:ext>
+          </a:extLst>
+        </p:spPr>
+      </p:pic>
+      <p:pic>
+        <p:nvPicPr>
+          <p:cNvPr id="3076" name="Picture 4" descr="Résultat de recherche d'images pour &quot;symfony php&quot;">
+            <a:extLst>
+              <a:ext uri="{FF2B5EF4-FFF2-40B4-BE49-F238E27FC236}">
+                <a16:creationId xmlns:a16="http://schemas.microsoft.com/office/drawing/2014/main" id="{CE9DF980-07F8-45FB-AB29-FFFB70C8965F}"/>
+              </a:ext>
+            </a:extLst>
+          </p:cNvPr>
+          <p:cNvPicPr>
+            <a:picLocks noChangeAspect="1" noChangeArrowheads="1"/>
+          </p:cNvPicPr>
+          <p:nvPr/>
+        </p:nvPicPr>
+        <p:blipFill>
+          <a:blip r:embed="rId4">
+            <a:extLst>
+              <a:ext uri="{28A0092B-C50C-407E-A947-70E740481C1C}">
+                <a14:useLocalDpi xmlns:a14="http://schemas.microsoft.com/office/drawing/2010/main" val="0"/>
+              </a:ext>
+            </a:extLst>
+          </a:blip>
+          <a:srcRect/>
+          <a:stretch>
+            <a:fillRect/>
+          </a:stretch>
+        </p:blipFill>
+        <p:spPr bwMode="auto">
+          <a:xfrm>
+            <a:off x="6536516" y="3351031"/>
+            <a:ext cx="3085511" cy="3085511"/>
+          </a:xfrm>
+          <a:prstGeom prst="rect">
+            <a:avLst/>
+          </a:prstGeom>
+          <a:noFill/>
+          <a:extLst>
+            <a:ext uri="{909E8E84-426E-40DD-AFC4-6F175D3DCCD1}">
+              <a14:hiddenFill xmlns:a14="http://schemas.microsoft.com/office/drawing/2010/main">
+                <a:solidFill>
+                  <a:srgbClr val="FFFFFF"/>
+                </a:solidFill>
+              </a14:hiddenFill>
+            </a:ext>
+          </a:extLst>
+        </p:spPr>
+      </p:pic>
+      <p:pic>
+        <p:nvPicPr>
+          <p:cNvPr id="3078" name="Picture 6" descr="Résultat de recherche d'images pour &quot;go language&quot;">
+            <a:extLst>
+              <a:ext uri="{FF2B5EF4-FFF2-40B4-BE49-F238E27FC236}">
+                <a16:creationId xmlns:a16="http://schemas.microsoft.com/office/drawing/2014/main" id="{5AA483FD-BC88-44BD-B1DD-0FB0CB27AF8A}"/>
+              </a:ext>
+            </a:extLst>
+          </p:cNvPr>
+          <p:cNvPicPr>
+            <a:picLocks noChangeAspect="1" noChangeArrowheads="1"/>
+          </p:cNvPicPr>
+          <p:nvPr/>
+        </p:nvPicPr>
+        <p:blipFill>
+          <a:blip r:embed="rId5">
+            <a:extLst>
+              <a:ext uri="{28A0092B-C50C-407E-A947-70E740481C1C}">
+                <a14:useLocalDpi xmlns:a14="http://schemas.microsoft.com/office/drawing/2010/main" val="0"/>
+              </a:ext>
+            </a:extLst>
+          </a:blip>
+          <a:srcRect/>
+          <a:stretch>
+            <a:fillRect/>
+          </a:stretch>
+        </p:blipFill>
+        <p:spPr bwMode="auto">
+          <a:xfrm>
+            <a:off x="680577" y="1654402"/>
+            <a:ext cx="2496911" cy="2496911"/>
+          </a:xfrm>
+          <a:prstGeom prst="rect">
+            <a:avLst/>
+          </a:prstGeom>
+          <a:noFill/>
+          <a:extLst>
+            <a:ext uri="{909E8E84-426E-40DD-AFC4-6F175D3DCCD1}">
+              <a14:hiddenFill xmlns:a14="http://schemas.microsoft.com/office/drawing/2010/main">
+                <a:solidFill>
+                  <a:srgbClr val="FFFFFF"/>
+                </a:solidFill>
+              </a14:hiddenFill>
+            </a:ext>
+          </a:extLst>
+        </p:spPr>
+      </p:pic>
+      <p:pic>
+        <p:nvPicPr>
+          <p:cNvPr id="3082" name="Picture 10" descr="Résultat de recherche d'images pour &quot;python&quot;">
+            <a:extLst>
+              <a:ext uri="{FF2B5EF4-FFF2-40B4-BE49-F238E27FC236}">
+                <a16:creationId xmlns:a16="http://schemas.microsoft.com/office/drawing/2014/main" id="{5E781F4A-1E0A-491B-B9E8-A6716C70E7AF}"/>
+              </a:ext>
+            </a:extLst>
+          </p:cNvPr>
+          <p:cNvPicPr>
+            <a:picLocks noChangeAspect="1" noChangeArrowheads="1"/>
+          </p:cNvPicPr>
+          <p:nvPr/>
+        </p:nvPicPr>
+        <p:blipFill>
+          <a:blip r:embed="rId6">
+            <a:extLst>
+              <a:ext uri="{28A0092B-C50C-407E-A947-70E740481C1C}">
+                <a14:useLocalDpi xmlns:a14="http://schemas.microsoft.com/office/drawing/2010/main" val="0"/>
+              </a:ext>
+            </a:extLst>
+          </a:blip>
+          <a:srcRect/>
+          <a:stretch>
+            <a:fillRect/>
+          </a:stretch>
+        </p:blipFill>
+        <p:spPr bwMode="auto">
+          <a:xfrm>
+            <a:off x="9323821" y="1484313"/>
+            <a:ext cx="1905000" cy="1905000"/>
+          </a:xfrm>
+          <a:prstGeom prst="rect">
+            <a:avLst/>
+          </a:prstGeom>
+          <a:noFill/>
+          <a:extLst>
+            <a:ext uri="{909E8E84-426E-40DD-AFC4-6F175D3DCCD1}">
+              <a14:hiddenFill xmlns:a14="http://schemas.microsoft.com/office/drawing/2010/main">
+                <a:solidFill>
+                  <a:srgbClr val="FFFFFF"/>
+                </a:solidFill>
+              </a14:hiddenFill>
+            </a:ext>
+          </a:extLst>
+        </p:spPr>
+      </p:pic>
+      <p:pic>
+        <p:nvPicPr>
+          <p:cNvPr id="3086" name="Picture 14" descr="Résultat de recherche d'images pour &quot;nodejs&quot;">
+            <a:extLst>
+              <a:ext uri="{FF2B5EF4-FFF2-40B4-BE49-F238E27FC236}">
+                <a16:creationId xmlns:a16="http://schemas.microsoft.com/office/drawing/2014/main" id="{F0A8306E-34F2-4175-B3D8-4713CF73CC75}"/>
+              </a:ext>
+            </a:extLst>
+          </p:cNvPr>
+          <p:cNvPicPr>
+            <a:picLocks noChangeAspect="1" noChangeArrowheads="1"/>
+          </p:cNvPicPr>
+          <p:nvPr/>
+        </p:nvPicPr>
+        <p:blipFill>
+          <a:blip r:embed="rId7">
+            <a:extLst>
+              <a:ext uri="{28A0092B-C50C-407E-A947-70E740481C1C}">
+                <a14:useLocalDpi xmlns:a14="http://schemas.microsoft.com/office/drawing/2010/main" val="0"/>
+              </a:ext>
+            </a:extLst>
+          </a:blip>
+          <a:srcRect/>
+          <a:stretch>
+            <a:fillRect/>
+          </a:stretch>
+        </p:blipFill>
+        <p:spPr bwMode="auto">
+          <a:xfrm>
+            <a:off x="1858877" y="4027193"/>
+            <a:ext cx="3428640" cy="2097087"/>
+          </a:xfrm>
+          <a:prstGeom prst="rect">
+            <a:avLst/>
+          </a:prstGeom>
+          <a:noFill/>
+          <a:extLst>
+            <a:ext uri="{909E8E84-426E-40DD-AFC4-6F175D3DCCD1}">
+              <a14:hiddenFill xmlns:a14="http://schemas.microsoft.com/office/drawing/2010/main">
+                <a:solidFill>
+                  <a:srgbClr val="FFFFFF"/>
+                </a:solidFill>
+              </a14:hiddenFill>
+            </a:ext>
+          </a:extLst>
+        </p:spPr>
+      </p:pic>
     </p:spTree>
     <p:extLst>
       <p:ext uri="{BB962C8B-B14F-4D97-AF65-F5344CB8AC3E}">
-        <p14:creationId xmlns:p14="http://schemas.microsoft.com/office/powerpoint/2010/main" val="4113985906"/>
+        <p14:creationId xmlns:p14="http://schemas.microsoft.com/office/powerpoint/2010/main" val="1590084340"/>
       </p:ext>
     </p:extLst>
   </p:cSld>
@@ -13015,7 +16389,7 @@
           <p:cNvPr id="2" name="Titre 1">
             <a:extLst>
               <a:ext uri="{FF2B5EF4-FFF2-40B4-BE49-F238E27FC236}">
-                <a16:creationId xmlns:a16="http://schemas.microsoft.com/office/drawing/2014/main" id="{6F819513-349C-4881-89BD-301F56BF30B3}"/>
+                <a16:creationId xmlns:a16="http://schemas.microsoft.com/office/drawing/2014/main" id="{D86D6389-F3E6-48CF-9E9D-4C7F5C6EA89D}"/>
               </a:ext>
             </a:extLst>
           </p:cNvPr>
@@ -13033,7 +16407,7 @@
           <a:p>
             <a:r>
               <a:rPr lang="fr-FR" dirty="0"/>
-              <a:t>Organisation du groupe et du travail</a:t>
+              <a:t>Choix techniques</a:t>
             </a:r>
           </a:p>
         </p:txBody>
@@ -13043,7 +16417,7 @@
           <p:cNvPr id="3" name="Espace réservé du contenu 2">
             <a:extLst>
               <a:ext uri="{FF2B5EF4-FFF2-40B4-BE49-F238E27FC236}">
-                <a16:creationId xmlns:a16="http://schemas.microsoft.com/office/drawing/2014/main" id="{8FA18918-6B31-4E5C-90BD-84E11C4F0F99}"/>
+                <a16:creationId xmlns:a16="http://schemas.microsoft.com/office/drawing/2014/main" id="{0CC95282-0762-4966-8A40-67227F2FB48C}"/>
               </a:ext>
             </a:extLst>
           </p:cNvPr>
@@ -13056,9 +16430,116 @@
         </p:nvSpPr>
         <p:spPr/>
         <p:txBody>
+          <a:bodyPr>
+            <a:normAutofit/>
+          </a:bodyPr>
+          <a:lstStyle/>
+          <a:p>
+            <a:r>
+              <a:rPr lang="fr-FR" dirty="0"/>
+              <a:t>Base de donnée : </a:t>
+            </a:r>
+            <a:r>
+              <a:rPr lang="fr-FR" dirty="0" err="1"/>
+              <a:t>MongoDB</a:t>
+            </a:r>
+            <a:endParaRPr lang="fr-FR" dirty="0"/>
+          </a:p>
+          <a:p>
+            <a:pPr lvl="1"/>
+            <a:r>
+              <a:rPr lang="fr-FR" dirty="0"/>
+              <a:t>Découverte d’un nouveau SGBD</a:t>
+            </a:r>
+          </a:p>
+          <a:p>
+            <a:r>
+              <a:rPr lang="fr-FR" dirty="0"/>
+              <a:t>API : </a:t>
+            </a:r>
+            <a:r>
+              <a:rPr lang="fr-FR" dirty="0" err="1"/>
+              <a:t>Spring</a:t>
+            </a:r>
+            <a:endParaRPr lang="fr-FR" dirty="0"/>
+          </a:p>
+          <a:p>
+            <a:pPr lvl="1"/>
+            <a:r>
+              <a:rPr lang="fr-FR" dirty="0"/>
+              <a:t>Framework déjà utilisé dans d’autres projets</a:t>
+            </a:r>
+          </a:p>
+          <a:p>
+            <a:pPr lvl="1"/>
+            <a:r>
+              <a:rPr lang="fr-FR" dirty="0"/>
+              <a:t>Langage Java maîtrisé</a:t>
+            </a:r>
+          </a:p>
+          <a:p>
+            <a:pPr lvl="1"/>
+            <a:endParaRPr lang="fr-FR" dirty="0"/>
+          </a:p>
+          <a:p>
+            <a:endParaRPr lang="fr-FR" dirty="0"/>
+          </a:p>
+        </p:txBody>
+      </p:sp>
+      <p:sp>
+        <p:nvSpPr>
+          <p:cNvPr id="4" name="Espace réservé du pied de page 3">
+            <a:extLst>
+              <a:ext uri="{FF2B5EF4-FFF2-40B4-BE49-F238E27FC236}">
+                <a16:creationId xmlns:a16="http://schemas.microsoft.com/office/drawing/2014/main" id="{8D3AF887-9A36-4ED0-987D-ED92CA1990B0}"/>
+              </a:ext>
+            </a:extLst>
+          </p:cNvPr>
+          <p:cNvSpPr>
+            <a:spLocks noGrp="1"/>
+          </p:cNvSpPr>
+          <p:nvPr>
+            <p:ph type="ftr" sz="quarter" idx="11"/>
+          </p:nvPr>
+        </p:nvSpPr>
+        <p:spPr/>
+        <p:txBody>
           <a:bodyPr/>
           <a:lstStyle/>
           <a:p>
+            <a:r>
+              <a:rPr lang="fr-FR"/>
+              <a:t>29/11/2017</a:t>
+            </a:r>
+          </a:p>
+        </p:txBody>
+      </p:sp>
+      <p:sp>
+        <p:nvSpPr>
+          <p:cNvPr id="5" name="Espace réservé du numéro de diapositive 4">
+            <a:extLst>
+              <a:ext uri="{FF2B5EF4-FFF2-40B4-BE49-F238E27FC236}">
+                <a16:creationId xmlns:a16="http://schemas.microsoft.com/office/drawing/2014/main" id="{25968FEC-C2F6-4ACB-A658-AEEC4C3C2228}"/>
+              </a:ext>
+            </a:extLst>
+          </p:cNvPr>
+          <p:cNvSpPr>
+            <a:spLocks noGrp="1"/>
+          </p:cNvSpPr>
+          <p:nvPr>
+            <p:ph type="sldNum" sz="quarter" idx="12"/>
+          </p:nvPr>
+        </p:nvSpPr>
+        <p:spPr/>
+        <p:txBody>
+          <a:bodyPr/>
+          <a:lstStyle/>
+          <a:p>
+            <a:fld id="{ED22AD06-C296-4654-A2D3-A746ACA7B044}" type="slidenum">
+              <a:rPr lang="fr-FR" smtClean="0"/>
+              <a:pPr/>
+              <a:t>6</a:t>
+            </a:fld>
             <a:endParaRPr lang="fr-FR"/>
           </a:p>
         </p:txBody>
@@ -13066,7 +16547,7 @@
     </p:spTree>
     <p:extLst>
       <p:ext uri="{BB962C8B-B14F-4D97-AF65-F5344CB8AC3E}">
-        <p14:creationId xmlns:p14="http://schemas.microsoft.com/office/powerpoint/2010/main" val="2836490286"/>
+        <p14:creationId xmlns:p14="http://schemas.microsoft.com/office/powerpoint/2010/main" val="1329836512"/>
       </p:ext>
     </p:extLst>
   </p:cSld>
@@ -13098,7 +16579,7 @@
           <p:cNvPr id="2" name="Titre 1">
             <a:extLst>
               <a:ext uri="{FF2B5EF4-FFF2-40B4-BE49-F238E27FC236}">
-                <a16:creationId xmlns:a16="http://schemas.microsoft.com/office/drawing/2014/main" id="{0845828D-6CC7-4486-8B9C-DD5D9F22D31D}"/>
+                <a16:creationId xmlns:a16="http://schemas.microsoft.com/office/drawing/2014/main" id="{C0CC8AE9-1BF4-4387-ADA7-C852D42B7D76}"/>
               </a:ext>
             </a:extLst>
           </p:cNvPr>
@@ -13116,17 +16597,47 @@
           <a:p>
             <a:r>
               <a:rPr lang="fr-FR" dirty="0"/>
-              <a:t>Justifier l'intérêt du CI/CD</a:t>
-            </a:r>
-          </a:p>
-        </p:txBody>
-      </p:sp>
-      <p:sp>
-        <p:nvSpPr>
-          <p:cNvPr id="3" name="Espace réservé du contenu 2">
+              <a:t>Démonstration </a:t>
+            </a:r>
+          </a:p>
+        </p:txBody>
+      </p:sp>
+      <p:pic>
+        <p:nvPicPr>
+          <p:cNvPr id="5" name="Image 4"/>
+          <p:cNvPicPr>
+            <a:picLocks noChangeAspect="1"/>
+          </p:cNvPicPr>
+          <p:nvPr/>
+        </p:nvPicPr>
+        <p:blipFill>
+          <a:blip r:embed="rId3" cstate="print">
+            <a:extLst>
+              <a:ext uri="{28A0092B-C50C-407E-A947-70E740481C1C}">
+                <a14:useLocalDpi xmlns:a14="http://schemas.microsoft.com/office/drawing/2010/main" val="0"/>
+              </a:ext>
+            </a:extLst>
+          </a:blip>
+          <a:stretch>
+            <a:fillRect/>
+          </a:stretch>
+        </p:blipFill>
+        <p:spPr>
+          <a:xfrm>
+            <a:off x="1842057" y="1774371"/>
+            <a:ext cx="8302830" cy="4151416"/>
+          </a:xfrm>
+          <a:prstGeom prst="rect">
+            <a:avLst/>
+          </a:prstGeom>
+        </p:spPr>
+      </p:pic>
+      <p:sp>
+        <p:nvSpPr>
+          <p:cNvPr id="3" name="Espace réservé du pied de page 2">
             <a:extLst>
               <a:ext uri="{FF2B5EF4-FFF2-40B4-BE49-F238E27FC236}">
-                <a16:creationId xmlns:a16="http://schemas.microsoft.com/office/drawing/2014/main" id="{D2565F79-8447-4704-800E-75742A26C65D}"/>
+                <a16:creationId xmlns:a16="http://schemas.microsoft.com/office/drawing/2014/main" id="{7D5441C1-46C0-4783-9F0E-B77CAD4C03C4}"/>
               </a:ext>
             </a:extLst>
           </p:cNvPr>
@@ -13134,7 +16645,7 @@
             <a:spLocks noGrp="1"/>
           </p:cNvSpPr>
           <p:nvPr>
-            <p:ph idx="1"/>
+            <p:ph type="ftr" sz="quarter" idx="11"/>
           </p:nvPr>
         </p:nvSpPr>
         <p:spPr/>
@@ -13142,6 +16653,39 @@
           <a:bodyPr/>
           <a:lstStyle/>
           <a:p>
+            <a:r>
+              <a:rPr lang="fr-FR"/>
+              <a:t>29/11/2017</a:t>
+            </a:r>
+          </a:p>
+        </p:txBody>
+      </p:sp>
+      <p:sp>
+        <p:nvSpPr>
+          <p:cNvPr id="4" name="Espace réservé du numéro de diapositive 3">
+            <a:extLst>
+              <a:ext uri="{FF2B5EF4-FFF2-40B4-BE49-F238E27FC236}">
+                <a16:creationId xmlns:a16="http://schemas.microsoft.com/office/drawing/2014/main" id="{C5EB9DE6-B98B-4EAD-87CE-73AC85478BBB}"/>
+              </a:ext>
+            </a:extLst>
+          </p:cNvPr>
+          <p:cNvSpPr>
+            <a:spLocks noGrp="1"/>
+          </p:cNvSpPr>
+          <p:nvPr>
+            <p:ph type="sldNum" sz="quarter" idx="12"/>
+          </p:nvPr>
+        </p:nvSpPr>
+        <p:spPr/>
+        <p:txBody>
+          <a:bodyPr/>
+          <a:lstStyle/>
+          <a:p>
+            <a:fld id="{ED22AD06-C296-4654-A2D3-A746ACA7B044}" type="slidenum">
+              <a:rPr lang="fr-FR" smtClean="0"/>
+              <a:pPr/>
+              <a:t>7</a:t>
+            </a:fld>
             <a:endParaRPr lang="fr-FR"/>
           </a:p>
         </p:txBody>
@@ -13149,7 +16693,7 @@
     </p:spTree>
     <p:extLst>
       <p:ext uri="{BB962C8B-B14F-4D97-AF65-F5344CB8AC3E}">
-        <p14:creationId xmlns:p14="http://schemas.microsoft.com/office/powerpoint/2010/main" val="919382233"/>
+        <p14:creationId xmlns:p14="http://schemas.microsoft.com/office/powerpoint/2010/main" val="4113985906"/>
       </p:ext>
     </p:extLst>
   </p:cSld>
@@ -13181,7 +16725,7 @@
           <p:cNvPr id="2" name="Titre 1">
             <a:extLst>
               <a:ext uri="{FF2B5EF4-FFF2-40B4-BE49-F238E27FC236}">
-                <a16:creationId xmlns:a16="http://schemas.microsoft.com/office/drawing/2014/main" id="{96C5FFFE-9A22-4089-93E1-9CA9315E180B}"/>
+                <a16:creationId xmlns:a16="http://schemas.microsoft.com/office/drawing/2014/main" id="{6F819513-349C-4881-89BD-301F56BF30B3}"/>
               </a:ext>
             </a:extLst>
           </p:cNvPr>
@@ -13199,7 +16743,7 @@
           <a:p>
             <a:r>
               <a:rPr lang="fr-FR" dirty="0"/>
-              <a:t>Difficultés rencontrées et retours sur l'UE</a:t>
+              <a:t>Organisation du groupe et du travail</a:t>
             </a:r>
           </a:p>
         </p:txBody>
@@ -13209,7 +16753,7 @@
           <p:cNvPr id="3" name="Espace réservé du contenu 2">
             <a:extLst>
               <a:ext uri="{FF2B5EF4-FFF2-40B4-BE49-F238E27FC236}">
-                <a16:creationId xmlns:a16="http://schemas.microsoft.com/office/drawing/2014/main" id="{9ACD37A6-8B7D-497E-82A3-56A503C1FCEF}"/>
+                <a16:creationId xmlns:a16="http://schemas.microsoft.com/office/drawing/2014/main" id="{8FA18918-6B31-4E5C-90BD-84E11C4F0F99}"/>
               </a:ext>
             </a:extLst>
           </p:cNvPr>
@@ -13222,9 +16766,96 @@
         </p:nvSpPr>
         <p:spPr/>
         <p:txBody>
+          <a:bodyPr>
+            <a:normAutofit/>
+          </a:bodyPr>
+          <a:lstStyle/>
+          <a:p>
+            <a:r>
+              <a:rPr lang="fr-FR" dirty="0"/>
+              <a:t>Création de l’API USER : Jensen</a:t>
+            </a:r>
+          </a:p>
+          <a:p>
+            <a:r>
+              <a:rPr lang="fr-FR" dirty="0"/>
+              <a:t>Tests : Matthieu</a:t>
+            </a:r>
+          </a:p>
+          <a:p>
+            <a:r>
+              <a:rPr lang="fr-FR" dirty="0"/>
+              <a:t>Mise en place de l’image Docker : Matthieu, Lilian, Julien et Jensen</a:t>
+            </a:r>
+          </a:p>
+          <a:p>
+            <a:r>
+              <a:rPr lang="fr-FR" dirty="0"/>
+              <a:t>Recherche de documentation pour choix techniques : Lilian et Julien </a:t>
+            </a:r>
+          </a:p>
+          <a:p>
+            <a:r>
+              <a:rPr lang="fr-FR" dirty="0"/>
+              <a:t>Préparation du support de présentation: Lilian et Julien</a:t>
+            </a:r>
+          </a:p>
+        </p:txBody>
+      </p:sp>
+      <p:sp>
+        <p:nvSpPr>
+          <p:cNvPr id="4" name="Espace réservé du pied de page 3">
+            <a:extLst>
+              <a:ext uri="{FF2B5EF4-FFF2-40B4-BE49-F238E27FC236}">
+                <a16:creationId xmlns:a16="http://schemas.microsoft.com/office/drawing/2014/main" id="{04FA8130-EF46-4F61-9E00-5E57A1CD70A9}"/>
+              </a:ext>
+            </a:extLst>
+          </p:cNvPr>
+          <p:cNvSpPr>
+            <a:spLocks noGrp="1"/>
+          </p:cNvSpPr>
+          <p:nvPr>
+            <p:ph type="ftr" sz="quarter" idx="11"/>
+          </p:nvPr>
+        </p:nvSpPr>
+        <p:spPr/>
+        <p:txBody>
           <a:bodyPr/>
           <a:lstStyle/>
           <a:p>
+            <a:r>
+              <a:rPr lang="fr-FR"/>
+              <a:t>29/11/2017</a:t>
+            </a:r>
+          </a:p>
+        </p:txBody>
+      </p:sp>
+      <p:sp>
+        <p:nvSpPr>
+          <p:cNvPr id="5" name="Espace réservé du numéro de diapositive 4">
+            <a:extLst>
+              <a:ext uri="{FF2B5EF4-FFF2-40B4-BE49-F238E27FC236}">
+                <a16:creationId xmlns:a16="http://schemas.microsoft.com/office/drawing/2014/main" id="{332B6EAC-5DA2-4B4A-B235-9718E373AB1B}"/>
+              </a:ext>
+            </a:extLst>
+          </p:cNvPr>
+          <p:cNvSpPr>
+            <a:spLocks noGrp="1"/>
+          </p:cNvSpPr>
+          <p:nvPr>
+            <p:ph type="sldNum" sz="quarter" idx="12"/>
+          </p:nvPr>
+        </p:nvSpPr>
+        <p:spPr/>
+        <p:txBody>
+          <a:bodyPr/>
+          <a:lstStyle/>
+          <a:p>
+            <a:fld id="{ED22AD06-C296-4654-A2D3-A746ACA7B044}" type="slidenum">
+              <a:rPr lang="fr-FR" smtClean="0"/>
+              <a:pPr/>
+              <a:t>8</a:t>
+            </a:fld>
             <a:endParaRPr lang="fr-FR"/>
           </a:p>
         </p:txBody>
@@ -13232,7 +16863,360 @@
     </p:spTree>
     <p:extLst>
       <p:ext uri="{BB962C8B-B14F-4D97-AF65-F5344CB8AC3E}">
-        <p14:creationId xmlns:p14="http://schemas.microsoft.com/office/powerpoint/2010/main" val="3260277226"/>
+        <p14:creationId xmlns:p14="http://schemas.microsoft.com/office/powerpoint/2010/main" val="2836490286"/>
+      </p:ext>
+    </p:extLst>
+  </p:cSld>
+  <p:clrMapOvr>
+    <a:masterClrMapping/>
+  </p:clrMapOvr>
+</p:sld>
+</file>
+
+<file path=ppt/slides/slide9.xml><?xml version="1.0" encoding="utf-8"?>
+<p:sld xmlns:a="http://schemas.openxmlformats.org/drawingml/2006/main" xmlns:r="http://schemas.openxmlformats.org/officeDocument/2006/relationships" xmlns:p="http://schemas.openxmlformats.org/presentationml/2006/main">
+  <p:cSld>
+    <p:spTree>
+      <p:nvGrpSpPr>
+        <p:cNvPr id="1" name=""/>
+        <p:cNvGrpSpPr/>
+        <p:nvPr/>
+      </p:nvGrpSpPr>
+      <p:grpSpPr>
+        <a:xfrm>
+          <a:off x="0" y="0"/>
+          <a:ext cx="0" cy="0"/>
+          <a:chOff x="0" y="0"/>
+          <a:chExt cx="0" cy="0"/>
+        </a:xfrm>
+      </p:grpSpPr>
+      <p:sp>
+        <p:nvSpPr>
+          <p:cNvPr id="2" name="Titre 1">
+            <a:extLst>
+              <a:ext uri="{FF2B5EF4-FFF2-40B4-BE49-F238E27FC236}">
+                <a16:creationId xmlns:a16="http://schemas.microsoft.com/office/drawing/2014/main" id="{0845828D-6CC7-4486-8B9C-DD5D9F22D31D}"/>
+              </a:ext>
+            </a:extLst>
+          </p:cNvPr>
+          <p:cNvSpPr>
+            <a:spLocks noGrp="1"/>
+          </p:cNvSpPr>
+          <p:nvPr>
+            <p:ph type="title"/>
+          </p:nvPr>
+        </p:nvSpPr>
+        <p:spPr/>
+        <p:txBody>
+          <a:bodyPr/>
+          <a:lstStyle/>
+          <a:p>
+            <a:r>
+              <a:rPr lang="fr-FR" dirty="0"/>
+              <a:t>CI/CD : Intégration continue</a:t>
+            </a:r>
+            <a:br>
+              <a:rPr lang="fr-FR" dirty="0"/>
+            </a:br>
+            <a:r>
+              <a:rPr lang="fr-FR" dirty="0"/>
+              <a:t>Serveur de gestion des versions</a:t>
+            </a:r>
+          </a:p>
+        </p:txBody>
+      </p:sp>
+      <p:sp>
+        <p:nvSpPr>
+          <p:cNvPr id="3" name="Espace réservé du contenu 2">
+            <a:extLst>
+              <a:ext uri="{FF2B5EF4-FFF2-40B4-BE49-F238E27FC236}">
+                <a16:creationId xmlns:a16="http://schemas.microsoft.com/office/drawing/2014/main" id="{D2565F79-8447-4704-800E-75742A26C65D}"/>
+              </a:ext>
+            </a:extLst>
+          </p:cNvPr>
+          <p:cNvSpPr>
+            <a:spLocks noGrp="1"/>
+          </p:cNvSpPr>
+          <p:nvPr>
+            <p:ph sz="half" idx="2"/>
+          </p:nvPr>
+        </p:nvSpPr>
+        <p:spPr>
+          <a:xfrm>
+            <a:off x="1141410" y="2097087"/>
+            <a:ext cx="4878391" cy="3694111"/>
+          </a:xfrm>
+        </p:spPr>
+        <p:txBody>
+          <a:bodyPr>
+            <a:normAutofit/>
+          </a:bodyPr>
+          <a:lstStyle/>
+          <a:p>
+            <a:r>
+              <a:rPr lang="fr-FR" dirty="0">
+                <a:solidFill>
+                  <a:schemeClr val="accent2">
+                    <a:lumMod val="40000"/>
+                    <a:lumOff val="60000"/>
+                  </a:schemeClr>
+                </a:solidFill>
+              </a:rPr>
+              <a:t>SVN</a:t>
+            </a:r>
+          </a:p>
+          <a:p>
+            <a:pPr marL="457200" lvl="1" indent="0">
+              <a:buNone/>
+            </a:pPr>
+            <a:r>
+              <a:rPr lang="fr-FR" dirty="0">
+                <a:solidFill>
+                  <a:schemeClr val="accent2">
+                    <a:lumMod val="40000"/>
+                    <a:lumOff val="60000"/>
+                  </a:schemeClr>
+                </a:solidFill>
+              </a:rPr>
+              <a:t>+ Gratuit</a:t>
+            </a:r>
+          </a:p>
+          <a:p>
+            <a:pPr marL="457200" lvl="1" indent="0">
+              <a:buNone/>
+            </a:pPr>
+            <a:r>
+              <a:rPr lang="fr-FR" dirty="0">
+                <a:solidFill>
+                  <a:schemeClr val="accent2">
+                    <a:lumMod val="40000"/>
+                    <a:lumOff val="60000"/>
+                  </a:schemeClr>
+                </a:solidFill>
+              </a:rPr>
+              <a:t>- </a:t>
+            </a:r>
+            <a:r>
+              <a:rPr lang="fr-FR" dirty="0" err="1">
+                <a:solidFill>
+                  <a:schemeClr val="accent2">
+                    <a:lumMod val="40000"/>
+                    <a:lumOff val="60000"/>
+                  </a:schemeClr>
+                </a:solidFill>
+              </a:rPr>
+              <a:t>Versionning</a:t>
+            </a:r>
+            <a:r>
+              <a:rPr lang="fr-FR" dirty="0">
+                <a:solidFill>
+                  <a:schemeClr val="accent2">
+                    <a:lumMod val="40000"/>
+                    <a:lumOff val="60000"/>
+                  </a:schemeClr>
+                </a:solidFill>
+              </a:rPr>
+              <a:t> décentralisé</a:t>
+            </a:r>
+          </a:p>
+        </p:txBody>
+      </p:sp>
+      <p:sp>
+        <p:nvSpPr>
+          <p:cNvPr id="6" name="Espace réservé du contenu 5">
+            <a:extLst>
+              <a:ext uri="{FF2B5EF4-FFF2-40B4-BE49-F238E27FC236}">
+                <a16:creationId xmlns:a16="http://schemas.microsoft.com/office/drawing/2014/main" id="{E72588E6-DD5B-48C8-86FB-E66FFBA90F82}"/>
+              </a:ext>
+            </a:extLst>
+          </p:cNvPr>
+          <p:cNvSpPr>
+            <a:spLocks noGrp="1"/>
+          </p:cNvSpPr>
+          <p:nvPr>
+            <p:ph sz="quarter" idx="4"/>
+          </p:nvPr>
+        </p:nvSpPr>
+        <p:spPr>
+          <a:xfrm>
+            <a:off x="6172200" y="2188029"/>
+            <a:ext cx="4875210" cy="3603169"/>
+          </a:xfrm>
+        </p:spPr>
+        <p:txBody>
+          <a:bodyPr>
+            <a:normAutofit/>
+          </a:bodyPr>
+          <a:lstStyle/>
+          <a:p>
+            <a:pPr lvl="1"/>
+            <a:r>
+              <a:rPr lang="fr-FR" sz="2400" dirty="0" err="1">
+                <a:solidFill>
+                  <a:schemeClr val="accent1">
+                    <a:lumMod val="60000"/>
+                    <a:lumOff val="40000"/>
+                  </a:schemeClr>
+                </a:solidFill>
+              </a:rPr>
+              <a:t>Github</a:t>
+            </a:r>
+            <a:endParaRPr lang="fr-FR" sz="2400" dirty="0">
+              <a:solidFill>
+                <a:schemeClr val="accent1">
+                  <a:lumMod val="60000"/>
+                  <a:lumOff val="40000"/>
+                </a:schemeClr>
+              </a:solidFill>
+            </a:endParaRPr>
+          </a:p>
+          <a:p>
+            <a:pPr marL="914400" lvl="2" indent="0">
+              <a:buNone/>
+            </a:pPr>
+            <a:r>
+              <a:rPr lang="fr-FR" sz="2000" dirty="0">
+                <a:solidFill>
+                  <a:schemeClr val="accent1">
+                    <a:lumMod val="60000"/>
+                    <a:lumOff val="40000"/>
+                  </a:schemeClr>
+                </a:solidFill>
+              </a:rPr>
+              <a:t>+ Déjà utilisé</a:t>
+            </a:r>
+          </a:p>
+          <a:p>
+            <a:pPr marL="914400" lvl="2" indent="0">
+              <a:buNone/>
+            </a:pPr>
+            <a:r>
+              <a:rPr lang="fr-FR" sz="2000" dirty="0">
+                <a:solidFill>
+                  <a:schemeClr val="accent1">
+                    <a:lumMod val="60000"/>
+                    <a:lumOff val="40000"/>
+                  </a:schemeClr>
+                </a:solidFill>
+              </a:rPr>
+              <a:t>+ Gratuit</a:t>
+            </a:r>
+          </a:p>
+          <a:p>
+            <a:pPr marL="914400" lvl="2" indent="0">
+              <a:buNone/>
+            </a:pPr>
+            <a:r>
+              <a:rPr lang="fr-FR" sz="2000" dirty="0">
+                <a:solidFill>
+                  <a:schemeClr val="accent1">
+                    <a:lumMod val="60000"/>
+                    <a:lumOff val="40000"/>
+                  </a:schemeClr>
+                </a:solidFill>
+              </a:rPr>
+              <a:t>+ Gestion des branches</a:t>
+            </a:r>
+          </a:p>
+          <a:p>
+            <a:pPr marL="914400" lvl="2" indent="0">
+              <a:buNone/>
+            </a:pPr>
+            <a:r>
+              <a:rPr lang="fr-FR" sz="2000" dirty="0">
+                <a:solidFill>
+                  <a:schemeClr val="accent1">
+                    <a:lumMod val="60000"/>
+                    <a:lumOff val="40000"/>
+                  </a:schemeClr>
+                </a:solidFill>
+              </a:rPr>
+              <a:t>+ Suivi des modifications</a:t>
+            </a:r>
+          </a:p>
+          <a:p>
+            <a:pPr marL="914400" lvl="2" indent="0">
+              <a:buNone/>
+            </a:pPr>
+            <a:r>
+              <a:rPr lang="fr-FR" sz="2000" dirty="0">
+                <a:solidFill>
+                  <a:schemeClr val="accent1">
+                    <a:lumMod val="60000"/>
+                    <a:lumOff val="40000"/>
+                  </a:schemeClr>
+                </a:solidFill>
+              </a:rPr>
+              <a:t>+ Merge intelligent</a:t>
+            </a:r>
+          </a:p>
+          <a:p>
+            <a:endParaRPr lang="fr-FR" dirty="0"/>
+          </a:p>
+        </p:txBody>
+      </p:sp>
+      <p:sp>
+        <p:nvSpPr>
+          <p:cNvPr id="7" name="Espace réservé du pied de page 6">
+            <a:extLst>
+              <a:ext uri="{FF2B5EF4-FFF2-40B4-BE49-F238E27FC236}">
+                <a16:creationId xmlns:a16="http://schemas.microsoft.com/office/drawing/2014/main" id="{A6C3343A-8C55-4D5B-83EE-2EDF0A9D7810}"/>
+              </a:ext>
+            </a:extLst>
+          </p:cNvPr>
+          <p:cNvSpPr>
+            <a:spLocks noGrp="1"/>
+          </p:cNvSpPr>
+          <p:nvPr>
+            <p:ph type="ftr" sz="quarter" idx="11"/>
+          </p:nvPr>
+        </p:nvSpPr>
+        <p:spPr/>
+        <p:txBody>
+          <a:bodyPr/>
+          <a:lstStyle/>
+          <a:p>
+            <a:r>
+              <a:rPr lang="fr-FR"/>
+              <a:t>29/11/2017</a:t>
+            </a:r>
+          </a:p>
+        </p:txBody>
+      </p:sp>
+      <p:sp>
+        <p:nvSpPr>
+          <p:cNvPr id="8" name="Espace réservé du numéro de diapositive 7">
+            <a:extLst>
+              <a:ext uri="{FF2B5EF4-FFF2-40B4-BE49-F238E27FC236}">
+                <a16:creationId xmlns:a16="http://schemas.microsoft.com/office/drawing/2014/main" id="{3B0DB9C9-02FF-40DA-9DB3-B0222BD9F6E9}"/>
+              </a:ext>
+            </a:extLst>
+          </p:cNvPr>
+          <p:cNvSpPr>
+            <a:spLocks noGrp="1"/>
+          </p:cNvSpPr>
+          <p:nvPr>
+            <p:ph type="sldNum" sz="quarter" idx="12"/>
+          </p:nvPr>
+        </p:nvSpPr>
+        <p:spPr/>
+        <p:txBody>
+          <a:bodyPr/>
+          <a:lstStyle/>
+          <a:p>
+            <a:fld id="{ED22AD06-C296-4654-A2D3-A746ACA7B044}" type="slidenum">
+              <a:rPr lang="fr-FR" smtClean="0"/>
+              <a:pPr/>
+              <a:t>9</a:t>
+            </a:fld>
+            <a:endParaRPr lang="fr-FR"/>
+          </a:p>
+        </p:txBody>
+      </p:sp>
+    </p:spTree>
+    <p:extLst>
+      <p:ext uri="{BB962C8B-B14F-4D97-AF65-F5344CB8AC3E}">
+        <p14:creationId xmlns:p14="http://schemas.microsoft.com/office/powerpoint/2010/main" val="919382233"/>
       </p:ext>
     </p:extLst>
   </p:cSld>
@@ -13285,7 +17269,7 @@
     </a:clrScheme>
     <a:fontScheme name="Circuit">
       <a:majorFont>
-        <a:latin typeface="Tw Cen MT" panose="020B0602020104020603"/>
+        <a:latin typeface="Tw Cen MT"/>
         <a:ea typeface=""/>
         <a:cs typeface=""/>
         <a:font script="Jpan" typeface="ＭＳ Ｐゴシック"/>
@@ -13320,7 +17304,7 @@
         <a:font script="Geor" typeface="Sylfaen"/>
       </a:majorFont>
       <a:minorFont>
-        <a:latin typeface="Tw Cen MT" panose="020B0602020104020603"/>
+        <a:latin typeface="Tw Cen MT"/>
         <a:ea typeface=""/>
         <a:cs typeface=""/>
         <a:font script="Jpan" typeface="ＭＳ Ｐゴシック"/>
@@ -13491,4 +17475,265 @@
     </a:ext>
   </a:extLst>
 </a:theme>
+</file>
+
+<file path=ppt/theme/theme2.xml><?xml version="1.0" encoding="utf-8"?>
+<a:theme xmlns:a="http://schemas.openxmlformats.org/drawingml/2006/main" name="Thème Office">
+  <a:themeElements>
+    <a:clrScheme name="Office">
+      <a:dk1>
+        <a:sysClr val="windowText" lastClr="000000"/>
+      </a:dk1>
+      <a:lt1>
+        <a:sysClr val="window" lastClr="FFFFFF"/>
+      </a:lt1>
+      <a:dk2>
+        <a:srgbClr val="44546A"/>
+      </a:dk2>
+      <a:lt2>
+        <a:srgbClr val="E7E6E6"/>
+      </a:lt2>
+      <a:accent1>
+        <a:srgbClr val="5B9BD5"/>
+      </a:accent1>
+      <a:accent2>
+        <a:srgbClr val="ED7D31"/>
+      </a:accent2>
+      <a:accent3>
+        <a:srgbClr val="A5A5A5"/>
+      </a:accent3>
+      <a:accent4>
+        <a:srgbClr val="FFC000"/>
+      </a:accent4>
+      <a:accent5>
+        <a:srgbClr val="4472C4"/>
+      </a:accent5>
+      <a:accent6>
+        <a:srgbClr val="70AD47"/>
+      </a:accent6>
+      <a:hlink>
+        <a:srgbClr val="0563C1"/>
+      </a:hlink>
+      <a:folHlink>
+        <a:srgbClr val="954F72"/>
+      </a:folHlink>
+    </a:clrScheme>
+    <a:fontScheme name="Office">
+      <a:majorFont>
+        <a:latin typeface="Calibri Light"/>
+        <a:ea typeface=""/>
+        <a:cs typeface=""/>
+        <a:font script="Jpan" typeface="游ゴシック Light"/>
+        <a:font script="Hang" typeface="맑은 고딕"/>
+        <a:font script="Hans" typeface="等线 Light"/>
+        <a:font script="Hant" typeface="新細明體"/>
+        <a:font script="Arab" typeface="Times New Roman"/>
+        <a:font script="Hebr" typeface="Times New Roman"/>
+        <a:font script="Thai" typeface="Angsana New"/>
+        <a:font script="Ethi" typeface="Nyala"/>
+        <a:font script="Beng" typeface="Vrinda"/>
+        <a:font script="Gujr" typeface="Shruti"/>
+        <a:font script="Khmr" typeface="MoolBoran"/>
+        <a:font script="Knda" typeface="Tunga"/>
+        <a:font script="Guru" typeface="Raavi"/>
+        <a:font script="Cans" typeface="Euphemia"/>
+        <a:font script="Cher" typeface="Plantagenet Cherokee"/>
+        <a:font script="Yiii" typeface="Microsoft Yi Baiti"/>
+        <a:font script="Tibt" typeface="Microsoft Himalaya"/>
+        <a:font script="Thaa" typeface="MV Boli"/>
+        <a:font script="Deva" typeface="Mangal"/>
+        <a:font script="Telu" typeface="Gautami"/>
+        <a:font script="Taml" typeface="Latha"/>
+        <a:font script="Syrc" typeface="Estrangelo Edessa"/>
+        <a:font script="Orya" typeface="Kalinga"/>
+        <a:font script="Mlym" typeface="Kartika"/>
+        <a:font script="Laoo" typeface="DokChampa"/>
+        <a:font script="Sinh" typeface="Iskoola Pota"/>
+        <a:font script="Mong" typeface="Mongolian Baiti"/>
+        <a:font script="Viet" typeface="Times New Roman"/>
+        <a:font script="Uigh" typeface="Microsoft Uighur"/>
+        <a:font script="Geor" typeface="Sylfaen"/>
+      </a:majorFont>
+      <a:minorFont>
+        <a:latin typeface="Calibri"/>
+        <a:ea typeface=""/>
+        <a:cs typeface=""/>
+        <a:font script="Jpan" typeface="游ゴシック"/>
+        <a:font script="Hang" typeface="맑은 고딕"/>
+        <a:font script="Hans" typeface="等线"/>
+        <a:font script="Hant" typeface="新細明體"/>
+        <a:font script="Arab" typeface="Arial"/>
+        <a:font script="Hebr" typeface="Arial"/>
+        <a:font script="Thai" typeface="Cordia New"/>
+        <a:font script="Ethi" typeface="Nyala"/>
+        <a:font script="Beng" typeface="Vrinda"/>
+        <a:font script="Gujr" typeface="Shruti"/>
+        <a:font script="Khmr" typeface="DaunPenh"/>
+        <a:font script="Knda" typeface="Tunga"/>
+        <a:font script="Guru" typeface="Raavi"/>
+        <a:font script="Cans" typeface="Euphemia"/>
+        <a:font script="Cher" typeface="Plantagenet Cherokee"/>
+        <a:font script="Yiii" typeface="Microsoft Yi Baiti"/>
+        <a:font script="Tibt" typeface="Microsoft Himalaya"/>
+        <a:font script="Thaa" typeface="MV Boli"/>
+        <a:font script="Deva" typeface="Mangal"/>
+        <a:font script="Telu" typeface="Gautami"/>
+        <a:font script="Taml" typeface="Latha"/>
+        <a:font script="Syrc" typeface="Estrangelo Edessa"/>
+        <a:font script="Orya" typeface="Kalinga"/>
+        <a:font script="Mlym" typeface="Kartika"/>
+        <a:font script="Laoo" typeface="DokChampa"/>
+        <a:font script="Sinh" typeface="Iskoola Pota"/>
+        <a:font script="Mong" typeface="Mongolian Baiti"/>
+        <a:font script="Viet" typeface="Arial"/>
+        <a:font script="Uigh" typeface="Microsoft Uighur"/>
+        <a:font script="Geor" typeface="Sylfaen"/>
+      </a:minorFont>
+    </a:fontScheme>
+    <a:fmtScheme name="Office">
+      <a:fillStyleLst>
+        <a:solidFill>
+          <a:schemeClr val="phClr"/>
+        </a:solidFill>
+        <a:gradFill rotWithShape="1">
+          <a:gsLst>
+            <a:gs pos="0">
+              <a:schemeClr val="phClr">
+                <a:lumMod val="110000"/>
+                <a:satMod val="105000"/>
+                <a:tint val="67000"/>
+              </a:schemeClr>
+            </a:gs>
+            <a:gs pos="50000">
+              <a:schemeClr val="phClr">
+                <a:lumMod val="105000"/>
+                <a:satMod val="103000"/>
+                <a:tint val="73000"/>
+              </a:schemeClr>
+            </a:gs>
+            <a:gs pos="100000">
+              <a:schemeClr val="phClr">
+                <a:lumMod val="105000"/>
+                <a:satMod val="109000"/>
+                <a:tint val="81000"/>
+              </a:schemeClr>
+            </a:gs>
+          </a:gsLst>
+          <a:lin ang="5400000" scaled="0"/>
+        </a:gradFill>
+        <a:gradFill rotWithShape="1">
+          <a:gsLst>
+            <a:gs pos="0">
+              <a:schemeClr val="phClr">
+                <a:satMod val="103000"/>
+                <a:lumMod val="102000"/>
+                <a:tint val="94000"/>
+              </a:schemeClr>
+            </a:gs>
+            <a:gs pos="50000">
+              <a:schemeClr val="phClr">
+                <a:satMod val="110000"/>
+                <a:lumMod val="100000"/>
+                <a:shade val="100000"/>
+              </a:schemeClr>
+            </a:gs>
+            <a:gs pos="100000">
+              <a:schemeClr val="phClr">
+                <a:lumMod val="99000"/>
+                <a:satMod val="120000"/>
+                <a:shade val="78000"/>
+              </a:schemeClr>
+            </a:gs>
+          </a:gsLst>
+          <a:lin ang="5400000" scaled="0"/>
+        </a:gradFill>
+      </a:fillStyleLst>
+      <a:lnStyleLst>
+        <a:ln w="6350" cap="flat" cmpd="sng" algn="ctr">
+          <a:solidFill>
+            <a:schemeClr val="phClr"/>
+          </a:solidFill>
+          <a:prstDash val="solid"/>
+          <a:miter lim="800000"/>
+        </a:ln>
+        <a:ln w="12700" cap="flat" cmpd="sng" algn="ctr">
+          <a:solidFill>
+            <a:schemeClr val="phClr"/>
+          </a:solidFill>
+          <a:prstDash val="solid"/>
+          <a:miter lim="800000"/>
+        </a:ln>
+        <a:ln w="19050" cap="flat" cmpd="sng" algn="ctr">
+          <a:solidFill>
+            <a:schemeClr val="phClr"/>
+          </a:solidFill>
+          <a:prstDash val="solid"/>
+          <a:miter lim="800000"/>
+        </a:ln>
+      </a:lnStyleLst>
+      <a:effectStyleLst>
+        <a:effectStyle>
+          <a:effectLst/>
+        </a:effectStyle>
+        <a:effectStyle>
+          <a:effectLst/>
+        </a:effectStyle>
+        <a:effectStyle>
+          <a:effectLst>
+            <a:outerShdw blurRad="57150" dist="19050" dir="5400000" algn="ctr" rotWithShape="0">
+              <a:srgbClr val="000000">
+                <a:alpha val="63000"/>
+              </a:srgbClr>
+            </a:outerShdw>
+          </a:effectLst>
+        </a:effectStyle>
+      </a:effectStyleLst>
+      <a:bgFillStyleLst>
+        <a:solidFill>
+          <a:schemeClr val="phClr"/>
+        </a:solidFill>
+        <a:solidFill>
+          <a:schemeClr val="phClr">
+            <a:tint val="95000"/>
+            <a:satMod val="170000"/>
+          </a:schemeClr>
+        </a:solidFill>
+        <a:gradFill rotWithShape="1">
+          <a:gsLst>
+            <a:gs pos="0">
+              <a:schemeClr val="phClr">
+                <a:tint val="93000"/>
+                <a:satMod val="150000"/>
+                <a:shade val="98000"/>
+                <a:lumMod val="102000"/>
+              </a:schemeClr>
+            </a:gs>
+            <a:gs pos="50000">
+              <a:schemeClr val="phClr">
+                <a:tint val="98000"/>
+                <a:satMod val="130000"/>
+                <a:shade val="90000"/>
+                <a:lumMod val="103000"/>
+              </a:schemeClr>
+            </a:gs>
+            <a:gs pos="100000">
+              <a:schemeClr val="phClr">
+                <a:shade val="63000"/>
+                <a:satMod val="120000"/>
+              </a:schemeClr>
+            </a:gs>
+          </a:gsLst>
+          <a:lin ang="5400000" scaled="0"/>
+        </a:gradFill>
+      </a:bgFillStyleLst>
+    </a:fmtScheme>
+  </a:themeElements>
+  <a:objectDefaults/>
+  <a:extraClrSchemeLst/>
+  <a:extLst>
+    <a:ext uri="{05A4C25C-085E-4340-85A3-A5531E510DB2}">
+      <thm15:themeFamily xmlns:thm15="http://schemas.microsoft.com/office/thememl/2012/main" name="Office Theme" id="{62F939B6-93AF-4DB8-9C6B-D6C7DFDC589F}" vid="{4A3C46E8-61CC-4603-A589-7422A47A8E4A}"/>
+    </a:ext>
+  </a:extLst>
+</a:theme>
 </file>
--- a/Presentation Cloud.pptx
+++ b/Presentation Cloud.pptx
@@ -1345,7 +1345,7 @@
           <a:noFill/>
           <a:extLst>
             <a:ext uri="{909E8E84-426E-40dd-AFC4-6F175D3DCCD1}">
-              <a14:hiddenFill xmlns:a14="http://schemas.microsoft.com/office/drawing/2010/main" xmlns="">
+              <a14:hiddenFill xmlns="" xmlns:a14="http://schemas.microsoft.com/office/drawing/2010/main">
                 <a:solidFill>
                   <a:srgbClr val="FFFFFF"/>
                 </a:solidFill>
@@ -1405,7 +1405,7 @@
             </a:ln>
             <a:extLst>
               <a:ext uri="{91240B29-F687-4f45-9708-019B960494DF}">
-                <a14:hiddenLine xmlns:a14="http://schemas.microsoft.com/office/drawing/2010/main" xmlns="" w="9525">
+                <a14:hiddenLine xmlns="" xmlns:a14="http://schemas.microsoft.com/office/drawing/2010/main" w="9525">
                   <a:solidFill>
                     <a:srgbClr val="000000"/>
                   </a:solidFill>
@@ -1495,7 +1495,7 @@
             </a:ln>
             <a:extLst>
               <a:ext uri="{91240B29-F687-4f45-9708-019B960494DF}">
-                <a14:hiddenLine xmlns:a14="http://schemas.microsoft.com/office/drawing/2010/main" xmlns="" w="9525">
+                <a14:hiddenLine xmlns="" xmlns:a14="http://schemas.microsoft.com/office/drawing/2010/main" w="9525">
                   <a:solidFill>
                     <a:srgbClr val="000000"/>
                   </a:solidFill>
@@ -1585,7 +1585,7 @@
             </a:ln>
             <a:extLst>
               <a:ext uri="{91240B29-F687-4f45-9708-019B960494DF}">
-                <a14:hiddenLine xmlns:a14="http://schemas.microsoft.com/office/drawing/2010/main" xmlns="" w="9525">
+                <a14:hiddenLine xmlns="" xmlns:a14="http://schemas.microsoft.com/office/drawing/2010/main" w="9525">
                   <a:solidFill>
                     <a:srgbClr val="000000"/>
                   </a:solidFill>
@@ -1619,7 +1619,7 @@
             </a:ln>
             <a:extLst>
               <a:ext uri="{91240B29-F687-4f45-9708-019B960494DF}">
-                <a14:hiddenLine xmlns:a14="http://schemas.microsoft.com/office/drawing/2010/main" xmlns="" w="9525">
+                <a14:hiddenLine xmlns="" xmlns:a14="http://schemas.microsoft.com/office/drawing/2010/main" w="9525">
                   <a:solidFill>
                     <a:srgbClr val="000000"/>
                   </a:solidFill>
@@ -1709,7 +1709,7 @@
             </a:ln>
             <a:extLst>
               <a:ext uri="{91240B29-F687-4f45-9708-019B960494DF}">
-                <a14:hiddenLine xmlns:a14="http://schemas.microsoft.com/office/drawing/2010/main" xmlns="" w="9525">
+                <a14:hiddenLine xmlns="" xmlns:a14="http://schemas.microsoft.com/office/drawing/2010/main" w="9525">
                   <a:solidFill>
                     <a:srgbClr val="000000"/>
                   </a:solidFill>
@@ -1771,7 +1771,7 @@
             </a:ln>
             <a:extLst>
               <a:ext uri="{91240B29-F687-4f45-9708-019B960494DF}">
-                <a14:hiddenLine xmlns:a14="http://schemas.microsoft.com/office/drawing/2010/main" xmlns="" w="9525">
+                <a14:hiddenLine xmlns="" xmlns:a14="http://schemas.microsoft.com/office/drawing/2010/main" w="9525">
                   <a:solidFill>
                     <a:srgbClr val="000000"/>
                   </a:solidFill>
@@ -1833,7 +1833,7 @@
             </a:ln>
             <a:extLst>
               <a:ext uri="{91240B29-F687-4f45-9708-019B960494DF}">
-                <a14:hiddenLine xmlns:a14="http://schemas.microsoft.com/office/drawing/2010/main" xmlns="" w="9525">
+                <a14:hiddenLine xmlns="" xmlns:a14="http://schemas.microsoft.com/office/drawing/2010/main" w="9525">
                   <a:solidFill>
                     <a:srgbClr val="000000"/>
                   </a:solidFill>
@@ -1923,7 +1923,7 @@
             </a:ln>
             <a:extLst>
               <a:ext uri="{91240B29-F687-4f45-9708-019B960494DF}">
-                <a14:hiddenLine xmlns:a14="http://schemas.microsoft.com/office/drawing/2010/main" xmlns="" w="9525">
+                <a14:hiddenLine xmlns="" xmlns:a14="http://schemas.microsoft.com/office/drawing/2010/main" w="9525">
                   <a:solidFill>
                     <a:srgbClr val="000000"/>
                   </a:solidFill>
@@ -1985,7 +1985,7 @@
             </a:ln>
             <a:extLst>
               <a:ext uri="{91240B29-F687-4f45-9708-019B960494DF}">
-                <a14:hiddenLine xmlns:a14="http://schemas.microsoft.com/office/drawing/2010/main" xmlns="" w="9525">
+                <a14:hiddenLine xmlns="" xmlns:a14="http://schemas.microsoft.com/office/drawing/2010/main" w="9525">
                   <a:solidFill>
                     <a:srgbClr val="000000"/>
                   </a:solidFill>
@@ -2047,7 +2047,7 @@
             </a:ln>
             <a:extLst>
               <a:ext uri="{91240B29-F687-4f45-9708-019B960494DF}">
-                <a14:hiddenLine xmlns:a14="http://schemas.microsoft.com/office/drawing/2010/main" xmlns="" w="9525">
+                <a14:hiddenLine xmlns="" xmlns:a14="http://schemas.microsoft.com/office/drawing/2010/main" w="9525">
                   <a:solidFill>
                     <a:srgbClr val="000000"/>
                   </a:solidFill>
@@ -2137,7 +2137,7 @@
             </a:ln>
             <a:extLst>
               <a:ext uri="{91240B29-F687-4f45-9708-019B960494DF}">
-                <a14:hiddenLine xmlns:a14="http://schemas.microsoft.com/office/drawing/2010/main" xmlns="" w="9525">
+                <a14:hiddenLine xmlns="" xmlns:a14="http://schemas.microsoft.com/office/drawing/2010/main" w="9525">
                   <a:solidFill>
                     <a:srgbClr val="000000"/>
                   </a:solidFill>
@@ -2227,7 +2227,7 @@
             </a:ln>
             <a:extLst>
               <a:ext uri="{91240B29-F687-4f45-9708-019B960494DF}">
-                <a14:hiddenLine xmlns:a14="http://schemas.microsoft.com/office/drawing/2010/main" xmlns="" w="9525">
+                <a14:hiddenLine xmlns="" xmlns:a14="http://schemas.microsoft.com/office/drawing/2010/main" w="9525">
                   <a:solidFill>
                     <a:srgbClr val="000000"/>
                   </a:solidFill>
@@ -2289,7 +2289,7 @@
             </a:ln>
             <a:extLst>
               <a:ext uri="{91240B29-F687-4f45-9708-019B960494DF}">
-                <a14:hiddenLine xmlns:a14="http://schemas.microsoft.com/office/drawing/2010/main" xmlns="" w="9525">
+                <a14:hiddenLine xmlns="" xmlns:a14="http://schemas.microsoft.com/office/drawing/2010/main" w="9525">
                   <a:solidFill>
                     <a:srgbClr val="000000"/>
                   </a:solidFill>
@@ -2399,7 +2399,7 @@
             </a:ln>
             <a:extLst>
               <a:ext uri="{91240B29-F687-4f45-9708-019B960494DF}">
-                <a14:hiddenLine xmlns:a14="http://schemas.microsoft.com/office/drawing/2010/main" xmlns="" w="9525">
+                <a14:hiddenLine xmlns="" xmlns:a14="http://schemas.microsoft.com/office/drawing/2010/main" w="9525">
                   <a:solidFill>
                     <a:srgbClr val="000000"/>
                   </a:solidFill>
@@ -2461,7 +2461,7 @@
             </a:ln>
             <a:extLst>
               <a:ext uri="{91240B29-F687-4f45-9708-019B960494DF}">
-                <a14:hiddenLine xmlns:a14="http://schemas.microsoft.com/office/drawing/2010/main" xmlns="" w="9525">
+                <a14:hiddenLine xmlns="" xmlns:a14="http://schemas.microsoft.com/office/drawing/2010/main" w="9525">
                   <a:solidFill>
                     <a:srgbClr val="000000"/>
                   </a:solidFill>
@@ -2551,7 +2551,7 @@
             </a:ln>
             <a:extLst>
               <a:ext uri="{91240B29-F687-4f45-9708-019B960494DF}">
-                <a14:hiddenLine xmlns:a14="http://schemas.microsoft.com/office/drawing/2010/main" xmlns="" w="9525">
+                <a14:hiddenLine xmlns="" xmlns:a14="http://schemas.microsoft.com/office/drawing/2010/main" w="9525">
                   <a:solidFill>
                     <a:srgbClr val="000000"/>
                   </a:solidFill>
@@ -2641,7 +2641,7 @@
             </a:ln>
             <a:extLst>
               <a:ext uri="{91240B29-F687-4f45-9708-019B960494DF}">
-                <a14:hiddenLine xmlns:a14="http://schemas.microsoft.com/office/drawing/2010/main" xmlns="" w="9525">
+                <a14:hiddenLine xmlns="" xmlns:a14="http://schemas.microsoft.com/office/drawing/2010/main" w="9525">
                   <a:solidFill>
                     <a:srgbClr val="000000"/>
                   </a:solidFill>
@@ -2703,7 +2703,7 @@
             </a:ln>
             <a:extLst>
               <a:ext uri="{91240B29-F687-4f45-9708-019B960494DF}">
-                <a14:hiddenLine xmlns:a14="http://schemas.microsoft.com/office/drawing/2010/main" xmlns="" w="9525">
+                <a14:hiddenLine xmlns="" xmlns:a14="http://schemas.microsoft.com/office/drawing/2010/main" w="9525">
                   <a:solidFill>
                     <a:srgbClr val="000000"/>
                   </a:solidFill>
@@ -2793,7 +2793,7 @@
             </a:ln>
             <a:extLst>
               <a:ext uri="{91240B29-F687-4f45-9708-019B960494DF}">
-                <a14:hiddenLine xmlns:a14="http://schemas.microsoft.com/office/drawing/2010/main" xmlns="" w="9525">
+                <a14:hiddenLine xmlns="" xmlns:a14="http://schemas.microsoft.com/office/drawing/2010/main" w="9525">
                   <a:solidFill>
                     <a:srgbClr val="000000"/>
                   </a:solidFill>
@@ -2883,7 +2883,7 @@
             </a:ln>
             <a:extLst>
               <a:ext uri="{91240B29-F687-4f45-9708-019B960494DF}">
-                <a14:hiddenLine xmlns:a14="http://schemas.microsoft.com/office/drawing/2010/main" xmlns="" w="9525">
+                <a14:hiddenLine xmlns="" xmlns:a14="http://schemas.microsoft.com/office/drawing/2010/main" w="9525">
                   <a:solidFill>
                     <a:srgbClr val="000000"/>
                   </a:solidFill>
@@ -2939,7 +2939,7 @@
             </a:ln>
             <a:extLst>
               <a:ext uri="{91240B29-F687-4f45-9708-019B960494DF}">
-                <a14:hiddenLine xmlns:a14="http://schemas.microsoft.com/office/drawing/2010/main" xmlns="" w="9525">
+                <a14:hiddenLine xmlns="" xmlns:a14="http://schemas.microsoft.com/office/drawing/2010/main" w="9525">
                   <a:solidFill>
                     <a:srgbClr val="000000"/>
                   </a:solidFill>
@@ -3029,7 +3029,7 @@
             </a:ln>
             <a:extLst>
               <a:ext uri="{91240B29-F687-4f45-9708-019B960494DF}">
-                <a14:hiddenLine xmlns:a14="http://schemas.microsoft.com/office/drawing/2010/main" xmlns="" w="9525">
+                <a14:hiddenLine xmlns="" xmlns:a14="http://schemas.microsoft.com/office/drawing/2010/main" w="9525">
                   <a:solidFill>
                     <a:srgbClr val="000000"/>
                   </a:solidFill>
@@ -3085,7 +3085,7 @@
             </a:ln>
             <a:extLst>
               <a:ext uri="{91240B29-F687-4f45-9708-019B960494DF}">
-                <a14:hiddenLine xmlns:a14="http://schemas.microsoft.com/office/drawing/2010/main" xmlns="" w="9525">
+                <a14:hiddenLine xmlns="" xmlns:a14="http://schemas.microsoft.com/office/drawing/2010/main" w="9525">
                   <a:solidFill>
                     <a:srgbClr val="000000"/>
                   </a:solidFill>
@@ -3175,7 +3175,7 @@
             </a:ln>
             <a:extLst>
               <a:ext uri="{91240B29-F687-4f45-9708-019B960494DF}">
-                <a14:hiddenLine xmlns:a14="http://schemas.microsoft.com/office/drawing/2010/main" xmlns="" w="9525">
+                <a14:hiddenLine xmlns="" xmlns:a14="http://schemas.microsoft.com/office/drawing/2010/main" w="9525">
                   <a:solidFill>
                     <a:srgbClr val="000000"/>
                   </a:solidFill>
@@ -3243,7 +3243,7 @@
             </a:ln>
             <a:extLst>
               <a:ext uri="{91240B29-F687-4f45-9708-019B960494DF}">
-                <a14:hiddenLine xmlns:a14="http://schemas.microsoft.com/office/drawing/2010/main" xmlns="" w="9525">
+                <a14:hiddenLine xmlns="" xmlns:a14="http://schemas.microsoft.com/office/drawing/2010/main" w="9525">
                   <a:solidFill>
                     <a:srgbClr val="000000"/>
                   </a:solidFill>
@@ -3333,7 +3333,7 @@
             </a:ln>
             <a:extLst>
               <a:ext uri="{91240B29-F687-4f45-9708-019B960494DF}">
-                <a14:hiddenLine xmlns:a14="http://schemas.microsoft.com/office/drawing/2010/main" xmlns="" w="9525">
+                <a14:hiddenLine xmlns="" xmlns:a14="http://schemas.microsoft.com/office/drawing/2010/main" w="9525">
                   <a:solidFill>
                     <a:srgbClr val="000000"/>
                   </a:solidFill>
@@ -3401,7 +3401,7 @@
             </a:ln>
             <a:extLst>
               <a:ext uri="{91240B29-F687-4f45-9708-019B960494DF}">
-                <a14:hiddenLine xmlns:a14="http://schemas.microsoft.com/office/drawing/2010/main" xmlns="" w="9525">
+                <a14:hiddenLine xmlns="" xmlns:a14="http://schemas.microsoft.com/office/drawing/2010/main" w="9525">
                   <a:solidFill>
                     <a:srgbClr val="000000"/>
                   </a:solidFill>
@@ -3491,7 +3491,7 @@
             </a:ln>
             <a:extLst>
               <a:ext uri="{91240B29-F687-4f45-9708-019B960494DF}">
-                <a14:hiddenLine xmlns:a14="http://schemas.microsoft.com/office/drawing/2010/main" xmlns="" w="9525">
+                <a14:hiddenLine xmlns="" xmlns:a14="http://schemas.microsoft.com/office/drawing/2010/main" w="9525">
                   <a:solidFill>
                     <a:srgbClr val="000000"/>
                   </a:solidFill>
@@ -3525,7 +3525,7 @@
             </a:ln>
             <a:extLst>
               <a:ext uri="{91240B29-F687-4f45-9708-019B960494DF}">
-                <a14:hiddenLine xmlns:a14="http://schemas.microsoft.com/office/drawing/2010/main" xmlns="" w="9525">
+                <a14:hiddenLine xmlns="" xmlns:a14="http://schemas.microsoft.com/office/drawing/2010/main" w="9525">
                   <a:solidFill>
                     <a:srgbClr val="000000"/>
                   </a:solidFill>
@@ -3615,7 +3615,7 @@
             </a:ln>
             <a:extLst>
               <a:ext uri="{91240B29-F687-4f45-9708-019B960494DF}">
-                <a14:hiddenLine xmlns:a14="http://schemas.microsoft.com/office/drawing/2010/main" xmlns="" w="9525">
+                <a14:hiddenLine xmlns="" xmlns:a14="http://schemas.microsoft.com/office/drawing/2010/main" w="9525">
                   <a:solidFill>
                     <a:srgbClr val="000000"/>
                   </a:solidFill>
@@ -3677,7 +3677,7 @@
             </a:ln>
             <a:extLst>
               <a:ext uri="{91240B29-F687-4f45-9708-019B960494DF}">
-                <a14:hiddenLine xmlns:a14="http://schemas.microsoft.com/office/drawing/2010/main" xmlns="" w="9525">
+                <a14:hiddenLine xmlns="" xmlns:a14="http://schemas.microsoft.com/office/drawing/2010/main" w="9525">
                   <a:solidFill>
                     <a:srgbClr val="000000"/>
                   </a:solidFill>
@@ -3739,7 +3739,7 @@
             </a:ln>
             <a:extLst>
               <a:ext uri="{91240B29-F687-4f45-9708-019B960494DF}">
-                <a14:hiddenLine xmlns:a14="http://schemas.microsoft.com/office/drawing/2010/main" xmlns="" w="9525">
+                <a14:hiddenLine xmlns="" xmlns:a14="http://schemas.microsoft.com/office/drawing/2010/main" w="9525">
                   <a:solidFill>
                     <a:srgbClr val="000000"/>
                   </a:solidFill>
@@ -3829,7 +3829,7 @@
             </a:ln>
             <a:extLst>
               <a:ext uri="{91240B29-F687-4f45-9708-019B960494DF}">
-                <a14:hiddenLine xmlns:a14="http://schemas.microsoft.com/office/drawing/2010/main" xmlns="" w="9525">
+                <a14:hiddenLine xmlns="" xmlns:a14="http://schemas.microsoft.com/office/drawing/2010/main" w="9525">
                   <a:solidFill>
                     <a:srgbClr val="000000"/>
                   </a:solidFill>
@@ -3897,7 +3897,7 @@
             </a:ln>
             <a:extLst>
               <a:ext uri="{91240B29-F687-4f45-9708-019B960494DF}">
-                <a14:hiddenLine xmlns:a14="http://schemas.microsoft.com/office/drawing/2010/main" xmlns="" w="9525">
+                <a14:hiddenLine xmlns="" xmlns:a14="http://schemas.microsoft.com/office/drawing/2010/main" w="9525">
                   <a:solidFill>
                     <a:srgbClr val="000000"/>
                   </a:solidFill>
@@ -3959,7 +3959,7 @@
             </a:ln>
             <a:extLst>
               <a:ext uri="{91240B29-F687-4f45-9708-019B960494DF}">
-                <a14:hiddenLine xmlns:a14="http://schemas.microsoft.com/office/drawing/2010/main" xmlns="" w="9525">
+                <a14:hiddenLine xmlns="" xmlns:a14="http://schemas.microsoft.com/office/drawing/2010/main" w="9525">
                   <a:solidFill>
                     <a:srgbClr val="000000"/>
                   </a:solidFill>
@@ -4049,7 +4049,7 @@
             </a:ln>
             <a:extLst>
               <a:ext uri="{91240B29-F687-4f45-9708-019B960494DF}">
-                <a14:hiddenLine xmlns:a14="http://schemas.microsoft.com/office/drawing/2010/main" xmlns="" w="9525">
+                <a14:hiddenLine xmlns="" xmlns:a14="http://schemas.microsoft.com/office/drawing/2010/main" w="9525">
                   <a:solidFill>
                     <a:srgbClr val="000000"/>
                   </a:solidFill>
@@ -4111,7 +4111,7 @@
             </a:ln>
             <a:extLst>
               <a:ext uri="{91240B29-F687-4f45-9708-019B960494DF}">
-                <a14:hiddenLine xmlns:a14="http://schemas.microsoft.com/office/drawing/2010/main" xmlns="" w="9525">
+                <a14:hiddenLine xmlns="" xmlns:a14="http://schemas.microsoft.com/office/drawing/2010/main" w="9525">
                   <a:solidFill>
                     <a:srgbClr val="000000"/>
                   </a:solidFill>
@@ -4201,7 +4201,7 @@
             </a:ln>
             <a:extLst>
               <a:ext uri="{91240B29-F687-4f45-9708-019B960494DF}">
-                <a14:hiddenLine xmlns:a14="http://schemas.microsoft.com/office/drawing/2010/main" xmlns="" w="9525">
+                <a14:hiddenLine xmlns="" xmlns:a14="http://schemas.microsoft.com/office/drawing/2010/main" w="9525">
                   <a:solidFill>
                     <a:srgbClr val="000000"/>
                   </a:solidFill>
@@ -4263,7 +4263,7 @@
             </a:ln>
             <a:extLst>
               <a:ext uri="{91240B29-F687-4f45-9708-019B960494DF}">
-                <a14:hiddenLine xmlns:a14="http://schemas.microsoft.com/office/drawing/2010/main" xmlns="" w="9525">
+                <a14:hiddenLine xmlns="" xmlns:a14="http://schemas.microsoft.com/office/drawing/2010/main" w="9525">
                   <a:solidFill>
                     <a:srgbClr val="000000"/>
                   </a:solidFill>
@@ -4353,7 +4353,7 @@
             </a:ln>
             <a:extLst>
               <a:ext uri="{91240B29-F687-4f45-9708-019B960494DF}">
-                <a14:hiddenLine xmlns:a14="http://schemas.microsoft.com/office/drawing/2010/main" xmlns="" w="9525">
+                <a14:hiddenLine xmlns="" xmlns:a14="http://schemas.microsoft.com/office/drawing/2010/main" w="9525">
                   <a:solidFill>
                     <a:srgbClr val="000000"/>
                   </a:solidFill>
@@ -4387,7 +4387,7 @@
             </a:ln>
             <a:extLst>
               <a:ext uri="{91240B29-F687-4f45-9708-019B960494DF}">
-                <a14:hiddenLine xmlns:a14="http://schemas.microsoft.com/office/drawing/2010/main" xmlns="" w="9525">
+                <a14:hiddenLine xmlns="" xmlns:a14="http://schemas.microsoft.com/office/drawing/2010/main" w="9525">
                   <a:solidFill>
                     <a:srgbClr val="000000"/>
                   </a:solidFill>
@@ -4452,7 +4452,7 @@
             </a:ln>
             <a:extLst>
               <a:ext uri="{91240B29-F687-4f45-9708-019B960494DF}">
-                <a14:hiddenLine xmlns:a14="http://schemas.microsoft.com/office/drawing/2010/main" xmlns="" w="9525">
+                <a14:hiddenLine xmlns="" xmlns:a14="http://schemas.microsoft.com/office/drawing/2010/main" w="9525">
                   <a:solidFill>
                     <a:srgbClr val="000000"/>
                   </a:solidFill>
@@ -4542,7 +4542,7 @@
             </a:ln>
             <a:extLst>
               <a:ext uri="{91240B29-F687-4f45-9708-019B960494DF}">
-                <a14:hiddenLine xmlns:a14="http://schemas.microsoft.com/office/drawing/2010/main" xmlns="" w="9525">
+                <a14:hiddenLine xmlns="" xmlns:a14="http://schemas.microsoft.com/office/drawing/2010/main" w="9525">
                   <a:solidFill>
                     <a:srgbClr val="000000"/>
                   </a:solidFill>
@@ -4604,7 +4604,7 @@
             </a:ln>
             <a:extLst>
               <a:ext uri="{91240B29-F687-4f45-9708-019B960494DF}">
-                <a14:hiddenLine xmlns:a14="http://schemas.microsoft.com/office/drawing/2010/main" xmlns="" w="9525">
+                <a14:hiddenLine xmlns="" xmlns:a14="http://schemas.microsoft.com/office/drawing/2010/main" w="9525">
                   <a:solidFill>
                     <a:srgbClr val="000000"/>
                   </a:solidFill>
@@ -4694,7 +4694,7 @@
             </a:ln>
             <a:extLst>
               <a:ext uri="{91240B29-F687-4f45-9708-019B960494DF}">
-                <a14:hiddenLine xmlns:a14="http://schemas.microsoft.com/office/drawing/2010/main" xmlns="" w="9525">
+                <a14:hiddenLine xmlns="" xmlns:a14="http://schemas.microsoft.com/office/drawing/2010/main" w="9525">
                   <a:solidFill>
                     <a:srgbClr val="000000"/>
                   </a:solidFill>
@@ -4784,7 +4784,7 @@
             </a:ln>
             <a:extLst>
               <a:ext uri="{91240B29-F687-4f45-9708-019B960494DF}">
-                <a14:hiddenLine xmlns:a14="http://schemas.microsoft.com/office/drawing/2010/main" xmlns="" w="9525">
+                <a14:hiddenLine xmlns="" xmlns:a14="http://schemas.microsoft.com/office/drawing/2010/main" w="9525">
                   <a:solidFill>
                     <a:srgbClr val="000000"/>
                   </a:solidFill>
@@ -4849,7 +4849,7 @@
             </a:ln>
             <a:extLst>
               <a:ext uri="{91240B29-F687-4f45-9708-019B960494DF}">
-                <a14:hiddenLine xmlns:a14="http://schemas.microsoft.com/office/drawing/2010/main" xmlns="" w="9525">
+                <a14:hiddenLine xmlns="" xmlns:a14="http://schemas.microsoft.com/office/drawing/2010/main" w="9525">
                   <a:solidFill>
                     <a:srgbClr val="000000"/>
                   </a:solidFill>
@@ -4911,7 +4911,7 @@
             </a:ln>
             <a:extLst>
               <a:ext uri="{91240B29-F687-4f45-9708-019B960494DF}">
-                <a14:hiddenLine xmlns:a14="http://schemas.microsoft.com/office/drawing/2010/main" xmlns="" w="9525">
+                <a14:hiddenLine xmlns="" xmlns:a14="http://schemas.microsoft.com/office/drawing/2010/main" w="9525">
                   <a:solidFill>
                     <a:srgbClr val="000000"/>
                   </a:solidFill>
@@ -5001,7 +5001,7 @@
             </a:ln>
             <a:extLst>
               <a:ext uri="{91240B29-F687-4f45-9708-019B960494DF}">
-                <a14:hiddenLine xmlns:a14="http://schemas.microsoft.com/office/drawing/2010/main" xmlns="" w="9525">
+                <a14:hiddenLine xmlns="" xmlns:a14="http://schemas.microsoft.com/office/drawing/2010/main" w="9525">
                   <a:solidFill>
                     <a:srgbClr val="000000"/>
                   </a:solidFill>
@@ -5091,7 +5091,7 @@
             </a:ln>
             <a:extLst>
               <a:ext uri="{91240B29-F687-4f45-9708-019B960494DF}">
-                <a14:hiddenLine xmlns:a14="http://schemas.microsoft.com/office/drawing/2010/main" xmlns="" w="9525">
+                <a14:hiddenLine xmlns="" xmlns:a14="http://schemas.microsoft.com/office/drawing/2010/main" w="9525">
                   <a:solidFill>
                     <a:srgbClr val="000000"/>
                   </a:solidFill>
@@ -5153,7 +5153,7 @@
             </a:ln>
             <a:extLst>
               <a:ext uri="{91240B29-F687-4f45-9708-019B960494DF}">
-                <a14:hiddenLine xmlns:a14="http://schemas.microsoft.com/office/drawing/2010/main" xmlns="" w="9525">
+                <a14:hiddenLine xmlns="" xmlns:a14="http://schemas.microsoft.com/office/drawing/2010/main" w="9525">
                   <a:solidFill>
                     <a:srgbClr val="000000"/>
                   </a:solidFill>
@@ -5273,7 +5273,7 @@
             </a:ln>
             <a:extLst>
               <a:ext uri="{91240B29-F687-4f45-9708-019B960494DF}">
-                <a14:hiddenLine xmlns:a14="http://schemas.microsoft.com/office/drawing/2010/main" xmlns="" w="9525">
+                <a14:hiddenLine xmlns="" xmlns:a14="http://schemas.microsoft.com/office/drawing/2010/main" w="9525">
                   <a:solidFill>
                     <a:srgbClr val="000000"/>
                   </a:solidFill>
@@ -5341,7 +5341,7 @@
             </a:ln>
             <a:extLst>
               <a:ext uri="{91240B29-F687-4f45-9708-019B960494DF}">
-                <a14:hiddenLine xmlns:a14="http://schemas.microsoft.com/office/drawing/2010/main" xmlns="" w="9525">
+                <a14:hiddenLine xmlns="" xmlns:a14="http://schemas.microsoft.com/office/drawing/2010/main" w="9525">
                   <a:solidFill>
                     <a:srgbClr val="000000"/>
                   </a:solidFill>
@@ -5431,7 +5431,7 @@
             </a:ln>
             <a:extLst>
               <a:ext uri="{91240B29-F687-4f45-9708-019B960494DF}">
-                <a14:hiddenLine xmlns:a14="http://schemas.microsoft.com/office/drawing/2010/main" xmlns="" w="9525">
+                <a14:hiddenLine xmlns="" xmlns:a14="http://schemas.microsoft.com/office/drawing/2010/main" w="9525">
                   <a:solidFill>
                     <a:srgbClr val="000000"/>
                   </a:solidFill>
@@ -10306,7 +10306,7 @@
           <a:noFill/>
           <a:extLst>
             <a:ext uri="{909E8E84-426E-40dd-AFC4-6F175D3DCCD1}">
-              <a14:hiddenFill xmlns:a14="http://schemas.microsoft.com/office/drawing/2010/main" xmlns="">
+              <a14:hiddenFill xmlns="" xmlns:a14="http://schemas.microsoft.com/office/drawing/2010/main">
                 <a:solidFill>
                   <a:srgbClr val="FFFFFF"/>
                 </a:solidFill>
@@ -10380,7 +10380,7 @@
               </a:ln>
               <a:extLst>
                 <a:ext uri="{91240B29-F687-4f45-9708-019B960494DF}">
-                  <a14:hiddenLine xmlns:a14="http://schemas.microsoft.com/office/drawing/2010/main" xmlns="" w="9525">
+                  <a14:hiddenLine xmlns="" xmlns:a14="http://schemas.microsoft.com/office/drawing/2010/main" w="9525">
                     <a:solidFill>
                       <a:srgbClr val="000000"/>
                     </a:solidFill>
@@ -10470,7 +10470,7 @@
               </a:ln>
               <a:extLst>
                 <a:ext uri="{91240B29-F687-4f45-9708-019B960494DF}">
-                  <a14:hiddenLine xmlns:a14="http://schemas.microsoft.com/office/drawing/2010/main" xmlns="" w="9525">
+                  <a14:hiddenLine xmlns="" xmlns:a14="http://schemas.microsoft.com/office/drawing/2010/main" w="9525">
                     <a:solidFill>
                       <a:srgbClr val="000000"/>
                     </a:solidFill>
@@ -10560,7 +10560,7 @@
               </a:ln>
               <a:extLst>
                 <a:ext uri="{91240B29-F687-4f45-9708-019B960494DF}">
-                  <a14:hiddenLine xmlns:a14="http://schemas.microsoft.com/office/drawing/2010/main" xmlns="" w="9525">
+                  <a14:hiddenLine xmlns="" xmlns:a14="http://schemas.microsoft.com/office/drawing/2010/main" w="9525">
                     <a:solidFill>
                       <a:srgbClr val="000000"/>
                     </a:solidFill>
@@ -10622,7 +10622,7 @@
               </a:ln>
               <a:extLst>
                 <a:ext uri="{91240B29-F687-4f45-9708-019B960494DF}">
-                  <a14:hiddenLine xmlns:a14="http://schemas.microsoft.com/office/drawing/2010/main" xmlns="" w="9525">
+                  <a14:hiddenLine xmlns="" xmlns:a14="http://schemas.microsoft.com/office/drawing/2010/main" w="9525">
                     <a:solidFill>
                       <a:srgbClr val="000000"/>
                     </a:solidFill>
@@ -10712,7 +10712,7 @@
               </a:ln>
               <a:extLst>
                 <a:ext uri="{91240B29-F687-4f45-9708-019B960494DF}">
-                  <a14:hiddenLine xmlns:a14="http://schemas.microsoft.com/office/drawing/2010/main" xmlns="" w="9525">
+                  <a14:hiddenLine xmlns="" xmlns:a14="http://schemas.microsoft.com/office/drawing/2010/main" w="9525">
                     <a:solidFill>
                       <a:srgbClr val="000000"/>
                     </a:solidFill>
@@ -10774,7 +10774,7 @@
               </a:ln>
               <a:extLst>
                 <a:ext uri="{91240B29-F687-4f45-9708-019B960494DF}">
-                  <a14:hiddenLine xmlns:a14="http://schemas.microsoft.com/office/drawing/2010/main" xmlns="" w="9525">
+                  <a14:hiddenLine xmlns="" xmlns:a14="http://schemas.microsoft.com/office/drawing/2010/main" w="9525">
                     <a:solidFill>
                       <a:srgbClr val="000000"/>
                     </a:solidFill>
@@ -10836,7 +10836,7 @@
               </a:ln>
               <a:extLst>
                 <a:ext uri="{91240B29-F687-4f45-9708-019B960494DF}">
-                  <a14:hiddenLine xmlns:a14="http://schemas.microsoft.com/office/drawing/2010/main" xmlns="" w="9525">
+                  <a14:hiddenLine xmlns="" xmlns:a14="http://schemas.microsoft.com/office/drawing/2010/main" w="9525">
                     <a:solidFill>
                       <a:srgbClr val="000000"/>
                     </a:solidFill>
@@ -10926,7 +10926,7 @@
               </a:ln>
               <a:extLst>
                 <a:ext uri="{91240B29-F687-4f45-9708-019B960494DF}">
-                  <a14:hiddenLine xmlns:a14="http://schemas.microsoft.com/office/drawing/2010/main" xmlns="" w="9525">
+                  <a14:hiddenLine xmlns="" xmlns:a14="http://schemas.microsoft.com/office/drawing/2010/main" w="9525">
                     <a:solidFill>
                       <a:srgbClr val="000000"/>
                     </a:solidFill>
@@ -11016,7 +11016,7 @@
               </a:ln>
               <a:extLst>
                 <a:ext uri="{91240B29-F687-4f45-9708-019B960494DF}">
-                  <a14:hiddenLine xmlns:a14="http://schemas.microsoft.com/office/drawing/2010/main" xmlns="" w="9525">
+                  <a14:hiddenLine xmlns="" xmlns:a14="http://schemas.microsoft.com/office/drawing/2010/main" w="9525">
                     <a:solidFill>
                       <a:srgbClr val="000000"/>
                     </a:solidFill>
@@ -11078,7 +11078,7 @@
               </a:ln>
               <a:extLst>
                 <a:ext uri="{91240B29-F687-4f45-9708-019B960494DF}">
-                  <a14:hiddenLine xmlns:a14="http://schemas.microsoft.com/office/drawing/2010/main" xmlns="" w="9525">
+                  <a14:hiddenLine xmlns="" xmlns:a14="http://schemas.microsoft.com/office/drawing/2010/main" w="9525">
                     <a:solidFill>
                       <a:srgbClr val="000000"/>
                     </a:solidFill>
@@ -11188,7 +11188,7 @@
               </a:ln>
               <a:extLst>
                 <a:ext uri="{91240B29-F687-4f45-9708-019B960494DF}">
-                  <a14:hiddenLine xmlns:a14="http://schemas.microsoft.com/office/drawing/2010/main" xmlns="" w="9525">
+                  <a14:hiddenLine xmlns="" xmlns:a14="http://schemas.microsoft.com/office/drawing/2010/main" w="9525">
                     <a:solidFill>
                       <a:srgbClr val="000000"/>
                     </a:solidFill>
@@ -11272,7 +11272,7 @@
               </a:ln>
               <a:extLst>
                 <a:ext uri="{91240B29-F687-4f45-9708-019B960494DF}">
-                  <a14:hiddenLine xmlns:a14="http://schemas.microsoft.com/office/drawing/2010/main" xmlns="" w="9525">
+                  <a14:hiddenLine xmlns="" xmlns:a14="http://schemas.microsoft.com/office/drawing/2010/main" w="9525">
                     <a:solidFill>
                       <a:srgbClr val="000000"/>
                     </a:solidFill>
@@ -11334,7 +11334,7 @@
               </a:ln>
               <a:extLst>
                 <a:ext uri="{91240B29-F687-4f45-9708-019B960494DF}">
-                  <a14:hiddenLine xmlns:a14="http://schemas.microsoft.com/office/drawing/2010/main" xmlns="" w="9525">
+                  <a14:hiddenLine xmlns="" xmlns:a14="http://schemas.microsoft.com/office/drawing/2010/main" w="9525">
                     <a:solidFill>
                       <a:srgbClr val="000000"/>
                     </a:solidFill>
@@ -11396,7 +11396,7 @@
               </a:ln>
               <a:extLst>
                 <a:ext uri="{91240B29-F687-4f45-9708-019B960494DF}">
-                  <a14:hiddenLine xmlns:a14="http://schemas.microsoft.com/office/drawing/2010/main" xmlns="" w="9525">
+                  <a14:hiddenLine xmlns="" xmlns:a14="http://schemas.microsoft.com/office/drawing/2010/main" w="9525">
                     <a:solidFill>
                       <a:srgbClr val="000000"/>
                     </a:solidFill>
@@ -11486,7 +11486,7 @@
               </a:ln>
               <a:extLst>
                 <a:ext uri="{91240B29-F687-4f45-9708-019B960494DF}">
-                  <a14:hiddenLine xmlns:a14="http://schemas.microsoft.com/office/drawing/2010/main" xmlns="" w="9525">
+                  <a14:hiddenLine xmlns="" xmlns:a14="http://schemas.microsoft.com/office/drawing/2010/main" w="9525">
                     <a:solidFill>
                       <a:srgbClr val="000000"/>
                     </a:solidFill>
@@ -11520,7 +11520,7 @@
               </a:ln>
               <a:extLst>
                 <a:ext uri="{91240B29-F687-4f45-9708-019B960494DF}">
-                  <a14:hiddenLine xmlns:a14="http://schemas.microsoft.com/office/drawing/2010/main" xmlns="" w="9525">
+                  <a14:hiddenLine xmlns="" xmlns:a14="http://schemas.microsoft.com/office/drawing/2010/main" w="9525">
                     <a:solidFill>
                       <a:srgbClr val="000000"/>
                     </a:solidFill>
@@ -11585,7 +11585,7 @@
               </a:ln>
               <a:extLst>
                 <a:ext uri="{91240B29-F687-4f45-9708-019B960494DF}">
-                  <a14:hiddenLine xmlns:a14="http://schemas.microsoft.com/office/drawing/2010/main" xmlns="" w="9525">
+                  <a14:hiddenLine xmlns="" xmlns:a14="http://schemas.microsoft.com/office/drawing/2010/main" w="9525">
                     <a:solidFill>
                       <a:srgbClr val="000000"/>
                     </a:solidFill>
@@ -11675,7 +11675,7 @@
               </a:ln>
               <a:extLst>
                 <a:ext uri="{91240B29-F687-4f45-9708-019B960494DF}">
-                  <a14:hiddenLine xmlns:a14="http://schemas.microsoft.com/office/drawing/2010/main" xmlns="" w="9525">
+                  <a14:hiddenLine xmlns="" xmlns:a14="http://schemas.microsoft.com/office/drawing/2010/main" w="9525">
                     <a:solidFill>
                       <a:srgbClr val="000000"/>
                     </a:solidFill>
@@ -11737,7 +11737,7 @@
               </a:ln>
               <a:extLst>
                 <a:ext uri="{91240B29-F687-4f45-9708-019B960494DF}">
-                  <a14:hiddenLine xmlns:a14="http://schemas.microsoft.com/office/drawing/2010/main" xmlns="" w="9525">
+                  <a14:hiddenLine xmlns="" xmlns:a14="http://schemas.microsoft.com/office/drawing/2010/main" w="9525">
                     <a:solidFill>
                       <a:srgbClr val="000000"/>
                     </a:solidFill>
@@ -11827,7 +11827,7 @@
               </a:ln>
               <a:extLst>
                 <a:ext uri="{91240B29-F687-4f45-9708-019B960494DF}">
-                  <a14:hiddenLine xmlns:a14="http://schemas.microsoft.com/office/drawing/2010/main" xmlns="" w="9525">
+                  <a14:hiddenLine xmlns="" xmlns:a14="http://schemas.microsoft.com/office/drawing/2010/main" w="9525">
                     <a:solidFill>
                       <a:srgbClr val="000000"/>
                     </a:solidFill>
@@ -11892,7 +11892,7 @@
               </a:ln>
               <a:extLst>
                 <a:ext uri="{91240B29-F687-4f45-9708-019B960494DF}">
-                  <a14:hiddenLine xmlns:a14="http://schemas.microsoft.com/office/drawing/2010/main" xmlns="" w="9525">
+                  <a14:hiddenLine xmlns="" xmlns:a14="http://schemas.microsoft.com/office/drawing/2010/main" w="9525">
                     <a:solidFill>
                       <a:srgbClr val="000000"/>
                     </a:solidFill>
@@ -11954,7 +11954,7 @@
               </a:ln>
               <a:extLst>
                 <a:ext uri="{91240B29-F687-4f45-9708-019B960494DF}">
-                  <a14:hiddenLine xmlns:a14="http://schemas.microsoft.com/office/drawing/2010/main" xmlns="" w="9525">
+                  <a14:hiddenLine xmlns="" xmlns:a14="http://schemas.microsoft.com/office/drawing/2010/main" w="9525">
                     <a:solidFill>
                       <a:srgbClr val="000000"/>
                     </a:solidFill>
@@ -12044,7 +12044,7 @@
               </a:ln>
               <a:extLst>
                 <a:ext uri="{91240B29-F687-4f45-9708-019B960494DF}">
-                  <a14:hiddenLine xmlns:a14="http://schemas.microsoft.com/office/drawing/2010/main" xmlns="" w="9525">
+                  <a14:hiddenLine xmlns="" xmlns:a14="http://schemas.microsoft.com/office/drawing/2010/main" w="9525">
                     <a:solidFill>
                       <a:srgbClr val="000000"/>
                     </a:solidFill>
@@ -12134,7 +12134,7 @@
               </a:ln>
               <a:extLst>
                 <a:ext uri="{91240B29-F687-4f45-9708-019B960494DF}">
-                  <a14:hiddenLine xmlns:a14="http://schemas.microsoft.com/office/drawing/2010/main" xmlns="" w="9525">
+                  <a14:hiddenLine xmlns="" xmlns:a14="http://schemas.microsoft.com/office/drawing/2010/main" w="9525">
                     <a:solidFill>
                       <a:srgbClr val="000000"/>
                     </a:solidFill>
@@ -12199,7 +12199,7 @@
               </a:ln>
               <a:extLst>
                 <a:ext uri="{91240B29-F687-4f45-9708-019B960494DF}">
-                  <a14:hiddenLine xmlns:a14="http://schemas.microsoft.com/office/drawing/2010/main" xmlns="" w="9525">
+                  <a14:hiddenLine xmlns="" xmlns:a14="http://schemas.microsoft.com/office/drawing/2010/main" w="9525">
                     <a:solidFill>
                       <a:srgbClr val="000000"/>
                     </a:solidFill>
@@ -12319,7 +12319,7 @@
               </a:ln>
               <a:extLst>
                 <a:ext uri="{91240B29-F687-4f45-9708-019B960494DF}">
-                  <a14:hiddenLine xmlns:a14="http://schemas.microsoft.com/office/drawing/2010/main" xmlns="" w="9525">
+                  <a14:hiddenLine xmlns="" xmlns:a14="http://schemas.microsoft.com/office/drawing/2010/main" w="9525">
                     <a:solidFill>
                       <a:srgbClr val="000000"/>
                     </a:solidFill>
@@ -12417,7 +12417,7 @@
               </a:ln>
               <a:extLst>
                 <a:ext uri="{91240B29-F687-4f45-9708-019B960494DF}">
-                  <a14:hiddenLine xmlns:a14="http://schemas.microsoft.com/office/drawing/2010/main" xmlns="" w="9525">
+                  <a14:hiddenLine xmlns="" xmlns:a14="http://schemas.microsoft.com/office/drawing/2010/main" w="9525">
                     <a:solidFill>
                       <a:srgbClr val="000000"/>
                     </a:solidFill>
@@ -12532,7 +12532,7 @@
               </a:ln>
               <a:extLst>
                 <a:ext uri="{91240B29-F687-4f45-9708-019B960494DF}">
-                  <a14:hiddenLine xmlns:a14="http://schemas.microsoft.com/office/drawing/2010/main" xmlns="" w="9525">
+                  <a14:hiddenLine xmlns="" xmlns:a14="http://schemas.microsoft.com/office/drawing/2010/main" w="9525">
                     <a:solidFill>
                       <a:srgbClr val="000000"/>
                     </a:solidFill>
@@ -12622,7 +12622,7 @@
               </a:ln>
               <a:extLst>
                 <a:ext uri="{91240B29-F687-4f45-9708-019B960494DF}">
-                  <a14:hiddenLine xmlns:a14="http://schemas.microsoft.com/office/drawing/2010/main" xmlns="" w="9525">
+                  <a14:hiddenLine xmlns="" xmlns:a14="http://schemas.microsoft.com/office/drawing/2010/main" w="9525">
                     <a:solidFill>
                       <a:srgbClr val="000000"/>
                     </a:solidFill>
@@ -12687,7 +12687,7 @@
               </a:ln>
               <a:extLst>
                 <a:ext uri="{91240B29-F687-4f45-9708-019B960494DF}">
-                  <a14:hiddenLine xmlns:a14="http://schemas.microsoft.com/office/drawing/2010/main" xmlns="" w="9525">
+                  <a14:hiddenLine xmlns="" xmlns:a14="http://schemas.microsoft.com/office/drawing/2010/main" w="9525">
                     <a:solidFill>
                       <a:srgbClr val="000000"/>
                     </a:solidFill>
@@ -12777,7 +12777,7 @@
               </a:ln>
               <a:extLst>
                 <a:ext uri="{91240B29-F687-4f45-9708-019B960494DF}">
-                  <a14:hiddenLine xmlns:a14="http://schemas.microsoft.com/office/drawing/2010/main" xmlns="" w="9525">
+                  <a14:hiddenLine xmlns="" xmlns:a14="http://schemas.microsoft.com/office/drawing/2010/main" w="9525">
                     <a:solidFill>
                       <a:srgbClr val="000000"/>
                     </a:solidFill>
@@ -12845,7 +12845,7 @@
               </a:ln>
               <a:extLst>
                 <a:ext uri="{91240B29-F687-4f45-9708-019B960494DF}">
-                  <a14:hiddenLine xmlns:a14="http://schemas.microsoft.com/office/drawing/2010/main" xmlns="" w="9525">
+                  <a14:hiddenLine xmlns="" xmlns:a14="http://schemas.microsoft.com/office/drawing/2010/main" w="9525">
                     <a:solidFill>
                       <a:srgbClr val="000000"/>
                     </a:solidFill>
@@ -12935,7 +12935,7 @@
               </a:ln>
               <a:extLst>
                 <a:ext uri="{91240B29-F687-4f45-9708-019B960494DF}">
-                  <a14:hiddenLine xmlns:a14="http://schemas.microsoft.com/office/drawing/2010/main" xmlns="" w="9525">
+                  <a14:hiddenLine xmlns="" xmlns:a14="http://schemas.microsoft.com/office/drawing/2010/main" w="9525">
                     <a:solidFill>
                       <a:srgbClr val="000000"/>
                     </a:solidFill>
@@ -13003,7 +13003,7 @@
               </a:ln>
               <a:extLst>
                 <a:ext uri="{91240B29-F687-4f45-9708-019B960494DF}">
-                  <a14:hiddenLine xmlns:a14="http://schemas.microsoft.com/office/drawing/2010/main" xmlns="" w="9525">
+                  <a14:hiddenLine xmlns="" xmlns:a14="http://schemas.microsoft.com/office/drawing/2010/main" w="9525">
                     <a:solidFill>
                       <a:srgbClr val="000000"/>
                     </a:solidFill>
@@ -13093,7 +13093,7 @@
               </a:ln>
               <a:extLst>
                 <a:ext uri="{91240B29-F687-4f45-9708-019B960494DF}">
-                  <a14:hiddenLine xmlns:a14="http://schemas.microsoft.com/office/drawing/2010/main" xmlns="" w="9525">
+                  <a14:hiddenLine xmlns="" xmlns:a14="http://schemas.microsoft.com/office/drawing/2010/main" w="9525">
                     <a:solidFill>
                       <a:srgbClr val="000000"/>
                     </a:solidFill>
@@ -13127,7 +13127,7 @@
               </a:ln>
               <a:extLst>
                 <a:ext uri="{91240B29-F687-4f45-9708-019B960494DF}">
-                  <a14:hiddenLine xmlns:a14="http://schemas.microsoft.com/office/drawing/2010/main" xmlns="" w="9525">
+                  <a14:hiddenLine xmlns="" xmlns:a14="http://schemas.microsoft.com/office/drawing/2010/main" w="9525">
                     <a:solidFill>
                       <a:srgbClr val="000000"/>
                     </a:solidFill>
@@ -13942,7 +13942,7 @@
           <p:nvPr/>
         </p:nvPicPr>
         <p:blipFill>
-          <a:blip r:embed="rId3">
+          <a:blip r:embed="rId3" cstate="hqprint">
             <a:extLst>
               <a:ext uri="{28A0092B-C50C-407E-A947-70E740481C1C}">
                 <a14:useLocalDpi xmlns:a14="http://schemas.microsoft.com/office/drawing/2010/main" val="0"/>
@@ -13988,8 +13988,8 @@
         </p:nvSpPr>
         <p:spPr>
           <a:xfrm>
-            <a:off x="5252355" y="2403640"/>
-            <a:ext cx="1943102" cy="461665"/>
+            <a:off x="4994412" y="2454969"/>
+            <a:ext cx="2835569" cy="461665"/>
           </a:xfrm>
           <a:prstGeom prst="rect">
             <a:avLst/>
@@ -14003,13 +14003,14 @@
           <a:lstStyle/>
           <a:p>
             <a:r>
-              <a:rPr lang="fr-FR" sz="2400" dirty="0" err="1"/>
+              <a:rPr lang="fr-FR" sz="2400" dirty="0" err="1" smtClean="0"/>
               <a:t>Bontron</a:t>
             </a:r>
             <a:r>
-              <a:rPr lang="fr-FR" sz="2400" dirty="0"/>
+              <a:rPr lang="fr-FR" sz="2400" dirty="0" smtClean="0"/>
               <a:t> Julien</a:t>
             </a:r>
+            <a:endParaRPr lang="fr-FR" sz="2400" dirty="0"/>
           </a:p>
         </p:txBody>
       </p:sp>
@@ -14337,6 +14338,17 @@
               <a:buNone/>
             </a:pPr>
             <a:r>
+              <a:rPr lang="fr-FR" dirty="0" smtClean="0">
+                <a:solidFill>
+                  <a:schemeClr val="accent1">
+                    <a:lumMod val="60000"/>
+                    <a:lumOff val="40000"/>
+                  </a:schemeClr>
+                </a:solidFill>
+              </a:rPr>
+              <a:t>+ supporte </a:t>
+            </a:r>
+            <a:r>
               <a:rPr lang="fr-FR" dirty="0">
                 <a:solidFill>
                   <a:schemeClr val="accent1">
@@ -14345,13 +14357,19 @@
                   </a:schemeClr>
                 </a:solidFill>
               </a:rPr>
-              <a:t>+supporte plus d’un douzaine de langage</a:t>
-            </a:r>
-          </a:p>
-          <a:p>
-            <a:pPr marL="457200" lvl="1" indent="0">
-              <a:buNone/>
-            </a:pPr>
+              <a:t>plus </a:t>
+            </a:r>
+            <a:r>
+              <a:rPr lang="fr-FR" dirty="0" smtClean="0">
+                <a:solidFill>
+                  <a:schemeClr val="accent1">
+                    <a:lumMod val="60000"/>
+                    <a:lumOff val="40000"/>
+                  </a:schemeClr>
+                </a:solidFill>
+              </a:rPr>
+              <a:t>d’une </a:t>
+            </a:r>
             <a:r>
               <a:rPr lang="fr-FR" dirty="0">
                 <a:solidFill>
@@ -14361,7 +14379,34 @@
                   </a:schemeClr>
                 </a:solidFill>
               </a:rPr>
-              <a:t>+large communauté </a:t>
+              <a:t>douzaine de langage</a:t>
+            </a:r>
+          </a:p>
+          <a:p>
+            <a:pPr marL="457200" lvl="1" indent="0">
+              <a:buNone/>
+            </a:pPr>
+            <a:r>
+              <a:rPr lang="fr-FR" dirty="0" smtClean="0">
+                <a:solidFill>
+                  <a:schemeClr val="accent1">
+                    <a:lumMod val="60000"/>
+                    <a:lumOff val="40000"/>
+                  </a:schemeClr>
+                </a:solidFill>
+              </a:rPr>
+              <a:t>+ large </a:t>
+            </a:r>
+            <a:r>
+              <a:rPr lang="fr-FR" dirty="0">
+                <a:solidFill>
+                  <a:schemeClr val="accent1">
+                    <a:lumMod val="60000"/>
+                    <a:lumOff val="40000"/>
+                  </a:schemeClr>
+                </a:solidFill>
+              </a:rPr>
+              <a:t>communauté </a:t>
             </a:r>
           </a:p>
           <a:p>
@@ -14463,7 +14508,51 @@
                   </a:schemeClr>
                 </a:solidFill>
               </a:rPr>
-              <a:t>	+ supporte de nombreux VCS (git, 	SVN, Mercurial)</a:t>
+              <a:t>	+ supporte de nombreux VCS </a:t>
+            </a:r>
+            <a:r>
+              <a:rPr lang="fr-FR" dirty="0" smtClean="0">
+                <a:solidFill>
+                  <a:schemeClr val="accent2">
+                    <a:lumMod val="40000"/>
+                    <a:lumOff val="60000"/>
+                  </a:schemeClr>
+                </a:solidFill>
+              </a:rPr>
+              <a:t>	(git</a:t>
+            </a:r>
+            <a:r>
+              <a:rPr lang="fr-FR" dirty="0">
+                <a:solidFill>
+                  <a:schemeClr val="accent2">
+                    <a:lumMod val="40000"/>
+                    <a:lumOff val="60000"/>
+                  </a:schemeClr>
+                </a:solidFill>
+              </a:rPr>
+              <a:t>, </a:t>
+            </a:r>
+            <a:r>
+              <a:rPr lang="fr-FR" dirty="0" smtClean="0">
+                <a:solidFill>
+                  <a:schemeClr val="accent2">
+                    <a:lumMod val="40000"/>
+                    <a:lumOff val="60000"/>
+                  </a:schemeClr>
+                </a:solidFill>
+              </a:rPr>
+              <a:t>SVN</a:t>
+            </a:r>
+            <a:r>
+              <a:rPr lang="fr-FR" dirty="0">
+                <a:solidFill>
+                  <a:schemeClr val="accent2">
+                    <a:lumMod val="40000"/>
+                    <a:lumOff val="60000"/>
+                  </a:schemeClr>
+                </a:solidFill>
+              </a:rPr>
+              <a:t>, Mercurial)</a:t>
             </a:r>
           </a:p>
           <a:p>
@@ -14828,8 +14917,12 @@
           </a:p>
           <a:p>
             <a:r>
+              <a:rPr lang="fr-FR" dirty="0" smtClean="0"/>
+              <a:t>Rapprocher </a:t>
+            </a:r>
+            <a:r>
               <a:rPr lang="fr-FR" dirty="0"/>
-              <a:t>Rapproché ce projet du cours sur Docker que nous avions eu en début de semestre </a:t>
+              <a:t>ce projet du cours sur Docker que nous avions eu en début de semestre </a:t>
             </a:r>
           </a:p>
           <a:p>
@@ -15017,13 +15110,18 @@
             <p:ph type="ftr" sz="quarter" idx="11"/>
           </p:nvPr>
         </p:nvSpPr>
-        <p:spPr/>
+        <p:spPr>
+          <a:xfrm>
+            <a:off x="1117661" y="5984787"/>
+            <a:ext cx="6239309" cy="365125"/>
+          </a:xfrm>
+        </p:spPr>
         <p:txBody>
           <a:bodyPr/>
           <a:lstStyle/>
           <a:p>
             <a:r>
-              <a:rPr lang="fr-FR"/>
+              <a:rPr lang="fr-FR" dirty="0"/>
               <a:t>29/11/2017</a:t>
             </a:r>
           </a:p>
@@ -15045,7 +15143,12 @@
             <p:ph type="sldNum" sz="quarter" idx="12"/>
           </p:nvPr>
         </p:nvSpPr>
-        <p:spPr/>
+        <p:spPr>
+          <a:xfrm>
+            <a:off x="10383199" y="5984787"/>
+            <a:ext cx="771089" cy="365125"/>
+          </a:xfrm>
+        </p:spPr>
         <p:txBody>
           <a:bodyPr/>
           <a:lstStyle/>
@@ -15055,7 +15158,7 @@
               <a:pPr/>
               <a:t>13</a:t>
             </a:fld>
-            <a:endParaRPr lang="fr-FR"/>
+            <a:endParaRPr lang="fr-FR" dirty="0"/>
           </a:p>
         </p:txBody>
       </p:sp>
@@ -15669,8 +15772,27 @@
                   </a:schemeClr>
                 </a:solidFill>
               </a:rPr>
-              <a:t>- Manque de robustesse avec de forte volumétrie </a:t>
-            </a:r>
+              <a:t>- Manque de robustesse avec de </a:t>
+            </a:r>
+            <a:r>
+              <a:rPr lang="fr-FR" dirty="0" smtClean="0">
+                <a:solidFill>
+                  <a:schemeClr val="accent2">
+                    <a:lumMod val="40000"/>
+                    <a:lumOff val="60000"/>
+                  </a:schemeClr>
+                </a:solidFill>
+              </a:rPr>
+              <a:t>fortes volumétries </a:t>
+            </a:r>
+            <a:endParaRPr lang="fr-FR" dirty="0">
+              <a:solidFill>
+                <a:schemeClr val="accent2">
+                  <a:lumMod val="40000"/>
+                  <a:lumOff val="60000"/>
+                </a:schemeClr>
+              </a:solidFill>
+            </a:endParaRPr>
           </a:p>
           <a:p>
             <a:r>
@@ -15744,7 +15866,29 @@
                   </a:schemeClr>
                 </a:solidFill>
               </a:rPr>
-              <a:t>+ Non relationnel de base mais peu le devenir</a:t>
+              <a:t>+ Non relationnel de base mais </a:t>
+            </a:r>
+            <a:r>
+              <a:rPr lang="fr-FR" dirty="0" smtClean="0">
+                <a:solidFill>
+                  <a:schemeClr val="accent1">
+                    <a:lumMod val="60000"/>
+                    <a:lumOff val="40000"/>
+                  </a:schemeClr>
+                </a:solidFill>
+              </a:rPr>
+              <a:t>peut </a:t>
+            </a:r>
+            <a:r>
+              <a:rPr lang="fr-FR" dirty="0">
+                <a:solidFill>
+                  <a:schemeClr val="accent1">
+                    <a:lumMod val="60000"/>
+                    <a:lumOff val="40000"/>
+                  </a:schemeClr>
+                </a:solidFill>
+              </a:rPr>
+              <a:t>le devenir</a:t>
             </a:r>
           </a:p>
           <a:p>
@@ -15842,8 +15986,27 @@
                   </a:schemeClr>
                 </a:solidFill>
               </a:rPr>
-              <a:t>- Manque de robustesse avec de forte volumétrie</a:t>
-            </a:r>
+              <a:t>- Manque de robustesse avec de </a:t>
+            </a:r>
+            <a:r>
+              <a:rPr lang="fr-FR" dirty="0" smtClean="0">
+                <a:solidFill>
+                  <a:schemeClr val="accent2">
+                    <a:lumMod val="40000"/>
+                    <a:lumOff val="60000"/>
+                  </a:schemeClr>
+                </a:solidFill>
+              </a:rPr>
+              <a:t>fortes volumétries</a:t>
+            </a:r>
+            <a:endParaRPr lang="fr-FR" dirty="0">
+              <a:solidFill>
+                <a:schemeClr val="accent2">
+                  <a:lumMod val="40000"/>
+                  <a:lumOff val="60000"/>
+                </a:schemeClr>
+              </a:solidFill>
+            </a:endParaRPr>
           </a:p>
           <a:p>
             <a:pPr lvl="0"/>
@@ -15910,7 +16073,29 @@
                   </a:schemeClr>
                 </a:solidFill>
               </a:rPr>
-              <a:t>+ Non relationnel de base mais peu le devenir</a:t>
+              <a:t>+ Non relationnel de base mais </a:t>
+            </a:r>
+            <a:r>
+              <a:rPr lang="fr-FR" dirty="0" smtClean="0">
+                <a:solidFill>
+                  <a:schemeClr val="accent2">
+                    <a:lumMod val="40000"/>
+                    <a:lumOff val="60000"/>
+                  </a:schemeClr>
+                </a:solidFill>
+              </a:rPr>
+              <a:t>peut </a:t>
+            </a:r>
+            <a:r>
+              <a:rPr lang="fr-FR" dirty="0">
+                <a:solidFill>
+                  <a:schemeClr val="accent2">
+                    <a:lumMod val="40000"/>
+                    <a:lumOff val="60000"/>
+                  </a:schemeClr>
+                </a:solidFill>
+              </a:rPr>
+              <a:t>le devenir</a:t>
             </a:r>
           </a:p>
           <a:p>

--- a/Presentation Cloud.pptx
+++ b/Presentation Cloud.pptx
@@ -1167,8 +1167,20 @@
           </a:p>
           <a:p>
             <a:r>
+              <a:rPr lang="fr-FR" dirty="0" err="1" smtClean="0"/>
+              <a:t>sudo</a:t>
+            </a:r>
+            <a:r>
+              <a:rPr lang="fr-FR" baseline="0" dirty="0" smtClean="0"/>
+              <a:t> </a:t>
+            </a:r>
+            <a:r>
+              <a:rPr lang="fr-FR" dirty="0" smtClean="0"/>
+              <a:t>./</a:t>
+            </a:r>
+            <a:r>
               <a:rPr lang="fr-FR" dirty="0"/>
-              <a:t>./install.sh</a:t>
+              <a:t>install.sh</a:t>
             </a:r>
           </a:p>
         </p:txBody>
@@ -1345,7 +1357,7 @@
           <a:noFill/>
           <a:extLst>
             <a:ext uri="{909E8E84-426E-40dd-AFC4-6F175D3DCCD1}">
-              <a14:hiddenFill xmlns="" xmlns:a14="http://schemas.microsoft.com/office/drawing/2010/main">
+              <a14:hiddenFill xmlns:a14="http://schemas.microsoft.com/office/drawing/2010/main" xmlns="">
                 <a:solidFill>
                   <a:srgbClr val="FFFFFF"/>
                 </a:solidFill>
@@ -1405,7 +1417,7 @@
             </a:ln>
             <a:extLst>
               <a:ext uri="{91240B29-F687-4f45-9708-019B960494DF}">
-                <a14:hiddenLine xmlns="" xmlns:a14="http://schemas.microsoft.com/office/drawing/2010/main" w="9525">
+                <a14:hiddenLine xmlns:a14="http://schemas.microsoft.com/office/drawing/2010/main" xmlns="" w="9525">
                   <a:solidFill>
                     <a:srgbClr val="000000"/>
                   </a:solidFill>
@@ -1495,7 +1507,7 @@
             </a:ln>
             <a:extLst>
               <a:ext uri="{91240B29-F687-4f45-9708-019B960494DF}">
-                <a14:hiddenLine xmlns="" xmlns:a14="http://schemas.microsoft.com/office/drawing/2010/main" w="9525">
+                <a14:hiddenLine xmlns:a14="http://schemas.microsoft.com/office/drawing/2010/main" xmlns="" w="9525">
                   <a:solidFill>
                     <a:srgbClr val="000000"/>
                   </a:solidFill>
@@ -1585,7 +1597,7 @@
             </a:ln>
             <a:extLst>
               <a:ext uri="{91240B29-F687-4f45-9708-019B960494DF}">
-                <a14:hiddenLine xmlns="" xmlns:a14="http://schemas.microsoft.com/office/drawing/2010/main" w="9525">
+                <a14:hiddenLine xmlns:a14="http://schemas.microsoft.com/office/drawing/2010/main" xmlns="" w="9525">
                   <a:solidFill>
                     <a:srgbClr val="000000"/>
                   </a:solidFill>
@@ -1619,7 +1631,7 @@
             </a:ln>
             <a:extLst>
               <a:ext uri="{91240B29-F687-4f45-9708-019B960494DF}">
-                <a14:hiddenLine xmlns="" xmlns:a14="http://schemas.microsoft.com/office/drawing/2010/main" w="9525">
+                <a14:hiddenLine xmlns:a14="http://schemas.microsoft.com/office/drawing/2010/main" xmlns="" w="9525">
                   <a:solidFill>
                     <a:srgbClr val="000000"/>
                   </a:solidFill>
@@ -1709,7 +1721,7 @@
             </a:ln>
             <a:extLst>
               <a:ext uri="{91240B29-F687-4f45-9708-019B960494DF}">
-                <a14:hiddenLine xmlns="" xmlns:a14="http://schemas.microsoft.com/office/drawing/2010/main" w="9525">
+                <a14:hiddenLine xmlns:a14="http://schemas.microsoft.com/office/drawing/2010/main" xmlns="" w="9525">
                   <a:solidFill>
                     <a:srgbClr val="000000"/>
                   </a:solidFill>
@@ -1771,7 +1783,7 @@
             </a:ln>
             <a:extLst>
               <a:ext uri="{91240B29-F687-4f45-9708-019B960494DF}">
-                <a14:hiddenLine xmlns="" xmlns:a14="http://schemas.microsoft.com/office/drawing/2010/main" w="9525">
+                <a14:hiddenLine xmlns:a14="http://schemas.microsoft.com/office/drawing/2010/main" xmlns="" w="9525">
                   <a:solidFill>
                     <a:srgbClr val="000000"/>
                   </a:solidFill>
@@ -1833,7 +1845,7 @@
             </a:ln>
             <a:extLst>
               <a:ext uri="{91240B29-F687-4f45-9708-019B960494DF}">
-                <a14:hiddenLine xmlns="" xmlns:a14="http://schemas.microsoft.com/office/drawing/2010/main" w="9525">
+                <a14:hiddenLine xmlns:a14="http://schemas.microsoft.com/office/drawing/2010/main" xmlns="" w="9525">
                   <a:solidFill>
                     <a:srgbClr val="000000"/>
                   </a:solidFill>
@@ -1923,7 +1935,7 @@
             </a:ln>
             <a:extLst>
               <a:ext uri="{91240B29-F687-4f45-9708-019B960494DF}">
-                <a14:hiddenLine xmlns="" xmlns:a14="http://schemas.microsoft.com/office/drawing/2010/main" w="9525">
+                <a14:hiddenLine xmlns:a14="http://schemas.microsoft.com/office/drawing/2010/main" xmlns="" w="9525">
                   <a:solidFill>
                     <a:srgbClr val="000000"/>
                   </a:solidFill>
@@ -1985,7 +1997,7 @@
             </a:ln>
             <a:extLst>
               <a:ext uri="{91240B29-F687-4f45-9708-019B960494DF}">
-                <a14:hiddenLine xmlns="" xmlns:a14="http://schemas.microsoft.com/office/drawing/2010/main" w="9525">
+                <a14:hiddenLine xmlns:a14="http://schemas.microsoft.com/office/drawing/2010/main" xmlns="" w="9525">
                   <a:solidFill>
                     <a:srgbClr val="000000"/>
                   </a:solidFill>
@@ -2047,7 +2059,7 @@
             </a:ln>
             <a:extLst>
               <a:ext uri="{91240B29-F687-4f45-9708-019B960494DF}">
-                <a14:hiddenLine xmlns="" xmlns:a14="http://schemas.microsoft.com/office/drawing/2010/main" w="9525">
+                <a14:hiddenLine xmlns:a14="http://schemas.microsoft.com/office/drawing/2010/main" xmlns="" w="9525">
                   <a:solidFill>
                     <a:srgbClr val="000000"/>
                   </a:solidFill>
@@ -2137,7 +2149,7 @@
             </a:ln>
             <a:extLst>
               <a:ext uri="{91240B29-F687-4f45-9708-019B960494DF}">
-                <a14:hiddenLine xmlns="" xmlns:a14="http://schemas.microsoft.com/office/drawing/2010/main" w="9525">
+                <a14:hiddenLine xmlns:a14="http://schemas.microsoft.com/office/drawing/2010/main" xmlns="" w="9525">
                   <a:solidFill>
                     <a:srgbClr val="000000"/>
                   </a:solidFill>
@@ -2227,7 +2239,7 @@
             </a:ln>
             <a:extLst>
               <a:ext uri="{91240B29-F687-4f45-9708-019B960494DF}">
-                <a14:hiddenLine xmlns="" xmlns:a14="http://schemas.microsoft.com/office/drawing/2010/main" w="9525">
+                <a14:hiddenLine xmlns:a14="http://schemas.microsoft.com/office/drawing/2010/main" xmlns="" w="9525">
                   <a:solidFill>
                     <a:srgbClr val="000000"/>
                   </a:solidFill>
@@ -2289,7 +2301,7 @@
             </a:ln>
             <a:extLst>
               <a:ext uri="{91240B29-F687-4f45-9708-019B960494DF}">
-                <a14:hiddenLine xmlns="" xmlns:a14="http://schemas.microsoft.com/office/drawing/2010/main" w="9525">
+                <a14:hiddenLine xmlns:a14="http://schemas.microsoft.com/office/drawing/2010/main" xmlns="" w="9525">
                   <a:solidFill>
                     <a:srgbClr val="000000"/>
                   </a:solidFill>
@@ -2399,7 +2411,7 @@
             </a:ln>
             <a:extLst>
               <a:ext uri="{91240B29-F687-4f45-9708-019B960494DF}">
-                <a14:hiddenLine xmlns="" xmlns:a14="http://schemas.microsoft.com/office/drawing/2010/main" w="9525">
+                <a14:hiddenLine xmlns:a14="http://schemas.microsoft.com/office/drawing/2010/main" xmlns="" w="9525">
                   <a:solidFill>
                     <a:srgbClr val="000000"/>
                   </a:solidFill>
@@ -2461,7 +2473,7 @@
             </a:ln>
             <a:extLst>
               <a:ext uri="{91240B29-F687-4f45-9708-019B960494DF}">
-                <a14:hiddenLine xmlns="" xmlns:a14="http://schemas.microsoft.com/office/drawing/2010/main" w="9525">
+                <a14:hiddenLine xmlns:a14="http://schemas.microsoft.com/office/drawing/2010/main" xmlns="" w="9525">
                   <a:solidFill>
                     <a:srgbClr val="000000"/>
                   </a:solidFill>
@@ -2551,7 +2563,7 @@
             </a:ln>
             <a:extLst>
               <a:ext uri="{91240B29-F687-4f45-9708-019B960494DF}">
-                <a14:hiddenLine xmlns="" xmlns:a14="http://schemas.microsoft.com/office/drawing/2010/main" w="9525">
+                <a14:hiddenLine xmlns:a14="http://schemas.microsoft.com/office/drawing/2010/main" xmlns="" w="9525">
                   <a:solidFill>
                     <a:srgbClr val="000000"/>
                   </a:solidFill>
@@ -2641,7 +2653,7 @@
             </a:ln>
             <a:extLst>
               <a:ext uri="{91240B29-F687-4f45-9708-019B960494DF}">
-                <a14:hiddenLine xmlns="" xmlns:a14="http://schemas.microsoft.com/office/drawing/2010/main" w="9525">
+                <a14:hiddenLine xmlns:a14="http://schemas.microsoft.com/office/drawing/2010/main" xmlns="" w="9525">
                   <a:solidFill>
                     <a:srgbClr val="000000"/>
                   </a:solidFill>
@@ -2703,7 +2715,7 @@
             </a:ln>
             <a:extLst>
               <a:ext uri="{91240B29-F687-4f45-9708-019B960494DF}">
-                <a14:hiddenLine xmlns="" xmlns:a14="http://schemas.microsoft.com/office/drawing/2010/main" w="9525">
+                <a14:hiddenLine xmlns:a14="http://schemas.microsoft.com/office/drawing/2010/main" xmlns="" w="9525">
                   <a:solidFill>
                     <a:srgbClr val="000000"/>
                   </a:solidFill>
@@ -2793,7 +2805,7 @@
             </a:ln>
             <a:extLst>
               <a:ext uri="{91240B29-F687-4f45-9708-019B960494DF}">
-                <a14:hiddenLine xmlns="" xmlns:a14="http://schemas.microsoft.com/office/drawing/2010/main" w="9525">
+                <a14:hiddenLine xmlns:a14="http://schemas.microsoft.com/office/drawing/2010/main" xmlns="" w="9525">
                   <a:solidFill>
                     <a:srgbClr val="000000"/>
                   </a:solidFill>
@@ -2883,7 +2895,7 @@
             </a:ln>
             <a:extLst>
               <a:ext uri="{91240B29-F687-4f45-9708-019B960494DF}">
-                <a14:hiddenLine xmlns="" xmlns:a14="http://schemas.microsoft.com/office/drawing/2010/main" w="9525">
+                <a14:hiddenLine xmlns:a14="http://schemas.microsoft.com/office/drawing/2010/main" xmlns="" w="9525">
                   <a:solidFill>
                     <a:srgbClr val="000000"/>
                   </a:solidFill>
@@ -2939,7 +2951,7 @@
             </a:ln>
             <a:extLst>
               <a:ext uri="{91240B29-F687-4f45-9708-019B960494DF}">
-                <a14:hiddenLine xmlns="" xmlns:a14="http://schemas.microsoft.com/office/drawing/2010/main" w="9525">
+                <a14:hiddenLine xmlns:a14="http://schemas.microsoft.com/office/drawing/2010/main" xmlns="" w="9525">
                   <a:solidFill>
                     <a:srgbClr val="000000"/>
                   </a:solidFill>
@@ -3029,7 +3041,7 @@
             </a:ln>
             <a:extLst>
               <a:ext uri="{91240B29-F687-4f45-9708-019B960494DF}">
-                <a14:hiddenLine xmlns="" xmlns:a14="http://schemas.microsoft.com/office/drawing/2010/main" w="9525">
+                <a14:hiddenLine xmlns:a14="http://schemas.microsoft.com/office/drawing/2010/main" xmlns="" w="9525">
                   <a:solidFill>
                     <a:srgbClr val="000000"/>
                   </a:solidFill>
@@ -3085,7 +3097,7 @@
             </a:ln>
             <a:extLst>
               <a:ext uri="{91240B29-F687-4f45-9708-019B960494DF}">
-                <a14:hiddenLine xmlns="" xmlns:a14="http://schemas.microsoft.com/office/drawing/2010/main" w="9525">
+                <a14:hiddenLine xmlns:a14="http://schemas.microsoft.com/office/drawing/2010/main" xmlns="" w="9525">
                   <a:solidFill>
                     <a:srgbClr val="000000"/>
                   </a:solidFill>
@@ -3175,7 +3187,7 @@
             </a:ln>
             <a:extLst>
               <a:ext uri="{91240B29-F687-4f45-9708-019B960494DF}">
-                <a14:hiddenLine xmlns="" xmlns:a14="http://schemas.microsoft.com/office/drawing/2010/main" w="9525">
+                <a14:hiddenLine xmlns:a14="http://schemas.microsoft.com/office/drawing/2010/main" xmlns="" w="9525">
                   <a:solidFill>
                     <a:srgbClr val="000000"/>
                   </a:solidFill>
@@ -3243,7 +3255,7 @@
             </a:ln>
             <a:extLst>
               <a:ext uri="{91240B29-F687-4f45-9708-019B960494DF}">
-                <a14:hiddenLine xmlns="" xmlns:a14="http://schemas.microsoft.com/office/drawing/2010/main" w="9525">
+                <a14:hiddenLine xmlns:a14="http://schemas.microsoft.com/office/drawing/2010/main" xmlns="" w="9525">
                   <a:solidFill>
                     <a:srgbClr val="000000"/>
                   </a:solidFill>
@@ -3333,7 +3345,7 @@
             </a:ln>
             <a:extLst>
               <a:ext uri="{91240B29-F687-4f45-9708-019B960494DF}">
-                <a14:hiddenLine xmlns="" xmlns:a14="http://schemas.microsoft.com/office/drawing/2010/main" w="9525">
+                <a14:hiddenLine xmlns:a14="http://schemas.microsoft.com/office/drawing/2010/main" xmlns="" w="9525">
                   <a:solidFill>
                     <a:srgbClr val="000000"/>
                   </a:solidFill>
@@ -3401,7 +3413,7 @@
             </a:ln>
             <a:extLst>
               <a:ext uri="{91240B29-F687-4f45-9708-019B960494DF}">
-                <a14:hiddenLine xmlns="" xmlns:a14="http://schemas.microsoft.com/office/drawing/2010/main" w="9525">
+                <a14:hiddenLine xmlns:a14="http://schemas.microsoft.com/office/drawing/2010/main" xmlns="" w="9525">
                   <a:solidFill>
                     <a:srgbClr val="000000"/>
                   </a:solidFill>
@@ -3491,7 +3503,7 @@
             </a:ln>
             <a:extLst>
               <a:ext uri="{91240B29-F687-4f45-9708-019B960494DF}">
-                <a14:hiddenLine xmlns="" xmlns:a14="http://schemas.microsoft.com/office/drawing/2010/main" w="9525">
+                <a14:hiddenLine xmlns:a14="http://schemas.microsoft.com/office/drawing/2010/main" xmlns="" w="9525">
                   <a:solidFill>
                     <a:srgbClr val="000000"/>
                   </a:solidFill>
@@ -3525,7 +3537,7 @@
             </a:ln>
             <a:extLst>
               <a:ext uri="{91240B29-F687-4f45-9708-019B960494DF}">
-                <a14:hiddenLine xmlns="" xmlns:a14="http://schemas.microsoft.com/office/drawing/2010/main" w="9525">
+                <a14:hiddenLine xmlns:a14="http://schemas.microsoft.com/office/drawing/2010/main" xmlns="" w="9525">
                   <a:solidFill>
                     <a:srgbClr val="000000"/>
                   </a:solidFill>
@@ -3615,7 +3627,7 @@
             </a:ln>
             <a:extLst>
               <a:ext uri="{91240B29-F687-4f45-9708-019B960494DF}">
-                <a14:hiddenLine xmlns="" xmlns:a14="http://schemas.microsoft.com/office/drawing/2010/main" w="9525">
+                <a14:hiddenLine xmlns:a14="http://schemas.microsoft.com/office/drawing/2010/main" xmlns="" w="9525">
                   <a:solidFill>
                     <a:srgbClr val="000000"/>
                   </a:solidFill>
@@ -3677,7 +3689,7 @@
             </a:ln>
             <a:extLst>
               <a:ext uri="{91240B29-F687-4f45-9708-019B960494DF}">
-                <a14:hiddenLine xmlns="" xmlns:a14="http://schemas.microsoft.com/office/drawing/2010/main" w="9525">
+                <a14:hiddenLine xmlns:a14="http://schemas.microsoft.com/office/drawing/2010/main" xmlns="" w="9525">
                   <a:solidFill>
                     <a:srgbClr val="000000"/>
                   </a:solidFill>
@@ -3739,7 +3751,7 @@
             </a:ln>
             <a:extLst>
               <a:ext uri="{91240B29-F687-4f45-9708-019B960494DF}">
-                <a14:hiddenLine xmlns="" xmlns:a14="http://schemas.microsoft.com/office/drawing/2010/main" w="9525">
+                <a14:hiddenLine xmlns:a14="http://schemas.microsoft.com/office/drawing/2010/main" xmlns="" w="9525">
                   <a:solidFill>
                     <a:srgbClr val="000000"/>
                   </a:solidFill>
@@ -3829,7 +3841,7 @@
             </a:ln>
             <a:extLst>
               <a:ext uri="{91240B29-F687-4f45-9708-019B960494DF}">
-                <a14:hiddenLine xmlns="" xmlns:a14="http://schemas.microsoft.com/office/drawing/2010/main" w="9525">
+                <a14:hiddenLine xmlns:a14="http://schemas.microsoft.com/office/drawing/2010/main" xmlns="" w="9525">
                   <a:solidFill>
                     <a:srgbClr val="000000"/>
                   </a:solidFill>
@@ -3897,7 +3909,7 @@
             </a:ln>
             <a:extLst>
               <a:ext uri="{91240B29-F687-4f45-9708-019B960494DF}">
-                <a14:hiddenLine xmlns="" xmlns:a14="http://schemas.microsoft.com/office/drawing/2010/main" w="9525">
+                <a14:hiddenLine xmlns:a14="http://schemas.microsoft.com/office/drawing/2010/main" xmlns="" w="9525">
                   <a:solidFill>
                     <a:srgbClr val="000000"/>
                   </a:solidFill>
@@ -3959,7 +3971,7 @@
             </a:ln>
             <a:extLst>
               <a:ext uri="{91240B29-F687-4f45-9708-019B960494DF}">
-                <a14:hiddenLine xmlns="" xmlns:a14="http://schemas.microsoft.com/office/drawing/2010/main" w="9525">
+                <a14:hiddenLine xmlns:a14="http://schemas.microsoft.com/office/drawing/2010/main" xmlns="" w="9525">
                   <a:solidFill>
                     <a:srgbClr val="000000"/>
                   </a:solidFill>
@@ -4049,7 +4061,7 @@
             </a:ln>
             <a:extLst>
               <a:ext uri="{91240B29-F687-4f45-9708-019B960494DF}">
-                <a14:hiddenLine xmlns="" xmlns:a14="http://schemas.microsoft.com/office/drawing/2010/main" w="9525">
+                <a14:hiddenLine xmlns:a14="http://schemas.microsoft.com/office/drawing/2010/main" xmlns="" w="9525">
                   <a:solidFill>
                     <a:srgbClr val="000000"/>
                   </a:solidFill>
@@ -4111,7 +4123,7 @@
             </a:ln>
             <a:extLst>
               <a:ext uri="{91240B29-F687-4f45-9708-019B960494DF}">
-                <a14:hiddenLine xmlns="" xmlns:a14="http://schemas.microsoft.com/office/drawing/2010/main" w="9525">
+                <a14:hiddenLine xmlns:a14="http://schemas.microsoft.com/office/drawing/2010/main" xmlns="" w="9525">
                   <a:solidFill>
                     <a:srgbClr val="000000"/>
                   </a:solidFill>
@@ -4201,7 +4213,7 @@
             </a:ln>
             <a:extLst>
               <a:ext uri="{91240B29-F687-4f45-9708-019B960494DF}">
-                <a14:hiddenLine xmlns="" xmlns:a14="http://schemas.microsoft.com/office/drawing/2010/main" w="9525">
+                <a14:hiddenLine xmlns:a14="http://schemas.microsoft.com/office/drawing/2010/main" xmlns="" w="9525">
                   <a:solidFill>
                     <a:srgbClr val="000000"/>
                   </a:solidFill>
@@ -4263,7 +4275,7 @@
             </a:ln>
             <a:extLst>
               <a:ext uri="{91240B29-F687-4f45-9708-019B960494DF}">
-                <a14:hiddenLine xmlns="" xmlns:a14="http://schemas.microsoft.com/office/drawing/2010/main" w="9525">
+                <a14:hiddenLine xmlns:a14="http://schemas.microsoft.com/office/drawing/2010/main" xmlns="" w="9525">
                   <a:solidFill>
                     <a:srgbClr val="000000"/>
                   </a:solidFill>
@@ -4353,7 +4365,7 @@
             </a:ln>
             <a:extLst>
               <a:ext uri="{91240B29-F687-4f45-9708-019B960494DF}">
-                <a14:hiddenLine xmlns="" xmlns:a14="http://schemas.microsoft.com/office/drawing/2010/main" w="9525">
+                <a14:hiddenLine xmlns:a14="http://schemas.microsoft.com/office/drawing/2010/main" xmlns="" w="9525">
                   <a:solidFill>
                     <a:srgbClr val="000000"/>
                   </a:solidFill>
@@ -4387,7 +4399,7 @@
             </a:ln>
             <a:extLst>
               <a:ext uri="{91240B29-F687-4f45-9708-019B960494DF}">
-                <a14:hiddenLine xmlns="" xmlns:a14="http://schemas.microsoft.com/office/drawing/2010/main" w="9525">
+                <a14:hiddenLine xmlns:a14="http://schemas.microsoft.com/office/drawing/2010/main" xmlns="" w="9525">
                   <a:solidFill>
                     <a:srgbClr val="000000"/>
                   </a:solidFill>
@@ -4452,7 +4464,7 @@
             </a:ln>
             <a:extLst>
               <a:ext uri="{91240B29-F687-4f45-9708-019B960494DF}">
-                <a14:hiddenLine xmlns="" xmlns:a14="http://schemas.microsoft.com/office/drawing/2010/main" w="9525">
+                <a14:hiddenLine xmlns:a14="http://schemas.microsoft.com/office/drawing/2010/main" xmlns="" w="9525">
                   <a:solidFill>
                     <a:srgbClr val="000000"/>
                   </a:solidFill>
@@ -4542,7 +4554,7 @@
             </a:ln>
             <a:extLst>
               <a:ext uri="{91240B29-F687-4f45-9708-019B960494DF}">
-                <a14:hiddenLine xmlns="" xmlns:a14="http://schemas.microsoft.com/office/drawing/2010/main" w="9525">
+                <a14:hiddenLine xmlns:a14="http://schemas.microsoft.com/office/drawing/2010/main" xmlns="" w="9525">
                   <a:solidFill>
                     <a:srgbClr val="000000"/>
                   </a:solidFill>
@@ -4604,7 +4616,7 @@
             </a:ln>
             <a:extLst>
               <a:ext uri="{91240B29-F687-4f45-9708-019B960494DF}">
-                <a14:hiddenLine xmlns="" xmlns:a14="http://schemas.microsoft.com/office/drawing/2010/main" w="9525">
+                <a14:hiddenLine xmlns:a14="http://schemas.microsoft.com/office/drawing/2010/main" xmlns="" w="9525">
                   <a:solidFill>
                     <a:srgbClr val="000000"/>
                   </a:solidFill>
@@ -4694,7 +4706,7 @@
             </a:ln>
             <a:extLst>
               <a:ext uri="{91240B29-F687-4f45-9708-019B960494DF}">
-                <a14:hiddenLine xmlns="" xmlns:a14="http://schemas.microsoft.com/office/drawing/2010/main" w="9525">
+                <a14:hiddenLine xmlns:a14="http://schemas.microsoft.com/office/drawing/2010/main" xmlns="" w="9525">
                   <a:solidFill>
                     <a:srgbClr val="000000"/>
                   </a:solidFill>
@@ -4784,7 +4796,7 @@
             </a:ln>
             <a:extLst>
               <a:ext uri="{91240B29-F687-4f45-9708-019B960494DF}">
-                <a14:hiddenLine xmlns="" xmlns:a14="http://schemas.microsoft.com/office/drawing/2010/main" w="9525">
+                <a14:hiddenLine xmlns:a14="http://schemas.microsoft.com/office/drawing/2010/main" xmlns="" w="9525">
                   <a:solidFill>
                     <a:srgbClr val="000000"/>
                   </a:solidFill>
@@ -4849,7 +4861,7 @@
             </a:ln>
             <a:extLst>
               <a:ext uri="{91240B29-F687-4f45-9708-019B960494DF}">
-                <a14:hiddenLine xmlns="" xmlns:a14="http://schemas.microsoft.com/office/drawing/2010/main" w="9525">
+                <a14:hiddenLine xmlns:a14="http://schemas.microsoft.com/office/drawing/2010/main" xmlns="" w="9525">
                   <a:solidFill>
                     <a:srgbClr val="000000"/>
                   </a:solidFill>
@@ -4911,7 +4923,7 @@
             </a:ln>
             <a:extLst>
               <a:ext uri="{91240B29-F687-4f45-9708-019B960494DF}">
-                <a14:hiddenLine xmlns="" xmlns:a14="http://schemas.microsoft.com/office/drawing/2010/main" w="9525">
+                <a14:hiddenLine xmlns:a14="http://schemas.microsoft.com/office/drawing/2010/main" xmlns="" w="9525">
                   <a:solidFill>
                     <a:srgbClr val="000000"/>
                   </a:solidFill>
@@ -5001,7 +5013,7 @@
             </a:ln>
             <a:extLst>
               <a:ext uri="{91240B29-F687-4f45-9708-019B960494DF}">
-                <a14:hiddenLine xmlns="" xmlns:a14="http://schemas.microsoft.com/office/drawing/2010/main" w="9525">
+                <a14:hiddenLine xmlns:a14="http://schemas.microsoft.com/office/drawing/2010/main" xmlns="" w="9525">
                   <a:solidFill>
                     <a:srgbClr val="000000"/>
                   </a:solidFill>
@@ -5091,7 +5103,7 @@
             </a:ln>
             <a:extLst>
               <a:ext uri="{91240B29-F687-4f45-9708-019B960494DF}">
-                <a14:hiddenLine xmlns="" xmlns:a14="http://schemas.microsoft.com/office/drawing/2010/main" w="9525">
+                <a14:hiddenLine xmlns:a14="http://schemas.microsoft.com/office/drawing/2010/main" xmlns="" w="9525">
                   <a:solidFill>
                     <a:srgbClr val="000000"/>
                   </a:solidFill>
@@ -5153,7 +5165,7 @@
             </a:ln>
             <a:extLst>
               <a:ext uri="{91240B29-F687-4f45-9708-019B960494DF}">
-                <a14:hiddenLine xmlns="" xmlns:a14="http://schemas.microsoft.com/office/drawing/2010/main" w="9525">
+                <a14:hiddenLine xmlns:a14="http://schemas.microsoft.com/office/drawing/2010/main" xmlns="" w="9525">
                   <a:solidFill>
                     <a:srgbClr val="000000"/>
                   </a:solidFill>
@@ -5273,7 +5285,7 @@
             </a:ln>
             <a:extLst>
               <a:ext uri="{91240B29-F687-4f45-9708-019B960494DF}">
-                <a14:hiddenLine xmlns="" xmlns:a14="http://schemas.microsoft.com/office/drawing/2010/main" w="9525">
+                <a14:hiddenLine xmlns:a14="http://schemas.microsoft.com/office/drawing/2010/main" xmlns="" w="9525">
                   <a:solidFill>
                     <a:srgbClr val="000000"/>
                   </a:solidFill>
@@ -5341,7 +5353,7 @@
             </a:ln>
             <a:extLst>
               <a:ext uri="{91240B29-F687-4f45-9708-019B960494DF}">
-                <a14:hiddenLine xmlns="" xmlns:a14="http://schemas.microsoft.com/office/drawing/2010/main" w="9525">
+                <a14:hiddenLine xmlns:a14="http://schemas.microsoft.com/office/drawing/2010/main" xmlns="" w="9525">
                   <a:solidFill>
                     <a:srgbClr val="000000"/>
                   </a:solidFill>
@@ -5431,7 +5443,7 @@
             </a:ln>
             <a:extLst>
               <a:ext uri="{91240B29-F687-4f45-9708-019B960494DF}">
-                <a14:hiddenLine xmlns="" xmlns:a14="http://schemas.microsoft.com/office/drawing/2010/main" w="9525">
+                <a14:hiddenLine xmlns:a14="http://schemas.microsoft.com/office/drawing/2010/main" xmlns="" w="9525">
                   <a:solidFill>
                     <a:srgbClr val="000000"/>
                   </a:solidFill>
@@ -10306,7 +10318,7 @@
           <a:noFill/>
           <a:extLst>
             <a:ext uri="{909E8E84-426E-40dd-AFC4-6F175D3DCCD1}">
-              <a14:hiddenFill xmlns="" xmlns:a14="http://schemas.microsoft.com/office/drawing/2010/main">
+              <a14:hiddenFill xmlns:a14="http://schemas.microsoft.com/office/drawing/2010/main" xmlns="">
                 <a:solidFill>
                   <a:srgbClr val="FFFFFF"/>
                 </a:solidFill>
@@ -10380,7 +10392,7 @@
               </a:ln>
               <a:extLst>
                 <a:ext uri="{91240B29-F687-4f45-9708-019B960494DF}">
-                  <a14:hiddenLine xmlns="" xmlns:a14="http://schemas.microsoft.com/office/drawing/2010/main" w="9525">
+                  <a14:hiddenLine xmlns:a14="http://schemas.microsoft.com/office/drawing/2010/main" xmlns="" w="9525">
                     <a:solidFill>
                       <a:srgbClr val="000000"/>
                     </a:solidFill>
@@ -10470,7 +10482,7 @@
               </a:ln>
               <a:extLst>
                 <a:ext uri="{91240B29-F687-4f45-9708-019B960494DF}">
-                  <a14:hiddenLine xmlns="" xmlns:a14="http://schemas.microsoft.com/office/drawing/2010/main" w="9525">
+                  <a14:hiddenLine xmlns:a14="http://schemas.microsoft.com/office/drawing/2010/main" xmlns="" w="9525">
                     <a:solidFill>
                       <a:srgbClr val="000000"/>
                     </a:solidFill>
@@ -10560,7 +10572,7 @@
               </a:ln>
               <a:extLst>
                 <a:ext uri="{91240B29-F687-4f45-9708-019B960494DF}">
-                  <a14:hiddenLine xmlns="" xmlns:a14="http://schemas.microsoft.com/office/drawing/2010/main" w="9525">
+                  <a14:hiddenLine xmlns:a14="http://schemas.microsoft.com/office/drawing/2010/main" xmlns="" w="9525">
                     <a:solidFill>
                       <a:srgbClr val="000000"/>
                     </a:solidFill>
@@ -10622,7 +10634,7 @@
               </a:ln>
               <a:extLst>
                 <a:ext uri="{91240B29-F687-4f45-9708-019B960494DF}">
-                  <a14:hiddenLine xmlns="" xmlns:a14="http://schemas.microsoft.com/office/drawing/2010/main" w="9525">
+                  <a14:hiddenLine xmlns:a14="http://schemas.microsoft.com/office/drawing/2010/main" xmlns="" w="9525">
                     <a:solidFill>
                       <a:srgbClr val="000000"/>
                     </a:solidFill>
@@ -10712,7 +10724,7 @@
               </a:ln>
               <a:extLst>
                 <a:ext uri="{91240B29-F687-4f45-9708-019B960494DF}">
-                  <a14:hiddenLine xmlns="" xmlns:a14="http://schemas.microsoft.com/office/drawing/2010/main" w="9525">
+                  <a14:hiddenLine xmlns:a14="http://schemas.microsoft.com/office/drawing/2010/main" xmlns="" w="9525">
                     <a:solidFill>
                       <a:srgbClr val="000000"/>
                     </a:solidFill>
@@ -10774,7 +10786,7 @@
               </a:ln>
               <a:extLst>
                 <a:ext uri="{91240B29-F687-4f45-9708-019B960494DF}">
-                  <a14:hiddenLine xmlns="" xmlns:a14="http://schemas.microsoft.com/office/drawing/2010/main" w="9525">
+                  <a14:hiddenLine xmlns:a14="http://schemas.microsoft.com/office/drawing/2010/main" xmlns="" w="9525">
                     <a:solidFill>
                       <a:srgbClr val="000000"/>
                     </a:solidFill>
@@ -10836,7 +10848,7 @@
               </a:ln>
               <a:extLst>
                 <a:ext uri="{91240B29-F687-4f45-9708-019B960494DF}">
-                  <a14:hiddenLine xmlns="" xmlns:a14="http://schemas.microsoft.com/office/drawing/2010/main" w="9525">
+                  <a14:hiddenLine xmlns:a14="http://schemas.microsoft.com/office/drawing/2010/main" xmlns="" w="9525">
                     <a:solidFill>
                       <a:srgbClr val="000000"/>
                     </a:solidFill>
@@ -10926,7 +10938,7 @@
               </a:ln>
               <a:extLst>
                 <a:ext uri="{91240B29-F687-4f45-9708-019B960494DF}">
-                  <a14:hiddenLine xmlns="" xmlns:a14="http://schemas.microsoft.com/office/drawing/2010/main" w="9525">
+                  <a14:hiddenLine xmlns:a14="http://schemas.microsoft.com/office/drawing/2010/main" xmlns="" w="9525">
                     <a:solidFill>
                       <a:srgbClr val="000000"/>
                     </a:solidFill>
@@ -11016,7 +11028,7 @@
               </a:ln>
               <a:extLst>
                 <a:ext uri="{91240B29-F687-4f45-9708-019B960494DF}">
-                  <a14:hiddenLine xmlns="" xmlns:a14="http://schemas.microsoft.com/office/drawing/2010/main" w="9525">
+                  <a14:hiddenLine xmlns:a14="http://schemas.microsoft.com/office/drawing/2010/main" xmlns="" w="9525">
                     <a:solidFill>
                       <a:srgbClr val="000000"/>
                     </a:solidFill>
@@ -11078,7 +11090,7 @@
               </a:ln>
               <a:extLst>
                 <a:ext uri="{91240B29-F687-4f45-9708-019B960494DF}">
-                  <a14:hiddenLine xmlns="" xmlns:a14="http://schemas.microsoft.com/office/drawing/2010/main" w="9525">
+                  <a14:hiddenLine xmlns:a14="http://schemas.microsoft.com/office/drawing/2010/main" xmlns="" w="9525">
                     <a:solidFill>
                       <a:srgbClr val="000000"/>
                     </a:solidFill>
@@ -11188,7 +11200,7 @@
               </a:ln>
               <a:extLst>
                 <a:ext uri="{91240B29-F687-4f45-9708-019B960494DF}">
-                  <a14:hiddenLine xmlns="" xmlns:a14="http://schemas.microsoft.com/office/drawing/2010/main" w="9525">
+                  <a14:hiddenLine xmlns:a14="http://schemas.microsoft.com/office/drawing/2010/main" xmlns="" w="9525">
                     <a:solidFill>
                       <a:srgbClr val="000000"/>
                     </a:solidFill>
@@ -11272,7 +11284,7 @@
               </a:ln>
               <a:extLst>
                 <a:ext uri="{91240B29-F687-4f45-9708-019B960494DF}">
-                  <a14:hiddenLine xmlns="" xmlns:a14="http://schemas.microsoft.com/office/drawing/2010/main" w="9525">
+                  <a14:hiddenLine xmlns:a14="http://schemas.microsoft.com/office/drawing/2010/main" xmlns="" w="9525">
                     <a:solidFill>
                       <a:srgbClr val="000000"/>
                     </a:solidFill>
@@ -11334,7 +11346,7 @@
               </a:ln>
               <a:extLst>
                 <a:ext uri="{91240B29-F687-4f45-9708-019B960494DF}">
-                  <a14:hiddenLine xmlns="" xmlns:a14="http://schemas.microsoft.com/office/drawing/2010/main" w="9525">
+                  <a14:hiddenLine xmlns:a14="http://schemas.microsoft.com/office/drawing/2010/main" xmlns="" w="9525">
                     <a:solidFill>
                       <a:srgbClr val="000000"/>
                     </a:solidFill>
@@ -11396,7 +11408,7 @@
               </a:ln>
               <a:extLst>
                 <a:ext uri="{91240B29-F687-4f45-9708-019B960494DF}">
-                  <a14:hiddenLine xmlns="" xmlns:a14="http://schemas.microsoft.com/office/drawing/2010/main" w="9525">
+                  <a14:hiddenLine xmlns:a14="http://schemas.microsoft.com/office/drawing/2010/main" xmlns="" w="9525">
                     <a:solidFill>
                       <a:srgbClr val="000000"/>
                     </a:solidFill>
@@ -11486,7 +11498,7 @@
               </a:ln>
               <a:extLst>
                 <a:ext uri="{91240B29-F687-4f45-9708-019B960494DF}">
-                  <a14:hiddenLine xmlns="" xmlns:a14="http://schemas.microsoft.com/office/drawing/2010/main" w="9525">
+                  <a14:hiddenLine xmlns:a14="http://schemas.microsoft.com/office/drawing/2010/main" xmlns="" w="9525">
                     <a:solidFill>
                       <a:srgbClr val="000000"/>
                     </a:solidFill>
@@ -11520,7 +11532,7 @@
               </a:ln>
               <a:extLst>
                 <a:ext uri="{91240B29-F687-4f45-9708-019B960494DF}">
-                  <a14:hiddenLine xmlns="" xmlns:a14="http://schemas.microsoft.com/office/drawing/2010/main" w="9525">
+                  <a14:hiddenLine xmlns:a14="http://schemas.microsoft.com/office/drawing/2010/main" xmlns="" w="9525">
                     <a:solidFill>
                       <a:srgbClr val="000000"/>
                     </a:solidFill>
@@ -11585,7 +11597,7 @@
               </a:ln>
               <a:extLst>
                 <a:ext uri="{91240B29-F687-4f45-9708-019B960494DF}">
-                  <a14:hiddenLine xmlns="" xmlns:a14="http://schemas.microsoft.com/office/drawing/2010/main" w="9525">
+                  <a14:hiddenLine xmlns:a14="http://schemas.microsoft.com/office/drawing/2010/main" xmlns="" w="9525">
                     <a:solidFill>
                       <a:srgbClr val="000000"/>
                     </a:solidFill>
@@ -11675,7 +11687,7 @@
               </a:ln>
               <a:extLst>
                 <a:ext uri="{91240B29-F687-4f45-9708-019B960494DF}">
-                  <a14:hiddenLine xmlns="" xmlns:a14="http://schemas.microsoft.com/office/drawing/2010/main" w="9525">
+                  <a14:hiddenLine xmlns:a14="http://schemas.microsoft.com/office/drawing/2010/main" xmlns="" w="9525">
                     <a:solidFill>
                       <a:srgbClr val="000000"/>
                     </a:solidFill>
@@ -11737,7 +11749,7 @@
               </a:ln>
               <a:extLst>
                 <a:ext uri="{91240B29-F687-4f45-9708-019B960494DF}">
-                  <a14:hiddenLine xmlns="" xmlns:a14="http://schemas.microsoft.com/office/drawing/2010/main" w="9525">
+                  <a14:hiddenLine xmlns:a14="http://schemas.microsoft.com/office/drawing/2010/main" xmlns="" w="9525">
                     <a:solidFill>
                       <a:srgbClr val="000000"/>
                     </a:solidFill>
@@ -11827,7 +11839,7 @@
               </a:ln>
               <a:extLst>
                 <a:ext uri="{91240B29-F687-4f45-9708-019B960494DF}">
-                  <a14:hiddenLine xmlns="" xmlns:a14="http://schemas.microsoft.com/office/drawing/2010/main" w="9525">
+                  <a14:hiddenLine xmlns:a14="http://schemas.microsoft.com/office/drawing/2010/main" xmlns="" w="9525">
                     <a:solidFill>
                       <a:srgbClr val="000000"/>
                     </a:solidFill>
@@ -11892,7 +11904,7 @@
               </a:ln>
               <a:extLst>
                 <a:ext uri="{91240B29-F687-4f45-9708-019B960494DF}">
-                  <a14:hiddenLine xmlns="" xmlns:a14="http://schemas.microsoft.com/office/drawing/2010/main" w="9525">
+                  <a14:hiddenLine xmlns:a14="http://schemas.microsoft.com/office/drawing/2010/main" xmlns="" w="9525">
                     <a:solidFill>
                       <a:srgbClr val="000000"/>
                     </a:solidFill>
@@ -11954,7 +11966,7 @@
               </a:ln>
               <a:extLst>
                 <a:ext uri="{91240B29-F687-4f45-9708-019B960494DF}">
-                  <a14:hiddenLine xmlns="" xmlns:a14="http://schemas.microsoft.com/office/drawing/2010/main" w="9525">
+                  <a14:hiddenLine xmlns:a14="http://schemas.microsoft.com/office/drawing/2010/main" xmlns="" w="9525">
                     <a:solidFill>
                       <a:srgbClr val="000000"/>
                     </a:solidFill>
@@ -12044,7 +12056,7 @@
               </a:ln>
               <a:extLst>
                 <a:ext uri="{91240B29-F687-4f45-9708-019B960494DF}">
-                  <a14:hiddenLine xmlns="" xmlns:a14="http://schemas.microsoft.com/office/drawing/2010/main" w="9525">
+                  <a14:hiddenLine xmlns:a14="http://schemas.microsoft.com/office/drawing/2010/main" xmlns="" w="9525">
                     <a:solidFill>
                       <a:srgbClr val="000000"/>
                     </a:solidFill>
@@ -12134,7 +12146,7 @@
               </a:ln>
               <a:extLst>
                 <a:ext uri="{91240B29-F687-4f45-9708-019B960494DF}">
-                  <a14:hiddenLine xmlns="" xmlns:a14="http://schemas.microsoft.com/office/drawing/2010/main" w="9525">
+                  <a14:hiddenLine xmlns:a14="http://schemas.microsoft.com/office/drawing/2010/main" xmlns="" w="9525">
                     <a:solidFill>
                       <a:srgbClr val="000000"/>
                     </a:solidFill>
@@ -12199,7 +12211,7 @@
               </a:ln>
               <a:extLst>
                 <a:ext uri="{91240B29-F687-4f45-9708-019B960494DF}">
-                  <a14:hiddenLine xmlns="" xmlns:a14="http://schemas.microsoft.com/office/drawing/2010/main" w="9525">
+                  <a14:hiddenLine xmlns:a14="http://schemas.microsoft.com/office/drawing/2010/main" xmlns="" w="9525">
                     <a:solidFill>
                       <a:srgbClr val="000000"/>
                     </a:solidFill>
@@ -12319,7 +12331,7 @@
               </a:ln>
               <a:extLst>
                 <a:ext uri="{91240B29-F687-4f45-9708-019B960494DF}">
-                  <a14:hiddenLine xmlns="" xmlns:a14="http://schemas.microsoft.com/office/drawing/2010/main" w="9525">
+                  <a14:hiddenLine xmlns:a14="http://schemas.microsoft.com/office/drawing/2010/main" xmlns="" w="9525">
                     <a:solidFill>
                       <a:srgbClr val="000000"/>
                     </a:solidFill>
@@ -12417,7 +12429,7 @@
               </a:ln>
               <a:extLst>
                 <a:ext uri="{91240B29-F687-4f45-9708-019B960494DF}">
-                  <a14:hiddenLine xmlns="" xmlns:a14="http://schemas.microsoft.com/office/drawing/2010/main" w="9525">
+                  <a14:hiddenLine xmlns:a14="http://schemas.microsoft.com/office/drawing/2010/main" xmlns="" w="9525">
                     <a:solidFill>
                       <a:srgbClr val="000000"/>
                     </a:solidFill>
@@ -12532,7 +12544,7 @@
               </a:ln>
               <a:extLst>
                 <a:ext uri="{91240B29-F687-4f45-9708-019B960494DF}">
-                  <a14:hiddenLine xmlns="" xmlns:a14="http://schemas.microsoft.com/office/drawing/2010/main" w="9525">
+                  <a14:hiddenLine xmlns:a14="http://schemas.microsoft.com/office/drawing/2010/main" xmlns="" w="9525">
                     <a:solidFill>
                       <a:srgbClr val="000000"/>
                     </a:solidFill>
@@ -12622,7 +12634,7 @@
               </a:ln>
               <a:extLst>
                 <a:ext uri="{91240B29-F687-4f45-9708-019B960494DF}">
-                  <a14:hiddenLine xmlns="" xmlns:a14="http://schemas.microsoft.com/office/drawing/2010/main" w="9525">
+                  <a14:hiddenLine xmlns:a14="http://schemas.microsoft.com/office/drawing/2010/main" xmlns="" w="9525">
                     <a:solidFill>
                       <a:srgbClr val="000000"/>
                     </a:solidFill>
@@ -12687,7 +12699,7 @@
               </a:ln>
               <a:extLst>
                 <a:ext uri="{91240B29-F687-4f45-9708-019B960494DF}">
-                  <a14:hiddenLine xmlns="" xmlns:a14="http://schemas.microsoft.com/office/drawing/2010/main" w="9525">
+                  <a14:hiddenLine xmlns:a14="http://schemas.microsoft.com/office/drawing/2010/main" xmlns="" w="9525">
                     <a:solidFill>
                       <a:srgbClr val="000000"/>
                     </a:solidFill>
@@ -12777,7 +12789,7 @@
               </a:ln>
               <a:extLst>
                 <a:ext uri="{91240B29-F687-4f45-9708-019B960494DF}">
-                  <a14:hiddenLine xmlns="" xmlns:a14="http://schemas.microsoft.com/office/drawing/2010/main" w="9525">
+                  <a14:hiddenLine xmlns:a14="http://schemas.microsoft.com/office/drawing/2010/main" xmlns="" w="9525">
                     <a:solidFill>
                       <a:srgbClr val="000000"/>
                     </a:solidFill>
@@ -12845,7 +12857,7 @@
               </a:ln>
               <a:extLst>
                 <a:ext uri="{91240B29-F687-4f45-9708-019B960494DF}">
-                  <a14:hiddenLine xmlns="" xmlns:a14="http://schemas.microsoft.com/office/drawing/2010/main" w="9525">
+                  <a14:hiddenLine xmlns:a14="http://schemas.microsoft.com/office/drawing/2010/main" xmlns="" w="9525">
                     <a:solidFill>
                       <a:srgbClr val="000000"/>
                     </a:solidFill>
@@ -12935,7 +12947,7 @@
               </a:ln>
               <a:extLst>
                 <a:ext uri="{91240B29-F687-4f45-9708-019B960494DF}">
-                  <a14:hiddenLine xmlns="" xmlns:a14="http://schemas.microsoft.com/office/drawing/2010/main" w="9525">
+                  <a14:hiddenLine xmlns:a14="http://schemas.microsoft.com/office/drawing/2010/main" xmlns="" w="9525">
                     <a:solidFill>
                       <a:srgbClr val="000000"/>
                     </a:solidFill>
@@ -13003,7 +13015,7 @@
               </a:ln>
               <a:extLst>
                 <a:ext uri="{91240B29-F687-4f45-9708-019B960494DF}">
-                  <a14:hiddenLine xmlns="" xmlns:a14="http://schemas.microsoft.com/office/drawing/2010/main" w="9525">
+                  <a14:hiddenLine xmlns:a14="http://schemas.microsoft.com/office/drawing/2010/main" xmlns="" w="9525">
                     <a:solidFill>
                       <a:srgbClr val="000000"/>
                     </a:solidFill>
@@ -13093,7 +13105,7 @@
               </a:ln>
               <a:extLst>
                 <a:ext uri="{91240B29-F687-4f45-9708-019B960494DF}">
-                  <a14:hiddenLine xmlns="" xmlns:a14="http://schemas.microsoft.com/office/drawing/2010/main" w="9525">
+                  <a14:hiddenLine xmlns:a14="http://schemas.microsoft.com/office/drawing/2010/main" xmlns="" w="9525">
                     <a:solidFill>
                       <a:srgbClr val="000000"/>
                     </a:solidFill>
@@ -13127,7 +13139,7 @@
               </a:ln>
               <a:extLst>
                 <a:ext uri="{91240B29-F687-4f45-9708-019B960494DF}">
-                  <a14:hiddenLine xmlns="" xmlns:a14="http://schemas.microsoft.com/office/drawing/2010/main" w="9525">
+                  <a14:hiddenLine xmlns:a14="http://schemas.microsoft.com/office/drawing/2010/main" xmlns="" w="9525">
                     <a:solidFill>
                       <a:srgbClr val="000000"/>
                     </a:solidFill>
@@ -14884,7 +14896,15 @@
           <a:p>
             <a:r>
               <a:rPr lang="fr-FR" dirty="0"/>
-              <a:t>Difficultés rencontrées et retours sur l'UE</a:t>
+              <a:t>Difficultés </a:t>
+            </a:r>
+            <a:r>
+              <a:rPr lang="fr-FR" dirty="0" smtClean="0"/>
+              <a:t>rencontrées, améliorations </a:t>
+            </a:r>
+            <a:r>
+              <a:rPr lang="fr-FR" dirty="0"/>
+              <a:t>et retours sur l'UE</a:t>
             </a:r>
           </a:p>
         </p:txBody>
@@ -14934,8 +14954,27 @@
           <a:p>
             <a:r>
               <a:rPr lang="fr-FR" dirty="0"/>
-              <a:t>Trop de temps passé sur l’api et les tests et peu sur le cloud</a:t>
-            </a:r>
+              <a:t>Trop de temps </a:t>
+            </a:r>
+            <a:r>
+              <a:rPr lang="fr-FR" dirty="0" smtClean="0"/>
+              <a:t>passé </a:t>
+            </a:r>
+            <a:r>
+              <a:rPr lang="fr-FR" dirty="0"/>
+              <a:t>sur l’api et les tests et peu sur le </a:t>
+            </a:r>
+            <a:r>
+              <a:rPr lang="fr-FR" dirty="0" smtClean="0"/>
+              <a:t>cloud</a:t>
+            </a:r>
+          </a:p>
+          <a:p>
+            <a:r>
+              <a:rPr lang="fr-FR" dirty="0" smtClean="0"/>
+              <a:t>Mise en cache des données les plus utilisées</a:t>
+            </a:r>
+            <a:endParaRPr lang="fr-FR" dirty="0"/>
           </a:p>
         </p:txBody>
       </p:sp>
@@ -15236,9 +15275,16 @@
             <p:ph idx="1"/>
           </p:nvPr>
         </p:nvSpPr>
-        <p:spPr/>
-        <p:txBody>
-          <a:bodyPr/>
+        <p:spPr>
+          <a:xfrm>
+            <a:off x="1141412" y="2249487"/>
+            <a:ext cx="10389528" cy="3541714"/>
+          </a:xfrm>
+        </p:spPr>
+        <p:txBody>
+          <a:bodyPr>
+            <a:normAutofit fontScale="92500"/>
+          </a:bodyPr>
           <a:lstStyle/>
           <a:p>
             <a:pPr marL="457200" indent="-457200">
@@ -15266,9 +15312,18 @@
               <a:buAutoNum type="arabicPeriod"/>
             </a:pPr>
             <a:r>
-              <a:rPr lang="fr-FR" dirty="0"/>
-              <a:t>DEMONSTRATION</a:t>
-            </a:r>
+              <a:rPr lang="fr-FR" dirty="0" err="1" smtClean="0"/>
+              <a:t>D</a:t>
+            </a:r>
+            <a:r>
+              <a:rPr lang="fr-FR" cap="all" dirty="0" err="1" smtClean="0"/>
+              <a:t>é</a:t>
+            </a:r>
+            <a:r>
+              <a:rPr lang="fr-FR" dirty="0" err="1" smtClean="0"/>
+              <a:t>MONSTRATION</a:t>
+            </a:r>
+            <a:endParaRPr lang="fr-FR" dirty="0"/>
           </a:p>
           <a:p>
             <a:pPr marL="457200" indent="-457200">
@@ -15286,8 +15341,24 @@
               <a:buAutoNum type="arabicPeriod"/>
             </a:pPr>
             <a:r>
+              <a:rPr lang="fr-FR" dirty="0" err="1" smtClean="0"/>
+              <a:t>INT</a:t>
+            </a:r>
+            <a:r>
+              <a:rPr lang="fr-FR" cap="all" dirty="0" err="1" smtClean="0"/>
+              <a:t>é</a:t>
+            </a:r>
+            <a:r>
+              <a:rPr lang="fr-FR" dirty="0" err="1" smtClean="0"/>
+              <a:t>RÊTS</a:t>
+            </a:r>
+            <a:r>
+              <a:rPr lang="fr-FR" dirty="0" smtClean="0"/>
+              <a:t> </a:t>
+            </a:r>
+            <a:r>
               <a:rPr lang="fr-FR" dirty="0"/>
-              <a:t>INTERETS DU CI/CD</a:t>
+              <a:t>DU CI/CD</a:t>
             </a:r>
           </a:p>
           <a:p>
@@ -15297,7 +15368,15 @@
             </a:pPr>
             <a:r>
               <a:rPr lang="fr-FR" cap="all" dirty="0"/>
-              <a:t>Difficultés rencontrées et retours sur l'UE</a:t>
+              <a:t>Difficultés </a:t>
+            </a:r>
+            <a:r>
+              <a:rPr lang="fr-FR" cap="all" dirty="0"/>
+              <a:t>rencontrées, améliorations </a:t>
+            </a:r>
+            <a:r>
+              <a:rPr lang="fr-FR" cap="all" dirty="0"/>
+              <a:t>et retours sur l'UE</a:t>
             </a:r>
           </a:p>
           <a:p>
